--- a/dabian/杨一雄_毕业设计答辩_v2.0.pptx
+++ b/dabian/杨一雄_毕业设计答辩_v2.0.pptx
@@ -1766,63 +1766,59 @@
           <a:lstStyle/>
           <a:p>
             <a:r>
-              <a:rPr lang="zh-CN" altLang="en-US" dirty="0"/>
-              <a:t>对数控振荡器的描述如左上方图所示，数控振荡器需根据给定的频率控制字，输出对应周期的正弦波信号。</a:t>
-            </a:r>
-            <a:endParaRPr lang="en-US" altLang="zh-CN" dirty="0"/>
-          </a:p>
-          <a:p>
-            <a:r>
-              <a:rPr lang="zh-CN" altLang="en-US" dirty="0"/>
-              <a:t>数控振荡器的应用主要分两大块，一块是无线通信系系统、军用雷达；另一块包括计算平台和网络设备等</a:t>
-            </a:r>
-            <a:endParaRPr lang="en-US" altLang="zh-CN" dirty="0"/>
-          </a:p>
-          <a:p>
-            <a:r>
-              <a:rPr lang="zh-CN" altLang="en-US" dirty="0"/>
-              <a:t>我实现数控振荡器的方法是直接数字式</a:t>
-            </a:r>
-            <a:r>
-              <a:rPr lang="en-US" altLang="zh-CN" dirty="0"/>
-              <a:t>DDS</a:t>
-            </a:r>
-            <a:r>
-              <a:rPr lang="zh-CN" altLang="en-US" dirty="0"/>
-              <a:t>，包括生成相位的相位累加器</a:t>
-            </a:r>
-            <a:r>
-              <a:rPr lang="en-US" altLang="zh-CN" dirty="0"/>
-              <a:t>(PA)</a:t>
-            </a:r>
-            <a:r>
-              <a:rPr lang="zh-CN" altLang="en-US" dirty="0"/>
-              <a:t>模块，将相位转化为正弦波幅度的相位幅度转换器</a:t>
-            </a:r>
-            <a:r>
-              <a:rPr lang="en-US" altLang="zh-CN" dirty="0"/>
-              <a:t>(PAC)</a:t>
-            </a:r>
-            <a:r>
-              <a:rPr lang="zh-CN" altLang="en-US" dirty="0"/>
-              <a:t>模块，以及连接</a:t>
-            </a:r>
-            <a:r>
-              <a:rPr lang="en-US" altLang="zh-CN" dirty="0"/>
-              <a:t>PA/PAC</a:t>
-            </a:r>
-            <a:r>
-              <a:rPr lang="zh-CN" altLang="en-US" dirty="0"/>
-              <a:t>，进行相位压缩的</a:t>
-            </a:r>
-            <a:r>
-              <a:rPr lang="en-US" altLang="zh-CN" dirty="0"/>
-              <a:t>PC</a:t>
-            </a:r>
-            <a:r>
-              <a:rPr lang="zh-CN" altLang="en-US" dirty="0"/>
-              <a:t>模块</a:t>
-            </a:r>
+              <a:rPr lang="zh-CN" altLang="en-US" dirty="0" smtClean="0"/>
+              <a:t>数控振荡器的定义如右上角的框图所示，输入为频率控制字，输出时对应频率的正弦波。</a:t>
+            </a:r>
+            <a:endParaRPr lang="en-US" altLang="zh-CN" dirty="0" smtClean="0"/>
+          </a:p>
+          <a:p>
+            <a:r>
+              <a:rPr lang="en-US" altLang="zh-CN" dirty="0" smtClean="0"/>
+              <a:t>NCO</a:t>
+            </a:r>
+            <a:r>
+              <a:rPr lang="zh-CN" altLang="en-US" dirty="0" smtClean="0"/>
+              <a:t>的主要作用是产生正弦波，可在无线通信生成载波，雷达扫频充当信号源；</a:t>
+            </a:r>
+            <a:endParaRPr lang="en-US" altLang="zh-CN" dirty="0" smtClean="0"/>
+          </a:p>
+          <a:p>
+            <a:r>
+              <a:rPr lang="zh-CN" altLang="en-US" dirty="0" smtClean="0"/>
+              <a:t>在</a:t>
+            </a:r>
+            <a:r>
+              <a:rPr lang="en-US" altLang="zh-CN" dirty="0" smtClean="0"/>
+              <a:t>FPGA</a:t>
+            </a:r>
+            <a:r>
+              <a:rPr lang="zh-CN" altLang="en-US" dirty="0" smtClean="0"/>
+              <a:t>等计算平台网络设备中也需要使用</a:t>
+            </a:r>
+            <a:r>
+              <a:rPr lang="en-US" altLang="zh-CN" dirty="0" smtClean="0"/>
+              <a:t>NCO</a:t>
+            </a:r>
+            <a:r>
+              <a:rPr lang="zh-CN" altLang="en-US" dirty="0" smtClean="0"/>
+              <a:t>实现计算任务和调制解调；</a:t>
+            </a:r>
+            <a:endParaRPr lang="en-US" altLang="zh-CN" dirty="0" smtClean="0"/>
+          </a:p>
+          <a:p>
+            <a:r>
+              <a:rPr lang="zh-CN" altLang="en-US" dirty="0" smtClean="0"/>
+              <a:t>在电路设计中，使用</a:t>
+            </a:r>
+            <a:r>
+              <a:rPr lang="en-US" altLang="zh-CN" dirty="0" smtClean="0"/>
+              <a:t>NCO</a:t>
+            </a:r>
+            <a:r>
+              <a:rPr lang="zh-CN" altLang="en-US" dirty="0" smtClean="0"/>
+              <a:t>测试系统的频率输出特性也是非常重要的一环；</a:t>
+            </a:r>
+            <a:endParaRPr lang="en-US" altLang="zh-CN" dirty="0" smtClean="0"/>
           </a:p>
         </p:txBody>
       </p:sp>
@@ -1906,6 +1902,102 @@
           <a:bodyPr/>
           <a:lstStyle/>
           <a:p>
+            <a:pPr marL="914400" marR="0" lvl="2" indent="0" algn="l" defTabSz="914400" rtl="0" eaLnBrk="1" fontAlgn="auto" latinLnBrk="0" hangingPunct="1">
+              <a:lnSpc>
+                <a:spcPct val="100000"/>
+              </a:lnSpc>
+              <a:spcBef>
+                <a:spcPts val="300"/>
+              </a:spcBef>
+              <a:spcAft>
+                <a:spcPts val="300"/>
+              </a:spcAft>
+              <a:buClrTx/>
+              <a:buSzTx/>
+              <a:buFontTx/>
+              <a:buNone/>
+              <a:tabLst/>
+              <a:defRPr/>
+            </a:pPr>
+            <a:r>
+              <a:rPr lang="zh-CN" altLang="en-US" sz="1600" dirty="0" smtClean="0"/>
+              <a:t>实现数控振荡器的一个重要方法是直接数字合成方法</a:t>
+            </a:r>
+            <a:r>
+              <a:rPr lang="en-US" altLang="zh-CN" sz="1600" dirty="0" smtClean="0"/>
+              <a:t>DDS</a:t>
+            </a:r>
+            <a:r>
+              <a:rPr lang="zh-CN" altLang="en-US" sz="1600" dirty="0" smtClean="0"/>
+              <a:t>。</a:t>
+            </a:r>
+            <a:endParaRPr lang="en-US" altLang="zh-CN" sz="1600" dirty="0" smtClean="0"/>
+          </a:p>
+          <a:p>
+            <a:pPr marL="914400" marR="0" lvl="2" indent="0" algn="l" defTabSz="914400" rtl="0" eaLnBrk="1" fontAlgn="auto" latinLnBrk="0" hangingPunct="1">
+              <a:lnSpc>
+                <a:spcPct val="100000"/>
+              </a:lnSpc>
+              <a:spcBef>
+                <a:spcPts val="300"/>
+              </a:spcBef>
+              <a:spcAft>
+                <a:spcPts val="300"/>
+              </a:spcAft>
+              <a:buClrTx/>
+              <a:buSzTx/>
+              <a:buFontTx/>
+              <a:buNone/>
+              <a:tabLst/>
+              <a:defRPr/>
+            </a:pPr>
+            <a:r>
+              <a:rPr lang="zh-CN" altLang="en-US" sz="1600" dirty="0" smtClean="0"/>
+              <a:t>从上方的图看出，</a:t>
+            </a:r>
+            <a:r>
+              <a:rPr lang="en-US" altLang="zh-CN" sz="1600" dirty="0" smtClean="0"/>
+              <a:t>DDS</a:t>
+            </a:r>
+            <a:r>
+              <a:rPr lang="zh-CN" altLang="en-US" sz="1600" dirty="0" smtClean="0"/>
+              <a:t>包括生成相位的相位累加器</a:t>
+            </a:r>
+            <a:r>
+              <a:rPr lang="en-US" altLang="zh-CN" sz="1600" dirty="0" smtClean="0"/>
+              <a:t>(PA)</a:t>
+            </a:r>
+            <a:r>
+              <a:rPr lang="zh-CN" altLang="en-US" sz="1600" dirty="0" smtClean="0"/>
+              <a:t>模块，将相位转化为正弦波幅度的相位幅度转换器</a:t>
+            </a:r>
+            <a:r>
+              <a:rPr lang="en-US" altLang="zh-CN" sz="1600" dirty="0" smtClean="0"/>
+              <a:t>(PAC)</a:t>
+            </a:r>
+            <a:r>
+              <a:rPr lang="zh-CN" altLang="en-US" sz="1600" dirty="0" smtClean="0"/>
+              <a:t>模块，最后的数模转换器</a:t>
+            </a:r>
+            <a:r>
+              <a:rPr lang="en-US" altLang="zh-CN" sz="1600" dirty="0" smtClean="0"/>
+              <a:t>(DAC)</a:t>
+            </a:r>
+            <a:r>
+              <a:rPr lang="zh-CN" altLang="en-US" sz="1600" dirty="0" smtClean="0"/>
+              <a:t>，核心是实现相位到正弦波幅度转换</a:t>
+            </a:r>
+            <a:r>
+              <a:rPr lang="en-US" altLang="zh-CN" sz="1600" dirty="0" smtClean="0"/>
+              <a:t>PAC</a:t>
+            </a:r>
+            <a:r>
+              <a:rPr lang="zh-CN" altLang="en-US" sz="1600" dirty="0" smtClean="0"/>
+              <a:t>模块</a:t>
+            </a:r>
+            <a:endParaRPr lang="en-US" altLang="zh-CN" sz="1600" dirty="0" smtClean="0"/>
+          </a:p>
+          <a:p>
             <a:pPr lvl="2">
               <a:spcBef>
                 <a:spcPts val="300"/>
@@ -1914,28 +2006,7 @@
                 <a:spcPts val="300"/>
               </a:spcAft>
             </a:pPr>
-            <a:r>
-              <a:rPr lang="zh-CN" altLang="en-US" sz="1600" dirty="0">
-                <a:latin typeface="微软雅黑" panose="020B0503020204020204" pitchFamily="34" charset="-122"/>
-                <a:ea typeface="微软雅黑" panose="020B0503020204020204" pitchFamily="34" charset="-122"/>
-              </a:rPr>
-              <a:t>传统的</a:t>
-            </a:r>
-            <a:r>
-              <a:rPr lang="en-US" altLang="zh-CN" sz="1600" dirty="0">
-                <a:latin typeface="微软雅黑" panose="020B0503020204020204" pitchFamily="34" charset="-122"/>
-                <a:ea typeface="微软雅黑" panose="020B0503020204020204" pitchFamily="34" charset="-122"/>
-              </a:rPr>
-              <a:t>DDS</a:t>
-            </a:r>
-            <a:r>
-              <a:rPr lang="zh-CN" altLang="en-US" sz="1600" dirty="0">
-                <a:latin typeface="微软雅黑" panose="020B0503020204020204" pitchFamily="34" charset="-122"/>
-                <a:ea typeface="微软雅黑" panose="020B0503020204020204" pitchFamily="34" charset="-122"/>
-              </a:rPr>
-              <a:t>实现方法，核心是利用一个大查找表，将相位直接映射成对应的幅度，但在实现高速、高精度上遇到了很大的挑战</a:t>
-            </a:r>
-            <a:endParaRPr lang="en-US" altLang="zh-CN" sz="1600" dirty="0">
+            <a:endParaRPr lang="en-US" altLang="zh-CN" sz="1600" dirty="0" smtClean="0">
               <a:latin typeface="微软雅黑" panose="020B0503020204020204" pitchFamily="34" charset="-122"/>
               <a:ea typeface="微软雅黑" panose="020B0503020204020204" pitchFamily="34" charset="-122"/>
             </a:endParaRPr>
@@ -1950,34 +2021,20 @@
               </a:spcAft>
             </a:pPr>
             <a:r>
-              <a:rPr lang="en-US" altLang="zh-CN" sz="1600" dirty="0">
+              <a:rPr lang="en-US" altLang="zh-CN" sz="1600" dirty="0" smtClean="0">
                 <a:latin typeface="微软雅黑" panose="020B0503020204020204" pitchFamily="34" charset="-122"/>
                 <a:ea typeface="微软雅黑" panose="020B0503020204020204" pitchFamily="34" charset="-122"/>
               </a:rPr>
-              <a:t>1) </a:t>
-            </a:r>
-            <a:r>
-              <a:rPr lang="zh-CN" altLang="en-US" sz="1600" dirty="0">
+              <a:t>DDS</a:t>
+            </a:r>
+            <a:r>
+              <a:rPr lang="zh-CN" altLang="en-US" sz="1600" dirty="0" smtClean="0">
                 <a:latin typeface="微软雅黑" panose="020B0503020204020204" pitchFamily="34" charset="-122"/>
                 <a:ea typeface="微软雅黑" panose="020B0503020204020204" pitchFamily="34" charset="-122"/>
               </a:rPr>
-              <a:t>每提升</a:t>
-            </a:r>
-            <a:r>
-              <a:rPr lang="en-US" altLang="zh-CN" sz="1600" dirty="0">
-                <a:latin typeface="微软雅黑" panose="020B0503020204020204" pitchFamily="34" charset="-122"/>
-                <a:ea typeface="微软雅黑" panose="020B0503020204020204" pitchFamily="34" charset="-122"/>
-              </a:rPr>
-              <a:t>1bit</a:t>
-            </a:r>
-            <a:r>
-              <a:rPr lang="zh-CN" altLang="en-US" sz="1600" dirty="0">
-                <a:latin typeface="微软雅黑" panose="020B0503020204020204" pitchFamily="34" charset="-122"/>
-                <a:ea typeface="微软雅黑" panose="020B0503020204020204" pitchFamily="34" charset="-122"/>
-              </a:rPr>
-              <a:t>精度，面积、功耗开销翻倍，速度受限</a:t>
-            </a:r>
-            <a:endParaRPr lang="en-US" altLang="zh-CN" sz="1600" dirty="0">
+              <a:t>的特点是频率分辨率极高，通过调整频率控制字位数即可实现。另一个特点是可以及时通过改变频率控制字实现扫频操作。</a:t>
+            </a:r>
+            <a:endParaRPr lang="en-US" altLang="zh-CN" sz="1600" dirty="0" smtClean="0">
               <a:latin typeface="微软雅黑" panose="020B0503020204020204" pitchFamily="34" charset="-122"/>
               <a:ea typeface="微软雅黑" panose="020B0503020204020204" pitchFamily="34" charset="-122"/>
             </a:endParaRPr>
@@ -1992,34 +2049,27 @@
               </a:spcAft>
             </a:pPr>
             <a:r>
-              <a:rPr lang="en-US" altLang="zh-CN" sz="1600" dirty="0">
+              <a:rPr lang="zh-CN" altLang="en-US" sz="1600" dirty="0" smtClean="0">
                 <a:latin typeface="微软雅黑" panose="020B0503020204020204" pitchFamily="34" charset="-122"/>
                 <a:ea typeface="微软雅黑" panose="020B0503020204020204" pitchFamily="34" charset="-122"/>
               </a:rPr>
-              <a:t>2) </a:t>
-            </a:r>
-            <a:r>
-              <a:rPr lang="zh-CN" altLang="en-US" sz="1600" dirty="0">
+              <a:t>除了高分辨率和扫频速度快等优点，因为使用全数字电路，</a:t>
+            </a:r>
+            <a:r>
+              <a:rPr lang="en-US" altLang="zh-CN" sz="1600" dirty="0" smtClean="0">
                 <a:latin typeface="微软雅黑" panose="020B0503020204020204" pitchFamily="34" charset="-122"/>
                 <a:ea typeface="微软雅黑" panose="020B0503020204020204" pitchFamily="34" charset="-122"/>
               </a:rPr>
-              <a:t>存储器的访存速度比较慢，是限制</a:t>
-            </a:r>
-            <a:r>
-              <a:rPr lang="en-US" altLang="zh-CN" sz="1600" dirty="0">
+              <a:t>DDS</a:t>
+            </a:r>
+            <a:r>
+              <a:rPr lang="zh-CN" altLang="en-US" sz="1600" dirty="0" smtClean="0">
                 <a:latin typeface="微软雅黑" panose="020B0503020204020204" pitchFamily="34" charset="-122"/>
                 <a:ea typeface="微软雅黑" panose="020B0503020204020204" pitchFamily="34" charset="-122"/>
               </a:rPr>
-              <a:t>DDS</a:t>
-            </a:r>
-            <a:r>
-              <a:rPr lang="zh-CN" altLang="en-US" sz="1600" dirty="0">
-                <a:latin typeface="微软雅黑" panose="020B0503020204020204" pitchFamily="34" charset="-122"/>
-                <a:ea typeface="微软雅黑" panose="020B0503020204020204" pitchFamily="34" charset="-122"/>
-              </a:rPr>
-              <a:t>速度性能的瓶颈</a:t>
-            </a:r>
-            <a:endParaRPr lang="en-US" altLang="zh-CN" sz="1600" dirty="0">
+              <a:t>相比锁相环系统更加稳定，输出相位能保持连续性。</a:t>
+            </a:r>
+            <a:endParaRPr lang="en-US" altLang="zh-CN" sz="1600" dirty="0" smtClean="0">
               <a:latin typeface="微软雅黑" panose="020B0503020204020204" pitchFamily="34" charset="-122"/>
               <a:ea typeface="微软雅黑" panose="020B0503020204020204" pitchFamily="34" charset="-122"/>
             </a:endParaRPr>
@@ -2033,7 +2083,7 @@
                 <a:spcPts val="300"/>
               </a:spcAft>
             </a:pPr>
-            <a:endParaRPr lang="en-US" altLang="zh-CN" sz="1600" dirty="0">
+            <a:endParaRPr lang="en-US" altLang="zh-CN" sz="1600" dirty="0" smtClean="0">
               <a:latin typeface="微软雅黑" panose="020B0503020204020204" pitchFamily="34" charset="-122"/>
               <a:ea typeface="微软雅黑" panose="020B0503020204020204" pitchFamily="34" charset="-122"/>
             </a:endParaRPr>
@@ -2048,27 +2098,41 @@
               </a:spcAft>
             </a:pPr>
             <a:r>
-              <a:rPr lang="zh-CN" altLang="en-US" sz="1600" dirty="0">
+              <a:rPr lang="zh-CN" altLang="en-US" sz="1600" dirty="0" smtClean="0">
                 <a:latin typeface="微软雅黑" panose="020B0503020204020204" pitchFamily="34" charset="-122"/>
                 <a:ea typeface="微软雅黑" panose="020B0503020204020204" pitchFamily="34" charset="-122"/>
               </a:rPr>
-              <a:t>为解决以上问题，优化</a:t>
-            </a:r>
-            <a:r>
-              <a:rPr lang="en-US" altLang="zh-CN" sz="1600" dirty="0">
+              <a:t>评价</a:t>
+            </a:r>
+            <a:r>
+              <a:rPr lang="en-US" altLang="zh-CN" sz="1600" dirty="0" smtClean="0">
                 <a:latin typeface="微软雅黑" panose="020B0503020204020204" pitchFamily="34" charset="-122"/>
                 <a:ea typeface="微软雅黑" panose="020B0503020204020204" pitchFamily="34" charset="-122"/>
               </a:rPr>
               <a:t>DDS</a:t>
             </a:r>
             <a:r>
-              <a:rPr lang="zh-CN" altLang="en-US" sz="1600" dirty="0">
+              <a:rPr lang="zh-CN" altLang="en-US" sz="1600" dirty="0" smtClean="0">
                 <a:latin typeface="微软雅黑" panose="020B0503020204020204" pitchFamily="34" charset="-122"/>
                 <a:ea typeface="微软雅黑" panose="020B0503020204020204" pitchFamily="34" charset="-122"/>
               </a:rPr>
-              <a:t>有三个方向：</a:t>
-            </a:r>
-            <a:endParaRPr lang="en-US" altLang="zh-CN" sz="1600" dirty="0">
+              <a:t>的指标首先是输出信号的信噪比，用于描述输出幅度的不确定度。另一项指标是最大杂散分量</a:t>
+            </a:r>
+            <a:r>
+              <a:rPr lang="en-US" altLang="zh-CN" sz="1600" dirty="0" smtClean="0">
+                <a:latin typeface="微软雅黑" panose="020B0503020204020204" pitchFamily="34" charset="-122"/>
+                <a:ea typeface="微软雅黑" panose="020B0503020204020204" pitchFamily="34" charset="-122"/>
+              </a:rPr>
+              <a:t>SFDR</a:t>
+            </a:r>
+            <a:r>
+              <a:rPr lang="zh-CN" altLang="en-US" sz="1600" dirty="0" smtClean="0">
+                <a:latin typeface="微软雅黑" panose="020B0503020204020204" pitchFamily="34" charset="-122"/>
+                <a:ea typeface="微软雅黑" panose="020B0503020204020204" pitchFamily="34" charset="-122"/>
+              </a:rPr>
+              <a:t>，指基频信号能量和最大杂散信号能量之比。</a:t>
+            </a:r>
+            <a:endParaRPr lang="en-US" altLang="zh-CN" sz="1600" dirty="0" smtClean="0">
               <a:latin typeface="微软雅黑" panose="020B0503020204020204" pitchFamily="34" charset="-122"/>
               <a:ea typeface="微软雅黑" panose="020B0503020204020204" pitchFamily="34" charset="-122"/>
             </a:endParaRPr>
@@ -2083,20 +2147,55 @@
               </a:spcAft>
             </a:pPr>
             <a:r>
-              <a:rPr lang="en-US" altLang="zh-CN" sz="1600" dirty="0">
+              <a:rPr lang="zh-CN" altLang="en-US" sz="1600" dirty="0" smtClean="0">
                 <a:latin typeface="微软雅黑" panose="020B0503020204020204" pitchFamily="34" charset="-122"/>
                 <a:ea typeface="微软雅黑" panose="020B0503020204020204" pitchFamily="34" charset="-122"/>
               </a:rPr>
-              <a:t>1</a:t>
-            </a:r>
-            <a:r>
-              <a:rPr lang="zh-CN" altLang="en-US" sz="1600" dirty="0">
+              <a:t>如频谱分析右下角图所示，图（</a:t>
+            </a:r>
+            <a:r>
+              <a:rPr lang="en-US" altLang="zh-CN" sz="1600" dirty="0" smtClean="0">
                 <a:latin typeface="微软雅黑" panose="020B0503020204020204" pitchFamily="34" charset="-122"/>
                 <a:ea typeface="微软雅黑" panose="020B0503020204020204" pitchFamily="34" charset="-122"/>
               </a:rPr>
-              <a:t>）压缩查找表，使用更小更快的存储器</a:t>
-            </a:r>
-            <a:endParaRPr lang="en-US" altLang="zh-CN" sz="1600" dirty="0">
+              <a:t>a</a:t>
+            </a:r>
+            <a:r>
+              <a:rPr lang="zh-CN" altLang="en-US" sz="1600" dirty="0" smtClean="0">
+                <a:latin typeface="微软雅黑" panose="020B0503020204020204" pitchFamily="34" charset="-122"/>
+                <a:ea typeface="微软雅黑" panose="020B0503020204020204" pitchFamily="34" charset="-122"/>
+              </a:rPr>
+              <a:t>）中除基频外的噪声呈高斯白特性，对于该类信号用</a:t>
+            </a:r>
+            <a:r>
+              <a:rPr lang="en-US" altLang="zh-CN" sz="1600" dirty="0" smtClean="0">
+                <a:latin typeface="微软雅黑" panose="020B0503020204020204" pitchFamily="34" charset="-122"/>
+                <a:ea typeface="微软雅黑" panose="020B0503020204020204" pitchFamily="34" charset="-122"/>
+              </a:rPr>
+              <a:t>SNR</a:t>
+            </a:r>
+            <a:r>
+              <a:rPr lang="zh-CN" altLang="en-US" sz="1600" dirty="0" smtClean="0">
+                <a:latin typeface="微软雅黑" panose="020B0503020204020204" pitchFamily="34" charset="-122"/>
+                <a:ea typeface="微软雅黑" panose="020B0503020204020204" pitchFamily="34" charset="-122"/>
+              </a:rPr>
+              <a:t>评价更有效；图</a:t>
+            </a:r>
+            <a:r>
+              <a:rPr lang="en-US" altLang="zh-CN" sz="1600" dirty="0" smtClean="0">
+                <a:latin typeface="微软雅黑" panose="020B0503020204020204" pitchFamily="34" charset="-122"/>
+                <a:ea typeface="微软雅黑" panose="020B0503020204020204" pitchFamily="34" charset="-122"/>
+              </a:rPr>
+              <a:t>(b)</a:t>
+            </a:r>
+            <a:r>
+              <a:rPr lang="zh-CN" altLang="en-US" sz="1600" dirty="0" smtClean="0">
+                <a:latin typeface="微软雅黑" panose="020B0503020204020204" pitchFamily="34" charset="-122"/>
+                <a:ea typeface="微软雅黑" panose="020B0503020204020204" pitchFamily="34" charset="-122"/>
+              </a:rPr>
+              <a:t>中底噪虽然不高，但是在特定频点上有杂散信号，这时用最大杂散分量评价噪声更为有效。</a:t>
+            </a:r>
+            <a:endParaRPr lang="en-US" altLang="zh-CN" sz="1600" dirty="0" smtClean="0">
               <a:latin typeface="微软雅黑" panose="020B0503020204020204" pitchFamily="34" charset="-122"/>
               <a:ea typeface="微软雅黑" panose="020B0503020204020204" pitchFamily="34" charset="-122"/>
             </a:endParaRPr>
@@ -2111,118 +2210,13 @@
               </a:spcAft>
             </a:pPr>
             <a:r>
-              <a:rPr lang="en-US" altLang="zh-CN" sz="1600" dirty="0">
+              <a:rPr lang="zh-CN" altLang="en-US" sz="1600" dirty="0" smtClean="0">
                 <a:latin typeface="微软雅黑" panose="020B0503020204020204" pitchFamily="34" charset="-122"/>
                 <a:ea typeface="微软雅黑" panose="020B0503020204020204" pitchFamily="34" charset="-122"/>
               </a:rPr>
-              <a:t>2</a:t>
-            </a:r>
-            <a:r>
-              <a:rPr lang="zh-CN" altLang="en-US" sz="1600" dirty="0">
-                <a:latin typeface="微软雅黑" panose="020B0503020204020204" pitchFamily="34" charset="-122"/>
-                <a:ea typeface="微软雅黑" panose="020B0503020204020204" pitchFamily="34" charset="-122"/>
-              </a:rPr>
-              <a:t>）用矩阵乘法产生旋转操作，替代查表法</a:t>
-            </a:r>
-            <a:endParaRPr lang="en-US" altLang="zh-CN" sz="1600" dirty="0">
-              <a:latin typeface="微软雅黑" panose="020B0503020204020204" pitchFamily="34" charset="-122"/>
-              <a:ea typeface="微软雅黑" panose="020B0503020204020204" pitchFamily="34" charset="-122"/>
-            </a:endParaRPr>
-          </a:p>
-          <a:p>
-            <a:pPr lvl="2">
-              <a:spcBef>
-                <a:spcPts val="300"/>
-              </a:spcBef>
-              <a:spcAft>
-                <a:spcPts val="300"/>
-              </a:spcAft>
-            </a:pPr>
-            <a:r>
-              <a:rPr lang="en-US" altLang="zh-CN" sz="1600" dirty="0">
-                <a:latin typeface="微软雅黑" panose="020B0503020204020204" pitchFamily="34" charset="-122"/>
-                <a:ea typeface="微软雅黑" panose="020B0503020204020204" pitchFamily="34" charset="-122"/>
-              </a:rPr>
-              <a:t>3</a:t>
-            </a:r>
-            <a:r>
-              <a:rPr lang="zh-CN" altLang="en-US" sz="1600" dirty="0">
-                <a:latin typeface="微软雅黑" panose="020B0503020204020204" pitchFamily="34" charset="-122"/>
-                <a:ea typeface="微软雅黑" panose="020B0503020204020204" pitchFamily="34" charset="-122"/>
-              </a:rPr>
-              <a:t>）是在</a:t>
-            </a:r>
-            <a:r>
-              <a:rPr lang="en-US" altLang="zh-CN" sz="1600" dirty="0">
-                <a:latin typeface="微软雅黑" panose="020B0503020204020204" pitchFamily="34" charset="-122"/>
-                <a:ea typeface="微软雅黑" panose="020B0503020204020204" pitchFamily="34" charset="-122"/>
-              </a:rPr>
-              <a:t>DAC</a:t>
-            </a:r>
-            <a:r>
-              <a:rPr lang="zh-CN" altLang="en-US" sz="1600" dirty="0">
-                <a:latin typeface="微软雅黑" panose="020B0503020204020204" pitchFamily="34" charset="-122"/>
-                <a:ea typeface="微软雅黑" panose="020B0503020204020204" pitchFamily="34" charset="-122"/>
-              </a:rPr>
-              <a:t>内实现相位到幅度的映射</a:t>
-            </a:r>
-            <a:endParaRPr lang="en-US" altLang="zh-CN" sz="1600" dirty="0">
-              <a:latin typeface="微软雅黑" panose="020B0503020204020204" pitchFamily="34" charset="-122"/>
-              <a:ea typeface="微软雅黑" panose="020B0503020204020204" pitchFamily="34" charset="-122"/>
-            </a:endParaRPr>
-          </a:p>
-          <a:p>
-            <a:pPr lvl="2">
-              <a:spcBef>
-                <a:spcPts val="300"/>
-              </a:spcBef>
-              <a:spcAft>
-                <a:spcPts val="300"/>
-              </a:spcAft>
-            </a:pPr>
-            <a:endParaRPr lang="en-US" altLang="zh-CN" sz="1600" dirty="0">
-              <a:latin typeface="微软雅黑" panose="020B0503020204020204" pitchFamily="34" charset="-122"/>
-              <a:ea typeface="微软雅黑" panose="020B0503020204020204" pitchFamily="34" charset="-122"/>
-            </a:endParaRPr>
-          </a:p>
-          <a:p>
-            <a:pPr lvl="2">
-              <a:spcBef>
-                <a:spcPts val="600"/>
-              </a:spcBef>
-              <a:spcAft>
-                <a:spcPts val="600"/>
-              </a:spcAft>
-            </a:pPr>
-            <a:r>
-              <a:rPr lang="zh-CN" altLang="en-US" sz="1600" dirty="0">
-                <a:latin typeface="微软雅黑" panose="020B0503020204020204" pitchFamily="34" charset="-122"/>
-                <a:ea typeface="微软雅黑" panose="020B0503020204020204" pitchFamily="34" charset="-122"/>
-              </a:rPr>
-              <a:t>我的解结思路是查找表和矩阵旋转结合的方法，兼具速度和精度</a:t>
-            </a:r>
-            <a:endParaRPr lang="en-US" altLang="zh-CN" sz="1600" dirty="0">
-              <a:latin typeface="微软雅黑" panose="020B0503020204020204" pitchFamily="34" charset="-122"/>
-              <a:ea typeface="微软雅黑" panose="020B0503020204020204" pitchFamily="34" charset="-122"/>
-            </a:endParaRPr>
-          </a:p>
-          <a:p>
-            <a:pPr lvl="2">
-              <a:spcBef>
-                <a:spcPts val="600"/>
-              </a:spcBef>
-              <a:spcAft>
-                <a:spcPts val="600"/>
-              </a:spcAft>
-            </a:pPr>
-            <a:r>
-              <a:rPr lang="zh-CN" altLang="en-US" sz="1600" dirty="0">
-                <a:latin typeface="微软雅黑" panose="020B0503020204020204" pitchFamily="34" charset="-122"/>
-                <a:ea typeface="微软雅黑" panose="020B0503020204020204" pitchFamily="34" charset="-122"/>
-              </a:rPr>
-              <a:t>同时在算法上改进</a:t>
-            </a:r>
-            <a:endParaRPr lang="en-US" altLang="zh-CN" sz="1600" dirty="0">
+              <a:t>除了噪声的评价，功耗、时钟频率也是考察系统性能的重要指标。</a:t>
+            </a:r>
+            <a:endParaRPr lang="en-US" altLang="zh-CN" sz="1600" dirty="0" smtClean="0">
               <a:latin typeface="微软雅黑" panose="020B0503020204020204" pitchFamily="34" charset="-122"/>
               <a:ea typeface="微软雅黑" panose="020B0503020204020204" pitchFamily="34" charset="-122"/>
             </a:endParaRPr>
@@ -2332,25 +2326,67 @@
               </a:spcAft>
             </a:pPr>
             <a:r>
+              <a:rPr lang="en-US" altLang="zh-CN" sz="1600" dirty="0" smtClean="0">
+                <a:latin typeface="微软雅黑" panose="020B0503020204020204" pitchFamily="34" charset="-122"/>
+                <a:ea typeface="微软雅黑" panose="020B0503020204020204" pitchFamily="34" charset="-122"/>
+              </a:rPr>
+              <a:t>DDS</a:t>
+            </a:r>
+            <a:r>
+              <a:rPr lang="zh-CN" altLang="en-US" sz="1600" dirty="0" smtClean="0">
+                <a:latin typeface="微软雅黑" panose="020B0503020204020204" pitchFamily="34" charset="-122"/>
+                <a:ea typeface="微软雅黑" panose="020B0503020204020204" pitchFamily="34" charset="-122"/>
+              </a:rPr>
+              <a:t>的核心器件是相位</a:t>
+            </a:r>
+            <a:r>
+              <a:rPr lang="en-US" altLang="zh-CN" sz="1600" dirty="0" smtClean="0">
+                <a:latin typeface="微软雅黑" panose="020B0503020204020204" pitchFamily="34" charset="-122"/>
+                <a:ea typeface="微软雅黑" panose="020B0503020204020204" pitchFamily="34" charset="-122"/>
+              </a:rPr>
+              <a:t>-</a:t>
+            </a:r>
+            <a:r>
+              <a:rPr lang="zh-CN" altLang="en-US" sz="1600" dirty="0" smtClean="0">
+                <a:latin typeface="微软雅黑" panose="020B0503020204020204" pitchFamily="34" charset="-122"/>
+                <a:ea typeface="微软雅黑" panose="020B0503020204020204" pitchFamily="34" charset="-122"/>
+              </a:rPr>
+              <a:t>幅度转换器。传统的实现</a:t>
+            </a:r>
+            <a:r>
               <a:rPr lang="zh-CN" altLang="en-US" sz="1600" dirty="0">
                 <a:latin typeface="微软雅黑" panose="020B0503020204020204" pitchFamily="34" charset="-122"/>
                 <a:ea typeface="微软雅黑" panose="020B0503020204020204" pitchFamily="34" charset="-122"/>
               </a:rPr>
-              <a:t>传统的</a:t>
-            </a:r>
-            <a:r>
-              <a:rPr lang="en-US" altLang="zh-CN" sz="1600" dirty="0">
+              <a:t>方法</a:t>
+            </a:r>
+            <a:r>
+              <a:rPr lang="zh-CN" altLang="en-US" sz="1600" dirty="0" smtClean="0">
                 <a:latin typeface="微软雅黑" panose="020B0503020204020204" pitchFamily="34" charset="-122"/>
                 <a:ea typeface="微软雅黑" panose="020B0503020204020204" pitchFamily="34" charset="-122"/>
               </a:rPr>
-              <a:t>DDS</a:t>
+              <a:t>，是</a:t>
             </a:r>
             <a:r>
               <a:rPr lang="zh-CN" altLang="en-US" sz="1600" dirty="0">
                 <a:latin typeface="微软雅黑" panose="020B0503020204020204" pitchFamily="34" charset="-122"/>
                 <a:ea typeface="微软雅黑" panose="020B0503020204020204" pitchFamily="34" charset="-122"/>
               </a:rPr>
-              <a:t>实现方法，核心是利用一个大查找表，将相位直接映射成对应的幅度，但在实现高速、高精度上遇到了很大的挑战</a:t>
+              <a:t>利用一个大查找表</a:t>
+            </a:r>
+            <a:r>
+              <a:rPr lang="zh-CN" altLang="en-US" sz="1600" dirty="0" smtClean="0">
+                <a:latin typeface="微软雅黑" panose="020B0503020204020204" pitchFamily="34" charset="-122"/>
+                <a:ea typeface="微软雅黑" panose="020B0503020204020204" pitchFamily="34" charset="-122"/>
+              </a:rPr>
+              <a:t>，相位</a:t>
+            </a:r>
+            <a:r>
+              <a:rPr lang="zh-CN" altLang="en-US" sz="1600" dirty="0">
+                <a:latin typeface="微软雅黑" panose="020B0503020204020204" pitchFamily="34" charset="-122"/>
+                <a:ea typeface="微软雅黑" panose="020B0503020204020204" pitchFamily="34" charset="-122"/>
+              </a:rPr>
+              <a:t>直接映射成对应的幅度，但在实现高速、高精度上遇到了很大的挑战</a:t>
             </a:r>
             <a:endParaRPr lang="en-US" altLang="zh-CN" sz="1600" dirty="0">
               <a:latin typeface="微软雅黑" panose="020B0503020204020204" pitchFamily="34" charset="-122"/>
@@ -2367,74 +2403,53 @@
               </a:spcAft>
             </a:pPr>
             <a:r>
+              <a:rPr lang="zh-CN" altLang="en-US" sz="1600" dirty="0" smtClean="0">
+                <a:latin typeface="微软雅黑" panose="020B0503020204020204" pitchFamily="34" charset="-122"/>
+                <a:ea typeface="微软雅黑" panose="020B0503020204020204" pitchFamily="34" charset="-122"/>
+              </a:rPr>
+              <a:t>这是因为每</a:t>
+            </a:r>
+            <a:r>
+              <a:rPr lang="zh-CN" altLang="en-US" sz="1600" dirty="0">
+                <a:latin typeface="微软雅黑" panose="020B0503020204020204" pitchFamily="34" charset="-122"/>
+                <a:ea typeface="微软雅黑" panose="020B0503020204020204" pitchFamily="34" charset="-122"/>
+              </a:rPr>
+              <a:t>提升</a:t>
+            </a:r>
+            <a:r>
               <a:rPr lang="en-US" altLang="zh-CN" sz="1600" dirty="0">
                 <a:latin typeface="微软雅黑" panose="020B0503020204020204" pitchFamily="34" charset="-122"/>
                 <a:ea typeface="微软雅黑" panose="020B0503020204020204" pitchFamily="34" charset="-122"/>
               </a:rPr>
-              <a:t>1) </a:t>
+              <a:t>1bit</a:t>
             </a:r>
             <a:r>
               <a:rPr lang="zh-CN" altLang="en-US" sz="1600" dirty="0">
                 <a:latin typeface="微软雅黑" panose="020B0503020204020204" pitchFamily="34" charset="-122"/>
                 <a:ea typeface="微软雅黑" panose="020B0503020204020204" pitchFamily="34" charset="-122"/>
               </a:rPr>
-              <a:t>每提升</a:t>
-            </a:r>
-            <a:r>
-              <a:rPr lang="en-US" altLang="zh-CN" sz="1600" dirty="0">
+              <a:t>精度</a:t>
+            </a:r>
+            <a:r>
+              <a:rPr lang="zh-CN" altLang="en-US" sz="1600" dirty="0" smtClean="0">
                 <a:latin typeface="微软雅黑" panose="020B0503020204020204" pitchFamily="34" charset="-122"/>
                 <a:ea typeface="微软雅黑" panose="020B0503020204020204" pitchFamily="34" charset="-122"/>
               </a:rPr>
-              <a:t>1bit</a:t>
-            </a:r>
-            <a:r>
-              <a:rPr lang="zh-CN" altLang="en-US" sz="1600" dirty="0">
+              <a:t>，查找表的大小翻倍，存储器的访存速度减慢。为了实现时高速</a:t>
+            </a:r>
+            <a:r>
+              <a:rPr lang="en-US" altLang="zh-CN" sz="1600" dirty="0" smtClean="0">
                 <a:latin typeface="微软雅黑" panose="020B0503020204020204" pitchFamily="34" charset="-122"/>
                 <a:ea typeface="微软雅黑" panose="020B0503020204020204" pitchFamily="34" charset="-122"/>
               </a:rPr>
-              <a:t>精度，面积、功耗开销翻倍，速度受限</a:t>
-            </a:r>
-            <a:endParaRPr lang="en-US" altLang="zh-CN" sz="1600" dirty="0">
-              <a:latin typeface="微软雅黑" panose="020B0503020204020204" pitchFamily="34" charset="-122"/>
-              <a:ea typeface="微软雅黑" panose="020B0503020204020204" pitchFamily="34" charset="-122"/>
-            </a:endParaRPr>
-          </a:p>
-          <a:p>
-            <a:pPr lvl="2">
-              <a:spcBef>
-                <a:spcPts val="300"/>
-              </a:spcBef>
-              <a:spcAft>
-                <a:spcPts val="300"/>
-              </a:spcAft>
-            </a:pPr>
-            <a:r>
-              <a:rPr lang="en-US" altLang="zh-CN" sz="1600" dirty="0">
+              <a:t>DDS</a:t>
+            </a:r>
+            <a:r>
+              <a:rPr lang="zh-CN" altLang="en-US" sz="1600" dirty="0" smtClean="0">
                 <a:latin typeface="微软雅黑" panose="020B0503020204020204" pitchFamily="34" charset="-122"/>
                 <a:ea typeface="微软雅黑" panose="020B0503020204020204" pitchFamily="34" charset="-122"/>
               </a:rPr>
-              <a:t>2) </a:t>
-            </a:r>
-            <a:r>
-              <a:rPr lang="zh-CN" altLang="en-US" sz="1600" dirty="0">
-                <a:latin typeface="微软雅黑" panose="020B0503020204020204" pitchFamily="34" charset="-122"/>
-                <a:ea typeface="微软雅黑" panose="020B0503020204020204" pitchFamily="34" charset="-122"/>
-              </a:rPr>
-              <a:t>存储器的访存速度比较慢，是限制</a:t>
-            </a:r>
-            <a:r>
-              <a:rPr lang="en-US" altLang="zh-CN" sz="1600" dirty="0">
-                <a:latin typeface="微软雅黑" panose="020B0503020204020204" pitchFamily="34" charset="-122"/>
-                <a:ea typeface="微软雅黑" panose="020B0503020204020204" pitchFamily="34" charset="-122"/>
-              </a:rPr>
-              <a:t>DDS</a:t>
-            </a:r>
-            <a:r>
-              <a:rPr lang="zh-CN" altLang="en-US" sz="1600" dirty="0">
-                <a:latin typeface="微软雅黑" panose="020B0503020204020204" pitchFamily="34" charset="-122"/>
-                <a:ea typeface="微软雅黑" panose="020B0503020204020204" pitchFamily="34" charset="-122"/>
-              </a:rPr>
-              <a:t>速度性能的瓶颈</a:t>
+              <a:t>往往需要牺牲系统精度。</a:t>
             </a:r>
             <a:endParaRPr lang="en-US" altLang="zh-CN" sz="1600" dirty="0">
               <a:latin typeface="微软雅黑" panose="020B0503020204020204" pitchFamily="34" charset="-122"/>
@@ -2581,78 +2596,15 @@
                 <a:latin typeface="微软雅黑" panose="020B0503020204020204" pitchFamily="34" charset="-122"/>
                 <a:ea typeface="微软雅黑" panose="020B0503020204020204" pitchFamily="34" charset="-122"/>
               </a:rPr>
-              <a:t>内实现相位到幅度的映射</a:t>
-            </a:r>
-            <a:endParaRPr lang="en-US" altLang="zh-CN" sz="1600" dirty="0">
-              <a:latin typeface="微软雅黑" panose="020B0503020204020204" pitchFamily="34" charset="-122"/>
-              <a:ea typeface="微软雅黑" panose="020B0503020204020204" pitchFamily="34" charset="-122"/>
-            </a:endParaRPr>
-          </a:p>
-          <a:p>
-            <a:pPr lvl="2">
-              <a:spcBef>
-                <a:spcPts val="300"/>
-              </a:spcBef>
-              <a:spcAft>
-                <a:spcPts val="300"/>
-              </a:spcAft>
-            </a:pPr>
-            <a:endParaRPr lang="en-US" altLang="zh-CN" sz="1600" dirty="0">
-              <a:latin typeface="微软雅黑" panose="020B0503020204020204" pitchFamily="34" charset="-122"/>
-              <a:ea typeface="微软雅黑" panose="020B0503020204020204" pitchFamily="34" charset="-122"/>
-            </a:endParaRPr>
-          </a:p>
-          <a:p>
-            <a:pPr lvl="2">
-              <a:spcBef>
-                <a:spcPts val="600"/>
-              </a:spcBef>
-              <a:spcAft>
-                <a:spcPts val="600"/>
-              </a:spcAft>
-            </a:pPr>
-            <a:r>
-              <a:rPr lang="zh-CN" altLang="en-US" sz="1600" dirty="0">
+              <a:t>内实现相位到幅度的</a:t>
+            </a:r>
+            <a:r>
+              <a:rPr lang="zh-CN" altLang="en-US" sz="1600" dirty="0" smtClean="0">
                 <a:latin typeface="微软雅黑" panose="020B0503020204020204" pitchFamily="34" charset="-122"/>
                 <a:ea typeface="微软雅黑" panose="020B0503020204020204" pitchFamily="34" charset="-122"/>
               </a:rPr>
-              <a:t>我的解结思路是查找表和矩阵旋转结合的方法，兼具速度和精度</a:t>
-            </a:r>
-            <a:endParaRPr lang="en-US" altLang="zh-CN" sz="1600" dirty="0">
-              <a:latin typeface="微软雅黑" panose="020B0503020204020204" pitchFamily="34" charset="-122"/>
-              <a:ea typeface="微软雅黑" panose="020B0503020204020204" pitchFamily="34" charset="-122"/>
-            </a:endParaRPr>
-          </a:p>
-          <a:p>
-            <a:pPr lvl="2">
-              <a:spcBef>
-                <a:spcPts val="600"/>
-              </a:spcBef>
-              <a:spcAft>
-                <a:spcPts val="600"/>
-              </a:spcAft>
-            </a:pPr>
-            <a:r>
-              <a:rPr lang="zh-CN" altLang="en-US" sz="1600" dirty="0">
-                <a:latin typeface="微软雅黑" panose="020B0503020204020204" pitchFamily="34" charset="-122"/>
-                <a:ea typeface="微软雅黑" panose="020B0503020204020204" pitchFamily="34" charset="-122"/>
-              </a:rPr>
-              <a:t>同时在算法上改进</a:t>
-            </a:r>
-            <a:endParaRPr lang="en-US" altLang="zh-CN" sz="1600" dirty="0">
-              <a:latin typeface="微软雅黑" panose="020B0503020204020204" pitchFamily="34" charset="-122"/>
-              <a:ea typeface="微软雅黑" panose="020B0503020204020204" pitchFamily="34" charset="-122"/>
-            </a:endParaRPr>
-          </a:p>
-          <a:p>
-            <a:pPr lvl="2">
-              <a:spcBef>
-                <a:spcPts val="300"/>
-              </a:spcBef>
-              <a:spcAft>
-                <a:spcPts val="300"/>
-              </a:spcAft>
-            </a:pPr>
+              <a:t>映射</a:t>
+            </a:r>
             <a:endParaRPr lang="en-US" altLang="zh-CN" sz="1600" dirty="0">
               <a:latin typeface="微软雅黑" panose="020B0503020204020204" pitchFamily="34" charset="-122"/>
               <a:ea typeface="微软雅黑" panose="020B0503020204020204" pitchFamily="34" charset="-122"/>
@@ -2749,27 +2701,48 @@
               </a:spcAft>
             </a:pPr>
             <a:r>
-              <a:rPr lang="zh-CN" altLang="en-US" sz="1600" dirty="0">
+              <a:rPr lang="zh-CN" altLang="en-US" sz="1600" dirty="0" smtClean="0">
                 <a:latin typeface="微软雅黑" panose="020B0503020204020204" pitchFamily="34" charset="-122"/>
                 <a:ea typeface="微软雅黑" panose="020B0503020204020204" pitchFamily="34" charset="-122"/>
               </a:rPr>
-              <a:t>传统的</a:t>
-            </a:r>
-            <a:r>
-              <a:rPr lang="en-US" altLang="zh-CN" sz="1600" dirty="0">
+              <a:t>查找表压缩方法的进展是</a:t>
+            </a:r>
+            <a:r>
+              <a:rPr lang="en-US" altLang="zh-CN" sz="1600" dirty="0" smtClean="0">
                 <a:latin typeface="微软雅黑" panose="020B0503020204020204" pitchFamily="34" charset="-122"/>
                 <a:ea typeface="微软雅黑" panose="020B0503020204020204" pitchFamily="34" charset="-122"/>
               </a:rPr>
-              <a:t>DDS</a:t>
-            </a:r>
-            <a:r>
-              <a:rPr lang="zh-CN" altLang="en-US" sz="1600" dirty="0">
+              <a:t>2010</a:t>
+            </a:r>
+            <a:r>
+              <a:rPr lang="zh-CN" altLang="en-US" sz="1600" dirty="0" smtClean="0">
                 <a:latin typeface="微软雅黑" panose="020B0503020204020204" pitchFamily="34" charset="-122"/>
                 <a:ea typeface="微软雅黑" panose="020B0503020204020204" pitchFamily="34" charset="-122"/>
               </a:rPr>
-              <a:t>实现方法，核心是利用一个大查找表，将相位直接映射成对应的幅度，但在实现高速、高精度上遇到了很大的挑战</a:t>
-            </a:r>
-            <a:endParaRPr lang="en-US" altLang="zh-CN" sz="1600" dirty="0">
+              <a:t>年使用二次函数内插正弦函数</a:t>
+            </a:r>
+            <a:r>
+              <a:rPr lang="zh-CN" altLang="en-US" sz="1600" b="0" dirty="0" smtClean="0">
+                <a:latin typeface="微软雅黑" panose="020B0503020204020204" pitchFamily="34" charset="-122"/>
+                <a:ea typeface="微软雅黑" panose="020B0503020204020204" pitchFamily="34" charset="-122"/>
+              </a:rPr>
+              <a:t>，将查找表索引降低到</a:t>
+            </a:r>
+            <a:r>
+              <a:rPr lang="en-US" altLang="zh-CN" sz="1600" b="0" dirty="0" smtClean="0">
+                <a:latin typeface="微软雅黑" panose="020B0503020204020204" pitchFamily="34" charset="-122"/>
+                <a:ea typeface="微软雅黑" panose="020B0503020204020204" pitchFamily="34" charset="-122"/>
+              </a:rPr>
+              <a:t>33%</a:t>
+            </a:r>
+            <a:r>
+              <a:rPr lang="zh-CN" altLang="en-US" sz="1600" b="0" dirty="0" smtClean="0">
+                <a:latin typeface="微软雅黑" panose="020B0503020204020204" pitchFamily="34" charset="-122"/>
+                <a:ea typeface="微软雅黑" panose="020B0503020204020204" pitchFamily="34" charset="-122"/>
+              </a:rPr>
+              <a:t>，但是二次函数需要额外的乘法和平方操作。</a:t>
+            </a:r>
+            <a:endParaRPr lang="en-US" altLang="zh-CN" sz="1600" b="0" dirty="0" smtClean="0">
               <a:latin typeface="微软雅黑" panose="020B0503020204020204" pitchFamily="34" charset="-122"/>
               <a:ea typeface="微软雅黑" panose="020B0503020204020204" pitchFamily="34" charset="-122"/>
             </a:endParaRPr>
@@ -2783,280 +2756,7 @@
                 <a:spcPts val="300"/>
               </a:spcAft>
             </a:pPr>
-            <a:r>
-              <a:rPr lang="en-US" altLang="zh-CN" sz="1600" dirty="0">
-                <a:latin typeface="微软雅黑" panose="020B0503020204020204" pitchFamily="34" charset="-122"/>
-                <a:ea typeface="微软雅黑" panose="020B0503020204020204" pitchFamily="34" charset="-122"/>
-              </a:rPr>
-              <a:t>1) </a:t>
-            </a:r>
-            <a:r>
-              <a:rPr lang="zh-CN" altLang="en-US" sz="1600" dirty="0">
-                <a:latin typeface="微软雅黑" panose="020B0503020204020204" pitchFamily="34" charset="-122"/>
-                <a:ea typeface="微软雅黑" panose="020B0503020204020204" pitchFamily="34" charset="-122"/>
-              </a:rPr>
-              <a:t>每提升</a:t>
-            </a:r>
-            <a:r>
-              <a:rPr lang="en-US" altLang="zh-CN" sz="1600" dirty="0">
-                <a:latin typeface="微软雅黑" panose="020B0503020204020204" pitchFamily="34" charset="-122"/>
-                <a:ea typeface="微软雅黑" panose="020B0503020204020204" pitchFamily="34" charset="-122"/>
-              </a:rPr>
-              <a:t>1bit</a:t>
-            </a:r>
-            <a:r>
-              <a:rPr lang="zh-CN" altLang="en-US" sz="1600" dirty="0">
-                <a:latin typeface="微软雅黑" panose="020B0503020204020204" pitchFamily="34" charset="-122"/>
-                <a:ea typeface="微软雅黑" panose="020B0503020204020204" pitchFamily="34" charset="-122"/>
-              </a:rPr>
-              <a:t>精度，面积、功耗开销翻倍，速度受限</a:t>
-            </a:r>
-            <a:endParaRPr lang="en-US" altLang="zh-CN" sz="1600" dirty="0">
-              <a:latin typeface="微软雅黑" panose="020B0503020204020204" pitchFamily="34" charset="-122"/>
-              <a:ea typeface="微软雅黑" panose="020B0503020204020204" pitchFamily="34" charset="-122"/>
-            </a:endParaRPr>
-          </a:p>
-          <a:p>
-            <a:pPr lvl="2">
-              <a:spcBef>
-                <a:spcPts val="300"/>
-              </a:spcBef>
-              <a:spcAft>
-                <a:spcPts val="300"/>
-              </a:spcAft>
-            </a:pPr>
-            <a:r>
-              <a:rPr lang="en-US" altLang="zh-CN" sz="1600" dirty="0">
-                <a:latin typeface="微软雅黑" panose="020B0503020204020204" pitchFamily="34" charset="-122"/>
-                <a:ea typeface="微软雅黑" panose="020B0503020204020204" pitchFamily="34" charset="-122"/>
-              </a:rPr>
-              <a:t>2) </a:t>
-            </a:r>
-            <a:r>
-              <a:rPr lang="zh-CN" altLang="en-US" sz="1600" dirty="0">
-                <a:latin typeface="微软雅黑" panose="020B0503020204020204" pitchFamily="34" charset="-122"/>
-                <a:ea typeface="微软雅黑" panose="020B0503020204020204" pitchFamily="34" charset="-122"/>
-              </a:rPr>
-              <a:t>存储器的访存速度比较慢，是限制</a:t>
-            </a:r>
-            <a:r>
-              <a:rPr lang="en-US" altLang="zh-CN" sz="1600" dirty="0">
-                <a:latin typeface="微软雅黑" panose="020B0503020204020204" pitchFamily="34" charset="-122"/>
-                <a:ea typeface="微软雅黑" panose="020B0503020204020204" pitchFamily="34" charset="-122"/>
-              </a:rPr>
-              <a:t>DDS</a:t>
-            </a:r>
-            <a:r>
-              <a:rPr lang="zh-CN" altLang="en-US" sz="1600" dirty="0">
-                <a:latin typeface="微软雅黑" panose="020B0503020204020204" pitchFamily="34" charset="-122"/>
-                <a:ea typeface="微软雅黑" panose="020B0503020204020204" pitchFamily="34" charset="-122"/>
-              </a:rPr>
-              <a:t>速度性能的瓶颈</a:t>
-            </a:r>
-            <a:endParaRPr lang="en-US" altLang="zh-CN" sz="1600" dirty="0">
-              <a:latin typeface="微软雅黑" panose="020B0503020204020204" pitchFamily="34" charset="-122"/>
-              <a:ea typeface="微软雅黑" panose="020B0503020204020204" pitchFamily="34" charset="-122"/>
-            </a:endParaRPr>
-          </a:p>
-          <a:p>
-            <a:pPr lvl="2">
-              <a:spcBef>
-                <a:spcPts val="300"/>
-              </a:spcBef>
-              <a:spcAft>
-                <a:spcPts val="300"/>
-              </a:spcAft>
-            </a:pPr>
-            <a:endParaRPr lang="en-US" altLang="zh-CN" sz="1600" dirty="0">
-              <a:latin typeface="微软雅黑" panose="020B0503020204020204" pitchFamily="34" charset="-122"/>
-              <a:ea typeface="微软雅黑" panose="020B0503020204020204" pitchFamily="34" charset="-122"/>
-            </a:endParaRPr>
-          </a:p>
-          <a:p>
-            <a:pPr lvl="2">
-              <a:spcBef>
-                <a:spcPts val="300"/>
-              </a:spcBef>
-              <a:spcAft>
-                <a:spcPts val="300"/>
-              </a:spcAft>
-            </a:pPr>
-            <a:r>
-              <a:rPr lang="zh-CN" altLang="en-US" sz="1600" dirty="0">
-                <a:latin typeface="微软雅黑" panose="020B0503020204020204" pitchFamily="34" charset="-122"/>
-                <a:ea typeface="微软雅黑" panose="020B0503020204020204" pitchFamily="34" charset="-122"/>
-              </a:rPr>
-              <a:t>为解决以上问题，优化</a:t>
-            </a:r>
-            <a:r>
-              <a:rPr lang="en-US" altLang="zh-CN" sz="1600" dirty="0">
-                <a:latin typeface="微软雅黑" panose="020B0503020204020204" pitchFamily="34" charset="-122"/>
-                <a:ea typeface="微软雅黑" panose="020B0503020204020204" pitchFamily="34" charset="-122"/>
-              </a:rPr>
-              <a:t>DDS</a:t>
-            </a:r>
-            <a:r>
-              <a:rPr lang="zh-CN" altLang="en-US" sz="1600" dirty="0">
-                <a:latin typeface="微软雅黑" panose="020B0503020204020204" pitchFamily="34" charset="-122"/>
-                <a:ea typeface="微软雅黑" panose="020B0503020204020204" pitchFamily="34" charset="-122"/>
-              </a:rPr>
-              <a:t>有三个方向：</a:t>
-            </a:r>
-            <a:endParaRPr lang="en-US" altLang="zh-CN" sz="1600" dirty="0">
-              <a:latin typeface="微软雅黑" panose="020B0503020204020204" pitchFamily="34" charset="-122"/>
-              <a:ea typeface="微软雅黑" panose="020B0503020204020204" pitchFamily="34" charset="-122"/>
-            </a:endParaRPr>
-          </a:p>
-          <a:p>
-            <a:pPr lvl="2">
-              <a:spcBef>
-                <a:spcPts val="300"/>
-              </a:spcBef>
-              <a:spcAft>
-                <a:spcPts val="300"/>
-              </a:spcAft>
-            </a:pPr>
-            <a:r>
-              <a:rPr lang="en-US" altLang="zh-CN" sz="1600" dirty="0">
-                <a:latin typeface="微软雅黑" panose="020B0503020204020204" pitchFamily="34" charset="-122"/>
-                <a:ea typeface="微软雅黑" panose="020B0503020204020204" pitchFamily="34" charset="-122"/>
-              </a:rPr>
-              <a:t>1</a:t>
-            </a:r>
-            <a:r>
-              <a:rPr lang="zh-CN" altLang="en-US" sz="1600" dirty="0">
-                <a:latin typeface="微软雅黑" panose="020B0503020204020204" pitchFamily="34" charset="-122"/>
-                <a:ea typeface="微软雅黑" panose="020B0503020204020204" pitchFamily="34" charset="-122"/>
-              </a:rPr>
-              <a:t>）压缩查找表，使用更小更快的存储器</a:t>
-            </a:r>
-            <a:endParaRPr lang="en-US" altLang="zh-CN" sz="1600" dirty="0">
-              <a:latin typeface="微软雅黑" panose="020B0503020204020204" pitchFamily="34" charset="-122"/>
-              <a:ea typeface="微软雅黑" panose="020B0503020204020204" pitchFamily="34" charset="-122"/>
-            </a:endParaRPr>
-          </a:p>
-          <a:p>
-            <a:pPr lvl="2">
-              <a:spcBef>
-                <a:spcPts val="300"/>
-              </a:spcBef>
-              <a:spcAft>
-                <a:spcPts val="300"/>
-              </a:spcAft>
-            </a:pPr>
-            <a:r>
-              <a:rPr lang="en-US" altLang="zh-CN" sz="1600" dirty="0">
-                <a:latin typeface="微软雅黑" panose="020B0503020204020204" pitchFamily="34" charset="-122"/>
-                <a:ea typeface="微软雅黑" panose="020B0503020204020204" pitchFamily="34" charset="-122"/>
-              </a:rPr>
-              <a:t>2</a:t>
-            </a:r>
-            <a:r>
-              <a:rPr lang="zh-CN" altLang="en-US" sz="1600" dirty="0">
-                <a:latin typeface="微软雅黑" panose="020B0503020204020204" pitchFamily="34" charset="-122"/>
-                <a:ea typeface="微软雅黑" panose="020B0503020204020204" pitchFamily="34" charset="-122"/>
-              </a:rPr>
-              <a:t>）用矩阵乘法产生旋转操作，替代查表法</a:t>
-            </a:r>
-            <a:endParaRPr lang="en-US" altLang="zh-CN" sz="1600" dirty="0">
-              <a:latin typeface="微软雅黑" panose="020B0503020204020204" pitchFamily="34" charset="-122"/>
-              <a:ea typeface="微软雅黑" panose="020B0503020204020204" pitchFamily="34" charset="-122"/>
-            </a:endParaRPr>
-          </a:p>
-          <a:p>
-            <a:pPr lvl="2">
-              <a:spcBef>
-                <a:spcPts val="300"/>
-              </a:spcBef>
-              <a:spcAft>
-                <a:spcPts val="300"/>
-              </a:spcAft>
-            </a:pPr>
-            <a:r>
-              <a:rPr lang="en-US" altLang="zh-CN" sz="1600" dirty="0">
-                <a:latin typeface="微软雅黑" panose="020B0503020204020204" pitchFamily="34" charset="-122"/>
-                <a:ea typeface="微软雅黑" panose="020B0503020204020204" pitchFamily="34" charset="-122"/>
-              </a:rPr>
-              <a:t>3</a:t>
-            </a:r>
-            <a:r>
-              <a:rPr lang="zh-CN" altLang="en-US" sz="1600" dirty="0">
-                <a:latin typeface="微软雅黑" panose="020B0503020204020204" pitchFamily="34" charset="-122"/>
-                <a:ea typeface="微软雅黑" panose="020B0503020204020204" pitchFamily="34" charset="-122"/>
-              </a:rPr>
-              <a:t>）是在</a:t>
-            </a:r>
-            <a:r>
-              <a:rPr lang="en-US" altLang="zh-CN" sz="1600" dirty="0">
-                <a:latin typeface="微软雅黑" panose="020B0503020204020204" pitchFamily="34" charset="-122"/>
-                <a:ea typeface="微软雅黑" panose="020B0503020204020204" pitchFamily="34" charset="-122"/>
-              </a:rPr>
-              <a:t>DAC</a:t>
-            </a:r>
-            <a:r>
-              <a:rPr lang="zh-CN" altLang="en-US" sz="1600" dirty="0">
-                <a:latin typeface="微软雅黑" panose="020B0503020204020204" pitchFamily="34" charset="-122"/>
-                <a:ea typeface="微软雅黑" panose="020B0503020204020204" pitchFamily="34" charset="-122"/>
-              </a:rPr>
-              <a:t>内实现相位到幅度的映射</a:t>
-            </a:r>
-            <a:endParaRPr lang="en-US" altLang="zh-CN" sz="1600" dirty="0">
-              <a:latin typeface="微软雅黑" panose="020B0503020204020204" pitchFamily="34" charset="-122"/>
-              <a:ea typeface="微软雅黑" panose="020B0503020204020204" pitchFamily="34" charset="-122"/>
-            </a:endParaRPr>
-          </a:p>
-          <a:p>
-            <a:pPr lvl="2">
-              <a:spcBef>
-                <a:spcPts val="300"/>
-              </a:spcBef>
-              <a:spcAft>
-                <a:spcPts val="300"/>
-              </a:spcAft>
-            </a:pPr>
-            <a:endParaRPr lang="en-US" altLang="zh-CN" sz="1600" dirty="0">
-              <a:latin typeface="微软雅黑" panose="020B0503020204020204" pitchFamily="34" charset="-122"/>
-              <a:ea typeface="微软雅黑" panose="020B0503020204020204" pitchFamily="34" charset="-122"/>
-            </a:endParaRPr>
-          </a:p>
-          <a:p>
-            <a:pPr lvl="2">
-              <a:spcBef>
-                <a:spcPts val="600"/>
-              </a:spcBef>
-              <a:spcAft>
-                <a:spcPts val="600"/>
-              </a:spcAft>
-            </a:pPr>
-            <a:r>
-              <a:rPr lang="zh-CN" altLang="en-US" sz="1600" dirty="0">
-                <a:latin typeface="微软雅黑" panose="020B0503020204020204" pitchFamily="34" charset="-122"/>
-                <a:ea typeface="微软雅黑" panose="020B0503020204020204" pitchFamily="34" charset="-122"/>
-              </a:rPr>
-              <a:t>我的解结思路是查找表和矩阵旋转结合的方法，兼具速度和精度</a:t>
-            </a:r>
-            <a:endParaRPr lang="en-US" altLang="zh-CN" sz="1600" dirty="0">
-              <a:latin typeface="微软雅黑" panose="020B0503020204020204" pitchFamily="34" charset="-122"/>
-              <a:ea typeface="微软雅黑" panose="020B0503020204020204" pitchFamily="34" charset="-122"/>
-            </a:endParaRPr>
-          </a:p>
-          <a:p>
-            <a:pPr lvl="2">
-              <a:spcBef>
-                <a:spcPts val="600"/>
-              </a:spcBef>
-              <a:spcAft>
-                <a:spcPts val="600"/>
-              </a:spcAft>
-            </a:pPr>
-            <a:r>
-              <a:rPr lang="zh-CN" altLang="en-US" sz="1600" dirty="0">
-                <a:latin typeface="微软雅黑" panose="020B0503020204020204" pitchFamily="34" charset="-122"/>
-                <a:ea typeface="微软雅黑" panose="020B0503020204020204" pitchFamily="34" charset="-122"/>
-              </a:rPr>
-              <a:t>同时在算法上改进</a:t>
-            </a:r>
-            <a:endParaRPr lang="en-US" altLang="zh-CN" sz="1600" dirty="0">
+            <a:endParaRPr lang="en-US" altLang="zh-CN" sz="1600" b="0" dirty="0" smtClean="0">
               <a:latin typeface="微软雅黑" panose="020B0503020204020204" pitchFamily="34" charset="-122"/>
               <a:ea typeface="微软雅黑" panose="020B0503020204020204" pitchFamily="34" charset="-122"/>
             </a:endParaRPr>
@@ -14936,7 +14636,7 @@
           <p:cNvPr id="10" name="组合 9">
             <a:extLst>
               <a:ext uri="{FF2B5EF4-FFF2-40B4-BE49-F238E27FC236}">
-                <a16:creationId xmlns:a16="http://schemas.microsoft.com/office/drawing/2014/main" xmlns="" id="{4DD9D7DF-D2A9-48F0-8613-66CCA440EF90}"/>
+                <a16:creationId xmlns="" xmlns:a16="http://schemas.microsoft.com/office/drawing/2014/main" id="{4DD9D7DF-D2A9-48F0-8613-66CCA440EF90}"/>
               </a:ext>
             </a:extLst>
           </p:cNvPr>
@@ -15575,7 +15275,7 @@
           <p:cNvPr id="46" name="内容占位符 2">
             <a:extLst>
               <a:ext uri="{FF2B5EF4-FFF2-40B4-BE49-F238E27FC236}">
-                <a16:creationId xmlns:mc="http://schemas.openxmlformats.org/markup-compatibility/2006" xmlns:a14="http://schemas.microsoft.com/office/drawing/2010/main" xmlns:a16="http://schemas.microsoft.com/office/drawing/2014/main" xmlns="" id="{046C888F-2A1E-465C-80A4-AACC140F0EAF}"/>
+                <a16:creationId xmlns="" xmlns:a16="http://schemas.microsoft.com/office/drawing/2014/main" xmlns:a14="http://schemas.microsoft.com/office/drawing/2010/main" xmlns:mc="http://schemas.openxmlformats.org/markup-compatibility/2006" id="{046C888F-2A1E-465C-80A4-AACC140F0EAF}"/>
               </a:ext>
             </a:extLst>
           </p:cNvPr>
@@ -15816,7 +15516,21 @@
                 <a:latin typeface="微软雅黑" panose="020B0503020204020204" pitchFamily="34" charset="-122"/>
                 <a:ea typeface="微软雅黑" panose="020B0503020204020204" pitchFamily="34" charset="-122"/>
               </a:rPr>
-              <a:t>占比</a:t>
+              <a:t>占</a:t>
+            </a:r>
+            <a:r>
+              <a:rPr lang="zh-CN" altLang="en-US" sz="1600" kern="0" dirty="0" smtClean="0">
+                <a:latin typeface="微软雅黑" panose="020B0503020204020204" pitchFamily="34" charset="-122"/>
+                <a:ea typeface="微软雅黑" panose="020B0503020204020204" pitchFamily="34" charset="-122"/>
+              </a:rPr>
+              <a:t>比，降低噪声</a:t>
+            </a:r>
+            <a:r>
+              <a:rPr lang="en-US" altLang="zh-CN" sz="1600" kern="0" dirty="0" smtClean="0">
+                <a:latin typeface="微软雅黑" panose="020B0503020204020204" pitchFamily="34" charset="-122"/>
+                <a:ea typeface="微软雅黑" panose="020B0503020204020204" pitchFamily="34" charset="-122"/>
+              </a:rPr>
+              <a:t>II</a:t>
             </a:r>
             <a:endParaRPr lang="en-US" altLang="zh-CN" sz="1600" kern="0" dirty="0">
               <a:latin typeface="微软雅黑" panose="020B0503020204020204" pitchFamily="34" charset="-122"/>
@@ -16813,112 +16527,112 @@
                 <a:gridCol w="341411">
                   <a:extLst>
                     <a:ext uri="{9D8B030D-6E8A-4147-A177-3AD203B41FA5}">
-                      <a16:colId xmlns:a16="http://schemas.microsoft.com/office/drawing/2014/main" xmlns="" val="20000"/>
+                      <a16:colId xmlns="" xmlns:a16="http://schemas.microsoft.com/office/drawing/2014/main" val="20000"/>
                     </a:ext>
                   </a:extLst>
                 </a:gridCol>
                 <a:gridCol w="341411">
                   <a:extLst>
                     <a:ext uri="{9D8B030D-6E8A-4147-A177-3AD203B41FA5}">
-                      <a16:colId xmlns:a16="http://schemas.microsoft.com/office/drawing/2014/main" xmlns="" val="20001"/>
+                      <a16:colId xmlns="" xmlns:a16="http://schemas.microsoft.com/office/drawing/2014/main" val="20001"/>
                     </a:ext>
                   </a:extLst>
                 </a:gridCol>
                 <a:gridCol w="341411">
                   <a:extLst>
                     <a:ext uri="{9D8B030D-6E8A-4147-A177-3AD203B41FA5}">
-                      <a16:colId xmlns:a16="http://schemas.microsoft.com/office/drawing/2014/main" xmlns="" val="20002"/>
+                      <a16:colId xmlns="" xmlns:a16="http://schemas.microsoft.com/office/drawing/2014/main" val="20002"/>
                     </a:ext>
                   </a:extLst>
                 </a:gridCol>
                 <a:gridCol w="341411">
                   <a:extLst>
                     <a:ext uri="{9D8B030D-6E8A-4147-A177-3AD203B41FA5}">
-                      <a16:colId xmlns:a16="http://schemas.microsoft.com/office/drawing/2014/main" xmlns="" val="20003"/>
+                      <a16:colId xmlns="" xmlns:a16="http://schemas.microsoft.com/office/drawing/2014/main" val="20003"/>
                     </a:ext>
                   </a:extLst>
                 </a:gridCol>
                 <a:gridCol w="341411">
                   <a:extLst>
                     <a:ext uri="{9D8B030D-6E8A-4147-A177-3AD203B41FA5}">
-                      <a16:colId xmlns:a16="http://schemas.microsoft.com/office/drawing/2014/main" xmlns="" val="20004"/>
+                      <a16:colId xmlns="" xmlns:a16="http://schemas.microsoft.com/office/drawing/2014/main" val="20004"/>
                     </a:ext>
                   </a:extLst>
                 </a:gridCol>
                 <a:gridCol w="341411">
                   <a:extLst>
                     <a:ext uri="{9D8B030D-6E8A-4147-A177-3AD203B41FA5}">
-                      <a16:colId xmlns:a16="http://schemas.microsoft.com/office/drawing/2014/main" xmlns="" val="20005"/>
+                      <a16:colId xmlns="" xmlns:a16="http://schemas.microsoft.com/office/drawing/2014/main" val="20005"/>
                     </a:ext>
                   </a:extLst>
                 </a:gridCol>
                 <a:gridCol w="341411">
                   <a:extLst>
                     <a:ext uri="{9D8B030D-6E8A-4147-A177-3AD203B41FA5}">
-                      <a16:colId xmlns:a16="http://schemas.microsoft.com/office/drawing/2014/main" xmlns="" val="20006"/>
+                      <a16:colId xmlns="" xmlns:a16="http://schemas.microsoft.com/office/drawing/2014/main" val="20006"/>
                     </a:ext>
                   </a:extLst>
                 </a:gridCol>
                 <a:gridCol w="341411">
                   <a:extLst>
                     <a:ext uri="{9D8B030D-6E8A-4147-A177-3AD203B41FA5}">
-                      <a16:colId xmlns:a16="http://schemas.microsoft.com/office/drawing/2014/main" xmlns="" val="20007"/>
+                      <a16:colId xmlns="" xmlns:a16="http://schemas.microsoft.com/office/drawing/2014/main" val="20007"/>
                     </a:ext>
                   </a:extLst>
                 </a:gridCol>
                 <a:gridCol w="341411">
                   <a:extLst>
                     <a:ext uri="{9D8B030D-6E8A-4147-A177-3AD203B41FA5}">
-                      <a16:colId xmlns:a16="http://schemas.microsoft.com/office/drawing/2014/main" xmlns="" val="20008"/>
+                      <a16:colId xmlns="" xmlns:a16="http://schemas.microsoft.com/office/drawing/2014/main" val="20008"/>
                     </a:ext>
                   </a:extLst>
                 </a:gridCol>
                 <a:gridCol w="341411">
                   <a:extLst>
                     <a:ext uri="{9D8B030D-6E8A-4147-A177-3AD203B41FA5}">
-                      <a16:colId xmlns:a16="http://schemas.microsoft.com/office/drawing/2014/main" xmlns="" val="20009"/>
+                      <a16:colId xmlns="" xmlns:a16="http://schemas.microsoft.com/office/drawing/2014/main" val="20009"/>
                     </a:ext>
                   </a:extLst>
                 </a:gridCol>
                 <a:gridCol w="341411">
                   <a:extLst>
                     <a:ext uri="{9D8B030D-6E8A-4147-A177-3AD203B41FA5}">
-                      <a16:colId xmlns:a16="http://schemas.microsoft.com/office/drawing/2014/main" xmlns="" val="20010"/>
+                      <a16:colId xmlns="" xmlns:a16="http://schemas.microsoft.com/office/drawing/2014/main" val="20010"/>
                     </a:ext>
                   </a:extLst>
                 </a:gridCol>
                 <a:gridCol w="341411">
                   <a:extLst>
                     <a:ext uri="{9D8B030D-6E8A-4147-A177-3AD203B41FA5}">
-                      <a16:colId xmlns:a16="http://schemas.microsoft.com/office/drawing/2014/main" xmlns="" val="20011"/>
+                      <a16:colId xmlns="" xmlns:a16="http://schemas.microsoft.com/office/drawing/2014/main" val="20011"/>
                     </a:ext>
                   </a:extLst>
                 </a:gridCol>
                 <a:gridCol w="341411">
                   <a:extLst>
                     <a:ext uri="{9D8B030D-6E8A-4147-A177-3AD203B41FA5}">
-                      <a16:colId xmlns:a16="http://schemas.microsoft.com/office/drawing/2014/main" xmlns="" val="20012"/>
+                      <a16:colId xmlns="" xmlns:a16="http://schemas.microsoft.com/office/drawing/2014/main" val="20012"/>
                     </a:ext>
                   </a:extLst>
                 </a:gridCol>
                 <a:gridCol w="341411">
                   <a:extLst>
                     <a:ext uri="{9D8B030D-6E8A-4147-A177-3AD203B41FA5}">
-                      <a16:colId xmlns:a16="http://schemas.microsoft.com/office/drawing/2014/main" xmlns="" val="20013"/>
+                      <a16:colId xmlns="" xmlns:a16="http://schemas.microsoft.com/office/drawing/2014/main" val="20013"/>
                     </a:ext>
                   </a:extLst>
                 </a:gridCol>
                 <a:gridCol w="341411">
                   <a:extLst>
                     <a:ext uri="{9D8B030D-6E8A-4147-A177-3AD203B41FA5}">
-                      <a16:colId xmlns:a16="http://schemas.microsoft.com/office/drawing/2014/main" xmlns="" val="20014"/>
+                      <a16:colId xmlns="" xmlns:a16="http://schemas.microsoft.com/office/drawing/2014/main" val="20014"/>
                     </a:ext>
                   </a:extLst>
                 </a:gridCol>
                 <a:gridCol w="341411">
                   <a:extLst>
                     <a:ext uri="{9D8B030D-6E8A-4147-A177-3AD203B41FA5}">
-                      <a16:colId xmlns:a16="http://schemas.microsoft.com/office/drawing/2014/main" xmlns="" val="20015"/>
+                      <a16:colId xmlns="" xmlns:a16="http://schemas.microsoft.com/office/drawing/2014/main" val="20015"/>
                     </a:ext>
                   </a:extLst>
                 </a:gridCol>
@@ -17750,7 +17464,7 @@
                 </a:tc>
                 <a:extLst>
                   <a:ext uri="{0D108BD9-81ED-4DB2-BD59-A6C34878D82A}">
-                    <a16:rowId xmlns:a16="http://schemas.microsoft.com/office/drawing/2014/main" xmlns="" val="10000"/>
+                    <a16:rowId xmlns="" xmlns:a16="http://schemas.microsoft.com/office/drawing/2014/main" val="10000"/>
                   </a:ext>
                 </a:extLst>
               </a:tr>
@@ -20661,7 +20375,7 @@
           <p:cNvPr id="142" name="图片 141" descr="D:\毕设\大四下\lunwen\图片\流水线.png">
             <a:extLst>
               <a:ext uri="{FF2B5EF4-FFF2-40B4-BE49-F238E27FC236}">
-                <a16:creationId xmlns:a16="http://schemas.microsoft.com/office/drawing/2014/main" xmlns="" id="{88C1B2C6-F47C-4F39-858E-CE78EBF99194}"/>
+                <a16:creationId xmlns="" xmlns:a16="http://schemas.microsoft.com/office/drawing/2014/main" id="{88C1B2C6-F47C-4F39-858E-CE78EBF99194}"/>
               </a:ext>
             </a:extLst>
           </p:cNvPr>
@@ -22439,7 +22153,7 @@
           <p:cNvPr id="15" name="图片 14" descr="C:\Users\win7\AppData\Local\Temp\1495293424(1).png">
             <a:extLst>
               <a:ext uri="{FF2B5EF4-FFF2-40B4-BE49-F238E27FC236}">
-                <a16:creationId xmlns:a16="http://schemas.microsoft.com/office/drawing/2014/main" xmlns="" id="{2D2BA207-2233-4ACA-82FE-835DED8C6361}"/>
+                <a16:creationId xmlns="" xmlns:a16="http://schemas.microsoft.com/office/drawing/2014/main" id="{2D2BA207-2233-4ACA-82FE-835DED8C6361}"/>
               </a:ext>
             </a:extLst>
           </p:cNvPr>
@@ -22478,7 +22192,7 @@
           <p:cNvPr id="29" name="文本框 28">
             <a:extLst>
               <a:ext uri="{FF2B5EF4-FFF2-40B4-BE49-F238E27FC236}">
-                <a16:creationId xmlns:a16="http://schemas.microsoft.com/office/drawing/2014/main" xmlns="" id="{21A92C2A-9F8A-44C9-8AF2-6E0A6BBDE87A}"/>
+                <a16:creationId xmlns="" xmlns:a16="http://schemas.microsoft.com/office/drawing/2014/main" id="{21A92C2A-9F8A-44C9-8AF2-6E0A6BBDE87A}"/>
               </a:ext>
             </a:extLst>
           </p:cNvPr>
@@ -22639,7 +22353,7 @@
           <p:cNvPr id="31" name="文本框 30">
             <a:extLst>
               <a:ext uri="{FF2B5EF4-FFF2-40B4-BE49-F238E27FC236}">
-                <a16:creationId xmlns:a16="http://schemas.microsoft.com/office/drawing/2014/main" xmlns="" id="{DD62E0AC-DF65-42C7-AC0B-2992FA46EE8A}"/>
+                <a16:creationId xmlns="" xmlns:a16="http://schemas.microsoft.com/office/drawing/2014/main" id="{DD62E0AC-DF65-42C7-AC0B-2992FA46EE8A}"/>
               </a:ext>
             </a:extLst>
           </p:cNvPr>
@@ -22685,7 +22399,7 @@
           <p:cNvPr id="32" name="图片 31">
             <a:extLst>
               <a:ext uri="{FF2B5EF4-FFF2-40B4-BE49-F238E27FC236}">
-                <a16:creationId xmlns:a16="http://schemas.microsoft.com/office/drawing/2014/main" xmlns="" id="{F9456A7B-D389-4434-B493-B98BC9629D0B}"/>
+                <a16:creationId xmlns="" xmlns:a16="http://schemas.microsoft.com/office/drawing/2014/main" id="{F9456A7B-D389-4434-B493-B98BC9629D0B}"/>
               </a:ext>
             </a:extLst>
           </p:cNvPr>
@@ -22760,7 +22474,7 @@
           <p:cNvPr id="2" name="标题 1">
             <a:extLst>
               <a:ext uri="{FF2B5EF4-FFF2-40B4-BE49-F238E27FC236}">
-                <a16:creationId xmlns:a16="http://schemas.microsoft.com/office/drawing/2014/main" xmlns="" id="{79C72F44-5573-4C5C-9BDE-903DE9D4CED2}"/>
+                <a16:creationId xmlns="" xmlns:a16="http://schemas.microsoft.com/office/drawing/2014/main" id="{79C72F44-5573-4C5C-9BDE-903DE9D4CED2}"/>
               </a:ext>
             </a:extLst>
           </p:cNvPr>
@@ -22803,7 +22517,7 @@
           <p:cNvPr id="5" name="文本框 4">
             <a:extLst>
               <a:ext uri="{FF2B5EF4-FFF2-40B4-BE49-F238E27FC236}">
-                <a16:creationId xmlns:a16="http://schemas.microsoft.com/office/drawing/2014/main" xmlns="" id="{4006F415-CC0A-4D2C-B1BF-6E04DAA3F10F}"/>
+                <a16:creationId xmlns="" xmlns:a16="http://schemas.microsoft.com/office/drawing/2014/main" id="{4006F415-CC0A-4D2C-B1BF-6E04DAA3F10F}"/>
               </a:ext>
             </a:extLst>
           </p:cNvPr>
@@ -23369,7 +23083,7 @@
           <p:cNvPr id="7" name="页脚占位符 4">
             <a:extLst>
               <a:ext uri="{FF2B5EF4-FFF2-40B4-BE49-F238E27FC236}">
-                <a16:creationId xmlns:a16="http://schemas.microsoft.com/office/drawing/2014/main" xmlns="" id="{698B0707-EE31-4310-A762-FD65345E21BF}"/>
+                <a16:creationId xmlns="" xmlns:a16="http://schemas.microsoft.com/office/drawing/2014/main" id="{698B0707-EE31-4310-A762-FD65345E21BF}"/>
               </a:ext>
             </a:extLst>
           </p:cNvPr>
@@ -23415,7 +23129,7 @@
           <p:cNvPr id="12" name="表格 11">
             <a:extLst>
               <a:ext uri="{FF2B5EF4-FFF2-40B4-BE49-F238E27FC236}">
-                <a16:creationId xmlns:a16="http://schemas.microsoft.com/office/drawing/2014/main" xmlns="" id="{B8C7FB25-E5EF-45FD-A921-2588A4047AB4}"/>
+                <a16:creationId xmlns="" xmlns:a16="http://schemas.microsoft.com/office/drawing/2014/main" id="{B8C7FB25-E5EF-45FD-A921-2588A4047AB4}"/>
               </a:ext>
             </a:extLst>
           </p:cNvPr>
@@ -23444,49 +23158,49 @@
                 <a:gridCol w="1505175">
                   <a:extLst>
                     <a:ext uri="{9D8B030D-6E8A-4147-A177-3AD203B41FA5}">
-                      <a16:colId xmlns:a16="http://schemas.microsoft.com/office/drawing/2014/main" xmlns="" val="2858620335"/>
+                      <a16:colId xmlns="" xmlns:a16="http://schemas.microsoft.com/office/drawing/2014/main" val="2858620335"/>
                     </a:ext>
                   </a:extLst>
                 </a:gridCol>
                 <a:gridCol w="2002597">
                   <a:extLst>
                     <a:ext uri="{9D8B030D-6E8A-4147-A177-3AD203B41FA5}">
-                      <a16:colId xmlns:a16="http://schemas.microsoft.com/office/drawing/2014/main" xmlns="" val="356612817"/>
+                      <a16:colId xmlns="" xmlns:a16="http://schemas.microsoft.com/office/drawing/2014/main" val="356612817"/>
                     </a:ext>
                   </a:extLst>
                 </a:gridCol>
                 <a:gridCol w="895350">
                   <a:extLst>
                     <a:ext uri="{9D8B030D-6E8A-4147-A177-3AD203B41FA5}">
-                      <a16:colId xmlns:a16="http://schemas.microsoft.com/office/drawing/2014/main" xmlns="" val="3443046802"/>
+                      <a16:colId xmlns="" xmlns:a16="http://schemas.microsoft.com/office/drawing/2014/main" val="3443046802"/>
                     </a:ext>
                   </a:extLst>
                 </a:gridCol>
                 <a:gridCol w="723900">
                   <a:extLst>
                     <a:ext uri="{9D8B030D-6E8A-4147-A177-3AD203B41FA5}">
-                      <a16:colId xmlns:a16="http://schemas.microsoft.com/office/drawing/2014/main" xmlns="" val="3383779701"/>
+                      <a16:colId xmlns="" xmlns:a16="http://schemas.microsoft.com/office/drawing/2014/main" val="3383779701"/>
                     </a:ext>
                   </a:extLst>
                 </a:gridCol>
                 <a:gridCol w="942975">
                   <a:extLst>
                     <a:ext uri="{9D8B030D-6E8A-4147-A177-3AD203B41FA5}">
-                      <a16:colId xmlns:a16="http://schemas.microsoft.com/office/drawing/2014/main" xmlns="" val="763895054"/>
+                      <a16:colId xmlns="" xmlns:a16="http://schemas.microsoft.com/office/drawing/2014/main" val="763895054"/>
                     </a:ext>
                   </a:extLst>
                 </a:gridCol>
                 <a:gridCol w="727709">
                   <a:extLst>
                     <a:ext uri="{9D8B030D-6E8A-4147-A177-3AD203B41FA5}">
-                      <a16:colId xmlns:a16="http://schemas.microsoft.com/office/drawing/2014/main" xmlns="" val="3722313938"/>
+                      <a16:colId xmlns="" xmlns:a16="http://schemas.microsoft.com/office/drawing/2014/main" val="3722313938"/>
                     </a:ext>
                   </a:extLst>
                 </a:gridCol>
                 <a:gridCol w="1129666">
                   <a:extLst>
                     <a:ext uri="{9D8B030D-6E8A-4147-A177-3AD203B41FA5}">
-                      <a16:colId xmlns:a16="http://schemas.microsoft.com/office/drawing/2014/main" xmlns="" val="3933127361"/>
+                      <a16:colId xmlns="" xmlns:a16="http://schemas.microsoft.com/office/drawing/2014/main" val="3933127361"/>
                     </a:ext>
                   </a:extLst>
                 </a:gridCol>
@@ -23835,7 +23549,7 @@
                 </a:tc>
                 <a:extLst>
                   <a:ext uri="{0D108BD9-81ED-4DB2-BD59-A6C34878D82A}">
-                    <a16:rowId xmlns:a16="http://schemas.microsoft.com/office/drawing/2014/main" xmlns="" val="205457031"/>
+                    <a16:rowId xmlns="" xmlns:a16="http://schemas.microsoft.com/office/drawing/2014/main" val="205457031"/>
                   </a:ext>
                 </a:extLst>
               </a:tr>
@@ -24093,7 +23807,7 @@
                 </a:tc>
                 <a:extLst>
                   <a:ext uri="{0D108BD9-81ED-4DB2-BD59-A6C34878D82A}">
-                    <a16:rowId xmlns:a16="http://schemas.microsoft.com/office/drawing/2014/main" xmlns="" val="129675508"/>
+                    <a16:rowId xmlns="" xmlns:a16="http://schemas.microsoft.com/office/drawing/2014/main" val="129675508"/>
                   </a:ext>
                 </a:extLst>
               </a:tr>
@@ -24315,7 +24029,7 @@
                 </a:tc>
                 <a:extLst>
                   <a:ext uri="{0D108BD9-81ED-4DB2-BD59-A6C34878D82A}">
-                    <a16:rowId xmlns:a16="http://schemas.microsoft.com/office/drawing/2014/main" xmlns="" val="1933070713"/>
+                    <a16:rowId xmlns="" xmlns:a16="http://schemas.microsoft.com/office/drawing/2014/main" val="1933070713"/>
                   </a:ext>
                 </a:extLst>
               </a:tr>
@@ -24543,7 +24257,7 @@
                 </a:tc>
                 <a:extLst>
                   <a:ext uri="{0D108BD9-81ED-4DB2-BD59-A6C34878D82A}">
-                    <a16:rowId xmlns:a16="http://schemas.microsoft.com/office/drawing/2014/main" xmlns="" val="1368412510"/>
+                    <a16:rowId xmlns="" xmlns:a16="http://schemas.microsoft.com/office/drawing/2014/main" val="1368412510"/>
                   </a:ext>
                 </a:extLst>
               </a:tr>
@@ -24789,7 +24503,7 @@
                 </a:tc>
                 <a:extLst>
                   <a:ext uri="{0D108BD9-81ED-4DB2-BD59-A6C34878D82A}">
-                    <a16:rowId xmlns:a16="http://schemas.microsoft.com/office/drawing/2014/main" xmlns="" val="3083826517"/>
+                    <a16:rowId xmlns="" xmlns:a16="http://schemas.microsoft.com/office/drawing/2014/main" val="3083826517"/>
                   </a:ext>
                 </a:extLst>
               </a:tr>
@@ -24839,7 +24553,7 @@
           <p:cNvPr id="2" name="标题 1">
             <a:extLst>
               <a:ext uri="{FF2B5EF4-FFF2-40B4-BE49-F238E27FC236}">
-                <a16:creationId xmlns:a16="http://schemas.microsoft.com/office/drawing/2014/main" xmlns="" id="{79C72F44-5573-4C5C-9BDE-903DE9D4CED2}"/>
+                <a16:creationId xmlns="" xmlns:a16="http://schemas.microsoft.com/office/drawing/2014/main" id="{79C72F44-5573-4C5C-9BDE-903DE9D4CED2}"/>
               </a:ext>
             </a:extLst>
           </p:cNvPr>
@@ -24873,7 +24587,7 @@
           <p:cNvPr id="5" name="文本框 4">
             <a:extLst>
               <a:ext uri="{FF2B5EF4-FFF2-40B4-BE49-F238E27FC236}">
-                <a16:creationId xmlns:a16="http://schemas.microsoft.com/office/drawing/2014/main" xmlns="" id="{4006F415-CC0A-4D2C-B1BF-6E04DAA3F10F}"/>
+                <a16:creationId xmlns="" xmlns:a16="http://schemas.microsoft.com/office/drawing/2014/main" id="{4006F415-CC0A-4D2C-B1BF-6E04DAA3F10F}"/>
               </a:ext>
             </a:extLst>
           </p:cNvPr>
@@ -25228,7 +24942,7 @@
           <p:cNvPr id="7" name="页脚占位符 4">
             <a:extLst>
               <a:ext uri="{FF2B5EF4-FFF2-40B4-BE49-F238E27FC236}">
-                <a16:creationId xmlns:a16="http://schemas.microsoft.com/office/drawing/2014/main" xmlns="" id="{698B0707-EE31-4310-A762-FD65345E21BF}"/>
+                <a16:creationId xmlns="" xmlns:a16="http://schemas.microsoft.com/office/drawing/2014/main" id="{698B0707-EE31-4310-A762-FD65345E21BF}"/>
               </a:ext>
             </a:extLst>
           </p:cNvPr>
@@ -32241,7 +31955,7 @@
           <p:cNvPr id="11" name="内容占位符 2">
             <a:extLst>
               <a:ext uri="{FF2B5EF4-FFF2-40B4-BE49-F238E27FC236}">
-                <a16:creationId xmlns:a16="http://schemas.microsoft.com/office/drawing/2014/main" xmlns="" id="{173EE2C7-4115-41F7-9A14-07F65F3BB05E}"/>
+                <a16:creationId xmlns="" xmlns:a16="http://schemas.microsoft.com/office/drawing/2014/main" id="{173EE2C7-4115-41F7-9A14-07F65F3BB05E}"/>
               </a:ext>
             </a:extLst>
           </p:cNvPr>
@@ -32466,7 +32180,7 @@
           <p:cNvPr id="12" name="图片 11" descr="D:\毕设\大四下\lunwen\图片\DDS传统架构.png">
             <a:extLst>
               <a:ext uri="{FF2B5EF4-FFF2-40B4-BE49-F238E27FC236}">
-                <a16:creationId xmlns:a16="http://schemas.microsoft.com/office/drawing/2014/main" xmlns="" id="{2C5E50B7-3E70-460B-A338-BD70B411DA19}"/>
+                <a16:creationId xmlns="" xmlns:a16="http://schemas.microsoft.com/office/drawing/2014/main" id="{2C5E50B7-3E70-460B-A338-BD70B411DA19}"/>
               </a:ext>
             </a:extLst>
           </p:cNvPr>
@@ -32923,7 +32637,7 @@
           <p:cNvPr id="16" name="内容占位符 2">
             <a:extLst>
               <a:ext uri="{FF2B5EF4-FFF2-40B4-BE49-F238E27FC236}">
-                <a16:creationId xmlns:a16="http://schemas.microsoft.com/office/drawing/2014/main" xmlns="" id="{772844F7-7D52-4ACF-908A-2B07AD3E014E}"/>
+                <a16:creationId xmlns="" xmlns:a16="http://schemas.microsoft.com/office/drawing/2014/main" id="{772844F7-7D52-4ACF-908A-2B07AD3E014E}"/>
               </a:ext>
             </a:extLst>
           </p:cNvPr>
@@ -33253,7 +32967,7 @@
           <p:cNvPr id="17" name="内容占位符 2">
             <a:extLst>
               <a:ext uri="{FF2B5EF4-FFF2-40B4-BE49-F238E27FC236}">
-                <a16:creationId xmlns:a16="http://schemas.microsoft.com/office/drawing/2014/main" xmlns="" id="{772844F7-7D52-4ACF-908A-2B07AD3E014E}"/>
+                <a16:creationId xmlns="" xmlns:a16="http://schemas.microsoft.com/office/drawing/2014/main" id="{772844F7-7D52-4ACF-908A-2B07AD3E014E}"/>
               </a:ext>
             </a:extLst>
           </p:cNvPr>
@@ -34646,7 +34360,7 @@
           <p:cNvPr id="14" name="内容占位符 2">
             <a:extLst>
               <a:ext uri="{FF2B5EF4-FFF2-40B4-BE49-F238E27FC236}">
-                <a16:creationId xmlns:a16="http://schemas.microsoft.com/office/drawing/2014/main" xmlns="" id="{772844F7-7D52-4ACF-908A-2B07AD3E014E}"/>
+                <a16:creationId xmlns="" xmlns:a16="http://schemas.microsoft.com/office/drawing/2014/main" id="{772844F7-7D52-4ACF-908A-2B07AD3E014E}"/>
               </a:ext>
             </a:extLst>
           </p:cNvPr>
@@ -34864,7 +34578,21 @@
                 <a:latin typeface="微软雅黑" panose="020B0503020204020204" pitchFamily="34" charset="-122"/>
                 <a:ea typeface="微软雅黑" panose="020B0503020204020204" pitchFamily="34" charset="-122"/>
               </a:rPr>
-              <a:t>基于二阶内插法的查找表压缩</a:t>
+              <a:t>基于</a:t>
+            </a:r>
+            <a:r>
+              <a:rPr lang="zh-CN" altLang="en-US" sz="1600" dirty="0" smtClean="0">
+                <a:latin typeface="微软雅黑" panose="020B0503020204020204" pitchFamily="34" charset="-122"/>
+                <a:ea typeface="微软雅黑" panose="020B0503020204020204" pitchFamily="34" charset="-122"/>
+              </a:rPr>
+              <a:t>二次内插</a:t>
+            </a:r>
+            <a:r>
+              <a:rPr lang="zh-CN" altLang="en-US" sz="1600" dirty="0">
+                <a:latin typeface="微软雅黑" panose="020B0503020204020204" pitchFamily="34" charset="-122"/>
+                <a:ea typeface="微软雅黑" panose="020B0503020204020204" pitchFamily="34" charset="-122"/>
+              </a:rPr>
+              <a:t>法的查找表压缩</a:t>
             </a:r>
             <a:endParaRPr lang="en-US" altLang="zh-CN" sz="1600" dirty="0">
               <a:latin typeface="微软雅黑" panose="020B0503020204020204" pitchFamily="34" charset="-122"/>
@@ -35252,77 +34980,63 @@
                 <a:latin typeface="微软雅黑" panose="020B0503020204020204" pitchFamily="34" charset="-122"/>
                 <a:ea typeface="微软雅黑" panose="020B0503020204020204" pitchFamily="34" charset="-122"/>
               </a:rPr>
-              <a:t>结合查找</a:t>
+              <a:t>结合查找表压缩和</a:t>
+            </a:r>
+            <a:r>
+              <a:rPr lang="zh-CN" altLang="en-US" sz="1300" dirty="0">
+                <a:latin typeface="微软雅黑" panose="020B0503020204020204" pitchFamily="34" charset="-122"/>
+                <a:ea typeface="微软雅黑" panose="020B0503020204020204" pitchFamily="34" charset="-122"/>
+              </a:rPr>
+              <a:t>角度</a:t>
             </a:r>
             <a:r>
               <a:rPr lang="zh-CN" altLang="en-US" sz="1300" dirty="0" smtClean="0">
                 <a:latin typeface="微软雅黑" panose="020B0503020204020204" pitchFamily="34" charset="-122"/>
                 <a:ea typeface="微软雅黑" panose="020B0503020204020204" pitchFamily="34" charset="-122"/>
               </a:rPr>
-              <a:t>表压缩和</a:t>
-            </a:r>
-            <a:r>
-              <a:rPr lang="zh-CN" altLang="en-US" sz="1300" dirty="0">
+              <a:t>旋转法，在</a:t>
+            </a:r>
+            <a:r>
+              <a:rPr lang="zh-CN" altLang="en-US" sz="1300" b="1" dirty="0" smtClean="0">
                 <a:latin typeface="微软雅黑" panose="020B0503020204020204" pitchFamily="34" charset="-122"/>
                 <a:ea typeface="微软雅黑" panose="020B0503020204020204" pitchFamily="34" charset="-122"/>
               </a:rPr>
-              <a:t>角度</a:t>
+              <a:t>杂散性能</a:t>
             </a:r>
             <a:r>
               <a:rPr lang="zh-CN" altLang="en-US" sz="1300" dirty="0" smtClean="0">
                 <a:latin typeface="微软雅黑" panose="020B0503020204020204" pitchFamily="34" charset="-122"/>
                 <a:ea typeface="微软雅黑" panose="020B0503020204020204" pitchFamily="34" charset="-122"/>
               </a:rPr>
-              <a:t>旋转法，在</a:t>
+              <a:t>、</a:t>
             </a:r>
             <a:r>
               <a:rPr lang="zh-CN" altLang="en-US" sz="1300" b="1" dirty="0" smtClean="0">
                 <a:latin typeface="微软雅黑" panose="020B0503020204020204" pitchFamily="34" charset="-122"/>
                 <a:ea typeface="微软雅黑" panose="020B0503020204020204" pitchFamily="34" charset="-122"/>
               </a:rPr>
-              <a:t>杂散性能</a:t>
+              <a:t>功耗</a:t>
             </a:r>
             <a:r>
               <a:rPr lang="zh-CN" altLang="en-US" sz="1300" dirty="0" smtClean="0">
                 <a:latin typeface="微软雅黑" panose="020B0503020204020204" pitchFamily="34" charset="-122"/>
                 <a:ea typeface="微软雅黑" panose="020B0503020204020204" pitchFamily="34" charset="-122"/>
               </a:rPr>
-              <a:t>、</a:t>
+              <a:t>上都表现较好，有</a:t>
             </a:r>
             <a:r>
               <a:rPr lang="zh-CN" altLang="en-US" sz="1300" b="1" dirty="0" smtClean="0">
                 <a:latin typeface="微软雅黑" panose="020B0503020204020204" pitchFamily="34" charset="-122"/>
                 <a:ea typeface="微软雅黑" panose="020B0503020204020204" pitchFamily="34" charset="-122"/>
               </a:rPr>
-              <a:t>功耗</a:t>
+              <a:t>提升时钟频率</a:t>
             </a:r>
             <a:r>
               <a:rPr lang="zh-CN" altLang="en-US" sz="1300" dirty="0" smtClean="0">
                 <a:latin typeface="微软雅黑" panose="020B0503020204020204" pitchFamily="34" charset="-122"/>
                 <a:ea typeface="微软雅黑" panose="020B0503020204020204" pitchFamily="34" charset="-122"/>
               </a:rPr>
-              <a:t>上都表现较好，有</a:t>
-            </a:r>
-            <a:r>
-              <a:rPr lang="zh-CN" altLang="en-US" sz="1300" b="1" dirty="0" smtClean="0">
-                <a:latin typeface="微软雅黑" panose="020B0503020204020204" pitchFamily="34" charset="-122"/>
-                <a:ea typeface="微软雅黑" panose="020B0503020204020204" pitchFamily="34" charset="-122"/>
-              </a:rPr>
-              <a:t>提升时钟频率</a:t>
-            </a:r>
-            <a:r>
-              <a:rPr lang="zh-CN" altLang="en-US" sz="1300" dirty="0" smtClean="0">
-                <a:latin typeface="微软雅黑" panose="020B0503020204020204" pitchFamily="34" charset="-122"/>
-                <a:ea typeface="微软雅黑" panose="020B0503020204020204" pitchFamily="34" charset="-122"/>
-              </a:rPr>
-              <a:t>的</a:t>
-            </a:r>
-            <a:r>
-              <a:rPr lang="zh-CN" altLang="en-US" sz="1300" dirty="0" smtClean="0">
-                <a:latin typeface="微软雅黑" panose="020B0503020204020204" pitchFamily="34" charset="-122"/>
-                <a:ea typeface="微软雅黑" panose="020B0503020204020204" pitchFamily="34" charset="-122"/>
-              </a:rPr>
-              <a:t>潜力</a:t>
+              <a:t>的潜力</a:t>
             </a:r>
             <a:endParaRPr lang="en-US" altLang="zh-CN" sz="1300" dirty="0" smtClean="0">
               <a:latin typeface="微软雅黑" panose="020B0503020204020204" pitchFamily="34" charset="-122"/>
@@ -35352,10 +35066,6 @@
               </a:rPr>
               <a:t>NCO</a:t>
             </a:r>
-            <a:endParaRPr lang="en-US" altLang="zh-CN" sz="1300" dirty="0" smtClean="0">
-              <a:latin typeface="微软雅黑" panose="020B0503020204020204" pitchFamily="34" charset="-122"/>
-              <a:ea typeface="微软雅黑" panose="020B0503020204020204" pitchFamily="34" charset="-122"/>
-            </a:endParaRPr>
           </a:p>
         </p:txBody>
       </p:sp>
@@ -35448,7 +35158,7 @@
           <p:nvPr>
             <p:extLst>
               <p:ext uri="{D42A27DB-BD31-4B8C-83A1-F6EECF244321}">
-                <p14:modId xmlns:p14="http://schemas.microsoft.com/office/powerpoint/2010/main" val="3302662305"/>
+                <p14:modId xmlns:p14="http://schemas.microsoft.com/office/powerpoint/2010/main" val="1806727264"/>
               </p:ext>
             </p:extLst>
           </p:nvPr>
@@ -35467,42 +35177,42 @@
                 <a:gridCol w="1210880">
                   <a:extLst>
                     <a:ext uri="{9D8B030D-6E8A-4147-A177-3AD203B41FA5}">
-                      <a16:colId xmlns:a16="http://schemas.microsoft.com/office/drawing/2014/main" xmlns="" val="20000"/>
+                      <a16:colId xmlns="" xmlns:a16="http://schemas.microsoft.com/office/drawing/2014/main" val="20000"/>
                     </a:ext>
                   </a:extLst>
                 </a:gridCol>
                 <a:gridCol w="536202">
                   <a:extLst>
                     <a:ext uri="{9D8B030D-6E8A-4147-A177-3AD203B41FA5}">
-                      <a16:colId xmlns:a16="http://schemas.microsoft.com/office/drawing/2014/main" xmlns="" val="20001"/>
+                      <a16:colId xmlns="" xmlns:a16="http://schemas.microsoft.com/office/drawing/2014/main" val="20001"/>
                     </a:ext>
                   </a:extLst>
                 </a:gridCol>
                 <a:gridCol w="573741">
                   <a:extLst>
                     <a:ext uri="{9D8B030D-6E8A-4147-A177-3AD203B41FA5}">
-                      <a16:colId xmlns:a16="http://schemas.microsoft.com/office/drawing/2014/main" xmlns="" val="20002"/>
+                      <a16:colId xmlns="" xmlns:a16="http://schemas.microsoft.com/office/drawing/2014/main" val="20002"/>
                     </a:ext>
                   </a:extLst>
                 </a:gridCol>
                 <a:gridCol w="797859">
                   <a:extLst>
                     <a:ext uri="{9D8B030D-6E8A-4147-A177-3AD203B41FA5}">
-                      <a16:colId xmlns:a16="http://schemas.microsoft.com/office/drawing/2014/main" xmlns="" val="20003"/>
+                      <a16:colId xmlns="" xmlns:a16="http://schemas.microsoft.com/office/drawing/2014/main" val="20003"/>
                     </a:ext>
                   </a:extLst>
                 </a:gridCol>
                 <a:gridCol w="600635">
                   <a:extLst>
                     <a:ext uri="{9D8B030D-6E8A-4147-A177-3AD203B41FA5}">
-                      <a16:colId xmlns:a16="http://schemas.microsoft.com/office/drawing/2014/main" xmlns="" val="20004"/>
+                      <a16:colId xmlns="" xmlns:a16="http://schemas.microsoft.com/office/drawing/2014/main" val="20004"/>
                     </a:ext>
                   </a:extLst>
                 </a:gridCol>
                 <a:gridCol w="510988">
                   <a:extLst>
                     <a:ext uri="{9D8B030D-6E8A-4147-A177-3AD203B41FA5}">
-                      <a16:colId xmlns:a16="http://schemas.microsoft.com/office/drawing/2014/main" xmlns="" val="20005"/>
+                      <a16:colId xmlns="" xmlns:a16="http://schemas.microsoft.com/office/drawing/2014/main" val="20005"/>
                     </a:ext>
                   </a:extLst>
                 </a:gridCol>
@@ -35811,7 +35521,7 @@
                 </a:tc>
                 <a:extLst>
                   <a:ext uri="{0D108BD9-81ED-4DB2-BD59-A6C34878D82A}">
-                    <a16:rowId xmlns:a16="http://schemas.microsoft.com/office/drawing/2014/main" xmlns="" val="10000"/>
+                    <a16:rowId xmlns="" xmlns:a16="http://schemas.microsoft.com/office/drawing/2014/main" val="10000"/>
                   </a:ext>
                 </a:extLst>
               </a:tr>
@@ -36010,7 +35720,7 @@
                 </a:tc>
                 <a:extLst>
                   <a:ext uri="{0D108BD9-81ED-4DB2-BD59-A6C34878D82A}">
-                    <a16:rowId xmlns:a16="http://schemas.microsoft.com/office/drawing/2014/main" xmlns="" val="10001"/>
+                    <a16:rowId xmlns="" xmlns:a16="http://schemas.microsoft.com/office/drawing/2014/main" val="10001"/>
                   </a:ext>
                 </a:extLst>
               </a:tr>
@@ -36032,7 +35742,7 @@
                         <a:rPr lang="zh-CN" altLang="en-US" sz="1300" b="0" kern="0" dirty="0" smtClean="0">
                           <a:effectLst/>
                         </a:rPr>
-                        <a:t>二阶</a:t>
+                        <a:t>二次</a:t>
                       </a:r>
                       <a:r>
                         <a:rPr lang="zh-CN" sz="1300" b="0" kern="0" dirty="0" smtClean="0">
@@ -36209,7 +35919,7 @@
                 </a:tc>
                 <a:extLst>
                   <a:ext uri="{0D108BD9-81ED-4DB2-BD59-A6C34878D82A}">
-                    <a16:rowId xmlns:a16="http://schemas.microsoft.com/office/drawing/2014/main" xmlns="" val="10002"/>
+                    <a16:rowId xmlns="" xmlns:a16="http://schemas.microsoft.com/office/drawing/2014/main" val="10002"/>
                   </a:ext>
                 </a:extLst>
               </a:tr>
@@ -36402,7 +36112,7 @@
                 </a:tc>
                 <a:extLst>
                   <a:ext uri="{0D108BD9-81ED-4DB2-BD59-A6C34878D82A}">
-                    <a16:rowId xmlns:a16="http://schemas.microsoft.com/office/drawing/2014/main" xmlns="" val="10003"/>
+                    <a16:rowId xmlns="" xmlns:a16="http://schemas.microsoft.com/office/drawing/2014/main" val="10003"/>
                   </a:ext>
                 </a:extLst>
               </a:tr>
@@ -36598,7 +36308,7 @@
                 </a:tc>
                 <a:extLst>
                   <a:ext uri="{0D108BD9-81ED-4DB2-BD59-A6C34878D82A}">
-                    <a16:rowId xmlns:a16="http://schemas.microsoft.com/office/drawing/2014/main" xmlns="" val="10004"/>
+                    <a16:rowId xmlns="" xmlns:a16="http://schemas.microsoft.com/office/drawing/2014/main" val="10004"/>
                   </a:ext>
                 </a:extLst>
               </a:tr>
@@ -37054,7 +36764,7 @@
           <p:cNvPr id="8" name="图片 7">
             <a:extLst>
               <a:ext uri="{FF2B5EF4-FFF2-40B4-BE49-F238E27FC236}">
-                <a16:creationId xmlns:a16="http://schemas.microsoft.com/office/drawing/2014/main" xmlns="" id="{D66A4827-A107-4E76-9AFA-A332527FB4CB}"/>
+                <a16:creationId xmlns="" xmlns:a16="http://schemas.microsoft.com/office/drawing/2014/main" id="{D66A4827-A107-4E76-9AFA-A332527FB4CB}"/>
               </a:ext>
             </a:extLst>
           </p:cNvPr>
@@ -37082,7 +36792,7 @@
           <p:cNvPr id="9" name="内容占位符 2">
             <a:extLst>
               <a:ext uri="{FF2B5EF4-FFF2-40B4-BE49-F238E27FC236}">
-                <a16:creationId xmlns:a16="http://schemas.microsoft.com/office/drawing/2014/main" xmlns="" id="{D7EAE30E-6355-4F16-A9DF-D3AB86615C57}"/>
+                <a16:creationId xmlns="" xmlns:a16="http://schemas.microsoft.com/office/drawing/2014/main" id="{D7EAE30E-6355-4F16-A9DF-D3AB86615C57}"/>
               </a:ext>
             </a:extLst>
           </p:cNvPr>
@@ -37520,8 +37230,8 @@
           </a:p>
         </p:txBody>
       </p:sp>
-      <mc:AlternateContent xmlns:mc="http://schemas.openxmlformats.org/markup-compatibility/2006">
-        <mc:Choice xmlns:a14="http://schemas.microsoft.com/office/drawing/2010/main" Requires="a14">
+      <mc:AlternateContent xmlns:mc="http://schemas.openxmlformats.org/markup-compatibility/2006" xmlns:a14="http://schemas.microsoft.com/office/drawing/2010/main">
+        <mc:Choice Requires="a14">
           <p:sp>
             <p:nvSpPr>
               <p:cNvPr id="5" name="内容占位符 2"/>
@@ -37763,14 +37473,7 @@
                     <a:latin typeface="微软雅黑" panose="020B0503020204020204" pitchFamily="34" charset="-122"/>
                     <a:ea typeface="微软雅黑" panose="020B0503020204020204" pitchFamily="34" charset="-122"/>
                   </a:rPr>
-                  <a:t>引入了缩放</a:t>
-                </a:r>
-                <a:r>
-                  <a:rPr lang="zh-CN" altLang="en-US" sz="1600" kern="1200" dirty="0" smtClean="0">
-                    <a:latin typeface="微软雅黑" panose="020B0503020204020204" pitchFamily="34" charset="-122"/>
-                    <a:ea typeface="微软雅黑" panose="020B0503020204020204" pitchFamily="34" charset="-122"/>
-                  </a:rPr>
-                  <a:t>因子，对引入噪声进行平衡，杂散性能更好</a:t>
+                  <a:t>引入了缩放因子，对引入噪声进行平衡，杂散性能更好</a:t>
                 </a:r>
                 <a:endParaRPr lang="en-US" altLang="zh-CN" sz="1600" kern="1200" dirty="0" smtClean="0">
                   <a:latin typeface="微软雅黑" panose="020B0503020204020204" pitchFamily="34" charset="-122"/>
@@ -37794,17 +37497,7 @@
                     <a:latin typeface="微软雅黑" panose="020B0503020204020204" pitchFamily="34" charset="-122"/>
                     <a:ea typeface="微软雅黑" panose="020B0503020204020204" pitchFamily="34" charset="-122"/>
                   </a:rPr>
-                  <a:t>矩阵旋转</a:t>
-                </a:r>
-                <a:r>
-                  <a:rPr lang="zh-CN" altLang="en-US" sz="1600" kern="1200" dirty="0" smtClean="0">
-                    <a:solidFill>
-                      <a:srgbClr val="FF0000"/>
-                    </a:solidFill>
-                    <a:latin typeface="微软雅黑" panose="020B0503020204020204" pitchFamily="34" charset="-122"/>
-                    <a:ea typeface="微软雅黑" panose="020B0503020204020204" pitchFamily="34" charset="-122"/>
-                  </a:rPr>
-                  <a:t>：</a:t>
+                  <a:t>矩阵旋转：</a:t>
                 </a:r>
                 <a:r>
                   <a:rPr lang="zh-CN" altLang="en-US" sz="1600" kern="1200" dirty="0" smtClean="0">
@@ -37859,7 +37552,7 @@
             </p:txBody>
           </p:sp>
         </mc:Choice>
-        <mc:Fallback>
+        <mc:Fallback xmlns="">
           <p:sp>
             <p:nvSpPr>
               <p:cNvPr id="5" name="内容占位符 2"/>
@@ -37956,7 +37649,7 @@
             <p:cNvPr id="117" name="图片 116" descr="D:\毕设\大四下\lunwen\图片\DDS改进架构.png">
               <a:extLst>
                 <a:ext uri="{FF2B5EF4-FFF2-40B4-BE49-F238E27FC236}">
-                  <a16:creationId xmlns:a16="http://schemas.microsoft.com/office/drawing/2014/main" xmlns="" id="{3EDD7146-5C7E-429D-8FC3-A0A66DD752D7}"/>
+                  <a16:creationId xmlns="" xmlns:a16="http://schemas.microsoft.com/office/drawing/2014/main" id="{3EDD7146-5C7E-429D-8FC3-A0A66DD752D7}"/>
                 </a:ext>
               </a:extLst>
             </p:cNvPr>
@@ -38176,8 +37869,8 @@
           </a:p>
         </p:txBody>
       </p:sp>
-      <mc:AlternateContent xmlns:mc="http://schemas.openxmlformats.org/markup-compatibility/2006">
-        <mc:Choice xmlns:a14="http://schemas.microsoft.com/office/drawing/2010/main" Requires="a14">
+      <mc:AlternateContent xmlns:mc="http://schemas.openxmlformats.org/markup-compatibility/2006" xmlns:a14="http://schemas.microsoft.com/office/drawing/2010/main">
+        <mc:Choice Requires="a14">
           <p:sp>
             <p:nvSpPr>
               <p:cNvPr id="5" name="内容占位符 2"/>
@@ -38560,7 +38253,7 @@
             </p:txBody>
           </p:sp>
         </mc:Choice>
-        <mc:Fallback>
+        <mc:Fallback xmlns="">
           <p:sp>
             <p:nvSpPr>
               <p:cNvPr id="5" name="内容占位符 2"/>
@@ -38626,70 +38319,70 @@
                 <a:gridCol w="369345">
                   <a:extLst>
                     <a:ext uri="{9D8B030D-6E8A-4147-A177-3AD203B41FA5}">
-                      <a16:colId xmlns:a16="http://schemas.microsoft.com/office/drawing/2014/main" xmlns="" val="20000"/>
+                      <a16:colId xmlns="" xmlns:a16="http://schemas.microsoft.com/office/drawing/2014/main" val="20000"/>
                     </a:ext>
                   </a:extLst>
                 </a:gridCol>
                 <a:gridCol w="369345">
                   <a:extLst>
                     <a:ext uri="{9D8B030D-6E8A-4147-A177-3AD203B41FA5}">
-                      <a16:colId xmlns:a16="http://schemas.microsoft.com/office/drawing/2014/main" xmlns="" val="20001"/>
+                      <a16:colId xmlns="" xmlns:a16="http://schemas.microsoft.com/office/drawing/2014/main" val="20001"/>
                     </a:ext>
                   </a:extLst>
                 </a:gridCol>
                 <a:gridCol w="369345">
                   <a:extLst>
                     <a:ext uri="{9D8B030D-6E8A-4147-A177-3AD203B41FA5}">
-                      <a16:colId xmlns:a16="http://schemas.microsoft.com/office/drawing/2014/main" xmlns="" val="20002"/>
+                      <a16:colId xmlns="" xmlns:a16="http://schemas.microsoft.com/office/drawing/2014/main" val="20002"/>
                     </a:ext>
                   </a:extLst>
                 </a:gridCol>
                 <a:gridCol w="369345">
                   <a:extLst>
                     <a:ext uri="{9D8B030D-6E8A-4147-A177-3AD203B41FA5}">
-                      <a16:colId xmlns:a16="http://schemas.microsoft.com/office/drawing/2014/main" xmlns="" val="20003"/>
+                      <a16:colId xmlns="" xmlns:a16="http://schemas.microsoft.com/office/drawing/2014/main" val="20003"/>
                     </a:ext>
                   </a:extLst>
                 </a:gridCol>
                 <a:gridCol w="369345">
                   <a:extLst>
                     <a:ext uri="{9D8B030D-6E8A-4147-A177-3AD203B41FA5}">
-                      <a16:colId xmlns:a16="http://schemas.microsoft.com/office/drawing/2014/main" xmlns="" val="20004"/>
+                      <a16:colId xmlns="" xmlns:a16="http://schemas.microsoft.com/office/drawing/2014/main" val="20004"/>
                     </a:ext>
                   </a:extLst>
                 </a:gridCol>
                 <a:gridCol w="369345">
                   <a:extLst>
                     <a:ext uri="{9D8B030D-6E8A-4147-A177-3AD203B41FA5}">
-                      <a16:colId xmlns:a16="http://schemas.microsoft.com/office/drawing/2014/main" xmlns="" val="20005"/>
+                      <a16:colId xmlns="" xmlns:a16="http://schemas.microsoft.com/office/drawing/2014/main" val="20005"/>
                     </a:ext>
                   </a:extLst>
                 </a:gridCol>
                 <a:gridCol w="369345">
                   <a:extLst>
                     <a:ext uri="{9D8B030D-6E8A-4147-A177-3AD203B41FA5}">
-                      <a16:colId xmlns:a16="http://schemas.microsoft.com/office/drawing/2014/main" xmlns="" val="20006"/>
+                      <a16:colId xmlns="" xmlns:a16="http://schemas.microsoft.com/office/drawing/2014/main" val="20006"/>
                     </a:ext>
                   </a:extLst>
                 </a:gridCol>
                 <a:gridCol w="369345">
                   <a:extLst>
                     <a:ext uri="{9D8B030D-6E8A-4147-A177-3AD203B41FA5}">
-                      <a16:colId xmlns:a16="http://schemas.microsoft.com/office/drawing/2014/main" xmlns="" val="20007"/>
+                      <a16:colId xmlns="" xmlns:a16="http://schemas.microsoft.com/office/drawing/2014/main" val="20007"/>
                     </a:ext>
                   </a:extLst>
                 </a:gridCol>
                 <a:gridCol w="355483">
                   <a:extLst>
                     <a:ext uri="{9D8B030D-6E8A-4147-A177-3AD203B41FA5}">
-                      <a16:colId xmlns:a16="http://schemas.microsoft.com/office/drawing/2014/main" xmlns="" val="20008"/>
+                      <a16:colId xmlns="" xmlns:a16="http://schemas.microsoft.com/office/drawing/2014/main" val="20008"/>
                     </a:ext>
                   </a:extLst>
                 </a:gridCol>
                 <a:gridCol w="384062">
                   <a:extLst>
                     <a:ext uri="{9D8B030D-6E8A-4147-A177-3AD203B41FA5}">
-                      <a16:colId xmlns:a16="http://schemas.microsoft.com/office/drawing/2014/main" xmlns="" val="20009"/>
+                      <a16:colId xmlns="" xmlns:a16="http://schemas.microsoft.com/office/drawing/2014/main" val="20009"/>
                     </a:ext>
                   </a:extLst>
                 </a:gridCol>
@@ -39213,7 +38906,7 @@
                 </a:tc>
                 <a:extLst>
                   <a:ext uri="{0D108BD9-81ED-4DB2-BD59-A6C34878D82A}">
-                    <a16:rowId xmlns:a16="http://schemas.microsoft.com/office/drawing/2014/main" xmlns="" val="10000"/>
+                    <a16:rowId xmlns="" xmlns:a16="http://schemas.microsoft.com/office/drawing/2014/main" val="10000"/>
                   </a:ext>
                 </a:extLst>
               </a:tr>
@@ -39589,70 +39282,70 @@
                 <a:gridCol w="369345">
                   <a:extLst>
                     <a:ext uri="{9D8B030D-6E8A-4147-A177-3AD203B41FA5}">
-                      <a16:colId xmlns:a16="http://schemas.microsoft.com/office/drawing/2014/main" xmlns="" val="20000"/>
+                      <a16:colId xmlns="" xmlns:a16="http://schemas.microsoft.com/office/drawing/2014/main" val="20000"/>
                     </a:ext>
                   </a:extLst>
                 </a:gridCol>
                 <a:gridCol w="369345">
                   <a:extLst>
                     <a:ext uri="{9D8B030D-6E8A-4147-A177-3AD203B41FA5}">
-                      <a16:colId xmlns:a16="http://schemas.microsoft.com/office/drawing/2014/main" xmlns="" val="20001"/>
+                      <a16:colId xmlns="" xmlns:a16="http://schemas.microsoft.com/office/drawing/2014/main" val="20001"/>
                     </a:ext>
                   </a:extLst>
                 </a:gridCol>
                 <a:gridCol w="369345">
                   <a:extLst>
                     <a:ext uri="{9D8B030D-6E8A-4147-A177-3AD203B41FA5}">
-                      <a16:colId xmlns:a16="http://schemas.microsoft.com/office/drawing/2014/main" xmlns="" val="20002"/>
+                      <a16:colId xmlns="" xmlns:a16="http://schemas.microsoft.com/office/drawing/2014/main" val="20002"/>
                     </a:ext>
                   </a:extLst>
                 </a:gridCol>
                 <a:gridCol w="369345">
                   <a:extLst>
                     <a:ext uri="{9D8B030D-6E8A-4147-A177-3AD203B41FA5}">
-                      <a16:colId xmlns:a16="http://schemas.microsoft.com/office/drawing/2014/main" xmlns="" val="20003"/>
+                      <a16:colId xmlns="" xmlns:a16="http://schemas.microsoft.com/office/drawing/2014/main" val="20003"/>
                     </a:ext>
                   </a:extLst>
                 </a:gridCol>
                 <a:gridCol w="369345">
                   <a:extLst>
                     <a:ext uri="{9D8B030D-6E8A-4147-A177-3AD203B41FA5}">
-                      <a16:colId xmlns:a16="http://schemas.microsoft.com/office/drawing/2014/main" xmlns="" val="20004"/>
+                      <a16:colId xmlns="" xmlns:a16="http://schemas.microsoft.com/office/drawing/2014/main" val="20004"/>
                     </a:ext>
                   </a:extLst>
                 </a:gridCol>
                 <a:gridCol w="369345">
                   <a:extLst>
                     <a:ext uri="{9D8B030D-6E8A-4147-A177-3AD203B41FA5}">
-                      <a16:colId xmlns:a16="http://schemas.microsoft.com/office/drawing/2014/main" xmlns="" val="20005"/>
+                      <a16:colId xmlns="" xmlns:a16="http://schemas.microsoft.com/office/drawing/2014/main" val="20005"/>
                     </a:ext>
                   </a:extLst>
                 </a:gridCol>
                 <a:gridCol w="369345">
                   <a:extLst>
                     <a:ext uri="{9D8B030D-6E8A-4147-A177-3AD203B41FA5}">
-                      <a16:colId xmlns:a16="http://schemas.microsoft.com/office/drawing/2014/main" xmlns="" val="20006"/>
+                      <a16:colId xmlns="" xmlns:a16="http://schemas.microsoft.com/office/drawing/2014/main" val="20006"/>
                     </a:ext>
                   </a:extLst>
                 </a:gridCol>
                 <a:gridCol w="369345">
                   <a:extLst>
                     <a:ext uri="{9D8B030D-6E8A-4147-A177-3AD203B41FA5}">
-                      <a16:colId xmlns:a16="http://schemas.microsoft.com/office/drawing/2014/main" xmlns="" val="20007"/>
+                      <a16:colId xmlns="" xmlns:a16="http://schemas.microsoft.com/office/drawing/2014/main" val="20007"/>
                     </a:ext>
                   </a:extLst>
                 </a:gridCol>
                 <a:gridCol w="355483">
                   <a:extLst>
                     <a:ext uri="{9D8B030D-6E8A-4147-A177-3AD203B41FA5}">
-                      <a16:colId xmlns:a16="http://schemas.microsoft.com/office/drawing/2014/main" xmlns="" val="20008"/>
+                      <a16:colId xmlns="" xmlns:a16="http://schemas.microsoft.com/office/drawing/2014/main" val="20008"/>
                     </a:ext>
                   </a:extLst>
                 </a:gridCol>
                 <a:gridCol w="384062">
                   <a:extLst>
                     <a:ext uri="{9D8B030D-6E8A-4147-A177-3AD203B41FA5}">
-                      <a16:colId xmlns:a16="http://schemas.microsoft.com/office/drawing/2014/main" xmlns="" val="20009"/>
+                      <a16:colId xmlns="" xmlns:a16="http://schemas.microsoft.com/office/drawing/2014/main" val="20009"/>
                     </a:ext>
                   </a:extLst>
                 </a:gridCol>
@@ -40230,7 +39923,7 @@
                 </a:tc>
                 <a:extLst>
                   <a:ext uri="{0D108BD9-81ED-4DB2-BD59-A6C34878D82A}">
-                    <a16:rowId xmlns:a16="http://schemas.microsoft.com/office/drawing/2014/main" xmlns="" val="10000"/>
+                    <a16:rowId xmlns="" xmlns:a16="http://schemas.microsoft.com/office/drawing/2014/main" val="10000"/>
                   </a:ext>
                 </a:extLst>
               </a:tr>

--- a/dabian/杨一雄_毕业设计答辩_v2.0.pptx
+++ b/dabian/杨一雄_毕业设计答辩_v2.0.pptx
@@ -222,7 +222,7 @@
           <a:p>
             <a:fld id="{41C171BD-44C2-486C-A04B-5A7F58ADE3A6}" type="datetimeFigureOut">
               <a:rPr lang="zh-CN" altLang="en-US" smtClean="0"/>
-              <a:t>2017/6/9</a:t>
+              <a:t>2017/6/10</a:t>
             </a:fld>
             <a:endParaRPr lang="zh-CN" altLang="en-US"/>
           </a:p>
@@ -388,7 +388,7 @@
           <a:p>
             <a:fld id="{52870B4D-8E9B-40BE-BFA7-166D04D852CD}" type="datetimeFigureOut">
               <a:rPr lang="zh-CN" altLang="en-US" smtClean="0"/>
-              <a:t>2017/6/9</a:t>
+              <a:t>2017/6/10</a:t>
             </a:fld>
             <a:endParaRPr lang="zh-CN" altLang="en-US"/>
           </a:p>
@@ -746,28 +746,16 @@
             </a:r>
             <a:r>
               <a:rPr lang="zh-CN" altLang="en-US" dirty="0"/>
-              <a:t>号杨一雄。我</a:t>
-            </a:r>
-            <a:r>
-              <a:rPr lang="zh-CN" altLang="en-US" dirty="0" smtClean="0"/>
-              <a:t>的论文题目是</a:t>
-            </a:r>
+              <a:t>号杨一雄。我的论文题目是超高速、高精度数控振荡器。</a:t>
+            </a:r>
+            <a:endParaRPr lang="en-US" altLang="zh-CN" dirty="0"/>
+          </a:p>
+          <a:p>
+            <a:endParaRPr lang="en-US" altLang="zh-CN" dirty="0"/>
+          </a:p>
+          <a:p>
             <a:r>
               <a:rPr lang="zh-CN" altLang="en-US" dirty="0"/>
-              <a:t>超高速、高精度数控振荡器</a:t>
-            </a:r>
-            <a:r>
-              <a:rPr lang="zh-CN" altLang="en-US" dirty="0" smtClean="0"/>
-              <a:t>。</a:t>
-            </a:r>
-            <a:endParaRPr lang="en-US" altLang="zh-CN" dirty="0" smtClean="0"/>
-          </a:p>
-          <a:p>
-            <a:endParaRPr lang="en-US" altLang="zh-CN" dirty="0" smtClean="0"/>
-          </a:p>
-          <a:p>
-            <a:r>
-              <a:rPr lang="zh-CN" altLang="en-US" dirty="0" smtClean="0"/>
               <a:t>我的指导老师是杨华中教授。</a:t>
             </a:r>
             <a:endParaRPr lang="zh-CN" altLang="zh-CN" dirty="0"/>
@@ -1667,19 +1655,7 @@
           <a:p>
             <a:r>
               <a:rPr lang="zh-CN" altLang="en-US" dirty="0"/>
-              <a:t>我的报告</a:t>
-            </a:r>
-            <a:r>
-              <a:rPr lang="zh-CN" altLang="en-US" dirty="0" smtClean="0"/>
-              <a:t>分为三个</a:t>
-            </a:r>
-            <a:r>
-              <a:rPr lang="zh-CN" altLang="en-US" dirty="0"/>
-              <a:t>部分：课题背景、课题</a:t>
-            </a:r>
-            <a:r>
-              <a:rPr lang="zh-CN" altLang="en-US" dirty="0" smtClean="0"/>
-              <a:t>目标、进展情况。最后包括参考文献和附录</a:t>
+              <a:t>我的报告分为三个部分：课题背景、课题目标、进展情况。最后包括参考文献和附录</a:t>
             </a:r>
             <a:endParaRPr lang="en-US" altLang="zh-CN" dirty="0"/>
           </a:p>
@@ -1766,59 +1742,59 @@
           <a:lstStyle/>
           <a:p>
             <a:r>
-              <a:rPr lang="zh-CN" altLang="en-US" dirty="0" smtClean="0"/>
+              <a:rPr lang="zh-CN" altLang="en-US" dirty="0"/>
               <a:t>数控振荡器的定义如右上角的框图所示，输入为频率控制字，输出时对应频率的正弦波。</a:t>
             </a:r>
-            <a:endParaRPr lang="en-US" altLang="zh-CN" dirty="0" smtClean="0"/>
-          </a:p>
-          <a:p>
-            <a:r>
-              <a:rPr lang="en-US" altLang="zh-CN" dirty="0" smtClean="0"/>
+            <a:endParaRPr lang="en-US" altLang="zh-CN" dirty="0"/>
+          </a:p>
+          <a:p>
+            <a:r>
+              <a:rPr lang="en-US" altLang="zh-CN" dirty="0"/>
               <a:t>NCO</a:t>
             </a:r>
             <a:r>
-              <a:rPr lang="zh-CN" altLang="en-US" dirty="0" smtClean="0"/>
+              <a:rPr lang="zh-CN" altLang="en-US" dirty="0"/>
               <a:t>的主要作用是产生正弦波，可在无线通信生成载波，雷达扫频充当信号源；</a:t>
             </a:r>
-            <a:endParaRPr lang="en-US" altLang="zh-CN" dirty="0" smtClean="0"/>
-          </a:p>
-          <a:p>
-            <a:r>
-              <a:rPr lang="zh-CN" altLang="en-US" dirty="0" smtClean="0"/>
+            <a:endParaRPr lang="en-US" altLang="zh-CN" dirty="0"/>
+          </a:p>
+          <a:p>
+            <a:r>
+              <a:rPr lang="zh-CN" altLang="en-US" dirty="0"/>
               <a:t>在</a:t>
             </a:r>
             <a:r>
-              <a:rPr lang="en-US" altLang="zh-CN" dirty="0" smtClean="0"/>
+              <a:rPr lang="en-US" altLang="zh-CN" dirty="0"/>
               <a:t>FPGA</a:t>
             </a:r>
             <a:r>
-              <a:rPr lang="zh-CN" altLang="en-US" dirty="0" smtClean="0"/>
+              <a:rPr lang="zh-CN" altLang="en-US" dirty="0"/>
               <a:t>等计算平台网络设备中也需要使用</a:t>
             </a:r>
             <a:r>
-              <a:rPr lang="en-US" altLang="zh-CN" dirty="0" smtClean="0"/>
+              <a:rPr lang="en-US" altLang="zh-CN" dirty="0"/>
               <a:t>NCO</a:t>
             </a:r>
             <a:r>
-              <a:rPr lang="zh-CN" altLang="en-US" dirty="0" smtClean="0"/>
+              <a:rPr lang="zh-CN" altLang="en-US" dirty="0"/>
               <a:t>实现计算任务和调制解调；</a:t>
             </a:r>
-            <a:endParaRPr lang="en-US" altLang="zh-CN" dirty="0" smtClean="0"/>
-          </a:p>
-          <a:p>
-            <a:r>
-              <a:rPr lang="zh-CN" altLang="en-US" dirty="0" smtClean="0"/>
+            <a:endParaRPr lang="en-US" altLang="zh-CN" dirty="0"/>
+          </a:p>
+          <a:p>
+            <a:r>
+              <a:rPr lang="zh-CN" altLang="en-US" dirty="0"/>
               <a:t>在电路设计中，使用</a:t>
             </a:r>
             <a:r>
-              <a:rPr lang="en-US" altLang="zh-CN" dirty="0" smtClean="0"/>
+              <a:rPr lang="en-US" altLang="zh-CN" dirty="0"/>
               <a:t>NCO</a:t>
             </a:r>
             <a:r>
-              <a:rPr lang="zh-CN" altLang="en-US" dirty="0" smtClean="0"/>
+              <a:rPr lang="zh-CN" altLang="en-US" dirty="0"/>
               <a:t>测试系统的频率输出特性也是非常重要的一环；</a:t>
             </a:r>
-            <a:endParaRPr lang="en-US" altLang="zh-CN" dirty="0" smtClean="0"/>
+            <a:endParaRPr lang="en-US" altLang="zh-CN" dirty="0"/>
           </a:p>
         </p:txBody>
       </p:sp>
@@ -1920,18 +1896,18 @@
               <a:defRPr/>
             </a:pPr>
             <a:r>
-              <a:rPr lang="zh-CN" altLang="en-US" sz="1600" dirty="0" smtClean="0"/>
+              <a:rPr lang="zh-CN" altLang="en-US" sz="1600" dirty="0"/>
               <a:t>实现数控振荡器的一个重要方法是直接数字合成方法</a:t>
             </a:r>
             <a:r>
-              <a:rPr lang="en-US" altLang="zh-CN" sz="1600" dirty="0" smtClean="0"/>
+              <a:rPr lang="en-US" altLang="zh-CN" sz="1600" dirty="0"/>
               <a:t>DDS</a:t>
             </a:r>
             <a:r>
-              <a:rPr lang="zh-CN" altLang="en-US" sz="1600" dirty="0" smtClean="0"/>
+              <a:rPr lang="zh-CN" altLang="en-US" sz="1600" dirty="0"/>
               <a:t>。</a:t>
             </a:r>
-            <a:endParaRPr lang="en-US" altLang="zh-CN" sz="1600" dirty="0" smtClean="0"/>
+            <a:endParaRPr lang="en-US" altLang="zh-CN" sz="1600" dirty="0"/>
           </a:p>
           <a:p>
             <a:pPr marL="914400" marR="0" lvl="2" indent="0" algn="l" defTabSz="914400" rtl="0" eaLnBrk="1" fontAlgn="auto" latinLnBrk="0" hangingPunct="1">
@@ -1952,50 +1928,50 @@
               <a:defRPr/>
             </a:pPr>
             <a:r>
-              <a:rPr lang="zh-CN" altLang="en-US" sz="1600" dirty="0" smtClean="0"/>
+              <a:rPr lang="zh-CN" altLang="en-US" sz="1600" dirty="0"/>
               <a:t>从上方的图看出，</a:t>
             </a:r>
             <a:r>
-              <a:rPr lang="en-US" altLang="zh-CN" sz="1600" dirty="0" smtClean="0"/>
+              <a:rPr lang="en-US" altLang="zh-CN" sz="1600" dirty="0"/>
               <a:t>DDS</a:t>
             </a:r>
             <a:r>
-              <a:rPr lang="zh-CN" altLang="en-US" sz="1600" dirty="0" smtClean="0"/>
+              <a:rPr lang="zh-CN" altLang="en-US" sz="1600" dirty="0"/>
               <a:t>包括生成相位的相位累加器</a:t>
             </a:r>
             <a:r>
-              <a:rPr lang="en-US" altLang="zh-CN" sz="1600" dirty="0" smtClean="0"/>
+              <a:rPr lang="en-US" altLang="zh-CN" sz="1600" dirty="0"/>
               <a:t>(PA)</a:t>
             </a:r>
             <a:r>
-              <a:rPr lang="zh-CN" altLang="en-US" sz="1600" dirty="0" smtClean="0"/>
+              <a:rPr lang="zh-CN" altLang="en-US" sz="1600" dirty="0"/>
               <a:t>模块，将相位转化为正弦波幅度的相位幅度转换器</a:t>
             </a:r>
             <a:r>
-              <a:rPr lang="en-US" altLang="zh-CN" sz="1600" dirty="0" smtClean="0"/>
+              <a:rPr lang="en-US" altLang="zh-CN" sz="1600" dirty="0"/>
               <a:t>(PAC)</a:t>
             </a:r>
             <a:r>
-              <a:rPr lang="zh-CN" altLang="en-US" sz="1600" dirty="0" smtClean="0"/>
+              <a:rPr lang="zh-CN" altLang="en-US" sz="1600" dirty="0"/>
               <a:t>模块，最后的数模转换器</a:t>
             </a:r>
             <a:r>
-              <a:rPr lang="en-US" altLang="zh-CN" sz="1600" dirty="0" smtClean="0"/>
+              <a:rPr lang="en-US" altLang="zh-CN" sz="1600" dirty="0"/>
               <a:t>(DAC)</a:t>
             </a:r>
             <a:r>
-              <a:rPr lang="zh-CN" altLang="en-US" sz="1600" dirty="0" smtClean="0"/>
+              <a:rPr lang="zh-CN" altLang="en-US" sz="1600" dirty="0"/>
               <a:t>，核心是实现相位到正弦波幅度转换</a:t>
             </a:r>
             <a:r>
-              <a:rPr lang="en-US" altLang="zh-CN" sz="1600" dirty="0" smtClean="0"/>
+              <a:rPr lang="en-US" altLang="zh-CN" sz="1600" dirty="0"/>
               <a:t>PAC</a:t>
             </a:r>
             <a:r>
-              <a:rPr lang="zh-CN" altLang="en-US" sz="1600" dirty="0" smtClean="0"/>
+              <a:rPr lang="zh-CN" altLang="en-US" sz="1600" dirty="0"/>
               <a:t>模块</a:t>
             </a:r>
-            <a:endParaRPr lang="en-US" altLang="zh-CN" sz="1600" dirty="0" smtClean="0"/>
+            <a:endParaRPr lang="en-US" altLang="zh-CN" sz="1600" dirty="0"/>
           </a:p>
           <a:p>
             <a:pPr lvl="2">
@@ -2006,7 +1982,7 @@
                 <a:spcPts val="300"/>
               </a:spcAft>
             </a:pPr>
-            <a:endParaRPr lang="en-US" altLang="zh-CN" sz="1600" dirty="0" smtClean="0">
+            <a:endParaRPr lang="en-US" altLang="zh-CN" sz="1600" dirty="0">
               <a:latin typeface="微软雅黑" panose="020B0503020204020204" pitchFamily="34" charset="-122"/>
               <a:ea typeface="微软雅黑" panose="020B0503020204020204" pitchFamily="34" charset="-122"/>
             </a:endParaRPr>
@@ -2021,20 +1997,20 @@
               </a:spcAft>
             </a:pPr>
             <a:r>
-              <a:rPr lang="en-US" altLang="zh-CN" sz="1600" dirty="0" smtClean="0">
+              <a:rPr lang="en-US" altLang="zh-CN" sz="1600" dirty="0">
                 <a:latin typeface="微软雅黑" panose="020B0503020204020204" pitchFamily="34" charset="-122"/>
                 <a:ea typeface="微软雅黑" panose="020B0503020204020204" pitchFamily="34" charset="-122"/>
               </a:rPr>
               <a:t>DDS</a:t>
             </a:r>
             <a:r>
-              <a:rPr lang="zh-CN" altLang="en-US" sz="1600" dirty="0" smtClean="0">
+              <a:rPr lang="zh-CN" altLang="en-US" sz="1600" dirty="0">
                 <a:latin typeface="微软雅黑" panose="020B0503020204020204" pitchFamily="34" charset="-122"/>
                 <a:ea typeface="微软雅黑" panose="020B0503020204020204" pitchFamily="34" charset="-122"/>
               </a:rPr>
               <a:t>的特点是频率分辨率极高，通过调整频率控制字位数即可实现。另一个特点是可以及时通过改变频率控制字实现扫频操作。</a:t>
             </a:r>
-            <a:endParaRPr lang="en-US" altLang="zh-CN" sz="1600" dirty="0" smtClean="0">
+            <a:endParaRPr lang="en-US" altLang="zh-CN" sz="1600" dirty="0">
               <a:latin typeface="微软雅黑" panose="020B0503020204020204" pitchFamily="34" charset="-122"/>
               <a:ea typeface="微软雅黑" panose="020B0503020204020204" pitchFamily="34" charset="-122"/>
             </a:endParaRPr>
@@ -2049,27 +2025,27 @@
               </a:spcAft>
             </a:pPr>
             <a:r>
-              <a:rPr lang="zh-CN" altLang="en-US" sz="1600" dirty="0" smtClean="0">
+              <a:rPr lang="zh-CN" altLang="en-US" sz="1600" dirty="0">
                 <a:latin typeface="微软雅黑" panose="020B0503020204020204" pitchFamily="34" charset="-122"/>
                 <a:ea typeface="微软雅黑" panose="020B0503020204020204" pitchFamily="34" charset="-122"/>
               </a:rPr>
               <a:t>除了高分辨率和扫频速度快等优点，因为使用全数字电路，</a:t>
             </a:r>
             <a:r>
-              <a:rPr lang="en-US" altLang="zh-CN" sz="1600" dirty="0" smtClean="0">
+              <a:rPr lang="en-US" altLang="zh-CN" sz="1600" dirty="0">
                 <a:latin typeface="微软雅黑" panose="020B0503020204020204" pitchFamily="34" charset="-122"/>
                 <a:ea typeface="微软雅黑" panose="020B0503020204020204" pitchFamily="34" charset="-122"/>
               </a:rPr>
               <a:t>DDS</a:t>
             </a:r>
             <a:r>
-              <a:rPr lang="zh-CN" altLang="en-US" sz="1600" dirty="0" smtClean="0">
+              <a:rPr lang="zh-CN" altLang="en-US" sz="1600" dirty="0">
                 <a:latin typeface="微软雅黑" panose="020B0503020204020204" pitchFamily="34" charset="-122"/>
                 <a:ea typeface="微软雅黑" panose="020B0503020204020204" pitchFamily="34" charset="-122"/>
               </a:rPr>
               <a:t>相比锁相环系统更加稳定，输出相位能保持连续性。</a:t>
             </a:r>
-            <a:endParaRPr lang="en-US" altLang="zh-CN" sz="1600" dirty="0" smtClean="0">
+            <a:endParaRPr lang="en-US" altLang="zh-CN" sz="1600" dirty="0">
               <a:latin typeface="微软雅黑" panose="020B0503020204020204" pitchFamily="34" charset="-122"/>
               <a:ea typeface="微软雅黑" panose="020B0503020204020204" pitchFamily="34" charset="-122"/>
             </a:endParaRPr>
@@ -2083,7 +2059,7 @@
                 <a:spcPts val="300"/>
               </a:spcAft>
             </a:pPr>
-            <a:endParaRPr lang="en-US" altLang="zh-CN" sz="1600" dirty="0" smtClean="0">
+            <a:endParaRPr lang="en-US" altLang="zh-CN" sz="1600" dirty="0">
               <a:latin typeface="微软雅黑" panose="020B0503020204020204" pitchFamily="34" charset="-122"/>
               <a:ea typeface="微软雅黑" panose="020B0503020204020204" pitchFamily="34" charset="-122"/>
             </a:endParaRPr>
@@ -2098,41 +2074,41 @@
               </a:spcAft>
             </a:pPr>
             <a:r>
-              <a:rPr lang="zh-CN" altLang="en-US" sz="1600" dirty="0" smtClean="0">
+              <a:rPr lang="zh-CN" altLang="en-US" sz="1600" dirty="0">
                 <a:latin typeface="微软雅黑" panose="020B0503020204020204" pitchFamily="34" charset="-122"/>
                 <a:ea typeface="微软雅黑" panose="020B0503020204020204" pitchFamily="34" charset="-122"/>
               </a:rPr>
               <a:t>评价</a:t>
             </a:r>
             <a:r>
-              <a:rPr lang="en-US" altLang="zh-CN" sz="1600" dirty="0" smtClean="0">
+              <a:rPr lang="en-US" altLang="zh-CN" sz="1600" dirty="0">
                 <a:latin typeface="微软雅黑" panose="020B0503020204020204" pitchFamily="34" charset="-122"/>
                 <a:ea typeface="微软雅黑" panose="020B0503020204020204" pitchFamily="34" charset="-122"/>
               </a:rPr>
               <a:t>DDS</a:t>
             </a:r>
             <a:r>
-              <a:rPr lang="zh-CN" altLang="en-US" sz="1600" dirty="0" smtClean="0">
+              <a:rPr lang="zh-CN" altLang="en-US" sz="1600" dirty="0">
                 <a:latin typeface="微软雅黑" panose="020B0503020204020204" pitchFamily="34" charset="-122"/>
                 <a:ea typeface="微软雅黑" panose="020B0503020204020204" pitchFamily="34" charset="-122"/>
               </a:rPr>
               <a:t>的指标首先是输出信号的信噪比，用于描述输出幅度的不确定度。另一项指标是最大杂散分量</a:t>
             </a:r>
             <a:r>
-              <a:rPr lang="en-US" altLang="zh-CN" sz="1600" dirty="0" smtClean="0">
+              <a:rPr lang="en-US" altLang="zh-CN" sz="1600" dirty="0">
                 <a:latin typeface="微软雅黑" panose="020B0503020204020204" pitchFamily="34" charset="-122"/>
                 <a:ea typeface="微软雅黑" panose="020B0503020204020204" pitchFamily="34" charset="-122"/>
               </a:rPr>
               <a:t>SFDR</a:t>
             </a:r>
             <a:r>
-              <a:rPr lang="zh-CN" altLang="en-US" sz="1600" dirty="0" smtClean="0">
+              <a:rPr lang="zh-CN" altLang="en-US" sz="1600" dirty="0">
                 <a:latin typeface="微软雅黑" panose="020B0503020204020204" pitchFamily="34" charset="-122"/>
                 <a:ea typeface="微软雅黑" panose="020B0503020204020204" pitchFamily="34" charset="-122"/>
               </a:rPr>
               <a:t>，指基频信号能量和最大杂散信号能量之比。</a:t>
             </a:r>
-            <a:endParaRPr lang="en-US" altLang="zh-CN" sz="1600" dirty="0" smtClean="0">
+            <a:endParaRPr lang="en-US" altLang="zh-CN" sz="1600" dirty="0">
               <a:latin typeface="微软雅黑" panose="020B0503020204020204" pitchFamily="34" charset="-122"/>
               <a:ea typeface="微软雅黑" panose="020B0503020204020204" pitchFamily="34" charset="-122"/>
             </a:endParaRPr>
@@ -2147,55 +2123,55 @@
               </a:spcAft>
             </a:pPr>
             <a:r>
-              <a:rPr lang="zh-CN" altLang="en-US" sz="1600" dirty="0" smtClean="0">
+              <a:rPr lang="zh-CN" altLang="en-US" sz="1600" dirty="0">
                 <a:latin typeface="微软雅黑" panose="020B0503020204020204" pitchFamily="34" charset="-122"/>
                 <a:ea typeface="微软雅黑" panose="020B0503020204020204" pitchFamily="34" charset="-122"/>
               </a:rPr>
               <a:t>如频谱分析右下角图所示，图（</a:t>
             </a:r>
             <a:r>
-              <a:rPr lang="en-US" altLang="zh-CN" sz="1600" dirty="0" smtClean="0">
+              <a:rPr lang="en-US" altLang="zh-CN" sz="1600" dirty="0">
                 <a:latin typeface="微软雅黑" panose="020B0503020204020204" pitchFamily="34" charset="-122"/>
                 <a:ea typeface="微软雅黑" panose="020B0503020204020204" pitchFamily="34" charset="-122"/>
               </a:rPr>
               <a:t>a</a:t>
             </a:r>
             <a:r>
-              <a:rPr lang="zh-CN" altLang="en-US" sz="1600" dirty="0" smtClean="0">
+              <a:rPr lang="zh-CN" altLang="en-US" sz="1600" dirty="0">
                 <a:latin typeface="微软雅黑" panose="020B0503020204020204" pitchFamily="34" charset="-122"/>
                 <a:ea typeface="微软雅黑" panose="020B0503020204020204" pitchFamily="34" charset="-122"/>
               </a:rPr>
               <a:t>）中除基频外的噪声呈高斯白特性，对于该类信号用</a:t>
             </a:r>
             <a:r>
-              <a:rPr lang="en-US" altLang="zh-CN" sz="1600" dirty="0" smtClean="0">
+              <a:rPr lang="en-US" altLang="zh-CN" sz="1600" dirty="0">
                 <a:latin typeface="微软雅黑" panose="020B0503020204020204" pitchFamily="34" charset="-122"/>
                 <a:ea typeface="微软雅黑" panose="020B0503020204020204" pitchFamily="34" charset="-122"/>
               </a:rPr>
               <a:t>SNR</a:t>
             </a:r>
             <a:r>
-              <a:rPr lang="zh-CN" altLang="en-US" sz="1600" dirty="0" smtClean="0">
+              <a:rPr lang="zh-CN" altLang="en-US" sz="1600" dirty="0">
                 <a:latin typeface="微软雅黑" panose="020B0503020204020204" pitchFamily="34" charset="-122"/>
                 <a:ea typeface="微软雅黑" panose="020B0503020204020204" pitchFamily="34" charset="-122"/>
               </a:rPr>
               <a:t>评价更有效；图</a:t>
             </a:r>
             <a:r>
-              <a:rPr lang="en-US" altLang="zh-CN" sz="1600" dirty="0" smtClean="0">
+              <a:rPr lang="en-US" altLang="zh-CN" sz="1600" dirty="0">
                 <a:latin typeface="微软雅黑" panose="020B0503020204020204" pitchFamily="34" charset="-122"/>
                 <a:ea typeface="微软雅黑" panose="020B0503020204020204" pitchFamily="34" charset="-122"/>
               </a:rPr>
               <a:t>(b)</a:t>
             </a:r>
             <a:r>
-              <a:rPr lang="zh-CN" altLang="en-US" sz="1600" dirty="0" smtClean="0">
+              <a:rPr lang="zh-CN" altLang="en-US" sz="1600" dirty="0">
                 <a:latin typeface="微软雅黑" panose="020B0503020204020204" pitchFamily="34" charset="-122"/>
                 <a:ea typeface="微软雅黑" panose="020B0503020204020204" pitchFamily="34" charset="-122"/>
               </a:rPr>
               <a:t>中底噪虽然不高，但是在特定频点上有杂散信号，这时用最大杂散分量评价噪声更为有效。</a:t>
             </a:r>
-            <a:endParaRPr lang="en-US" altLang="zh-CN" sz="1600" dirty="0" smtClean="0">
+            <a:endParaRPr lang="en-US" altLang="zh-CN" sz="1600" dirty="0">
               <a:latin typeface="微软雅黑" panose="020B0503020204020204" pitchFamily="34" charset="-122"/>
               <a:ea typeface="微软雅黑" panose="020B0503020204020204" pitchFamily="34" charset="-122"/>
             </a:endParaRPr>
@@ -2210,13 +2186,13 @@
               </a:spcAft>
             </a:pPr>
             <a:r>
-              <a:rPr lang="zh-CN" altLang="en-US" sz="1600" dirty="0" smtClean="0">
+              <a:rPr lang="zh-CN" altLang="en-US" sz="1600" dirty="0">
                 <a:latin typeface="微软雅黑" panose="020B0503020204020204" pitchFamily="34" charset="-122"/>
                 <a:ea typeface="微软雅黑" panose="020B0503020204020204" pitchFamily="34" charset="-122"/>
               </a:rPr>
               <a:t>除了噪声的评价，功耗、时钟频率也是考察系统性能的重要指标。</a:t>
             </a:r>
-            <a:endParaRPr lang="en-US" altLang="zh-CN" sz="1600" dirty="0" smtClean="0">
+            <a:endParaRPr lang="en-US" altLang="zh-CN" sz="1600" dirty="0">
               <a:latin typeface="微软雅黑" panose="020B0503020204020204" pitchFamily="34" charset="-122"/>
               <a:ea typeface="微软雅黑" panose="020B0503020204020204" pitchFamily="34" charset="-122"/>
             </a:endParaRPr>
@@ -2326,67 +2302,32 @@
               </a:spcAft>
             </a:pPr>
             <a:r>
-              <a:rPr lang="en-US" altLang="zh-CN" sz="1600" dirty="0" smtClean="0">
+              <a:rPr lang="en-US" altLang="zh-CN" sz="1600" dirty="0">
                 <a:latin typeface="微软雅黑" panose="020B0503020204020204" pitchFamily="34" charset="-122"/>
                 <a:ea typeface="微软雅黑" panose="020B0503020204020204" pitchFamily="34" charset="-122"/>
               </a:rPr>
               <a:t>DDS</a:t>
             </a:r>
             <a:r>
-              <a:rPr lang="zh-CN" altLang="en-US" sz="1600" dirty="0" smtClean="0">
+              <a:rPr lang="zh-CN" altLang="en-US" sz="1600" dirty="0">
                 <a:latin typeface="微软雅黑" panose="020B0503020204020204" pitchFamily="34" charset="-122"/>
                 <a:ea typeface="微软雅黑" panose="020B0503020204020204" pitchFamily="34" charset="-122"/>
               </a:rPr>
               <a:t>的核心器件是相位</a:t>
             </a:r>
             <a:r>
-              <a:rPr lang="en-US" altLang="zh-CN" sz="1600" dirty="0" smtClean="0">
+              <a:rPr lang="en-US" altLang="zh-CN" sz="1600" dirty="0">
                 <a:latin typeface="微软雅黑" panose="020B0503020204020204" pitchFamily="34" charset="-122"/>
                 <a:ea typeface="微软雅黑" panose="020B0503020204020204" pitchFamily="34" charset="-122"/>
               </a:rPr>
               <a:t>-</a:t>
             </a:r>
             <a:r>
-              <a:rPr lang="zh-CN" altLang="en-US" sz="1600" dirty="0" smtClean="0">
-                <a:latin typeface="微软雅黑" panose="020B0503020204020204" pitchFamily="34" charset="-122"/>
-                <a:ea typeface="微软雅黑" panose="020B0503020204020204" pitchFamily="34" charset="-122"/>
-              </a:rPr>
-              <a:t>幅度转换器。传统的实现</a:t>
-            </a:r>
-            <a:r>
               <a:rPr lang="zh-CN" altLang="en-US" sz="1600" dirty="0">
                 <a:latin typeface="微软雅黑" panose="020B0503020204020204" pitchFamily="34" charset="-122"/>
                 <a:ea typeface="微软雅黑" panose="020B0503020204020204" pitchFamily="34" charset="-122"/>
               </a:rPr>
-              <a:t>方法</a:t>
-            </a:r>
-            <a:r>
-              <a:rPr lang="zh-CN" altLang="en-US" sz="1600" dirty="0" smtClean="0">
-                <a:latin typeface="微软雅黑" panose="020B0503020204020204" pitchFamily="34" charset="-122"/>
-                <a:ea typeface="微软雅黑" panose="020B0503020204020204" pitchFamily="34" charset="-122"/>
-              </a:rPr>
-              <a:t>，是</a:t>
-            </a:r>
-            <a:r>
-              <a:rPr lang="zh-CN" altLang="en-US" sz="1600" dirty="0">
-                <a:latin typeface="微软雅黑" panose="020B0503020204020204" pitchFamily="34" charset="-122"/>
-                <a:ea typeface="微软雅黑" panose="020B0503020204020204" pitchFamily="34" charset="-122"/>
-              </a:rPr>
-              <a:t>利用一个大查找表</a:t>
-            </a:r>
-            <a:r>
-              <a:rPr lang="zh-CN" altLang="en-US" sz="1600" dirty="0" smtClean="0">
-                <a:latin typeface="微软雅黑" panose="020B0503020204020204" pitchFamily="34" charset="-122"/>
-                <a:ea typeface="微软雅黑" panose="020B0503020204020204" pitchFamily="34" charset="-122"/>
-              </a:rPr>
-              <a:t>，相位</a:t>
-            </a:r>
-            <a:r>
-              <a:rPr lang="zh-CN" altLang="en-US" sz="1600" dirty="0">
-                <a:latin typeface="微软雅黑" panose="020B0503020204020204" pitchFamily="34" charset="-122"/>
-                <a:ea typeface="微软雅黑" panose="020B0503020204020204" pitchFamily="34" charset="-122"/>
-              </a:rPr>
-              <a:t>直接映射成对应的幅度，但在实现高速、高精度上遇到了很大的挑战</a:t>
+              <a:t>幅度转换器。传统的实现方法，是利用一个大查找表，相位直接映射成对应的幅度，但在实现高速、高精度上遇到了很大的挑战</a:t>
             </a:r>
             <a:endParaRPr lang="en-US" altLang="zh-CN" sz="1600" dirty="0">
               <a:latin typeface="微软雅黑" panose="020B0503020204020204" pitchFamily="34" charset="-122"/>
@@ -2403,18 +2344,11 @@
               </a:spcAft>
             </a:pPr>
             <a:r>
-              <a:rPr lang="zh-CN" altLang="en-US" sz="1600" dirty="0" smtClean="0">
-                <a:latin typeface="微软雅黑" panose="020B0503020204020204" pitchFamily="34" charset="-122"/>
-                <a:ea typeface="微软雅黑" panose="020B0503020204020204" pitchFamily="34" charset="-122"/>
-              </a:rPr>
-              <a:t>这是因为每</a:t>
-            </a:r>
-            <a:r>
               <a:rPr lang="zh-CN" altLang="en-US" sz="1600" dirty="0">
                 <a:latin typeface="微软雅黑" panose="020B0503020204020204" pitchFamily="34" charset="-122"/>
                 <a:ea typeface="微软雅黑" panose="020B0503020204020204" pitchFamily="34" charset="-122"/>
               </a:rPr>
-              <a:t>提升</a:t>
+              <a:t>这是因为每提升</a:t>
             </a:r>
             <a:r>
               <a:rPr lang="en-US" altLang="zh-CN" sz="1600" dirty="0">
@@ -2428,24 +2362,17 @@
                 <a:latin typeface="微软雅黑" panose="020B0503020204020204" pitchFamily="34" charset="-122"/>
                 <a:ea typeface="微软雅黑" panose="020B0503020204020204" pitchFamily="34" charset="-122"/>
               </a:rPr>
-              <a:t>精度</a:t>
-            </a:r>
-            <a:r>
-              <a:rPr lang="zh-CN" altLang="en-US" sz="1600" dirty="0" smtClean="0">
-                <a:latin typeface="微软雅黑" panose="020B0503020204020204" pitchFamily="34" charset="-122"/>
-                <a:ea typeface="微软雅黑" panose="020B0503020204020204" pitchFamily="34" charset="-122"/>
-              </a:rPr>
-              <a:t>，查找表的大小翻倍，存储器的访存速度减慢。为了实现时高速</a:t>
-            </a:r>
-            <a:r>
-              <a:rPr lang="en-US" altLang="zh-CN" sz="1600" dirty="0" smtClean="0">
+              <a:t>精度，查找表的大小翻倍，存储器的访存速度减慢。为了实现时高速</a:t>
+            </a:r>
+            <a:r>
+              <a:rPr lang="en-US" altLang="zh-CN" sz="1600" dirty="0">
                 <a:latin typeface="微软雅黑" panose="020B0503020204020204" pitchFamily="34" charset="-122"/>
                 <a:ea typeface="微软雅黑" panose="020B0503020204020204" pitchFamily="34" charset="-122"/>
               </a:rPr>
               <a:t>DDS</a:t>
             </a:r>
             <a:r>
-              <a:rPr lang="zh-CN" altLang="en-US" sz="1600" dirty="0" smtClean="0">
+              <a:rPr lang="zh-CN" altLang="en-US" sz="1600" dirty="0">
                 <a:latin typeface="微软雅黑" panose="020B0503020204020204" pitchFamily="34" charset="-122"/>
                 <a:ea typeface="微软雅黑" panose="020B0503020204020204" pitchFamily="34" charset="-122"/>
               </a:rPr>
@@ -2596,14 +2523,7 @@
                 <a:latin typeface="微软雅黑" panose="020B0503020204020204" pitchFamily="34" charset="-122"/>
                 <a:ea typeface="微软雅黑" panose="020B0503020204020204" pitchFamily="34" charset="-122"/>
               </a:rPr>
-              <a:t>内实现相位到幅度的</a:t>
-            </a:r>
-            <a:r>
-              <a:rPr lang="zh-CN" altLang="en-US" sz="1600" dirty="0" smtClean="0">
-                <a:latin typeface="微软雅黑" panose="020B0503020204020204" pitchFamily="34" charset="-122"/>
-                <a:ea typeface="微软雅黑" panose="020B0503020204020204" pitchFamily="34" charset="-122"/>
-              </a:rPr>
-              <a:t>映射</a:t>
+              <a:t>内实现相位到幅度的映射</a:t>
             </a:r>
             <a:endParaRPr lang="en-US" altLang="zh-CN" sz="1600" dirty="0">
               <a:latin typeface="微软雅黑" panose="020B0503020204020204" pitchFamily="34" charset="-122"/>
@@ -2701,48 +2621,55 @@
               </a:spcAft>
             </a:pPr>
             <a:r>
-              <a:rPr lang="zh-CN" altLang="en-US" sz="1600" dirty="0" smtClean="0">
-                <a:latin typeface="微软雅黑" panose="020B0503020204020204" pitchFamily="34" charset="-122"/>
-                <a:ea typeface="微软雅黑" panose="020B0503020204020204" pitchFamily="34" charset="-122"/>
-              </a:rPr>
-              <a:t>查找表压缩方法的进展是</a:t>
-            </a:r>
-            <a:r>
-              <a:rPr lang="en-US" altLang="zh-CN" sz="1600" dirty="0" smtClean="0">
+              <a:rPr lang="en-US" altLang="zh-CN" sz="1600" dirty="0">
                 <a:latin typeface="微软雅黑" panose="020B0503020204020204" pitchFamily="34" charset="-122"/>
                 <a:ea typeface="微软雅黑" panose="020B0503020204020204" pitchFamily="34" charset="-122"/>
               </a:rPr>
               <a:t>2010</a:t>
             </a:r>
             <a:r>
-              <a:rPr lang="zh-CN" altLang="en-US" sz="1600" dirty="0" smtClean="0">
+              <a:rPr lang="zh-CN" altLang="en-US" sz="1600" dirty="0">
                 <a:latin typeface="微软雅黑" panose="020B0503020204020204" pitchFamily="34" charset="-122"/>
                 <a:ea typeface="微软雅黑" panose="020B0503020204020204" pitchFamily="34" charset="-122"/>
               </a:rPr>
-              <a:t>年使用二次函数内插正弦函数</a:t>
-            </a:r>
-            <a:r>
-              <a:rPr lang="zh-CN" altLang="en-US" sz="1600" b="0" dirty="0" smtClean="0">
+              <a:t>年 </a:t>
+            </a:r>
+            <a:r>
+              <a:rPr lang="en-US" altLang="zh-CN" sz="1600" dirty="0">
+                <a:latin typeface="微软雅黑" panose="020B0503020204020204" pitchFamily="34" charset="-122"/>
+                <a:ea typeface="微软雅黑" panose="020B0503020204020204" pitchFamily="34" charset="-122"/>
+              </a:rPr>
+              <a:t>TCAS-I</a:t>
+            </a:r>
+            <a:r>
+              <a:rPr lang="zh-CN" altLang="en-US" sz="1600" dirty="0">
+                <a:latin typeface="微软雅黑" panose="020B0503020204020204" pitchFamily="34" charset="-122"/>
+                <a:ea typeface="微软雅黑" panose="020B0503020204020204" pitchFamily="34" charset="-122"/>
+              </a:rPr>
+              <a:t>发展了查找表压缩方法，使用二次函数内插正弦函数</a:t>
+            </a:r>
+            <a:r>
+              <a:rPr lang="zh-CN" altLang="en-US" sz="1600" b="0" dirty="0">
                 <a:latin typeface="微软雅黑" panose="020B0503020204020204" pitchFamily="34" charset="-122"/>
                 <a:ea typeface="微软雅黑" panose="020B0503020204020204" pitchFamily="34" charset="-122"/>
               </a:rPr>
               <a:t>，将查找表索引降低到</a:t>
             </a:r>
             <a:r>
-              <a:rPr lang="en-US" altLang="zh-CN" sz="1600" b="0" dirty="0" smtClean="0">
+              <a:rPr lang="en-US" altLang="zh-CN" sz="1600" b="0" dirty="0">
                 <a:latin typeface="微软雅黑" panose="020B0503020204020204" pitchFamily="34" charset="-122"/>
                 <a:ea typeface="微软雅黑" panose="020B0503020204020204" pitchFamily="34" charset="-122"/>
               </a:rPr>
               <a:t>33%</a:t>
             </a:r>
             <a:r>
-              <a:rPr lang="zh-CN" altLang="en-US" sz="1600" b="0" dirty="0" smtClean="0">
+              <a:rPr lang="zh-CN" altLang="en-US" sz="1600" b="0" dirty="0">
                 <a:latin typeface="微软雅黑" panose="020B0503020204020204" pitchFamily="34" charset="-122"/>
                 <a:ea typeface="微软雅黑" panose="020B0503020204020204" pitchFamily="34" charset="-122"/>
               </a:rPr>
               <a:t>，但是二次函数需要额外的乘法和平方操作。</a:t>
             </a:r>
-            <a:endParaRPr lang="en-US" altLang="zh-CN" sz="1600" b="0" dirty="0" smtClean="0">
+            <a:endParaRPr lang="en-US" altLang="zh-CN" sz="1600" b="0" dirty="0">
               <a:latin typeface="微软雅黑" panose="020B0503020204020204" pitchFamily="34" charset="-122"/>
               <a:ea typeface="微软雅黑" panose="020B0503020204020204" pitchFamily="34" charset="-122"/>
             </a:endParaRPr>
@@ -2756,7 +2683,252 @@
                 <a:spcPts val="300"/>
               </a:spcAft>
             </a:pPr>
-            <a:endParaRPr lang="en-US" altLang="zh-CN" sz="1600" b="0" dirty="0" smtClean="0">
+            <a:r>
+              <a:rPr lang="zh-CN" altLang="en-US" sz="1600" b="0" dirty="0">
+                <a:latin typeface="微软雅黑" panose="020B0503020204020204" pitchFamily="34" charset="-122"/>
+                <a:ea typeface="微软雅黑" panose="020B0503020204020204" pitchFamily="34" charset="-122"/>
+              </a:rPr>
+              <a:t>角度旋转法和查找表结合是一种趋势，</a:t>
+            </a:r>
+            <a:r>
+              <a:rPr lang="en-US" altLang="zh-CN" sz="1600" b="0" dirty="0">
+                <a:latin typeface="微软雅黑" panose="020B0503020204020204" pitchFamily="34" charset="-122"/>
+                <a:ea typeface="微软雅黑" panose="020B0503020204020204" pitchFamily="34" charset="-122"/>
+              </a:rPr>
+              <a:t>2011</a:t>
+            </a:r>
+            <a:r>
+              <a:rPr lang="zh-CN" altLang="en-US" sz="1600" b="0" dirty="0">
+                <a:latin typeface="微软雅黑" panose="020B0503020204020204" pitchFamily="34" charset="-122"/>
+                <a:ea typeface="微软雅黑" panose="020B0503020204020204" pitchFamily="34" charset="-122"/>
+              </a:rPr>
+              <a:t>年</a:t>
+            </a:r>
+            <a:r>
+              <a:rPr lang="en-US" altLang="zh-CN" sz="1600" b="0" dirty="0">
+                <a:latin typeface="微软雅黑" panose="020B0503020204020204" pitchFamily="34" charset="-122"/>
+                <a:ea typeface="微软雅黑" panose="020B0503020204020204" pitchFamily="34" charset="-122"/>
+              </a:rPr>
+              <a:t>JSSC</a:t>
+            </a:r>
+            <a:r>
+              <a:rPr lang="zh-CN" altLang="en-US" sz="1600" b="0" dirty="0">
+                <a:latin typeface="微软雅黑" panose="020B0503020204020204" pitchFamily="34" charset="-122"/>
+                <a:ea typeface="微软雅黑" panose="020B0503020204020204" pitchFamily="34" charset="-122"/>
+              </a:rPr>
+              <a:t>文献</a:t>
+            </a:r>
+            <a:r>
+              <a:rPr lang="en-US" altLang="zh-CN" sz="1600" b="0" dirty="0">
+                <a:latin typeface="微软雅黑" panose="020B0503020204020204" pitchFamily="34" charset="-122"/>
+                <a:ea typeface="微软雅黑" panose="020B0503020204020204" pitchFamily="34" charset="-122"/>
+              </a:rPr>
+              <a:t>【3】</a:t>
+            </a:r>
+            <a:r>
+              <a:rPr lang="zh-CN" altLang="en-US" sz="1600" b="0" dirty="0">
+                <a:latin typeface="微软雅黑" panose="020B0503020204020204" pitchFamily="34" charset="-122"/>
+                <a:ea typeface="微软雅黑" panose="020B0503020204020204" pitchFamily="34" charset="-122"/>
+              </a:rPr>
+              <a:t>利用查找表冗余，可以减少角度旋转中的乘法计算，加快了时钟频率。但问题是为了降低旋转次数，导致单次旋转的逻辑太复杂，时钟频率比较低。</a:t>
+            </a:r>
+            <a:endParaRPr lang="en-US" altLang="zh-CN" sz="1600" b="0" dirty="0">
+              <a:latin typeface="微软雅黑" panose="020B0503020204020204" pitchFamily="34" charset="-122"/>
+              <a:ea typeface="微软雅黑" panose="020B0503020204020204" pitchFamily="34" charset="-122"/>
+            </a:endParaRPr>
+          </a:p>
+          <a:p>
+            <a:pPr lvl="2">
+              <a:spcBef>
+                <a:spcPts val="300"/>
+              </a:spcBef>
+              <a:spcAft>
+                <a:spcPts val="300"/>
+              </a:spcAft>
+            </a:pPr>
+            <a:r>
+              <a:rPr lang="en-US" altLang="zh-CN" sz="1600" b="0" dirty="0">
+                <a:latin typeface="微软雅黑" panose="020B0503020204020204" pitchFamily="34" charset="-122"/>
+                <a:ea typeface="微软雅黑" panose="020B0503020204020204" pitchFamily="34" charset="-122"/>
+              </a:rPr>
+              <a:t>2014</a:t>
+            </a:r>
+            <a:r>
+              <a:rPr lang="zh-CN" altLang="en-US" sz="1600" b="0" dirty="0">
+                <a:latin typeface="微软雅黑" panose="020B0503020204020204" pitchFamily="34" charset="-122"/>
+                <a:ea typeface="微软雅黑" panose="020B0503020204020204" pitchFamily="34" charset="-122"/>
+              </a:rPr>
+              <a:t>年</a:t>
+            </a:r>
+            <a:r>
+              <a:rPr lang="en-US" altLang="zh-CN" sz="1600" b="0" dirty="0">
+                <a:latin typeface="微软雅黑" panose="020B0503020204020204" pitchFamily="34" charset="-122"/>
+                <a:ea typeface="微软雅黑" panose="020B0503020204020204" pitchFamily="34" charset="-122"/>
+              </a:rPr>
+              <a:t>JSSC</a:t>
+            </a:r>
+            <a:r>
+              <a:rPr lang="zh-CN" altLang="en-US" sz="1600" b="0" dirty="0">
+                <a:latin typeface="微软雅黑" panose="020B0503020204020204" pitchFamily="34" charset="-122"/>
+                <a:ea typeface="微软雅黑" panose="020B0503020204020204" pitchFamily="34" charset="-122"/>
+              </a:rPr>
+              <a:t>的文章</a:t>
+            </a:r>
+            <a:r>
+              <a:rPr lang="en-US" altLang="zh-CN" sz="1600" b="0" dirty="0">
+                <a:latin typeface="微软雅黑" panose="020B0503020204020204" pitchFamily="34" charset="-122"/>
+                <a:ea typeface="微软雅黑" panose="020B0503020204020204" pitchFamily="34" charset="-122"/>
+              </a:rPr>
+              <a:t>【4】</a:t>
+            </a:r>
+            <a:r>
+              <a:rPr lang="zh-CN" altLang="en-US" sz="1600" b="0" dirty="0">
+                <a:latin typeface="微软雅黑" panose="020B0503020204020204" pitchFamily="34" charset="-122"/>
+                <a:ea typeface="微软雅黑" panose="020B0503020204020204" pitchFamily="34" charset="-122"/>
+              </a:rPr>
+              <a:t>通过压缩非线性</a:t>
+            </a:r>
+            <a:r>
+              <a:rPr lang="en-US" altLang="zh-CN" sz="1600" b="0" dirty="0">
+                <a:latin typeface="微软雅黑" panose="020B0503020204020204" pitchFamily="34" charset="-122"/>
+                <a:ea typeface="微软雅黑" panose="020B0503020204020204" pitchFamily="34" charset="-122"/>
+              </a:rPr>
+              <a:t>DAC</a:t>
+            </a:r>
+            <a:r>
+              <a:rPr lang="zh-CN" altLang="en-US" sz="1600" b="0" dirty="0">
+                <a:latin typeface="微软雅黑" panose="020B0503020204020204" pitchFamily="34" charset="-122"/>
+                <a:ea typeface="微软雅黑" panose="020B0503020204020204" pitchFamily="34" charset="-122"/>
+              </a:rPr>
+              <a:t>单元，和优化物理特性，在时钟频率和最大杂散分量上都取得了比较大的进展。但非线性</a:t>
+            </a:r>
+            <a:r>
+              <a:rPr lang="en-US" altLang="zh-CN" sz="1600" b="0" dirty="0">
+                <a:latin typeface="微软雅黑" panose="020B0503020204020204" pitchFamily="34" charset="-122"/>
+                <a:ea typeface="微软雅黑" panose="020B0503020204020204" pitchFamily="34" charset="-122"/>
+              </a:rPr>
+              <a:t>DAC</a:t>
+            </a:r>
+            <a:r>
+              <a:rPr lang="zh-CN" altLang="en-US" sz="1600" b="0" dirty="0">
+                <a:latin typeface="微软雅黑" panose="020B0503020204020204" pitchFamily="34" charset="-122"/>
+                <a:ea typeface="微软雅黑" panose="020B0503020204020204" pitchFamily="34" charset="-122"/>
+              </a:rPr>
+              <a:t>的不足是功耗较线性</a:t>
+            </a:r>
+            <a:r>
+              <a:rPr lang="en-US" altLang="zh-CN" sz="1600" b="0" dirty="0">
+                <a:latin typeface="微软雅黑" panose="020B0503020204020204" pitchFamily="34" charset="-122"/>
+                <a:ea typeface="微软雅黑" panose="020B0503020204020204" pitchFamily="34" charset="-122"/>
+              </a:rPr>
+              <a:t>DAC</a:t>
+            </a:r>
+            <a:r>
+              <a:rPr lang="zh-CN" altLang="en-US" sz="1600" b="0" dirty="0">
+                <a:latin typeface="微软雅黑" panose="020B0503020204020204" pitchFamily="34" charset="-122"/>
+                <a:ea typeface="微软雅黑" panose="020B0503020204020204" pitchFamily="34" charset="-122"/>
+              </a:rPr>
+              <a:t>要大很多。</a:t>
+            </a:r>
+            <a:endParaRPr lang="en-US" altLang="zh-CN" sz="1600" b="0" dirty="0">
+              <a:latin typeface="微软雅黑" panose="020B0503020204020204" pitchFamily="34" charset="-122"/>
+              <a:ea typeface="微软雅黑" panose="020B0503020204020204" pitchFamily="34" charset="-122"/>
+            </a:endParaRPr>
+          </a:p>
+          <a:p>
+            <a:pPr lvl="2">
+              <a:spcBef>
+                <a:spcPts val="300"/>
+              </a:spcBef>
+              <a:spcAft>
+                <a:spcPts val="300"/>
+              </a:spcAft>
+            </a:pPr>
+            <a:endParaRPr lang="en-US" altLang="zh-CN" sz="1600" b="0" dirty="0">
+              <a:latin typeface="微软雅黑" panose="020B0503020204020204" pitchFamily="34" charset="-122"/>
+              <a:ea typeface="微软雅黑" panose="020B0503020204020204" pitchFamily="34" charset="-122"/>
+            </a:endParaRPr>
+          </a:p>
+          <a:p>
+            <a:pPr lvl="2">
+              <a:spcBef>
+                <a:spcPts val="300"/>
+              </a:spcBef>
+              <a:spcAft>
+                <a:spcPts val="300"/>
+              </a:spcAft>
+            </a:pPr>
+            <a:r>
+              <a:rPr lang="zh-CN" altLang="en-US" sz="1600" b="0" dirty="0">
+                <a:latin typeface="微软雅黑" panose="020B0503020204020204" pitchFamily="34" charset="-122"/>
+                <a:ea typeface="微软雅黑" panose="020B0503020204020204" pitchFamily="34" charset="-122"/>
+              </a:rPr>
+              <a:t>总结近年的几篇文章发现，学术界使用的方法虽然不同，但是仍在以查找表为基础的。而使用查找表压缩和角度旋转的方法</a:t>
+            </a:r>
+            <a:r>
+              <a:rPr lang="zh-CN" altLang="en-US" sz="1600" dirty="0">
+                <a:latin typeface="微软雅黑" panose="020B0503020204020204" pitchFamily="34" charset="-122"/>
+                <a:ea typeface="微软雅黑" panose="020B0503020204020204" pitchFamily="34" charset="-122"/>
+              </a:rPr>
+              <a:t>在</a:t>
+            </a:r>
+            <a:r>
+              <a:rPr lang="zh-CN" altLang="en-US" sz="1600" b="1" dirty="0">
+                <a:latin typeface="微软雅黑" panose="020B0503020204020204" pitchFamily="34" charset="-122"/>
+                <a:ea typeface="微软雅黑" panose="020B0503020204020204" pitchFamily="34" charset="-122"/>
+              </a:rPr>
+              <a:t>杂散性能</a:t>
+            </a:r>
+            <a:r>
+              <a:rPr lang="zh-CN" altLang="en-US" sz="1600" dirty="0">
+                <a:latin typeface="微软雅黑" panose="020B0503020204020204" pitchFamily="34" charset="-122"/>
+                <a:ea typeface="微软雅黑" panose="020B0503020204020204" pitchFamily="34" charset="-122"/>
+              </a:rPr>
+              <a:t>、</a:t>
+            </a:r>
+            <a:r>
+              <a:rPr lang="zh-CN" altLang="en-US" sz="1600" b="1" dirty="0">
+                <a:latin typeface="微软雅黑" panose="020B0503020204020204" pitchFamily="34" charset="-122"/>
+                <a:ea typeface="微软雅黑" panose="020B0503020204020204" pitchFamily="34" charset="-122"/>
+              </a:rPr>
+              <a:t>功耗</a:t>
+            </a:r>
+            <a:r>
+              <a:rPr lang="zh-CN" altLang="en-US" sz="1600" dirty="0">
+                <a:latin typeface="微软雅黑" panose="020B0503020204020204" pitchFamily="34" charset="-122"/>
+                <a:ea typeface="微软雅黑" panose="020B0503020204020204" pitchFamily="34" charset="-122"/>
+              </a:rPr>
+              <a:t>上都表现较好，有</a:t>
+            </a:r>
+            <a:r>
+              <a:rPr lang="zh-CN" altLang="en-US" sz="1600" b="1" dirty="0">
+                <a:latin typeface="微软雅黑" panose="020B0503020204020204" pitchFamily="34" charset="-122"/>
+                <a:ea typeface="微软雅黑" panose="020B0503020204020204" pitchFamily="34" charset="-122"/>
+              </a:rPr>
+              <a:t>提升时钟频率</a:t>
+            </a:r>
+            <a:r>
+              <a:rPr lang="zh-CN" altLang="en-US" sz="1600" dirty="0">
+                <a:latin typeface="微软雅黑" panose="020B0503020204020204" pitchFamily="34" charset="-122"/>
+                <a:ea typeface="微软雅黑" panose="020B0503020204020204" pitchFamily="34" charset="-122"/>
+              </a:rPr>
+              <a:t>的潜力。因此最终选择在这两个思路上研究</a:t>
+            </a:r>
+            <a:endParaRPr lang="en-US" altLang="zh-CN" sz="1600" b="0" dirty="0">
+              <a:latin typeface="微软雅黑" panose="020B0503020204020204" pitchFamily="34" charset="-122"/>
+              <a:ea typeface="微软雅黑" panose="020B0503020204020204" pitchFamily="34" charset="-122"/>
+            </a:endParaRPr>
+          </a:p>
+          <a:p>
+            <a:pPr lvl="2">
+              <a:spcBef>
+                <a:spcPts val="300"/>
+              </a:spcBef>
+              <a:spcAft>
+                <a:spcPts val="300"/>
+              </a:spcAft>
+            </a:pPr>
+            <a:endParaRPr lang="en-US" altLang="zh-CN" sz="1600" b="0" dirty="0">
               <a:latin typeface="微软雅黑" panose="020B0503020204020204" pitchFamily="34" charset="-122"/>
               <a:ea typeface="微软雅黑" panose="020B0503020204020204" pitchFamily="34" charset="-122"/>
             </a:endParaRPr>
@@ -2870,323 +3042,22 @@
                 <a:latin typeface="微软雅黑" panose="020B0503020204020204" pitchFamily="34" charset="-122"/>
                 <a:ea typeface="微软雅黑" panose="020B0503020204020204" pitchFamily="34" charset="-122"/>
               </a:rPr>
-              <a:t>传统的</a:t>
+              <a:t>开始设计之前，我主要参考了</a:t>
             </a:r>
             <a:r>
               <a:rPr lang="en-US" altLang="zh-CN" sz="1600" dirty="0">
                 <a:latin typeface="微软雅黑" panose="020B0503020204020204" pitchFamily="34" charset="-122"/>
                 <a:ea typeface="微软雅黑" panose="020B0503020204020204" pitchFamily="34" charset="-122"/>
               </a:rPr>
-              <a:t>DDS</a:t>
-            </a:r>
-            <a:r>
-              <a:rPr lang="zh-CN" altLang="en-US" sz="1600" dirty="0">
+              <a:t>ISCAS2014</a:t>
+            </a:r>
+            <a:r>
+              <a:rPr lang="zh-CN" altLang="en-US" sz="1600">
                 <a:latin typeface="微软雅黑" panose="020B0503020204020204" pitchFamily="34" charset="-122"/>
                 <a:ea typeface="微软雅黑" panose="020B0503020204020204" pitchFamily="34" charset="-122"/>
               </a:rPr>
-              <a:t>实现方法，核心是利用一个大查找表，将相位直接映射成对应的幅度，但在实现高速、高精度上遇到了很大的挑战</a:t>
-            </a:r>
-            <a:endParaRPr lang="en-US" altLang="zh-CN" sz="1600" dirty="0">
-              <a:latin typeface="微软雅黑" panose="020B0503020204020204" pitchFamily="34" charset="-122"/>
-              <a:ea typeface="微软雅黑" panose="020B0503020204020204" pitchFamily="34" charset="-122"/>
-            </a:endParaRPr>
-          </a:p>
-          <a:p>
-            <a:pPr lvl="2">
-              <a:spcBef>
-                <a:spcPts val="300"/>
-              </a:spcBef>
-              <a:spcAft>
-                <a:spcPts val="300"/>
-              </a:spcAft>
-            </a:pPr>
-            <a:r>
-              <a:rPr lang="en-US" altLang="zh-CN" sz="1600" dirty="0">
-                <a:latin typeface="微软雅黑" panose="020B0503020204020204" pitchFamily="34" charset="-122"/>
-                <a:ea typeface="微软雅黑" panose="020B0503020204020204" pitchFamily="34" charset="-122"/>
-              </a:rPr>
-              <a:t>1) </a:t>
-            </a:r>
-            <a:r>
-              <a:rPr lang="zh-CN" altLang="en-US" sz="1600" dirty="0">
-                <a:latin typeface="微软雅黑" panose="020B0503020204020204" pitchFamily="34" charset="-122"/>
-                <a:ea typeface="微软雅黑" panose="020B0503020204020204" pitchFamily="34" charset="-122"/>
-              </a:rPr>
-              <a:t>每提升</a:t>
-            </a:r>
-            <a:r>
-              <a:rPr lang="en-US" altLang="zh-CN" sz="1600" dirty="0">
-                <a:latin typeface="微软雅黑" panose="020B0503020204020204" pitchFamily="34" charset="-122"/>
-                <a:ea typeface="微软雅黑" panose="020B0503020204020204" pitchFamily="34" charset="-122"/>
-              </a:rPr>
-              <a:t>1bit</a:t>
-            </a:r>
-            <a:r>
-              <a:rPr lang="zh-CN" altLang="en-US" sz="1600" dirty="0">
-                <a:latin typeface="微软雅黑" panose="020B0503020204020204" pitchFamily="34" charset="-122"/>
-                <a:ea typeface="微软雅黑" panose="020B0503020204020204" pitchFamily="34" charset="-122"/>
-              </a:rPr>
-              <a:t>精度，面积、功耗开销翻倍，速度受限</a:t>
-            </a:r>
-            <a:endParaRPr lang="en-US" altLang="zh-CN" sz="1600" dirty="0">
-              <a:latin typeface="微软雅黑" panose="020B0503020204020204" pitchFamily="34" charset="-122"/>
-              <a:ea typeface="微软雅黑" panose="020B0503020204020204" pitchFamily="34" charset="-122"/>
-            </a:endParaRPr>
-          </a:p>
-          <a:p>
-            <a:pPr lvl="2">
-              <a:spcBef>
-                <a:spcPts val="300"/>
-              </a:spcBef>
-              <a:spcAft>
-                <a:spcPts val="300"/>
-              </a:spcAft>
-            </a:pPr>
-            <a:r>
-              <a:rPr lang="en-US" altLang="zh-CN" sz="1600" dirty="0">
-                <a:latin typeface="微软雅黑" panose="020B0503020204020204" pitchFamily="34" charset="-122"/>
-                <a:ea typeface="微软雅黑" panose="020B0503020204020204" pitchFamily="34" charset="-122"/>
-              </a:rPr>
-              <a:t>2) </a:t>
-            </a:r>
-            <a:r>
-              <a:rPr lang="zh-CN" altLang="en-US" sz="1600" dirty="0">
-                <a:latin typeface="微软雅黑" panose="020B0503020204020204" pitchFamily="34" charset="-122"/>
-                <a:ea typeface="微软雅黑" panose="020B0503020204020204" pitchFamily="34" charset="-122"/>
-              </a:rPr>
-              <a:t>存储器的访存速度比较慢，是限制</a:t>
-            </a:r>
-            <a:r>
-              <a:rPr lang="en-US" altLang="zh-CN" sz="1600" dirty="0">
-                <a:latin typeface="微软雅黑" panose="020B0503020204020204" pitchFamily="34" charset="-122"/>
-                <a:ea typeface="微软雅黑" panose="020B0503020204020204" pitchFamily="34" charset="-122"/>
-              </a:rPr>
-              <a:t>DDS</a:t>
-            </a:r>
-            <a:r>
-              <a:rPr lang="zh-CN" altLang="en-US" sz="1600" dirty="0">
-                <a:latin typeface="微软雅黑" panose="020B0503020204020204" pitchFamily="34" charset="-122"/>
-                <a:ea typeface="微软雅黑" panose="020B0503020204020204" pitchFamily="34" charset="-122"/>
-              </a:rPr>
-              <a:t>速度性能的瓶颈</a:t>
-            </a:r>
-            <a:endParaRPr lang="en-US" altLang="zh-CN" sz="1600" dirty="0">
-              <a:latin typeface="微软雅黑" panose="020B0503020204020204" pitchFamily="34" charset="-122"/>
-              <a:ea typeface="微软雅黑" panose="020B0503020204020204" pitchFamily="34" charset="-122"/>
-            </a:endParaRPr>
-          </a:p>
-          <a:p>
-            <a:pPr lvl="2">
-              <a:spcBef>
-                <a:spcPts val="300"/>
-              </a:spcBef>
-              <a:spcAft>
-                <a:spcPts val="300"/>
-              </a:spcAft>
-            </a:pPr>
-            <a:endParaRPr lang="en-US" altLang="zh-CN" sz="1600" dirty="0">
-              <a:latin typeface="微软雅黑" panose="020B0503020204020204" pitchFamily="34" charset="-122"/>
-              <a:ea typeface="微软雅黑" panose="020B0503020204020204" pitchFamily="34" charset="-122"/>
-            </a:endParaRPr>
-          </a:p>
-          <a:p>
-            <a:pPr lvl="2">
-              <a:spcBef>
-                <a:spcPts val="300"/>
-              </a:spcBef>
-              <a:spcAft>
-                <a:spcPts val="300"/>
-              </a:spcAft>
-            </a:pPr>
-            <a:r>
-              <a:rPr lang="zh-CN" altLang="en-US" sz="1600" dirty="0">
-                <a:latin typeface="微软雅黑" panose="020B0503020204020204" pitchFamily="34" charset="-122"/>
-                <a:ea typeface="微软雅黑" panose="020B0503020204020204" pitchFamily="34" charset="-122"/>
-              </a:rPr>
-              <a:t>为解决以上问题，优化</a:t>
-            </a:r>
-            <a:r>
-              <a:rPr lang="en-US" altLang="zh-CN" sz="1600" dirty="0">
-                <a:latin typeface="微软雅黑" panose="020B0503020204020204" pitchFamily="34" charset="-122"/>
-                <a:ea typeface="微软雅黑" panose="020B0503020204020204" pitchFamily="34" charset="-122"/>
-              </a:rPr>
-              <a:t>DDS</a:t>
-            </a:r>
-            <a:r>
-              <a:rPr lang="zh-CN" altLang="en-US" sz="1600" dirty="0">
-                <a:latin typeface="微软雅黑" panose="020B0503020204020204" pitchFamily="34" charset="-122"/>
-                <a:ea typeface="微软雅黑" panose="020B0503020204020204" pitchFamily="34" charset="-122"/>
-              </a:rPr>
-              <a:t>有三个方向：</a:t>
-            </a:r>
-            <a:endParaRPr lang="en-US" altLang="zh-CN" sz="1600" dirty="0">
-              <a:latin typeface="微软雅黑" panose="020B0503020204020204" pitchFamily="34" charset="-122"/>
-              <a:ea typeface="微软雅黑" panose="020B0503020204020204" pitchFamily="34" charset="-122"/>
-            </a:endParaRPr>
-          </a:p>
-          <a:p>
-            <a:pPr lvl="2">
-              <a:spcBef>
-                <a:spcPts val="300"/>
-              </a:spcBef>
-              <a:spcAft>
-                <a:spcPts val="300"/>
-              </a:spcAft>
-            </a:pPr>
-            <a:r>
-              <a:rPr lang="en-US" altLang="zh-CN" sz="1600" dirty="0">
-                <a:latin typeface="微软雅黑" panose="020B0503020204020204" pitchFamily="34" charset="-122"/>
-                <a:ea typeface="微软雅黑" panose="020B0503020204020204" pitchFamily="34" charset="-122"/>
-              </a:rPr>
-              <a:t>1</a:t>
-            </a:r>
-            <a:r>
-              <a:rPr lang="zh-CN" altLang="en-US" sz="1600" dirty="0">
-                <a:latin typeface="微软雅黑" panose="020B0503020204020204" pitchFamily="34" charset="-122"/>
-                <a:ea typeface="微软雅黑" panose="020B0503020204020204" pitchFamily="34" charset="-122"/>
-              </a:rPr>
-              <a:t>）压缩查找表，使用更小更快的存储器</a:t>
-            </a:r>
-            <a:endParaRPr lang="en-US" altLang="zh-CN" sz="1600" dirty="0">
-              <a:latin typeface="微软雅黑" panose="020B0503020204020204" pitchFamily="34" charset="-122"/>
-              <a:ea typeface="微软雅黑" panose="020B0503020204020204" pitchFamily="34" charset="-122"/>
-            </a:endParaRPr>
-          </a:p>
-          <a:p>
-            <a:pPr lvl="2">
-              <a:spcBef>
-                <a:spcPts val="300"/>
-              </a:spcBef>
-              <a:spcAft>
-                <a:spcPts val="300"/>
-              </a:spcAft>
-            </a:pPr>
-            <a:r>
-              <a:rPr lang="en-US" altLang="zh-CN" sz="1600" dirty="0">
-                <a:latin typeface="微软雅黑" panose="020B0503020204020204" pitchFamily="34" charset="-122"/>
-                <a:ea typeface="微软雅黑" panose="020B0503020204020204" pitchFamily="34" charset="-122"/>
-              </a:rPr>
-              <a:t>2</a:t>
-            </a:r>
-            <a:r>
-              <a:rPr lang="zh-CN" altLang="en-US" sz="1600" dirty="0">
-                <a:latin typeface="微软雅黑" panose="020B0503020204020204" pitchFamily="34" charset="-122"/>
-                <a:ea typeface="微软雅黑" panose="020B0503020204020204" pitchFamily="34" charset="-122"/>
-              </a:rPr>
-              <a:t>）用矩阵乘法产生旋转操作，替代查表法</a:t>
-            </a:r>
-            <a:endParaRPr lang="en-US" altLang="zh-CN" sz="1600" dirty="0">
-              <a:latin typeface="微软雅黑" panose="020B0503020204020204" pitchFamily="34" charset="-122"/>
-              <a:ea typeface="微软雅黑" panose="020B0503020204020204" pitchFamily="34" charset="-122"/>
-            </a:endParaRPr>
-          </a:p>
-          <a:p>
-            <a:pPr lvl="2">
-              <a:spcBef>
-                <a:spcPts val="300"/>
-              </a:spcBef>
-              <a:spcAft>
-                <a:spcPts val="300"/>
-              </a:spcAft>
-            </a:pPr>
-            <a:r>
-              <a:rPr lang="en-US" altLang="zh-CN" sz="1600" dirty="0">
-                <a:latin typeface="微软雅黑" panose="020B0503020204020204" pitchFamily="34" charset="-122"/>
-                <a:ea typeface="微软雅黑" panose="020B0503020204020204" pitchFamily="34" charset="-122"/>
-              </a:rPr>
-              <a:t>3</a:t>
-            </a:r>
-            <a:r>
-              <a:rPr lang="zh-CN" altLang="en-US" sz="1600" dirty="0">
-                <a:latin typeface="微软雅黑" panose="020B0503020204020204" pitchFamily="34" charset="-122"/>
-                <a:ea typeface="微软雅黑" panose="020B0503020204020204" pitchFamily="34" charset="-122"/>
-              </a:rPr>
-              <a:t>）是在</a:t>
-            </a:r>
-            <a:r>
-              <a:rPr lang="en-US" altLang="zh-CN" sz="1600" dirty="0">
-                <a:latin typeface="微软雅黑" panose="020B0503020204020204" pitchFamily="34" charset="-122"/>
-                <a:ea typeface="微软雅黑" panose="020B0503020204020204" pitchFamily="34" charset="-122"/>
-              </a:rPr>
-              <a:t>DAC</a:t>
-            </a:r>
-            <a:r>
-              <a:rPr lang="zh-CN" altLang="en-US" sz="1600" dirty="0">
-                <a:latin typeface="微软雅黑" panose="020B0503020204020204" pitchFamily="34" charset="-122"/>
-                <a:ea typeface="微软雅黑" panose="020B0503020204020204" pitchFamily="34" charset="-122"/>
-              </a:rPr>
-              <a:t>内实现相位到幅度的映射</a:t>
-            </a:r>
-            <a:endParaRPr lang="en-US" altLang="zh-CN" sz="1600" dirty="0">
-              <a:latin typeface="微软雅黑" panose="020B0503020204020204" pitchFamily="34" charset="-122"/>
-              <a:ea typeface="微软雅黑" panose="020B0503020204020204" pitchFamily="34" charset="-122"/>
-            </a:endParaRPr>
-          </a:p>
-          <a:p>
-            <a:pPr lvl="2">
-              <a:spcBef>
-                <a:spcPts val="300"/>
-              </a:spcBef>
-              <a:spcAft>
-                <a:spcPts val="300"/>
-              </a:spcAft>
-            </a:pPr>
-            <a:endParaRPr lang="en-US" altLang="zh-CN" sz="1600" dirty="0">
-              <a:latin typeface="微软雅黑" panose="020B0503020204020204" pitchFamily="34" charset="-122"/>
-              <a:ea typeface="微软雅黑" panose="020B0503020204020204" pitchFamily="34" charset="-122"/>
-            </a:endParaRPr>
-          </a:p>
-          <a:p>
-            <a:pPr lvl="2">
-              <a:spcBef>
-                <a:spcPts val="600"/>
-              </a:spcBef>
-              <a:spcAft>
-                <a:spcPts val="600"/>
-              </a:spcAft>
-            </a:pPr>
-            <a:r>
-              <a:rPr lang="zh-CN" altLang="en-US" sz="1600" dirty="0">
-                <a:latin typeface="微软雅黑" panose="020B0503020204020204" pitchFamily="34" charset="-122"/>
-                <a:ea typeface="微软雅黑" panose="020B0503020204020204" pitchFamily="34" charset="-122"/>
-              </a:rPr>
-              <a:t>我的解结思路是查找表和矩阵旋转结合的方法，兼具速度和精度</a:t>
-            </a:r>
-            <a:endParaRPr lang="en-US" altLang="zh-CN" sz="1600" dirty="0">
-              <a:latin typeface="微软雅黑" panose="020B0503020204020204" pitchFamily="34" charset="-122"/>
-              <a:ea typeface="微软雅黑" panose="020B0503020204020204" pitchFamily="34" charset="-122"/>
-            </a:endParaRPr>
-          </a:p>
-          <a:p>
-            <a:pPr lvl="2">
-              <a:spcBef>
-                <a:spcPts val="600"/>
-              </a:spcBef>
-              <a:spcAft>
-                <a:spcPts val="600"/>
-              </a:spcAft>
-            </a:pPr>
-            <a:r>
-              <a:rPr lang="zh-CN" altLang="en-US" sz="1600" dirty="0">
-                <a:latin typeface="微软雅黑" panose="020B0503020204020204" pitchFamily="34" charset="-122"/>
-                <a:ea typeface="微软雅黑" panose="020B0503020204020204" pitchFamily="34" charset="-122"/>
-              </a:rPr>
-              <a:t>同时在算法上改进</a:t>
-            </a:r>
-            <a:endParaRPr lang="en-US" altLang="zh-CN" sz="1600" dirty="0">
-              <a:latin typeface="微软雅黑" panose="020B0503020204020204" pitchFamily="34" charset="-122"/>
-              <a:ea typeface="微软雅黑" panose="020B0503020204020204" pitchFamily="34" charset="-122"/>
-            </a:endParaRPr>
-          </a:p>
-          <a:p>
-            <a:pPr lvl="2">
-              <a:spcBef>
-                <a:spcPts val="300"/>
-              </a:spcBef>
-              <a:spcAft>
-                <a:spcPts val="300"/>
-              </a:spcAft>
-            </a:pPr>
+              <a:t>的一篇文章</a:t>
+            </a:r>
             <a:endParaRPr lang="en-US" altLang="zh-CN" sz="1600" dirty="0">
               <a:latin typeface="微软雅黑" panose="020B0503020204020204" pitchFamily="34" charset="-122"/>
               <a:ea typeface="微软雅黑" panose="020B0503020204020204" pitchFamily="34" charset="-122"/>
@@ -3805,7 +3676,7 @@
           <a:lstStyle/>
           <a:p>
             <a:r>
-              <a:rPr lang="en-US" altLang="zh-CN" smtClean="0"/>
+              <a:rPr lang="en-US" altLang="zh-CN"/>
               <a:t>20/22</a:t>
             </a:r>
             <a:endParaRPr lang="zh-CN" altLang="en-US"/>
@@ -3973,7 +3844,7 @@
           <a:lstStyle/>
           <a:p>
             <a:r>
-              <a:rPr lang="en-US" altLang="zh-CN" smtClean="0"/>
+              <a:rPr lang="en-US" altLang="zh-CN"/>
               <a:t>20/22</a:t>
             </a:r>
             <a:endParaRPr lang="zh-CN" altLang="en-US"/>
@@ -4151,7 +4022,7 @@
           <a:lstStyle/>
           <a:p>
             <a:r>
-              <a:rPr lang="en-US" altLang="zh-CN" smtClean="0"/>
+              <a:rPr lang="en-US" altLang="zh-CN"/>
               <a:t>20/22</a:t>
             </a:r>
             <a:endParaRPr lang="zh-CN" altLang="en-US"/>
@@ -4333,7 +4204,7 @@
           </a:lstStyle>
           <a:p>
             <a:r>
-              <a:rPr lang="en-US" altLang="zh-CN" smtClean="0">
+              <a:rPr lang="en-US" altLang="zh-CN">
                 <a:solidFill>
                   <a:srgbClr val="000000"/>
                 </a:solidFill>
@@ -4778,7 +4649,7 @@
           </a:lstStyle>
           <a:p>
             <a:r>
-              <a:rPr lang="en-US" altLang="zh-CN" smtClean="0">
+              <a:rPr lang="en-US" altLang="zh-CN">
                 <a:solidFill>
                   <a:srgbClr val="000000"/>
                 </a:solidFill>
@@ -5002,7 +4873,7 @@
           </a:lstStyle>
           <a:p>
             <a:r>
-              <a:rPr lang="en-US" altLang="zh-CN" smtClean="0">
+              <a:rPr lang="en-US" altLang="zh-CN">
                 <a:solidFill>
                   <a:srgbClr val="000000"/>
                 </a:solidFill>
@@ -5320,7 +5191,7 @@
           </a:lstStyle>
           <a:p>
             <a:r>
-              <a:rPr lang="en-US" altLang="zh-CN" smtClean="0">
+              <a:rPr lang="en-US" altLang="zh-CN">
                 <a:solidFill>
                   <a:srgbClr val="000000"/>
                 </a:solidFill>
@@ -5772,7 +5643,7 @@
           </a:lstStyle>
           <a:p>
             <a:r>
-              <a:rPr lang="en-US" altLang="zh-CN" smtClean="0">
+              <a:rPr lang="en-US" altLang="zh-CN">
                 <a:solidFill>
                   <a:srgbClr val="000000"/>
                 </a:solidFill>
@@ -5922,7 +5793,7 @@
           </a:lstStyle>
           <a:p>
             <a:r>
-              <a:rPr lang="en-US" altLang="zh-CN" smtClean="0">
+              <a:rPr lang="en-US" altLang="zh-CN">
                 <a:solidFill>
                   <a:srgbClr val="000000"/>
                 </a:solidFill>
@@ -6050,7 +5921,7 @@
           </a:lstStyle>
           <a:p>
             <a:r>
-              <a:rPr lang="en-US" altLang="zh-CN" smtClean="0">
+              <a:rPr lang="en-US" altLang="zh-CN">
                 <a:solidFill>
                   <a:srgbClr val="000000"/>
                 </a:solidFill>
@@ -6358,7 +6229,7 @@
           </a:lstStyle>
           <a:p>
             <a:r>
-              <a:rPr lang="en-US" altLang="zh-CN" smtClean="0">
+              <a:rPr lang="en-US" altLang="zh-CN">
                 <a:solidFill>
                   <a:srgbClr val="000000"/>
                 </a:solidFill>
@@ -6547,7 +6418,7 @@
           <a:lstStyle/>
           <a:p>
             <a:r>
-              <a:rPr lang="en-US" altLang="zh-CN" smtClean="0"/>
+              <a:rPr lang="en-US" altLang="zh-CN"/>
               <a:t>20/22</a:t>
             </a:r>
             <a:endParaRPr lang="zh-CN" altLang="en-US"/>
@@ -6811,7 +6682,7 @@
           </a:lstStyle>
           <a:p>
             <a:r>
-              <a:rPr lang="en-US" altLang="zh-CN" smtClean="0">
+              <a:rPr lang="en-US" altLang="zh-CN">
                 <a:solidFill>
                   <a:srgbClr val="000000"/>
                 </a:solidFill>
@@ -7012,7 +6883,7 @@
           </a:lstStyle>
           <a:p>
             <a:r>
-              <a:rPr lang="en-US" altLang="zh-CN" smtClean="0">
+              <a:rPr lang="en-US" altLang="zh-CN">
                 <a:solidFill>
                   <a:srgbClr val="000000"/>
                 </a:solidFill>
@@ -7223,7 +7094,7 @@
           </a:lstStyle>
           <a:p>
             <a:r>
-              <a:rPr lang="en-US" altLang="zh-CN" smtClean="0">
+              <a:rPr lang="en-US" altLang="zh-CN">
                 <a:solidFill>
                   <a:srgbClr val="000000"/>
                 </a:solidFill>
@@ -7426,7 +7297,7 @@
           </a:lstStyle>
           <a:p>
             <a:r>
-              <a:rPr lang="en-US" altLang="zh-CN" smtClean="0">
+              <a:rPr lang="en-US" altLang="zh-CN">
                 <a:solidFill>
                   <a:srgbClr val="000000"/>
                 </a:solidFill>
@@ -7871,18 +7742,13 @@
           </a:lstStyle>
           <a:p>
             <a:r>
-              <a:rPr lang="en-US" altLang="zh-CN" smtClean="0">
+              <a:rPr lang="en-US" altLang="zh-CN">
                 <a:solidFill>
                   <a:srgbClr val="000000"/>
                 </a:solidFill>
               </a:rPr>
               <a:t>20/22</a:t>
             </a:r>
-            <a:endParaRPr lang="en-US" altLang="zh-CN">
-              <a:solidFill>
-                <a:srgbClr val="000000"/>
-              </a:solidFill>
-            </a:endParaRPr>
           </a:p>
         </p:txBody>
       </p:sp>
@@ -8095,18 +7961,13 @@
           </a:lstStyle>
           <a:p>
             <a:r>
-              <a:rPr lang="en-US" altLang="zh-CN" smtClean="0">
+              <a:rPr lang="en-US" altLang="zh-CN">
                 <a:solidFill>
                   <a:srgbClr val="000000"/>
                 </a:solidFill>
               </a:rPr>
               <a:t>20/22</a:t>
             </a:r>
-            <a:endParaRPr lang="en-US" altLang="zh-CN">
-              <a:solidFill>
-                <a:srgbClr val="000000"/>
-              </a:solidFill>
-            </a:endParaRPr>
           </a:p>
         </p:txBody>
       </p:sp>
@@ -8413,18 +8274,13 @@
           </a:lstStyle>
           <a:p>
             <a:r>
-              <a:rPr lang="en-US" altLang="zh-CN" smtClean="0">
+              <a:rPr lang="en-US" altLang="zh-CN">
                 <a:solidFill>
                   <a:srgbClr val="000000"/>
                 </a:solidFill>
               </a:rPr>
               <a:t>20/22</a:t>
             </a:r>
-            <a:endParaRPr lang="en-US" altLang="zh-CN">
-              <a:solidFill>
-                <a:srgbClr val="000000"/>
-              </a:solidFill>
-            </a:endParaRPr>
           </a:p>
         </p:txBody>
       </p:sp>
@@ -8865,18 +8721,13 @@
           </a:lstStyle>
           <a:p>
             <a:r>
-              <a:rPr lang="en-US" altLang="zh-CN" smtClean="0">
+              <a:rPr lang="en-US" altLang="zh-CN">
                 <a:solidFill>
                   <a:srgbClr val="000000"/>
                 </a:solidFill>
               </a:rPr>
               <a:t>20/22</a:t>
             </a:r>
-            <a:endParaRPr lang="en-US" altLang="zh-CN">
-              <a:solidFill>
-                <a:srgbClr val="000000"/>
-              </a:solidFill>
-            </a:endParaRPr>
           </a:p>
         </p:txBody>
       </p:sp>
@@ -9015,18 +8866,13 @@
           </a:lstStyle>
           <a:p>
             <a:r>
-              <a:rPr lang="en-US" altLang="zh-CN" smtClean="0">
+              <a:rPr lang="en-US" altLang="zh-CN">
                 <a:solidFill>
                   <a:srgbClr val="000000"/>
                 </a:solidFill>
               </a:rPr>
               <a:t>20/22</a:t>
             </a:r>
-            <a:endParaRPr lang="en-US" altLang="zh-CN">
-              <a:solidFill>
-                <a:srgbClr val="000000"/>
-              </a:solidFill>
-            </a:endParaRPr>
           </a:p>
         </p:txBody>
       </p:sp>
@@ -9143,18 +8989,13 @@
           </a:lstStyle>
           <a:p>
             <a:r>
-              <a:rPr lang="en-US" altLang="zh-CN" smtClean="0">
+              <a:rPr lang="en-US" altLang="zh-CN">
                 <a:solidFill>
                   <a:srgbClr val="000000"/>
                 </a:solidFill>
               </a:rPr>
               <a:t>20/22</a:t>
             </a:r>
-            <a:endParaRPr lang="en-US" altLang="zh-CN">
-              <a:solidFill>
-                <a:srgbClr val="000000"/>
-              </a:solidFill>
-            </a:endParaRPr>
           </a:p>
         </p:txBody>
       </p:sp>
@@ -9409,7 +9250,7 @@
           <a:lstStyle/>
           <a:p>
             <a:r>
-              <a:rPr lang="en-US" altLang="zh-CN" smtClean="0"/>
+              <a:rPr lang="en-US" altLang="zh-CN"/>
               <a:t>20/22</a:t>
             </a:r>
             <a:endParaRPr lang="zh-CN" altLang="en-US"/>
@@ -9696,18 +9537,13 @@
           </a:lstStyle>
           <a:p>
             <a:r>
-              <a:rPr lang="en-US" altLang="zh-CN" smtClean="0">
+              <a:rPr lang="en-US" altLang="zh-CN">
                 <a:solidFill>
                   <a:srgbClr val="000000"/>
                 </a:solidFill>
               </a:rPr>
               <a:t>20/22</a:t>
             </a:r>
-            <a:endParaRPr lang="en-US" altLang="zh-CN">
-              <a:solidFill>
-                <a:srgbClr val="000000"/>
-              </a:solidFill>
-            </a:endParaRPr>
           </a:p>
         </p:txBody>
       </p:sp>
@@ -9981,18 +9817,13 @@
           </a:lstStyle>
           <a:p>
             <a:r>
-              <a:rPr lang="en-US" altLang="zh-CN" smtClean="0">
+              <a:rPr lang="en-US" altLang="zh-CN">
                 <a:solidFill>
                   <a:srgbClr val="000000"/>
                 </a:solidFill>
               </a:rPr>
               <a:t>20/22</a:t>
             </a:r>
-            <a:endParaRPr lang="en-US" altLang="zh-CN">
-              <a:solidFill>
-                <a:srgbClr val="000000"/>
-              </a:solidFill>
-            </a:endParaRPr>
           </a:p>
         </p:txBody>
       </p:sp>
@@ -10182,18 +10013,13 @@
           </a:lstStyle>
           <a:p>
             <a:r>
-              <a:rPr lang="en-US" altLang="zh-CN" smtClean="0">
+              <a:rPr lang="en-US" altLang="zh-CN">
                 <a:solidFill>
                   <a:srgbClr val="000000"/>
                 </a:solidFill>
               </a:rPr>
               <a:t>20/22</a:t>
             </a:r>
-            <a:endParaRPr lang="en-US" altLang="zh-CN">
-              <a:solidFill>
-                <a:srgbClr val="000000"/>
-              </a:solidFill>
-            </a:endParaRPr>
           </a:p>
         </p:txBody>
       </p:sp>
@@ -10393,18 +10219,13 @@
           </a:lstStyle>
           <a:p>
             <a:r>
-              <a:rPr lang="en-US" altLang="zh-CN" smtClean="0">
+              <a:rPr lang="en-US" altLang="zh-CN">
                 <a:solidFill>
                   <a:srgbClr val="000000"/>
                 </a:solidFill>
               </a:rPr>
               <a:t>20/22</a:t>
             </a:r>
-            <a:endParaRPr lang="en-US" altLang="zh-CN">
-              <a:solidFill>
-                <a:srgbClr val="000000"/>
-              </a:solidFill>
-            </a:endParaRPr>
           </a:p>
         </p:txBody>
       </p:sp>
@@ -10643,7 +10464,7 @@
           <a:lstStyle/>
           <a:p>
             <a:r>
-              <a:rPr lang="en-US" altLang="zh-CN" smtClean="0"/>
+              <a:rPr lang="en-US" altLang="zh-CN"/>
               <a:t>20/22</a:t>
             </a:r>
             <a:endParaRPr lang="zh-CN" altLang="en-US"/>
@@ -11007,7 +10828,7 @@
           <a:lstStyle/>
           <a:p>
             <a:r>
-              <a:rPr lang="en-US" altLang="zh-CN" smtClean="0"/>
+              <a:rPr lang="en-US" altLang="zh-CN"/>
               <a:t>20/22</a:t>
             </a:r>
             <a:endParaRPr lang="zh-CN" altLang="en-US"/>
@@ -11124,7 +10945,7 @@
           <a:lstStyle/>
           <a:p>
             <a:r>
-              <a:rPr lang="en-US" altLang="zh-CN" smtClean="0"/>
+              <a:rPr lang="en-US" altLang="zh-CN"/>
               <a:t>20/22</a:t>
             </a:r>
             <a:endParaRPr lang="zh-CN" altLang="en-US"/>
@@ -11219,7 +11040,7 @@
           <a:lstStyle/>
           <a:p>
             <a:r>
-              <a:rPr lang="en-US" altLang="zh-CN" smtClean="0"/>
+              <a:rPr lang="en-US" altLang="zh-CN"/>
               <a:t>20/22</a:t>
             </a:r>
             <a:endParaRPr lang="zh-CN" altLang="en-US"/>
@@ -11494,7 +11315,7 @@
           <a:lstStyle/>
           <a:p>
             <a:r>
-              <a:rPr lang="en-US" altLang="zh-CN" smtClean="0"/>
+              <a:rPr lang="en-US" altLang="zh-CN"/>
               <a:t>20/22</a:t>
             </a:r>
             <a:endParaRPr lang="zh-CN" altLang="en-US"/>
@@ -11746,7 +11567,7 @@
           <a:lstStyle/>
           <a:p>
             <a:r>
-              <a:rPr lang="en-US" altLang="zh-CN" smtClean="0"/>
+              <a:rPr lang="en-US" altLang="zh-CN"/>
               <a:t>20/22</a:t>
             </a:r>
             <a:endParaRPr lang="zh-CN" altLang="en-US"/>
@@ -11975,7 +11796,7 @@
           </a:lstStyle>
           <a:p>
             <a:r>
-              <a:rPr lang="en-US" altLang="zh-CN" smtClean="0"/>
+              <a:rPr lang="en-US" altLang="zh-CN"/>
               <a:t>20/22</a:t>
             </a:r>
             <a:endParaRPr lang="zh-CN" altLang="en-US"/>
@@ -12574,7 +12395,7 @@
               </a:spcAft>
             </a:pPr>
             <a:r>
-              <a:rPr lang="en-US" altLang="zh-CN" smtClean="0">
+              <a:rPr lang="en-US" altLang="zh-CN">
                 <a:solidFill>
                   <a:srgbClr val="000000"/>
                 </a:solidFill>
@@ -13462,7 +13283,7 @@
               </a:spcAft>
             </a:pPr>
             <a:r>
-              <a:rPr lang="en-US" altLang="zh-CN" smtClean="0">
+              <a:rPr lang="en-US" altLang="zh-CN">
                 <a:solidFill>
                   <a:srgbClr val="000000"/>
                 </a:solidFill>
@@ -14142,19 +13963,15 @@
           <a:lstStyle/>
           <a:p>
             <a:r>
-              <a:rPr lang="zh-CN" altLang="en-US" sz="3800" dirty="0" smtClean="0"/>
-              <a:t>超高速、高</a:t>
-            </a:r>
-            <a:r>
               <a:rPr lang="zh-CN" altLang="en-US" sz="3800" dirty="0"/>
-              <a:t>精度数控振荡器</a:t>
+              <a:t>超高速、高精度数控振荡器</a:t>
             </a:r>
             <a:r>
               <a:rPr lang="en-US" altLang="zh-CN" sz="3800" dirty="0"/>
               <a:t>(NCO)</a:t>
             </a:r>
             <a:r>
-              <a:rPr lang="zh-CN" altLang="en-US" sz="3800" dirty="0" smtClean="0"/>
+              <a:rPr lang="zh-CN" altLang="en-US" sz="3800" dirty="0"/>
               <a:t>设计</a:t>
             </a:r>
             <a:endParaRPr lang="zh-CN" altLang="en-US" sz="3800" b="1" dirty="0"/>
@@ -14301,7 +14118,7 @@
           <a:lstStyle/>
           <a:p>
             <a:r>
-              <a:rPr lang="en-US" altLang="zh-CN" sz="1200" smtClean="0">
+              <a:rPr lang="en-US" altLang="zh-CN" sz="1200">
                 <a:solidFill>
                   <a:srgbClr val="000000"/>
                 </a:solidFill>
@@ -14400,14 +14217,13 @@
               <a:t>实施方案</a:t>
             </a:r>
             <a:r>
-              <a:rPr lang="en-US" altLang="zh-CN" sz="3600" dirty="0" smtClean="0"/>
+              <a:rPr lang="en-US" altLang="zh-CN" sz="3600" dirty="0"/>
               <a:t>——</a:t>
             </a:r>
             <a:r>
-              <a:rPr lang="zh-CN" altLang="en-US" sz="3600" dirty="0" smtClean="0"/>
+              <a:rPr lang="zh-CN" altLang="en-US" sz="3600" dirty="0"/>
               <a:t>噪声平衡</a:t>
             </a:r>
-            <a:endParaRPr lang="zh-CN" altLang="en-US" sz="3600" dirty="0"/>
           </a:p>
         </p:txBody>
       </p:sp>
@@ -14447,28 +14263,28 @@
               <a:t>噪声</a:t>
             </a:r>
             <a:r>
-              <a:rPr lang="en-US" altLang="zh-CN" sz="2200" dirty="0" smtClean="0">
+              <a:rPr lang="en-US" altLang="zh-CN" sz="2200" dirty="0">
                 <a:latin typeface="微软雅黑" panose="020B0503020204020204" pitchFamily="34" charset="-122"/>
                 <a:ea typeface="微软雅黑" panose="020B0503020204020204" pitchFamily="34" charset="-122"/>
               </a:rPr>
               <a:t>I</a:t>
             </a:r>
             <a:r>
-              <a:rPr lang="zh-CN" altLang="en-US" sz="2200" dirty="0" smtClean="0">
+              <a:rPr lang="zh-CN" altLang="en-US" sz="2200" dirty="0">
                 <a:latin typeface="微软雅黑" panose="020B0503020204020204" pitchFamily="34" charset="-122"/>
                 <a:ea typeface="微软雅黑" panose="020B0503020204020204" pitchFamily="34" charset="-122"/>
               </a:rPr>
               <a:t>：</a:t>
             </a:r>
             <a:r>
-              <a:rPr lang="zh-CN" altLang="en-US" sz="2200" dirty="0" smtClean="0">
+              <a:rPr lang="zh-CN" altLang="en-US" sz="2200" dirty="0">
                 <a:latin typeface="微软雅黑" panose="020B0503020204020204" pitchFamily="34" charset="-122"/>
                 <a:ea typeface="微软雅黑" panose="020B0503020204020204" pitchFamily="34" charset="-122"/>
                 <a:cs typeface="+mn-cs"/>
               </a:rPr>
               <a:t>相位截断和输出量化</a:t>
             </a:r>
-            <a:endParaRPr lang="en-US" altLang="zh-CN" sz="2200" dirty="0" smtClean="0">
+            <a:endParaRPr lang="en-US" altLang="zh-CN" sz="2200" dirty="0">
               <a:latin typeface="微软雅黑" panose="020B0503020204020204" pitchFamily="34" charset="-122"/>
               <a:ea typeface="微软雅黑" panose="020B0503020204020204" pitchFamily="34" charset="-122"/>
               <a:cs typeface="+mn-cs"/>
@@ -14484,25 +14300,11 @@
               </a:spcAft>
             </a:pPr>
             <a:r>
-              <a:rPr lang="zh-CN" altLang="en-US" sz="1600" dirty="0" smtClean="0">
-                <a:latin typeface="微软雅黑" panose="020B0503020204020204" pitchFamily="34" charset="-122"/>
-                <a:ea typeface="微软雅黑" panose="020B0503020204020204" pitchFamily="34" charset="-122"/>
-              </a:rPr>
-              <a:t>索引</a:t>
-            </a:r>
-            <a:r>
               <a:rPr lang="zh-CN" altLang="en-US" sz="1600" dirty="0">
                 <a:latin typeface="微软雅黑" panose="020B0503020204020204" pitchFamily="34" charset="-122"/>
                 <a:ea typeface="微软雅黑" panose="020B0503020204020204" pitchFamily="34" charset="-122"/>
               </a:rPr>
-              <a:t>截断</a:t>
-            </a:r>
-            <a:r>
-              <a:rPr lang="zh-CN" altLang="en-US" sz="1600" dirty="0" smtClean="0">
-                <a:latin typeface="微软雅黑" panose="020B0503020204020204" pitchFamily="34" charset="-122"/>
-                <a:ea typeface="微软雅黑" panose="020B0503020204020204" pitchFamily="34" charset="-122"/>
-              </a:rPr>
-              <a:t>产生</a:t>
+              <a:t>索引截断产生</a:t>
             </a:r>
             <a:r>
               <a:rPr lang="zh-CN" altLang="en-US" sz="1600" b="1" dirty="0">
@@ -14512,18 +14314,11 @@
               <a:t>有色</a:t>
             </a:r>
             <a:r>
-              <a:rPr lang="zh-CN" altLang="en-US" sz="1600" dirty="0" smtClean="0">
-                <a:latin typeface="微软雅黑" panose="020B0503020204020204" pitchFamily="34" charset="-122"/>
-                <a:ea typeface="微软雅黑" panose="020B0503020204020204" pitchFamily="34" charset="-122"/>
-              </a:rPr>
-              <a:t>噪声</a:t>
-            </a:r>
-            <a:r>
               <a:rPr lang="zh-CN" altLang="en-US" sz="1600" dirty="0">
                 <a:latin typeface="微软雅黑" panose="020B0503020204020204" pitchFamily="34" charset="-122"/>
                 <a:ea typeface="微软雅黑" panose="020B0503020204020204" pitchFamily="34" charset="-122"/>
               </a:rPr>
-              <a:t>，影响杂散性能</a:t>
+              <a:t>噪声，影响杂散性能</a:t>
             </a:r>
             <a:endParaRPr lang="en-US" altLang="zh-CN" sz="1600" dirty="0">
               <a:latin typeface="微软雅黑" panose="020B0503020204020204" pitchFamily="34" charset="-122"/>
@@ -14558,14 +14353,7 @@
                 <a:latin typeface="微软雅黑" panose="020B0503020204020204" pitchFamily="34" charset="-122"/>
                 <a:ea typeface="微软雅黑" panose="020B0503020204020204" pitchFamily="34" charset="-122"/>
               </a:rPr>
-              <a:t>噪声，影响</a:t>
-            </a:r>
-            <a:r>
-              <a:rPr lang="zh-CN" altLang="en-US" sz="1600" dirty="0" smtClean="0">
-                <a:latin typeface="微软雅黑" panose="020B0503020204020204" pitchFamily="34" charset="-122"/>
-                <a:ea typeface="微软雅黑" panose="020B0503020204020204" pitchFamily="34" charset="-122"/>
-              </a:rPr>
-              <a:t>底噪</a:t>
+              <a:t>噪声，影响底噪</a:t>
             </a:r>
           </a:p>
           <a:p>
@@ -14578,7 +14366,7 @@
               </a:spcAft>
             </a:pPr>
             <a:r>
-              <a:rPr lang="zh-CN" altLang="en-US" sz="1600" dirty="0" smtClean="0">
+              <a:rPr lang="zh-CN" altLang="en-US" sz="1600" dirty="0">
                 <a:latin typeface="微软雅黑" panose="020B0503020204020204" pitchFamily="34" charset="-122"/>
                 <a:ea typeface="微软雅黑" panose="020B0503020204020204" pitchFamily="34" charset="-122"/>
               </a:rPr>
@@ -14616,18 +14404,13 @@
           <a:p>
             <a:pPr algn="ctr"/>
             <a:r>
-              <a:rPr lang="en-US" altLang="zh-CN" sz="1200" dirty="0" smtClean="0">
+              <a:rPr lang="en-US" altLang="zh-CN" sz="1200" dirty="0">
                 <a:solidFill>
                   <a:srgbClr val="000000"/>
                 </a:solidFill>
               </a:rPr>
               <a:t>10/17</a:t>
             </a:r>
-            <a:endParaRPr lang="en-US" altLang="zh-CN" sz="1200" dirty="0">
-              <a:solidFill>
-                <a:srgbClr val="000000"/>
-              </a:solidFill>
-            </a:endParaRPr>
           </a:p>
         </p:txBody>
       </p:sp>
@@ -14636,7 +14419,7 @@
           <p:cNvPr id="10" name="组合 9">
             <a:extLst>
               <a:ext uri="{FF2B5EF4-FFF2-40B4-BE49-F238E27FC236}">
-                <a16:creationId xmlns="" xmlns:a16="http://schemas.microsoft.com/office/drawing/2014/main" id="{4DD9D7DF-D2A9-48F0-8613-66CCA440EF90}"/>
+                <a16:creationId xmlns:a16="http://schemas.microsoft.com/office/drawing/2014/main" id="{4DD9D7DF-D2A9-48F0-8613-66CCA440EF90}"/>
               </a:ext>
             </a:extLst>
           </p:cNvPr>
@@ -15256,7 +15039,7 @@
             <a:p>
               <a:pPr algn="ctr"/>
               <a:r>
-                <a:rPr lang="zh-CN" altLang="en-US" sz="1600" dirty="0" smtClean="0">
+                <a:rPr lang="zh-CN" altLang="en-US" sz="1600" dirty="0">
                   <a:latin typeface="微软雅黑" panose="020B0503020204020204" pitchFamily="34" charset="-122"/>
                   <a:ea typeface="微软雅黑" panose="020B0503020204020204" pitchFamily="34" charset="-122"/>
                 </a:rPr>
@@ -15275,7 +15058,7 @@
           <p:cNvPr id="46" name="内容占位符 2">
             <a:extLst>
               <a:ext uri="{FF2B5EF4-FFF2-40B4-BE49-F238E27FC236}">
-                <a16:creationId xmlns="" xmlns:a16="http://schemas.microsoft.com/office/drawing/2014/main" xmlns:a14="http://schemas.microsoft.com/office/drawing/2010/main" xmlns:mc="http://schemas.openxmlformats.org/markup-compatibility/2006" id="{046C888F-2A1E-465C-80A4-AACC140F0EAF}"/>
+                <a16:creationId xmlns:a16="http://schemas.microsoft.com/office/drawing/2014/main" id="{046C888F-2A1E-465C-80A4-AACC140F0EAF}"/>
               </a:ext>
             </a:extLst>
           </p:cNvPr>
@@ -15468,14 +15251,14 @@
               </a:spcAft>
             </a:pPr>
             <a:r>
-              <a:rPr lang="zh-CN" altLang="en-US" sz="2200" kern="0" dirty="0" smtClean="0">
+              <a:rPr lang="zh-CN" altLang="en-US" sz="2200" kern="0" dirty="0">
                 <a:latin typeface="微软雅黑" panose="020B0503020204020204" pitchFamily="34" charset="-122"/>
                 <a:ea typeface="微软雅黑" panose="020B0503020204020204" pitchFamily="34" charset="-122"/>
                 <a:cs typeface="+mn-cs"/>
               </a:rPr>
               <a:t>两类噪声的平衡</a:t>
             </a:r>
-            <a:endParaRPr lang="en-US" altLang="zh-CN" sz="2200" kern="0" dirty="0" smtClean="0">
+            <a:endParaRPr lang="en-US" altLang="zh-CN" sz="2200" kern="0" dirty="0">
               <a:latin typeface="微软雅黑" panose="020B0503020204020204" pitchFamily="34" charset="-122"/>
               <a:ea typeface="微软雅黑" panose="020B0503020204020204" pitchFamily="34" charset="-122"/>
               <a:cs typeface="+mn-cs"/>
@@ -15491,51 +15274,19 @@
               </a:spcAft>
             </a:pPr>
             <a:r>
-              <a:rPr lang="zh-CN" altLang="en-US" sz="1600" kern="0" dirty="0" smtClean="0">
-                <a:latin typeface="微软雅黑" panose="020B0503020204020204" pitchFamily="34" charset="-122"/>
-                <a:ea typeface="微软雅黑" panose="020B0503020204020204" pitchFamily="34" charset="-122"/>
-              </a:rPr>
-              <a:t>减少</a:t>
-            </a:r>
-            <a:r>
               <a:rPr lang="zh-CN" altLang="en-US" sz="1600" kern="0" dirty="0">
                 <a:latin typeface="微软雅黑" panose="020B0503020204020204" pitchFamily="34" charset="-122"/>
                 <a:ea typeface="微软雅黑" panose="020B0503020204020204" pitchFamily="34" charset="-122"/>
               </a:rPr>
-              <a:t>旋转</a:t>
-            </a:r>
-            <a:r>
-              <a:rPr lang="zh-CN" altLang="en-US" sz="1600" kern="0" dirty="0" smtClean="0">
-                <a:latin typeface="微软雅黑" panose="020B0503020204020204" pitchFamily="34" charset="-122"/>
-                <a:ea typeface="微软雅黑" panose="020B0503020204020204" pitchFamily="34" charset="-122"/>
-              </a:rPr>
-              <a:t>索引</a:t>
-            </a:r>
-            <a:r>
-              <a:rPr lang="zh-CN" altLang="en-US" sz="1600" kern="0" dirty="0">
-                <a:latin typeface="微软雅黑" panose="020B0503020204020204" pitchFamily="34" charset="-122"/>
-                <a:ea typeface="微软雅黑" panose="020B0503020204020204" pitchFamily="34" charset="-122"/>
-              </a:rPr>
-              <a:t>占</a:t>
-            </a:r>
-            <a:r>
-              <a:rPr lang="zh-CN" altLang="en-US" sz="1600" kern="0" dirty="0" smtClean="0">
-                <a:latin typeface="微软雅黑" panose="020B0503020204020204" pitchFamily="34" charset="-122"/>
-                <a:ea typeface="微软雅黑" panose="020B0503020204020204" pitchFamily="34" charset="-122"/>
-              </a:rPr>
-              <a:t>比，降低噪声</a:t>
-            </a:r>
-            <a:r>
-              <a:rPr lang="en-US" altLang="zh-CN" sz="1600" kern="0" dirty="0" smtClean="0">
+              <a:t>减少旋转索引占比，降低噪声</a:t>
+            </a:r>
+            <a:r>
+              <a:rPr lang="en-US" altLang="zh-CN" sz="1600" kern="0" dirty="0">
                 <a:latin typeface="微软雅黑" panose="020B0503020204020204" pitchFamily="34" charset="-122"/>
                 <a:ea typeface="微软雅黑" panose="020B0503020204020204" pitchFamily="34" charset="-122"/>
               </a:rPr>
               <a:t>II</a:t>
             </a:r>
-            <a:endParaRPr lang="en-US" altLang="zh-CN" sz="1600" kern="0" dirty="0">
-              <a:latin typeface="微软雅黑" panose="020B0503020204020204" pitchFamily="34" charset="-122"/>
-              <a:ea typeface="微软雅黑" panose="020B0503020204020204" pitchFamily="34" charset="-122"/>
-            </a:endParaRPr>
           </a:p>
           <a:p>
             <a:pPr lvl="3">
@@ -15547,41 +15298,41 @@
               </a:spcAft>
             </a:pPr>
             <a:r>
-              <a:rPr lang="zh-CN" altLang="en-US" sz="1300" dirty="0" smtClean="0">
+              <a:rPr lang="zh-CN" altLang="en-US" sz="1300" dirty="0">
                 <a:latin typeface="微软雅黑" panose="020B0503020204020204" pitchFamily="34" charset="-122"/>
                 <a:ea typeface="微软雅黑" panose="020B0503020204020204" pitchFamily="34" charset="-122"/>
               </a:rPr>
               <a:t>噪声</a:t>
             </a:r>
             <a:r>
-              <a:rPr lang="en-US" altLang="zh-CN" sz="1300" dirty="0" smtClean="0">
+              <a:rPr lang="en-US" altLang="zh-CN" sz="1300" dirty="0">
                 <a:latin typeface="微软雅黑" panose="020B0503020204020204" pitchFamily="34" charset="-122"/>
                 <a:ea typeface="微软雅黑" panose="020B0503020204020204" pitchFamily="34" charset="-122"/>
               </a:rPr>
               <a:t>II</a:t>
             </a:r>
             <a:r>
-              <a:rPr lang="zh-CN" altLang="en-US" sz="1300" dirty="0" smtClean="0">
+              <a:rPr lang="zh-CN" altLang="en-US" sz="1300" dirty="0">
                 <a:latin typeface="微软雅黑" panose="020B0503020204020204" pitchFamily="34" charset="-122"/>
                 <a:ea typeface="微软雅黑" panose="020B0503020204020204" pitchFamily="34" charset="-122"/>
               </a:rPr>
               <a:t>较大时，随噪声</a:t>
             </a:r>
             <a:r>
-              <a:rPr lang="en-US" altLang="zh-CN" sz="1300" dirty="0" smtClean="0">
+              <a:rPr lang="en-US" altLang="zh-CN" sz="1300" dirty="0">
                 <a:latin typeface="微软雅黑" panose="020B0503020204020204" pitchFamily="34" charset="-122"/>
                 <a:ea typeface="微软雅黑" panose="020B0503020204020204" pitchFamily="34" charset="-122"/>
               </a:rPr>
               <a:t>II</a:t>
             </a:r>
             <a:r>
-              <a:rPr lang="zh-CN" altLang="en-US" sz="1300" dirty="0" smtClean="0">
+              <a:rPr lang="zh-CN" altLang="en-US" sz="1300" dirty="0">
                 <a:latin typeface="微软雅黑" panose="020B0503020204020204" pitchFamily="34" charset="-122"/>
                 <a:ea typeface="微软雅黑" panose="020B0503020204020204" pitchFamily="34" charset="-122"/>
               </a:rPr>
               <a:t>降低，输出杂散变小</a:t>
             </a:r>
-            <a:endParaRPr lang="en-US" altLang="zh-CN" sz="1300" dirty="0" smtClean="0">
+            <a:endParaRPr lang="en-US" altLang="zh-CN" sz="1300" dirty="0">
               <a:latin typeface="微软雅黑" panose="020B0503020204020204" pitchFamily="34" charset="-122"/>
               <a:ea typeface="微软雅黑" panose="020B0503020204020204" pitchFamily="34" charset="-122"/>
             </a:endParaRPr>
@@ -15596,41 +15347,41 @@
               </a:spcAft>
             </a:pPr>
             <a:r>
-              <a:rPr lang="zh-CN" altLang="en-US" sz="1300" dirty="0" smtClean="0">
+              <a:rPr lang="zh-CN" altLang="en-US" sz="1300" dirty="0">
                 <a:latin typeface="微软雅黑" panose="020B0503020204020204" pitchFamily="34" charset="-122"/>
                 <a:ea typeface="微软雅黑" panose="020B0503020204020204" pitchFamily="34" charset="-122"/>
               </a:rPr>
               <a:t>噪声</a:t>
             </a:r>
             <a:r>
-              <a:rPr lang="en-US" altLang="zh-CN" sz="1300" dirty="0" smtClean="0">
+              <a:rPr lang="en-US" altLang="zh-CN" sz="1300" dirty="0">
                 <a:latin typeface="微软雅黑" panose="020B0503020204020204" pitchFamily="34" charset="-122"/>
                 <a:ea typeface="微软雅黑" panose="020B0503020204020204" pitchFamily="34" charset="-122"/>
               </a:rPr>
               <a:t>II</a:t>
             </a:r>
             <a:r>
-              <a:rPr lang="zh-CN" altLang="en-US" sz="1300" dirty="0" smtClean="0">
+              <a:rPr lang="zh-CN" altLang="en-US" sz="1300" dirty="0">
                 <a:latin typeface="微软雅黑" panose="020B0503020204020204" pitchFamily="34" charset="-122"/>
                 <a:ea typeface="微软雅黑" panose="020B0503020204020204" pitchFamily="34" charset="-122"/>
               </a:rPr>
               <a:t>过小时，被噪声</a:t>
             </a:r>
             <a:r>
-              <a:rPr lang="en-US" altLang="zh-CN" sz="1300" dirty="0" smtClean="0">
+              <a:rPr lang="en-US" altLang="zh-CN" sz="1300" dirty="0">
                 <a:latin typeface="微软雅黑" panose="020B0503020204020204" pitchFamily="34" charset="-122"/>
                 <a:ea typeface="微软雅黑" panose="020B0503020204020204" pitchFamily="34" charset="-122"/>
               </a:rPr>
               <a:t>I</a:t>
             </a:r>
             <a:r>
-              <a:rPr lang="zh-CN" altLang="en-US" sz="1300" dirty="0" smtClean="0">
+              <a:rPr lang="zh-CN" altLang="en-US" sz="1300" dirty="0">
                 <a:latin typeface="微软雅黑" panose="020B0503020204020204" pitchFamily="34" charset="-122"/>
                 <a:ea typeface="微软雅黑" panose="020B0503020204020204" pitchFamily="34" charset="-122"/>
               </a:rPr>
               <a:t>掩盖，输出杂散不变</a:t>
             </a:r>
-            <a:endParaRPr lang="en-US" altLang="zh-CN" sz="1300" dirty="0" smtClean="0">
+            <a:endParaRPr lang="en-US" altLang="zh-CN" sz="1300" dirty="0">
               <a:latin typeface="微软雅黑" panose="020B0503020204020204" pitchFamily="34" charset="-122"/>
               <a:ea typeface="微软雅黑" panose="020B0503020204020204" pitchFamily="34" charset="-122"/>
             </a:endParaRPr>
@@ -15649,16 +15400,9 @@
                 <a:latin typeface="微软雅黑" panose="020B0503020204020204" pitchFamily="34" charset="-122"/>
                 <a:ea typeface="微软雅黑" panose="020B0503020204020204" pitchFamily="34" charset="-122"/>
               </a:rPr>
-              <a:t>查找</a:t>
-            </a:r>
-            <a:r>
-              <a:rPr lang="zh-CN" altLang="en-US" sz="1300" dirty="0" smtClean="0">
-                <a:latin typeface="微软雅黑" panose="020B0503020204020204" pitchFamily="34" charset="-122"/>
-                <a:ea typeface="微软雅黑" panose="020B0503020204020204" pitchFamily="34" charset="-122"/>
-              </a:rPr>
-              <a:t>表面积持续增大，存储器访存速度减慢</a:t>
-            </a:r>
-            <a:endParaRPr lang="en-US" altLang="zh-CN" sz="1300" dirty="0" smtClean="0">
+              <a:t>查找表面积持续增大，存储器访存速度减慢</a:t>
+            </a:r>
+            <a:endParaRPr lang="en-US" altLang="zh-CN" sz="1300" dirty="0">
               <a:latin typeface="微软雅黑" panose="020B0503020204020204" pitchFamily="34" charset="-122"/>
               <a:ea typeface="微软雅黑" panose="020B0503020204020204" pitchFamily="34" charset="-122"/>
             </a:endParaRPr>
@@ -15673,18 +15417,11 @@
               </a:spcAft>
             </a:pPr>
             <a:r>
-              <a:rPr lang="zh-CN" altLang="en-US" sz="1600" kern="0" dirty="0" smtClean="0">
-                <a:latin typeface="微软雅黑" panose="020B0503020204020204" pitchFamily="34" charset="-122"/>
-                <a:ea typeface="微软雅黑" panose="020B0503020204020204" pitchFamily="34" charset="-122"/>
-              </a:rPr>
-              <a:t>约束条件</a:t>
-            </a:r>
-            <a:r>
               <a:rPr lang="zh-CN" altLang="en-US" sz="1600" kern="0" dirty="0">
                 <a:latin typeface="微软雅黑" panose="020B0503020204020204" pitchFamily="34" charset="-122"/>
                 <a:ea typeface="微软雅黑" panose="020B0503020204020204" pitchFamily="34" charset="-122"/>
               </a:rPr>
-              <a:t>：查找表索引</a:t>
+              <a:t>约束条件：查找表索引</a:t>
             </a:r>
             <a:r>
               <a:rPr lang="en-US" altLang="zh-CN" sz="1600" kern="0" dirty="0">
@@ -15698,21 +15435,7 @@
                 <a:latin typeface="微软雅黑" panose="020B0503020204020204" pitchFamily="34" charset="-122"/>
                 <a:ea typeface="微软雅黑" panose="020B0503020204020204" pitchFamily="34" charset="-122"/>
               </a:rPr>
-              <a:t>旋转</a:t>
-            </a:r>
-            <a:r>
-              <a:rPr lang="zh-CN" altLang="en-US" sz="1600" kern="0" dirty="0" smtClean="0">
-                <a:latin typeface="微软雅黑" panose="020B0503020204020204" pitchFamily="34" charset="-122"/>
-                <a:ea typeface="微软雅黑" panose="020B0503020204020204" pitchFamily="34" charset="-122"/>
-              </a:rPr>
-              <a:t>索引</a:t>
-            </a:r>
-            <a:r>
-              <a:rPr lang="zh-CN" altLang="en-US" sz="1600" kern="0" dirty="0">
-                <a:latin typeface="微软雅黑" panose="020B0503020204020204" pitchFamily="34" charset="-122"/>
-                <a:ea typeface="微软雅黑" panose="020B0503020204020204" pitchFamily="34" charset="-122"/>
-              </a:rPr>
-              <a:t>（实验</a:t>
+              <a:t>旋转索引（实验</a:t>
             </a:r>
             <a:r>
               <a:rPr lang="en-US" altLang="zh-CN" sz="1600" kern="0" dirty="0">
@@ -15743,35 +15466,35 @@
               </a:spcAft>
             </a:pPr>
             <a:r>
-              <a:rPr lang="zh-CN" altLang="en-US" sz="1200" kern="0" dirty="0" smtClean="0">
+              <a:rPr lang="zh-CN" altLang="en-US" sz="1200" kern="0" dirty="0">
                 <a:latin typeface="微软雅黑" panose="020B0503020204020204" pitchFamily="34" charset="-122"/>
                 <a:ea typeface="微软雅黑" panose="020B0503020204020204" pitchFamily="34" charset="-122"/>
               </a:rPr>
               <a:t>此约束外，噪声</a:t>
             </a:r>
             <a:r>
-              <a:rPr lang="en-US" altLang="zh-CN" sz="1200" kern="0" dirty="0" smtClean="0">
+              <a:rPr lang="en-US" altLang="zh-CN" sz="1200" kern="0" dirty="0">
                 <a:latin typeface="微软雅黑" panose="020B0503020204020204" pitchFamily="34" charset="-122"/>
                 <a:ea typeface="微软雅黑" panose="020B0503020204020204" pitchFamily="34" charset="-122"/>
               </a:rPr>
               <a:t>II</a:t>
             </a:r>
             <a:r>
-              <a:rPr lang="zh-CN" altLang="en-US" sz="1200" kern="0" dirty="0" smtClean="0">
+              <a:rPr lang="zh-CN" altLang="en-US" sz="1200" kern="0" dirty="0">
                 <a:latin typeface="微软雅黑" panose="020B0503020204020204" pitchFamily="34" charset="-122"/>
                 <a:ea typeface="微软雅黑" panose="020B0503020204020204" pitchFamily="34" charset="-122"/>
               </a:rPr>
               <a:t>被噪声</a:t>
             </a:r>
             <a:r>
-              <a:rPr lang="en-US" altLang="zh-CN" sz="1200" kern="0" dirty="0" smtClean="0">
+              <a:rPr lang="en-US" altLang="zh-CN" sz="1200" kern="0" dirty="0">
                 <a:latin typeface="微软雅黑" panose="020B0503020204020204" pitchFamily="34" charset="-122"/>
                 <a:ea typeface="微软雅黑" panose="020B0503020204020204" pitchFamily="34" charset="-122"/>
               </a:rPr>
               <a:t>I</a:t>
             </a:r>
             <a:r>
-              <a:rPr lang="zh-CN" altLang="en-US" sz="1200" kern="0" dirty="0" smtClean="0">
+              <a:rPr lang="zh-CN" altLang="en-US" sz="1200" kern="0" dirty="0">
                 <a:latin typeface="微软雅黑" panose="020B0503020204020204" pitchFamily="34" charset="-122"/>
                 <a:ea typeface="微软雅黑" panose="020B0503020204020204" pitchFamily="34" charset="-122"/>
               </a:rPr>
@@ -15978,35 +15701,35 @@
                   </a:spcAft>
                 </a:pPr>
                 <a:r>
-                  <a:rPr lang="zh-CN" altLang="en-US" sz="2200" kern="0" dirty="0" smtClean="0">
+                  <a:rPr lang="zh-CN" altLang="en-US" sz="2200" kern="0" dirty="0">
                     <a:latin typeface="微软雅黑" panose="020B0503020204020204" pitchFamily="34" charset="-122"/>
                     <a:ea typeface="微软雅黑" panose="020B0503020204020204" pitchFamily="34" charset="-122"/>
                   </a:rPr>
                   <a:t>噪声</a:t>
                 </a:r>
                 <a:r>
-                  <a:rPr lang="en-US" altLang="zh-CN" sz="2200" kern="0" dirty="0" smtClean="0">
+                  <a:rPr lang="en-US" altLang="zh-CN" sz="2200" kern="0" dirty="0">
                     <a:latin typeface="微软雅黑" panose="020B0503020204020204" pitchFamily="34" charset="-122"/>
                     <a:ea typeface="微软雅黑" panose="020B0503020204020204" pitchFamily="34" charset="-122"/>
                   </a:rPr>
                   <a:t>II</a:t>
                 </a:r>
                 <a:r>
-                  <a:rPr lang="zh-CN" altLang="en-US" sz="2200" kern="0" dirty="0" smtClean="0">
+                  <a:rPr lang="zh-CN" altLang="en-US" sz="2200" kern="0" dirty="0">
                     <a:latin typeface="微软雅黑" panose="020B0503020204020204" pitchFamily="34" charset="-122"/>
                     <a:ea typeface="微软雅黑" panose="020B0503020204020204" pitchFamily="34" charset="-122"/>
                   </a:rPr>
                   <a:t>：</a:t>
                 </a:r>
                 <a:r>
-                  <a:rPr lang="zh-CN" altLang="en-US" sz="2200" kern="0" dirty="0" smtClean="0">
+                  <a:rPr lang="zh-CN" altLang="en-US" sz="2200" kern="0" dirty="0">
                     <a:latin typeface="微软雅黑" panose="020B0503020204020204" pitchFamily="34" charset="-122"/>
                     <a:ea typeface="微软雅黑" panose="020B0503020204020204" pitchFamily="34" charset="-122"/>
                     <a:cs typeface="+mn-cs"/>
                   </a:rPr>
                   <a:t>算法近似</a:t>
                 </a:r>
-                <a:endParaRPr lang="en-US" altLang="zh-CN" sz="2200" kern="0" dirty="0" smtClean="0">
+                <a:endParaRPr lang="en-US" altLang="zh-CN" sz="2200" kern="0" dirty="0">
                   <a:latin typeface="微软雅黑" panose="020B0503020204020204" pitchFamily="34" charset="-122"/>
                   <a:ea typeface="微软雅黑" panose="020B0503020204020204" pitchFamily="34" charset="-122"/>
                   <a:cs typeface="+mn-cs"/>
@@ -16022,7 +15745,7 @@
                   </a:spcAft>
                 </a:pPr>
                 <a:r>
-                  <a:rPr lang="zh-CN" altLang="en-US" sz="1600" kern="0" dirty="0" smtClean="0">
+                  <a:rPr lang="zh-CN" altLang="en-US" sz="1600" kern="0" dirty="0">
                     <a:latin typeface="微软雅黑" panose="020B0503020204020204" pitchFamily="34" charset="-122"/>
                     <a:ea typeface="微软雅黑" panose="020B0503020204020204" pitchFamily="34" charset="-122"/>
                   </a:rPr>
@@ -16527,112 +16250,112 @@
                 <a:gridCol w="341411">
                   <a:extLst>
                     <a:ext uri="{9D8B030D-6E8A-4147-A177-3AD203B41FA5}">
-                      <a16:colId xmlns="" xmlns:a16="http://schemas.microsoft.com/office/drawing/2014/main" val="20000"/>
+                      <a16:colId xmlns:a16="http://schemas.microsoft.com/office/drawing/2014/main" val="20000"/>
                     </a:ext>
                   </a:extLst>
                 </a:gridCol>
                 <a:gridCol w="341411">
                   <a:extLst>
                     <a:ext uri="{9D8B030D-6E8A-4147-A177-3AD203B41FA5}">
-                      <a16:colId xmlns="" xmlns:a16="http://schemas.microsoft.com/office/drawing/2014/main" val="20001"/>
+                      <a16:colId xmlns:a16="http://schemas.microsoft.com/office/drawing/2014/main" val="20001"/>
                     </a:ext>
                   </a:extLst>
                 </a:gridCol>
                 <a:gridCol w="341411">
                   <a:extLst>
                     <a:ext uri="{9D8B030D-6E8A-4147-A177-3AD203B41FA5}">
-                      <a16:colId xmlns="" xmlns:a16="http://schemas.microsoft.com/office/drawing/2014/main" val="20002"/>
+                      <a16:colId xmlns:a16="http://schemas.microsoft.com/office/drawing/2014/main" val="20002"/>
                     </a:ext>
                   </a:extLst>
                 </a:gridCol>
                 <a:gridCol w="341411">
                   <a:extLst>
                     <a:ext uri="{9D8B030D-6E8A-4147-A177-3AD203B41FA5}">
-                      <a16:colId xmlns="" xmlns:a16="http://schemas.microsoft.com/office/drawing/2014/main" val="20003"/>
+                      <a16:colId xmlns:a16="http://schemas.microsoft.com/office/drawing/2014/main" val="20003"/>
                     </a:ext>
                   </a:extLst>
                 </a:gridCol>
                 <a:gridCol w="341411">
                   <a:extLst>
                     <a:ext uri="{9D8B030D-6E8A-4147-A177-3AD203B41FA5}">
-                      <a16:colId xmlns="" xmlns:a16="http://schemas.microsoft.com/office/drawing/2014/main" val="20004"/>
+                      <a16:colId xmlns:a16="http://schemas.microsoft.com/office/drawing/2014/main" val="20004"/>
                     </a:ext>
                   </a:extLst>
                 </a:gridCol>
                 <a:gridCol w="341411">
                   <a:extLst>
                     <a:ext uri="{9D8B030D-6E8A-4147-A177-3AD203B41FA5}">
-                      <a16:colId xmlns="" xmlns:a16="http://schemas.microsoft.com/office/drawing/2014/main" val="20005"/>
+                      <a16:colId xmlns:a16="http://schemas.microsoft.com/office/drawing/2014/main" val="20005"/>
                     </a:ext>
                   </a:extLst>
                 </a:gridCol>
                 <a:gridCol w="341411">
                   <a:extLst>
                     <a:ext uri="{9D8B030D-6E8A-4147-A177-3AD203B41FA5}">
-                      <a16:colId xmlns="" xmlns:a16="http://schemas.microsoft.com/office/drawing/2014/main" val="20006"/>
+                      <a16:colId xmlns:a16="http://schemas.microsoft.com/office/drawing/2014/main" val="20006"/>
                     </a:ext>
                   </a:extLst>
                 </a:gridCol>
                 <a:gridCol w="341411">
                   <a:extLst>
                     <a:ext uri="{9D8B030D-6E8A-4147-A177-3AD203B41FA5}">
-                      <a16:colId xmlns="" xmlns:a16="http://schemas.microsoft.com/office/drawing/2014/main" val="20007"/>
+                      <a16:colId xmlns:a16="http://schemas.microsoft.com/office/drawing/2014/main" val="20007"/>
                     </a:ext>
                   </a:extLst>
                 </a:gridCol>
                 <a:gridCol w="341411">
                   <a:extLst>
                     <a:ext uri="{9D8B030D-6E8A-4147-A177-3AD203B41FA5}">
-                      <a16:colId xmlns="" xmlns:a16="http://schemas.microsoft.com/office/drawing/2014/main" val="20008"/>
+                      <a16:colId xmlns:a16="http://schemas.microsoft.com/office/drawing/2014/main" val="20008"/>
                     </a:ext>
                   </a:extLst>
                 </a:gridCol>
                 <a:gridCol w="341411">
                   <a:extLst>
                     <a:ext uri="{9D8B030D-6E8A-4147-A177-3AD203B41FA5}">
-                      <a16:colId xmlns="" xmlns:a16="http://schemas.microsoft.com/office/drawing/2014/main" val="20009"/>
+                      <a16:colId xmlns:a16="http://schemas.microsoft.com/office/drawing/2014/main" val="20009"/>
                     </a:ext>
                   </a:extLst>
                 </a:gridCol>
                 <a:gridCol w="341411">
                   <a:extLst>
                     <a:ext uri="{9D8B030D-6E8A-4147-A177-3AD203B41FA5}">
-                      <a16:colId xmlns="" xmlns:a16="http://schemas.microsoft.com/office/drawing/2014/main" val="20010"/>
+                      <a16:colId xmlns:a16="http://schemas.microsoft.com/office/drawing/2014/main" val="20010"/>
                     </a:ext>
                   </a:extLst>
                 </a:gridCol>
                 <a:gridCol w="341411">
                   <a:extLst>
                     <a:ext uri="{9D8B030D-6E8A-4147-A177-3AD203B41FA5}">
-                      <a16:colId xmlns="" xmlns:a16="http://schemas.microsoft.com/office/drawing/2014/main" val="20011"/>
+                      <a16:colId xmlns:a16="http://schemas.microsoft.com/office/drawing/2014/main" val="20011"/>
                     </a:ext>
                   </a:extLst>
                 </a:gridCol>
                 <a:gridCol w="341411">
                   <a:extLst>
                     <a:ext uri="{9D8B030D-6E8A-4147-A177-3AD203B41FA5}">
-                      <a16:colId xmlns="" xmlns:a16="http://schemas.microsoft.com/office/drawing/2014/main" val="20012"/>
+                      <a16:colId xmlns:a16="http://schemas.microsoft.com/office/drawing/2014/main" val="20012"/>
                     </a:ext>
                   </a:extLst>
                 </a:gridCol>
                 <a:gridCol w="341411">
                   <a:extLst>
                     <a:ext uri="{9D8B030D-6E8A-4147-A177-3AD203B41FA5}">
-                      <a16:colId xmlns="" xmlns:a16="http://schemas.microsoft.com/office/drawing/2014/main" val="20013"/>
+                      <a16:colId xmlns:a16="http://schemas.microsoft.com/office/drawing/2014/main" val="20013"/>
                     </a:ext>
                   </a:extLst>
                 </a:gridCol>
                 <a:gridCol w="341411">
                   <a:extLst>
                     <a:ext uri="{9D8B030D-6E8A-4147-A177-3AD203B41FA5}">
-                      <a16:colId xmlns="" xmlns:a16="http://schemas.microsoft.com/office/drawing/2014/main" val="20014"/>
+                      <a16:colId xmlns:a16="http://schemas.microsoft.com/office/drawing/2014/main" val="20014"/>
                     </a:ext>
                   </a:extLst>
                 </a:gridCol>
                 <a:gridCol w="341411">
                   <a:extLst>
                     <a:ext uri="{9D8B030D-6E8A-4147-A177-3AD203B41FA5}">
-                      <a16:colId xmlns="" xmlns:a16="http://schemas.microsoft.com/office/drawing/2014/main" val="20015"/>
+                      <a16:colId xmlns:a16="http://schemas.microsoft.com/office/drawing/2014/main" val="20015"/>
                     </a:ext>
                   </a:extLst>
                 </a:gridCol>
@@ -17464,7 +17187,7 @@
                 </a:tc>
                 <a:extLst>
                   <a:ext uri="{0D108BD9-81ED-4DB2-BD59-A6C34878D82A}">
-                    <a16:rowId xmlns="" xmlns:a16="http://schemas.microsoft.com/office/drawing/2014/main" val="10000"/>
+                    <a16:rowId xmlns:a16="http://schemas.microsoft.com/office/drawing/2014/main" val="10000"/>
                   </a:ext>
                 </a:extLst>
               </a:tr>
@@ -17497,14 +17220,10 @@
             <a:pPr algn="ctr"/>
             <a:r>
               <a:rPr lang="en-US" altLang="zh-CN" sz="1600" dirty="0"/>
-              <a:t>16 </a:t>
-            </a:r>
-            <a:r>
-              <a:rPr lang="en-US" altLang="zh-CN" sz="1600" dirty="0" smtClean="0"/>
-              <a:t>bits</a:t>
-            </a:r>
-            <a:r>
-              <a:rPr lang="zh-CN" altLang="en-US" sz="1600" dirty="0" smtClean="0"/>
+              <a:t>16 bits</a:t>
+            </a:r>
+            <a:r>
+              <a:rPr lang="zh-CN" altLang="en-US" sz="1600" dirty="0"/>
               <a:t>索引</a:t>
             </a:r>
             <a:endParaRPr lang="en-US" altLang="zh-CN" sz="1600" dirty="0"/>
@@ -17524,13 +17243,6 @@
   <p:transition spd="med">
     <p:pull/>
   </p:transition>
-  <p:timing>
-    <p:tnLst>
-      <p:par>
-        <p:cTn id="1" dur="indefinite" restart="never" nodeType="tmRoot"/>
-      </p:par>
-    </p:tnLst>
-  </p:timing>
 </p:sld>
 </file>
 
@@ -17580,12 +17292,8 @@
               <a:t>——</a:t>
             </a:r>
             <a:r>
-              <a:rPr lang="zh-CN" altLang="en-US" sz="3600" dirty="0" smtClean="0"/>
-              <a:t>流水线</a:t>
-            </a:r>
-            <a:r>
               <a:rPr lang="zh-CN" altLang="en-US" sz="3600" dirty="0"/>
-              <a:t>结构</a:t>
+              <a:t>流水线结构</a:t>
             </a:r>
           </a:p>
         </p:txBody>
@@ -18494,18 +18202,13 @@
           <a:p>
             <a:pPr algn="ctr"/>
             <a:r>
-              <a:rPr lang="en-US" altLang="zh-CN" sz="1200" dirty="0" smtClean="0">
+              <a:rPr lang="en-US" altLang="zh-CN" sz="1200" dirty="0">
                 <a:solidFill>
                   <a:srgbClr val="000000"/>
                 </a:solidFill>
               </a:rPr>
               <a:t>11/17</a:t>
             </a:r>
-            <a:endParaRPr lang="en-US" altLang="zh-CN" sz="1200" dirty="0">
-              <a:solidFill>
-                <a:srgbClr val="000000"/>
-              </a:solidFill>
-            </a:endParaRPr>
           </a:p>
         </p:txBody>
       </p:sp>
@@ -20375,7 +20078,7 @@
           <p:cNvPr id="142" name="图片 141" descr="D:\毕设\大四下\lunwen\图片\流水线.png">
             <a:extLst>
               <a:ext uri="{FF2B5EF4-FFF2-40B4-BE49-F238E27FC236}">
-                <a16:creationId xmlns="" xmlns:a16="http://schemas.microsoft.com/office/drawing/2014/main" id="{88C1B2C6-F47C-4F39-858E-CE78EBF99194}"/>
+                <a16:creationId xmlns:a16="http://schemas.microsoft.com/office/drawing/2014/main" id="{88C1B2C6-F47C-4F39-858E-CE78EBF99194}"/>
               </a:ext>
             </a:extLst>
           </p:cNvPr>
@@ -20422,13 +20125,6 @@
   <p:transition spd="med">
     <p:pull/>
   </p:transition>
-  <p:timing>
-    <p:tnLst>
-      <p:par>
-        <p:cTn id="1" dur="indefinite" restart="never" nodeType="tmRoot"/>
-      </p:par>
-    </p:tnLst>
-  </p:timing>
 </p:sld>
 </file>
 
@@ -21632,14 +21328,7 @@
                     <a:latin typeface="微软雅黑" panose="020B0503020204020204" pitchFamily="34" charset="-122"/>
                     <a:ea typeface="微软雅黑" panose="020B0503020204020204" pitchFamily="34" charset="-122"/>
                   </a:rPr>
-                  <a:t>杂散性能：均达到理论</a:t>
-                </a:r>
-                <a:r>
-                  <a:rPr lang="zh-CN" altLang="en-US" sz="1400" dirty="0" smtClean="0">
-                    <a:latin typeface="微软雅黑" panose="020B0503020204020204" pitchFamily="34" charset="-122"/>
-                    <a:ea typeface="微软雅黑" panose="020B0503020204020204" pitchFamily="34" charset="-122"/>
-                  </a:rPr>
-                  <a:t>值</a:t>
+                  <a:t>杂散性能：均达到理论值</a:t>
                 </a:r>
                 <a:endParaRPr lang="en-US" altLang="zh-CN" sz="1400" dirty="0">
                   <a:latin typeface="微软雅黑" panose="020B0503020204020204" pitchFamily="34" charset="-122"/>
@@ -21734,14 +21423,7 @@
                   <a:latin typeface="微软雅黑" panose="020B0503020204020204" pitchFamily="34" charset="-122"/>
                   <a:ea typeface="微软雅黑" panose="020B0503020204020204" pitchFamily="34" charset="-122"/>
                 </a:rPr>
-                <a:t>Fig9 </a:t>
-              </a:r>
-              <a:r>
-                <a:rPr lang="en-US" altLang="zh-CN" sz="1000" kern="0" dirty="0" smtClean="0">
-                  <a:latin typeface="微软雅黑" panose="020B0503020204020204" pitchFamily="34" charset="-122"/>
-                  <a:ea typeface="微软雅黑" panose="020B0503020204020204" pitchFamily="34" charset="-122"/>
-                </a:rPr>
-                <a:t>FFT </a:t>
+                <a:t>Fig9 FFT </a:t>
               </a:r>
               <a:r>
                 <a:rPr lang="zh-CN" altLang="en-US" sz="1000" kern="0" dirty="0">
@@ -21819,18 +21501,13 @@
           <a:p>
             <a:pPr algn="ctr"/>
             <a:r>
-              <a:rPr lang="en-US" altLang="zh-CN" sz="1200" dirty="0" smtClean="0">
+              <a:rPr lang="en-US" altLang="zh-CN" sz="1200" dirty="0">
                 <a:solidFill>
                   <a:srgbClr val="000000"/>
                 </a:solidFill>
               </a:rPr>
               <a:t>12/17</a:t>
             </a:r>
-            <a:endParaRPr lang="en-US" altLang="zh-CN" sz="1200" dirty="0">
-              <a:solidFill>
-                <a:srgbClr val="000000"/>
-              </a:solidFill>
-            </a:endParaRPr>
           </a:p>
         </p:txBody>
       </p:sp>
@@ -21856,13 +21533,6 @@
       </p:transition>
     </mc:Fallback>
   </mc:AlternateContent>
-  <p:timing>
-    <p:tnLst>
-      <p:par>
-        <p:cTn id="1" dur="indefinite" restart="never" nodeType="tmRoot"/>
-      </p:par>
-    </p:tnLst>
-  </p:timing>
 </p:sld>
 </file>
 
@@ -22082,18 +21752,13 @@
           <a:p>
             <a:pPr algn="ctr"/>
             <a:r>
-              <a:rPr lang="en-US" altLang="zh-CN" sz="1200" dirty="0" smtClean="0">
+              <a:rPr lang="en-US" altLang="zh-CN" sz="1200" dirty="0">
                 <a:solidFill>
                   <a:srgbClr val="000000"/>
                 </a:solidFill>
               </a:rPr>
               <a:t>13/17</a:t>
             </a:r>
-            <a:endParaRPr lang="en-US" altLang="zh-CN" sz="1200" dirty="0">
-              <a:solidFill>
-                <a:srgbClr val="000000"/>
-              </a:solidFill>
-            </a:endParaRPr>
           </a:p>
         </p:txBody>
       </p:sp>
@@ -22121,18 +21786,11 @@
           <a:p>
             <a:pPr algn="ctr"/>
             <a:r>
-              <a:rPr lang="zh-CN" altLang="en-US" sz="1200" kern="0" dirty="0" smtClean="0">
-                <a:latin typeface="微软雅黑" panose="020B0503020204020204" pitchFamily="34" charset="-122"/>
-                <a:ea typeface="微软雅黑" panose="020B0503020204020204" pitchFamily="34" charset="-122"/>
-              </a:rPr>
-              <a:t>综合</a:t>
-            </a:r>
-            <a:r>
               <a:rPr lang="zh-CN" altLang="en-US" sz="1200" kern="0" dirty="0">
                 <a:latin typeface="微软雅黑" panose="020B0503020204020204" pitchFamily="34" charset="-122"/>
                 <a:ea typeface="微软雅黑" panose="020B0503020204020204" pitchFamily="34" charset="-122"/>
               </a:rPr>
-              <a:t>结果时序约束</a:t>
+              <a:t>综合结果时序约束</a:t>
             </a:r>
             <a:r>
               <a:rPr lang="en-US" altLang="zh-CN" sz="1200" kern="0" dirty="0">
@@ -22153,7 +21811,7 @@
           <p:cNvPr id="15" name="图片 14" descr="C:\Users\win7\AppData\Local\Temp\1495293424(1).png">
             <a:extLst>
               <a:ext uri="{FF2B5EF4-FFF2-40B4-BE49-F238E27FC236}">
-                <a16:creationId xmlns="" xmlns:a16="http://schemas.microsoft.com/office/drawing/2014/main" id="{2D2BA207-2233-4ACA-82FE-835DED8C6361}"/>
+                <a16:creationId xmlns:a16="http://schemas.microsoft.com/office/drawing/2014/main" id="{2D2BA207-2233-4ACA-82FE-835DED8C6361}"/>
               </a:ext>
             </a:extLst>
           </p:cNvPr>
@@ -22192,7 +21850,7 @@
           <p:cNvPr id="29" name="文本框 28">
             <a:extLst>
               <a:ext uri="{FF2B5EF4-FFF2-40B4-BE49-F238E27FC236}">
-                <a16:creationId xmlns="" xmlns:a16="http://schemas.microsoft.com/office/drawing/2014/main" id="{21A92C2A-9F8A-44C9-8AF2-6E0A6BBDE87A}"/>
+                <a16:creationId xmlns:a16="http://schemas.microsoft.com/office/drawing/2014/main" id="{21A92C2A-9F8A-44C9-8AF2-6E0A6BBDE87A}"/>
               </a:ext>
             </a:extLst>
           </p:cNvPr>
@@ -22353,7 +22011,7 @@
           <p:cNvPr id="31" name="文本框 30">
             <a:extLst>
               <a:ext uri="{FF2B5EF4-FFF2-40B4-BE49-F238E27FC236}">
-                <a16:creationId xmlns="" xmlns:a16="http://schemas.microsoft.com/office/drawing/2014/main" id="{DD62E0AC-DF65-42C7-AC0B-2992FA46EE8A}"/>
+                <a16:creationId xmlns:a16="http://schemas.microsoft.com/office/drawing/2014/main" id="{DD62E0AC-DF65-42C7-AC0B-2992FA46EE8A}"/>
               </a:ext>
             </a:extLst>
           </p:cNvPr>
@@ -22378,18 +22036,11 @@
           <a:p>
             <a:pPr algn="ctr"/>
             <a:r>
-              <a:rPr lang="zh-CN" altLang="en-US" sz="1200" kern="0" dirty="0" smtClean="0">
-                <a:latin typeface="微软雅黑" panose="020B0503020204020204" pitchFamily="34" charset="-122"/>
-                <a:ea typeface="微软雅黑" panose="020B0503020204020204" pitchFamily="34" charset="-122"/>
-              </a:rPr>
-              <a:t>数字</a:t>
-            </a:r>
-            <a:r>
               <a:rPr lang="zh-CN" altLang="en-US" sz="1200" kern="0" dirty="0">
                 <a:latin typeface="微软雅黑" panose="020B0503020204020204" pitchFamily="34" charset="-122"/>
                 <a:ea typeface="微软雅黑" panose="020B0503020204020204" pitchFamily="34" charset="-122"/>
               </a:rPr>
-              <a:t>后端版图</a:t>
+              <a:t>数字后端版图</a:t>
             </a:r>
           </a:p>
         </p:txBody>
@@ -22399,7 +22050,7 @@
           <p:cNvPr id="32" name="图片 31">
             <a:extLst>
               <a:ext uri="{FF2B5EF4-FFF2-40B4-BE49-F238E27FC236}">
-                <a16:creationId xmlns="" xmlns:a16="http://schemas.microsoft.com/office/drawing/2014/main" id="{F9456A7B-D389-4434-B493-B98BC9629D0B}"/>
+                <a16:creationId xmlns:a16="http://schemas.microsoft.com/office/drawing/2014/main" id="{F9456A7B-D389-4434-B493-B98BC9629D0B}"/>
               </a:ext>
             </a:extLst>
           </p:cNvPr>
@@ -22442,13 +22093,6 @@
   <p:transition spd="med">
     <p:pull/>
   </p:transition>
-  <p:timing>
-    <p:tnLst>
-      <p:par>
-        <p:cTn id="1" dur="indefinite" restart="never" nodeType="tmRoot"/>
-      </p:par>
-    </p:tnLst>
-  </p:timing>
 </p:sld>
 </file>
 
@@ -22474,7 +22118,7 @@
           <p:cNvPr id="2" name="标题 1">
             <a:extLst>
               <a:ext uri="{FF2B5EF4-FFF2-40B4-BE49-F238E27FC236}">
-                <a16:creationId xmlns="" xmlns:a16="http://schemas.microsoft.com/office/drawing/2014/main" id="{79C72F44-5573-4C5C-9BDE-903DE9D4CED2}"/>
+                <a16:creationId xmlns:a16="http://schemas.microsoft.com/office/drawing/2014/main" id="{79C72F44-5573-4C5C-9BDE-903DE9D4CED2}"/>
               </a:ext>
             </a:extLst>
           </p:cNvPr>
@@ -22517,7 +22161,7 @@
           <p:cNvPr id="5" name="文本框 4">
             <a:extLst>
               <a:ext uri="{FF2B5EF4-FFF2-40B4-BE49-F238E27FC236}">
-                <a16:creationId xmlns="" xmlns:a16="http://schemas.microsoft.com/office/drawing/2014/main" id="{4006F415-CC0A-4D2C-B1BF-6E04DAA3F10F}"/>
+                <a16:creationId xmlns:a16="http://schemas.microsoft.com/office/drawing/2014/main" id="{4006F415-CC0A-4D2C-B1BF-6E04DAA3F10F}"/>
               </a:ext>
             </a:extLst>
           </p:cNvPr>
@@ -22558,17 +22202,9 @@
                 <a:ea typeface="微软雅黑" panose="020B0503020204020204" pitchFamily="34" charset="-122"/>
                 <a:cs typeface="Arial Unicode MS" pitchFamily="34" charset="-122"/>
               </a:rPr>
-              <a:t>毕业设计最终</a:t>
-            </a:r>
-            <a:r>
-              <a:rPr lang="zh-CN" altLang="en-US" sz="2200" dirty="0" smtClean="0">
-                <a:latin typeface="微软雅黑" panose="020B0503020204020204" pitchFamily="34" charset="-122"/>
-                <a:ea typeface="微软雅黑" panose="020B0503020204020204" pitchFamily="34" charset="-122"/>
-                <a:cs typeface="Arial Unicode MS" pitchFamily="34" charset="-122"/>
-              </a:rPr>
-              <a:t>结果</a:t>
-            </a:r>
-            <a:endParaRPr lang="en-US" altLang="zh-CN" sz="2200" dirty="0" smtClean="0">
+              <a:t>毕业设计最终结果</a:t>
+            </a:r>
+            <a:endParaRPr lang="en-US" altLang="zh-CN" sz="2200" dirty="0">
               <a:latin typeface="微软雅黑" panose="020B0503020204020204" pitchFamily="34" charset="-122"/>
               <a:ea typeface="微软雅黑" panose="020B0503020204020204" pitchFamily="34" charset="-122"/>
               <a:cs typeface="Arial Unicode MS" pitchFamily="34" charset="-122"/>
@@ -22883,14 +22519,14 @@
               <a:t>25%</a:t>
             </a:r>
             <a:r>
-              <a:rPr lang="zh-CN" altLang="en-US" sz="1500" dirty="0" smtClean="0">
+              <a:rPr lang="zh-CN" altLang="en-US" sz="1500" dirty="0">
                 <a:latin typeface="微软雅黑" panose="020B0503020204020204" pitchFamily="34" charset="-122"/>
                 <a:ea typeface="微软雅黑" panose="020B0503020204020204" pitchFamily="34" charset="-122"/>
                 <a:cs typeface="Arial Unicode MS" pitchFamily="34" charset="-122"/>
               </a:rPr>
               <a:t>以下</a:t>
             </a:r>
-            <a:endParaRPr lang="en-US" altLang="zh-CN" sz="2200" dirty="0" smtClean="0">
+            <a:endParaRPr lang="en-US" altLang="zh-CN" sz="2200" dirty="0">
               <a:latin typeface="微软雅黑" panose="020B0503020204020204" pitchFamily="34" charset="-122"/>
               <a:ea typeface="微软雅黑" panose="020B0503020204020204" pitchFamily="34" charset="-122"/>
               <a:cs typeface="Arial Unicode MS" pitchFamily="34" charset="-122"/>
@@ -22910,14 +22546,14 @@
               <a:buChar char="–"/>
             </a:pPr>
             <a:r>
-              <a:rPr lang="zh-CN" altLang="en-US" sz="2200" dirty="0" smtClean="0">
+              <a:rPr lang="zh-CN" altLang="en-US" sz="2200" dirty="0">
                 <a:latin typeface="微软雅黑" panose="020B0503020204020204" pitchFamily="34" charset="-122"/>
                 <a:ea typeface="微软雅黑" panose="020B0503020204020204" pitchFamily="34" charset="-122"/>
                 <a:cs typeface="Arial Unicode MS" pitchFamily="34" charset="-122"/>
               </a:rPr>
               <a:t>工作总结</a:t>
             </a:r>
-            <a:endParaRPr lang="en-US" altLang="zh-CN" sz="2200" dirty="0" smtClean="0">
+            <a:endParaRPr lang="en-US" altLang="zh-CN" sz="2200" dirty="0">
               <a:latin typeface="微软雅黑" panose="020B0503020204020204" pitchFamily="34" charset="-122"/>
               <a:ea typeface="微软雅黑" panose="020B0503020204020204" pitchFamily="34" charset="-122"/>
               <a:cs typeface="Arial Unicode MS" pitchFamily="34" charset="-122"/>
@@ -22937,28 +22573,20 @@
               <a:buChar char="–"/>
             </a:pPr>
             <a:r>
-              <a:rPr lang="zh-CN" altLang="en-US" sz="1500" dirty="0" smtClean="0">
-                <a:latin typeface="微软雅黑" panose="020B0503020204020204" pitchFamily="34" charset="-122"/>
-                <a:ea typeface="微软雅黑" panose="020B0503020204020204" pitchFamily="34" charset="-122"/>
-                <a:cs typeface="Arial Unicode MS" pitchFamily="34" charset="-122"/>
-              </a:rPr>
-              <a:t>使用</a:t>
-            </a:r>
-            <a:r>
               <a:rPr lang="zh-CN" altLang="en-US" sz="1500" dirty="0">
                 <a:latin typeface="微软雅黑" panose="020B0503020204020204" pitchFamily="34" charset="-122"/>
                 <a:ea typeface="微软雅黑" panose="020B0503020204020204" pitchFamily="34" charset="-122"/>
                 <a:cs typeface="Arial Unicode MS" pitchFamily="34" charset="-122"/>
               </a:rPr>
-              <a:t>级联的旋转</a:t>
-            </a:r>
-            <a:r>
-              <a:rPr lang="zh-CN" altLang="en-US" sz="1500" dirty="0" smtClean="0">
+              <a:t>使用级联的旋转单元进行流水线加速，替换参考文献</a:t>
+            </a:r>
+            <a:r>
+              <a:rPr lang="en-US" altLang="zh-CN" sz="1500" baseline="30000" dirty="0">
                 <a:latin typeface="微软雅黑" panose="020B0503020204020204" pitchFamily="34" charset="-122"/>
                 <a:ea typeface="微软雅黑" panose="020B0503020204020204" pitchFamily="34" charset="-122"/>
                 <a:cs typeface="Arial Unicode MS" pitchFamily="34" charset="-122"/>
               </a:rPr>
-              <a:t>单元进行流水线加速，替换</a:t>
+              <a:t>[5]</a:t>
             </a:r>
             <a:r>
               <a:rPr lang="zh-CN" altLang="en-US" sz="1500" dirty="0">
@@ -22966,25 +22594,9 @@
                 <a:ea typeface="微软雅黑" panose="020B0503020204020204" pitchFamily="34" charset="-122"/>
                 <a:cs typeface="Arial Unicode MS" pitchFamily="34" charset="-122"/>
               </a:rPr>
-              <a:t>参考文献</a:t>
-            </a:r>
-            <a:r>
-              <a:rPr lang="en-US" altLang="zh-CN" sz="1500" baseline="30000" dirty="0" smtClean="0">
-                <a:latin typeface="微软雅黑" panose="020B0503020204020204" pitchFamily="34" charset="-122"/>
-                <a:ea typeface="微软雅黑" panose="020B0503020204020204" pitchFamily="34" charset="-122"/>
-                <a:cs typeface="Arial Unicode MS" pitchFamily="34" charset="-122"/>
-              </a:rPr>
-              <a:t>[5]</a:t>
-            </a:r>
-            <a:r>
-              <a:rPr lang="zh-CN" altLang="en-US" sz="1500" dirty="0" smtClean="0">
-                <a:latin typeface="微软雅黑" panose="020B0503020204020204" pitchFamily="34" charset="-122"/>
-                <a:ea typeface="微软雅黑" panose="020B0503020204020204" pitchFamily="34" charset="-122"/>
-                <a:cs typeface="Arial Unicode MS" pitchFamily="34" charset="-122"/>
-              </a:rPr>
               <a:t>中乘法器</a:t>
             </a:r>
-            <a:endParaRPr lang="en-US" altLang="zh-CN" sz="1500" dirty="0" smtClean="0">
+            <a:endParaRPr lang="en-US" altLang="zh-CN" sz="1500" dirty="0">
               <a:latin typeface="微软雅黑" panose="020B0503020204020204" pitchFamily="34" charset="-122"/>
               <a:ea typeface="微软雅黑" panose="020B0503020204020204" pitchFamily="34" charset="-122"/>
               <a:cs typeface="Arial Unicode MS" pitchFamily="34" charset="-122"/>
@@ -23009,17 +22621,9 @@
                 <a:ea typeface="微软雅黑" panose="020B0503020204020204" pitchFamily="34" charset="-122"/>
                 <a:cs typeface="Arial Unicode MS" pitchFamily="34" charset="-122"/>
               </a:rPr>
-              <a:t>分析</a:t>
-            </a:r>
-            <a:r>
-              <a:rPr lang="zh-CN" altLang="en-US" sz="1500" dirty="0" smtClean="0">
-                <a:latin typeface="微软雅黑" panose="020B0503020204020204" pitchFamily="34" charset="-122"/>
-                <a:ea typeface="微软雅黑" panose="020B0503020204020204" pitchFamily="34" charset="-122"/>
-                <a:cs typeface="Arial Unicode MS" pitchFamily="34" charset="-122"/>
-              </a:rPr>
-              <a:t>相位截断和近似失真两类噪声，给出了约束条件和索引分配方案</a:t>
-            </a:r>
-            <a:endParaRPr lang="en-US" altLang="zh-CN" sz="1500" dirty="0" smtClean="0">
+              <a:t>分析相位截断和近似失真两类噪声，给出了约束条件和索引分配方案</a:t>
+            </a:r>
+            <a:endParaRPr lang="en-US" altLang="zh-CN" sz="1500" dirty="0">
               <a:latin typeface="微软雅黑" panose="020B0503020204020204" pitchFamily="34" charset="-122"/>
               <a:ea typeface="微软雅黑" panose="020B0503020204020204" pitchFamily="34" charset="-122"/>
               <a:cs typeface="Arial Unicode MS" pitchFamily="34" charset="-122"/>
@@ -23044,37 +22648,8 @@
                 <a:ea typeface="微软雅黑" panose="020B0503020204020204" pitchFamily="34" charset="-122"/>
                 <a:cs typeface="Arial Unicode MS" pitchFamily="34" charset="-122"/>
               </a:rPr>
-              <a:t>规范</a:t>
-            </a:r>
-            <a:r>
-              <a:rPr lang="zh-CN" altLang="en-US" sz="1500" dirty="0" smtClean="0">
-                <a:latin typeface="微软雅黑" panose="020B0503020204020204" pitchFamily="34" charset="-122"/>
-                <a:ea typeface="微软雅黑" panose="020B0503020204020204" pitchFamily="34" charset="-122"/>
-                <a:cs typeface="Arial Unicode MS" pitchFamily="34" charset="-122"/>
-              </a:rPr>
-              <a:t>电路布局、优化关键路径，最终在</a:t>
-            </a:r>
-            <a:r>
-              <a:rPr lang="zh-CN" altLang="en-US" sz="1500" dirty="0">
-                <a:latin typeface="微软雅黑" panose="020B0503020204020204" pitchFamily="34" charset="-122"/>
-                <a:ea typeface="微软雅黑" panose="020B0503020204020204" pitchFamily="34" charset="-122"/>
-                <a:cs typeface="Arial Unicode MS" pitchFamily="34" charset="-122"/>
-              </a:rPr>
-              <a:t>速度</a:t>
-            </a:r>
-            <a:r>
-              <a:rPr lang="zh-CN" altLang="en-US" sz="1500" dirty="0" smtClean="0">
-                <a:latin typeface="微软雅黑" panose="020B0503020204020204" pitchFamily="34" charset="-122"/>
-                <a:ea typeface="微软雅黑" panose="020B0503020204020204" pitchFamily="34" charset="-122"/>
-                <a:cs typeface="Arial Unicode MS" pitchFamily="34" charset="-122"/>
-              </a:rPr>
-              <a:t>和功耗上取得突破</a:t>
-            </a:r>
-            <a:endParaRPr lang="zh-CN" altLang="en-US" sz="1500" dirty="0">
-              <a:latin typeface="微软雅黑" panose="020B0503020204020204" pitchFamily="34" charset="-122"/>
-              <a:ea typeface="微软雅黑" panose="020B0503020204020204" pitchFamily="34" charset="-122"/>
-              <a:cs typeface="Arial Unicode MS" pitchFamily="34" charset="-122"/>
-            </a:endParaRPr>
+              <a:t>规范电路布局、优化关键路径，最终在速度和功耗上取得突破</a:t>
+            </a:r>
           </a:p>
         </p:txBody>
       </p:sp>
@@ -23083,7 +22658,7 @@
           <p:cNvPr id="7" name="页脚占位符 4">
             <a:extLst>
               <a:ext uri="{FF2B5EF4-FFF2-40B4-BE49-F238E27FC236}">
-                <a16:creationId xmlns="" xmlns:a16="http://schemas.microsoft.com/office/drawing/2014/main" id="{698B0707-EE31-4310-A762-FD65345E21BF}"/>
+                <a16:creationId xmlns:a16="http://schemas.microsoft.com/office/drawing/2014/main" id="{698B0707-EE31-4310-A762-FD65345E21BF}"/>
               </a:ext>
             </a:extLst>
           </p:cNvPr>
@@ -23109,18 +22684,13 @@
           <a:p>
             <a:pPr algn="ctr"/>
             <a:r>
-              <a:rPr lang="en-US" altLang="zh-CN" sz="1200" dirty="0" smtClean="0">
+              <a:rPr lang="en-US" altLang="zh-CN" sz="1200" dirty="0">
                 <a:solidFill>
                   <a:srgbClr val="000000"/>
                 </a:solidFill>
               </a:rPr>
               <a:t>14/17</a:t>
             </a:r>
-            <a:endParaRPr lang="en-US" altLang="zh-CN" sz="1200" dirty="0">
-              <a:solidFill>
-                <a:srgbClr val="000000"/>
-              </a:solidFill>
-            </a:endParaRPr>
           </a:p>
         </p:txBody>
       </p:sp>
@@ -23129,7 +22699,7 @@
           <p:cNvPr id="12" name="表格 11">
             <a:extLst>
               <a:ext uri="{FF2B5EF4-FFF2-40B4-BE49-F238E27FC236}">
-                <a16:creationId xmlns="" xmlns:a16="http://schemas.microsoft.com/office/drawing/2014/main" id="{B8C7FB25-E5EF-45FD-A921-2588A4047AB4}"/>
+                <a16:creationId xmlns:a16="http://schemas.microsoft.com/office/drawing/2014/main" id="{B8C7FB25-E5EF-45FD-A921-2588A4047AB4}"/>
               </a:ext>
             </a:extLst>
           </p:cNvPr>
@@ -23158,49 +22728,49 @@
                 <a:gridCol w="1505175">
                   <a:extLst>
                     <a:ext uri="{9D8B030D-6E8A-4147-A177-3AD203B41FA5}">
-                      <a16:colId xmlns="" xmlns:a16="http://schemas.microsoft.com/office/drawing/2014/main" val="2858620335"/>
+                      <a16:colId xmlns:a16="http://schemas.microsoft.com/office/drawing/2014/main" val="2858620335"/>
                     </a:ext>
                   </a:extLst>
                 </a:gridCol>
                 <a:gridCol w="2002597">
                   <a:extLst>
                     <a:ext uri="{9D8B030D-6E8A-4147-A177-3AD203B41FA5}">
-                      <a16:colId xmlns="" xmlns:a16="http://schemas.microsoft.com/office/drawing/2014/main" val="356612817"/>
+                      <a16:colId xmlns:a16="http://schemas.microsoft.com/office/drawing/2014/main" val="356612817"/>
                     </a:ext>
                   </a:extLst>
                 </a:gridCol>
                 <a:gridCol w="895350">
                   <a:extLst>
                     <a:ext uri="{9D8B030D-6E8A-4147-A177-3AD203B41FA5}">
-                      <a16:colId xmlns="" xmlns:a16="http://schemas.microsoft.com/office/drawing/2014/main" val="3443046802"/>
+                      <a16:colId xmlns:a16="http://schemas.microsoft.com/office/drawing/2014/main" val="3443046802"/>
                     </a:ext>
                   </a:extLst>
                 </a:gridCol>
                 <a:gridCol w="723900">
                   <a:extLst>
                     <a:ext uri="{9D8B030D-6E8A-4147-A177-3AD203B41FA5}">
-                      <a16:colId xmlns="" xmlns:a16="http://schemas.microsoft.com/office/drawing/2014/main" val="3383779701"/>
+                      <a16:colId xmlns:a16="http://schemas.microsoft.com/office/drawing/2014/main" val="3383779701"/>
                     </a:ext>
                   </a:extLst>
                 </a:gridCol>
                 <a:gridCol w="942975">
                   <a:extLst>
                     <a:ext uri="{9D8B030D-6E8A-4147-A177-3AD203B41FA5}">
-                      <a16:colId xmlns="" xmlns:a16="http://schemas.microsoft.com/office/drawing/2014/main" val="763895054"/>
+                      <a16:colId xmlns:a16="http://schemas.microsoft.com/office/drawing/2014/main" val="763895054"/>
                     </a:ext>
                   </a:extLst>
                 </a:gridCol>
                 <a:gridCol w="727709">
                   <a:extLst>
                     <a:ext uri="{9D8B030D-6E8A-4147-A177-3AD203B41FA5}">
-                      <a16:colId xmlns="" xmlns:a16="http://schemas.microsoft.com/office/drawing/2014/main" val="3722313938"/>
+                      <a16:colId xmlns:a16="http://schemas.microsoft.com/office/drawing/2014/main" val="3722313938"/>
                     </a:ext>
                   </a:extLst>
                 </a:gridCol>
                 <a:gridCol w="1129666">
                   <a:extLst>
                     <a:ext uri="{9D8B030D-6E8A-4147-A177-3AD203B41FA5}">
-                      <a16:colId xmlns="" xmlns:a16="http://schemas.microsoft.com/office/drawing/2014/main" val="3933127361"/>
+                      <a16:colId xmlns:a16="http://schemas.microsoft.com/office/drawing/2014/main" val="3933127361"/>
                     </a:ext>
                   </a:extLst>
                 </a:gridCol>
@@ -23489,19 +23059,19 @@
                         </a:spcAft>
                       </a:pPr>
                       <a:r>
-                        <a:rPr lang="zh-CN" sz="1200" kern="100" dirty="0" smtClean="0">
+                        <a:rPr lang="zh-CN" sz="1200" kern="100" dirty="0">
                           <a:effectLst/>
                         </a:rPr>
                         <a:t>功耗</a:t>
                       </a:r>
                       <a:r>
-                        <a:rPr lang="en-US" altLang="zh-CN" sz="1200" kern="100" dirty="0" smtClean="0">
+                        <a:rPr lang="en-US" altLang="zh-CN" sz="1200" kern="100" dirty="0">
                           <a:effectLst/>
                         </a:rPr>
                         <a:t>/</a:t>
                       </a:r>
                       <a:r>
-                        <a:rPr lang="zh-CN" altLang="en-US" sz="1200" kern="100" dirty="0" smtClean="0">
+                        <a:rPr lang="zh-CN" altLang="en-US" sz="1200" kern="100" dirty="0">
                           <a:effectLst/>
                         </a:rPr>
                         <a:t>时钟频率</a:t>
@@ -23520,19 +23090,19 @@
                         </a:spcAft>
                       </a:pPr>
                       <a:r>
-                        <a:rPr lang="en-US" sz="1200" kern="100" dirty="0" smtClean="0">
+                        <a:rPr lang="en-US" sz="1200" kern="100" dirty="0">
                           <a:effectLst/>
                         </a:rPr>
                         <a:t>[</a:t>
                       </a:r>
                       <a:r>
-                        <a:rPr lang="en-US" sz="1200" kern="100" dirty="0" err="1" smtClean="0">
+                        <a:rPr lang="en-US" sz="1200" kern="100" dirty="0" err="1">
                           <a:effectLst/>
                         </a:rPr>
                         <a:t>mW</a:t>
                       </a:r>
                       <a:r>
-                        <a:rPr lang="en-US" sz="1200" kern="100" dirty="0" smtClean="0">
+                        <a:rPr lang="en-US" sz="1200" kern="100" dirty="0">
                           <a:effectLst/>
                         </a:rPr>
                         <a:t>/GHz]</a:t>
@@ -23549,7 +23119,7 @@
                 </a:tc>
                 <a:extLst>
                   <a:ext uri="{0D108BD9-81ED-4DB2-BD59-A6C34878D82A}">
-                    <a16:rowId xmlns="" xmlns:a16="http://schemas.microsoft.com/office/drawing/2014/main" val="205457031"/>
+                    <a16:rowId xmlns:a16="http://schemas.microsoft.com/office/drawing/2014/main" val="205457031"/>
                   </a:ext>
                 </a:extLst>
               </a:tr>
@@ -23571,16 +23141,10 @@
                         <a:rPr lang="en-US" sz="1200" kern="100" dirty="0">
                           <a:effectLst/>
                         </a:rPr>
-                        <a:t>2007 </a:t>
+                        <a:t>2007 JSSC</a:t>
                       </a:r>
                       <a:r>
-                        <a:rPr lang="en-US" sz="1200" kern="100" dirty="0" smtClean="0">
-                          <a:effectLst/>
-                        </a:rPr>
-                        <a:t>JSSC</a:t>
-                      </a:r>
-                      <a:r>
-                        <a:rPr lang="en-US" sz="1200" kern="100" baseline="30000" dirty="0" smtClean="0">
+                        <a:rPr lang="en-US" sz="1200" kern="100" baseline="30000" dirty="0">
                           <a:effectLst/>
                         </a:rPr>
                         <a:t>[6]</a:t>
@@ -23781,7 +23345,7 @@
                         </a:spcAft>
                       </a:pPr>
                       <a:r>
-                        <a:rPr lang="en-US" altLang="zh-CN" sz="1200" kern="100" dirty="0" smtClean="0">
+                        <a:rPr lang="en-US" altLang="zh-CN" sz="1200" kern="100" dirty="0">
                           <a:solidFill>
                             <a:schemeClr val="dk1"/>
                           </a:solidFill>
@@ -23807,7 +23371,7 @@
                 </a:tc>
                 <a:extLst>
                   <a:ext uri="{0D108BD9-81ED-4DB2-BD59-A6C34878D82A}">
-                    <a16:rowId xmlns="" xmlns:a16="http://schemas.microsoft.com/office/drawing/2014/main" val="129675508"/>
+                    <a16:rowId xmlns:a16="http://schemas.microsoft.com/office/drawing/2014/main" val="129675508"/>
                   </a:ext>
                 </a:extLst>
               </a:tr>
@@ -23829,16 +23393,10 @@
                         <a:rPr lang="en-US" sz="1200" kern="100" dirty="0">
                           <a:effectLst/>
                         </a:rPr>
-                        <a:t>2011 </a:t>
+                        <a:t>2011 JSSC</a:t>
                       </a:r>
                       <a:r>
-                        <a:rPr lang="en-US" sz="1200" kern="100" dirty="0" smtClean="0">
-                          <a:effectLst/>
-                        </a:rPr>
-                        <a:t>JSSC</a:t>
-                      </a:r>
-                      <a:r>
-                        <a:rPr lang="en-US" sz="1200" kern="100" baseline="30000" dirty="0" smtClean="0">
+                        <a:rPr lang="en-US" sz="1200" kern="100" baseline="30000" dirty="0">
                           <a:effectLst/>
                         </a:rPr>
                         <a:t>[3]</a:t>
@@ -24012,7 +23570,7 @@
                         </a:spcAft>
                       </a:pPr>
                       <a:r>
-                        <a:rPr lang="en-US" sz="1200" kern="100" dirty="0" smtClean="0">
+                        <a:rPr lang="en-US" sz="1200" kern="100" dirty="0">
                           <a:effectLst/>
                         </a:rPr>
                         <a:t>63.5</a:t>
@@ -24029,7 +23587,7 @@
                 </a:tc>
                 <a:extLst>
                   <a:ext uri="{0D108BD9-81ED-4DB2-BD59-A6C34878D82A}">
-                    <a16:rowId xmlns="" xmlns:a16="http://schemas.microsoft.com/office/drawing/2014/main" val="1933070713"/>
+                    <a16:rowId xmlns:a16="http://schemas.microsoft.com/office/drawing/2014/main" val="1933070713"/>
                   </a:ext>
                 </a:extLst>
               </a:tr>
@@ -24051,16 +23609,10 @@
                         <a:rPr lang="en-US" sz="1200" kern="100" dirty="0">
                           <a:effectLst/>
                         </a:rPr>
-                        <a:t>2014 </a:t>
+                        <a:t>2014 ISCAS</a:t>
                       </a:r>
                       <a:r>
-                        <a:rPr lang="en-US" sz="1200" kern="100" dirty="0" smtClean="0">
-                          <a:effectLst/>
-                        </a:rPr>
-                        <a:t>ISCAS</a:t>
-                      </a:r>
-                      <a:r>
-                        <a:rPr lang="en-US" sz="1200" kern="100" baseline="30000" dirty="0" smtClean="0">
+                        <a:rPr lang="en-US" sz="1200" kern="100" baseline="30000" dirty="0">
                           <a:effectLst/>
                         </a:rPr>
                         <a:t>[5]</a:t>
@@ -24089,7 +23641,7 @@
                         </a:spcAft>
                       </a:pPr>
                       <a:r>
-                        <a:rPr lang="en-US" sz="1200" kern="100" dirty="0" smtClean="0">
+                        <a:rPr lang="en-US" sz="1200" kern="100" dirty="0">
                           <a:effectLst/>
                         </a:rPr>
                         <a:t>ROM-Multiplier</a:t>
@@ -24118,7 +23670,7 @@
                         </a:spcAft>
                       </a:pPr>
                       <a:r>
-                        <a:rPr lang="en-US" sz="1200" kern="100" dirty="0" smtClean="0">
+                        <a:rPr lang="en-US" sz="1200" kern="100" dirty="0">
                           <a:effectLst/>
                         </a:rPr>
                         <a:t>FPGA</a:t>
@@ -24240,7 +23792,7 @@
                         </a:spcAft>
                       </a:pPr>
                       <a:r>
-                        <a:rPr lang="en-US" sz="1200" kern="100" dirty="0" smtClean="0">
+                        <a:rPr lang="en-US" sz="1200" kern="100" dirty="0">
                           <a:effectLst/>
                         </a:rPr>
                         <a:t>54.9</a:t>
@@ -24257,7 +23809,7 @@
                 </a:tc>
                 <a:extLst>
                   <a:ext uri="{0D108BD9-81ED-4DB2-BD59-A6C34878D82A}">
-                    <a16:rowId xmlns="" xmlns:a16="http://schemas.microsoft.com/office/drawing/2014/main" val="1368412510"/>
+                    <a16:rowId xmlns:a16="http://schemas.microsoft.com/office/drawing/2014/main" val="1368412510"/>
                   </a:ext>
                 </a:extLst>
               </a:tr>
@@ -24279,28 +23831,22 @@
                         <a:rPr lang="zh-CN" sz="1200" kern="100" dirty="0">
                           <a:effectLst/>
                         </a:rPr>
-                        <a:t>本</a:t>
+                        <a:t>本设计</a:t>
                       </a:r>
                       <a:r>
-                        <a:rPr lang="zh-CN" sz="1200" kern="100" dirty="0" smtClean="0">
-                          <a:effectLst/>
-                        </a:rPr>
-                        <a:t>设计</a:t>
-                      </a:r>
-                      <a:r>
-                        <a:rPr lang="en-US" altLang="zh-CN" sz="1200" kern="100" dirty="0" smtClean="0">
+                        <a:rPr lang="en-US" altLang="zh-CN" sz="1200" kern="100" dirty="0">
                           <a:effectLst/>
                         </a:rPr>
                         <a:t>(</a:t>
                       </a:r>
                       <a:r>
-                        <a:rPr lang="zh-CN" altLang="en-US" sz="1200" kern="100" dirty="0" smtClean="0">
+                        <a:rPr lang="zh-CN" altLang="en-US" sz="1200" kern="100" dirty="0">
                           <a:effectLst/>
                         </a:rPr>
                         <a:t>后仿</a:t>
                       </a:r>
                       <a:r>
-                        <a:rPr lang="en-US" altLang="zh-CN" sz="1200" kern="100" dirty="0" smtClean="0">
+                        <a:rPr lang="en-US" altLang="zh-CN" sz="1200" kern="100" dirty="0">
                           <a:effectLst/>
                         </a:rPr>
                         <a:t>)</a:t>
@@ -24480,7 +24026,7 @@
                         </a:spcAft>
                       </a:pPr>
                       <a:r>
-                        <a:rPr lang="en-US" sz="1200" b="1" kern="100" dirty="0" smtClean="0">
+                        <a:rPr lang="en-US" sz="1200" b="1" kern="100" dirty="0">
                           <a:solidFill>
                             <a:srgbClr val="FF0000"/>
                           </a:solidFill>
@@ -24503,7 +24049,7 @@
                 </a:tc>
                 <a:extLst>
                   <a:ext uri="{0D108BD9-81ED-4DB2-BD59-A6C34878D82A}">
-                    <a16:rowId xmlns="" xmlns:a16="http://schemas.microsoft.com/office/drawing/2014/main" val="3083826517"/>
+                    <a16:rowId xmlns:a16="http://schemas.microsoft.com/office/drawing/2014/main" val="3083826517"/>
                   </a:ext>
                 </a:extLst>
               </a:tr>
@@ -24521,13 +24067,6 @@
   <p:clrMapOvr>
     <a:masterClrMapping/>
   </p:clrMapOvr>
-  <p:timing>
-    <p:tnLst>
-      <p:par>
-        <p:cTn id="1" dur="indefinite" restart="never" nodeType="tmRoot"/>
-      </p:par>
-    </p:tnLst>
-  </p:timing>
 </p:sld>
 </file>
 
@@ -24553,7 +24092,7 @@
           <p:cNvPr id="2" name="标题 1">
             <a:extLst>
               <a:ext uri="{FF2B5EF4-FFF2-40B4-BE49-F238E27FC236}">
-                <a16:creationId xmlns="" xmlns:a16="http://schemas.microsoft.com/office/drawing/2014/main" id="{79C72F44-5573-4C5C-9BDE-903DE9D4CED2}"/>
+                <a16:creationId xmlns:a16="http://schemas.microsoft.com/office/drawing/2014/main" id="{79C72F44-5573-4C5C-9BDE-903DE9D4CED2}"/>
               </a:ext>
             </a:extLst>
           </p:cNvPr>
@@ -24571,14 +24110,11 @@
           <a:p>
             <a:pPr marL="342900" lvl="1"/>
             <a:r>
-              <a:rPr lang="zh-CN" altLang="en-US" sz="3600" dirty="0" smtClean="0">
+              <a:rPr lang="zh-CN" altLang="en-US" sz="3600" dirty="0">
                 <a:ea typeface="Arial Unicode MS" pitchFamily="34" charset="-122"/>
               </a:rPr>
               <a:t>参考文献</a:t>
             </a:r>
-            <a:endParaRPr lang="zh-CN" altLang="en-US" sz="3600" dirty="0">
-              <a:ea typeface="Arial Unicode MS" pitchFamily="34" charset="-122"/>
-            </a:endParaRPr>
           </a:p>
         </p:txBody>
       </p:sp>
@@ -24587,7 +24123,7 @@
           <p:cNvPr id="5" name="文本框 4">
             <a:extLst>
               <a:ext uri="{FF2B5EF4-FFF2-40B4-BE49-F238E27FC236}">
-                <a16:creationId xmlns="" xmlns:a16="http://schemas.microsoft.com/office/drawing/2014/main" id="{4006F415-CC0A-4D2C-B1BF-6E04DAA3F10F}"/>
+                <a16:creationId xmlns:a16="http://schemas.microsoft.com/office/drawing/2014/main" id="{4006F415-CC0A-4D2C-B1BF-6E04DAA3F10F}"/>
               </a:ext>
             </a:extLst>
           </p:cNvPr>
@@ -24622,49 +24158,49 @@
               </a:spcAft>
             </a:pPr>
             <a:r>
-              <a:rPr lang="en-US" altLang="zh-CN" sz="1300" dirty="0" smtClean="0">
+              <a:rPr lang="en-US" altLang="zh-CN" sz="1300" dirty="0">
                 <a:latin typeface="Times New Roman" panose="02020603050405020304" pitchFamily="18" charset="0"/>
                 <a:cs typeface="Times New Roman" panose="02020603050405020304" pitchFamily="18" charset="0"/>
               </a:rPr>
               <a:t>[1] Nicholas H T, </a:t>
             </a:r>
             <a:r>
-              <a:rPr lang="en-US" altLang="zh-CN" sz="1300" dirty="0" err="1" smtClean="0">
+              <a:rPr lang="en-US" altLang="zh-CN" sz="1300" dirty="0" err="1">
                 <a:latin typeface="Times New Roman" panose="02020603050405020304" pitchFamily="18" charset="0"/>
                 <a:cs typeface="Times New Roman" panose="02020603050405020304" pitchFamily="18" charset="0"/>
               </a:rPr>
               <a:t>Samueli</a:t>
             </a:r>
             <a:r>
-              <a:rPr lang="en-US" altLang="zh-CN" sz="1300" dirty="0" smtClean="0">
+              <a:rPr lang="en-US" altLang="zh-CN" sz="1300" dirty="0">
                 <a:latin typeface="Times New Roman" panose="02020603050405020304" pitchFamily="18" charset="0"/>
                 <a:cs typeface="Times New Roman" panose="02020603050405020304" pitchFamily="18" charset="0"/>
               </a:rPr>
               <a:t> H. A 150-MHz Direct Digital Frequency Synthesizer In 1.25/</a:t>
             </a:r>
             <a:r>
-              <a:rPr lang="en-US" altLang="zh-CN" sz="1300" dirty="0" err="1" smtClean="0">
+              <a:rPr lang="en-US" altLang="zh-CN" sz="1300" dirty="0" err="1">
                 <a:latin typeface="Times New Roman" panose="02020603050405020304" pitchFamily="18" charset="0"/>
                 <a:cs typeface="Times New Roman" panose="02020603050405020304" pitchFamily="18" charset="0"/>
               </a:rPr>
               <a:t>spl</a:t>
             </a:r>
             <a:r>
-              <a:rPr lang="en-US" altLang="zh-CN" sz="1300" dirty="0" smtClean="0">
+              <a:rPr lang="en-US" altLang="zh-CN" sz="1300" dirty="0">
                 <a:latin typeface="Times New Roman" panose="02020603050405020304" pitchFamily="18" charset="0"/>
                 <a:cs typeface="Times New Roman" panose="02020603050405020304" pitchFamily="18" charset="0"/>
               </a:rPr>
               <a:t> mu/m CMOS With -90dBc Spurious Performance[C]// Solid-State Circuits Conference, 1991. Digest of Technical Papers. </a:t>
             </a:r>
             <a:r>
-              <a:rPr lang="en-US" altLang="zh-CN" sz="1300" dirty="0" err="1" smtClean="0">
+              <a:rPr lang="en-US" altLang="zh-CN" sz="1300" dirty="0" err="1">
                 <a:latin typeface="Times New Roman" panose="02020603050405020304" pitchFamily="18" charset="0"/>
                 <a:cs typeface="Times New Roman" panose="02020603050405020304" pitchFamily="18" charset="0"/>
               </a:rPr>
               <a:t>Isscc</a:t>
             </a:r>
             <a:r>
-              <a:rPr lang="en-US" altLang="zh-CN" sz="1300" dirty="0" smtClean="0">
+              <a:rPr lang="en-US" altLang="zh-CN" sz="1300" dirty="0">
                 <a:latin typeface="Times New Roman" panose="02020603050405020304" pitchFamily="18" charset="0"/>
                 <a:cs typeface="Times New Roman" panose="02020603050405020304" pitchFamily="18" charset="0"/>
               </a:rPr>
@@ -24684,7 +24220,7 @@
               </a:spcAft>
             </a:pPr>
             <a:r>
-              <a:rPr lang="en-US" altLang="zh-CN" sz="1300" kern="0" dirty="0" smtClean="0">
+              <a:rPr lang="en-US" altLang="zh-CN" sz="1300" kern="0" dirty="0">
                 <a:latin typeface="Times New Roman" panose="02020603050405020304" pitchFamily="18" charset="0"/>
                 <a:ea typeface="微软雅黑" panose="020B0503020204020204" pitchFamily="34" charset="-122"/>
                 <a:cs typeface="Times New Roman" panose="02020603050405020304" pitchFamily="18" charset="0"/>
@@ -24692,42 +24228,42 @@
               <a:t>[2] </a:t>
             </a:r>
             <a:r>
-              <a:rPr lang="en-US" altLang="zh-CN" sz="1300" dirty="0" err="1" smtClean="0">
+              <a:rPr lang="en-US" altLang="zh-CN" sz="1300" dirty="0" err="1">
                 <a:latin typeface="Times New Roman" panose="02020603050405020304" pitchFamily="18" charset="0"/>
                 <a:cs typeface="Times New Roman" panose="02020603050405020304" pitchFamily="18" charset="0"/>
               </a:rPr>
               <a:t>Ashrafi</a:t>
             </a:r>
             <a:r>
-              <a:rPr lang="en-US" altLang="zh-CN" sz="1300" dirty="0" smtClean="0">
+              <a:rPr lang="en-US" altLang="zh-CN" sz="1300" dirty="0">
                 <a:latin typeface="Times New Roman" panose="02020603050405020304" pitchFamily="18" charset="0"/>
                 <a:cs typeface="Times New Roman" panose="02020603050405020304" pitchFamily="18" charset="0"/>
               </a:rPr>
               <a:t> A, </a:t>
             </a:r>
             <a:r>
-              <a:rPr lang="en-US" altLang="zh-CN" sz="1300" dirty="0" err="1" smtClean="0">
+              <a:rPr lang="en-US" altLang="zh-CN" sz="1300" dirty="0" err="1">
                 <a:latin typeface="Times New Roman" panose="02020603050405020304" pitchFamily="18" charset="0"/>
                 <a:cs typeface="Times New Roman" panose="02020603050405020304" pitchFamily="18" charset="0"/>
               </a:rPr>
               <a:t>Adhami</a:t>
             </a:r>
             <a:r>
-              <a:rPr lang="en-US" altLang="zh-CN" sz="1300" dirty="0" smtClean="0">
+              <a:rPr lang="en-US" altLang="zh-CN" sz="1300" dirty="0">
                 <a:latin typeface="Times New Roman" panose="02020603050405020304" pitchFamily="18" charset="0"/>
                 <a:cs typeface="Times New Roman" panose="02020603050405020304" pitchFamily="18" charset="0"/>
               </a:rPr>
               <a:t> R, </a:t>
             </a:r>
             <a:r>
-              <a:rPr lang="en-US" altLang="zh-CN" sz="1300" dirty="0" err="1" smtClean="0">
+              <a:rPr lang="en-US" altLang="zh-CN" sz="1300" dirty="0" err="1">
                 <a:latin typeface="Times New Roman" panose="02020603050405020304" pitchFamily="18" charset="0"/>
                 <a:cs typeface="Times New Roman" panose="02020603050405020304" pitchFamily="18" charset="0"/>
               </a:rPr>
               <a:t>Milenkovic</a:t>
             </a:r>
             <a:r>
-              <a:rPr lang="en-US" altLang="zh-CN" sz="1300" dirty="0" smtClean="0">
+              <a:rPr lang="en-US" altLang="zh-CN" sz="1300" dirty="0">
                 <a:latin typeface="Times New Roman" panose="02020603050405020304" pitchFamily="18" charset="0"/>
                 <a:cs typeface="Times New Roman" panose="02020603050405020304" pitchFamily="18" charset="0"/>
               </a:rPr>
@@ -24747,7 +24283,7 @@
               </a:spcAft>
             </a:pPr>
             <a:r>
-              <a:rPr lang="en-US" altLang="zh-CN" sz="1300" kern="0" dirty="0" smtClean="0">
+              <a:rPr lang="en-US" altLang="zh-CN" sz="1300" kern="0" dirty="0">
                 <a:latin typeface="Times New Roman" panose="02020603050405020304" pitchFamily="18" charset="0"/>
                 <a:ea typeface="微软雅黑" panose="020B0503020204020204" pitchFamily="34" charset="-122"/>
                 <a:cs typeface="Times New Roman" panose="02020603050405020304" pitchFamily="18" charset="0"/>
@@ -24755,28 +24291,28 @@
               <a:t>[3] </a:t>
             </a:r>
             <a:r>
-              <a:rPr lang="en-US" altLang="zh-CN" sz="1300" dirty="0" err="1" smtClean="0">
+              <a:rPr lang="en-US" altLang="zh-CN" sz="1300" dirty="0" err="1">
                 <a:latin typeface="Times New Roman" panose="02020603050405020304" pitchFamily="18" charset="0"/>
                 <a:cs typeface="Times New Roman" panose="02020603050405020304" pitchFamily="18" charset="0"/>
               </a:rPr>
               <a:t>Willson</a:t>
             </a:r>
             <a:r>
-              <a:rPr lang="en-US" altLang="zh-CN" sz="1300" dirty="0" smtClean="0">
+              <a:rPr lang="en-US" altLang="zh-CN" sz="1300" dirty="0">
                 <a:latin typeface="Times New Roman" panose="02020603050405020304" pitchFamily="18" charset="0"/>
                 <a:cs typeface="Times New Roman" panose="02020603050405020304" pitchFamily="18" charset="0"/>
               </a:rPr>
               <a:t> A, </a:t>
             </a:r>
             <a:r>
-              <a:rPr lang="en-US" altLang="zh-CN" sz="1300" dirty="0" err="1" smtClean="0">
+              <a:rPr lang="en-US" altLang="zh-CN" sz="1300" dirty="0" err="1">
                 <a:latin typeface="Times New Roman" panose="02020603050405020304" pitchFamily="18" charset="0"/>
                 <a:cs typeface="Times New Roman" panose="02020603050405020304" pitchFamily="18" charset="0"/>
               </a:rPr>
               <a:t>Ojha</a:t>
             </a:r>
             <a:r>
-              <a:rPr lang="en-US" altLang="zh-CN" sz="1300" dirty="0" smtClean="0">
+              <a:rPr lang="en-US" altLang="zh-CN" sz="1300" dirty="0">
                 <a:latin typeface="Times New Roman" panose="02020603050405020304" pitchFamily="18" charset="0"/>
                 <a:cs typeface="Times New Roman" panose="02020603050405020304" pitchFamily="18" charset="0"/>
               </a:rPr>
@@ -24796,7 +24332,7 @@
               </a:spcAft>
             </a:pPr>
             <a:r>
-              <a:rPr lang="en-US" altLang="zh-CN" sz="1300" kern="0" dirty="0" smtClean="0">
+              <a:rPr lang="en-US" altLang="zh-CN" sz="1300" kern="0" dirty="0">
                 <a:latin typeface="Times New Roman" panose="02020603050405020304" pitchFamily="18" charset="0"/>
                 <a:ea typeface="微软雅黑" panose="020B0503020204020204" pitchFamily="34" charset="-122"/>
                 <a:cs typeface="Times New Roman" panose="02020603050405020304" pitchFamily="18" charset="0"/>
@@ -24804,28 +24340,28 @@
               <a:t>[4] </a:t>
             </a:r>
             <a:r>
-              <a:rPr lang="en-US" altLang="zh-CN" sz="1300" dirty="0" err="1" smtClean="0">
+              <a:rPr lang="en-US" altLang="zh-CN" sz="1300" dirty="0" err="1">
                 <a:latin typeface="Times New Roman" panose="02020603050405020304" pitchFamily="18" charset="0"/>
                 <a:cs typeface="Times New Roman" panose="02020603050405020304" pitchFamily="18" charset="0"/>
               </a:rPr>
               <a:t>Yoo</a:t>
             </a:r>
             <a:r>
-              <a:rPr lang="en-US" altLang="zh-CN" sz="1300" dirty="0" smtClean="0">
+              <a:rPr lang="en-US" altLang="zh-CN" sz="1300" dirty="0">
                 <a:latin typeface="Times New Roman" panose="02020603050405020304" pitchFamily="18" charset="0"/>
                 <a:cs typeface="Times New Roman" panose="02020603050405020304" pitchFamily="18" charset="0"/>
               </a:rPr>
               <a:t> T, Hong C Y, Jung Y H, et al. A 2 GHz 130 </a:t>
             </a:r>
             <a:r>
-              <a:rPr lang="en-US" altLang="zh-CN" sz="1300" dirty="0" err="1" smtClean="0">
+              <a:rPr lang="en-US" altLang="zh-CN" sz="1300" dirty="0" err="1">
                 <a:latin typeface="Times New Roman" panose="02020603050405020304" pitchFamily="18" charset="0"/>
                 <a:cs typeface="Times New Roman" panose="02020603050405020304" pitchFamily="18" charset="0"/>
               </a:rPr>
               <a:t>mW</a:t>
             </a:r>
             <a:r>
-              <a:rPr lang="en-US" altLang="zh-CN" sz="1300" dirty="0" smtClean="0">
+              <a:rPr lang="en-US" altLang="zh-CN" sz="1300" dirty="0">
                 <a:latin typeface="Times New Roman" panose="02020603050405020304" pitchFamily="18" charset="0"/>
                 <a:cs typeface="Times New Roman" panose="02020603050405020304" pitchFamily="18" charset="0"/>
               </a:rPr>
@@ -24845,7 +24381,7 @@
               </a:spcAft>
             </a:pPr>
             <a:r>
-              <a:rPr lang="en-US" altLang="zh-CN" sz="1300" kern="0" dirty="0" smtClean="0">
+              <a:rPr lang="en-US" altLang="zh-CN" sz="1300" kern="0" dirty="0">
                 <a:latin typeface="Times New Roman" panose="02020603050405020304" pitchFamily="18" charset="0"/>
                 <a:ea typeface="微软雅黑" panose="020B0503020204020204" pitchFamily="34" charset="-122"/>
                 <a:cs typeface="Times New Roman" panose="02020603050405020304" pitchFamily="18" charset="0"/>
@@ -24853,21 +24389,21 @@
               <a:t>[5] </a:t>
             </a:r>
             <a:r>
-              <a:rPr lang="en-US" altLang="zh-CN" sz="1300" dirty="0" smtClean="0">
+              <a:rPr lang="en-US" altLang="zh-CN" sz="1300" dirty="0">
                 <a:latin typeface="Times New Roman" panose="02020603050405020304" pitchFamily="18" charset="0"/>
                 <a:cs typeface="Times New Roman" panose="02020603050405020304" pitchFamily="18" charset="0"/>
               </a:rPr>
               <a:t>Bergeron M, </a:t>
             </a:r>
             <a:r>
-              <a:rPr lang="en-US" altLang="zh-CN" sz="1300" dirty="0" err="1" smtClean="0">
+              <a:rPr lang="en-US" altLang="zh-CN" sz="1300" dirty="0" err="1">
                 <a:latin typeface="Times New Roman" panose="02020603050405020304" pitchFamily="18" charset="0"/>
                 <a:cs typeface="Times New Roman" panose="02020603050405020304" pitchFamily="18" charset="0"/>
               </a:rPr>
               <a:t>Willson</a:t>
             </a:r>
             <a:r>
-              <a:rPr lang="en-US" altLang="zh-CN" sz="1300" dirty="0" smtClean="0">
+              <a:rPr lang="en-US" altLang="zh-CN" sz="1300" dirty="0">
                 <a:latin typeface="Times New Roman" panose="02020603050405020304" pitchFamily="18" charset="0"/>
                 <a:cs typeface="Times New Roman" panose="02020603050405020304" pitchFamily="18" charset="0"/>
               </a:rPr>
@@ -24887,7 +24423,7 @@
               </a:spcAft>
             </a:pPr>
             <a:r>
-              <a:rPr lang="en-US" altLang="zh-CN" sz="1300" kern="0" dirty="0" smtClean="0">
+              <a:rPr lang="en-US" altLang="zh-CN" sz="1300" kern="0" dirty="0">
                 <a:latin typeface="Times New Roman" panose="02020603050405020304" pitchFamily="18" charset="0"/>
                 <a:ea typeface="微软雅黑" panose="020B0503020204020204" pitchFamily="34" charset="-122"/>
                 <a:cs typeface="Times New Roman" panose="02020603050405020304" pitchFamily="18" charset="0"/>
@@ -24895,35 +24431,35 @@
               <a:t>[6] </a:t>
             </a:r>
             <a:r>
-              <a:rPr lang="en-US" altLang="zh-CN" sz="1300" dirty="0" smtClean="0">
+              <a:rPr lang="en-US" altLang="zh-CN" sz="1300" dirty="0">
                 <a:latin typeface="Times New Roman" panose="02020603050405020304" pitchFamily="18" charset="0"/>
                 <a:cs typeface="Times New Roman" panose="02020603050405020304" pitchFamily="18" charset="0"/>
               </a:rPr>
               <a:t>Caro D </a:t>
             </a:r>
             <a:r>
-              <a:rPr lang="en-US" altLang="zh-CN" sz="1300" dirty="0" err="1" smtClean="0">
+              <a:rPr lang="en-US" altLang="zh-CN" sz="1300" dirty="0" err="1">
                 <a:latin typeface="Times New Roman" panose="02020603050405020304" pitchFamily="18" charset="0"/>
                 <a:cs typeface="Times New Roman" panose="02020603050405020304" pitchFamily="18" charset="0"/>
               </a:rPr>
               <a:t>D</a:t>
             </a:r>
             <a:r>
-              <a:rPr lang="en-US" altLang="zh-CN" sz="1300" dirty="0" smtClean="0">
+              <a:rPr lang="en-US" altLang="zh-CN" sz="1300" dirty="0">
                 <a:latin typeface="Times New Roman" panose="02020603050405020304" pitchFamily="18" charset="0"/>
                 <a:cs typeface="Times New Roman" panose="02020603050405020304" pitchFamily="18" charset="0"/>
               </a:rPr>
               <a:t>, Petra N, </a:t>
             </a:r>
             <a:r>
-              <a:rPr lang="en-US" altLang="zh-CN" sz="1300" dirty="0" err="1" smtClean="0">
+              <a:rPr lang="en-US" altLang="zh-CN" sz="1300" dirty="0" err="1">
                 <a:latin typeface="Times New Roman" panose="02020603050405020304" pitchFamily="18" charset="0"/>
                 <a:cs typeface="Times New Roman" panose="02020603050405020304" pitchFamily="18" charset="0"/>
               </a:rPr>
               <a:t>Strollo</a:t>
             </a:r>
             <a:r>
-              <a:rPr lang="en-US" altLang="zh-CN" sz="1300" dirty="0" smtClean="0">
+              <a:rPr lang="en-US" altLang="zh-CN" sz="1300" dirty="0">
                 <a:latin typeface="Times New Roman" panose="02020603050405020304" pitchFamily="18" charset="0"/>
                 <a:cs typeface="Times New Roman" panose="02020603050405020304" pitchFamily="18" charset="0"/>
               </a:rPr>
@@ -24942,7 +24478,7 @@
           <p:cNvPr id="7" name="页脚占位符 4">
             <a:extLst>
               <a:ext uri="{FF2B5EF4-FFF2-40B4-BE49-F238E27FC236}">
-                <a16:creationId xmlns="" xmlns:a16="http://schemas.microsoft.com/office/drawing/2014/main" id="{698B0707-EE31-4310-A762-FD65345E21BF}"/>
+                <a16:creationId xmlns:a16="http://schemas.microsoft.com/office/drawing/2014/main" id="{698B0707-EE31-4310-A762-FD65345E21BF}"/>
               </a:ext>
             </a:extLst>
           </p:cNvPr>
@@ -24968,18 +24504,13 @@
           <a:p>
             <a:pPr algn="ctr"/>
             <a:r>
-              <a:rPr lang="en-US" altLang="zh-CN" sz="1200" dirty="0" smtClean="0">
+              <a:rPr lang="en-US" altLang="zh-CN" sz="1200" dirty="0">
                 <a:solidFill>
                   <a:srgbClr val="000000"/>
                 </a:solidFill>
               </a:rPr>
               <a:t>15/17</a:t>
             </a:r>
-            <a:endParaRPr lang="en-US" altLang="zh-CN" sz="1200" dirty="0">
-              <a:solidFill>
-                <a:srgbClr val="000000"/>
-              </a:solidFill>
-            </a:endParaRPr>
           </a:p>
         </p:txBody>
       </p:sp>
@@ -25029,18 +24560,17 @@
           <a:lstStyle/>
           <a:p>
             <a:r>
-              <a:rPr lang="zh-CN" altLang="en-US" sz="3600" dirty="0" smtClean="0"/>
+              <a:rPr lang="zh-CN" altLang="en-US" sz="3600" dirty="0"/>
               <a:t>附录</a:t>
             </a:r>
             <a:r>
-              <a:rPr lang="en-US" altLang="zh-CN" sz="3600" dirty="0" smtClean="0"/>
+              <a:rPr lang="en-US" altLang="zh-CN" sz="3600" dirty="0"/>
               <a:t>——</a:t>
             </a:r>
             <a:r>
-              <a:rPr lang="zh-CN" altLang="en-US" sz="3600" dirty="0" smtClean="0"/>
+              <a:rPr lang="zh-CN" altLang="en-US" sz="3600" dirty="0"/>
               <a:t>改进算法推导</a:t>
             </a:r>
-            <a:endParaRPr lang="zh-CN" altLang="en-US" sz="3600" dirty="0"/>
           </a:p>
         </p:txBody>
       </p:sp>
@@ -30025,18 +29555,13 @@
           <a:p>
             <a:pPr algn="ctr"/>
             <a:r>
-              <a:rPr lang="en-US" altLang="zh-CN" sz="1200" dirty="0" smtClean="0">
+              <a:rPr lang="en-US" altLang="zh-CN" sz="1200" dirty="0">
                 <a:solidFill>
                   <a:srgbClr val="000000"/>
                 </a:solidFill>
               </a:rPr>
               <a:t>16/17</a:t>
             </a:r>
-            <a:endParaRPr lang="en-US" altLang="zh-CN" sz="1200" dirty="0">
-              <a:solidFill>
-                <a:srgbClr val="000000"/>
-              </a:solidFill>
-            </a:endParaRPr>
           </a:p>
         </p:txBody>
       </p:sp>
@@ -30094,7 +29619,7 @@
           <a:lstStyle/>
           <a:p>
             <a:r>
-              <a:rPr lang="zh-CN" altLang="en-US" sz="6600" smtClean="0"/>
+              <a:rPr lang="zh-CN" altLang="en-US" sz="6600"/>
               <a:t>谢谢！</a:t>
             </a:r>
             <a:r>
@@ -30129,18 +29654,13 @@
           <a:p>
             <a:pPr algn="ctr"/>
             <a:r>
-              <a:rPr lang="en-US" altLang="zh-CN" sz="1200" dirty="0" smtClean="0">
+              <a:rPr lang="en-US" altLang="zh-CN" sz="1200" dirty="0">
                 <a:solidFill>
                   <a:srgbClr val="000000"/>
                 </a:solidFill>
               </a:rPr>
               <a:t>17/17</a:t>
             </a:r>
-            <a:endParaRPr lang="en-US" altLang="zh-CN" sz="1200" dirty="0">
-              <a:solidFill>
-                <a:srgbClr val="000000"/>
-              </a:solidFill>
-            </a:endParaRPr>
           </a:p>
         </p:txBody>
       </p:sp>
@@ -30264,13 +29784,9 @@
             </a:pPr>
             <a:r>
               <a:rPr lang="zh-CN" altLang="en-US" sz="3200" dirty="0"/>
-              <a:t>进展</a:t>
-            </a:r>
-            <a:r>
-              <a:rPr lang="zh-CN" altLang="en-US" sz="3200" dirty="0" smtClean="0"/>
-              <a:t>情况</a:t>
-            </a:r>
-            <a:endParaRPr lang="en-US" altLang="zh-CN" sz="3200" dirty="0" smtClean="0"/>
+              <a:t>进展情况</a:t>
+            </a:r>
+            <a:endParaRPr lang="en-US" altLang="zh-CN" sz="3200" dirty="0"/>
           </a:p>
           <a:p>
             <a:pPr>
@@ -30283,13 +29799,9 @@
             </a:pPr>
             <a:r>
               <a:rPr lang="zh-CN" altLang="en-US" sz="3200" dirty="0"/>
-              <a:t>参考</a:t>
-            </a:r>
-            <a:r>
-              <a:rPr lang="zh-CN" altLang="en-US" sz="3200" dirty="0" smtClean="0"/>
-              <a:t>文献</a:t>
-            </a:r>
-            <a:endParaRPr lang="en-US" altLang="zh-CN" sz="3200" dirty="0" smtClean="0"/>
+              <a:t>参考文献</a:t>
+            </a:r>
+            <a:endParaRPr lang="en-US" altLang="zh-CN" sz="3200" dirty="0"/>
           </a:p>
           <a:p>
             <a:pPr>
@@ -30333,7 +29845,7 @@
           <a:p>
             <a:pPr algn="ctr"/>
             <a:r>
-              <a:rPr lang="en-US" altLang="zh-CN" sz="1200" smtClean="0">
+              <a:rPr lang="en-US" altLang="zh-CN" sz="1200">
                 <a:solidFill>
                   <a:srgbClr val="000000"/>
                 </a:solidFill>
@@ -30418,23 +29930,19 @@
               <a:t>课题背景</a:t>
             </a:r>
             <a:r>
-              <a:rPr lang="en-US" altLang="zh-CN" sz="3600" dirty="0" smtClean="0">
+              <a:rPr lang="en-US" altLang="zh-CN" sz="3600" dirty="0">
                 <a:latin typeface="黑体" panose="02010609060101010101" pitchFamily="49" charset="-122"/>
                 <a:ea typeface="黑体" panose="02010609060101010101" pitchFamily="49" charset="-122"/>
               </a:rPr>
               <a:t>——NCO</a:t>
             </a:r>
             <a:r>
-              <a:rPr lang="zh-CN" altLang="en-US" sz="3600" dirty="0" smtClean="0">
+              <a:rPr lang="zh-CN" altLang="en-US" sz="3600" dirty="0">
                 <a:latin typeface="黑体" panose="02010609060101010101" pitchFamily="49" charset="-122"/>
                 <a:ea typeface="黑体" panose="02010609060101010101" pitchFamily="49" charset="-122"/>
               </a:rPr>
               <a:t>定义和应用</a:t>
             </a:r>
-            <a:endParaRPr lang="zh-CN" altLang="en-US" sz="3600" dirty="0">
-              <a:latin typeface="黑体" panose="02010609060101010101" pitchFamily="49" charset="-122"/>
-              <a:ea typeface="黑体" panose="02010609060101010101" pitchFamily="49" charset="-122"/>
-            </a:endParaRPr>
           </a:p>
         </p:txBody>
       </p:sp>
@@ -30471,16 +29979,9 @@
                 <a:latin typeface="微软雅黑" panose="020B0503020204020204" pitchFamily="34" charset="-122"/>
                 <a:ea typeface="微软雅黑" panose="020B0503020204020204" pitchFamily="34" charset="-122"/>
               </a:rPr>
-              <a:t>数控振荡器</a:t>
-            </a:r>
-            <a:r>
-              <a:rPr lang="zh-CN" altLang="en-US" sz="2500" dirty="0" smtClean="0">
-                <a:latin typeface="微软雅黑" panose="020B0503020204020204" pitchFamily="34" charset="-122"/>
-                <a:ea typeface="微软雅黑" panose="020B0503020204020204" pitchFamily="34" charset="-122"/>
-              </a:rPr>
-              <a:t>定义</a:t>
-            </a:r>
-            <a:endParaRPr lang="en-US" altLang="zh-CN" sz="2500" dirty="0" smtClean="0">
+              <a:t>数控振荡器定义</a:t>
+            </a:r>
+            <a:endParaRPr lang="en-US" altLang="zh-CN" sz="2500" dirty="0">
               <a:latin typeface="微软雅黑" panose="020B0503020204020204" pitchFamily="34" charset="-122"/>
               <a:ea typeface="微软雅黑" panose="020B0503020204020204" pitchFamily="34" charset="-122"/>
             </a:endParaRPr>
@@ -30495,13 +29996,13 @@
               </a:spcAft>
             </a:pPr>
             <a:r>
-              <a:rPr lang="zh-CN" altLang="en-US" dirty="0" smtClean="0">
+              <a:rPr lang="zh-CN" altLang="en-US" dirty="0">
                 <a:latin typeface="微软雅黑" panose="020B0503020204020204" pitchFamily="34" charset="-122"/>
                 <a:ea typeface="微软雅黑" panose="020B0503020204020204" pitchFamily="34" charset="-122"/>
               </a:rPr>
               <a:t>输入：频率控制字</a:t>
             </a:r>
-            <a:endParaRPr lang="en-US" altLang="zh-CN" dirty="0" smtClean="0">
+            <a:endParaRPr lang="en-US" altLang="zh-CN" dirty="0">
               <a:latin typeface="微软雅黑" panose="020B0503020204020204" pitchFamily="34" charset="-122"/>
               <a:ea typeface="微软雅黑" panose="020B0503020204020204" pitchFamily="34" charset="-122"/>
             </a:endParaRPr>
@@ -30516,7 +30017,7 @@
               </a:spcAft>
             </a:pPr>
             <a:r>
-              <a:rPr lang="zh-CN" altLang="en-US" dirty="0" smtClean="0">
+              <a:rPr lang="zh-CN" altLang="en-US" dirty="0">
                 <a:latin typeface="微软雅黑" panose="020B0503020204020204" pitchFamily="34" charset="-122"/>
                 <a:ea typeface="微软雅黑" panose="020B0503020204020204" pitchFamily="34" charset="-122"/>
               </a:rPr>
@@ -30554,18 +30055,13 @@
           <a:p>
             <a:pPr algn="ctr"/>
             <a:r>
-              <a:rPr lang="en-US" altLang="zh-CN" sz="1200" dirty="0" smtClean="0">
+              <a:rPr lang="en-US" altLang="zh-CN" sz="1200" dirty="0">
                 <a:solidFill>
                   <a:srgbClr val="000000"/>
                 </a:solidFill>
               </a:rPr>
               <a:t>3/17</a:t>
             </a:r>
-            <a:endParaRPr lang="en-US" altLang="zh-CN" sz="1200" dirty="0">
-              <a:solidFill>
-                <a:srgbClr val="000000"/>
-              </a:solidFill>
-            </a:endParaRPr>
           </a:p>
         </p:txBody>
       </p:sp>
@@ -30782,13 +30278,13 @@
               </a:spcAft>
             </a:pPr>
             <a:r>
-              <a:rPr lang="zh-CN" altLang="en-US" kern="0" dirty="0" smtClean="0">
+              <a:rPr lang="zh-CN" altLang="en-US" kern="0" dirty="0">
                 <a:latin typeface="微软雅黑" panose="020B0503020204020204" pitchFamily="34" charset="-122"/>
                 <a:ea typeface="微软雅黑" panose="020B0503020204020204" pitchFamily="34" charset="-122"/>
               </a:rPr>
               <a:t>无线通信系统</a:t>
             </a:r>
-            <a:endParaRPr lang="en-US" altLang="zh-CN" kern="0" dirty="0" smtClean="0">
+            <a:endParaRPr lang="en-US" altLang="zh-CN" kern="0" dirty="0">
               <a:latin typeface="微软雅黑" panose="020B0503020204020204" pitchFamily="34" charset="-122"/>
               <a:ea typeface="微软雅黑" panose="020B0503020204020204" pitchFamily="34" charset="-122"/>
             </a:endParaRPr>
@@ -30803,18 +30299,11 @@
               </a:spcAft>
             </a:pPr>
             <a:r>
-              <a:rPr lang="zh-CN" altLang="en-US" kern="0" dirty="0" smtClean="0">
-                <a:latin typeface="微软雅黑" panose="020B0503020204020204" pitchFamily="34" charset="-122"/>
-                <a:ea typeface="微软雅黑" panose="020B0503020204020204" pitchFamily="34" charset="-122"/>
-              </a:rPr>
-              <a:t>军用</a:t>
-            </a:r>
-            <a:r>
               <a:rPr lang="zh-CN" altLang="en-US" kern="0" dirty="0">
                 <a:latin typeface="微软雅黑" panose="020B0503020204020204" pitchFamily="34" charset="-122"/>
                 <a:ea typeface="微软雅黑" panose="020B0503020204020204" pitchFamily="34" charset="-122"/>
               </a:rPr>
-              <a:t>雷达</a:t>
+              <a:t>军用雷达</a:t>
             </a:r>
             <a:endParaRPr lang="en-US" altLang="zh-CN" kern="0" dirty="0">
               <a:latin typeface="微软雅黑" panose="020B0503020204020204" pitchFamily="34" charset="-122"/>
@@ -30831,18 +30320,11 @@
               </a:spcAft>
             </a:pPr>
             <a:r>
-              <a:rPr lang="zh-CN" altLang="en-US" kern="0" dirty="0" smtClean="0">
-                <a:latin typeface="微软雅黑" panose="020B0503020204020204" pitchFamily="34" charset="-122"/>
-                <a:ea typeface="微软雅黑" panose="020B0503020204020204" pitchFamily="34" charset="-122"/>
-              </a:rPr>
-              <a:t>计算</a:t>
-            </a:r>
-            <a:r>
               <a:rPr lang="zh-CN" altLang="en-US" kern="0" dirty="0">
                 <a:latin typeface="微软雅黑" panose="020B0503020204020204" pitchFamily="34" charset="-122"/>
                 <a:ea typeface="微软雅黑" panose="020B0503020204020204" pitchFamily="34" charset="-122"/>
               </a:rPr>
-              <a:t>平台</a:t>
+              <a:t>计算平台</a:t>
             </a:r>
             <a:endParaRPr lang="en-US" altLang="zh-CN" kern="0" dirty="0">
               <a:latin typeface="微软雅黑" panose="020B0503020204020204" pitchFamily="34" charset="-122"/>
@@ -30859,25 +30341,11 @@
               </a:spcAft>
             </a:pPr>
             <a:r>
-              <a:rPr lang="zh-CN" altLang="en-US" kern="0" dirty="0" smtClean="0">
-                <a:latin typeface="微软雅黑" panose="020B0503020204020204" pitchFamily="34" charset="-122"/>
-                <a:ea typeface="微软雅黑" panose="020B0503020204020204" pitchFamily="34" charset="-122"/>
-              </a:rPr>
-              <a:t>电路</a:t>
-            </a:r>
-            <a:r>
               <a:rPr lang="zh-CN" altLang="en-US" kern="0" dirty="0">
                 <a:latin typeface="微软雅黑" panose="020B0503020204020204" pitchFamily="34" charset="-122"/>
                 <a:ea typeface="微软雅黑" panose="020B0503020204020204" pitchFamily="34" charset="-122"/>
               </a:rPr>
-              <a:t>系统</a:t>
-            </a:r>
-            <a:r>
-              <a:rPr lang="zh-CN" altLang="en-US" kern="0" dirty="0" smtClean="0">
-                <a:latin typeface="微软雅黑" panose="020B0503020204020204" pitchFamily="34" charset="-122"/>
-                <a:ea typeface="微软雅黑" panose="020B0503020204020204" pitchFamily="34" charset="-122"/>
-              </a:rPr>
-              <a:t>检测</a:t>
+              <a:t>电路系统检测</a:t>
             </a:r>
             <a:endParaRPr lang="en-US" altLang="zh-CN" kern="0" dirty="0">
               <a:latin typeface="微软雅黑" panose="020B0503020204020204" pitchFamily="34" charset="-122"/>
@@ -31587,13 +31055,9 @@
                   </a:pPr>
                   <a:r>
                     <a:rPr lang="zh-CN" altLang="en-US" sz="1500" b="1" dirty="0"/>
-                    <a:t>频率控制</a:t>
+                    <a:t>频率控制字</a:t>
                   </a:r>
-                  <a:r>
-                    <a:rPr lang="zh-CN" altLang="en-US" sz="1500" b="1" dirty="0" smtClean="0"/>
-                    <a:t>字</a:t>
-                  </a:r>
-                  <a:endParaRPr lang="en-US" altLang="zh-CN" sz="1500" b="1" dirty="0" smtClean="0"/>
+                  <a:endParaRPr lang="en-US" altLang="zh-CN" sz="1500" b="1" dirty="0"/>
                 </a:p>
                 <a:p>
                   <a:pPr algn="ctr">
@@ -31602,15 +31066,15 @@
                     </a:spcAft>
                   </a:pPr>
                   <a:r>
-                    <a:rPr lang="en-US" altLang="zh-CN" sz="1500" b="1" dirty="0" smtClean="0"/>
+                    <a:rPr lang="en-US" altLang="zh-CN" sz="1500" b="1" dirty="0"/>
                     <a:t>(</a:t>
                   </a:r>
                   <a:r>
-                    <a:rPr lang="en-US" altLang="zh-CN" sz="1500" b="1" dirty="0" err="1" smtClean="0"/>
+                    <a:rPr lang="en-US" altLang="zh-CN" sz="1500" b="1" dirty="0" err="1"/>
                     <a:t>fcw</a:t>
                   </a:r>
                   <a:r>
-                    <a:rPr lang="en-US" altLang="zh-CN" sz="1500" b="1" dirty="0" smtClean="0"/>
+                    <a:rPr lang="en-US" altLang="zh-CN" sz="1500" b="1" dirty="0"/>
                     <a:t>) </a:t>
                   </a:r>
                   <a:endParaRPr lang="zh-CN" altLang="en-US" sz="1500" b="1" dirty="0"/>
@@ -31816,16 +31280,9 @@
                 <a:latin typeface="微软雅黑" panose="020B0503020204020204" pitchFamily="34" charset="-122"/>
                 <a:ea typeface="微软雅黑" panose="020B0503020204020204" pitchFamily="34" charset="-122"/>
               </a:rPr>
-              <a:t>的技术</a:t>
-            </a:r>
-            <a:r>
-              <a:rPr lang="zh-CN" altLang="en-US" sz="2200" dirty="0" smtClean="0">
-                <a:latin typeface="微软雅黑" panose="020B0503020204020204" pitchFamily="34" charset="-122"/>
-                <a:ea typeface="微软雅黑" panose="020B0503020204020204" pitchFamily="34" charset="-122"/>
-              </a:rPr>
-              <a:t>特点</a:t>
-            </a:r>
-            <a:endParaRPr lang="en-US" altLang="zh-CN" sz="2200" dirty="0" smtClean="0">
+              <a:t>的技术特点</a:t>
+            </a:r>
+            <a:endParaRPr lang="en-US" altLang="zh-CN" sz="2200" dirty="0">
               <a:latin typeface="微软雅黑" panose="020B0503020204020204" pitchFamily="34" charset="-122"/>
               <a:ea typeface="微软雅黑" panose="020B0503020204020204" pitchFamily="34" charset="-122"/>
             </a:endParaRPr>
@@ -31899,18 +31356,13 @@
           <a:p>
             <a:pPr algn="ctr"/>
             <a:r>
-              <a:rPr lang="en-US" altLang="zh-CN" sz="1200" dirty="0" smtClean="0">
+              <a:rPr lang="en-US" altLang="zh-CN" sz="1200" dirty="0">
                 <a:solidFill>
                   <a:srgbClr val="000000"/>
                 </a:solidFill>
               </a:rPr>
               <a:t>4/17</a:t>
             </a:r>
-            <a:endParaRPr lang="en-US" altLang="zh-CN" sz="1200" dirty="0">
-              <a:solidFill>
-                <a:srgbClr val="000000"/>
-              </a:solidFill>
-            </a:endParaRPr>
           </a:p>
         </p:txBody>
       </p:sp>
@@ -31955,7 +31407,7 @@
           <p:cNvPr id="11" name="内容占位符 2">
             <a:extLst>
               <a:ext uri="{FF2B5EF4-FFF2-40B4-BE49-F238E27FC236}">
-                <a16:creationId xmlns="" xmlns:a16="http://schemas.microsoft.com/office/drawing/2014/main" id="{173EE2C7-4115-41F7-9A14-07F65F3BB05E}"/>
+                <a16:creationId xmlns:a16="http://schemas.microsoft.com/office/drawing/2014/main" id="{173EE2C7-4115-41F7-9A14-07F65F3BB05E}"/>
               </a:ext>
             </a:extLst>
           </p:cNvPr>
@@ -32148,21 +31600,21 @@
               </a:spcAft>
             </a:pPr>
             <a:r>
-              <a:rPr lang="zh-CN" altLang="en-US" sz="2200" dirty="0" smtClean="0">
+              <a:rPr lang="zh-CN" altLang="en-US" sz="2200" dirty="0">
                 <a:latin typeface="微软雅黑" panose="020B0503020204020204" pitchFamily="34" charset="-122"/>
                 <a:ea typeface="微软雅黑" panose="020B0503020204020204" pitchFamily="34" charset="-122"/>
               </a:rPr>
               <a:t>使用直接数字合成</a:t>
             </a:r>
             <a:r>
-              <a:rPr lang="en-US" altLang="zh-CN" sz="2200" dirty="0" smtClean="0">
+              <a:rPr lang="en-US" altLang="zh-CN" sz="2200" dirty="0">
                 <a:latin typeface="微软雅黑" panose="020B0503020204020204" pitchFamily="34" charset="-122"/>
                 <a:ea typeface="微软雅黑" panose="020B0503020204020204" pitchFamily="34" charset="-122"/>
               </a:rPr>
               <a:t>(DDS)</a:t>
             </a:r>
             <a:r>
-              <a:rPr lang="zh-CN" altLang="en-US" sz="2200" dirty="0" smtClean="0">
+              <a:rPr lang="zh-CN" altLang="en-US" sz="2200" dirty="0">
                 <a:latin typeface="微软雅黑" panose="020B0503020204020204" pitchFamily="34" charset="-122"/>
                 <a:ea typeface="微软雅黑" panose="020B0503020204020204" pitchFamily="34" charset="-122"/>
               </a:rPr>
@@ -32180,7 +31632,7 @@
           <p:cNvPr id="12" name="图片 11" descr="D:\毕设\大四下\lunwen\图片\DDS传统架构.png">
             <a:extLst>
               <a:ext uri="{FF2B5EF4-FFF2-40B4-BE49-F238E27FC236}">
-                <a16:creationId xmlns="" xmlns:a16="http://schemas.microsoft.com/office/drawing/2014/main" id="{2C5E50B7-3E70-460B-A338-BD70B411DA19}"/>
+                <a16:creationId xmlns:a16="http://schemas.microsoft.com/office/drawing/2014/main" id="{2C5E50B7-3E70-460B-A338-BD70B411DA19}"/>
               </a:ext>
             </a:extLst>
           </p:cNvPr>
@@ -32517,13 +31969,6 @@
       </p:transition>
     </mc:Fallback>
   </mc:AlternateContent>
-  <p:timing>
-    <p:tnLst>
-      <p:par>
-        <p:cTn id="1" dur="indefinite" restart="never" nodeType="tmRoot"/>
-      </p:par>
-    </p:tnLst>
-  </p:timing>
 </p:sld>
 </file>
 
@@ -32572,23 +32017,19 @@
               <a:t>课题背景</a:t>
             </a:r>
             <a:r>
-              <a:rPr lang="en-US" altLang="zh-CN" sz="3600" dirty="0" smtClean="0">
+              <a:rPr lang="en-US" altLang="zh-CN" sz="3600" dirty="0">
                 <a:latin typeface="黑体" panose="02010609060101010101" pitchFamily="49" charset="-122"/>
                 <a:ea typeface="黑体" panose="02010609060101010101" pitchFamily="49" charset="-122"/>
               </a:rPr>
               <a:t>——</a:t>
             </a:r>
             <a:r>
-              <a:rPr lang="zh-CN" altLang="en-US" sz="3600" dirty="0" smtClean="0">
+              <a:rPr lang="zh-CN" altLang="en-US" sz="3600" dirty="0">
                 <a:latin typeface="黑体" panose="02010609060101010101" pitchFamily="49" charset="-122"/>
                 <a:ea typeface="黑体" panose="02010609060101010101" pitchFamily="49" charset="-122"/>
               </a:rPr>
               <a:t>高速高精度挑战</a:t>
             </a:r>
-            <a:endParaRPr lang="zh-CN" altLang="en-US" sz="3600" dirty="0">
-              <a:latin typeface="黑体" panose="02010609060101010101" pitchFamily="49" charset="-122"/>
-              <a:ea typeface="黑体" panose="02010609060101010101" pitchFamily="49" charset="-122"/>
-            </a:endParaRPr>
           </a:p>
         </p:txBody>
       </p:sp>
@@ -32617,18 +32058,13 @@
           <a:p>
             <a:pPr algn="ctr"/>
             <a:r>
-              <a:rPr lang="en-US" altLang="zh-CN" sz="1200" dirty="0" smtClean="0">
+              <a:rPr lang="en-US" altLang="zh-CN" sz="1200" dirty="0">
                 <a:solidFill>
                   <a:srgbClr val="000000"/>
                 </a:solidFill>
               </a:rPr>
               <a:t>5/17</a:t>
             </a:r>
-            <a:endParaRPr lang="en-US" altLang="zh-CN" sz="1200" dirty="0">
-              <a:solidFill>
-                <a:srgbClr val="000000"/>
-              </a:solidFill>
-            </a:endParaRPr>
           </a:p>
         </p:txBody>
       </p:sp>
@@ -32637,7 +32073,7 @@
           <p:cNvPr id="16" name="内容占位符 2">
             <a:extLst>
               <a:ext uri="{FF2B5EF4-FFF2-40B4-BE49-F238E27FC236}">
-                <a16:creationId xmlns="" xmlns:a16="http://schemas.microsoft.com/office/drawing/2014/main" id="{772844F7-7D52-4ACF-908A-2B07AD3E014E}"/>
+                <a16:creationId xmlns:a16="http://schemas.microsoft.com/office/drawing/2014/main" id="{772844F7-7D52-4ACF-908A-2B07AD3E014E}"/>
               </a:ext>
             </a:extLst>
           </p:cNvPr>
@@ -32834,21 +32270,7 @@
                 <a:latin typeface="微软雅黑" panose="020B0503020204020204" pitchFamily="34" charset="-122"/>
                 <a:ea typeface="微软雅黑" panose="020B0503020204020204" pitchFamily="34" charset="-122"/>
               </a:rPr>
-              <a:t>查找表的</a:t>
-            </a:r>
-            <a:r>
-              <a:rPr lang="zh-CN" altLang="en-US" sz="2500" dirty="0" smtClean="0">
-                <a:latin typeface="微软雅黑" panose="020B0503020204020204" pitchFamily="34" charset="-122"/>
-                <a:ea typeface="微软雅黑" panose="020B0503020204020204" pitchFamily="34" charset="-122"/>
-              </a:rPr>
-              <a:t>优化</a:t>
-            </a:r>
-            <a:r>
-              <a:rPr lang="zh-CN" altLang="en-US" sz="2500" dirty="0">
-                <a:latin typeface="微软雅黑" panose="020B0503020204020204" pitchFamily="34" charset="-122"/>
-                <a:ea typeface="微软雅黑" panose="020B0503020204020204" pitchFamily="34" charset="-122"/>
-              </a:rPr>
-              <a:t>方法</a:t>
+              <a:t>查找表的优化方法</a:t>
             </a:r>
             <a:endParaRPr lang="en-US" altLang="zh-CN" sz="2500" dirty="0">
               <a:latin typeface="微软雅黑" panose="020B0503020204020204" pitchFamily="34" charset="-122"/>
@@ -32865,25 +32287,18 @@
               </a:spcAft>
             </a:pPr>
             <a:r>
-              <a:rPr lang="en-US" altLang="zh-CN" sz="1600" dirty="0" smtClean="0">
+              <a:rPr lang="en-US" altLang="zh-CN" sz="1600" dirty="0">
                 <a:latin typeface="微软雅黑" panose="020B0503020204020204" pitchFamily="34" charset="-122"/>
                 <a:ea typeface="微软雅黑" panose="020B0503020204020204" pitchFamily="34" charset="-122"/>
               </a:rPr>
               <a:t>A) </a:t>
             </a:r>
             <a:r>
-              <a:rPr lang="zh-CN" altLang="en-US" sz="1600" dirty="0" smtClean="0">
-                <a:latin typeface="微软雅黑" panose="020B0503020204020204" pitchFamily="34" charset="-122"/>
-                <a:ea typeface="微软雅黑" panose="020B0503020204020204" pitchFamily="34" charset="-122"/>
-              </a:rPr>
-              <a:t>查找</a:t>
-            </a:r>
-            <a:r>
               <a:rPr lang="zh-CN" altLang="en-US" sz="1600" dirty="0">
                 <a:latin typeface="微软雅黑" panose="020B0503020204020204" pitchFamily="34" charset="-122"/>
                 <a:ea typeface="微软雅黑" panose="020B0503020204020204" pitchFamily="34" charset="-122"/>
               </a:rPr>
-              <a:t>表压缩方法</a:t>
+              <a:t>查找表压缩方法</a:t>
             </a:r>
             <a:endParaRPr lang="en-US" altLang="zh-CN" sz="1600" dirty="0">
               <a:latin typeface="微软雅黑" panose="020B0503020204020204" pitchFamily="34" charset="-122"/>
@@ -32900,14 +32315,14 @@
               </a:spcAft>
             </a:pPr>
             <a:r>
-              <a:rPr lang="en-US" altLang="zh-CN" sz="1600" dirty="0" smtClean="0">
+              <a:rPr lang="en-US" altLang="zh-CN" sz="1600" dirty="0">
                 <a:latin typeface="微软雅黑" panose="020B0503020204020204" pitchFamily="34" charset="-122"/>
                 <a:ea typeface="微软雅黑" panose="020B0503020204020204" pitchFamily="34" charset="-122"/>
               </a:rPr>
               <a:t>B) </a:t>
             </a:r>
             <a:r>
-              <a:rPr lang="zh-CN" altLang="en-US" sz="1600" dirty="0" smtClean="0">
+              <a:rPr lang="zh-CN" altLang="en-US" sz="1600" dirty="0">
                 <a:latin typeface="微软雅黑" panose="020B0503020204020204" pitchFamily="34" charset="-122"/>
                 <a:ea typeface="微软雅黑" panose="020B0503020204020204" pitchFamily="34" charset="-122"/>
               </a:rPr>
@@ -32928,14 +32343,14 @@
               </a:spcAft>
             </a:pPr>
             <a:r>
-              <a:rPr lang="en-US" altLang="zh-CN" sz="1600" dirty="0" smtClean="0">
+              <a:rPr lang="en-US" altLang="zh-CN" sz="1600" dirty="0">
                 <a:latin typeface="微软雅黑" panose="020B0503020204020204" pitchFamily="34" charset="-122"/>
                 <a:ea typeface="微软雅黑" panose="020B0503020204020204" pitchFamily="34" charset="-122"/>
               </a:rPr>
               <a:t>C) </a:t>
             </a:r>
             <a:r>
-              <a:rPr lang="zh-CN" altLang="en-US" sz="1600" dirty="0" smtClean="0">
+              <a:rPr lang="zh-CN" altLang="en-US" sz="1600" dirty="0">
                 <a:latin typeface="微软雅黑" panose="020B0503020204020204" pitchFamily="34" charset="-122"/>
                 <a:ea typeface="微软雅黑" panose="020B0503020204020204" pitchFamily="34" charset="-122"/>
               </a:rPr>
@@ -32967,7 +32382,7 @@
           <p:cNvPr id="17" name="内容占位符 2">
             <a:extLst>
               <a:ext uri="{FF2B5EF4-FFF2-40B4-BE49-F238E27FC236}">
-                <a16:creationId xmlns="" xmlns:a16="http://schemas.microsoft.com/office/drawing/2014/main" id="{772844F7-7D52-4ACF-908A-2B07AD3E014E}"/>
+                <a16:creationId xmlns:a16="http://schemas.microsoft.com/office/drawing/2014/main" id="{772844F7-7D52-4ACF-908A-2B07AD3E014E}"/>
               </a:ext>
             </a:extLst>
           </p:cNvPr>
@@ -33160,13 +32575,13 @@
               </a:spcAft>
             </a:pPr>
             <a:r>
-              <a:rPr lang="zh-CN" altLang="en-US" sz="2500" dirty="0" smtClean="0">
+              <a:rPr lang="zh-CN" altLang="en-US" sz="2500" dirty="0">
                 <a:latin typeface="微软雅黑" panose="020B0503020204020204" pitchFamily="34" charset="-122"/>
                 <a:ea typeface="微软雅黑" panose="020B0503020204020204" pitchFamily="34" charset="-122"/>
               </a:rPr>
               <a:t>传统方法的局限性</a:t>
             </a:r>
-            <a:endParaRPr lang="en-US" altLang="zh-CN" sz="2500" dirty="0" smtClean="0">
+            <a:endParaRPr lang="en-US" altLang="zh-CN" sz="2500" dirty="0">
               <a:latin typeface="微软雅黑" panose="020B0503020204020204" pitchFamily="34" charset="-122"/>
               <a:ea typeface="微软雅黑" panose="020B0503020204020204" pitchFamily="34" charset="-122"/>
             </a:endParaRPr>
@@ -33181,67 +32596,39 @@
               </a:spcAft>
             </a:pPr>
             <a:r>
-              <a:rPr lang="zh-CN" altLang="en-US" sz="1600" dirty="0" smtClean="0">
-                <a:latin typeface="微软雅黑" panose="020B0503020204020204" pitchFamily="34" charset="-122"/>
-                <a:ea typeface="微软雅黑" panose="020B0503020204020204" pitchFamily="34" charset="-122"/>
-              </a:rPr>
-              <a:t>使用查找</a:t>
-            </a:r>
-            <a:r>
               <a:rPr lang="zh-CN" altLang="en-US" sz="1600" dirty="0">
                 <a:latin typeface="微软雅黑" panose="020B0503020204020204" pitchFamily="34" charset="-122"/>
                 <a:ea typeface="微软雅黑" panose="020B0503020204020204" pitchFamily="34" charset="-122"/>
               </a:rPr>
-              <a:t>表</a:t>
-            </a:r>
-            <a:r>
-              <a:rPr lang="zh-CN" altLang="en-US" sz="1600" dirty="0" smtClean="0">
+              <a:t>使用查找表实现“相位</a:t>
+            </a:r>
+            <a:r>
+              <a:rPr lang="en-US" altLang="zh-CN" sz="1600" dirty="0">
                 <a:latin typeface="微软雅黑" panose="020B0503020204020204" pitchFamily="34" charset="-122"/>
                 <a:ea typeface="微软雅黑" panose="020B0503020204020204" pitchFamily="34" charset="-122"/>
               </a:rPr>
-              <a:t>实现“</a:t>
+              <a:t>-&gt;</a:t>
             </a:r>
             <a:r>
               <a:rPr lang="zh-CN" altLang="en-US" sz="1600" dirty="0">
                 <a:latin typeface="微软雅黑" panose="020B0503020204020204" pitchFamily="34" charset="-122"/>
                 <a:ea typeface="微软雅黑" panose="020B0503020204020204" pitchFamily="34" charset="-122"/>
               </a:rPr>
-              <a:t>相位</a:t>
-            </a:r>
-            <a:r>
-              <a:rPr lang="en-US" altLang="zh-CN" sz="1600" dirty="0" smtClean="0">
-                <a:latin typeface="微软雅黑" panose="020B0503020204020204" pitchFamily="34" charset="-122"/>
-                <a:ea typeface="微软雅黑" panose="020B0503020204020204" pitchFamily="34" charset="-122"/>
-              </a:rPr>
-              <a:t>-&gt;</a:t>
-            </a:r>
-            <a:r>
-              <a:rPr lang="zh-CN" altLang="en-US" sz="1600" dirty="0" smtClean="0">
-                <a:latin typeface="微软雅黑" panose="020B0503020204020204" pitchFamily="34" charset="-122"/>
-                <a:ea typeface="微软雅黑" panose="020B0503020204020204" pitchFamily="34" charset="-122"/>
-              </a:rPr>
               <a:t>正弦波幅度”</a:t>
             </a:r>
             <a:r>
-              <a:rPr lang="en-US" altLang="zh-CN" sz="1600" dirty="0" smtClean="0">
+              <a:rPr lang="en-US" altLang="zh-CN" sz="1600" dirty="0">
                 <a:latin typeface="微软雅黑" panose="020B0503020204020204" pitchFamily="34" charset="-122"/>
                 <a:ea typeface="微软雅黑" panose="020B0503020204020204" pitchFamily="34" charset="-122"/>
               </a:rPr>
               <a:t> </a:t>
             </a:r>
             <a:r>
-              <a:rPr lang="zh-CN" altLang="en-US" sz="1600" dirty="0" smtClean="0">
-                <a:latin typeface="微软雅黑" panose="020B0503020204020204" pitchFamily="34" charset="-122"/>
-                <a:ea typeface="微软雅黑" panose="020B0503020204020204" pitchFamily="34" charset="-122"/>
-              </a:rPr>
-              <a:t>的</a:t>
-            </a:r>
-            <a:r>
               <a:rPr lang="zh-CN" altLang="en-US" sz="1600" dirty="0">
                 <a:latin typeface="微软雅黑" panose="020B0503020204020204" pitchFamily="34" charset="-122"/>
                 <a:ea typeface="微软雅黑" panose="020B0503020204020204" pitchFamily="34" charset="-122"/>
               </a:rPr>
-              <a:t>转换</a:t>
+              <a:t>的转换</a:t>
             </a:r>
             <a:endParaRPr lang="en-US" altLang="zh-CN" sz="1600" dirty="0">
               <a:latin typeface="微软雅黑" panose="020B0503020204020204" pitchFamily="34" charset="-122"/>
@@ -33258,28 +32645,14 @@
               </a:spcAft>
             </a:pPr>
             <a:r>
-              <a:rPr lang="zh-CN" altLang="en-US" sz="1600" dirty="0" smtClean="0">
-                <a:latin typeface="微软雅黑" panose="020B0503020204020204" pitchFamily="34" charset="-122"/>
-                <a:ea typeface="微软雅黑" panose="020B0503020204020204" pitchFamily="34" charset="-122"/>
-              </a:rPr>
-              <a:t>需要精细的</a:t>
-            </a:r>
-            <a:r>
               <a:rPr lang="zh-CN" altLang="en-US" sz="1600" dirty="0">
                 <a:latin typeface="微软雅黑" panose="020B0503020204020204" pitchFamily="34" charset="-122"/>
                 <a:ea typeface="微软雅黑" panose="020B0503020204020204" pitchFamily="34" charset="-122"/>
               </a:rPr>
-              <a:t>相位</a:t>
-            </a:r>
-            <a:r>
-              <a:rPr lang="zh-CN" altLang="en-US" sz="1600" dirty="0" smtClean="0">
-                <a:latin typeface="微软雅黑" panose="020B0503020204020204" pitchFamily="34" charset="-122"/>
-                <a:ea typeface="微软雅黑" panose="020B0503020204020204" pitchFamily="34" charset="-122"/>
-              </a:rPr>
-              <a:t>实现高精度输出，导致存储器大小呈</a:t>
-            </a:r>
-            <a:r>
-              <a:rPr lang="zh-CN" altLang="en-US" sz="1600" dirty="0" smtClean="0">
+              <a:t>需要精细的相位实现高精度输出，导致存储器大小呈</a:t>
+            </a:r>
+            <a:r>
+              <a:rPr lang="zh-CN" altLang="en-US" sz="1600" dirty="0">
                 <a:solidFill>
                   <a:srgbClr val="FF0000"/>
                 </a:solidFill>
@@ -33289,13 +32662,13 @@
               <a:t>指数级</a:t>
             </a:r>
             <a:r>
-              <a:rPr lang="zh-CN" altLang="en-US" sz="1600" dirty="0" smtClean="0">
+              <a:rPr lang="zh-CN" altLang="en-US" sz="1600" dirty="0">
                 <a:latin typeface="微软雅黑" panose="020B0503020204020204" pitchFamily="34" charset="-122"/>
                 <a:ea typeface="微软雅黑" panose="020B0503020204020204" pitchFamily="34" charset="-122"/>
               </a:rPr>
               <a:t>增长，速度减慢</a:t>
             </a:r>
-            <a:endParaRPr lang="en-US" altLang="zh-CN" sz="1600" dirty="0" smtClean="0">
+            <a:endParaRPr lang="en-US" altLang="zh-CN" sz="1600" dirty="0">
               <a:latin typeface="微软雅黑" panose="020B0503020204020204" pitchFamily="34" charset="-122"/>
               <a:ea typeface="微软雅黑" panose="020B0503020204020204" pitchFamily="34" charset="-122"/>
             </a:endParaRPr>
@@ -33314,31 +32687,24 @@
                 <a:latin typeface="微软雅黑" panose="020B0503020204020204" pitchFamily="34" charset="-122"/>
                 <a:ea typeface="微软雅黑" panose="020B0503020204020204" pitchFamily="34" charset="-122"/>
               </a:rPr>
-              <a:t>为了</a:t>
-            </a:r>
-            <a:r>
-              <a:rPr lang="zh-CN" altLang="en-US" sz="1600" dirty="0" smtClean="0">
-                <a:latin typeface="微软雅黑" panose="020B0503020204020204" pitchFamily="34" charset="-122"/>
-                <a:ea typeface="微软雅黑" panose="020B0503020204020204" pitchFamily="34" charset="-122"/>
-              </a:rPr>
-              <a:t>实现高速</a:t>
-            </a:r>
-            <a:r>
-              <a:rPr lang="en-US" altLang="zh-CN" sz="1600" dirty="0" smtClean="0">
+              <a:t>为了实现高速</a:t>
+            </a:r>
+            <a:r>
+              <a:rPr lang="en-US" altLang="zh-CN" sz="1600" dirty="0">
                 <a:latin typeface="微软雅黑" panose="020B0503020204020204" pitchFamily="34" charset="-122"/>
                 <a:ea typeface="微软雅黑" panose="020B0503020204020204" pitchFamily="34" charset="-122"/>
               </a:rPr>
               <a:t>DDS</a:t>
             </a:r>
             <a:r>
-              <a:rPr lang="zh-CN" altLang="en-US" sz="1600" dirty="0" smtClean="0">
+              <a:rPr lang="zh-CN" altLang="en-US" sz="1600" dirty="0">
                 <a:latin typeface="微软雅黑" panose="020B0503020204020204" pitchFamily="34" charset="-122"/>
                 <a:ea typeface="微软雅黑" panose="020B0503020204020204" pitchFamily="34" charset="-122"/>
               </a:rPr>
               <a:t>，往往需要</a:t>
             </a:r>
             <a:r>
-              <a:rPr lang="zh-CN" altLang="en-US" sz="1600" dirty="0" smtClean="0">
+              <a:rPr lang="zh-CN" altLang="en-US" sz="1600" dirty="0">
                 <a:solidFill>
                   <a:srgbClr val="FF0000"/>
                 </a:solidFill>
@@ -33348,14 +32714,14 @@
               <a:t>牺牲系统精度</a:t>
             </a:r>
             <a:r>
-              <a:rPr lang="zh-CN" altLang="en-US" sz="1600" dirty="0" smtClean="0">
+              <a:rPr lang="zh-CN" altLang="en-US" sz="1600" dirty="0">
                 <a:latin typeface="微软雅黑" panose="020B0503020204020204" pitchFamily="34" charset="-122"/>
                 <a:ea typeface="微软雅黑" panose="020B0503020204020204" pitchFamily="34" charset="-122"/>
               </a:rPr>
               <a:t>和</a:t>
             </a:r>
             <a:r>
-              <a:rPr lang="zh-CN" altLang="en-US" sz="1600" dirty="0" smtClean="0">
+              <a:rPr lang="zh-CN" altLang="en-US" sz="1600" dirty="0">
                 <a:solidFill>
                   <a:srgbClr val="FF0000"/>
                 </a:solidFill>
@@ -33427,18 +32793,13 @@
           <a:p>
             <a:pPr algn="ctr"/>
             <a:r>
-              <a:rPr lang="zh-CN" altLang="en-US" b="1" dirty="0" smtClean="0">
+              <a:rPr lang="zh-CN" altLang="en-US" b="1" dirty="0">
                 <a:solidFill>
                   <a:schemeClr val="tx1"/>
                 </a:solidFill>
               </a:rPr>
               <a:t>查找表</a:t>
             </a:r>
-            <a:endParaRPr lang="zh-CN" altLang="en-US" b="1" dirty="0">
-              <a:solidFill>
-                <a:schemeClr val="tx1"/>
-              </a:solidFill>
-            </a:endParaRPr>
           </a:p>
         </p:txBody>
       </p:sp>
@@ -33495,18 +32856,13 @@
           <a:p>
             <a:pPr algn="ctr"/>
             <a:r>
-              <a:rPr lang="zh-CN" altLang="en-US" b="1" dirty="0" smtClean="0">
+              <a:rPr lang="zh-CN" altLang="en-US" b="1" dirty="0">
                 <a:solidFill>
                   <a:schemeClr val="tx1"/>
                 </a:solidFill>
               </a:rPr>
               <a:t>查找表</a:t>
             </a:r>
-            <a:endParaRPr lang="zh-CN" altLang="en-US" b="1" dirty="0">
-              <a:solidFill>
-                <a:schemeClr val="tx1"/>
-              </a:solidFill>
-            </a:endParaRPr>
           </a:p>
         </p:txBody>
       </p:sp>
@@ -33612,18 +32968,13 @@
           <a:p>
             <a:pPr algn="ctr"/>
             <a:r>
-              <a:rPr lang="zh-CN" altLang="en-US" b="1" dirty="0" smtClean="0">
+              <a:rPr lang="zh-CN" altLang="en-US" b="1" dirty="0">
                 <a:solidFill>
                   <a:schemeClr val="tx1"/>
                 </a:solidFill>
               </a:rPr>
               <a:t>查找表</a:t>
             </a:r>
-            <a:endParaRPr lang="zh-CN" altLang="en-US" b="1" dirty="0">
-              <a:solidFill>
-                <a:schemeClr val="tx1"/>
-              </a:solidFill>
-            </a:endParaRPr>
           </a:p>
         </p:txBody>
       </p:sp>
@@ -33897,7 +33248,7 @@
             <a:p>
               <a:pPr algn="ctr"/>
               <a:r>
-                <a:rPr lang="en-US" altLang="zh-CN" dirty="0" smtClean="0">
+                <a:rPr lang="en-US" altLang="zh-CN" dirty="0">
                   <a:solidFill>
                     <a:schemeClr val="tx1"/>
                   </a:solidFill>
@@ -34168,18 +33519,13 @@
           <a:p>
             <a:pPr algn="ctr"/>
             <a:r>
-              <a:rPr lang="zh-CN" altLang="en-US" b="1" dirty="0" smtClean="0">
+              <a:rPr lang="zh-CN" altLang="en-US" b="1" dirty="0">
                 <a:solidFill>
                   <a:schemeClr val="tx1"/>
                 </a:solidFill>
               </a:rPr>
               <a:t>查找表</a:t>
             </a:r>
-            <a:endParaRPr lang="zh-CN" altLang="en-US" b="1" dirty="0">
-              <a:solidFill>
-                <a:schemeClr val="tx1"/>
-              </a:solidFill>
-            </a:endParaRPr>
           </a:p>
         </p:txBody>
       </p:sp>
@@ -34275,14 +33621,14 @@
           <a:p>
             <a:pPr algn="ctr"/>
             <a:r>
-              <a:rPr lang="zh-CN" altLang="en-US" dirty="0" smtClean="0">
+              <a:rPr lang="zh-CN" altLang="en-US" dirty="0">
                 <a:solidFill>
                   <a:schemeClr val="tx1"/>
                 </a:solidFill>
               </a:rPr>
               <a:t>非线性</a:t>
             </a:r>
-            <a:endParaRPr lang="en-US" altLang="zh-CN" dirty="0" smtClean="0">
+            <a:endParaRPr lang="en-US" altLang="zh-CN" dirty="0">
               <a:solidFill>
                 <a:schemeClr val="tx1"/>
               </a:solidFill>
@@ -34291,7 +33637,7 @@
           <a:p>
             <a:pPr algn="ctr"/>
             <a:r>
-              <a:rPr lang="en-US" altLang="zh-CN" dirty="0" smtClean="0">
+              <a:rPr lang="en-US" altLang="zh-CN" dirty="0">
                 <a:solidFill>
                   <a:schemeClr val="tx1"/>
                 </a:solidFill>
@@ -34328,13 +33674,6 @@
       </p:transition>
     </mc:Fallback>
   </mc:AlternateContent>
-  <p:timing>
-    <p:tnLst>
-      <p:par>
-        <p:cTn id="1" dur="indefinite" restart="never" nodeType="tmRoot"/>
-      </p:par>
-    </p:tnLst>
-  </p:timing>
 </p:sld>
 </file>
 
@@ -34360,7 +33699,7 @@
           <p:cNvPr id="14" name="内容占位符 2">
             <a:extLst>
               <a:ext uri="{FF2B5EF4-FFF2-40B4-BE49-F238E27FC236}">
-                <a16:creationId xmlns="" xmlns:a16="http://schemas.microsoft.com/office/drawing/2014/main" id="{772844F7-7D52-4ACF-908A-2B07AD3E014E}"/>
+                <a16:creationId xmlns:a16="http://schemas.microsoft.com/office/drawing/2014/main" id="{772844F7-7D52-4ACF-908A-2B07AD3E014E}"/>
               </a:ext>
             </a:extLst>
           </p:cNvPr>
@@ -34578,21 +33917,7 @@
                 <a:latin typeface="微软雅黑" panose="020B0503020204020204" pitchFamily="34" charset="-122"/>
                 <a:ea typeface="微软雅黑" panose="020B0503020204020204" pitchFamily="34" charset="-122"/>
               </a:rPr>
-              <a:t>基于</a:t>
-            </a:r>
-            <a:r>
-              <a:rPr lang="zh-CN" altLang="en-US" sz="1600" dirty="0" smtClean="0">
-                <a:latin typeface="微软雅黑" panose="020B0503020204020204" pitchFamily="34" charset="-122"/>
-                <a:ea typeface="微软雅黑" panose="020B0503020204020204" pitchFamily="34" charset="-122"/>
-              </a:rPr>
-              <a:t>二次内插</a:t>
-            </a:r>
-            <a:r>
-              <a:rPr lang="zh-CN" altLang="en-US" sz="1600" dirty="0">
-                <a:latin typeface="微软雅黑" panose="020B0503020204020204" pitchFamily="34" charset="-122"/>
-                <a:ea typeface="微软雅黑" panose="020B0503020204020204" pitchFamily="34" charset="-122"/>
-              </a:rPr>
-              <a:t>法的查找表压缩</a:t>
+              <a:t>基于二次内插法的查找表压缩</a:t>
             </a:r>
             <a:endParaRPr lang="en-US" altLang="zh-CN" sz="1600" dirty="0">
               <a:latin typeface="微软雅黑" panose="020B0503020204020204" pitchFamily="34" charset="-122"/>
@@ -34613,31 +33938,24 @@
                 <a:latin typeface="微软雅黑" panose="020B0503020204020204" pitchFamily="34" charset="-122"/>
                 <a:ea typeface="微软雅黑" panose="020B0503020204020204" pitchFamily="34" charset="-122"/>
               </a:rPr>
-              <a:t>特</a:t>
-            </a:r>
-            <a:r>
-              <a:rPr lang="zh-CN" altLang="en-US" sz="1300" dirty="0" smtClean="0">
-                <a:latin typeface="微软雅黑" panose="020B0503020204020204" pitchFamily="34" charset="-122"/>
-                <a:ea typeface="微软雅黑" panose="020B0503020204020204" pitchFamily="34" charset="-122"/>
-              </a:rPr>
-              <a:t>点：索引压缩比例从线性的</a:t>
-            </a:r>
-            <a:r>
-              <a:rPr lang="en-US" altLang="zh-CN" sz="1300" dirty="0" smtClean="0">
+              <a:t>特点：索引压缩比例从线性的</a:t>
+            </a:r>
+            <a:r>
+              <a:rPr lang="en-US" altLang="zh-CN" sz="1300" dirty="0">
                 <a:latin typeface="微软雅黑" panose="020B0503020204020204" pitchFamily="34" charset="-122"/>
                 <a:ea typeface="微软雅黑" panose="020B0503020204020204" pitchFamily="34" charset="-122"/>
               </a:rPr>
               <a:t>50%</a:t>
             </a:r>
             <a:r>
-              <a:rPr lang="zh-CN" altLang="en-US" sz="1300" dirty="0" smtClean="0">
+              <a:rPr lang="zh-CN" altLang="en-US" sz="1300" dirty="0">
                 <a:latin typeface="微软雅黑" panose="020B0503020204020204" pitchFamily="34" charset="-122"/>
                 <a:ea typeface="微软雅黑" panose="020B0503020204020204" pitchFamily="34" charset="-122"/>
               </a:rPr>
               <a:t>降低到</a:t>
             </a:r>
             <a:r>
-              <a:rPr lang="en-US" altLang="zh-CN" sz="1300" b="1" dirty="0" smtClean="0">
+              <a:rPr lang="en-US" altLang="zh-CN" sz="1300" b="1" dirty="0">
                 <a:latin typeface="微软雅黑" panose="020B0503020204020204" pitchFamily="34" charset="-122"/>
                 <a:ea typeface="微软雅黑" panose="020B0503020204020204" pitchFamily="34" charset="-122"/>
               </a:rPr>
@@ -34654,13 +33972,13 @@
               </a:spcAft>
             </a:pPr>
             <a:r>
-              <a:rPr lang="zh-CN" altLang="en-US" sz="1300" dirty="0" smtClean="0">
+              <a:rPr lang="zh-CN" altLang="en-US" sz="1300" dirty="0">
                 <a:latin typeface="微软雅黑" panose="020B0503020204020204" pitchFamily="34" charset="-122"/>
                 <a:ea typeface="微软雅黑" panose="020B0503020204020204" pitchFamily="34" charset="-122"/>
               </a:rPr>
               <a:t>不足：额外增加了乘法操作和平方操作</a:t>
             </a:r>
-            <a:endParaRPr lang="en-US" altLang="zh-CN" sz="1300" dirty="0" smtClean="0">
+            <a:endParaRPr lang="en-US" altLang="zh-CN" sz="1300" dirty="0">
               <a:latin typeface="微软雅黑" panose="020B0503020204020204" pitchFamily="34" charset="-122"/>
               <a:ea typeface="微软雅黑" panose="020B0503020204020204" pitchFamily="34" charset="-122"/>
             </a:endParaRPr>
@@ -34675,13 +33993,13 @@
               </a:spcAft>
             </a:pPr>
             <a:r>
-              <a:rPr lang="zh-CN" altLang="en-US" sz="1600" dirty="0" smtClean="0">
+              <a:rPr lang="zh-CN" altLang="en-US" sz="1600" dirty="0">
                 <a:latin typeface="微软雅黑" panose="020B0503020204020204" pitchFamily="34" charset="-122"/>
                 <a:ea typeface="微软雅黑" panose="020B0503020204020204" pitchFamily="34" charset="-122"/>
               </a:rPr>
               <a:t>查找表乘法器和角度旋转结合</a:t>
             </a:r>
-            <a:endParaRPr lang="en-US" altLang="zh-CN" sz="1600" dirty="0" smtClean="0">
+            <a:endParaRPr lang="en-US" altLang="zh-CN" sz="1600" dirty="0">
               <a:latin typeface="微软雅黑" panose="020B0503020204020204" pitchFamily="34" charset="-122"/>
               <a:ea typeface="微软雅黑" panose="020B0503020204020204" pitchFamily="34" charset="-122"/>
             </a:endParaRPr>
@@ -34700,16 +34018,9 @@
                 <a:latin typeface="微软雅黑" panose="020B0503020204020204" pitchFamily="34" charset="-122"/>
                 <a:ea typeface="微软雅黑" panose="020B0503020204020204" pitchFamily="34" charset="-122"/>
               </a:rPr>
-              <a:t>特</a:t>
-            </a:r>
-            <a:r>
-              <a:rPr lang="zh-CN" altLang="en-US" sz="1300" dirty="0" smtClean="0">
-                <a:latin typeface="微软雅黑" panose="020B0503020204020204" pitchFamily="34" charset="-122"/>
-                <a:ea typeface="微软雅黑" panose="020B0503020204020204" pitchFamily="34" charset="-122"/>
-              </a:rPr>
-              <a:t>点：减少了算法中的乘法操作，杂散性能优异</a:t>
-            </a:r>
-            <a:endParaRPr lang="en-US" altLang="zh-CN" sz="1300" dirty="0" smtClean="0">
+              <a:t>特点：减少了算法中的乘法操作，杂散性能优异</a:t>
+            </a:r>
+            <a:endParaRPr lang="en-US" altLang="zh-CN" sz="1300" dirty="0">
               <a:latin typeface="微软雅黑" panose="020B0503020204020204" pitchFamily="34" charset="-122"/>
               <a:ea typeface="微软雅黑" panose="020B0503020204020204" pitchFamily="34" charset="-122"/>
             </a:endParaRPr>
@@ -34724,7 +34035,7 @@
               </a:spcAft>
             </a:pPr>
             <a:r>
-              <a:rPr lang="zh-CN" altLang="en-US" sz="1300" dirty="0" smtClean="0">
+              <a:rPr lang="zh-CN" altLang="en-US" sz="1300" dirty="0">
                 <a:latin typeface="微软雅黑" panose="020B0503020204020204" pitchFamily="34" charset="-122"/>
                 <a:ea typeface="微软雅黑" panose="020B0503020204020204" pitchFamily="34" charset="-122"/>
               </a:rPr>
@@ -34749,30 +34060,23 @@
                 <a:latin typeface="微软雅黑" panose="020B0503020204020204" pitchFamily="34" charset="-122"/>
                 <a:ea typeface="微软雅黑" panose="020B0503020204020204" pitchFamily="34" charset="-122"/>
               </a:rPr>
-              <a:t>对</a:t>
-            </a:r>
-            <a:r>
-              <a:rPr lang="zh-CN" altLang="en-US" sz="1600" dirty="0" smtClean="0">
-                <a:latin typeface="微软雅黑" panose="020B0503020204020204" pitchFamily="34" charset="-122"/>
-                <a:ea typeface="微软雅黑" panose="020B0503020204020204" pitchFamily="34" charset="-122"/>
-              </a:rPr>
-              <a:t>非线性</a:t>
-            </a:r>
-            <a:r>
-              <a:rPr lang="en-US" altLang="zh-CN" sz="1600" dirty="0" smtClean="0">
+              <a:t>对非线性</a:t>
+            </a:r>
+            <a:r>
+              <a:rPr lang="en-US" altLang="zh-CN" sz="1600" dirty="0">
                 <a:latin typeface="微软雅黑" panose="020B0503020204020204" pitchFamily="34" charset="-122"/>
                 <a:ea typeface="微软雅黑" panose="020B0503020204020204" pitchFamily="34" charset="-122"/>
               </a:rPr>
               <a:t>DAC</a:t>
             </a:r>
             <a:r>
-              <a:rPr lang="zh-CN" altLang="en-US" sz="1600" dirty="0" smtClean="0">
+              <a:rPr lang="zh-CN" altLang="en-US" sz="1600" dirty="0">
                 <a:latin typeface="微软雅黑" panose="020B0503020204020204" pitchFamily="34" charset="-122"/>
                 <a:ea typeface="微软雅黑" panose="020B0503020204020204" pitchFamily="34" charset="-122"/>
               </a:rPr>
               <a:t>的压缩</a:t>
             </a:r>
-            <a:endParaRPr lang="en-US" altLang="zh-CN" sz="1600" dirty="0" smtClean="0">
+            <a:endParaRPr lang="en-US" altLang="zh-CN" sz="1600" dirty="0">
               <a:latin typeface="微软雅黑" panose="020B0503020204020204" pitchFamily="34" charset="-122"/>
               <a:ea typeface="微软雅黑" panose="020B0503020204020204" pitchFamily="34" charset="-122"/>
             </a:endParaRPr>
@@ -34787,28 +34091,28 @@
               </a:spcAft>
             </a:pPr>
             <a:r>
-              <a:rPr lang="zh-CN" altLang="en-US" sz="1300" dirty="0" smtClean="0">
+              <a:rPr lang="zh-CN" altLang="en-US" sz="1300" dirty="0">
                 <a:latin typeface="微软雅黑" panose="020B0503020204020204" pitchFamily="34" charset="-122"/>
                 <a:ea typeface="微软雅黑" panose="020B0503020204020204" pitchFamily="34" charset="-122"/>
               </a:rPr>
               <a:t>特点：压缩非线性</a:t>
             </a:r>
             <a:r>
-              <a:rPr lang="en-US" altLang="zh-CN" sz="1300" dirty="0" smtClean="0">
+              <a:rPr lang="en-US" altLang="zh-CN" sz="1300" dirty="0">
                 <a:latin typeface="微软雅黑" panose="020B0503020204020204" pitchFamily="34" charset="-122"/>
                 <a:ea typeface="微软雅黑" panose="020B0503020204020204" pitchFamily="34" charset="-122"/>
               </a:rPr>
               <a:t>DAC</a:t>
             </a:r>
             <a:r>
-              <a:rPr lang="zh-CN" altLang="en-US" sz="1300" dirty="0" smtClean="0">
+              <a:rPr lang="zh-CN" altLang="en-US" sz="1300" dirty="0">
                 <a:latin typeface="微软雅黑" panose="020B0503020204020204" pitchFamily="34" charset="-122"/>
                 <a:ea typeface="微软雅黑" panose="020B0503020204020204" pitchFamily="34" charset="-122"/>
               </a:rPr>
               <a:t>单元，优化</a:t>
             </a:r>
             <a:r>
-              <a:rPr lang="en-US" altLang="zh-CN" sz="1300" dirty="0" smtClean="0">
+              <a:rPr lang="en-US" altLang="zh-CN" sz="1300" dirty="0">
                 <a:latin typeface="微软雅黑" panose="020B0503020204020204" pitchFamily="34" charset="-122"/>
                 <a:ea typeface="微软雅黑" panose="020B0503020204020204" pitchFamily="34" charset="-122"/>
               </a:rPr>
@@ -34819,54 +34123,43 @@
                 <a:latin typeface="微软雅黑" panose="020B0503020204020204" pitchFamily="34" charset="-122"/>
                 <a:ea typeface="微软雅黑" panose="020B0503020204020204" pitchFamily="34" charset="-122"/>
               </a:rPr>
-              <a:t>物理</a:t>
-            </a:r>
-            <a:r>
-              <a:rPr lang="zh-CN" altLang="en-US" sz="1300" dirty="0" smtClean="0">
-                <a:latin typeface="微软雅黑" panose="020B0503020204020204" pitchFamily="34" charset="-122"/>
-                <a:ea typeface="微软雅黑" panose="020B0503020204020204" pitchFamily="34" charset="-122"/>
-              </a:rPr>
-              <a:t>特性，使得时钟频率达到</a:t>
-            </a:r>
-            <a:r>
-              <a:rPr lang="en-US" altLang="zh-CN" sz="1300" dirty="0" smtClean="0">
+              <a:t>物理特性，使得时钟频率达到</a:t>
+            </a:r>
+            <a:r>
+              <a:rPr lang="en-US" altLang="zh-CN" sz="1300" dirty="0">
                 <a:latin typeface="微软雅黑" panose="020B0503020204020204" pitchFamily="34" charset="-122"/>
                 <a:ea typeface="微软雅黑" panose="020B0503020204020204" pitchFamily="34" charset="-122"/>
               </a:rPr>
               <a:t>2 GHz</a:t>
             </a:r>
             <a:r>
-              <a:rPr lang="zh-CN" altLang="en-US" sz="1300" dirty="0" smtClean="0">
+              <a:rPr lang="zh-CN" altLang="en-US" sz="1300" dirty="0">
                 <a:latin typeface="微软雅黑" panose="020B0503020204020204" pitchFamily="34" charset="-122"/>
                 <a:ea typeface="微软雅黑" panose="020B0503020204020204" pitchFamily="34" charset="-122"/>
               </a:rPr>
               <a:t>，</a:t>
             </a:r>
             <a:r>
-              <a:rPr lang="en-US" altLang="zh-CN" sz="1300" dirty="0" smtClean="0">
+              <a:rPr lang="en-US" altLang="zh-CN" sz="1300" dirty="0">
                 <a:latin typeface="微软雅黑" panose="020B0503020204020204" pitchFamily="34" charset="-122"/>
                 <a:ea typeface="微软雅黑" panose="020B0503020204020204" pitchFamily="34" charset="-122"/>
               </a:rPr>
               <a:t>SFDR</a:t>
             </a:r>
             <a:r>
-              <a:rPr lang="zh-CN" altLang="en-US" sz="1300" dirty="0" smtClean="0">
+              <a:rPr lang="zh-CN" altLang="en-US" sz="1300" dirty="0">
                 <a:latin typeface="微软雅黑" panose="020B0503020204020204" pitchFamily="34" charset="-122"/>
                 <a:ea typeface="微软雅黑" panose="020B0503020204020204" pitchFamily="34" charset="-122"/>
               </a:rPr>
               <a:t>保持</a:t>
             </a:r>
             <a:r>
-              <a:rPr lang="en-US" altLang="zh-CN" sz="1300" dirty="0" smtClean="0">
+              <a:rPr lang="en-US" altLang="zh-CN" sz="1300" dirty="0">
                 <a:latin typeface="微软雅黑" panose="020B0503020204020204" pitchFamily="34" charset="-122"/>
                 <a:ea typeface="微软雅黑" panose="020B0503020204020204" pitchFamily="34" charset="-122"/>
               </a:rPr>
               <a:t>55dBc</a:t>
             </a:r>
-            <a:endParaRPr lang="en-US" altLang="zh-CN" sz="1300" dirty="0">
-              <a:latin typeface="微软雅黑" panose="020B0503020204020204" pitchFamily="34" charset="-122"/>
-              <a:ea typeface="微软雅黑" panose="020B0503020204020204" pitchFamily="34" charset="-122"/>
-            </a:endParaRPr>
           </a:p>
           <a:p>
             <a:pPr lvl="3">
@@ -34882,14 +34175,7 @@
                 <a:latin typeface="微软雅黑" panose="020B0503020204020204" pitchFamily="34" charset="-122"/>
                 <a:ea typeface="微软雅黑" panose="020B0503020204020204" pitchFamily="34" charset="-122"/>
               </a:rPr>
-              <a:t>局限</a:t>
-            </a:r>
-            <a:r>
-              <a:rPr lang="zh-CN" altLang="en-US" sz="1300" dirty="0" smtClean="0">
-                <a:latin typeface="微软雅黑" panose="020B0503020204020204" pitchFamily="34" charset="-122"/>
-                <a:ea typeface="微软雅黑" panose="020B0503020204020204" pitchFamily="34" charset="-122"/>
-              </a:rPr>
-              <a:t>：非线性</a:t>
+              <a:t>局限：非线性</a:t>
             </a:r>
             <a:r>
               <a:rPr lang="en-US" altLang="zh-CN" sz="1300" dirty="0">
@@ -34899,27 +34185,13 @@
               <a:t>DAC</a:t>
             </a:r>
             <a:r>
-              <a:rPr lang="zh-CN" altLang="en-US" sz="1300" dirty="0" smtClean="0">
-                <a:latin typeface="微软雅黑" panose="020B0503020204020204" pitchFamily="34" charset="-122"/>
-                <a:ea typeface="微软雅黑" panose="020B0503020204020204" pitchFamily="34" charset="-122"/>
-              </a:rPr>
-              <a:t>的功耗</a:t>
-            </a:r>
-            <a:r>
               <a:rPr lang="zh-CN" altLang="en-US" sz="1300" dirty="0">
                 <a:latin typeface="微软雅黑" panose="020B0503020204020204" pitchFamily="34" charset="-122"/>
                 <a:ea typeface="微软雅黑" panose="020B0503020204020204" pitchFamily="34" charset="-122"/>
               </a:rPr>
-              <a:t>过</a:t>
-            </a:r>
-            <a:r>
-              <a:rPr lang="zh-CN" altLang="en-US" sz="1300" dirty="0" smtClean="0">
-                <a:latin typeface="微软雅黑" panose="020B0503020204020204" pitchFamily="34" charset="-122"/>
-                <a:ea typeface="微软雅黑" panose="020B0503020204020204" pitchFamily="34" charset="-122"/>
-              </a:rPr>
-              <a:t>大，在其他领域使用价值有限</a:t>
-            </a:r>
-            <a:endParaRPr lang="en-US" altLang="zh-CN" sz="1600" dirty="0" smtClean="0">
+              <a:t>的功耗过大，在其他领域使用价值有限</a:t>
+            </a:r>
+            <a:endParaRPr lang="en-US" altLang="zh-CN" sz="1600" dirty="0">
               <a:latin typeface="微软雅黑" panose="020B0503020204020204" pitchFamily="34" charset="-122"/>
               <a:ea typeface="微软雅黑" panose="020B0503020204020204" pitchFamily="34" charset="-122"/>
             </a:endParaRPr>
@@ -34934,13 +34206,13 @@
               </a:spcAft>
             </a:pPr>
             <a:r>
-              <a:rPr lang="zh-CN" altLang="en-US" sz="1600" dirty="0" smtClean="0">
+              <a:rPr lang="zh-CN" altLang="en-US" sz="1600" dirty="0">
                 <a:latin typeface="微软雅黑" panose="020B0503020204020204" pitchFamily="34" charset="-122"/>
                 <a:ea typeface="微软雅黑" panose="020B0503020204020204" pitchFamily="34" charset="-122"/>
               </a:rPr>
               <a:t>研究思路总结</a:t>
             </a:r>
-            <a:endParaRPr lang="en-US" altLang="zh-CN" sz="1600" dirty="0" smtClean="0">
+            <a:endParaRPr lang="en-US" altLang="zh-CN" sz="1600" dirty="0">
               <a:latin typeface="微软雅黑" panose="020B0503020204020204" pitchFamily="34" charset="-122"/>
               <a:ea typeface="微软雅黑" panose="020B0503020204020204" pitchFamily="34" charset="-122"/>
             </a:endParaRPr>
@@ -34955,13 +34227,13 @@
               </a:spcAft>
             </a:pPr>
             <a:r>
-              <a:rPr lang="zh-CN" altLang="en-US" sz="1300" dirty="0" smtClean="0">
+              <a:rPr lang="zh-CN" altLang="en-US" sz="1300" dirty="0">
                 <a:latin typeface="微软雅黑" panose="020B0503020204020204" pitchFamily="34" charset="-122"/>
                 <a:ea typeface="微软雅黑" panose="020B0503020204020204" pitchFamily="34" charset="-122"/>
               </a:rPr>
               <a:t>主流研究仍在结合查找表压缩的思路</a:t>
             </a:r>
-            <a:endParaRPr lang="en-US" altLang="zh-CN" sz="1300" dirty="0" smtClean="0">
+            <a:endParaRPr lang="en-US" altLang="zh-CN" sz="1300" dirty="0">
               <a:latin typeface="微软雅黑" panose="020B0503020204020204" pitchFamily="34" charset="-122"/>
               <a:ea typeface="微软雅黑" panose="020B0503020204020204" pitchFamily="34" charset="-122"/>
             </a:endParaRPr>
@@ -34976,69 +34248,55 @@
               </a:spcAft>
             </a:pPr>
             <a:r>
-              <a:rPr lang="zh-CN" altLang="en-US" sz="1300" dirty="0" smtClean="0">
-                <a:latin typeface="微软雅黑" panose="020B0503020204020204" pitchFamily="34" charset="-122"/>
-                <a:ea typeface="微软雅黑" panose="020B0503020204020204" pitchFamily="34" charset="-122"/>
-              </a:rPr>
-              <a:t>结合查找表压缩和</a:t>
-            </a:r>
-            <a:r>
               <a:rPr lang="zh-CN" altLang="en-US" sz="1300" dirty="0">
                 <a:latin typeface="微软雅黑" panose="020B0503020204020204" pitchFamily="34" charset="-122"/>
                 <a:ea typeface="微软雅黑" panose="020B0503020204020204" pitchFamily="34" charset="-122"/>
               </a:rPr>
-              <a:t>角度</a:t>
-            </a:r>
-            <a:r>
-              <a:rPr lang="zh-CN" altLang="en-US" sz="1300" dirty="0" smtClean="0">
-                <a:latin typeface="微软雅黑" panose="020B0503020204020204" pitchFamily="34" charset="-122"/>
-                <a:ea typeface="微软雅黑" panose="020B0503020204020204" pitchFamily="34" charset="-122"/>
-              </a:rPr>
-              <a:t>旋转法，在</a:t>
-            </a:r>
-            <a:r>
-              <a:rPr lang="zh-CN" altLang="en-US" sz="1300" b="1" dirty="0" smtClean="0">
+              <a:t>结合查找表压缩和角度旋转法，在</a:t>
+            </a:r>
+            <a:r>
+              <a:rPr lang="zh-CN" altLang="en-US" sz="1300" b="1" dirty="0">
                 <a:latin typeface="微软雅黑" panose="020B0503020204020204" pitchFamily="34" charset="-122"/>
                 <a:ea typeface="微软雅黑" panose="020B0503020204020204" pitchFamily="34" charset="-122"/>
               </a:rPr>
               <a:t>杂散性能</a:t>
             </a:r>
             <a:r>
-              <a:rPr lang="zh-CN" altLang="en-US" sz="1300" dirty="0" smtClean="0">
+              <a:rPr lang="zh-CN" altLang="en-US" sz="1300" dirty="0">
                 <a:latin typeface="微软雅黑" panose="020B0503020204020204" pitchFamily="34" charset="-122"/>
                 <a:ea typeface="微软雅黑" panose="020B0503020204020204" pitchFamily="34" charset="-122"/>
               </a:rPr>
               <a:t>、</a:t>
             </a:r>
             <a:r>
-              <a:rPr lang="zh-CN" altLang="en-US" sz="1300" b="1" dirty="0" smtClean="0">
+              <a:rPr lang="zh-CN" altLang="en-US" sz="1300" b="1" dirty="0">
                 <a:latin typeface="微软雅黑" panose="020B0503020204020204" pitchFamily="34" charset="-122"/>
                 <a:ea typeface="微软雅黑" panose="020B0503020204020204" pitchFamily="34" charset="-122"/>
               </a:rPr>
               <a:t>功耗</a:t>
             </a:r>
             <a:r>
-              <a:rPr lang="zh-CN" altLang="en-US" sz="1300" dirty="0" smtClean="0">
+              <a:rPr lang="zh-CN" altLang="en-US" sz="1300" dirty="0">
                 <a:latin typeface="微软雅黑" panose="020B0503020204020204" pitchFamily="34" charset="-122"/>
                 <a:ea typeface="微软雅黑" panose="020B0503020204020204" pitchFamily="34" charset="-122"/>
               </a:rPr>
               <a:t>上都表现较好，有</a:t>
             </a:r>
             <a:r>
-              <a:rPr lang="zh-CN" altLang="en-US" sz="1300" b="1" dirty="0" smtClean="0">
+              <a:rPr lang="zh-CN" altLang="en-US" sz="1300" b="1" dirty="0">
                 <a:latin typeface="微软雅黑" panose="020B0503020204020204" pitchFamily="34" charset="-122"/>
                 <a:ea typeface="微软雅黑" panose="020B0503020204020204" pitchFamily="34" charset="-122"/>
               </a:rPr>
               <a:t>提升时钟频率</a:t>
             </a:r>
             <a:r>
-              <a:rPr lang="zh-CN" altLang="en-US" sz="1300" dirty="0" smtClean="0">
+              <a:rPr lang="zh-CN" altLang="en-US" sz="1300" dirty="0">
                 <a:latin typeface="微软雅黑" panose="020B0503020204020204" pitchFamily="34" charset="-122"/>
                 <a:ea typeface="微软雅黑" panose="020B0503020204020204" pitchFamily="34" charset="-122"/>
               </a:rPr>
               <a:t>的潜力</a:t>
             </a:r>
-            <a:endParaRPr lang="en-US" altLang="zh-CN" sz="1300" dirty="0" smtClean="0">
+            <a:endParaRPr lang="en-US" altLang="zh-CN" sz="1300" dirty="0">
               <a:latin typeface="微软雅黑" panose="020B0503020204020204" pitchFamily="34" charset="-122"/>
               <a:ea typeface="微软雅黑" panose="020B0503020204020204" pitchFamily="34" charset="-122"/>
             </a:endParaRPr>
@@ -35053,14 +34311,14 @@
               </a:spcAft>
             </a:pPr>
             <a:r>
-              <a:rPr lang="zh-CN" altLang="en-US" sz="1300" dirty="0" smtClean="0">
+              <a:rPr lang="zh-CN" altLang="en-US" sz="1300" dirty="0">
                 <a:latin typeface="微软雅黑" panose="020B0503020204020204" pitchFamily="34" charset="-122"/>
                 <a:ea typeface="微软雅黑" panose="020B0503020204020204" pitchFamily="34" charset="-122"/>
               </a:rPr>
               <a:t>综合考虑性能、任务挑战度和设计需求，最终选择用查找表法和角度旋转法实现</a:t>
             </a:r>
             <a:r>
-              <a:rPr lang="en-US" altLang="zh-CN" sz="1300" dirty="0" smtClean="0">
+              <a:rPr lang="en-US" altLang="zh-CN" sz="1300" dirty="0">
                 <a:latin typeface="微软雅黑" panose="020B0503020204020204" pitchFamily="34" charset="-122"/>
                 <a:ea typeface="微软雅黑" panose="020B0503020204020204" pitchFamily="34" charset="-122"/>
               </a:rPr>
@@ -35091,21 +34349,16 @@
           <a:p>
             <a:r>
               <a:rPr lang="zh-CN" altLang="en-US" sz="3600" dirty="0"/>
-              <a:t>课题</a:t>
-            </a:r>
-            <a:r>
-              <a:rPr lang="zh-CN" altLang="en-US" sz="3600" dirty="0" smtClean="0"/>
-              <a:t>背景</a:t>
-            </a:r>
-            <a:r>
-              <a:rPr lang="en-US" altLang="zh-CN" sz="3600" dirty="0" smtClean="0"/>
+              <a:t>课题背景</a:t>
+            </a:r>
+            <a:r>
+              <a:rPr lang="en-US" altLang="zh-CN" sz="3600" dirty="0"/>
               <a:t>——</a:t>
             </a:r>
             <a:r>
-              <a:rPr lang="zh-CN" altLang="en-US" sz="3600" dirty="0" smtClean="0"/>
+              <a:rPr lang="zh-CN" altLang="en-US" sz="3600" dirty="0"/>
               <a:t>以往工作</a:t>
             </a:r>
-            <a:endParaRPr lang="zh-CN" altLang="en-US" sz="3600" dirty="0"/>
           </a:p>
         </p:txBody>
       </p:sp>
@@ -35134,18 +34387,13 @@
           <a:p>
             <a:pPr algn="ctr"/>
             <a:r>
-              <a:rPr lang="en-US" altLang="zh-CN" sz="1200" dirty="0" smtClean="0">
+              <a:rPr lang="en-US" altLang="zh-CN" sz="1200" dirty="0">
                 <a:solidFill>
                   <a:srgbClr val="000000"/>
                 </a:solidFill>
               </a:rPr>
               <a:t>6/17</a:t>
             </a:r>
-            <a:endParaRPr lang="en-US" altLang="zh-CN" sz="1200" dirty="0">
-              <a:solidFill>
-                <a:srgbClr val="000000"/>
-              </a:solidFill>
-            </a:endParaRPr>
           </a:p>
         </p:txBody>
       </p:sp>
@@ -35177,42 +34425,42 @@
                 <a:gridCol w="1210880">
                   <a:extLst>
                     <a:ext uri="{9D8B030D-6E8A-4147-A177-3AD203B41FA5}">
-                      <a16:colId xmlns="" xmlns:a16="http://schemas.microsoft.com/office/drawing/2014/main" val="20000"/>
+                      <a16:colId xmlns:a16="http://schemas.microsoft.com/office/drawing/2014/main" val="20000"/>
                     </a:ext>
                   </a:extLst>
                 </a:gridCol>
                 <a:gridCol w="536202">
                   <a:extLst>
                     <a:ext uri="{9D8B030D-6E8A-4147-A177-3AD203B41FA5}">
-                      <a16:colId xmlns="" xmlns:a16="http://schemas.microsoft.com/office/drawing/2014/main" val="20001"/>
+                      <a16:colId xmlns:a16="http://schemas.microsoft.com/office/drawing/2014/main" val="20001"/>
                     </a:ext>
                   </a:extLst>
                 </a:gridCol>
                 <a:gridCol w="573741">
                   <a:extLst>
                     <a:ext uri="{9D8B030D-6E8A-4147-A177-3AD203B41FA5}">
-                      <a16:colId xmlns="" xmlns:a16="http://schemas.microsoft.com/office/drawing/2014/main" val="20002"/>
+                      <a16:colId xmlns:a16="http://schemas.microsoft.com/office/drawing/2014/main" val="20002"/>
                     </a:ext>
                   </a:extLst>
                 </a:gridCol>
                 <a:gridCol w="797859">
                   <a:extLst>
                     <a:ext uri="{9D8B030D-6E8A-4147-A177-3AD203B41FA5}">
-                      <a16:colId xmlns="" xmlns:a16="http://schemas.microsoft.com/office/drawing/2014/main" val="20003"/>
+                      <a16:colId xmlns:a16="http://schemas.microsoft.com/office/drawing/2014/main" val="20003"/>
                     </a:ext>
                   </a:extLst>
                 </a:gridCol>
                 <a:gridCol w="600635">
                   <a:extLst>
                     <a:ext uri="{9D8B030D-6E8A-4147-A177-3AD203B41FA5}">
-                      <a16:colId xmlns="" xmlns:a16="http://schemas.microsoft.com/office/drawing/2014/main" val="20004"/>
+                      <a16:colId xmlns:a16="http://schemas.microsoft.com/office/drawing/2014/main" val="20004"/>
                     </a:ext>
                   </a:extLst>
                 </a:gridCol>
                 <a:gridCol w="510988">
                   <a:extLst>
                     <a:ext uri="{9D8B030D-6E8A-4147-A177-3AD203B41FA5}">
-                      <a16:colId xmlns="" xmlns:a16="http://schemas.microsoft.com/office/drawing/2014/main" val="20005"/>
+                      <a16:colId xmlns:a16="http://schemas.microsoft.com/office/drawing/2014/main" val="20005"/>
                     </a:ext>
                   </a:extLst>
                 </a:gridCol>
@@ -35232,13 +34480,13 @@
                         </a:spcAft>
                       </a:pPr>
                       <a:r>
-                        <a:rPr lang="en-US" sz="1300" kern="0" dirty="0" smtClean="0">
+                        <a:rPr lang="en-US" sz="1300" kern="0" dirty="0">
                           <a:effectLst/>
                         </a:rPr>
                         <a:t>DDS</a:t>
                       </a:r>
                       <a:r>
-                        <a:rPr lang="zh-CN" altLang="en-US" sz="1300" kern="0" dirty="0" smtClean="0">
+                        <a:rPr lang="zh-CN" altLang="en-US" sz="1300" kern="0" dirty="0">
                           <a:effectLst/>
                         </a:rPr>
                         <a:t>方法</a:t>
@@ -35296,12 +34544,12 @@
                         </a:spcAft>
                       </a:pPr>
                       <a:r>
-                        <a:rPr lang="zh-CN" sz="1300" kern="0" dirty="0" smtClean="0">
+                        <a:rPr lang="zh-CN" sz="1300" kern="0" dirty="0">
                           <a:effectLst/>
                         </a:rPr>
                         <a:t>工艺</a:t>
                       </a:r>
-                      <a:endParaRPr lang="en-US" altLang="zh-CN" sz="1300" kern="0" dirty="0" smtClean="0">
+                      <a:endParaRPr lang="en-US" altLang="zh-CN" sz="1300" kern="0" dirty="0">
                         <a:effectLst/>
                       </a:endParaRPr>
                     </a:p>
@@ -35315,7 +34563,7 @@
                         </a:spcAft>
                       </a:pPr>
                       <a:r>
-                        <a:rPr lang="en-US" altLang="zh-CN" sz="1300" kern="0" dirty="0" smtClean="0">
+                        <a:rPr lang="en-US" altLang="zh-CN" sz="1300" kern="0" dirty="0">
                           <a:effectLst/>
                           <a:latin typeface="Times New Roman" panose="02020603050405020304" pitchFamily="18" charset="0"/>
                           <a:ea typeface="宋体" panose="02010600030101010101" pitchFamily="2" charset="-122"/>
@@ -35347,12 +34595,12 @@
                         </a:spcAft>
                       </a:pPr>
                       <a:r>
-                        <a:rPr lang="zh-CN" sz="1300" kern="0" dirty="0" smtClean="0">
+                        <a:rPr lang="zh-CN" sz="1300" kern="0" dirty="0">
                           <a:effectLst/>
                         </a:rPr>
                         <a:t>时钟频率</a:t>
                       </a:r>
-                      <a:endParaRPr lang="en-US" altLang="zh-CN" sz="1300" kern="0" dirty="0" smtClean="0">
+                      <a:endParaRPr lang="en-US" altLang="zh-CN" sz="1300" kern="0" dirty="0">
                         <a:effectLst/>
                       </a:endParaRPr>
                     </a:p>
@@ -35366,7 +34614,7 @@
                         </a:spcAft>
                       </a:pPr>
                       <a:r>
-                        <a:rPr lang="en-US" altLang="zh-CN" sz="1300" kern="0" dirty="0" smtClean="0">
+                        <a:rPr lang="en-US" altLang="zh-CN" sz="1300" kern="0" dirty="0">
                           <a:effectLst/>
                           <a:latin typeface="Times New Roman" panose="02020603050405020304" pitchFamily="18" charset="0"/>
                           <a:ea typeface="宋体" panose="02010600030101010101" pitchFamily="2" charset="-122"/>
@@ -35398,7 +34646,7 @@
                         </a:spcAft>
                       </a:pPr>
                       <a:r>
-                        <a:rPr lang="en-US" sz="1300" kern="0" dirty="0" smtClean="0">
+                        <a:rPr lang="en-US" sz="1300" kern="0" dirty="0">
                           <a:effectLst/>
                         </a:rPr>
                         <a:t>SFDR</a:t>
@@ -35414,7 +34662,7 @@
                         </a:spcAft>
                       </a:pPr>
                       <a:r>
-                        <a:rPr lang="en-US" altLang="zh-CN" sz="1300" kern="0" dirty="0" smtClean="0">
+                        <a:rPr lang="en-US" altLang="zh-CN" sz="1300" kern="0" dirty="0">
                           <a:effectLst/>
                           <a:latin typeface="Times New Roman" panose="02020603050405020304" pitchFamily="18" charset="0"/>
                           <a:ea typeface="宋体" panose="02010600030101010101" pitchFamily="2" charset="-122"/>
@@ -35423,7 +34671,7 @@
                         <a:t>(</a:t>
                       </a:r>
                       <a:r>
-                        <a:rPr lang="en-US" altLang="zh-CN" sz="1300" kern="0" dirty="0" err="1" smtClean="0">
+                        <a:rPr lang="en-US" altLang="zh-CN" sz="1300" kern="0" dirty="0" err="1">
                           <a:effectLst/>
                           <a:latin typeface="Times New Roman" panose="02020603050405020304" pitchFamily="18" charset="0"/>
                           <a:ea typeface="宋体" panose="02010600030101010101" pitchFamily="2" charset="-122"/>
@@ -35432,7 +34680,7 @@
                         <a:t>dBc</a:t>
                       </a:r>
                       <a:r>
-                        <a:rPr lang="en-US" altLang="zh-CN" sz="1300" kern="0" dirty="0" smtClean="0">
+                        <a:rPr lang="en-US" altLang="zh-CN" sz="1300" kern="0" dirty="0">
                           <a:effectLst/>
                           <a:latin typeface="Times New Roman" panose="02020603050405020304" pitchFamily="18" charset="0"/>
                           <a:ea typeface="宋体" panose="02010600030101010101" pitchFamily="2" charset="-122"/>
@@ -35464,12 +34712,12 @@
                         </a:spcAft>
                       </a:pPr>
                       <a:r>
-                        <a:rPr lang="zh-CN" sz="1300" kern="0" dirty="0" smtClean="0">
+                        <a:rPr lang="zh-CN" sz="1300" kern="0" dirty="0">
                           <a:effectLst/>
                         </a:rPr>
                         <a:t>功耗</a:t>
                       </a:r>
-                      <a:endParaRPr lang="en-US" altLang="zh-CN" sz="1300" kern="0" dirty="0" smtClean="0">
+                      <a:endParaRPr lang="en-US" altLang="zh-CN" sz="1300" kern="0" dirty="0">
                         <a:effectLst/>
                       </a:endParaRPr>
                     </a:p>
@@ -35483,7 +34731,7 @@
                         </a:spcAft>
                       </a:pPr>
                       <a:r>
-                        <a:rPr lang="en-US" altLang="zh-CN" sz="1300" kern="0" dirty="0" smtClean="0">
+                        <a:rPr lang="en-US" altLang="zh-CN" sz="1300" kern="0" dirty="0">
                           <a:effectLst/>
                           <a:latin typeface="Times New Roman" panose="02020603050405020304" pitchFamily="18" charset="0"/>
                           <a:ea typeface="宋体" panose="02010600030101010101" pitchFamily="2" charset="-122"/>
@@ -35492,7 +34740,7 @@
                         <a:t>(</a:t>
                       </a:r>
                       <a:r>
-                        <a:rPr lang="en-US" altLang="zh-CN" sz="1300" kern="0" dirty="0" err="1" smtClean="0">
+                        <a:rPr lang="en-US" altLang="zh-CN" sz="1300" kern="0" dirty="0" err="1">
                           <a:effectLst/>
                           <a:latin typeface="Times New Roman" panose="02020603050405020304" pitchFamily="18" charset="0"/>
                           <a:ea typeface="宋体" panose="02010600030101010101" pitchFamily="2" charset="-122"/>
@@ -35501,7 +34749,7 @@
                         <a:t>mW</a:t>
                       </a:r>
                       <a:r>
-                        <a:rPr lang="en-US" altLang="zh-CN" sz="1300" kern="0" dirty="0" smtClean="0">
+                        <a:rPr lang="en-US" altLang="zh-CN" sz="1300" kern="0" dirty="0">
                           <a:effectLst/>
                           <a:latin typeface="Times New Roman" panose="02020603050405020304" pitchFamily="18" charset="0"/>
                           <a:ea typeface="宋体" panose="02010600030101010101" pitchFamily="2" charset="-122"/>
@@ -35521,7 +34769,7 @@
                 </a:tc>
                 <a:extLst>
                   <a:ext uri="{0D108BD9-81ED-4DB2-BD59-A6C34878D82A}">
-                    <a16:rowId xmlns="" xmlns:a16="http://schemas.microsoft.com/office/drawing/2014/main" val="10000"/>
+                    <a16:rowId xmlns:a16="http://schemas.microsoft.com/office/drawing/2014/main" val="10000"/>
                   </a:ext>
                 </a:extLst>
               </a:tr>
@@ -35540,7 +34788,7 @@
                         </a:spcAft>
                       </a:pPr>
                       <a:r>
-                        <a:rPr lang="zh-CN" altLang="en-US" sz="1300" b="0" kern="100" dirty="0" smtClean="0">
+                        <a:rPr lang="zh-CN" altLang="en-US" sz="1300" b="0" kern="100" dirty="0">
                           <a:effectLst/>
                           <a:latin typeface="+mn-lt"/>
                           <a:ea typeface="+mn-ea"/>
@@ -35549,7 +34797,7 @@
                         <a:t>传统方法</a:t>
                       </a:r>
                       <a:r>
-                        <a:rPr lang="en-US" altLang="zh-CN" sz="1300" b="0" kern="100" baseline="30000" dirty="0" smtClean="0">
+                        <a:rPr lang="en-US" altLang="zh-CN" sz="1300" b="0" kern="100" baseline="30000" dirty="0">
                           <a:effectLst/>
                           <a:latin typeface="+mn-lt"/>
                           <a:ea typeface="+mn-ea"/>
@@ -35610,7 +34858,7 @@
                         </a:spcAft>
                       </a:pPr>
                       <a:r>
-                        <a:rPr lang="en-US" altLang="zh-CN" sz="1300" kern="0" dirty="0" smtClean="0">
+                        <a:rPr lang="en-US" altLang="zh-CN" sz="1300" kern="0" dirty="0">
                           <a:effectLst/>
                           <a:latin typeface="+mn-lt"/>
                           <a:ea typeface="+mn-ea"/>
@@ -35642,7 +34890,7 @@
                         </a:spcAft>
                       </a:pPr>
                       <a:r>
-                        <a:rPr lang="en-US" sz="1300" kern="0" dirty="0" smtClean="0">
+                        <a:rPr lang="en-US" sz="1300" kern="0" dirty="0">
                           <a:effectLst/>
                         </a:rPr>
                         <a:t>150</a:t>
@@ -35700,7 +34948,7 @@
                         </a:spcAft>
                       </a:pPr>
                       <a:r>
-                        <a:rPr lang="en-US" altLang="zh-CN" sz="1300" kern="0" dirty="0" smtClean="0">
+                        <a:rPr lang="en-US" altLang="zh-CN" sz="1300" kern="0" dirty="0">
                           <a:effectLst/>
                           <a:latin typeface="+mn-lt"/>
                           <a:ea typeface="+mn-ea"/>
@@ -35720,7 +34968,7 @@
                 </a:tc>
                 <a:extLst>
                   <a:ext uri="{0D108BD9-81ED-4DB2-BD59-A6C34878D82A}">
-                    <a16:rowId xmlns="" xmlns:a16="http://schemas.microsoft.com/office/drawing/2014/main" val="10001"/>
+                    <a16:rowId xmlns:a16="http://schemas.microsoft.com/office/drawing/2014/main" val="10001"/>
                   </a:ext>
                 </a:extLst>
               </a:tr>
@@ -35739,25 +34987,25 @@
                         </a:spcAft>
                       </a:pPr>
                       <a:r>
-                        <a:rPr lang="zh-CN" altLang="en-US" sz="1300" b="0" kern="0" dirty="0" smtClean="0">
+                        <a:rPr lang="zh-CN" altLang="en-US" sz="1300" b="0" kern="0" dirty="0">
                           <a:effectLst/>
                         </a:rPr>
                         <a:t>二次</a:t>
                       </a:r>
                       <a:r>
-                        <a:rPr lang="zh-CN" sz="1300" b="0" kern="0" dirty="0" smtClean="0">
+                        <a:rPr lang="zh-CN" sz="1300" b="0" kern="0" dirty="0">
                           <a:effectLst/>
                         </a:rPr>
                         <a:t>内插</a:t>
                       </a:r>
                       <a:r>
-                        <a:rPr lang="zh-CN" altLang="en-US" sz="1300" b="0" kern="0" dirty="0" smtClean="0">
+                        <a:rPr lang="zh-CN" altLang="en-US" sz="1300" b="0" kern="0" dirty="0">
                           <a:effectLst/>
                         </a:rPr>
                         <a:t>法</a:t>
                       </a:r>
                       <a:r>
-                        <a:rPr lang="en-US" altLang="zh-CN" sz="1300" b="0" kern="0" baseline="30000" dirty="0" smtClean="0">
+                        <a:rPr lang="en-US" altLang="zh-CN" sz="1300" b="0" kern="0" baseline="30000" dirty="0">
                           <a:effectLst/>
                         </a:rPr>
                         <a:t>[2]</a:t>
@@ -35815,7 +35063,7 @@
                         </a:spcAft>
                       </a:pPr>
                       <a:r>
-                        <a:rPr lang="en-US" sz="1300" kern="0" dirty="0" smtClean="0">
+                        <a:rPr lang="en-US" sz="1300" kern="0" dirty="0">
                           <a:effectLst/>
                         </a:rPr>
                         <a:t>0.13</a:t>
@@ -35844,7 +35092,7 @@
                         </a:spcAft>
                       </a:pPr>
                       <a:r>
-                        <a:rPr lang="en-US" sz="1300" kern="0" dirty="0" smtClean="0">
+                        <a:rPr lang="en-US" sz="1300" kern="0" dirty="0">
                           <a:effectLst/>
                         </a:rPr>
                         <a:t>1000</a:t>
@@ -35873,7 +35121,7 @@
                         </a:spcAft>
                       </a:pPr>
                       <a:r>
-                        <a:rPr lang="en-US" sz="1300" kern="0" dirty="0" smtClean="0">
+                        <a:rPr lang="en-US" sz="1300" kern="0" dirty="0">
                           <a:effectLst/>
                         </a:rPr>
                         <a:t>63</a:t>
@@ -35902,7 +35150,7 @@
                         </a:spcAft>
                       </a:pPr>
                       <a:r>
-                        <a:rPr lang="en-US" sz="1300" kern="0" dirty="0" smtClean="0">
+                        <a:rPr lang="en-US" sz="1300" kern="0" dirty="0">
                           <a:effectLst/>
                         </a:rPr>
                         <a:t>8.2</a:t>
@@ -35919,7 +35167,7 @@
                 </a:tc>
                 <a:extLst>
                   <a:ext uri="{0D108BD9-81ED-4DB2-BD59-A6C34878D82A}">
-                    <a16:rowId xmlns="" xmlns:a16="http://schemas.microsoft.com/office/drawing/2014/main" val="10002"/>
+                    <a16:rowId xmlns:a16="http://schemas.microsoft.com/office/drawing/2014/main" val="10002"/>
                   </a:ext>
                 </a:extLst>
               </a:tr>
@@ -35941,16 +35189,10 @@
                         <a:rPr lang="zh-CN" sz="1300" b="0" kern="0" dirty="0">
                           <a:effectLst/>
                         </a:rPr>
-                        <a:t>角度</a:t>
+                        <a:t>角度旋转</a:t>
                       </a:r>
                       <a:r>
-                        <a:rPr lang="zh-CN" sz="1300" b="0" kern="0" dirty="0" smtClean="0">
-                          <a:effectLst/>
-                        </a:rPr>
-                        <a:t>旋转</a:t>
-                      </a:r>
-                      <a:r>
-                        <a:rPr lang="en-US" altLang="zh-CN" sz="1300" b="0" kern="0" baseline="30000" dirty="0" smtClean="0">
+                        <a:rPr lang="en-US" altLang="zh-CN" sz="1300" b="0" kern="0" baseline="30000" dirty="0">
                           <a:effectLst/>
                         </a:rPr>
                         <a:t>[3]</a:t>
@@ -36008,7 +35250,7 @@
                         </a:spcAft>
                       </a:pPr>
                       <a:r>
-                        <a:rPr lang="en-US" sz="1300" kern="0" dirty="0" smtClean="0">
+                        <a:rPr lang="en-US" sz="1300" kern="0" dirty="0">
                           <a:effectLst/>
                         </a:rPr>
                         <a:t>0.18</a:t>
@@ -36037,7 +35279,7 @@
                         </a:spcAft>
                       </a:pPr>
                       <a:r>
-                        <a:rPr lang="en-US" sz="1300" kern="0" dirty="0" smtClean="0">
+                        <a:rPr lang="en-US" sz="1300" kern="0" dirty="0">
                           <a:effectLst/>
                         </a:rPr>
                         <a:t>260</a:t>
@@ -36095,7 +35337,7 @@
                         </a:spcAft>
                       </a:pPr>
                       <a:r>
-                        <a:rPr lang="en-US" sz="1300" kern="0" dirty="0" smtClean="0">
+                        <a:rPr lang="en-US" sz="1300" kern="0" dirty="0">
                           <a:effectLst/>
                         </a:rPr>
                         <a:t>16.5</a:t>
@@ -36112,7 +35354,7 @@
                 </a:tc>
                 <a:extLst>
                   <a:ext uri="{0D108BD9-81ED-4DB2-BD59-A6C34878D82A}">
-                    <a16:rowId xmlns="" xmlns:a16="http://schemas.microsoft.com/office/drawing/2014/main" val="10003"/>
+                    <a16:rowId xmlns:a16="http://schemas.microsoft.com/office/drawing/2014/main" val="10003"/>
                   </a:ext>
                 </a:extLst>
               </a:tr>
@@ -36137,13 +35379,13 @@
                         <a:t>非线性</a:t>
                       </a:r>
                       <a:r>
-                        <a:rPr lang="en-US" sz="1300" b="0" kern="0" dirty="0" smtClean="0">
+                        <a:rPr lang="en-US" sz="1300" b="0" kern="0" dirty="0">
                           <a:effectLst/>
                         </a:rPr>
                         <a:t>DAC</a:t>
                       </a:r>
                       <a:r>
-                        <a:rPr lang="en-US" sz="1300" b="0" kern="0" baseline="30000" dirty="0" smtClean="0">
+                        <a:rPr lang="en-US" sz="1300" b="0" kern="0" baseline="30000" dirty="0">
                           <a:effectLst/>
                         </a:rPr>
                         <a:t>[4]</a:t>
@@ -36201,7 +35443,7 @@
                         </a:spcAft>
                       </a:pPr>
                       <a:r>
-                        <a:rPr lang="en-US" altLang="zh-CN" sz="1300" kern="0" dirty="0" smtClean="0">
+                        <a:rPr lang="en-US" altLang="zh-CN" sz="1300" kern="0" dirty="0">
                           <a:effectLst/>
                           <a:latin typeface="+mn-lt"/>
                           <a:ea typeface="+mn-ea"/>
@@ -36233,7 +35475,7 @@
                         </a:spcAft>
                       </a:pPr>
                       <a:r>
-                        <a:rPr lang="en-US" sz="1300" kern="0" dirty="0" smtClean="0">
+                        <a:rPr lang="en-US" sz="1300" kern="0" dirty="0">
                           <a:effectLst/>
                         </a:rPr>
                         <a:t>2000</a:t>
@@ -36308,7 +35550,7 @@
                 </a:tc>
                 <a:extLst>
                   <a:ext uri="{0D108BD9-81ED-4DB2-BD59-A6C34878D82A}">
-                    <a16:rowId xmlns="" xmlns:a16="http://schemas.microsoft.com/office/drawing/2014/main" val="10004"/>
+                    <a16:rowId xmlns:a16="http://schemas.microsoft.com/office/drawing/2014/main" val="10004"/>
                   </a:ext>
                 </a:extLst>
               </a:tr>
@@ -36338,13 +35580,6 @@
       </p:transition>
     </mc:Fallback>
   </mc:AlternateContent>
-  <p:timing>
-    <p:tnLst>
-      <p:par>
-        <p:cTn id="1" dur="indefinite" restart="never" nodeType="tmRoot"/>
-      </p:par>
-    </p:tnLst>
-  </p:timing>
 </p:sld>
 </file>
 
@@ -36447,23 +35682,19 @@
               <a:t>A 1-GHz Direct Digital Frequency Synthesizer in an FPGA</a:t>
             </a:r>
             <a:r>
-              <a:rPr lang="zh-CN" altLang="en-US" sz="1800" dirty="0" smtClean="0">
+              <a:rPr lang="zh-CN" altLang="en-US" sz="1800" dirty="0">
                 <a:latin typeface="微软雅黑" panose="020B0503020204020204" pitchFamily="34" charset="-122"/>
                 <a:ea typeface="微软雅黑" panose="020B0503020204020204" pitchFamily="34" charset="-122"/>
               </a:rPr>
               <a:t>”</a:t>
             </a:r>
             <a:r>
-              <a:rPr lang="en-US" altLang="zh-CN" sz="1800" baseline="30000" dirty="0" smtClean="0">
+              <a:rPr lang="en-US" altLang="zh-CN" sz="1800" baseline="30000" dirty="0">
                 <a:latin typeface="微软雅黑" panose="020B0503020204020204" pitchFamily="34" charset="-122"/>
                 <a:ea typeface="微软雅黑" panose="020B0503020204020204" pitchFamily="34" charset="-122"/>
               </a:rPr>
               <a:t>[5]</a:t>
             </a:r>
-            <a:endParaRPr lang="en-US" altLang="zh-CN" sz="1800" baseline="30000" dirty="0">
-              <a:latin typeface="微软雅黑" panose="020B0503020204020204" pitchFamily="34" charset="-122"/>
-              <a:ea typeface="微软雅黑" panose="020B0503020204020204" pitchFamily="34" charset="-122"/>
-            </a:endParaRPr>
           </a:p>
           <a:p>
             <a:pPr lvl="2">
@@ -36475,27 +35706,13 @@
               </a:spcAft>
             </a:pPr>
             <a:r>
-              <a:rPr lang="zh-CN" altLang="en-US" sz="1500" dirty="0" smtClean="0">
-                <a:latin typeface="微软雅黑" panose="020B0503020204020204" pitchFamily="34" charset="-122"/>
-                <a:ea typeface="微软雅黑" panose="020B0503020204020204" pitchFamily="34" charset="-122"/>
-              </a:rPr>
-              <a:t>使用</a:t>
-            </a:r>
-            <a:r>
               <a:rPr lang="zh-CN" altLang="en-US" sz="1500" dirty="0">
                 <a:latin typeface="微软雅黑" panose="020B0503020204020204" pitchFamily="34" charset="-122"/>
                 <a:ea typeface="微软雅黑" panose="020B0503020204020204" pitchFamily="34" charset="-122"/>
               </a:rPr>
-              <a:t>查找表和角度旋转混合</a:t>
-            </a:r>
-            <a:r>
-              <a:rPr lang="zh-CN" altLang="en-US" sz="1500" dirty="0" smtClean="0">
-                <a:latin typeface="微软雅黑" panose="020B0503020204020204" pitchFamily="34" charset="-122"/>
-                <a:ea typeface="微软雅黑" panose="020B0503020204020204" pitchFamily="34" charset="-122"/>
-              </a:rPr>
-              <a:t>方法</a:t>
-            </a:r>
-            <a:endParaRPr lang="en-US" altLang="zh-CN" sz="1500" dirty="0" smtClean="0">
+              <a:t>使用查找表和角度旋转混合方法</a:t>
+            </a:r>
+            <a:endParaRPr lang="en-US" altLang="zh-CN" sz="1500" dirty="0">
               <a:latin typeface="微软雅黑" panose="020B0503020204020204" pitchFamily="34" charset="-122"/>
               <a:ea typeface="微软雅黑" panose="020B0503020204020204" pitchFamily="34" charset="-122"/>
             </a:endParaRPr>
@@ -36510,49 +35727,49 @@
               </a:spcAft>
             </a:pPr>
             <a:r>
-              <a:rPr lang="zh-CN" altLang="en-US" sz="1500" dirty="0" smtClean="0">
+              <a:rPr lang="zh-CN" altLang="en-US" sz="1500" dirty="0">
                 <a:latin typeface="微软雅黑" panose="020B0503020204020204" pitchFamily="34" charset="-122"/>
                 <a:ea typeface="微软雅黑" panose="020B0503020204020204" pitchFamily="34" charset="-122"/>
               </a:rPr>
               <a:t>速度达到</a:t>
             </a:r>
             <a:r>
-              <a:rPr lang="en-US" altLang="zh-CN" sz="1500" dirty="0" smtClean="0">
+              <a:rPr lang="en-US" altLang="zh-CN" sz="1500" dirty="0">
                 <a:latin typeface="微软雅黑" panose="020B0503020204020204" pitchFamily="34" charset="-122"/>
                 <a:ea typeface="微软雅黑" panose="020B0503020204020204" pitchFamily="34" charset="-122"/>
               </a:rPr>
               <a:t>1GHz</a:t>
             </a:r>
             <a:r>
-              <a:rPr lang="zh-CN" altLang="en-US" sz="1500" dirty="0" smtClean="0">
+              <a:rPr lang="zh-CN" altLang="en-US" sz="1500" dirty="0">
                 <a:latin typeface="微软雅黑" panose="020B0503020204020204" pitchFamily="34" charset="-122"/>
                 <a:ea typeface="微软雅黑" panose="020B0503020204020204" pitchFamily="34" charset="-122"/>
               </a:rPr>
               <a:t>，</a:t>
             </a:r>
             <a:r>
-              <a:rPr lang="en-US" altLang="zh-CN" sz="1500" dirty="0" smtClean="0">
+              <a:rPr lang="en-US" altLang="zh-CN" sz="1500" dirty="0">
                 <a:latin typeface="微软雅黑" panose="020B0503020204020204" pitchFamily="34" charset="-122"/>
                 <a:ea typeface="微软雅黑" panose="020B0503020204020204" pitchFamily="34" charset="-122"/>
               </a:rPr>
               <a:t>SFDR</a:t>
             </a:r>
             <a:r>
-              <a:rPr lang="zh-CN" altLang="en-US" sz="1500" dirty="0" smtClean="0">
+              <a:rPr lang="zh-CN" altLang="en-US" sz="1500" dirty="0">
                 <a:latin typeface="微软雅黑" panose="020B0503020204020204" pitchFamily="34" charset="-122"/>
                 <a:ea typeface="微软雅黑" panose="020B0503020204020204" pitchFamily="34" charset="-122"/>
               </a:rPr>
               <a:t>达到</a:t>
             </a:r>
             <a:r>
-              <a:rPr lang="en-US" altLang="zh-CN" sz="1500" dirty="0" smtClean="0">
+              <a:rPr lang="en-US" altLang="zh-CN" sz="1500" dirty="0">
                 <a:latin typeface="微软雅黑" panose="020B0503020204020204" pitchFamily="34" charset="-122"/>
                 <a:ea typeface="微软雅黑" panose="020B0503020204020204" pitchFamily="34" charset="-122"/>
               </a:rPr>
               <a:t>120 </a:t>
             </a:r>
             <a:r>
-              <a:rPr lang="en-US" altLang="zh-CN" sz="1500" dirty="0" err="1" smtClean="0">
+              <a:rPr lang="en-US" altLang="zh-CN" sz="1500" dirty="0" err="1">
                 <a:latin typeface="微软雅黑" panose="020B0503020204020204" pitchFamily="34" charset="-122"/>
                 <a:ea typeface="微软雅黑" panose="020B0503020204020204" pitchFamily="34" charset="-122"/>
               </a:rPr>
@@ -36573,7 +35790,7 @@
               </a:spcAft>
             </a:pPr>
             <a:r>
-              <a:rPr lang="zh-CN" altLang="en-US" sz="1500" dirty="0" smtClean="0">
+              <a:rPr lang="zh-CN" altLang="en-US" sz="1500" dirty="0">
                 <a:latin typeface="微软雅黑" panose="020B0503020204020204" pitchFamily="34" charset="-122"/>
                 <a:ea typeface="微软雅黑" panose="020B0503020204020204" pitchFamily="34" charset="-122"/>
               </a:rPr>
@@ -36594,55 +35811,48 @@
               </a:spcAft>
             </a:pPr>
             <a:r>
-              <a:rPr lang="zh-CN" altLang="en-US" sz="1500" dirty="0" smtClean="0">
+              <a:rPr lang="zh-CN" altLang="en-US" sz="1500" dirty="0">
                 <a:latin typeface="微软雅黑" panose="020B0503020204020204" pitchFamily="34" charset="-122"/>
                 <a:ea typeface="微软雅黑" panose="020B0503020204020204" pitchFamily="34" charset="-122"/>
               </a:rPr>
               <a:t>不足</a:t>
             </a:r>
             <a:r>
-              <a:rPr lang="en-US" altLang="zh-CN" sz="1500" dirty="0" smtClean="0">
+              <a:rPr lang="en-US" altLang="zh-CN" sz="1500" dirty="0">
                 <a:latin typeface="微软雅黑" panose="020B0503020204020204" pitchFamily="34" charset="-122"/>
                 <a:ea typeface="微软雅黑" panose="020B0503020204020204" pitchFamily="34" charset="-122"/>
               </a:rPr>
               <a:t>1</a:t>
             </a:r>
             <a:r>
-              <a:rPr lang="zh-CN" altLang="en-US" sz="1500" dirty="0" smtClean="0">
+              <a:rPr lang="zh-CN" altLang="en-US" sz="1500" dirty="0">
                 <a:latin typeface="微软雅黑" panose="020B0503020204020204" pitchFamily="34" charset="-122"/>
                 <a:ea typeface="微软雅黑" panose="020B0503020204020204" pitchFamily="34" charset="-122"/>
               </a:rPr>
               <a:t>：使用</a:t>
             </a:r>
             <a:r>
-              <a:rPr lang="en-US" altLang="zh-CN" sz="1500" dirty="0" smtClean="0">
+              <a:rPr lang="en-US" altLang="zh-CN" sz="1500" dirty="0">
                 <a:latin typeface="微软雅黑" panose="020B0503020204020204" pitchFamily="34" charset="-122"/>
                 <a:ea typeface="微软雅黑" panose="020B0503020204020204" pitchFamily="34" charset="-122"/>
               </a:rPr>
               <a:t>DSP</a:t>
             </a:r>
             <a:r>
-              <a:rPr lang="zh-CN" altLang="en-US" sz="1500" dirty="0" smtClean="0">
-                <a:latin typeface="微软雅黑" panose="020B0503020204020204" pitchFamily="34" charset="-122"/>
-                <a:ea typeface="微软雅黑" panose="020B0503020204020204" pitchFamily="34" charset="-122"/>
-              </a:rPr>
-              <a:t>自带的乘法器</a:t>
-            </a:r>
-            <a:r>
               <a:rPr lang="zh-CN" altLang="en-US" sz="1500" dirty="0">
                 <a:latin typeface="微软雅黑" panose="020B0503020204020204" pitchFamily="34" charset="-122"/>
                 <a:ea typeface="微软雅黑" panose="020B0503020204020204" pitchFamily="34" charset="-122"/>
               </a:rPr>
-              <a:t>，</a:t>
-            </a:r>
-            <a:r>
-              <a:rPr lang="zh-CN" altLang="en-US" sz="1500" b="1" dirty="0" smtClean="0">
+              <a:t>自带的乘法器，</a:t>
+            </a:r>
+            <a:r>
+              <a:rPr lang="zh-CN" altLang="en-US" sz="1500" b="1" dirty="0">
                 <a:latin typeface="微软雅黑" panose="020B0503020204020204" pitchFamily="34" charset="-122"/>
                 <a:ea typeface="微软雅黑" panose="020B0503020204020204" pitchFamily="34" charset="-122"/>
               </a:rPr>
               <a:t>速度较慢</a:t>
             </a:r>
-            <a:endParaRPr lang="en-US" altLang="zh-CN" sz="1500" b="1" dirty="0" smtClean="0">
+            <a:endParaRPr lang="en-US" altLang="zh-CN" sz="1500" b="1" dirty="0">
               <a:latin typeface="微软雅黑" panose="020B0503020204020204" pitchFamily="34" charset="-122"/>
               <a:ea typeface="微软雅黑" panose="020B0503020204020204" pitchFamily="34" charset="-122"/>
             </a:endParaRPr>
@@ -36657,21 +35867,21 @@
               </a:spcAft>
             </a:pPr>
             <a:r>
-              <a:rPr lang="zh-CN" altLang="en-US" sz="1500" dirty="0" smtClean="0">
+              <a:rPr lang="zh-CN" altLang="en-US" sz="1500" dirty="0">
                 <a:latin typeface="微软雅黑" panose="020B0503020204020204" pitchFamily="34" charset="-122"/>
                 <a:ea typeface="微软雅黑" panose="020B0503020204020204" pitchFamily="34" charset="-122"/>
               </a:rPr>
               <a:t>不足</a:t>
             </a:r>
             <a:r>
-              <a:rPr lang="en-US" altLang="zh-CN" sz="1500" dirty="0" smtClean="0">
+              <a:rPr lang="en-US" altLang="zh-CN" sz="1500" dirty="0">
                 <a:latin typeface="微软雅黑" panose="020B0503020204020204" pitchFamily="34" charset="-122"/>
                 <a:ea typeface="微软雅黑" panose="020B0503020204020204" pitchFamily="34" charset="-122"/>
               </a:rPr>
               <a:t>2</a:t>
             </a:r>
             <a:r>
-              <a:rPr lang="zh-CN" altLang="en-US" sz="1500" dirty="0" smtClean="0">
+              <a:rPr lang="zh-CN" altLang="en-US" sz="1500" dirty="0">
                 <a:latin typeface="微软雅黑" panose="020B0503020204020204" pitchFamily="34" charset="-122"/>
                 <a:ea typeface="微软雅黑" panose="020B0503020204020204" pitchFamily="34" charset="-122"/>
               </a:rPr>
@@ -36682,31 +35892,24 @@
                 <a:latin typeface="微软雅黑" panose="020B0503020204020204" pitchFamily="34" charset="-122"/>
                 <a:ea typeface="微软雅黑" panose="020B0503020204020204" pitchFamily="34" charset="-122"/>
               </a:rPr>
-              <a:t>忽略</a:t>
-            </a:r>
-            <a:r>
-              <a:rPr lang="zh-CN" altLang="en-US" sz="1500" b="1" dirty="0" smtClean="0">
-                <a:latin typeface="微软雅黑" panose="020B0503020204020204" pitchFamily="34" charset="-122"/>
-                <a:ea typeface="微软雅黑" panose="020B0503020204020204" pitchFamily="34" charset="-122"/>
-              </a:rPr>
-              <a:t>近似噪声</a:t>
-            </a:r>
-            <a:r>
-              <a:rPr lang="zh-CN" altLang="en-US" sz="1500" dirty="0" smtClean="0">
+              <a:t>忽略近似噪声</a:t>
+            </a:r>
+            <a:r>
+              <a:rPr lang="zh-CN" altLang="en-US" sz="1500" dirty="0">
                 <a:latin typeface="微软雅黑" panose="020B0503020204020204" pitchFamily="34" charset="-122"/>
                 <a:ea typeface="微软雅黑" panose="020B0503020204020204" pitchFamily="34" charset="-122"/>
               </a:rPr>
               <a:t>的引入，可能有</a:t>
             </a:r>
             <a:r>
-              <a:rPr lang="zh-CN" altLang="en-US" sz="1500" b="1" dirty="0" smtClean="0">
+              <a:rPr lang="zh-CN" altLang="en-US" sz="1500" b="1" dirty="0">
                 <a:latin typeface="微软雅黑" panose="020B0503020204020204" pitchFamily="34" charset="-122"/>
                 <a:ea typeface="微软雅黑" panose="020B0503020204020204" pitchFamily="34" charset="-122"/>
               </a:rPr>
               <a:t>溢出</a:t>
             </a:r>
             <a:r>
-              <a:rPr lang="zh-CN" altLang="en-US" sz="1500" dirty="0" smtClean="0">
+              <a:rPr lang="zh-CN" altLang="en-US" sz="1500" dirty="0">
                 <a:latin typeface="微软雅黑" panose="020B0503020204020204" pitchFamily="34" charset="-122"/>
                 <a:ea typeface="微软雅黑" panose="020B0503020204020204" pitchFamily="34" charset="-122"/>
               </a:rPr>
@@ -36744,18 +35947,13 @@
           <a:p>
             <a:pPr algn="ctr"/>
             <a:r>
-              <a:rPr lang="en-US" altLang="zh-CN" sz="1200" dirty="0" smtClean="0">
+              <a:rPr lang="en-US" altLang="zh-CN" sz="1200" dirty="0">
                 <a:solidFill>
                   <a:srgbClr val="000000"/>
                 </a:solidFill>
               </a:rPr>
               <a:t>7/17</a:t>
             </a:r>
-            <a:endParaRPr lang="en-US" altLang="zh-CN" sz="1200" dirty="0">
-              <a:solidFill>
-                <a:srgbClr val="000000"/>
-              </a:solidFill>
-            </a:endParaRPr>
           </a:p>
         </p:txBody>
       </p:sp>
@@ -36764,7 +35962,7 @@
           <p:cNvPr id="8" name="图片 7">
             <a:extLst>
               <a:ext uri="{FF2B5EF4-FFF2-40B4-BE49-F238E27FC236}">
-                <a16:creationId xmlns="" xmlns:a16="http://schemas.microsoft.com/office/drawing/2014/main" id="{D66A4827-A107-4E76-9AFA-A332527FB4CB}"/>
+                <a16:creationId xmlns:a16="http://schemas.microsoft.com/office/drawing/2014/main" id="{D66A4827-A107-4E76-9AFA-A332527FB4CB}"/>
               </a:ext>
             </a:extLst>
           </p:cNvPr>
@@ -36792,7 +35990,7 @@
           <p:cNvPr id="9" name="内容占位符 2">
             <a:extLst>
               <a:ext uri="{FF2B5EF4-FFF2-40B4-BE49-F238E27FC236}">
-                <a16:creationId xmlns="" xmlns:a16="http://schemas.microsoft.com/office/drawing/2014/main" id="{D7EAE30E-6355-4F16-A9DF-D3AB86615C57}"/>
+                <a16:creationId xmlns:a16="http://schemas.microsoft.com/office/drawing/2014/main" id="{D7EAE30E-6355-4F16-A9DF-D3AB86615C57}"/>
               </a:ext>
             </a:extLst>
           </p:cNvPr>
@@ -36989,21 +36187,7 @@
                 <a:latin typeface="微软雅黑" panose="020B0503020204020204" pitchFamily="34" charset="-122"/>
                 <a:ea typeface="微软雅黑" panose="020B0503020204020204" pitchFamily="34" charset="-122"/>
               </a:rPr>
-              <a:t>本</a:t>
-            </a:r>
-            <a:r>
-              <a:rPr lang="zh-CN" altLang="en-US" sz="2500" dirty="0" smtClean="0">
-                <a:latin typeface="微软雅黑" panose="020B0503020204020204" pitchFamily="34" charset="-122"/>
-                <a:ea typeface="微软雅黑" panose="020B0503020204020204" pitchFamily="34" charset="-122"/>
-              </a:rPr>
-              <a:t>次设计的</a:t>
-            </a:r>
-            <a:r>
-              <a:rPr lang="zh-CN" altLang="en-US" sz="2500" dirty="0">
-                <a:latin typeface="微软雅黑" panose="020B0503020204020204" pitchFamily="34" charset="-122"/>
-                <a:ea typeface="微软雅黑" panose="020B0503020204020204" pitchFamily="34" charset="-122"/>
-              </a:rPr>
-              <a:t>主要改进点</a:t>
+              <a:t>本次设计的主要改进点</a:t>
             </a:r>
             <a:endParaRPr lang="en-US" altLang="zh-CN" sz="2500" dirty="0">
               <a:latin typeface="微软雅黑" panose="020B0503020204020204" pitchFamily="34" charset="-122"/>
@@ -37034,48 +36218,14 @@
                 <a:latin typeface="微软雅黑" panose="020B0503020204020204" pitchFamily="34" charset="-122"/>
                 <a:ea typeface="微软雅黑" panose="020B0503020204020204" pitchFamily="34" charset="-122"/>
               </a:rPr>
-              <a:t>级联</a:t>
-            </a:r>
-            <a:r>
-              <a:rPr lang="zh-CN" altLang="en-US" sz="1500" kern="0" dirty="0" smtClean="0">
-                <a:solidFill>
-                  <a:srgbClr val="FF0000"/>
-                </a:solidFill>
-                <a:latin typeface="微软雅黑" panose="020B0503020204020204" pitchFamily="34" charset="-122"/>
-                <a:ea typeface="微软雅黑" panose="020B0503020204020204" pitchFamily="34" charset="-122"/>
-              </a:rPr>
-              <a:t>的旋转</a:t>
-            </a:r>
-            <a:r>
-              <a:rPr lang="zh-CN" altLang="en-US" sz="1500" kern="0" dirty="0">
-                <a:solidFill>
-                  <a:srgbClr val="FF0000"/>
-                </a:solidFill>
-                <a:latin typeface="微软雅黑" panose="020B0503020204020204" pitchFamily="34" charset="-122"/>
-                <a:ea typeface="微软雅黑" panose="020B0503020204020204" pitchFamily="34" charset="-122"/>
-              </a:rPr>
-              <a:t>单元</a:t>
+              <a:t>级联的旋转单元</a:t>
             </a:r>
             <a:r>
               <a:rPr lang="zh-CN" altLang="en-US" sz="1500" kern="0" dirty="0">
                 <a:latin typeface="微软雅黑" panose="020B0503020204020204" pitchFamily="34" charset="-122"/>
                 <a:ea typeface="微软雅黑" panose="020B0503020204020204" pitchFamily="34" charset="-122"/>
               </a:rPr>
-              <a:t>替换乘法器</a:t>
-            </a:r>
-            <a:r>
-              <a:rPr lang="zh-CN" altLang="en-US" sz="1500" kern="0" dirty="0" smtClean="0">
-                <a:latin typeface="微软雅黑" panose="020B0503020204020204" pitchFamily="34" charset="-122"/>
-                <a:ea typeface="微软雅黑" panose="020B0503020204020204" pitchFamily="34" charset="-122"/>
-              </a:rPr>
-              <a:t>，通过流水线</a:t>
-            </a:r>
-            <a:r>
-              <a:rPr lang="zh-CN" altLang="en-US" sz="1500" kern="0" dirty="0">
-                <a:latin typeface="微软雅黑" panose="020B0503020204020204" pitchFamily="34" charset="-122"/>
-                <a:ea typeface="微软雅黑" panose="020B0503020204020204" pitchFamily="34" charset="-122"/>
-              </a:rPr>
-              <a:t>加速实现路径延时减少</a:t>
+              <a:t>替换乘法器，通过流水线加速实现路径延时减少</a:t>
             </a:r>
             <a:endParaRPr lang="en-US" altLang="zh-CN" sz="1500" kern="0" dirty="0">
               <a:latin typeface="微软雅黑" panose="020B0503020204020204" pitchFamily="34" charset="-122"/>
@@ -37096,24 +36246,10 @@
                 <a:latin typeface="微软雅黑" panose="020B0503020204020204" pitchFamily="34" charset="-122"/>
                 <a:ea typeface="微软雅黑" panose="020B0503020204020204" pitchFamily="34" charset="-122"/>
               </a:rPr>
-              <a:t>讨论改进算法</a:t>
-            </a:r>
-            <a:r>
-              <a:rPr lang="zh-CN" altLang="en-US" sz="1500" kern="0" dirty="0" smtClean="0">
-                <a:latin typeface="微软雅黑" panose="020B0503020204020204" pitchFamily="34" charset="-122"/>
-                <a:ea typeface="微软雅黑" panose="020B0503020204020204" pitchFamily="34" charset="-122"/>
-              </a:rPr>
-              <a:t>中近似噪声的引入，</a:t>
+              <a:t>讨论改进算法中近似噪声的引入，给出抑制噪声的</a:t>
             </a:r>
             <a:r>
               <a:rPr lang="zh-CN" altLang="en-US" sz="1500" kern="0" dirty="0">
-                <a:latin typeface="微软雅黑" panose="020B0503020204020204" pitchFamily="34" charset="-122"/>
-                <a:ea typeface="微软雅黑" panose="020B0503020204020204" pitchFamily="34" charset="-122"/>
-              </a:rPr>
-              <a:t>给出抑制噪声的</a:t>
-            </a:r>
-            <a:r>
-              <a:rPr lang="zh-CN" altLang="en-US" sz="1500" kern="0" dirty="0" smtClean="0">
                 <a:solidFill>
                   <a:srgbClr val="FF0000"/>
                 </a:solidFill>
@@ -37168,13 +36304,6 @@
       </p:transition>
     </mc:Fallback>
   </mc:AlternateContent>
-  <p:timing>
-    <p:tnLst>
-      <p:par>
-        <p:cTn id="1" dur="indefinite" restart="never" nodeType="tmRoot"/>
-      </p:par>
-    </p:tnLst>
-  </p:timing>
 </p:sld>
 </file>
 
@@ -37390,16 +36519,12 @@
                   </m:oMath>
                 </a14:m>
                 <a:r>
-                  <a:rPr lang="en-US" altLang="zh-CN" sz="1600" kern="1200" dirty="0" smtClean="0">
+                  <a:rPr lang="en-US" altLang="zh-CN" sz="1600" kern="1200" dirty="0">
                     <a:latin typeface="微软雅黑" panose="020B0503020204020204" pitchFamily="34" charset="-122"/>
                     <a:ea typeface="微软雅黑" panose="020B0503020204020204" pitchFamily="34" charset="-122"/>
                   </a:rPr>
                   <a:t>”</a:t>
                 </a:r>
-                <a:endParaRPr lang="en-US" altLang="zh-CN" sz="1600" kern="1200" dirty="0">
-                  <a:latin typeface="微软雅黑" panose="020B0503020204020204" pitchFamily="34" charset="-122"/>
-                  <a:ea typeface="微软雅黑" panose="020B0503020204020204" pitchFamily="34" charset="-122"/>
-                </a:endParaRPr>
               </a:p>
               <a:p>
                 <a:pPr lvl="1">
@@ -37456,26 +36581,16 @@
                     <a:latin typeface="微软雅黑" panose="020B0503020204020204" pitchFamily="34" charset="-122"/>
                     <a:ea typeface="微软雅黑" panose="020B0503020204020204" pitchFamily="34" charset="-122"/>
                   </a:rPr>
-                  <a:t>地址</a:t>
+                  <a:t>地址查找：</a:t>
                 </a:r>
                 <a:r>
-                  <a:rPr lang="zh-CN" altLang="en-US" sz="1600" kern="1200" dirty="0" smtClean="0">
-                    <a:solidFill>
-                      <a:srgbClr val="FF0000"/>
-                    </a:solidFill>
-                    <a:latin typeface="微软雅黑" panose="020B0503020204020204" pitchFamily="34" charset="-122"/>
-                    <a:ea typeface="微软雅黑" panose="020B0503020204020204" pitchFamily="34" charset="-122"/>
-                  </a:rPr>
-                  <a:t>查找：</a:t>
-                </a:r>
-                <a:r>
-                  <a:rPr lang="zh-CN" altLang="en-US" sz="1600" kern="1200" dirty="0" smtClean="0">
+                  <a:rPr lang="zh-CN" altLang="en-US" sz="1600" kern="1200" dirty="0">
                     <a:latin typeface="微软雅黑" panose="020B0503020204020204" pitchFamily="34" charset="-122"/>
                     <a:ea typeface="微软雅黑" panose="020B0503020204020204" pitchFamily="34" charset="-122"/>
                   </a:rPr>
                   <a:t>引入了缩放因子，对引入噪声进行平衡，杂散性能更好</a:t>
                 </a:r>
-                <a:endParaRPr lang="en-US" altLang="zh-CN" sz="1600" kern="1200" dirty="0" smtClean="0">
+                <a:endParaRPr lang="en-US" altLang="zh-CN" sz="1600" kern="1200" dirty="0">
                   <a:latin typeface="微软雅黑" panose="020B0503020204020204" pitchFamily="34" charset="-122"/>
                   <a:ea typeface="微软雅黑" panose="020B0503020204020204" pitchFamily="34" charset="-122"/>
                 </a:endParaRPr>
@@ -37490,7 +36605,7 @@
                   </a:spcAft>
                 </a:pPr>
                 <a:r>
-                  <a:rPr lang="zh-CN" altLang="en-US" sz="1600" kern="1200" dirty="0" smtClean="0">
+                  <a:rPr lang="zh-CN" altLang="en-US" sz="1600" kern="1200" dirty="0">
                     <a:solidFill>
                       <a:srgbClr val="FF0000"/>
                     </a:solidFill>
@@ -37500,21 +36615,21 @@
                   <a:t>矩阵旋转：</a:t>
                 </a:r>
                 <a:r>
-                  <a:rPr lang="zh-CN" altLang="en-US" sz="1600" kern="1200" dirty="0" smtClean="0">
+                  <a:rPr lang="zh-CN" altLang="en-US" sz="1600" kern="1200" dirty="0">
                     <a:latin typeface="微软雅黑" panose="020B0503020204020204" pitchFamily="34" charset="-122"/>
                     <a:ea typeface="微软雅黑" panose="020B0503020204020204" pitchFamily="34" charset="-122"/>
                   </a:rPr>
                   <a:t>使用级联的旋转单元替代文献</a:t>
                 </a:r>
                 <a:r>
-                  <a:rPr lang="en-US" altLang="zh-CN" sz="1600" kern="1200" baseline="30000" dirty="0" smtClean="0">
+                  <a:rPr lang="en-US" altLang="zh-CN" sz="1600" kern="1200" baseline="30000" dirty="0">
                     <a:latin typeface="微软雅黑" panose="020B0503020204020204" pitchFamily="34" charset="-122"/>
                     <a:ea typeface="微软雅黑" panose="020B0503020204020204" pitchFamily="34" charset="-122"/>
                   </a:rPr>
                   <a:t>[5]</a:t>
                 </a:r>
                 <a:r>
-                  <a:rPr lang="zh-CN" altLang="en-US" sz="1600" kern="1200" dirty="0" smtClean="0">
+                  <a:rPr lang="zh-CN" altLang="en-US" sz="1600" kern="1200" dirty="0">
                     <a:latin typeface="微软雅黑" panose="020B0503020204020204" pitchFamily="34" charset="-122"/>
                     <a:ea typeface="微软雅黑" panose="020B0503020204020204" pitchFamily="34" charset="-122"/>
                   </a:rPr>
@@ -37535,7 +36650,7 @@
                   </a:spcAft>
                 </a:pPr>
                 <a:r>
-                  <a:rPr lang="zh-CN" altLang="en-US" sz="1600" kern="1200" dirty="0" smtClean="0">
+                  <a:rPr lang="zh-CN" altLang="en-US" sz="1600" kern="1200" dirty="0">
                     <a:latin typeface="微软雅黑" panose="020B0503020204020204" pitchFamily="34" charset="-122"/>
                     <a:ea typeface="微软雅黑" panose="020B0503020204020204" pitchFamily="34" charset="-122"/>
                   </a:rPr>
@@ -37615,18 +36730,13 @@
           <a:p>
             <a:pPr algn="ctr"/>
             <a:r>
-              <a:rPr lang="en-US" altLang="zh-CN" sz="1200" dirty="0" smtClean="0">
+              <a:rPr lang="en-US" altLang="zh-CN" sz="1200" dirty="0">
                 <a:solidFill>
                   <a:srgbClr val="000000"/>
                 </a:solidFill>
               </a:rPr>
               <a:t>8/17</a:t>
             </a:r>
-            <a:endParaRPr lang="en-US" altLang="zh-CN" sz="1200" dirty="0">
-              <a:solidFill>
-                <a:srgbClr val="000000"/>
-              </a:solidFill>
-            </a:endParaRPr>
           </a:p>
         </p:txBody>
       </p:sp>
@@ -37649,7 +36759,7 @@
             <p:cNvPr id="117" name="图片 116" descr="D:\毕设\大四下\lunwen\图片\DDS改进架构.png">
               <a:extLst>
                 <a:ext uri="{FF2B5EF4-FFF2-40B4-BE49-F238E27FC236}">
-                  <a16:creationId xmlns="" xmlns:a16="http://schemas.microsoft.com/office/drawing/2014/main" id="{3EDD7146-5C7E-429D-8FC3-A0A66DD752D7}"/>
+                  <a16:creationId xmlns:a16="http://schemas.microsoft.com/office/drawing/2014/main" id="{3EDD7146-5C7E-429D-8FC3-A0A66DD752D7}"/>
                 </a:ext>
               </a:extLst>
             </p:cNvPr>
@@ -37798,13 +36908,6 @@
       </p:transition>
     </mc:Fallback>
   </mc:AlternateContent>
-  <p:timing>
-    <p:tnLst>
-      <p:par>
-        <p:cTn id="1" dur="indefinite" restart="never" nodeType="tmRoot"/>
-      </p:par>
-    </p:tnLst>
-  </p:timing>
 </p:sld>
 </file>
 
@@ -37850,22 +36953,21 @@
               <a:t>实施方案</a:t>
             </a:r>
             <a:r>
-              <a:rPr lang="en-US" altLang="zh-CN" sz="3600" dirty="0" smtClean="0"/>
+              <a:rPr lang="en-US" altLang="zh-CN" sz="3600" dirty="0"/>
               <a:t>—</a:t>
             </a:r>
             <a:r>
-              <a:rPr lang="zh-CN" altLang="en-US" sz="3600" dirty="0" smtClean="0"/>
+              <a:rPr lang="zh-CN" altLang="en-US" sz="3600" dirty="0"/>
               <a:t>查找表压缩 </a:t>
             </a:r>
             <a:r>
-              <a:rPr lang="en-US" altLang="zh-CN" sz="3600" dirty="0" smtClean="0"/>
+              <a:rPr lang="en-US" altLang="zh-CN" sz="3600" dirty="0"/>
               <a:t>&amp; </a:t>
             </a:r>
             <a:r>
-              <a:rPr lang="zh-CN" altLang="en-US" sz="3600" dirty="0" smtClean="0"/>
+              <a:rPr lang="zh-CN" altLang="en-US" sz="3600" dirty="0"/>
               <a:t>角度旋转</a:t>
             </a:r>
-            <a:endParaRPr lang="zh-CN" altLang="en-US" sz="3600" dirty="0"/>
           </a:p>
         </p:txBody>
       </p:sp>
@@ -37974,28 +37076,14 @@
                     <a:latin typeface="微软雅黑" panose="020B0503020204020204" pitchFamily="34" charset="-122"/>
                     <a:ea typeface="微软雅黑" panose="020B0503020204020204" pitchFamily="34" charset="-122"/>
                   </a:rPr>
-                  <a:t>将相位</a:t>
-                </a:r>
-                <a:r>
-                  <a:rPr lang="zh-CN" altLang="en-US" sz="1600" kern="1200" dirty="0" smtClean="0">
-                    <a:latin typeface="微软雅黑" panose="020B0503020204020204" pitchFamily="34" charset="-122"/>
-                    <a:ea typeface="微软雅黑" panose="020B0503020204020204" pitchFamily="34" charset="-122"/>
-                  </a:rPr>
-                  <a:t>从 </a:t>
-                </a:r>
-                <a:r>
-                  <a:rPr lang="en-US" altLang="zh-CN" sz="1600" kern="1200" dirty="0" smtClean="0">
-                    <a:latin typeface="微软雅黑" panose="020B0503020204020204" pitchFamily="34" charset="-122"/>
-                    <a:ea typeface="微软雅黑" panose="020B0503020204020204" pitchFamily="34" charset="-122"/>
-                  </a:rPr>
-                  <a:t>(</a:t>
+                  <a:t>将相位从 </a:t>
                 </a:r>
                 <a:r>
                   <a:rPr lang="en-US" altLang="zh-CN" sz="1600" kern="1200" dirty="0">
                     <a:latin typeface="微软雅黑" panose="020B0503020204020204" pitchFamily="34" charset="-122"/>
                     <a:ea typeface="微软雅黑" panose="020B0503020204020204" pitchFamily="34" charset="-122"/>
                   </a:rPr>
-                  <a:t>0, 2</a:t>
+                  <a:t>(0, 2</a:t>
                 </a:r>
                 <a14:m>
                   <m:oMath xmlns:m="http://schemas.openxmlformats.org/officeDocument/2006/math">
@@ -38009,32 +37097,25 @@
                   </m:oMath>
                 </a14:m>
                 <a:r>
-                  <a:rPr lang="en-US" altLang="zh-CN" sz="1600" kern="1200" dirty="0" smtClean="0">
+                  <a:rPr lang="en-US" altLang="zh-CN" sz="1600" kern="1200" dirty="0">
                     <a:latin typeface="微软雅黑" panose="020B0503020204020204" pitchFamily="34" charset="-122"/>
                     <a:ea typeface="微软雅黑" panose="020B0503020204020204" pitchFamily="34" charset="-122"/>
                   </a:rPr>
                   <a:t>) </a:t>
                 </a:r>
                 <a:r>
-                  <a:rPr lang="zh-CN" altLang="en-US" sz="1600" kern="1200" dirty="0" smtClean="0">
+                  <a:rPr lang="zh-CN" altLang="en-US" sz="1600" kern="1200" dirty="0">
                     <a:latin typeface="微软雅黑" panose="020B0503020204020204" pitchFamily="34" charset="-122"/>
                     <a:ea typeface="微软雅黑" panose="020B0503020204020204" pitchFamily="34" charset="-122"/>
                   </a:rPr>
                   <a:t>映射到 </a:t>
                 </a:r>
                 <a:r>
-                  <a:rPr lang="en-US" altLang="zh-CN" sz="1600" kern="1200" dirty="0" smtClean="0">
-                    <a:latin typeface="微软雅黑" panose="020B0503020204020204" pitchFamily="34" charset="-122"/>
-                    <a:ea typeface="微软雅黑" panose="020B0503020204020204" pitchFamily="34" charset="-122"/>
-                  </a:rPr>
-                  <a:t>(</a:t>
-                </a:r>
-                <a:r>
                   <a:rPr lang="en-US" altLang="zh-CN" sz="1600" kern="1200" dirty="0">
                     <a:latin typeface="微软雅黑" panose="020B0503020204020204" pitchFamily="34" charset="-122"/>
                     <a:ea typeface="微软雅黑" panose="020B0503020204020204" pitchFamily="34" charset="-122"/>
                   </a:rPr>
-                  <a:t>0, </a:t>
+                  <a:t>(0, </a:t>
                 </a:r>
                 <a14:m>
                   <m:oMath xmlns:m="http://schemas.openxmlformats.org/officeDocument/2006/math">
@@ -38076,7 +37157,7 @@
                   </m:oMath>
                 </a14:m>
                 <a:r>
-                  <a:rPr lang="en-US" altLang="zh-CN" sz="1600" kern="1200" dirty="0" smtClean="0">
+                  <a:rPr lang="en-US" altLang="zh-CN" sz="1600" kern="1200" dirty="0">
                     <a:latin typeface="微软雅黑" panose="020B0503020204020204" pitchFamily="34" charset="-122"/>
                     <a:ea typeface="微软雅黑" panose="020B0503020204020204" pitchFamily="34" charset="-122"/>
                   </a:rPr>
@@ -38208,16 +37289,9 @@
                     <a:latin typeface="微软雅黑" panose="020B0503020204020204" pitchFamily="34" charset="-122"/>
                     <a:ea typeface="微软雅黑" panose="020B0503020204020204" pitchFamily="34" charset="-122"/>
                   </a:rPr>
-                  <a:t>用于</a:t>
+                  <a:t>用于旋转</a:t>
                 </a:r>
-                <a:r>
-                  <a:rPr lang="zh-CN" altLang="en-US" sz="1300" kern="1200" dirty="0" smtClean="0">
-                    <a:latin typeface="微软雅黑" panose="020B0503020204020204" pitchFamily="34" charset="-122"/>
-                    <a:ea typeface="微软雅黑" panose="020B0503020204020204" pitchFamily="34" charset="-122"/>
-                  </a:rPr>
-                  <a:t>旋转</a:t>
-                </a:r>
-                <a:endParaRPr lang="en-US" altLang="zh-CN" sz="1600" kern="1200" dirty="0" smtClean="0">
+                <a:endParaRPr lang="en-US" altLang="zh-CN" sz="1600" kern="1200" dirty="0">
                   <a:latin typeface="微软雅黑" panose="020B0503020204020204" pitchFamily="34" charset="-122"/>
                   <a:ea typeface="微软雅黑" panose="020B0503020204020204" pitchFamily="34" charset="-122"/>
                 </a:endParaRPr>
@@ -38232,23 +37306,19 @@
                   </a:spcAft>
                 </a:pPr>
                 <a:r>
-                  <a:rPr lang="zh-CN" altLang="en-US" sz="1600" kern="1200" dirty="0" smtClean="0">
+                  <a:rPr lang="zh-CN" altLang="en-US" sz="1600" kern="1200" dirty="0">
                     <a:latin typeface="微软雅黑" panose="020B0503020204020204" pitchFamily="34" charset="-122"/>
                     <a:ea typeface="微软雅黑" panose="020B0503020204020204" pitchFamily="34" charset="-122"/>
                   </a:rPr>
                   <a:t>查找表索引长度减少</a:t>
                 </a:r>
                 <a:r>
-                  <a:rPr lang="en-US" altLang="zh-CN" sz="1600" kern="1200" dirty="0" smtClean="0">
+                  <a:rPr lang="en-US" altLang="zh-CN" sz="1600" kern="1200" dirty="0">
                     <a:latin typeface="微软雅黑" panose="020B0503020204020204" pitchFamily="34" charset="-122"/>
                     <a:ea typeface="微软雅黑" panose="020B0503020204020204" pitchFamily="34" charset="-122"/>
                   </a:rPr>
                   <a:t>3 bits</a:t>
                 </a:r>
-                <a:endParaRPr lang="en-US" altLang="zh-CN" sz="1600" kern="1200" dirty="0">
-                  <a:latin typeface="微软雅黑" panose="020B0503020204020204" pitchFamily="34" charset="-122"/>
-                  <a:ea typeface="微软雅黑" panose="020B0503020204020204" pitchFamily="34" charset="-122"/>
-                </a:endParaRPr>
               </a:p>
             </p:txBody>
           </p:sp>
@@ -38319,70 +37389,70 @@
                 <a:gridCol w="369345">
                   <a:extLst>
                     <a:ext uri="{9D8B030D-6E8A-4147-A177-3AD203B41FA5}">
-                      <a16:colId xmlns="" xmlns:a16="http://schemas.microsoft.com/office/drawing/2014/main" val="20000"/>
+                      <a16:colId xmlns:a16="http://schemas.microsoft.com/office/drawing/2014/main" val="20000"/>
                     </a:ext>
                   </a:extLst>
                 </a:gridCol>
                 <a:gridCol w="369345">
                   <a:extLst>
                     <a:ext uri="{9D8B030D-6E8A-4147-A177-3AD203B41FA5}">
-                      <a16:colId xmlns="" xmlns:a16="http://schemas.microsoft.com/office/drawing/2014/main" val="20001"/>
+                      <a16:colId xmlns:a16="http://schemas.microsoft.com/office/drawing/2014/main" val="20001"/>
                     </a:ext>
                   </a:extLst>
                 </a:gridCol>
                 <a:gridCol w="369345">
                   <a:extLst>
                     <a:ext uri="{9D8B030D-6E8A-4147-A177-3AD203B41FA5}">
-                      <a16:colId xmlns="" xmlns:a16="http://schemas.microsoft.com/office/drawing/2014/main" val="20002"/>
+                      <a16:colId xmlns:a16="http://schemas.microsoft.com/office/drawing/2014/main" val="20002"/>
                     </a:ext>
                   </a:extLst>
                 </a:gridCol>
                 <a:gridCol w="369345">
                   <a:extLst>
                     <a:ext uri="{9D8B030D-6E8A-4147-A177-3AD203B41FA5}">
-                      <a16:colId xmlns="" xmlns:a16="http://schemas.microsoft.com/office/drawing/2014/main" val="20003"/>
+                      <a16:colId xmlns:a16="http://schemas.microsoft.com/office/drawing/2014/main" val="20003"/>
                     </a:ext>
                   </a:extLst>
                 </a:gridCol>
                 <a:gridCol w="369345">
                   <a:extLst>
                     <a:ext uri="{9D8B030D-6E8A-4147-A177-3AD203B41FA5}">
-                      <a16:colId xmlns="" xmlns:a16="http://schemas.microsoft.com/office/drawing/2014/main" val="20004"/>
+                      <a16:colId xmlns:a16="http://schemas.microsoft.com/office/drawing/2014/main" val="20004"/>
                     </a:ext>
                   </a:extLst>
                 </a:gridCol>
                 <a:gridCol w="369345">
                   <a:extLst>
                     <a:ext uri="{9D8B030D-6E8A-4147-A177-3AD203B41FA5}">
-                      <a16:colId xmlns="" xmlns:a16="http://schemas.microsoft.com/office/drawing/2014/main" val="20005"/>
+                      <a16:colId xmlns:a16="http://schemas.microsoft.com/office/drawing/2014/main" val="20005"/>
                     </a:ext>
                   </a:extLst>
                 </a:gridCol>
                 <a:gridCol w="369345">
                   <a:extLst>
                     <a:ext uri="{9D8B030D-6E8A-4147-A177-3AD203B41FA5}">
-                      <a16:colId xmlns="" xmlns:a16="http://schemas.microsoft.com/office/drawing/2014/main" val="20006"/>
+                      <a16:colId xmlns:a16="http://schemas.microsoft.com/office/drawing/2014/main" val="20006"/>
                     </a:ext>
                   </a:extLst>
                 </a:gridCol>
                 <a:gridCol w="369345">
                   <a:extLst>
                     <a:ext uri="{9D8B030D-6E8A-4147-A177-3AD203B41FA5}">
-                      <a16:colId xmlns="" xmlns:a16="http://schemas.microsoft.com/office/drawing/2014/main" val="20007"/>
+                      <a16:colId xmlns:a16="http://schemas.microsoft.com/office/drawing/2014/main" val="20007"/>
                     </a:ext>
                   </a:extLst>
                 </a:gridCol>
                 <a:gridCol w="355483">
                   <a:extLst>
                     <a:ext uri="{9D8B030D-6E8A-4147-A177-3AD203B41FA5}">
-                      <a16:colId xmlns="" xmlns:a16="http://schemas.microsoft.com/office/drawing/2014/main" val="20008"/>
+                      <a16:colId xmlns:a16="http://schemas.microsoft.com/office/drawing/2014/main" val="20008"/>
                     </a:ext>
                   </a:extLst>
                 </a:gridCol>
                 <a:gridCol w="384062">
                   <a:extLst>
                     <a:ext uri="{9D8B030D-6E8A-4147-A177-3AD203B41FA5}">
-                      <a16:colId xmlns="" xmlns:a16="http://schemas.microsoft.com/office/drawing/2014/main" val="20009"/>
+                      <a16:colId xmlns:a16="http://schemas.microsoft.com/office/drawing/2014/main" val="20009"/>
                     </a:ext>
                   </a:extLst>
                 </a:gridCol>
@@ -38906,7 +37976,7 @@
                 </a:tc>
                 <a:extLst>
                   <a:ext uri="{0D108BD9-81ED-4DB2-BD59-A6C34878D82A}">
-                    <a16:rowId xmlns="" xmlns:a16="http://schemas.microsoft.com/office/drawing/2014/main" val="10000"/>
+                    <a16:rowId xmlns:a16="http://schemas.microsoft.com/office/drawing/2014/main" val="10000"/>
                   </a:ext>
                 </a:extLst>
               </a:tr>
@@ -39239,18 +38309,13 @@
           <a:p>
             <a:pPr algn="ctr"/>
             <a:r>
-              <a:rPr lang="en-US" altLang="zh-CN" sz="1200" dirty="0" smtClean="0">
+              <a:rPr lang="en-US" altLang="zh-CN" sz="1200" dirty="0">
                 <a:solidFill>
                   <a:srgbClr val="000000"/>
                 </a:solidFill>
               </a:rPr>
               <a:t>9/17</a:t>
             </a:r>
-            <a:endParaRPr lang="en-US" altLang="zh-CN" sz="1200" dirty="0">
-              <a:solidFill>
-                <a:srgbClr val="000000"/>
-              </a:solidFill>
-            </a:endParaRPr>
           </a:p>
         </p:txBody>
       </p:sp>
@@ -39282,70 +38347,70 @@
                 <a:gridCol w="369345">
                   <a:extLst>
                     <a:ext uri="{9D8B030D-6E8A-4147-A177-3AD203B41FA5}">
-                      <a16:colId xmlns="" xmlns:a16="http://schemas.microsoft.com/office/drawing/2014/main" val="20000"/>
+                      <a16:colId xmlns:a16="http://schemas.microsoft.com/office/drawing/2014/main" val="20000"/>
                     </a:ext>
                   </a:extLst>
                 </a:gridCol>
                 <a:gridCol w="369345">
                   <a:extLst>
                     <a:ext uri="{9D8B030D-6E8A-4147-A177-3AD203B41FA5}">
-                      <a16:colId xmlns="" xmlns:a16="http://schemas.microsoft.com/office/drawing/2014/main" val="20001"/>
+                      <a16:colId xmlns:a16="http://schemas.microsoft.com/office/drawing/2014/main" val="20001"/>
                     </a:ext>
                   </a:extLst>
                 </a:gridCol>
                 <a:gridCol w="369345">
                   <a:extLst>
                     <a:ext uri="{9D8B030D-6E8A-4147-A177-3AD203B41FA5}">
-                      <a16:colId xmlns="" xmlns:a16="http://schemas.microsoft.com/office/drawing/2014/main" val="20002"/>
+                      <a16:colId xmlns:a16="http://schemas.microsoft.com/office/drawing/2014/main" val="20002"/>
                     </a:ext>
                   </a:extLst>
                 </a:gridCol>
                 <a:gridCol w="369345">
                   <a:extLst>
                     <a:ext uri="{9D8B030D-6E8A-4147-A177-3AD203B41FA5}">
-                      <a16:colId xmlns="" xmlns:a16="http://schemas.microsoft.com/office/drawing/2014/main" val="20003"/>
+                      <a16:colId xmlns:a16="http://schemas.microsoft.com/office/drawing/2014/main" val="20003"/>
                     </a:ext>
                   </a:extLst>
                 </a:gridCol>
                 <a:gridCol w="369345">
                   <a:extLst>
                     <a:ext uri="{9D8B030D-6E8A-4147-A177-3AD203B41FA5}">
-                      <a16:colId xmlns="" xmlns:a16="http://schemas.microsoft.com/office/drawing/2014/main" val="20004"/>
+                      <a16:colId xmlns:a16="http://schemas.microsoft.com/office/drawing/2014/main" val="20004"/>
                     </a:ext>
                   </a:extLst>
                 </a:gridCol>
                 <a:gridCol w="369345">
                   <a:extLst>
                     <a:ext uri="{9D8B030D-6E8A-4147-A177-3AD203B41FA5}">
-                      <a16:colId xmlns="" xmlns:a16="http://schemas.microsoft.com/office/drawing/2014/main" val="20005"/>
+                      <a16:colId xmlns:a16="http://schemas.microsoft.com/office/drawing/2014/main" val="20005"/>
                     </a:ext>
                   </a:extLst>
                 </a:gridCol>
                 <a:gridCol w="369345">
                   <a:extLst>
                     <a:ext uri="{9D8B030D-6E8A-4147-A177-3AD203B41FA5}">
-                      <a16:colId xmlns="" xmlns:a16="http://schemas.microsoft.com/office/drawing/2014/main" val="20006"/>
+                      <a16:colId xmlns:a16="http://schemas.microsoft.com/office/drawing/2014/main" val="20006"/>
                     </a:ext>
                   </a:extLst>
                 </a:gridCol>
                 <a:gridCol w="369345">
                   <a:extLst>
                     <a:ext uri="{9D8B030D-6E8A-4147-A177-3AD203B41FA5}">
-                      <a16:colId xmlns="" xmlns:a16="http://schemas.microsoft.com/office/drawing/2014/main" val="20007"/>
+                      <a16:colId xmlns:a16="http://schemas.microsoft.com/office/drawing/2014/main" val="20007"/>
                     </a:ext>
                   </a:extLst>
                 </a:gridCol>
                 <a:gridCol w="355483">
                   <a:extLst>
                     <a:ext uri="{9D8B030D-6E8A-4147-A177-3AD203B41FA5}">
-                      <a16:colId xmlns="" xmlns:a16="http://schemas.microsoft.com/office/drawing/2014/main" val="20008"/>
+                      <a16:colId xmlns:a16="http://schemas.microsoft.com/office/drawing/2014/main" val="20008"/>
                     </a:ext>
                   </a:extLst>
                 </a:gridCol>
                 <a:gridCol w="384062">
                   <a:extLst>
                     <a:ext uri="{9D8B030D-6E8A-4147-A177-3AD203B41FA5}">
-                      <a16:colId xmlns="" xmlns:a16="http://schemas.microsoft.com/office/drawing/2014/main" val="20009"/>
+                      <a16:colId xmlns:a16="http://schemas.microsoft.com/office/drawing/2014/main" val="20009"/>
                     </a:ext>
                   </a:extLst>
                 </a:gridCol>
@@ -39923,7 +38988,7 @@
                 </a:tc>
                 <a:extLst>
                   <a:ext uri="{0D108BD9-81ED-4DB2-BD59-A6C34878D82A}">
-                    <a16:rowId xmlns="" xmlns:a16="http://schemas.microsoft.com/office/drawing/2014/main" val="10000"/>
+                    <a16:rowId xmlns:a16="http://schemas.microsoft.com/office/drawing/2014/main" val="10000"/>
                   </a:ext>
                 </a:extLst>
               </a:tr>
@@ -40669,35 +39734,28 @@
               </a:spcAft>
             </a:pPr>
             <a:r>
-              <a:rPr lang="zh-CN" altLang="en-US" sz="2200" kern="0" dirty="0" smtClean="0">
+              <a:rPr lang="zh-CN" altLang="en-US" sz="2200" kern="0" dirty="0">
                 <a:latin typeface="微软雅黑" panose="020B0503020204020204" pitchFamily="34" charset="-122"/>
                 <a:ea typeface="微软雅黑" panose="020B0503020204020204" pitchFamily="34" charset="-122"/>
               </a:rPr>
               <a:t>相位</a:t>
             </a:r>
             <a:r>
-              <a:rPr lang="en-US" altLang="zh-CN" sz="2200" kern="0" dirty="0" smtClean="0">
+              <a:rPr lang="en-US" altLang="zh-CN" sz="2200" kern="0" dirty="0">
                 <a:latin typeface="微软雅黑" panose="020B0503020204020204" pitchFamily="34" charset="-122"/>
                 <a:ea typeface="微软雅黑" panose="020B0503020204020204" pitchFamily="34" charset="-122"/>
               </a:rPr>
               <a:t>-</a:t>
             </a:r>
             <a:r>
-              <a:rPr lang="zh-CN" altLang="en-US" sz="2200" kern="0" dirty="0" smtClean="0">
-                <a:latin typeface="微软雅黑" panose="020B0503020204020204" pitchFamily="34" charset="-122"/>
-                <a:ea typeface="微软雅黑" panose="020B0503020204020204" pitchFamily="34" charset="-122"/>
-              </a:rPr>
-              <a:t>幅度转换</a:t>
-            </a:r>
-            <a:r>
               <a:rPr lang="zh-CN" altLang="en-US" sz="2200" kern="0" dirty="0">
                 <a:latin typeface="微软雅黑" panose="020B0503020204020204" pitchFamily="34" charset="-122"/>
                 <a:ea typeface="微软雅黑" panose="020B0503020204020204" pitchFamily="34" charset="-122"/>
               </a:rPr>
-              <a:t>器</a:t>
-            </a:r>
-            <a:r>
-              <a:rPr lang="en-US" altLang="zh-CN" sz="2200" kern="0" dirty="0" smtClean="0">
+              <a:t>幅度转换器</a:t>
+            </a:r>
+            <a:r>
+              <a:rPr lang="en-US" altLang="zh-CN" sz="2200" kern="0" dirty="0">
                 <a:latin typeface="微软雅黑" panose="020B0503020204020204" pitchFamily="34" charset="-122"/>
                 <a:ea typeface="微软雅黑" panose="020B0503020204020204" pitchFamily="34" charset="-122"/>
               </a:rPr>
@@ -40714,13 +39772,13 @@
               </a:spcAft>
             </a:pPr>
             <a:r>
-              <a:rPr lang="zh-CN" altLang="en-US" kern="0" dirty="0" smtClean="0">
+              <a:rPr lang="zh-CN" altLang="en-US" kern="0" dirty="0">
                 <a:latin typeface="微软雅黑" panose="020B0503020204020204" pitchFamily="34" charset="-122"/>
                 <a:ea typeface="微软雅黑" panose="020B0503020204020204" pitchFamily="34" charset="-122"/>
               </a:rPr>
               <a:t>地址查找</a:t>
             </a:r>
-            <a:endParaRPr lang="en-US" altLang="zh-CN" kern="0" dirty="0" smtClean="0">
+            <a:endParaRPr lang="en-US" altLang="zh-CN" kern="0" dirty="0">
               <a:latin typeface="微软雅黑" panose="020B0503020204020204" pitchFamily="34" charset="-122"/>
               <a:ea typeface="微软雅黑" panose="020B0503020204020204" pitchFamily="34" charset="-122"/>
             </a:endParaRPr>
@@ -40739,14 +39797,7 @@
                 <a:latin typeface="微软雅黑" panose="020B0503020204020204" pitchFamily="34" charset="-122"/>
                 <a:ea typeface="微软雅黑" panose="020B0503020204020204" pitchFamily="34" charset="-122"/>
               </a:rPr>
-              <a:t>查表</a:t>
-            </a:r>
-            <a:r>
-              <a:rPr lang="zh-CN" altLang="en-US" sz="1300" dirty="0" smtClean="0">
-                <a:latin typeface="微软雅黑" panose="020B0503020204020204" pitchFamily="34" charset="-122"/>
-                <a:ea typeface="微软雅黑" panose="020B0503020204020204" pitchFamily="34" charset="-122"/>
-              </a:rPr>
-              <a:t>信号</a:t>
+              <a:t>查表信号</a:t>
             </a:r>
             <a:endParaRPr lang="en-US" altLang="zh-CN" sz="1300" dirty="0">
               <a:latin typeface="微软雅黑" panose="020B0503020204020204" pitchFamily="34" charset="-122"/>
@@ -40763,13 +39814,13 @@
               </a:spcAft>
             </a:pPr>
             <a:r>
-              <a:rPr lang="zh-CN" altLang="en-US" kern="0" dirty="0" smtClean="0">
+              <a:rPr lang="zh-CN" altLang="en-US" kern="0" dirty="0">
                 <a:latin typeface="微软雅黑" panose="020B0503020204020204" pitchFamily="34" charset="-122"/>
                 <a:ea typeface="微软雅黑" panose="020B0503020204020204" pitchFamily="34" charset="-122"/>
               </a:rPr>
               <a:t>矩阵旋转</a:t>
             </a:r>
-            <a:endParaRPr lang="en-US" altLang="zh-CN" kern="0" dirty="0" smtClean="0">
+            <a:endParaRPr lang="en-US" altLang="zh-CN" kern="0" dirty="0">
               <a:latin typeface="微软雅黑" panose="020B0503020204020204" pitchFamily="34" charset="-122"/>
               <a:ea typeface="微软雅黑" panose="020B0503020204020204" pitchFamily="34" charset="-122"/>
             </a:endParaRPr>
@@ -40784,7 +39835,7 @@
               </a:spcAft>
             </a:pPr>
             <a:r>
-              <a:rPr lang="zh-CN" altLang="en-US" sz="1300" dirty="0" smtClean="0">
+              <a:rPr lang="zh-CN" altLang="en-US" sz="1300" dirty="0">
                 <a:latin typeface="微软雅黑" panose="020B0503020204020204" pitchFamily="34" charset="-122"/>
                 <a:ea typeface="微软雅黑" panose="020B0503020204020204" pitchFamily="34" charset="-122"/>
               </a:rPr>
@@ -40805,13 +39856,13 @@
               </a:spcAft>
             </a:pPr>
             <a:r>
-              <a:rPr lang="zh-CN" altLang="en-US" kern="0" dirty="0" smtClean="0">
+              <a:rPr lang="zh-CN" altLang="en-US" kern="0" dirty="0">
                 <a:latin typeface="微软雅黑" panose="020B0503020204020204" pitchFamily="34" charset="-122"/>
                 <a:ea typeface="微软雅黑" panose="020B0503020204020204" pitchFamily="34" charset="-122"/>
               </a:rPr>
               <a:t>对称操作</a:t>
             </a:r>
-            <a:endParaRPr lang="en-US" altLang="zh-CN" kern="0" dirty="0" smtClean="0">
+            <a:endParaRPr lang="en-US" altLang="zh-CN" kern="0" dirty="0">
               <a:latin typeface="微软雅黑" panose="020B0503020204020204" pitchFamily="34" charset="-122"/>
               <a:ea typeface="微软雅黑" panose="020B0503020204020204" pitchFamily="34" charset="-122"/>
             </a:endParaRPr>
@@ -41386,7 +40437,7 @@
                         <a:p>
                           <a:pPr algn="ctr"/>
                           <a:r>
-                            <a:rPr lang="zh-CN" altLang="en-US" sz="1200" b="0" dirty="0" smtClean="0">
+                            <a:rPr lang="zh-CN" altLang="en-US" sz="1200" b="0" dirty="0">
                               <a:latin typeface="Cambria Math" panose="02040503050406030204" pitchFamily="18" charset="0"/>
                             </a:rPr>
                             <a:t>查表信号</a:t>
@@ -41421,7 +40472,7 @@
                         <a:p>
                           <a:pPr algn="ctr"/>
                           <a:r>
-                            <a:rPr lang="zh-CN" altLang="en-US" sz="1200" dirty="0" smtClean="0">
+                            <a:rPr lang="zh-CN" altLang="en-US" sz="1200" dirty="0">
                               <a:latin typeface="Cambria Math" panose="02040503050406030204" pitchFamily="18" charset="0"/>
                             </a:rPr>
                             <a:t>旋转信号</a:t>
@@ -41457,7 +40508,7 @@
                       <a:p>
                         <a:pPr algn="ctr"/>
                         <a:r>
-                          <a:rPr lang="zh-CN" altLang="en-US" sz="1200" dirty="0" smtClean="0">
+                          <a:rPr lang="zh-CN" altLang="en-US" sz="1200" dirty="0">
                             <a:latin typeface="Cambria Math" panose="02040503050406030204" pitchFamily="18" charset="0"/>
                           </a:rPr>
                           <a:t>输出信号</a:t>
@@ -41861,13 +40912,6 @@
       </p:transition>
     </mc:Fallback>
   </mc:AlternateContent>
-  <p:timing>
-    <p:tnLst>
-      <p:par>
-        <p:cTn id="1" dur="indefinite" restart="never" nodeType="tmRoot"/>
-      </p:par>
-    </p:tnLst>
-  </p:timing>
 </p:sld>
 </file>
 

--- a/dabian/杨一雄_毕业设计答辩_v2.0.pptx
+++ b/dabian/杨一雄_毕业设计答辩_v2.0.pptx
@@ -756,7 +756,15 @@
           <a:p>
             <a:r>
               <a:rPr lang="zh-CN" altLang="en-US" dirty="0"/>
-              <a:t>我的指导老师是杨华中教授。</a:t>
+              <a:t>我的指导老师是杨华中</a:t>
+            </a:r>
+            <a:r>
+              <a:rPr lang="zh-CN" altLang="en-US"/>
+              <a:t>教授</a:t>
+            </a:r>
+            <a:r>
+              <a:rPr lang="zh-CN" altLang="en-US" smtClean="0"/>
+              <a:t>。参与优秀论文评选。</a:t>
             </a:r>
             <a:endParaRPr lang="zh-CN" altLang="zh-CN" dirty="0"/>
           </a:p>
@@ -819,69 +827,123 @@
           <a:bodyPr/>
           <a:lstStyle/>
           <a:p>
-            <a:r>
-              <a:rPr lang="zh-CN" altLang="en-US" dirty="0"/>
-              <a:t>如右上图所示，</a:t>
-            </a:r>
-            <a:endParaRPr lang="en-US" altLang="zh-CN" dirty="0"/>
-          </a:p>
-          <a:p>
-            <a:r>
-              <a:rPr lang="en-US" altLang="zh-CN" dirty="0"/>
-              <a:t>PC</a:t>
-            </a:r>
-            <a:r>
-              <a:rPr lang="zh-CN" altLang="en-US" dirty="0"/>
-              <a:t>模块的索引压缩会产生周期性噪声，影响杂散性能</a:t>
-            </a:r>
-            <a:endParaRPr lang="en-US" altLang="zh-CN" dirty="0"/>
-          </a:p>
-          <a:p>
-            <a:r>
-              <a:rPr lang="en-US" altLang="zh-CN" dirty="0"/>
-              <a:t>PAC</a:t>
-            </a:r>
-            <a:r>
-              <a:rPr lang="zh-CN" altLang="en-US" dirty="0"/>
-              <a:t>模块的输出量化会产生高斯白噪声，影响底噪。</a:t>
-            </a:r>
-            <a:endParaRPr lang="en-US" altLang="zh-CN" dirty="0"/>
-          </a:p>
-          <a:p>
-            <a:r>
-              <a:rPr lang="zh-CN" altLang="en-US" dirty="0"/>
-              <a:t>为实现高精度，必须提高索引位数和量化位数。同时索引的分配也需要注意，否则可能会增大噪声</a:t>
-            </a:r>
-            <a:r>
-              <a:rPr lang="zh-CN" altLang="en-US" baseline="0" dirty="0"/>
-              <a:t>。</a:t>
-            </a:r>
-            <a:endParaRPr lang="en-US" altLang="zh-CN" dirty="0"/>
-          </a:p>
-          <a:p>
-            <a:r>
-              <a:rPr lang="zh-CN" altLang="en-US" dirty="0"/>
-              <a:t>下表显示了两种版本的差别，</a:t>
-            </a:r>
-            <a:r>
-              <a:rPr lang="en-US" altLang="zh-CN" dirty="0"/>
-              <a:t>16 bit</a:t>
-            </a:r>
-            <a:r>
-              <a:rPr lang="zh-CN" altLang="en-US" dirty="0"/>
-              <a:t> 版本在 最大杂散分量</a:t>
-            </a:r>
-            <a:r>
-              <a:rPr lang="en-US" altLang="zh-CN" dirty="0"/>
-              <a:t>SFDR &amp; SNR </a:t>
-            </a:r>
-            <a:r>
-              <a:rPr lang="zh-CN" altLang="en-US" dirty="0"/>
-              <a:t>都有相当大的提高。</a:t>
-            </a:r>
-            <a:endParaRPr lang="en-US" altLang="zh-CN" dirty="0"/>
-          </a:p>
-          <a:p>
+            <a:pPr marL="0" marR="0" indent="0" algn="l" defTabSz="914400" rtl="0" eaLnBrk="1" fontAlgn="auto" latinLnBrk="0" hangingPunct="1">
+              <a:lnSpc>
+                <a:spcPct val="100000"/>
+              </a:lnSpc>
+              <a:spcBef>
+                <a:spcPts val="0"/>
+              </a:spcBef>
+              <a:spcAft>
+                <a:spcPts val="0"/>
+              </a:spcAft>
+              <a:buClrTx/>
+              <a:buSzTx/>
+              <a:buFontTx/>
+              <a:buNone/>
+              <a:tabLst/>
+              <a:defRPr/>
+            </a:pPr>
+            <a:r>
+              <a:rPr lang="zh-CN" altLang="en-US" dirty="0" smtClean="0"/>
+              <a:t>实现高精度需要抑制噪声，经过研究我将噪声分为两类。</a:t>
+            </a:r>
+            <a:endParaRPr lang="en-US" altLang="zh-CN" dirty="0" smtClean="0"/>
+          </a:p>
+          <a:p>
+            <a:pPr marL="0" marR="0" indent="0" algn="l" defTabSz="914400" rtl="0" eaLnBrk="1" fontAlgn="auto" latinLnBrk="0" hangingPunct="1">
+              <a:lnSpc>
+                <a:spcPct val="100000"/>
+              </a:lnSpc>
+              <a:spcBef>
+                <a:spcPts val="0"/>
+              </a:spcBef>
+              <a:spcAft>
+                <a:spcPts val="0"/>
+              </a:spcAft>
+              <a:buClrTx/>
+              <a:buSzTx/>
+              <a:buFontTx/>
+              <a:buNone/>
+              <a:tabLst/>
+              <a:defRPr/>
+            </a:pPr>
+            <a:r>
+              <a:rPr lang="zh-CN" altLang="en-US" dirty="0" smtClean="0"/>
+              <a:t>噪声</a:t>
+            </a:r>
+            <a:r>
+              <a:rPr lang="en-US" altLang="zh-CN" dirty="0" smtClean="0"/>
+              <a:t>I</a:t>
+            </a:r>
+            <a:r>
+              <a:rPr lang="zh-CN" altLang="en-US" dirty="0" smtClean="0"/>
+              <a:t>是因为相位压缩和输出量化产生的噪声。如右上图所示，其中相位压缩产生有色噪声；输出量化产生的为高斯白噪声。噪声</a:t>
+            </a:r>
+            <a:r>
+              <a:rPr lang="en-US" altLang="zh-CN" dirty="0" smtClean="0"/>
+              <a:t>I</a:t>
+            </a:r>
+            <a:r>
+              <a:rPr lang="zh-CN" altLang="en-US" dirty="0" smtClean="0"/>
+              <a:t>只能通过提升相位位数或者输出位数改善。</a:t>
+            </a:r>
+            <a:endParaRPr lang="en-US" altLang="zh-CN" dirty="0" smtClean="0"/>
+          </a:p>
+          <a:p>
+            <a:r>
+              <a:rPr lang="zh-CN" altLang="en-US" dirty="0" smtClean="0"/>
+              <a:t>噪声</a:t>
+            </a:r>
+            <a:r>
+              <a:rPr lang="en-US" altLang="zh-CN" dirty="0" smtClean="0"/>
+              <a:t>II</a:t>
+            </a:r>
+            <a:r>
+              <a:rPr lang="zh-CN" altLang="en-US" dirty="0" smtClean="0"/>
+              <a:t>是由于角度旋转中近似产生的噪声，旋转角度越大，误差越大。</a:t>
+            </a:r>
+            <a:endParaRPr lang="en-US" altLang="zh-CN" dirty="0" smtClean="0"/>
+          </a:p>
+          <a:p>
+            <a:endParaRPr lang="en-US" altLang="zh-CN" dirty="0" smtClean="0"/>
+          </a:p>
+          <a:p>
+            <a:r>
+              <a:rPr lang="zh-CN" altLang="en-US" dirty="0" smtClean="0"/>
+              <a:t>在确定输入输出位数的情况下，噪声</a:t>
+            </a:r>
+            <a:r>
+              <a:rPr lang="en-US" altLang="zh-CN" dirty="0" smtClean="0"/>
+              <a:t>I</a:t>
+            </a:r>
+            <a:r>
+              <a:rPr lang="zh-CN" altLang="en-US" dirty="0" smtClean="0"/>
+              <a:t>大小稳定。通过减小旋转索引位数可以降低第二类噪声。但是查找表的地址相应增加，会降低其访存速度。</a:t>
+            </a:r>
+            <a:endParaRPr lang="en-US" altLang="zh-CN" dirty="0" smtClean="0"/>
+          </a:p>
+          <a:p>
+            <a:r>
+              <a:rPr lang="zh-CN" altLang="en-US" dirty="0" smtClean="0"/>
+              <a:t>因此提出约束条件：旋转索引</a:t>
+            </a:r>
+            <a:r>
+              <a:rPr lang="en-US" altLang="zh-CN" baseline="0" dirty="0" smtClean="0"/>
+              <a:t> &gt;=</a:t>
+            </a:r>
+            <a:r>
+              <a:rPr lang="zh-CN" altLang="en-US" baseline="0" dirty="0" smtClean="0"/>
+              <a:t>查找表索引 </a:t>
+            </a:r>
+            <a:r>
+              <a:rPr lang="en-US" altLang="zh-CN" baseline="0" dirty="0" smtClean="0"/>
+              <a:t>+1</a:t>
+            </a:r>
+            <a:r>
+              <a:rPr lang="zh-CN" altLang="en-US" baseline="0" dirty="0" smtClean="0"/>
+              <a:t>，取等号时两类噪声得到平衡；约束内，可在噪声和访存速度上做取舍。</a:t>
+            </a:r>
             <a:endParaRPr lang="zh-CN" altLang="en-US" dirty="0"/>
           </a:p>
         </p:txBody>
@@ -967,64 +1029,56 @@
           <a:lstStyle/>
           <a:p>
             <a:r>
-              <a:rPr lang="zh-CN" altLang="en-US" dirty="0"/>
-              <a:t>由于</a:t>
-            </a:r>
-            <a:r>
-              <a:rPr lang="en-US" altLang="zh-CN" dirty="0" err="1"/>
-              <a:t>cordic</a:t>
-            </a:r>
-            <a:r>
-              <a:rPr lang="zh-CN" altLang="en-US" dirty="0"/>
-              <a:t>矩阵旋转模块的计算量比较大，需要用流水线加速。</a:t>
-            </a:r>
-            <a:endParaRPr lang="en-US" altLang="zh-CN" dirty="0"/>
-          </a:p>
-          <a:p>
-            <a:r>
-              <a:rPr lang="zh-CN" altLang="en-US" dirty="0"/>
-              <a:t>通过改进的</a:t>
-            </a:r>
-            <a:r>
-              <a:rPr lang="en-US" altLang="zh-CN" dirty="0" err="1"/>
-              <a:t>cordic</a:t>
-            </a:r>
-            <a:r>
-              <a:rPr lang="zh-CN" altLang="en-US" dirty="0"/>
-              <a:t>算法，我得到了迭代公式如红框所示，如右下角所示，</a:t>
-            </a:r>
-            <a:r>
-              <a:rPr lang="en-US" altLang="zh-CN" dirty="0" err="1"/>
-              <a:t>cordic</a:t>
-            </a:r>
-            <a:r>
-              <a:rPr lang="en-US" altLang="zh-CN" dirty="0"/>
-              <a:t> cell</a:t>
-            </a:r>
-            <a:r>
-              <a:rPr lang="zh-CN" altLang="en-US" dirty="0"/>
-              <a:t>为其电路实现，</a:t>
-            </a:r>
-            <a:endParaRPr lang="en-US" altLang="zh-CN" dirty="0"/>
-          </a:p>
-          <a:p>
-            <a:r>
-              <a:rPr lang="zh-CN" altLang="en-US" dirty="0"/>
-              <a:t>通过级联</a:t>
-            </a:r>
-            <a:r>
-              <a:rPr lang="en-US" altLang="zh-CN" dirty="0" err="1"/>
-              <a:t>cordic</a:t>
-            </a:r>
-            <a:r>
-              <a:rPr lang="en-US" altLang="zh-CN" dirty="0"/>
-              <a:t> cell </a:t>
-            </a:r>
-            <a:r>
-              <a:rPr lang="zh-CN" altLang="en-US" dirty="0"/>
-              <a:t>级联实现了公式迭代的效果。</a:t>
-            </a:r>
-            <a:endParaRPr lang="en-US" altLang="zh-CN" dirty="0"/>
+              <a:rPr lang="zh-CN" altLang="en-US" dirty="0" smtClean="0"/>
+              <a:t>为了提高时钟频率，本文采用级联的旋转单元替代了乘法器的使用。</a:t>
+            </a:r>
+            <a:endParaRPr lang="en-US" altLang="zh-CN" dirty="0" smtClean="0"/>
+          </a:p>
+          <a:p>
+            <a:r>
+              <a:rPr lang="zh-CN" altLang="en-US" dirty="0" smtClean="0"/>
+              <a:t>根据公式推导得到迭代公式，每个旋转单元包括两个移位器和全加器。</a:t>
+            </a:r>
+            <a:endParaRPr lang="en-US" altLang="zh-CN" dirty="0" smtClean="0"/>
+          </a:p>
+          <a:p>
+            <a:pPr marL="0" marR="0" indent="0" algn="l" defTabSz="914400" rtl="0" eaLnBrk="1" fontAlgn="auto" latinLnBrk="0" hangingPunct="1">
+              <a:lnSpc>
+                <a:spcPct val="100000"/>
+              </a:lnSpc>
+              <a:spcBef>
+                <a:spcPts val="0"/>
+              </a:spcBef>
+              <a:spcAft>
+                <a:spcPts val="0"/>
+              </a:spcAft>
+              <a:buClrTx/>
+              <a:buSzTx/>
+              <a:buFontTx/>
+              <a:buNone/>
+              <a:tabLst/>
+              <a:defRPr/>
+            </a:pPr>
+            <a:r>
+              <a:rPr lang="zh-CN" altLang="en-US" dirty="0" smtClean="0"/>
+              <a:t>经过流水线加速后，得到上图所示的电路结构，在每个旋转单元后都插入了触发器。</a:t>
+            </a:r>
+            <a:endParaRPr lang="en-US" altLang="zh-CN" dirty="0" smtClean="0"/>
+          </a:p>
+          <a:p>
+            <a:endParaRPr lang="en-US" altLang="zh-CN" dirty="0" smtClean="0"/>
+          </a:p>
+          <a:p>
+            <a:endParaRPr lang="en-US" altLang="zh-CN" dirty="0" smtClean="0"/>
+          </a:p>
+          <a:p>
+            <a:endParaRPr lang="en-US" altLang="zh-CN" dirty="0" smtClean="0"/>
+          </a:p>
+          <a:p>
+            <a:endParaRPr lang="en-US" altLang="zh-CN" dirty="0" smtClean="0"/>
+          </a:p>
+          <a:p>
+            <a:endParaRPr lang="en-US" altLang="zh-CN" dirty="0" smtClean="0"/>
           </a:p>
         </p:txBody>
       </p:sp>
@@ -1125,7 +1179,11 @@
             </a:r>
             <a:r>
               <a:rPr lang="zh-CN" altLang="en-US" dirty="0"/>
-              <a:t>生成的正弦比和线性相位</a:t>
+              <a:t>生成的</a:t>
+            </a:r>
+            <a:r>
+              <a:rPr lang="zh-CN" altLang="en-US" dirty="0" smtClean="0"/>
+              <a:t>正弦信号波形和相位</a:t>
             </a:r>
             <a:endParaRPr lang="en-US" altLang="zh-CN" dirty="0"/>
           </a:p>
@@ -1139,8 +1197,24 @@
               <a:t>matlab</a:t>
             </a:r>
             <a:r>
-              <a:rPr lang="zh-CN" altLang="en-US" dirty="0"/>
-              <a:t>中进行</a:t>
+              <a:rPr lang="zh-CN" altLang="en-US" dirty="0" smtClean="0"/>
+              <a:t>中，发现</a:t>
+            </a:r>
+            <a:r>
+              <a:rPr lang="en-US" altLang="zh-CN" dirty="0" err="1" smtClean="0"/>
+              <a:t>modelsim</a:t>
+            </a:r>
+            <a:r>
+              <a:rPr lang="zh-CN" altLang="en-US" dirty="0" smtClean="0"/>
+              <a:t>结果和</a:t>
+            </a:r>
+            <a:r>
+              <a:rPr lang="en-US" altLang="zh-CN" dirty="0" err="1" smtClean="0"/>
+              <a:t>matlab</a:t>
+            </a:r>
+            <a:r>
+              <a:rPr lang="zh-CN" altLang="en-US" dirty="0" smtClean="0"/>
+              <a:t>计算结果相同。进行</a:t>
             </a:r>
             <a:r>
               <a:rPr lang="en-US" altLang="zh-CN" dirty="0" err="1"/>
@@ -1167,24 +1241,8 @@
               <a:t>dBc</a:t>
             </a:r>
             <a:r>
-              <a:rPr lang="zh-CN" altLang="en-US" dirty="0"/>
-              <a:t>，相比</a:t>
-            </a:r>
-            <a:r>
-              <a:rPr lang="en-US" altLang="zh-CN" dirty="0"/>
-              <a:t>10 bit</a:t>
-            </a:r>
-            <a:r>
-              <a:rPr lang="zh-CN" altLang="en-US" dirty="0"/>
-              <a:t>版提升了</a:t>
-            </a:r>
-            <a:r>
-              <a:rPr lang="en-US" altLang="zh-CN" dirty="0"/>
-              <a:t>42 </a:t>
-            </a:r>
-            <a:r>
-              <a:rPr lang="en-US" altLang="zh-CN" dirty="0" err="1"/>
-              <a:t>dBc</a:t>
+              <a:rPr lang="zh-CN" altLang="en-US" dirty="0" smtClean="0"/>
+              <a:t>，高于理论最低值。</a:t>
             </a:r>
             <a:endParaRPr lang="en-US" altLang="zh-CN" dirty="0"/>
           </a:p>
@@ -1281,106 +1339,57 @@
           <a:lstStyle/>
           <a:p>
             <a:r>
-              <a:rPr lang="zh-CN" altLang="en-US" dirty="0"/>
-              <a:t>最后的进展是将</a:t>
-            </a:r>
-            <a:r>
-              <a:rPr lang="en-US" altLang="zh-CN" dirty="0"/>
-              <a:t>16 bit</a:t>
-            </a:r>
-            <a:r>
-              <a:rPr lang="zh-CN" altLang="en-US" dirty="0"/>
-              <a:t>流水线</a:t>
-            </a:r>
-            <a:r>
-              <a:rPr lang="en-US" altLang="zh-CN" dirty="0"/>
-              <a:t>DDS</a:t>
-            </a:r>
-            <a:r>
-              <a:rPr lang="zh-CN" altLang="en-US" dirty="0"/>
-              <a:t>用</a:t>
-            </a:r>
-            <a:r>
-              <a:rPr lang="en-US" altLang="zh-CN" dirty="0"/>
-              <a:t>design compiler </a:t>
-            </a:r>
-            <a:r>
-              <a:rPr lang="zh-CN" altLang="en-US" dirty="0"/>
-              <a:t>进行综合，显示最高时钟频率约为</a:t>
-            </a:r>
-            <a:r>
-              <a:rPr lang="en-US" altLang="zh-CN" dirty="0"/>
-              <a:t>1.3GHz</a:t>
-            </a:r>
-          </a:p>
-          <a:p>
-            <a:r>
-              <a:rPr lang="zh-CN" altLang="en-US" dirty="0"/>
-              <a:t>将综合结果导入到</a:t>
-            </a:r>
-            <a:r>
-              <a:rPr lang="en-US" altLang="zh-CN" dirty="0" err="1"/>
-              <a:t>modelsim</a:t>
-            </a:r>
-            <a:r>
-              <a:rPr lang="en-US" altLang="zh-CN" dirty="0"/>
-              <a:t> </a:t>
-            </a:r>
-            <a:r>
-              <a:rPr lang="zh-CN" altLang="en-US" dirty="0"/>
-              <a:t>中以</a:t>
-            </a:r>
-            <a:r>
-              <a:rPr lang="en-US" altLang="zh-CN" dirty="0"/>
-              <a:t>1.25GHz</a:t>
-            </a:r>
-            <a:r>
-              <a:rPr lang="zh-CN" altLang="en-US" dirty="0"/>
-              <a:t>测试时序，结果正确</a:t>
-            </a:r>
-            <a:endParaRPr lang="en-US" altLang="zh-CN" dirty="0"/>
-          </a:p>
-          <a:p>
-            <a:r>
-              <a:rPr lang="zh-CN" altLang="en-US" dirty="0"/>
-              <a:t>在综合结果中显示，系统的关键路径分别在</a:t>
-            </a:r>
-            <a:r>
-              <a:rPr lang="en-US" altLang="zh-CN" dirty="0"/>
-              <a:t>PAC </a:t>
-            </a:r>
-            <a:r>
-              <a:rPr lang="zh-CN" altLang="en-US" dirty="0"/>
-              <a:t>模块中的</a:t>
-            </a:r>
-            <a:r>
-              <a:rPr lang="en-US" altLang="zh-CN" dirty="0"/>
-              <a:t>Rom</a:t>
-            </a:r>
-            <a:r>
-              <a:rPr lang="zh-CN" altLang="en-US" dirty="0"/>
-              <a:t>和</a:t>
-            </a:r>
-            <a:r>
-              <a:rPr lang="en-US" altLang="zh-CN" dirty="0" err="1"/>
-              <a:t>cordic</a:t>
-            </a:r>
-            <a:r>
-              <a:rPr lang="en-US" altLang="zh-CN" dirty="0"/>
-              <a:t> cell</a:t>
-            </a:r>
-            <a:r>
-              <a:rPr lang="zh-CN" altLang="en-US" dirty="0"/>
-              <a:t>，其最长延时路径为</a:t>
-            </a:r>
-            <a:r>
-              <a:rPr lang="en-US" altLang="zh-CN" dirty="0"/>
-              <a:t>0.674ns</a:t>
-            </a:r>
-            <a:r>
-              <a:rPr lang="zh-CN" altLang="en-US" dirty="0"/>
-              <a:t>， 在时序结果中显示分别用黄框标出</a:t>
-            </a:r>
+              <a:rPr lang="zh-CN" altLang="en-US" dirty="0" smtClean="0"/>
+              <a:t>本设计使用了</a:t>
+            </a:r>
+            <a:r>
+              <a:rPr lang="en-US" altLang="zh-CN" dirty="0" smtClean="0"/>
+              <a:t>65 nm TSMC</a:t>
+            </a:r>
+            <a:r>
+              <a:rPr lang="zh-CN" altLang="en-US" dirty="0" smtClean="0"/>
+              <a:t>工艺进行综合，通过关键路径的优化和代码的规范，将时钟频率从中期时的</a:t>
+            </a:r>
+            <a:r>
+              <a:rPr lang="en-US" altLang="zh-CN" dirty="0" smtClean="0"/>
+              <a:t>1.3 GHz </a:t>
+            </a:r>
+            <a:r>
+              <a:rPr lang="zh-CN" altLang="en-US" dirty="0" smtClean="0"/>
+              <a:t>提升至</a:t>
+            </a:r>
+            <a:r>
+              <a:rPr lang="en-US" altLang="zh-CN" dirty="0" smtClean="0"/>
+              <a:t>2.0GHz</a:t>
+            </a:r>
+            <a:r>
+              <a:rPr lang="zh-CN" altLang="en-US" dirty="0" smtClean="0"/>
+              <a:t>，且时序正确。</a:t>
+            </a:r>
+            <a:endParaRPr lang="en-US" altLang="zh-CN" dirty="0" smtClean="0"/>
+          </a:p>
+          <a:p>
+            <a:r>
+              <a:rPr lang="zh-CN" altLang="en-US" dirty="0" smtClean="0"/>
+              <a:t>使用</a:t>
+            </a:r>
+            <a:r>
+              <a:rPr lang="en-US" altLang="zh-CN" dirty="0" smtClean="0"/>
+              <a:t>ICC</a:t>
+            </a:r>
+            <a:r>
+              <a:rPr lang="zh-CN" altLang="en-US" dirty="0" smtClean="0"/>
+              <a:t>对门级电路进行布局布线，时钟频率稍微下降到</a:t>
+            </a:r>
+            <a:r>
+              <a:rPr lang="en-US" altLang="zh-CN" dirty="0" smtClean="0"/>
+              <a:t>1.7 GHz</a:t>
+            </a:r>
+            <a:r>
+              <a:rPr lang="zh-CN" altLang="en-US" dirty="0" smtClean="0"/>
+              <a:t>可满足时序要求，版图如下。</a:t>
+            </a:r>
+            <a:endParaRPr lang="zh-CN" altLang="en-US" dirty="0"/>
           </a:p>
         </p:txBody>
       </p:sp>
@@ -1465,23 +1474,195 @@
           <a:lstStyle/>
           <a:p>
             <a:r>
-              <a:rPr lang="zh-CN" altLang="en-US" dirty="0"/>
-              <a:t>最后附上改进</a:t>
-            </a:r>
-            <a:r>
-              <a:rPr lang="en-US" altLang="zh-CN" dirty="0" err="1"/>
-              <a:t>cordic</a:t>
-            </a:r>
-            <a:r>
-              <a:rPr lang="zh-CN" altLang="en-US" dirty="0"/>
-              <a:t>公式的推导</a:t>
-            </a:r>
-            <a:endParaRPr lang="en-US" altLang="zh-CN" dirty="0"/>
-          </a:p>
-          <a:p>
-            <a:r>
-              <a:rPr lang="zh-CN" altLang="en-US" dirty="0"/>
-              <a:t>利用一处近似条件，减少了计算量</a:t>
+              <a:rPr lang="zh-CN" altLang="en-US" dirty="0" smtClean="0"/>
+              <a:t>最后进行结果展示和总结</a:t>
+            </a:r>
+            <a:endParaRPr lang="en-US" altLang="zh-CN" dirty="0" smtClean="0"/>
+          </a:p>
+          <a:p>
+            <a:r>
+              <a:rPr lang="zh-CN" altLang="en-US" dirty="0" smtClean="0"/>
+              <a:t>首先，本设计在</a:t>
+            </a:r>
+            <a:r>
+              <a:rPr lang="en-US" altLang="zh-CN" dirty="0" smtClean="0"/>
+              <a:t>65nm</a:t>
+            </a:r>
+            <a:r>
+              <a:rPr lang="zh-CN" altLang="en-US" dirty="0" smtClean="0"/>
+              <a:t>工艺下实现了输入、输出均为</a:t>
+            </a:r>
+            <a:r>
+              <a:rPr lang="en-US" altLang="zh-CN" dirty="0" smtClean="0"/>
+              <a:t>16bit</a:t>
+            </a:r>
+            <a:r>
+              <a:rPr lang="zh-CN" altLang="en-US" dirty="0" smtClean="0"/>
+              <a:t>的数控振荡器</a:t>
+            </a:r>
+            <a:endParaRPr lang="en-US" altLang="zh-CN" dirty="0" smtClean="0"/>
+          </a:p>
+          <a:p>
+            <a:r>
+              <a:rPr lang="zh-CN" altLang="en-US" dirty="0" smtClean="0"/>
+              <a:t>相位截断位数为</a:t>
+            </a:r>
+            <a:r>
+              <a:rPr lang="en-US" altLang="zh-CN" dirty="0" smtClean="0"/>
+              <a:t>16</a:t>
+            </a:r>
+            <a:r>
+              <a:rPr lang="en-US" altLang="zh-CN" baseline="0" dirty="0" smtClean="0"/>
+              <a:t> bits</a:t>
+            </a:r>
+            <a:r>
+              <a:rPr lang="zh-CN" altLang="en-US" baseline="0" dirty="0" smtClean="0"/>
+              <a:t>，</a:t>
+            </a:r>
+            <a:r>
+              <a:rPr lang="zh-CN" altLang="en-US" dirty="0" smtClean="0"/>
+              <a:t>通过仿真和</a:t>
+            </a:r>
+            <a:r>
+              <a:rPr lang="en-US" altLang="zh-CN" dirty="0" smtClean="0"/>
+              <a:t>FFT</a:t>
+            </a:r>
+            <a:r>
+              <a:rPr lang="zh-CN" altLang="en-US" dirty="0" smtClean="0"/>
+              <a:t>分析得到输出正弦波的</a:t>
+            </a:r>
+            <a:r>
+              <a:rPr lang="en-US" altLang="zh-CN" dirty="0" smtClean="0"/>
+              <a:t>SFDR</a:t>
+            </a:r>
+            <a:r>
+              <a:rPr lang="zh-CN" altLang="en-US" dirty="0" smtClean="0"/>
+              <a:t>为</a:t>
+            </a:r>
+            <a:r>
+              <a:rPr lang="en-US" altLang="zh-CN" dirty="0" smtClean="0"/>
+              <a:t>100 </a:t>
+            </a:r>
+            <a:r>
+              <a:rPr lang="en-US" altLang="zh-CN" dirty="0" err="1" smtClean="0"/>
+              <a:t>dBc</a:t>
+            </a:r>
+            <a:r>
+              <a:rPr lang="zh-CN" altLang="en-US" dirty="0" smtClean="0"/>
+              <a:t>。</a:t>
+            </a:r>
+            <a:endParaRPr lang="en-US" altLang="zh-CN" dirty="0" smtClean="0"/>
+          </a:p>
+          <a:p>
+            <a:r>
+              <a:rPr lang="zh-CN" altLang="en-US" dirty="0" smtClean="0"/>
+              <a:t>后仿实现的最高时钟频率为</a:t>
+            </a:r>
+            <a:r>
+              <a:rPr lang="en-US" altLang="zh-CN" dirty="0" smtClean="0"/>
+              <a:t>1.7</a:t>
+            </a:r>
+            <a:r>
+              <a:rPr lang="en-US" altLang="zh-CN" baseline="0" dirty="0" smtClean="0"/>
+              <a:t> GHz</a:t>
+            </a:r>
+            <a:r>
+              <a:rPr lang="zh-CN" altLang="en-US" baseline="0" dirty="0" smtClean="0"/>
+              <a:t>，在近几年角度旋转方法中表现最高。同时功耗</a:t>
+            </a:r>
+            <a:r>
+              <a:rPr lang="en-US" altLang="zh-CN" baseline="0" dirty="0" smtClean="0"/>
+              <a:t>/</a:t>
+            </a:r>
+            <a:r>
+              <a:rPr lang="zh-CN" altLang="en-US" baseline="0" dirty="0" smtClean="0"/>
+              <a:t>时钟频率 指标也大幅减少为之前工作的</a:t>
+            </a:r>
+            <a:r>
+              <a:rPr lang="en-US" altLang="zh-CN" baseline="0" dirty="0" smtClean="0"/>
+              <a:t>25%</a:t>
+            </a:r>
+            <a:r>
+              <a:rPr lang="zh-CN" altLang="en-US" baseline="0" dirty="0" smtClean="0"/>
+              <a:t>左右。</a:t>
+            </a:r>
+            <a:endParaRPr lang="en-US" altLang="zh-CN" baseline="0" dirty="0" smtClean="0"/>
+          </a:p>
+          <a:p>
+            <a:endParaRPr lang="en-US" altLang="zh-CN" sz="1500" baseline="0" dirty="0" smtClean="0">
+              <a:latin typeface="微软雅黑" panose="020B0503020204020204" pitchFamily="34" charset="-122"/>
+              <a:ea typeface="微软雅黑" panose="020B0503020204020204" pitchFamily="34" charset="-122"/>
+              <a:cs typeface="Arial Unicode MS" pitchFamily="34" charset="-122"/>
+            </a:endParaRPr>
+          </a:p>
+          <a:p>
+            <a:r>
+              <a:rPr lang="zh-CN" altLang="en-US" sz="1500" baseline="0" dirty="0" smtClean="0">
+                <a:latin typeface="微软雅黑" panose="020B0503020204020204" pitchFamily="34" charset="-122"/>
+                <a:ea typeface="微软雅黑" panose="020B0503020204020204" pitchFamily="34" charset="-122"/>
+                <a:cs typeface="Arial Unicode MS" pitchFamily="34" charset="-122"/>
+              </a:rPr>
+              <a:t>最后将我的工作总结一下。</a:t>
+            </a:r>
+            <a:endParaRPr lang="en-US" altLang="zh-CN" sz="1500" baseline="0" dirty="0" smtClean="0">
+              <a:latin typeface="微软雅黑" panose="020B0503020204020204" pitchFamily="34" charset="-122"/>
+              <a:ea typeface="微软雅黑" panose="020B0503020204020204" pitchFamily="34" charset="-122"/>
+              <a:cs typeface="Arial Unicode MS" pitchFamily="34" charset="-122"/>
+            </a:endParaRPr>
+          </a:p>
+          <a:p>
+            <a:r>
+              <a:rPr lang="zh-CN" altLang="en-US" sz="1500" dirty="0" smtClean="0">
+                <a:latin typeface="微软雅黑" panose="020B0503020204020204" pitchFamily="34" charset="-122"/>
+                <a:ea typeface="微软雅黑" panose="020B0503020204020204" pitchFamily="34" charset="-122"/>
+                <a:cs typeface="Arial Unicode MS" pitchFamily="34" charset="-122"/>
+              </a:rPr>
+              <a:t>我主要方法是查找表乘法器和角度旋转的使用，实现了超高速、高精度数控振荡器</a:t>
+            </a:r>
+            <a:endParaRPr lang="en-US" altLang="zh-CN" sz="1500" dirty="0" smtClean="0">
+              <a:latin typeface="微软雅黑" panose="020B0503020204020204" pitchFamily="34" charset="-122"/>
+              <a:ea typeface="微软雅黑" panose="020B0503020204020204" pitchFamily="34" charset="-122"/>
+              <a:cs typeface="Arial Unicode MS" pitchFamily="34" charset="-122"/>
+            </a:endParaRPr>
+          </a:p>
+          <a:p>
+            <a:r>
+              <a:rPr lang="zh-CN" altLang="en-US" sz="1500" dirty="0" smtClean="0">
+                <a:latin typeface="微软雅黑" panose="020B0503020204020204" pitchFamily="34" charset="-122"/>
+                <a:ea typeface="微软雅黑" panose="020B0503020204020204" pitchFamily="34" charset="-122"/>
+                <a:cs typeface="Arial Unicode MS" pitchFamily="34" charset="-122"/>
+              </a:rPr>
+              <a:t>针对参考文献，我改用级联的旋转单元进行流水线加速，替换了乘法器</a:t>
+            </a:r>
+            <a:endParaRPr lang="en-US" altLang="zh-CN" sz="1500" dirty="0" smtClean="0">
+              <a:latin typeface="微软雅黑" panose="020B0503020204020204" pitchFamily="34" charset="-122"/>
+              <a:ea typeface="微软雅黑" panose="020B0503020204020204" pitchFamily="34" charset="-122"/>
+              <a:cs typeface="Arial Unicode MS" pitchFamily="34" charset="-122"/>
+            </a:endParaRPr>
+          </a:p>
+          <a:p>
+            <a:r>
+              <a:rPr lang="zh-CN" altLang="en-US" sz="1500" dirty="0" smtClean="0">
+                <a:latin typeface="微软雅黑" panose="020B0503020204020204" pitchFamily="34" charset="-122"/>
+                <a:ea typeface="微软雅黑" panose="020B0503020204020204" pitchFamily="34" charset="-122"/>
+                <a:cs typeface="Arial Unicode MS" pitchFamily="34" charset="-122"/>
+              </a:rPr>
+              <a:t>并且分析相位截断和近似失真两类噪声，给出了约束条件和索引分配方案</a:t>
+            </a:r>
+            <a:endParaRPr lang="en-US" altLang="zh-CN" sz="1500" dirty="0" smtClean="0">
+              <a:latin typeface="微软雅黑" panose="020B0503020204020204" pitchFamily="34" charset="-122"/>
+              <a:ea typeface="微软雅黑" panose="020B0503020204020204" pitchFamily="34" charset="-122"/>
+              <a:cs typeface="Arial Unicode MS" pitchFamily="34" charset="-122"/>
+            </a:endParaRPr>
+          </a:p>
+          <a:p>
+            <a:r>
+              <a:rPr lang="zh-CN" altLang="en-US" sz="1500" dirty="0" smtClean="0">
+                <a:latin typeface="微软雅黑" panose="020B0503020204020204" pitchFamily="34" charset="-122"/>
+                <a:ea typeface="微软雅黑" panose="020B0503020204020204" pitchFamily="34" charset="-122"/>
+                <a:cs typeface="Arial Unicode MS" pitchFamily="34" charset="-122"/>
+              </a:rPr>
+              <a:t>在最后的综合、布线等环节上规范电路布局、优化关键路径，在速度和功耗上取得突破</a:t>
             </a:r>
           </a:p>
         </p:txBody>
@@ -1503,7 +1684,7 @@
           <a:p>
             <a:fld id="{E49FE5E3-45E0-401A-BDC7-016727830831}" type="slidenum">
               <a:rPr lang="zh-CN" altLang="en-US" smtClean="0"/>
-              <a:t>16</a:t>
+              <a:t>14</a:t>
             </a:fld>
             <a:endParaRPr lang="zh-CN" altLang="en-US"/>
           </a:p>
@@ -1512,7 +1693,7 @@
     </p:spTree>
     <p:extLst>
       <p:ext uri="{BB962C8B-B14F-4D97-AF65-F5344CB8AC3E}">
-        <p14:creationId xmlns:p14="http://schemas.microsoft.com/office/powerpoint/2010/main" val="3074390280"/>
+        <p14:creationId xmlns:p14="http://schemas.microsoft.com/office/powerpoint/2010/main" val="1580911489"/>
       </p:ext>
     </p:extLst>
   </p:cSld>
@@ -1566,9 +1747,258 @@
           <a:bodyPr/>
           <a:lstStyle/>
           <a:p>
+            <a:pPr marL="0" marR="0" indent="0" algn="l" defTabSz="914400" rtl="0" eaLnBrk="1" fontAlgn="auto" latinLnBrk="0" hangingPunct="1">
+              <a:lnSpc>
+                <a:spcPct val="100000"/>
+              </a:lnSpc>
+              <a:spcBef>
+                <a:spcPts val="0"/>
+              </a:spcBef>
+              <a:spcAft>
+                <a:spcPts val="0"/>
+              </a:spcAft>
+              <a:buClrTx/>
+              <a:buSzTx/>
+              <a:buFontTx/>
+              <a:buNone/>
+              <a:tabLst/>
+              <a:defRPr/>
+            </a:pPr>
+            <a:r>
+              <a:rPr lang="zh-CN" altLang="zh-CN" sz="1200" kern="1200" dirty="0" smtClean="0">
+                <a:solidFill>
+                  <a:schemeClr val="tx1"/>
+                </a:solidFill>
+                <a:effectLst/>
+                <a:latin typeface="+mn-lt"/>
+                <a:ea typeface="+mn-ea"/>
+                <a:cs typeface="+mn-cs"/>
+              </a:rPr>
+              <a:t>一下是本次展示用到的</a:t>
+            </a:r>
+            <a:r>
+              <a:rPr lang="en-US" altLang="zh-CN" sz="1200" kern="1200" dirty="0" smtClean="0">
+                <a:solidFill>
+                  <a:schemeClr val="tx1"/>
+                </a:solidFill>
+                <a:effectLst/>
+                <a:latin typeface="+mn-lt"/>
+                <a:ea typeface="+mn-ea"/>
+                <a:cs typeface="+mn-cs"/>
+              </a:rPr>
+              <a:t>6</a:t>
+            </a:r>
+            <a:r>
+              <a:rPr lang="zh-CN" altLang="zh-CN" sz="1200" kern="1200" dirty="0" smtClean="0">
+                <a:solidFill>
+                  <a:schemeClr val="tx1"/>
+                </a:solidFill>
+                <a:effectLst/>
+                <a:latin typeface="+mn-lt"/>
+                <a:ea typeface="+mn-ea"/>
+                <a:cs typeface="+mn-cs"/>
+              </a:rPr>
+              <a:t>篇参考文献</a:t>
+            </a:r>
+          </a:p>
+          <a:p>
+            <a:endParaRPr lang="zh-CN" altLang="en-US" dirty="0"/>
+          </a:p>
+        </p:txBody>
+      </p:sp>
+      <p:sp>
+        <p:nvSpPr>
+          <p:cNvPr id="4" name="灯片编号占位符 3"/>
+          <p:cNvSpPr>
+            <a:spLocks noGrp="1"/>
+          </p:cNvSpPr>
+          <p:nvPr>
+            <p:ph type="sldNum" sz="quarter" idx="10"/>
+          </p:nvPr>
+        </p:nvSpPr>
+        <p:spPr/>
+        <p:txBody>
+          <a:bodyPr/>
+          <a:lstStyle/>
+          <a:p>
+            <a:fld id="{E49FE5E3-45E0-401A-BDC7-016727830831}" type="slidenum">
+              <a:rPr lang="zh-CN" altLang="en-US" smtClean="0"/>
+              <a:t>15</a:t>
+            </a:fld>
+            <a:endParaRPr lang="zh-CN" altLang="en-US"/>
+          </a:p>
+        </p:txBody>
+      </p:sp>
+    </p:spTree>
+    <p:extLst>
+      <p:ext uri="{BB962C8B-B14F-4D97-AF65-F5344CB8AC3E}">
+        <p14:creationId xmlns:p14="http://schemas.microsoft.com/office/powerpoint/2010/main" val="4073599180"/>
+      </p:ext>
+    </p:extLst>
+  </p:cSld>
+  <p:clrMapOvr>
+    <a:masterClrMapping/>
+  </p:clrMapOvr>
+</p:notes>
+</file>
+
+<file path=ppt/notesSlides/notesSlide16.xml><?xml version="1.0" encoding="utf-8"?>
+<p:notes xmlns:a="http://schemas.openxmlformats.org/drawingml/2006/main" xmlns:r="http://schemas.openxmlformats.org/officeDocument/2006/relationships" xmlns:p="http://schemas.openxmlformats.org/presentationml/2006/main">
+  <p:cSld>
+    <p:spTree>
+      <p:nvGrpSpPr>
+        <p:cNvPr id="1" name=""/>
+        <p:cNvGrpSpPr/>
+        <p:nvPr/>
+      </p:nvGrpSpPr>
+      <p:grpSpPr>
+        <a:xfrm>
+          <a:off x="0" y="0"/>
+          <a:ext cx="0" cy="0"/>
+          <a:chOff x="0" y="0"/>
+          <a:chExt cx="0" cy="0"/>
+        </a:xfrm>
+      </p:grpSpPr>
+      <p:sp>
+        <p:nvSpPr>
+          <p:cNvPr id="2" name="幻灯片图像占位符 1"/>
+          <p:cNvSpPr>
+            <a:spLocks noGrp="1" noRot="1" noChangeAspect="1"/>
+          </p:cNvSpPr>
+          <p:nvPr>
+            <p:ph type="sldImg"/>
+          </p:nvPr>
+        </p:nvSpPr>
+        <p:spPr/>
+      </p:sp>
+      <p:sp>
+        <p:nvSpPr>
+          <p:cNvPr id="3" name="备注占位符 2"/>
+          <p:cNvSpPr>
+            <a:spLocks noGrp="1"/>
+          </p:cNvSpPr>
+          <p:nvPr>
+            <p:ph type="body" idx="1"/>
+          </p:nvPr>
+        </p:nvSpPr>
+        <p:spPr/>
+        <p:txBody>
+          <a:bodyPr/>
+          <a:lstStyle/>
+          <a:p>
             <a:r>
               <a:rPr lang="zh-CN" altLang="en-US" dirty="0"/>
-              <a:t>我的中期报告结束了，谢谢老师聆听</a:t>
+              <a:t>最后附上改进</a:t>
+            </a:r>
+            <a:r>
+              <a:rPr lang="en-US" altLang="zh-CN" dirty="0" err="1"/>
+              <a:t>cordic</a:t>
+            </a:r>
+            <a:r>
+              <a:rPr lang="zh-CN" altLang="en-US" dirty="0"/>
+              <a:t>公式的推导</a:t>
+            </a:r>
+            <a:endParaRPr lang="en-US" altLang="zh-CN" dirty="0"/>
+          </a:p>
+          <a:p>
+            <a:r>
+              <a:rPr lang="zh-CN" altLang="en-US" dirty="0"/>
+              <a:t>利用一处近似条件，减少了计算量</a:t>
+            </a:r>
+          </a:p>
+        </p:txBody>
+      </p:sp>
+      <p:sp>
+        <p:nvSpPr>
+          <p:cNvPr id="4" name="灯片编号占位符 3"/>
+          <p:cNvSpPr>
+            <a:spLocks noGrp="1"/>
+          </p:cNvSpPr>
+          <p:nvPr>
+            <p:ph type="sldNum" sz="quarter" idx="10"/>
+          </p:nvPr>
+        </p:nvSpPr>
+        <p:spPr/>
+        <p:txBody>
+          <a:bodyPr/>
+          <a:lstStyle/>
+          <a:p>
+            <a:fld id="{E49FE5E3-45E0-401A-BDC7-016727830831}" type="slidenum">
+              <a:rPr lang="zh-CN" altLang="en-US" smtClean="0"/>
+              <a:t>16</a:t>
+            </a:fld>
+            <a:endParaRPr lang="zh-CN" altLang="en-US"/>
+          </a:p>
+        </p:txBody>
+      </p:sp>
+    </p:spTree>
+    <p:extLst>
+      <p:ext uri="{BB962C8B-B14F-4D97-AF65-F5344CB8AC3E}">
+        <p14:creationId xmlns:p14="http://schemas.microsoft.com/office/powerpoint/2010/main" val="3074390280"/>
+      </p:ext>
+    </p:extLst>
+  </p:cSld>
+  <p:clrMapOvr>
+    <a:masterClrMapping/>
+  </p:clrMapOvr>
+</p:notes>
+</file>
+
+<file path=ppt/notesSlides/notesSlide17.xml><?xml version="1.0" encoding="utf-8"?>
+<p:notes xmlns:a="http://schemas.openxmlformats.org/drawingml/2006/main" xmlns:r="http://schemas.openxmlformats.org/officeDocument/2006/relationships" xmlns:p="http://schemas.openxmlformats.org/presentationml/2006/main">
+  <p:cSld>
+    <p:spTree>
+      <p:nvGrpSpPr>
+        <p:cNvPr id="1" name=""/>
+        <p:cNvGrpSpPr/>
+        <p:nvPr/>
+      </p:nvGrpSpPr>
+      <p:grpSpPr>
+        <a:xfrm>
+          <a:off x="0" y="0"/>
+          <a:ext cx="0" cy="0"/>
+          <a:chOff x="0" y="0"/>
+          <a:chExt cx="0" cy="0"/>
+        </a:xfrm>
+      </p:grpSpPr>
+      <p:sp>
+        <p:nvSpPr>
+          <p:cNvPr id="2" name="幻灯片图像占位符 1"/>
+          <p:cNvSpPr>
+            <a:spLocks noGrp="1" noRot="1" noChangeAspect="1"/>
+          </p:cNvSpPr>
+          <p:nvPr>
+            <p:ph type="sldImg"/>
+          </p:nvPr>
+        </p:nvSpPr>
+        <p:spPr/>
+      </p:sp>
+      <p:sp>
+        <p:nvSpPr>
+          <p:cNvPr id="3" name="备注占位符 2"/>
+          <p:cNvSpPr>
+            <a:spLocks noGrp="1"/>
+          </p:cNvSpPr>
+          <p:nvPr>
+            <p:ph type="body" idx="1"/>
+          </p:nvPr>
+        </p:nvSpPr>
+        <p:spPr/>
+        <p:txBody>
+          <a:bodyPr/>
+          <a:lstStyle/>
+          <a:p>
+            <a:r>
+              <a:rPr lang="zh-CN" altLang="en-US" dirty="0"/>
+              <a:t>我</a:t>
+            </a:r>
+            <a:r>
+              <a:rPr lang="zh-CN" altLang="en-US" dirty="0" smtClean="0"/>
+              <a:t>的论文答辩展示结束了</a:t>
+            </a:r>
+            <a:r>
+              <a:rPr lang="zh-CN" altLang="en-US" dirty="0"/>
+              <a:t>，谢谢老师聆听</a:t>
             </a:r>
           </a:p>
         </p:txBody>
@@ -3038,26 +3468,274 @@
               </a:spcAft>
             </a:pPr>
             <a:r>
+              <a:rPr lang="zh-CN" altLang="en-US" sz="1600" dirty="0" smtClean="0">
+                <a:latin typeface="微软雅黑" panose="020B0503020204020204" pitchFamily="34" charset="-122"/>
+                <a:ea typeface="微软雅黑" panose="020B0503020204020204" pitchFamily="34" charset="-122"/>
+              </a:rPr>
+              <a:t>对于</a:t>
+            </a:r>
+            <a:r>
+              <a:rPr lang="en-US" altLang="zh-CN" sz="1600" dirty="0" smtClean="0">
+                <a:latin typeface="微软雅黑" panose="020B0503020204020204" pitchFamily="34" charset="-122"/>
+                <a:ea typeface="微软雅黑" panose="020B0503020204020204" pitchFamily="34" charset="-122"/>
+              </a:rPr>
+              <a:t>ISCAS2014</a:t>
+            </a:r>
+            <a:r>
               <a:rPr lang="zh-CN" altLang="en-US" sz="1600" dirty="0">
                 <a:latin typeface="微软雅黑" panose="020B0503020204020204" pitchFamily="34" charset="-122"/>
                 <a:ea typeface="微软雅黑" panose="020B0503020204020204" pitchFamily="34" charset="-122"/>
               </a:rPr>
-              <a:t>开始设计之前，我主要参考了</a:t>
-            </a:r>
-            <a:r>
-              <a:rPr lang="en-US" altLang="zh-CN" sz="1600" dirty="0">
+              <a:t>的一篇</a:t>
+            </a:r>
+            <a:r>
+              <a:rPr lang="zh-CN" altLang="en-US" sz="1600" dirty="0" smtClean="0">
                 <a:latin typeface="微软雅黑" panose="020B0503020204020204" pitchFamily="34" charset="-122"/>
                 <a:ea typeface="微软雅黑" panose="020B0503020204020204" pitchFamily="34" charset="-122"/>
               </a:rPr>
-              <a:t>ISCAS2014</a:t>
-            </a:r>
-            <a:r>
-              <a:rPr lang="zh-CN" altLang="en-US" sz="1600">
+              <a:t>文章我进行了较为详细的分析，它使用查找表和乘法器，可实现</a:t>
+            </a:r>
+            <a:r>
+              <a:rPr lang="en-US" altLang="zh-CN" sz="1600" dirty="0" smtClean="0">
                 <a:latin typeface="微软雅黑" panose="020B0503020204020204" pitchFamily="34" charset="-122"/>
                 <a:ea typeface="微软雅黑" panose="020B0503020204020204" pitchFamily="34" charset="-122"/>
               </a:rPr>
-              <a:t>的一篇文章</a:t>
-            </a:r>
+              <a:t>1GHz</a:t>
+            </a:r>
+            <a:r>
+              <a:rPr lang="zh-CN" altLang="en-US" sz="1600" dirty="0" smtClean="0">
+                <a:latin typeface="微软雅黑" panose="020B0503020204020204" pitchFamily="34" charset="-122"/>
+                <a:ea typeface="微软雅黑" panose="020B0503020204020204" pitchFamily="34" charset="-122"/>
+              </a:rPr>
+              <a:t>的正弦波输出，</a:t>
+            </a:r>
+            <a:r>
+              <a:rPr lang="en-US" altLang="zh-CN" sz="1600" dirty="0" smtClean="0">
+                <a:latin typeface="微软雅黑" panose="020B0503020204020204" pitchFamily="34" charset="-122"/>
+                <a:ea typeface="微软雅黑" panose="020B0503020204020204" pitchFamily="34" charset="-122"/>
+              </a:rPr>
+              <a:t>SFDR</a:t>
+            </a:r>
+            <a:r>
+              <a:rPr lang="zh-CN" altLang="en-US" sz="1600" dirty="0" smtClean="0">
+                <a:latin typeface="微软雅黑" panose="020B0503020204020204" pitchFamily="34" charset="-122"/>
+                <a:ea typeface="微软雅黑" panose="020B0503020204020204" pitchFamily="34" charset="-122"/>
+              </a:rPr>
+              <a:t>达到</a:t>
+            </a:r>
+            <a:r>
+              <a:rPr lang="en-US" altLang="zh-CN" sz="1600" dirty="0" smtClean="0">
+                <a:latin typeface="微软雅黑" panose="020B0503020204020204" pitchFamily="34" charset="-122"/>
+                <a:ea typeface="微软雅黑" panose="020B0503020204020204" pitchFamily="34" charset="-122"/>
+              </a:rPr>
+              <a:t>120dBc</a:t>
+            </a:r>
+            <a:r>
+              <a:rPr lang="zh-CN" altLang="en-US" sz="1600" dirty="0" smtClean="0">
+                <a:latin typeface="微软雅黑" panose="020B0503020204020204" pitchFamily="34" charset="-122"/>
+                <a:ea typeface="微软雅黑" panose="020B0503020204020204" pitchFamily="34" charset="-122"/>
+              </a:rPr>
+              <a:t>。</a:t>
+            </a:r>
+            <a:endParaRPr lang="en-US" altLang="zh-CN" sz="1600" dirty="0" smtClean="0">
+              <a:latin typeface="微软雅黑" panose="020B0503020204020204" pitchFamily="34" charset="-122"/>
+              <a:ea typeface="微软雅黑" panose="020B0503020204020204" pitchFamily="34" charset="-122"/>
+            </a:endParaRPr>
+          </a:p>
+          <a:p>
+            <a:pPr lvl="2">
+              <a:spcBef>
+                <a:spcPts val="300"/>
+              </a:spcBef>
+              <a:spcAft>
+                <a:spcPts val="300"/>
+              </a:spcAft>
+            </a:pPr>
+            <a:r>
+              <a:rPr lang="zh-CN" altLang="en-US" sz="1600" dirty="0" smtClean="0">
+                <a:latin typeface="微软雅黑" panose="020B0503020204020204" pitchFamily="34" charset="-122"/>
+                <a:ea typeface="微软雅黑" panose="020B0503020204020204" pitchFamily="34" charset="-122"/>
+              </a:rPr>
+              <a:t>这篇文章的主要贡献点是使用查找表乘法器节省了角度旋转中的一次乘法操作，使得系统只需要一次查表、一次乘法、一次加法即可完成。</a:t>
+            </a:r>
+            <a:endParaRPr lang="en-US" altLang="zh-CN" sz="1600" dirty="0" smtClean="0">
+              <a:latin typeface="微软雅黑" panose="020B0503020204020204" pitchFamily="34" charset="-122"/>
+              <a:ea typeface="微软雅黑" panose="020B0503020204020204" pitchFamily="34" charset="-122"/>
+            </a:endParaRPr>
+          </a:p>
+          <a:p>
+            <a:pPr lvl="2">
+              <a:spcBef>
+                <a:spcPts val="300"/>
+              </a:spcBef>
+              <a:spcAft>
+                <a:spcPts val="300"/>
+              </a:spcAft>
+            </a:pPr>
+            <a:r>
+              <a:rPr lang="zh-CN" altLang="en-US" sz="1600" dirty="0" smtClean="0">
+                <a:latin typeface="微软雅黑" panose="020B0503020204020204" pitchFamily="34" charset="-122"/>
+                <a:ea typeface="微软雅黑" panose="020B0503020204020204" pitchFamily="34" charset="-122"/>
+              </a:rPr>
+              <a:t>经过分析后发现，这个方案有两个不足之处。第一个是使用</a:t>
+            </a:r>
+            <a:r>
+              <a:rPr lang="en-US" altLang="zh-CN" sz="1600" dirty="0" smtClean="0">
+                <a:latin typeface="微软雅黑" panose="020B0503020204020204" pitchFamily="34" charset="-122"/>
+                <a:ea typeface="微软雅黑" panose="020B0503020204020204" pitchFamily="34" charset="-122"/>
+              </a:rPr>
+              <a:t>DSP</a:t>
+            </a:r>
+            <a:r>
+              <a:rPr lang="zh-CN" altLang="en-US" sz="1600" dirty="0" smtClean="0">
+                <a:latin typeface="微软雅黑" panose="020B0503020204020204" pitchFamily="34" charset="-122"/>
+                <a:ea typeface="微软雅黑" panose="020B0503020204020204" pitchFamily="34" charset="-122"/>
+              </a:rPr>
+              <a:t>自带的乘法器，速度不够快。另一个不足是在忽略了近似引入的噪声，可能产生溢出现象。</a:t>
+            </a:r>
+            <a:endParaRPr lang="en-US" altLang="zh-CN" sz="1600" dirty="0" smtClean="0">
+              <a:latin typeface="微软雅黑" panose="020B0503020204020204" pitchFamily="34" charset="-122"/>
+              <a:ea typeface="微软雅黑" panose="020B0503020204020204" pitchFamily="34" charset="-122"/>
+            </a:endParaRPr>
+          </a:p>
+          <a:p>
+            <a:pPr lvl="2">
+              <a:spcBef>
+                <a:spcPts val="300"/>
+              </a:spcBef>
+              <a:spcAft>
+                <a:spcPts val="300"/>
+              </a:spcAft>
+            </a:pPr>
+            <a:endParaRPr lang="en-US" altLang="zh-CN" sz="1600" dirty="0" smtClean="0">
+              <a:latin typeface="微软雅黑" panose="020B0503020204020204" pitchFamily="34" charset="-122"/>
+              <a:ea typeface="微软雅黑" panose="020B0503020204020204" pitchFamily="34" charset="-122"/>
+            </a:endParaRPr>
+          </a:p>
+          <a:p>
+            <a:pPr lvl="2">
+              <a:spcBef>
+                <a:spcPts val="1200"/>
+              </a:spcBef>
+              <a:spcAft>
+                <a:spcPts val="1200"/>
+              </a:spcAft>
+            </a:pPr>
+            <a:r>
+              <a:rPr lang="zh-CN" altLang="en-US" sz="1600" dirty="0" smtClean="0">
+                <a:latin typeface="微软雅黑" panose="020B0503020204020204" pitchFamily="34" charset="-122"/>
+                <a:ea typeface="微软雅黑" panose="020B0503020204020204" pitchFamily="34" charset="-122"/>
+              </a:rPr>
+              <a:t>本次设计首先继承了</a:t>
+            </a:r>
+            <a:r>
+              <a:rPr lang="en-US" altLang="zh-CN" sz="1600" dirty="0" smtClean="0">
+                <a:latin typeface="微软雅黑" panose="020B0503020204020204" pitchFamily="34" charset="-122"/>
+                <a:ea typeface="微软雅黑" panose="020B0503020204020204" pitchFamily="34" charset="-122"/>
+              </a:rPr>
+              <a:t>ISCAS2014</a:t>
+            </a:r>
+            <a:r>
+              <a:rPr lang="zh-CN" altLang="en-US" sz="1600" dirty="0" smtClean="0">
+                <a:latin typeface="微软雅黑" panose="020B0503020204020204" pitchFamily="34" charset="-122"/>
+                <a:ea typeface="微软雅黑" panose="020B0503020204020204" pitchFamily="34" charset="-122"/>
+              </a:rPr>
+              <a:t>存储器的结构，针对上述两点发现：</a:t>
+            </a:r>
+            <a:endParaRPr lang="en-US" altLang="zh-CN" sz="1600" dirty="0" smtClean="0">
+              <a:latin typeface="微软雅黑" panose="020B0503020204020204" pitchFamily="34" charset="-122"/>
+              <a:ea typeface="微软雅黑" panose="020B0503020204020204" pitchFamily="34" charset="-122"/>
+            </a:endParaRPr>
+          </a:p>
+          <a:p>
+            <a:pPr lvl="2">
+              <a:spcBef>
+                <a:spcPts val="1200"/>
+              </a:spcBef>
+              <a:spcAft>
+                <a:spcPts val="1200"/>
+              </a:spcAft>
+            </a:pPr>
+            <a:r>
+              <a:rPr lang="zh-CN" altLang="en-US" sz="1600" dirty="0" smtClean="0">
+                <a:latin typeface="微软雅黑" panose="020B0503020204020204" pitchFamily="34" charset="-122"/>
+                <a:ea typeface="微软雅黑" panose="020B0503020204020204" pitchFamily="34" charset="-122"/>
+              </a:rPr>
+              <a:t>首先使</a:t>
+            </a:r>
+            <a:r>
+              <a:rPr lang="zh-CN" altLang="en-US" sz="1600" kern="0" dirty="0" smtClean="0">
+                <a:latin typeface="微软雅黑" panose="020B0503020204020204" pitchFamily="34" charset="-122"/>
+                <a:ea typeface="微软雅黑" panose="020B0503020204020204" pitchFamily="34" charset="-122"/>
+              </a:rPr>
+              <a:t>用</a:t>
+            </a:r>
+            <a:r>
+              <a:rPr lang="en-US" altLang="zh-CN" sz="1600" kern="0" dirty="0" smtClean="0">
+                <a:latin typeface="微软雅黑" panose="020B0503020204020204" pitchFamily="34" charset="-122"/>
+                <a:ea typeface="微软雅黑" panose="020B0503020204020204" pitchFamily="34" charset="-122"/>
+              </a:rPr>
+              <a:t>CORDIC</a:t>
+            </a:r>
+            <a:r>
+              <a:rPr lang="zh-CN" altLang="en-US" sz="1600" kern="0" dirty="0" smtClean="0">
+                <a:latin typeface="微软雅黑" panose="020B0503020204020204" pitchFamily="34" charset="-122"/>
+                <a:ea typeface="微软雅黑" panose="020B0503020204020204" pitchFamily="34" charset="-122"/>
+              </a:rPr>
+              <a:t>算法中的</a:t>
+            </a:r>
+            <a:r>
+              <a:rPr lang="zh-CN" altLang="en-US" sz="1600" kern="0" dirty="0" smtClean="0">
+                <a:solidFill>
+                  <a:srgbClr val="FF0000"/>
+                </a:solidFill>
+                <a:latin typeface="微软雅黑" panose="020B0503020204020204" pitchFamily="34" charset="-122"/>
+                <a:ea typeface="微软雅黑" panose="020B0503020204020204" pitchFamily="34" charset="-122"/>
+              </a:rPr>
+              <a:t>旋转单元</a:t>
+            </a:r>
+            <a:r>
+              <a:rPr lang="zh-CN" altLang="en-US" sz="1600" kern="0" dirty="0" smtClean="0">
+                <a:latin typeface="微软雅黑" panose="020B0503020204020204" pitchFamily="34" charset="-122"/>
+                <a:ea typeface="微软雅黑" panose="020B0503020204020204" pitchFamily="34" charset="-122"/>
+              </a:rPr>
+              <a:t>替换乘法器，通过流水线加速实现路径延时减少</a:t>
+            </a:r>
+            <a:endParaRPr lang="en-US" altLang="zh-CN" sz="1600" kern="0" dirty="0" smtClean="0">
+              <a:latin typeface="微软雅黑" panose="020B0503020204020204" pitchFamily="34" charset="-122"/>
+              <a:ea typeface="微软雅黑" panose="020B0503020204020204" pitchFamily="34" charset="-122"/>
+            </a:endParaRPr>
+          </a:p>
+          <a:p>
+            <a:pPr lvl="2">
+              <a:spcBef>
+                <a:spcPts val="1200"/>
+              </a:spcBef>
+              <a:spcAft>
+                <a:spcPts val="1200"/>
+              </a:spcAft>
+            </a:pPr>
+            <a:r>
+              <a:rPr lang="zh-CN" altLang="en-US" sz="1600" kern="0" dirty="0" smtClean="0">
+                <a:latin typeface="微软雅黑" panose="020B0503020204020204" pitchFamily="34" charset="-122"/>
+                <a:ea typeface="微软雅黑" panose="020B0503020204020204" pitchFamily="34" charset="-122"/>
+              </a:rPr>
+              <a:t>另外一点就是对算法进行推导，分析其中近似噪声的引入，最后给出降低噪声的约束条件。</a:t>
+            </a:r>
+            <a:endParaRPr lang="en-US" altLang="zh-CN" sz="1600" kern="0" dirty="0" smtClean="0">
+              <a:latin typeface="微软雅黑" panose="020B0503020204020204" pitchFamily="34" charset="-122"/>
+              <a:ea typeface="微软雅黑" panose="020B0503020204020204" pitchFamily="34" charset="-122"/>
+            </a:endParaRPr>
+          </a:p>
+          <a:p>
+            <a:pPr lvl="2">
+              <a:spcBef>
+                <a:spcPts val="300"/>
+              </a:spcBef>
+              <a:spcAft>
+                <a:spcPts val="300"/>
+              </a:spcAft>
+            </a:pPr>
             <a:endParaRPr lang="en-US" altLang="zh-CN" sz="1600" dirty="0">
               <a:latin typeface="微软雅黑" panose="020B0503020204020204" pitchFamily="34" charset="-122"/>
               <a:ea typeface="微软雅黑" panose="020B0503020204020204" pitchFamily="34" charset="-122"/>
@@ -3130,155 +3808,472 @@
         </p:nvSpPr>
         <p:spPr/>
       </p:sp>
-      <p:sp>
-        <p:nvSpPr>
-          <p:cNvPr id="3" name="备注占位符 2"/>
-          <p:cNvSpPr>
-            <a:spLocks noGrp="1"/>
-          </p:cNvSpPr>
-          <p:nvPr>
-            <p:ph type="body" idx="1"/>
-          </p:nvPr>
-        </p:nvSpPr>
-        <p:spPr/>
-        <p:txBody>
-          <a:bodyPr/>
-          <a:lstStyle/>
-          <a:p>
-            <a:r>
-              <a:rPr lang="zh-CN" altLang="en-US" dirty="0"/>
-              <a:t>实施方案首相介绍一下我的系统架构，仍是</a:t>
-            </a:r>
-            <a:r>
-              <a:rPr lang="en-US" altLang="zh-CN" dirty="0"/>
-              <a:t>PA/PC/PAC</a:t>
-            </a:r>
-            <a:r>
-              <a:rPr lang="zh-CN" altLang="en-US" dirty="0"/>
-              <a:t>模块构成，</a:t>
-            </a:r>
-            <a:r>
-              <a:rPr lang="en-US" altLang="zh-CN" dirty="0"/>
-              <a:t>PA</a:t>
-            </a:r>
-            <a:r>
-              <a:rPr lang="zh-CN" altLang="en-US" dirty="0"/>
-              <a:t>是一个</a:t>
-            </a:r>
-            <a:r>
-              <a:rPr lang="en-US" altLang="zh-CN" dirty="0"/>
-              <a:t>16</a:t>
-            </a:r>
-            <a:r>
-              <a:rPr lang="zh-CN" altLang="en-US" dirty="0"/>
-              <a:t>位累加器，</a:t>
-            </a:r>
-            <a:r>
-              <a:rPr lang="en-US" altLang="zh-CN" dirty="0"/>
-              <a:t>PC</a:t>
-            </a:r>
-            <a:r>
-              <a:rPr lang="zh-CN" altLang="en-US" dirty="0"/>
-              <a:t>把相位分割并转换成了象限、</a:t>
-            </a:r>
-            <a:r>
-              <a:rPr lang="en-US" altLang="zh-CN" dirty="0"/>
-              <a:t>Rom</a:t>
-            </a:r>
-            <a:r>
-              <a:rPr lang="zh-CN" altLang="en-US" dirty="0"/>
-              <a:t>地址、旋转索引三部分。</a:t>
-            </a:r>
-            <a:endParaRPr lang="en-US" altLang="zh-CN" dirty="0"/>
-          </a:p>
-          <a:p>
-            <a:r>
-              <a:rPr lang="zh-CN" altLang="en-US" dirty="0"/>
-              <a:t>着重讲我的</a:t>
-            </a:r>
-            <a:r>
-              <a:rPr lang="en-US" altLang="zh-CN" dirty="0"/>
-              <a:t>PAC</a:t>
-            </a:r>
-            <a:r>
-              <a:rPr lang="zh-CN" altLang="en-US" dirty="0"/>
-              <a:t>模块，由三块构成，对应三步操作：</a:t>
-            </a:r>
-            <a:endParaRPr lang="en-US" altLang="zh-CN" dirty="0"/>
-          </a:p>
-          <a:p>
-            <a:r>
-              <a:rPr lang="zh-CN" altLang="en-US" dirty="0"/>
-              <a:t>第一步是</a:t>
-            </a:r>
-            <a:r>
-              <a:rPr lang="en-US" altLang="zh-CN" dirty="0"/>
-              <a:t>Rom </a:t>
-            </a:r>
-            <a:r>
-              <a:rPr lang="zh-CN" altLang="en-US" dirty="0"/>
-              <a:t>地址查找，得到粗定位的幅度</a:t>
-            </a:r>
-            <a:r>
-              <a:rPr lang="en-US" altLang="zh-CN" dirty="0"/>
-              <a:t>cos(</a:t>
-            </a:r>
-            <a:r>
-              <a:rPr lang="en-US" altLang="zh-CN" dirty="0" err="1"/>
-              <a:t>theta_M</a:t>
-            </a:r>
-            <a:r>
-              <a:rPr lang="en-US" altLang="zh-CN" dirty="0"/>
-              <a:t>)</a:t>
-            </a:r>
-          </a:p>
-          <a:p>
-            <a:r>
-              <a:rPr lang="zh-CN" altLang="en-US" dirty="0"/>
-              <a:t>第二步是</a:t>
-            </a:r>
-            <a:r>
-              <a:rPr lang="en-US" altLang="zh-CN" dirty="0" err="1"/>
-              <a:t>cordic</a:t>
-            </a:r>
-            <a:r>
-              <a:rPr lang="en-US" altLang="zh-CN" dirty="0"/>
-              <a:t> </a:t>
-            </a:r>
-            <a:r>
-              <a:rPr lang="zh-CN" altLang="en-US" dirty="0"/>
-              <a:t>矩阵旋转，微调角度</a:t>
-            </a:r>
-            <a:r>
-              <a:rPr lang="en-US" altLang="zh-CN" dirty="0" err="1"/>
-              <a:t>theta_R</a:t>
-            </a:r>
-            <a:endParaRPr lang="en-US" altLang="zh-CN" dirty="0"/>
-          </a:p>
-          <a:p>
-            <a:r>
-              <a:rPr lang="zh-CN" altLang="en-US" dirty="0"/>
-              <a:t>第三步是</a:t>
-            </a:r>
-            <a:r>
-              <a:rPr lang="en-US" altLang="zh-CN" dirty="0" err="1"/>
-              <a:t>Mirro</a:t>
-            </a:r>
-            <a:r>
-              <a:rPr lang="en-US" altLang="zh-CN" dirty="0"/>
-              <a:t> </a:t>
-            </a:r>
-            <a:r>
-              <a:rPr lang="zh-CN" altLang="en-US" dirty="0"/>
-              <a:t>对称操作，将幅度对应到正确的象限</a:t>
-            </a:r>
-            <a:endParaRPr lang="en-US" altLang="zh-CN" dirty="0"/>
-          </a:p>
-          <a:p>
-            <a:endParaRPr lang="zh-CN" altLang="en-US" dirty="0"/>
-          </a:p>
-        </p:txBody>
-      </p:sp>
+      <mc:AlternateContent xmlns:mc="http://schemas.openxmlformats.org/markup-compatibility/2006">
+        <mc:Choice xmlns:a14="http://schemas.microsoft.com/office/drawing/2010/main" Requires="a14">
+          <p:sp>
+            <p:nvSpPr>
+              <p:cNvPr id="3" name="备注占位符 2"/>
+              <p:cNvSpPr>
+                <a:spLocks noGrp="1"/>
+              </p:cNvSpPr>
+              <p:nvPr>
+                <p:ph type="body" idx="1"/>
+              </p:nvPr>
+            </p:nvSpPr>
+            <p:spPr/>
+            <p:txBody>
+              <a:bodyPr/>
+              <a:lstStyle/>
+              <a:p>
+                <a:pPr marL="0" marR="0" indent="0" algn="l" defTabSz="914400" rtl="0" eaLnBrk="1" fontAlgn="auto" latinLnBrk="0" hangingPunct="1">
+                  <a:lnSpc>
+                    <a:spcPct val="100000"/>
+                  </a:lnSpc>
+                  <a:spcBef>
+                    <a:spcPts val="0"/>
+                  </a:spcBef>
+                  <a:spcAft>
+                    <a:spcPts val="0"/>
+                  </a:spcAft>
+                  <a:buClrTx/>
+                  <a:buSzTx/>
+                  <a:buFontTx/>
+                  <a:buNone/>
+                  <a:tabLst/>
+                  <a:defRPr/>
+                </a:pPr>
+                <a:r>
+                  <a:rPr lang="zh-CN" altLang="en-US" dirty="0" smtClean="0"/>
+                  <a:t>根据上一节的思路，我提出了系统架构如右上角所示，用红框标出的模块均进行了改动。</a:t>
+                </a:r>
+                <a:endParaRPr lang="en-US" altLang="zh-CN" dirty="0" smtClean="0"/>
+              </a:p>
+              <a:p>
+                <a:r>
+                  <a:rPr lang="zh-CN" altLang="en-US" dirty="0" smtClean="0"/>
+                  <a:t>仍是</a:t>
+                </a:r>
+                <a:r>
+                  <a:rPr lang="en-US" altLang="zh-CN" dirty="0"/>
+                  <a:t>PA/PC/PAC</a:t>
+                </a:r>
+                <a:r>
+                  <a:rPr lang="zh-CN" altLang="en-US" dirty="0"/>
+                  <a:t>模块构成，</a:t>
+                </a:r>
+                <a:r>
+                  <a:rPr lang="en-US" altLang="zh-CN" dirty="0"/>
+                  <a:t>PA</a:t>
+                </a:r>
+                <a:r>
+                  <a:rPr lang="zh-CN" altLang="en-US" dirty="0"/>
+                  <a:t>是一个</a:t>
+                </a:r>
+                <a:r>
+                  <a:rPr lang="en-US" altLang="zh-CN" dirty="0"/>
+                  <a:t>16</a:t>
+                </a:r>
+                <a:r>
+                  <a:rPr lang="zh-CN" altLang="en-US" dirty="0"/>
+                  <a:t>位累加器</a:t>
+                </a:r>
+                <a:r>
+                  <a:rPr lang="zh-CN" altLang="en-US" dirty="0" smtClean="0"/>
+                  <a:t>，不多赘述。</a:t>
+                </a:r>
+                <a:endParaRPr lang="en-US" altLang="zh-CN" dirty="0" smtClean="0"/>
+              </a:p>
+              <a:p>
+                <a:r>
+                  <a:rPr lang="en-US" altLang="zh-CN" dirty="0" smtClean="0"/>
+                  <a:t>PC</a:t>
+                </a:r>
+                <a:r>
+                  <a:rPr lang="zh-CN" altLang="en-US" dirty="0" smtClean="0"/>
+                  <a:t>使用了</a:t>
+                </a:r>
+                <a14:m>
+                  <m:oMath xmlns:m="http://schemas.openxmlformats.org/officeDocument/2006/math">
+                    <m:f>
+                      <m:fPr>
+                        <m:ctrlPr>
+                          <a:rPr lang="en-US" altLang="zh-CN" sz="1200" i="1" kern="1200" smtClean="0">
+                            <a:latin typeface="Cambria Math" panose="02040503050406030204" pitchFamily="18" charset="0"/>
+                            <a:ea typeface="微软雅黑" panose="020B0503020204020204" pitchFamily="34" charset="-122"/>
+                          </a:rPr>
+                        </m:ctrlPr>
+                      </m:fPr>
+                      <m:num>
+                        <m:r>
+                          <a:rPr lang="en-US" altLang="zh-CN" sz="1200" kern="1200">
+                            <a:latin typeface="Cambria Math" panose="02040503050406030204" pitchFamily="18" charset="0"/>
+                            <a:ea typeface="微软雅黑" panose="020B0503020204020204" pitchFamily="34" charset="-122"/>
+                          </a:rPr>
+                          <m:t>1</m:t>
+                        </m:r>
+                      </m:num>
+                      <m:den>
+                        <m:r>
+                          <a:rPr lang="en-US" altLang="zh-CN" sz="1200" kern="1200">
+                            <a:latin typeface="Cambria Math" panose="02040503050406030204" pitchFamily="18" charset="0"/>
+                            <a:ea typeface="微软雅黑" panose="020B0503020204020204" pitchFamily="34" charset="-122"/>
+                          </a:rPr>
+                          <m:t>4</m:t>
+                        </m:r>
+                      </m:den>
+                    </m:f>
+                    <m:r>
+                      <a:rPr lang="zh-CN" altLang="en-US" sz="1200" kern="1200">
+                        <a:latin typeface="Cambria Math" panose="02040503050406030204" pitchFamily="18" charset="0"/>
+                        <a:ea typeface="微软雅黑" panose="020B0503020204020204" pitchFamily="34" charset="-122"/>
+                      </a:rPr>
+                      <m:t>𝜋</m:t>
+                    </m:r>
+                    <m:r>
+                      <a:rPr lang="zh-CN" altLang="en-US" sz="1200" kern="1200">
+                        <a:latin typeface="Cambria Math" panose="02040503050406030204" pitchFamily="18" charset="0"/>
+                        <a:ea typeface="微软雅黑" panose="020B0503020204020204" pitchFamily="34" charset="-122"/>
+                      </a:rPr>
+                      <m:t>压缩方法</m:t>
+                    </m:r>
+                  </m:oMath>
+                </a14:m>
+                <a:r>
+                  <a:rPr lang="zh-CN" altLang="en-US" dirty="0" smtClean="0"/>
+                  <a:t>，把相位由（</a:t>
+                </a:r>
+                <a:r>
+                  <a:rPr lang="en-US" altLang="zh-CN" dirty="0" smtClean="0"/>
+                  <a:t>0,2pi</a:t>
+                </a:r>
+                <a:r>
+                  <a:rPr lang="zh-CN" altLang="en-US" dirty="0" smtClean="0"/>
+                  <a:t>）压缩到（</a:t>
+                </a:r>
+                <a:r>
+                  <a:rPr lang="en-US" altLang="zh-CN" dirty="0" smtClean="0"/>
+                  <a:t>0,1/4pi</a:t>
+                </a:r>
+                <a:r>
+                  <a:rPr lang="zh-CN" altLang="en-US" dirty="0" smtClean="0"/>
+                  <a:t>）区间。同时将相位转换</a:t>
+                </a:r>
+                <a:r>
+                  <a:rPr lang="zh-CN" altLang="en-US" dirty="0"/>
+                  <a:t>成了象限</a:t>
+                </a:r>
+                <a:r>
+                  <a:rPr lang="zh-CN" altLang="en-US" dirty="0" smtClean="0"/>
+                  <a:t>、查找表地址</a:t>
+                </a:r>
+                <a:r>
+                  <a:rPr lang="zh-CN" altLang="en-US" dirty="0"/>
+                  <a:t>、旋转索引三</a:t>
+                </a:r>
+                <a:r>
+                  <a:rPr lang="zh-CN" altLang="en-US" dirty="0" smtClean="0"/>
+                  <a:t>部分，这就涉及到索引分配的问题。</a:t>
+                </a:r>
+                <a:endParaRPr lang="en-US" altLang="zh-CN" dirty="0"/>
+              </a:p>
+              <a:p>
+                <a:r>
+                  <a:rPr lang="en-US" altLang="zh-CN" dirty="0" smtClean="0"/>
+                  <a:t>PAC</a:t>
+                </a:r>
+                <a:r>
+                  <a:rPr lang="zh-CN" altLang="en-US" dirty="0"/>
+                  <a:t>模块，由三块构成，对应三步操作：</a:t>
+                </a:r>
+                <a:endParaRPr lang="en-US" altLang="zh-CN" dirty="0"/>
+              </a:p>
+              <a:p>
+                <a:r>
+                  <a:rPr lang="zh-CN" altLang="en-US" dirty="0"/>
+                  <a:t>第一步是</a:t>
+                </a:r>
+                <a:r>
+                  <a:rPr lang="en-US" altLang="zh-CN" dirty="0"/>
+                  <a:t>Rom </a:t>
+                </a:r>
+                <a:r>
+                  <a:rPr lang="zh-CN" altLang="en-US" dirty="0"/>
+                  <a:t>地址查找</a:t>
+                </a:r>
+                <a:r>
+                  <a:rPr lang="zh-CN" altLang="en-US" dirty="0" smtClean="0"/>
+                  <a:t>，为了简化运算同时避免溢出，查找表中引入了一个缩放因子。</a:t>
+                </a:r>
+                <a:endParaRPr lang="en-US" altLang="zh-CN" dirty="0"/>
+              </a:p>
+              <a:p>
+                <a:r>
+                  <a:rPr lang="zh-CN" altLang="en-US" dirty="0"/>
+                  <a:t>第二步是</a:t>
+                </a:r>
+                <a:r>
+                  <a:rPr lang="en-US" altLang="zh-CN" dirty="0" err="1"/>
+                  <a:t>cordic</a:t>
+                </a:r>
+                <a:r>
+                  <a:rPr lang="en-US" altLang="zh-CN" dirty="0"/>
+                  <a:t> </a:t>
+                </a:r>
+                <a:r>
+                  <a:rPr lang="zh-CN" altLang="en-US" dirty="0" smtClean="0"/>
+                  <a:t>角度旋转，通过级联的旋转单元对查找表输出进行修正。</a:t>
+                </a:r>
+                <a:endParaRPr lang="en-US" altLang="zh-CN" dirty="0"/>
+              </a:p>
+              <a:p>
+                <a:r>
+                  <a:rPr lang="zh-CN" altLang="en-US" dirty="0"/>
+                  <a:t>第三步</a:t>
+                </a:r>
+                <a:r>
+                  <a:rPr lang="zh-CN" altLang="en-US" dirty="0" smtClean="0"/>
+                  <a:t>是对称操作，把（</a:t>
+                </a:r>
+                <a:r>
+                  <a:rPr lang="en-US" altLang="zh-CN" dirty="0" smtClean="0"/>
+                  <a:t>0,1/4pi</a:t>
+                </a:r>
+                <a:r>
+                  <a:rPr lang="zh-CN" altLang="en-US" dirty="0" smtClean="0"/>
+                  <a:t>）的输出映射回原区间</a:t>
+                </a:r>
+                <a:endParaRPr lang="en-US" altLang="zh-CN" dirty="0"/>
+              </a:p>
+              <a:p>
+                <a:endParaRPr lang="zh-CN" altLang="en-US" dirty="0"/>
+              </a:p>
+            </p:txBody>
+          </p:sp>
+        </mc:Choice>
+        <mc:Fallback>
+          <p:sp>
+            <p:nvSpPr>
+              <p:cNvPr id="3" name="备注占位符 2"/>
+              <p:cNvSpPr>
+                <a:spLocks noGrp="1"/>
+              </p:cNvSpPr>
+              <p:nvPr>
+                <p:ph type="body" idx="1"/>
+              </p:nvPr>
+            </p:nvSpPr>
+            <p:spPr/>
+            <p:txBody>
+              <a:bodyPr/>
+              <a:lstStyle/>
+              <a:p>
+                <a:pPr marL="0" marR="0" indent="0" algn="l" defTabSz="914400" rtl="0" eaLnBrk="1" fontAlgn="auto" latinLnBrk="0" hangingPunct="1">
+                  <a:lnSpc>
+                    <a:spcPct val="100000"/>
+                  </a:lnSpc>
+                  <a:spcBef>
+                    <a:spcPts val="0"/>
+                  </a:spcBef>
+                  <a:spcAft>
+                    <a:spcPts val="0"/>
+                  </a:spcAft>
+                  <a:buClrTx/>
+                  <a:buSzTx/>
+                  <a:buFontTx/>
+                  <a:buNone/>
+                  <a:tabLst/>
+                  <a:defRPr/>
+                </a:pPr>
+                <a:r>
+                  <a:rPr lang="zh-CN" altLang="en-US" dirty="0" smtClean="0"/>
+                  <a:t>根据上一节的思路，我提出了系统架构如右上角所示，用红框标出的模块均进行了改动。</a:t>
+                </a:r>
+                <a:endParaRPr lang="en-US" altLang="zh-CN" dirty="0" smtClean="0"/>
+              </a:p>
+              <a:p>
+                <a:r>
+                  <a:rPr lang="zh-CN" altLang="en-US" dirty="0" smtClean="0"/>
+                  <a:t>仍是</a:t>
+                </a:r>
+                <a:r>
+                  <a:rPr lang="en-US" altLang="zh-CN" dirty="0"/>
+                  <a:t>PA/PC/PAC</a:t>
+                </a:r>
+                <a:r>
+                  <a:rPr lang="zh-CN" altLang="en-US" dirty="0"/>
+                  <a:t>模块构成，</a:t>
+                </a:r>
+                <a:r>
+                  <a:rPr lang="en-US" altLang="zh-CN" dirty="0"/>
+                  <a:t>PA</a:t>
+                </a:r>
+                <a:r>
+                  <a:rPr lang="zh-CN" altLang="en-US" dirty="0"/>
+                  <a:t>是一个</a:t>
+                </a:r>
+                <a:r>
+                  <a:rPr lang="en-US" altLang="zh-CN" dirty="0"/>
+                  <a:t>16</a:t>
+                </a:r>
+                <a:r>
+                  <a:rPr lang="zh-CN" altLang="en-US" dirty="0"/>
+                  <a:t>位累加器</a:t>
+                </a:r>
+                <a:r>
+                  <a:rPr lang="zh-CN" altLang="en-US" dirty="0" smtClean="0"/>
+                  <a:t>，不多赘述。</a:t>
+                </a:r>
+                <a:endParaRPr lang="en-US" altLang="zh-CN" dirty="0" smtClean="0"/>
+              </a:p>
+              <a:p>
+                <a:r>
+                  <a:rPr lang="en-US" altLang="zh-CN" dirty="0" smtClean="0"/>
+                  <a:t>PC</a:t>
+                </a:r>
+                <a:r>
+                  <a:rPr lang="zh-CN" altLang="en-US" dirty="0" smtClean="0"/>
+                  <a:t>使用了</a:t>
+                </a:r>
+                <a:r>
+                  <a:rPr lang="en-US" altLang="zh-CN" sz="1200" i="0" kern="1200">
+                    <a:latin typeface="Cambria Math" panose="02040503050406030204" pitchFamily="18" charset="0"/>
+                    <a:ea typeface="微软雅黑" panose="020B0503020204020204" pitchFamily="34" charset="-122"/>
+                  </a:rPr>
+                  <a:t>1</a:t>
+                </a:r>
+                <a:r>
+                  <a:rPr lang="en-US" altLang="zh-CN" sz="1200" i="0" kern="1200" smtClean="0">
+                    <a:latin typeface="Cambria Math" panose="02040503050406030204" pitchFamily="18" charset="0"/>
+                    <a:ea typeface="微软雅黑" panose="020B0503020204020204" pitchFamily="34" charset="-122"/>
+                  </a:rPr>
+                  <a:t>/</a:t>
+                </a:r>
+                <a:r>
+                  <a:rPr lang="en-US" altLang="zh-CN" sz="1200" i="0" kern="1200">
+                    <a:latin typeface="Cambria Math" panose="02040503050406030204" pitchFamily="18" charset="0"/>
+                    <a:ea typeface="微软雅黑" panose="020B0503020204020204" pitchFamily="34" charset="-122"/>
+                  </a:rPr>
+                  <a:t>4</a:t>
+                </a:r>
+                <a:r>
+                  <a:rPr lang="zh-CN" altLang="en-US" sz="1200" i="0" kern="1200">
+                    <a:latin typeface="Cambria Math" panose="02040503050406030204" pitchFamily="18" charset="0"/>
+                    <a:ea typeface="微软雅黑" panose="020B0503020204020204" pitchFamily="34" charset="-122"/>
+                  </a:rPr>
+                  <a:t> 𝜋压缩方法</a:t>
+                </a:r>
+                <a:r>
+                  <a:rPr lang="zh-CN" altLang="en-US" dirty="0" smtClean="0"/>
+                  <a:t>，把相位由（</a:t>
+                </a:r>
+                <a:r>
+                  <a:rPr lang="en-US" altLang="zh-CN" dirty="0" smtClean="0"/>
+                  <a:t>0,2pi</a:t>
+                </a:r>
+                <a:r>
+                  <a:rPr lang="zh-CN" altLang="en-US" dirty="0" smtClean="0"/>
+                  <a:t>）压缩到（</a:t>
+                </a:r>
+                <a:r>
+                  <a:rPr lang="en-US" altLang="zh-CN" dirty="0" smtClean="0"/>
+                  <a:t>0,1/4pi</a:t>
+                </a:r>
+                <a:r>
+                  <a:rPr lang="zh-CN" altLang="en-US" dirty="0" smtClean="0"/>
+                  <a:t>）区间。同时将相位转换</a:t>
+                </a:r>
+                <a:r>
+                  <a:rPr lang="zh-CN" altLang="en-US" dirty="0"/>
+                  <a:t>成了象限</a:t>
+                </a:r>
+                <a:r>
+                  <a:rPr lang="zh-CN" altLang="en-US" dirty="0" smtClean="0"/>
+                  <a:t>、查找表地址</a:t>
+                </a:r>
+                <a:r>
+                  <a:rPr lang="zh-CN" altLang="en-US" dirty="0"/>
+                  <a:t>、旋转索引三</a:t>
+                </a:r>
+                <a:r>
+                  <a:rPr lang="zh-CN" altLang="en-US" dirty="0" smtClean="0"/>
+                  <a:t>部分，这就涉及到索引分配的问题。</a:t>
+                </a:r>
+                <a:endParaRPr lang="en-US" altLang="zh-CN" dirty="0"/>
+              </a:p>
+              <a:p>
+                <a:r>
+                  <a:rPr lang="en-US" altLang="zh-CN" dirty="0" smtClean="0"/>
+                  <a:t>PAC</a:t>
+                </a:r>
+                <a:r>
+                  <a:rPr lang="zh-CN" altLang="en-US" dirty="0"/>
+                  <a:t>模块，由三块构成，对应三步操作：</a:t>
+                </a:r>
+                <a:endParaRPr lang="en-US" altLang="zh-CN" dirty="0"/>
+              </a:p>
+              <a:p>
+                <a:r>
+                  <a:rPr lang="zh-CN" altLang="en-US" dirty="0"/>
+                  <a:t>第一步是</a:t>
+                </a:r>
+                <a:r>
+                  <a:rPr lang="en-US" altLang="zh-CN" dirty="0"/>
+                  <a:t>Rom </a:t>
+                </a:r>
+                <a:r>
+                  <a:rPr lang="zh-CN" altLang="en-US" dirty="0"/>
+                  <a:t>地址查找</a:t>
+                </a:r>
+                <a:r>
+                  <a:rPr lang="zh-CN" altLang="en-US" dirty="0" smtClean="0"/>
+                  <a:t>，为了简化运算同时避免溢出，查找表中引入了一个缩放因子。</a:t>
+                </a:r>
+                <a:endParaRPr lang="en-US" altLang="zh-CN" dirty="0"/>
+              </a:p>
+              <a:p>
+                <a:r>
+                  <a:rPr lang="zh-CN" altLang="en-US" dirty="0"/>
+                  <a:t>第二步是</a:t>
+                </a:r>
+                <a:r>
+                  <a:rPr lang="en-US" altLang="zh-CN" dirty="0" err="1"/>
+                  <a:t>cordic</a:t>
+                </a:r>
+                <a:r>
+                  <a:rPr lang="en-US" altLang="zh-CN" dirty="0"/>
+                  <a:t> </a:t>
+                </a:r>
+                <a:r>
+                  <a:rPr lang="zh-CN" altLang="en-US" dirty="0" smtClean="0"/>
+                  <a:t>角度旋转，通过级联的旋转单元对查找表输出进行修正。</a:t>
+                </a:r>
+                <a:endParaRPr lang="en-US" altLang="zh-CN" dirty="0"/>
+              </a:p>
+              <a:p>
+                <a:r>
+                  <a:rPr lang="zh-CN" altLang="en-US" dirty="0"/>
+                  <a:t>第三步</a:t>
+                </a:r>
+                <a:r>
+                  <a:rPr lang="zh-CN" altLang="en-US" dirty="0" smtClean="0"/>
+                  <a:t>是对称操作，把（</a:t>
+                </a:r>
+                <a:r>
+                  <a:rPr lang="en-US" altLang="zh-CN" dirty="0" smtClean="0"/>
+                  <a:t>0,1/4pi</a:t>
+                </a:r>
+                <a:r>
+                  <a:rPr lang="zh-CN" altLang="en-US" dirty="0" smtClean="0"/>
+                  <a:t>）的输出映射回原区间</a:t>
+                </a:r>
+                <a:endParaRPr lang="en-US" altLang="zh-CN" dirty="0"/>
+              </a:p>
+              <a:p>
+                <a:endParaRPr lang="zh-CN" altLang="en-US" dirty="0"/>
+              </a:p>
+            </p:txBody>
+          </p:sp>
+        </mc:Fallback>
+      </mc:AlternateContent>
       <p:sp>
         <p:nvSpPr>
           <p:cNvPr id="4" name="灯片编号占位符 3"/>
@@ -3344,155 +4339,815 @@
         </p:nvSpPr>
         <p:spPr/>
       </p:sp>
-      <p:sp>
-        <p:nvSpPr>
-          <p:cNvPr id="3" name="备注占位符 2"/>
-          <p:cNvSpPr>
-            <a:spLocks noGrp="1"/>
-          </p:cNvSpPr>
-          <p:nvPr>
-            <p:ph type="body" idx="1"/>
-          </p:nvPr>
-        </p:nvSpPr>
-        <p:spPr/>
-        <p:txBody>
-          <a:bodyPr/>
-          <a:lstStyle/>
-          <a:p>
-            <a:r>
-              <a:rPr lang="zh-CN" altLang="en-US" dirty="0"/>
-              <a:t>实施方案首相介绍一下我的系统架构，仍是</a:t>
-            </a:r>
-            <a:r>
-              <a:rPr lang="en-US" altLang="zh-CN" dirty="0"/>
-              <a:t>PA/PC/PAC</a:t>
-            </a:r>
-            <a:r>
-              <a:rPr lang="zh-CN" altLang="en-US" dirty="0"/>
-              <a:t>模块构成，</a:t>
-            </a:r>
-            <a:r>
-              <a:rPr lang="en-US" altLang="zh-CN" dirty="0"/>
-              <a:t>PA</a:t>
-            </a:r>
-            <a:r>
-              <a:rPr lang="zh-CN" altLang="en-US" dirty="0"/>
-              <a:t>是一个</a:t>
-            </a:r>
-            <a:r>
-              <a:rPr lang="en-US" altLang="zh-CN" dirty="0"/>
-              <a:t>16</a:t>
-            </a:r>
-            <a:r>
-              <a:rPr lang="zh-CN" altLang="en-US" dirty="0"/>
-              <a:t>位累加器，</a:t>
-            </a:r>
-            <a:r>
-              <a:rPr lang="en-US" altLang="zh-CN" dirty="0"/>
-              <a:t>PC</a:t>
-            </a:r>
-            <a:r>
-              <a:rPr lang="zh-CN" altLang="en-US" dirty="0"/>
-              <a:t>把相位分割并转换成了象限、</a:t>
-            </a:r>
-            <a:r>
-              <a:rPr lang="en-US" altLang="zh-CN" dirty="0"/>
-              <a:t>Rom</a:t>
-            </a:r>
-            <a:r>
-              <a:rPr lang="zh-CN" altLang="en-US" dirty="0"/>
-              <a:t>地址、旋转索引三部分。</a:t>
-            </a:r>
-            <a:endParaRPr lang="en-US" altLang="zh-CN" dirty="0"/>
-          </a:p>
-          <a:p>
-            <a:r>
-              <a:rPr lang="zh-CN" altLang="en-US" dirty="0"/>
-              <a:t>着重讲我的</a:t>
-            </a:r>
-            <a:r>
-              <a:rPr lang="en-US" altLang="zh-CN" dirty="0"/>
-              <a:t>PAC</a:t>
-            </a:r>
-            <a:r>
-              <a:rPr lang="zh-CN" altLang="en-US" dirty="0"/>
-              <a:t>模块，由三块构成，对应三步操作：</a:t>
-            </a:r>
-            <a:endParaRPr lang="en-US" altLang="zh-CN" dirty="0"/>
-          </a:p>
-          <a:p>
-            <a:r>
-              <a:rPr lang="zh-CN" altLang="en-US" dirty="0"/>
-              <a:t>第一步是</a:t>
-            </a:r>
-            <a:r>
-              <a:rPr lang="en-US" altLang="zh-CN" dirty="0"/>
-              <a:t>Rom </a:t>
-            </a:r>
-            <a:r>
-              <a:rPr lang="zh-CN" altLang="en-US" dirty="0"/>
-              <a:t>地址查找，得到粗定位的幅度</a:t>
-            </a:r>
-            <a:r>
-              <a:rPr lang="en-US" altLang="zh-CN" dirty="0"/>
-              <a:t>cos(</a:t>
-            </a:r>
-            <a:r>
-              <a:rPr lang="en-US" altLang="zh-CN" dirty="0" err="1"/>
-              <a:t>theta_M</a:t>
-            </a:r>
-            <a:r>
-              <a:rPr lang="en-US" altLang="zh-CN" dirty="0"/>
-              <a:t>)</a:t>
-            </a:r>
-          </a:p>
-          <a:p>
-            <a:r>
-              <a:rPr lang="zh-CN" altLang="en-US" dirty="0"/>
-              <a:t>第二步是</a:t>
-            </a:r>
-            <a:r>
-              <a:rPr lang="en-US" altLang="zh-CN" dirty="0" err="1"/>
-              <a:t>cordic</a:t>
-            </a:r>
-            <a:r>
-              <a:rPr lang="en-US" altLang="zh-CN" dirty="0"/>
-              <a:t> </a:t>
-            </a:r>
-            <a:r>
-              <a:rPr lang="zh-CN" altLang="en-US" dirty="0"/>
-              <a:t>矩阵旋转，微调角度</a:t>
-            </a:r>
-            <a:r>
-              <a:rPr lang="en-US" altLang="zh-CN" dirty="0" err="1"/>
-              <a:t>theta_R</a:t>
-            </a:r>
-            <a:endParaRPr lang="en-US" altLang="zh-CN" dirty="0"/>
-          </a:p>
-          <a:p>
-            <a:r>
-              <a:rPr lang="zh-CN" altLang="en-US" dirty="0"/>
-              <a:t>第三步是</a:t>
-            </a:r>
-            <a:r>
-              <a:rPr lang="en-US" altLang="zh-CN" dirty="0" err="1"/>
-              <a:t>Mirro</a:t>
-            </a:r>
-            <a:r>
-              <a:rPr lang="en-US" altLang="zh-CN" dirty="0"/>
-              <a:t> </a:t>
-            </a:r>
-            <a:r>
-              <a:rPr lang="zh-CN" altLang="en-US" dirty="0"/>
-              <a:t>对称操作，将幅度对应到正确的象限</a:t>
-            </a:r>
-            <a:endParaRPr lang="en-US" altLang="zh-CN" dirty="0"/>
-          </a:p>
-          <a:p>
-            <a:endParaRPr lang="zh-CN" altLang="en-US" dirty="0"/>
-          </a:p>
-        </p:txBody>
-      </p:sp>
+      <mc:AlternateContent xmlns:mc="http://schemas.openxmlformats.org/markup-compatibility/2006">
+        <mc:Choice xmlns:a14="http://schemas.microsoft.com/office/drawing/2010/main" Requires="a14">
+          <p:sp>
+            <p:nvSpPr>
+              <p:cNvPr id="3" name="备注占位符 2"/>
+              <p:cNvSpPr>
+                <a:spLocks noGrp="1"/>
+              </p:cNvSpPr>
+              <p:nvPr>
+                <p:ph type="body" idx="1"/>
+              </p:nvPr>
+            </p:nvSpPr>
+            <p:spPr/>
+            <p:txBody>
+              <a:bodyPr/>
+              <a:lstStyle/>
+              <a:p>
+                <a:r>
+                  <a:rPr lang="zh-CN" altLang="en-US" dirty="0" smtClean="0"/>
+                  <a:t>这里稍微介绍一下</a:t>
+                </a:r>
+                <a:r>
+                  <a:rPr lang="en-US" altLang="zh-CN" dirty="0" smtClean="0"/>
+                  <a:t>DDS</a:t>
+                </a:r>
+                <a:r>
+                  <a:rPr lang="zh-CN" altLang="en-US" dirty="0" smtClean="0"/>
+                  <a:t>工作原理：</a:t>
+                </a:r>
+                <a:endParaRPr lang="en-US" altLang="zh-CN" dirty="0" smtClean="0"/>
+              </a:p>
+              <a:p>
+                <a:pPr marL="0" marR="0" lvl="2" indent="0" algn="l" defTabSz="914400" rtl="0" eaLnBrk="1" fontAlgn="auto" latinLnBrk="0" hangingPunct="1">
+                  <a:lnSpc>
+                    <a:spcPct val="100000"/>
+                  </a:lnSpc>
+                  <a:spcBef>
+                    <a:spcPts val="0"/>
+                  </a:spcBef>
+                  <a:spcAft>
+                    <a:spcPts val="0"/>
+                  </a:spcAft>
+                  <a:buClrTx/>
+                  <a:buSzTx/>
+                  <a:buFontTx/>
+                  <a:buNone/>
+                  <a:tabLst/>
+                  <a:defRPr/>
+                </a:pPr>
+                <a:r>
+                  <a:rPr lang="zh-CN" altLang="en-US" dirty="0" smtClean="0"/>
+                  <a:t>得到相位后，需经过</a:t>
+                </a:r>
+                <a:r>
+                  <a:rPr lang="en-US" altLang="zh-CN" dirty="0" smtClean="0"/>
+                  <a:t>PC</a:t>
+                </a:r>
+                <a:r>
+                  <a:rPr lang="zh-CN" altLang="en-US" dirty="0" smtClean="0"/>
+                  <a:t>模块的</a:t>
+                </a:r>
+                <a:r>
+                  <a:rPr lang="en-US" altLang="zh-CN" dirty="0" smtClean="0"/>
+                  <a:t>1/4</a:t>
+                </a:r>
+                <a:r>
+                  <a:rPr lang="en-US" altLang="zh-CN" baseline="0" dirty="0" smtClean="0"/>
+                  <a:t> PI</a:t>
+                </a:r>
+                <a:r>
+                  <a:rPr lang="zh-CN" altLang="en-US" baseline="0" dirty="0" smtClean="0"/>
+                  <a:t>压缩。它利用对称性将相位</a:t>
+                </a:r>
+                <a:r>
+                  <a:rPr lang="zh-CN" altLang="en-US" sz="1600" kern="1200" dirty="0" smtClean="0">
+                    <a:latin typeface="微软雅黑" panose="020B0503020204020204" pitchFamily="34" charset="-122"/>
+                    <a:ea typeface="微软雅黑" panose="020B0503020204020204" pitchFamily="34" charset="-122"/>
+                  </a:rPr>
+                  <a:t>从 </a:t>
+                </a:r>
+                <a:r>
+                  <a:rPr lang="en-US" altLang="zh-CN" sz="1600" kern="1200" dirty="0">
+                    <a:latin typeface="微软雅黑" panose="020B0503020204020204" pitchFamily="34" charset="-122"/>
+                    <a:ea typeface="微软雅黑" panose="020B0503020204020204" pitchFamily="34" charset="-122"/>
+                  </a:rPr>
+                  <a:t>(0, 2</a:t>
+                </a:r>
+                <a14:m>
+                  <m:oMath xmlns:m="http://schemas.openxmlformats.org/officeDocument/2006/math">
+                    <m:r>
+                      <a:rPr lang="zh-CN" altLang="en-US" sz="1600" kern="1200">
+                        <a:latin typeface="Cambria Math" panose="02040503050406030204" pitchFamily="18" charset="0"/>
+                        <a:ea typeface="微软雅黑" panose="020B0503020204020204" pitchFamily="34" charset="-122"/>
+                      </a:rPr>
+                      <m:t>𝜋</m:t>
+                    </m:r>
+                  </m:oMath>
+                </a14:m>
+                <a:r>
+                  <a:rPr lang="en-US" altLang="zh-CN" sz="1600" kern="1200" dirty="0">
+                    <a:latin typeface="微软雅黑" panose="020B0503020204020204" pitchFamily="34" charset="-122"/>
+                    <a:ea typeface="微软雅黑" panose="020B0503020204020204" pitchFamily="34" charset="-122"/>
+                  </a:rPr>
+                  <a:t>) </a:t>
+                </a:r>
+                <a:r>
+                  <a:rPr lang="zh-CN" altLang="en-US" sz="1600" kern="1200" dirty="0">
+                    <a:latin typeface="微软雅黑" panose="020B0503020204020204" pitchFamily="34" charset="-122"/>
+                    <a:ea typeface="微软雅黑" panose="020B0503020204020204" pitchFamily="34" charset="-122"/>
+                  </a:rPr>
+                  <a:t>映射到 </a:t>
+                </a:r>
+                <a:r>
+                  <a:rPr lang="en-US" altLang="zh-CN" sz="1600" kern="1200" dirty="0">
+                    <a:latin typeface="微软雅黑" panose="020B0503020204020204" pitchFamily="34" charset="-122"/>
+                    <a:ea typeface="微软雅黑" panose="020B0503020204020204" pitchFamily="34" charset="-122"/>
+                  </a:rPr>
+                  <a:t>(0, </a:t>
+                </a:r>
+                <a14:m>
+                  <m:oMath xmlns:m="http://schemas.openxmlformats.org/officeDocument/2006/math">
+                    <m:f>
+                      <m:fPr>
+                        <m:ctrlPr>
+                          <a:rPr lang="en-US" altLang="zh-CN" sz="1600" i="1" kern="1200">
+                            <a:latin typeface="Cambria Math" panose="02040503050406030204" pitchFamily="18" charset="0"/>
+                            <a:ea typeface="微软雅黑" panose="020B0503020204020204" pitchFamily="34" charset="-122"/>
+                          </a:rPr>
+                        </m:ctrlPr>
+                      </m:fPr>
+                      <m:num>
+                        <m:r>
+                          <a:rPr lang="en-US" altLang="zh-CN" sz="1600" kern="1200">
+                            <a:latin typeface="Cambria Math" panose="02040503050406030204" pitchFamily="18" charset="0"/>
+                            <a:ea typeface="微软雅黑" panose="020B0503020204020204" pitchFamily="34" charset="-122"/>
+                          </a:rPr>
+                          <m:t>1</m:t>
+                        </m:r>
+                      </m:num>
+                      <m:den>
+                        <m:r>
+                          <a:rPr lang="en-US" altLang="zh-CN" sz="1600" kern="1200">
+                            <a:latin typeface="Cambria Math" panose="02040503050406030204" pitchFamily="18" charset="0"/>
+                            <a:ea typeface="微软雅黑" panose="020B0503020204020204" pitchFamily="34" charset="-122"/>
+                          </a:rPr>
+                          <m:t>4</m:t>
+                        </m:r>
+                      </m:den>
+                    </m:f>
+                    <m:r>
+                      <a:rPr lang="zh-CN" altLang="en-US" sz="1600" kern="1200">
+                        <a:latin typeface="Cambria Math" panose="02040503050406030204" pitchFamily="18" charset="0"/>
+                        <a:ea typeface="微软雅黑" panose="020B0503020204020204" pitchFamily="34" charset="-122"/>
+                      </a:rPr>
+                      <m:t>𝜋</m:t>
+                    </m:r>
+                  </m:oMath>
+                </a14:m>
+                <a:r>
+                  <a:rPr lang="en-US" altLang="zh-CN" sz="1600" kern="1200" dirty="0" smtClean="0">
+                    <a:latin typeface="微软雅黑" panose="020B0503020204020204" pitchFamily="34" charset="-122"/>
+                    <a:ea typeface="微软雅黑" panose="020B0503020204020204" pitchFamily="34" charset="-122"/>
+                  </a:rPr>
+                  <a:t>)</a:t>
+                </a:r>
+                <a:r>
+                  <a:rPr lang="zh-CN" altLang="en-US" sz="1600" kern="1200" dirty="0" smtClean="0">
+                    <a:latin typeface="微软雅黑" panose="020B0503020204020204" pitchFamily="34" charset="-122"/>
+                    <a:ea typeface="微软雅黑" panose="020B0503020204020204" pitchFamily="34" charset="-122"/>
+                  </a:rPr>
+                  <a:t>上操作，这样相位的前三比特不用经过查找操作，存储器的地址可以减少</a:t>
+                </a:r>
+                <a:r>
+                  <a:rPr lang="en-US" altLang="zh-CN" sz="1600" kern="1200" dirty="0" smtClean="0">
+                    <a:latin typeface="微软雅黑" panose="020B0503020204020204" pitchFamily="34" charset="-122"/>
+                    <a:ea typeface="微软雅黑" panose="020B0503020204020204" pitchFamily="34" charset="-122"/>
+                  </a:rPr>
+                  <a:t>3</a:t>
+                </a:r>
+                <a:r>
+                  <a:rPr lang="en-US" altLang="zh-CN" sz="1600" kern="1200" baseline="0" dirty="0" smtClean="0">
+                    <a:latin typeface="微软雅黑" panose="020B0503020204020204" pitchFamily="34" charset="-122"/>
+                    <a:ea typeface="微软雅黑" panose="020B0503020204020204" pitchFamily="34" charset="-122"/>
+                  </a:rPr>
+                  <a:t> bit</a:t>
+                </a:r>
+              </a:p>
+              <a:p>
+                <a:pPr marL="0" marR="0" lvl="2" indent="0" algn="l" defTabSz="914400" rtl="0" eaLnBrk="1" fontAlgn="auto" latinLnBrk="0" hangingPunct="1">
+                  <a:lnSpc>
+                    <a:spcPct val="100000"/>
+                  </a:lnSpc>
+                  <a:spcBef>
+                    <a:spcPts val="0"/>
+                  </a:spcBef>
+                  <a:spcAft>
+                    <a:spcPts val="0"/>
+                  </a:spcAft>
+                  <a:buClrTx/>
+                  <a:buSzTx/>
+                  <a:buFontTx/>
+                  <a:buNone/>
+                  <a:tabLst/>
+                  <a:defRPr/>
+                </a:pPr>
+                <a:r>
+                  <a:rPr lang="zh-CN" altLang="en-US" sz="1600" kern="1200" baseline="0" dirty="0" smtClean="0">
+                    <a:latin typeface="微软雅黑" panose="020B0503020204020204" pitchFamily="34" charset="-122"/>
+                    <a:ea typeface="微软雅黑" panose="020B0503020204020204" pitchFamily="34" charset="-122"/>
+                  </a:rPr>
+                  <a:t>同时还需要将相位分配为对称索引、查找表索引和旋转索引三部分输出给</a:t>
+                </a:r>
+                <a:r>
+                  <a:rPr lang="en-US" altLang="zh-CN" sz="1600" kern="1200" baseline="0" dirty="0" smtClean="0">
+                    <a:latin typeface="微软雅黑" panose="020B0503020204020204" pitchFamily="34" charset="-122"/>
+                    <a:ea typeface="微软雅黑" panose="020B0503020204020204" pitchFamily="34" charset="-122"/>
+                  </a:rPr>
+                  <a:t>PAC</a:t>
+                </a:r>
+                <a:r>
+                  <a:rPr lang="zh-CN" altLang="en-US" sz="1600" kern="1200" baseline="0" dirty="0" smtClean="0">
+                    <a:latin typeface="微软雅黑" panose="020B0503020204020204" pitchFamily="34" charset="-122"/>
+                    <a:ea typeface="微软雅黑" panose="020B0503020204020204" pitchFamily="34" charset="-122"/>
+                  </a:rPr>
+                  <a:t>。多少</a:t>
+                </a:r>
+                <a:r>
+                  <a:rPr lang="en-US" altLang="zh-CN" sz="1600" kern="1200" baseline="0" dirty="0" smtClean="0">
+                    <a:latin typeface="微软雅黑" panose="020B0503020204020204" pitchFamily="34" charset="-122"/>
+                    <a:ea typeface="微软雅黑" panose="020B0503020204020204" pitchFamily="34" charset="-122"/>
+                  </a:rPr>
+                  <a:t>bit</a:t>
+                </a:r>
+                <a:r>
+                  <a:rPr lang="zh-CN" altLang="en-US" sz="1600" kern="1200" baseline="0" dirty="0" smtClean="0">
+                    <a:latin typeface="微软雅黑" panose="020B0503020204020204" pitchFamily="34" charset="-122"/>
+                    <a:ea typeface="微软雅黑" panose="020B0503020204020204" pitchFamily="34" charset="-122"/>
+                  </a:rPr>
+                  <a:t>用查表实现，剩下多少</a:t>
+                </a:r>
+                <a:r>
+                  <a:rPr lang="en-US" altLang="zh-CN" sz="1600" kern="1200" baseline="0" dirty="0" smtClean="0">
+                    <a:latin typeface="微软雅黑" panose="020B0503020204020204" pitchFamily="34" charset="-122"/>
+                    <a:ea typeface="微软雅黑" panose="020B0503020204020204" pitchFamily="34" charset="-122"/>
+                  </a:rPr>
+                  <a:t>bit</a:t>
+                </a:r>
+                <a:r>
+                  <a:rPr lang="zh-CN" altLang="en-US" sz="1600" kern="1200" baseline="0" dirty="0" smtClean="0">
+                    <a:latin typeface="微软雅黑" panose="020B0503020204020204" pitchFamily="34" charset="-122"/>
+                    <a:ea typeface="微软雅黑" panose="020B0503020204020204" pitchFamily="34" charset="-122"/>
+                  </a:rPr>
+                  <a:t>用旋转实现，将在下一页讨论。</a:t>
+                </a:r>
+                <a:endParaRPr lang="en-US" altLang="zh-CN" sz="1600" kern="1200" baseline="0" dirty="0" smtClean="0">
+                  <a:latin typeface="微软雅黑" panose="020B0503020204020204" pitchFamily="34" charset="-122"/>
+                  <a:ea typeface="微软雅黑" panose="020B0503020204020204" pitchFamily="34" charset="-122"/>
+                </a:endParaRPr>
+              </a:p>
+              <a:p>
+                <a:pPr marL="0" marR="0" lvl="2" indent="0" algn="l" defTabSz="914400" rtl="0" eaLnBrk="1" fontAlgn="auto" latinLnBrk="0" hangingPunct="1">
+                  <a:lnSpc>
+                    <a:spcPct val="100000"/>
+                  </a:lnSpc>
+                  <a:spcBef>
+                    <a:spcPts val="0"/>
+                  </a:spcBef>
+                  <a:spcAft>
+                    <a:spcPts val="0"/>
+                  </a:spcAft>
+                  <a:buClrTx/>
+                  <a:buSzTx/>
+                  <a:buFontTx/>
+                  <a:buNone/>
+                  <a:tabLst/>
+                  <a:defRPr/>
+                </a:pPr>
+                <a:endParaRPr lang="en-US" altLang="zh-CN" sz="1600" kern="1200" baseline="0" dirty="0" smtClean="0">
+                  <a:latin typeface="微软雅黑" panose="020B0503020204020204" pitchFamily="34" charset="-122"/>
+                  <a:ea typeface="微软雅黑" panose="020B0503020204020204" pitchFamily="34" charset="-122"/>
+                </a:endParaRPr>
+              </a:p>
+              <a:p>
+                <a:pPr marL="0" marR="0" lvl="2" indent="0" algn="l" defTabSz="914400" rtl="0" eaLnBrk="1" fontAlgn="auto" latinLnBrk="0" hangingPunct="1">
+                  <a:lnSpc>
+                    <a:spcPct val="100000"/>
+                  </a:lnSpc>
+                  <a:spcBef>
+                    <a:spcPts val="0"/>
+                  </a:spcBef>
+                  <a:spcAft>
+                    <a:spcPts val="0"/>
+                  </a:spcAft>
+                  <a:buClrTx/>
+                  <a:buSzTx/>
+                  <a:buFontTx/>
+                  <a:buNone/>
+                  <a:tabLst/>
+                  <a:defRPr/>
+                </a:pPr>
+                <a:r>
+                  <a:rPr lang="en-US" altLang="zh-CN" sz="1600" kern="1200" baseline="0" dirty="0" smtClean="0">
+                    <a:latin typeface="微软雅黑" panose="020B0503020204020204" pitchFamily="34" charset="-122"/>
+                    <a:ea typeface="微软雅黑" panose="020B0503020204020204" pitchFamily="34" charset="-122"/>
+                  </a:rPr>
+                  <a:t>PAC</a:t>
+                </a:r>
+                <a:r>
+                  <a:rPr lang="zh-CN" altLang="en-US" sz="1600" kern="1200" baseline="0" dirty="0" smtClean="0">
+                    <a:latin typeface="微软雅黑" panose="020B0503020204020204" pitchFamily="34" charset="-122"/>
+                    <a:ea typeface="微软雅黑" panose="020B0503020204020204" pitchFamily="34" charset="-122"/>
+                  </a:rPr>
+                  <a:t>分为三块，地找查找、角度旋转、对称输出。参照右下角图片：</a:t>
+                </a:r>
+                <a:endParaRPr lang="en-US" altLang="zh-CN" sz="1600" kern="1200" baseline="0" dirty="0" smtClean="0">
+                  <a:latin typeface="微软雅黑" panose="020B0503020204020204" pitchFamily="34" charset="-122"/>
+                  <a:ea typeface="微软雅黑" panose="020B0503020204020204" pitchFamily="34" charset="-122"/>
+                </a:endParaRPr>
+              </a:p>
+              <a:p>
+                <a:pPr marL="0" marR="0" lvl="2" indent="0" algn="l" defTabSz="914400" rtl="0" eaLnBrk="1" fontAlgn="auto" latinLnBrk="0" hangingPunct="1">
+                  <a:lnSpc>
+                    <a:spcPct val="100000"/>
+                  </a:lnSpc>
+                  <a:spcBef>
+                    <a:spcPts val="0"/>
+                  </a:spcBef>
+                  <a:spcAft>
+                    <a:spcPts val="0"/>
+                  </a:spcAft>
+                  <a:buClrTx/>
+                  <a:buSzTx/>
+                  <a:buFontTx/>
+                  <a:buNone/>
+                  <a:tabLst/>
+                  <a:defRPr/>
+                </a:pPr>
+                <a:r>
+                  <a:rPr lang="zh-CN" altLang="en-US" sz="1600" kern="1200" baseline="0" dirty="0" smtClean="0">
+                    <a:latin typeface="微软雅黑" panose="020B0503020204020204" pitchFamily="34" charset="-122"/>
+                    <a:ea typeface="微软雅黑" panose="020B0503020204020204" pitchFamily="34" charset="-122"/>
+                  </a:rPr>
+                  <a:t>首先通过查表得到绿色的查表信号</a:t>
+                </a:r>
+                <a:endParaRPr lang="en-US" altLang="zh-CN" sz="1600" kern="1200" baseline="0" dirty="0" smtClean="0">
+                  <a:latin typeface="微软雅黑" panose="020B0503020204020204" pitchFamily="34" charset="-122"/>
+                  <a:ea typeface="微软雅黑" panose="020B0503020204020204" pitchFamily="34" charset="-122"/>
+                </a:endParaRPr>
+              </a:p>
+              <a:p>
+                <a:pPr marL="0" marR="0" lvl="2" indent="0" algn="l" defTabSz="914400" rtl="0" eaLnBrk="1" fontAlgn="auto" latinLnBrk="0" hangingPunct="1">
+                  <a:lnSpc>
+                    <a:spcPct val="100000"/>
+                  </a:lnSpc>
+                  <a:spcBef>
+                    <a:spcPts val="0"/>
+                  </a:spcBef>
+                  <a:spcAft>
+                    <a:spcPts val="0"/>
+                  </a:spcAft>
+                  <a:buClrTx/>
+                  <a:buSzTx/>
+                  <a:buFontTx/>
+                  <a:buNone/>
+                  <a:tabLst/>
+                  <a:defRPr/>
+                </a:pPr>
+                <a:r>
+                  <a:rPr lang="en-US" altLang="zh-CN" sz="1600" kern="1200" baseline="0" dirty="0" smtClean="0">
+                    <a:latin typeface="微软雅黑" panose="020B0503020204020204" pitchFamily="34" charset="-122"/>
+                    <a:ea typeface="微软雅黑" panose="020B0503020204020204" pitchFamily="34" charset="-122"/>
+                  </a:rPr>
+                  <a:t>CORDIC</a:t>
+                </a:r>
+                <a:r>
+                  <a:rPr lang="zh-CN" altLang="en-US" sz="1600" kern="1200" baseline="0" dirty="0" smtClean="0">
+                    <a:latin typeface="微软雅黑" panose="020B0503020204020204" pitchFamily="34" charset="-122"/>
+                    <a:ea typeface="微软雅黑" panose="020B0503020204020204" pitchFamily="34" charset="-122"/>
+                  </a:rPr>
+                  <a:t>旋转模块根据旋转索引进行左旋、右旋修正得到旋转信号</a:t>
+                </a:r>
+                <a:endParaRPr lang="en-US" altLang="zh-CN" sz="1600" kern="1200" baseline="0" dirty="0" smtClean="0">
+                  <a:latin typeface="微软雅黑" panose="020B0503020204020204" pitchFamily="34" charset="-122"/>
+                  <a:ea typeface="微软雅黑" panose="020B0503020204020204" pitchFamily="34" charset="-122"/>
+                </a:endParaRPr>
+              </a:p>
+              <a:p>
+                <a:pPr marL="0" marR="0" lvl="2" indent="0" algn="l" defTabSz="914400" rtl="0" eaLnBrk="1" fontAlgn="auto" latinLnBrk="0" hangingPunct="1">
+                  <a:lnSpc>
+                    <a:spcPct val="100000"/>
+                  </a:lnSpc>
+                  <a:spcBef>
+                    <a:spcPts val="0"/>
+                  </a:spcBef>
+                  <a:spcAft>
+                    <a:spcPts val="0"/>
+                  </a:spcAft>
+                  <a:buClrTx/>
+                  <a:buSzTx/>
+                  <a:buFontTx/>
+                  <a:buNone/>
+                  <a:tabLst/>
+                  <a:defRPr/>
+                </a:pPr>
+                <a:r>
+                  <a:rPr lang="zh-CN" altLang="en-US" sz="1600" kern="1200" baseline="0" dirty="0" smtClean="0">
+                    <a:latin typeface="微软雅黑" panose="020B0503020204020204" pitchFamily="34" charset="-122"/>
+                    <a:ea typeface="微软雅黑" panose="020B0503020204020204" pitchFamily="34" charset="-122"/>
+                  </a:rPr>
+                  <a:t>最终根据区间信息，对称得到正确的输出信号</a:t>
+                </a:r>
+                <a:endParaRPr lang="en-US" altLang="zh-CN" sz="1600" kern="1200" dirty="0">
+                  <a:latin typeface="微软雅黑" panose="020B0503020204020204" pitchFamily="34" charset="-122"/>
+                  <a:ea typeface="微软雅黑" panose="020B0503020204020204" pitchFamily="34" charset="-122"/>
+                </a:endParaRPr>
+              </a:p>
+            </p:txBody>
+          </p:sp>
+        </mc:Choice>
+        <mc:Fallback>
+          <p:sp>
+            <p:nvSpPr>
+              <p:cNvPr id="3" name="备注占位符 2"/>
+              <p:cNvSpPr>
+                <a:spLocks noGrp="1"/>
+              </p:cNvSpPr>
+              <p:nvPr>
+                <p:ph type="body" idx="1"/>
+              </p:nvPr>
+            </p:nvSpPr>
+            <p:spPr/>
+            <p:txBody>
+              <a:bodyPr/>
+              <a:lstStyle/>
+              <a:p>
+                <a:r>
+                  <a:rPr lang="zh-CN" altLang="en-US" dirty="0" smtClean="0"/>
+                  <a:t>这里稍微介绍一下</a:t>
+                </a:r>
+                <a:r>
+                  <a:rPr lang="en-US" altLang="zh-CN" dirty="0" smtClean="0"/>
+                  <a:t>DDS</a:t>
+                </a:r>
+                <a:r>
+                  <a:rPr lang="zh-CN" altLang="en-US" dirty="0" smtClean="0"/>
+                  <a:t>工作原理：</a:t>
+                </a:r>
+                <a:endParaRPr lang="en-US" altLang="zh-CN" dirty="0" smtClean="0"/>
+              </a:p>
+              <a:p>
+                <a:pPr marL="0" marR="0" lvl="2" indent="0" algn="l" defTabSz="914400" rtl="0" eaLnBrk="1" fontAlgn="auto" latinLnBrk="0" hangingPunct="1">
+                  <a:lnSpc>
+                    <a:spcPct val="100000"/>
+                  </a:lnSpc>
+                  <a:spcBef>
+                    <a:spcPts val="0"/>
+                  </a:spcBef>
+                  <a:spcAft>
+                    <a:spcPts val="0"/>
+                  </a:spcAft>
+                  <a:buClrTx/>
+                  <a:buSzTx/>
+                  <a:buFontTx/>
+                  <a:buNone/>
+                  <a:tabLst/>
+                  <a:defRPr/>
+                </a:pPr>
+                <a:r>
+                  <a:rPr lang="zh-CN" altLang="en-US" dirty="0" smtClean="0"/>
+                  <a:t>得到相位后，需经过</a:t>
+                </a:r>
+                <a:r>
+                  <a:rPr lang="en-US" altLang="zh-CN" dirty="0" smtClean="0"/>
+                  <a:t>PC</a:t>
+                </a:r>
+                <a:r>
+                  <a:rPr lang="zh-CN" altLang="en-US" dirty="0" smtClean="0"/>
+                  <a:t>模块的</a:t>
+                </a:r>
+                <a:r>
+                  <a:rPr lang="en-US" altLang="zh-CN" dirty="0" smtClean="0"/>
+                  <a:t>1/4</a:t>
+                </a:r>
+                <a:r>
+                  <a:rPr lang="en-US" altLang="zh-CN" baseline="0" dirty="0" smtClean="0"/>
+                  <a:t> PI</a:t>
+                </a:r>
+                <a:r>
+                  <a:rPr lang="zh-CN" altLang="en-US" baseline="0" dirty="0" smtClean="0"/>
+                  <a:t>压缩。它利用对称性将相位</a:t>
+                </a:r>
+                <a:r>
+                  <a:rPr lang="zh-CN" altLang="en-US" sz="1600" kern="1200" dirty="0" smtClean="0">
+                    <a:latin typeface="微软雅黑" panose="020B0503020204020204" pitchFamily="34" charset="-122"/>
+                    <a:ea typeface="微软雅黑" panose="020B0503020204020204" pitchFamily="34" charset="-122"/>
+                  </a:rPr>
+                  <a:t>从 </a:t>
+                </a:r>
+                <a:r>
+                  <a:rPr lang="en-US" altLang="zh-CN" sz="1600" kern="1200" dirty="0">
+                    <a:latin typeface="微软雅黑" panose="020B0503020204020204" pitchFamily="34" charset="-122"/>
+                    <a:ea typeface="微软雅黑" panose="020B0503020204020204" pitchFamily="34" charset="-122"/>
+                  </a:rPr>
+                  <a:t>(0, 2</a:t>
+                </a:r>
+                <a:r>
+                  <a:rPr lang="zh-CN" altLang="en-US" sz="1600" i="0" kern="1200">
+                    <a:latin typeface="Cambria Math" panose="02040503050406030204" pitchFamily="18" charset="0"/>
+                    <a:ea typeface="微软雅黑" panose="020B0503020204020204" pitchFamily="34" charset="-122"/>
+                  </a:rPr>
+                  <a:t>𝜋</a:t>
+                </a:r>
+                <a:r>
+                  <a:rPr lang="en-US" altLang="zh-CN" sz="1600" kern="1200" dirty="0">
+                    <a:latin typeface="微软雅黑" panose="020B0503020204020204" pitchFamily="34" charset="-122"/>
+                    <a:ea typeface="微软雅黑" panose="020B0503020204020204" pitchFamily="34" charset="-122"/>
+                  </a:rPr>
+                  <a:t>) </a:t>
+                </a:r>
+                <a:r>
+                  <a:rPr lang="zh-CN" altLang="en-US" sz="1600" kern="1200" dirty="0">
+                    <a:latin typeface="微软雅黑" panose="020B0503020204020204" pitchFamily="34" charset="-122"/>
+                    <a:ea typeface="微软雅黑" panose="020B0503020204020204" pitchFamily="34" charset="-122"/>
+                  </a:rPr>
+                  <a:t>映射到 </a:t>
+                </a:r>
+                <a:r>
+                  <a:rPr lang="en-US" altLang="zh-CN" sz="1600" kern="1200" dirty="0">
+                    <a:latin typeface="微软雅黑" panose="020B0503020204020204" pitchFamily="34" charset="-122"/>
+                    <a:ea typeface="微软雅黑" panose="020B0503020204020204" pitchFamily="34" charset="-122"/>
+                  </a:rPr>
+                  <a:t>(0, </a:t>
+                </a:r>
+                <a:r>
+                  <a:rPr lang="en-US" altLang="zh-CN" sz="1600" i="0" kern="1200">
+                    <a:latin typeface="Cambria Math" panose="02040503050406030204" pitchFamily="18" charset="0"/>
+                    <a:ea typeface="微软雅黑" panose="020B0503020204020204" pitchFamily="34" charset="-122"/>
+                  </a:rPr>
+                  <a:t>1/4</a:t>
+                </a:r>
+                <a:r>
+                  <a:rPr lang="zh-CN" altLang="en-US" sz="1600" i="0" kern="1200">
+                    <a:latin typeface="Cambria Math" panose="02040503050406030204" pitchFamily="18" charset="0"/>
+                    <a:ea typeface="微软雅黑" panose="020B0503020204020204" pitchFamily="34" charset="-122"/>
+                  </a:rPr>
+                  <a:t> 𝜋</a:t>
+                </a:r>
+                <a:r>
+                  <a:rPr lang="en-US" altLang="zh-CN" sz="1600" kern="1200" dirty="0" smtClean="0">
+                    <a:latin typeface="微软雅黑" panose="020B0503020204020204" pitchFamily="34" charset="-122"/>
+                    <a:ea typeface="微软雅黑" panose="020B0503020204020204" pitchFamily="34" charset="-122"/>
+                  </a:rPr>
+                  <a:t>)</a:t>
+                </a:r>
+                <a:r>
+                  <a:rPr lang="zh-CN" altLang="en-US" sz="1600" kern="1200" dirty="0" smtClean="0">
+                    <a:latin typeface="微软雅黑" panose="020B0503020204020204" pitchFamily="34" charset="-122"/>
+                    <a:ea typeface="微软雅黑" panose="020B0503020204020204" pitchFamily="34" charset="-122"/>
+                  </a:rPr>
+                  <a:t>上操作，这样相位的前三比特不用经过查找操作，存储器的地址可以减少</a:t>
+                </a:r>
+                <a:r>
+                  <a:rPr lang="en-US" altLang="zh-CN" sz="1600" kern="1200" dirty="0" smtClean="0">
+                    <a:latin typeface="微软雅黑" panose="020B0503020204020204" pitchFamily="34" charset="-122"/>
+                    <a:ea typeface="微软雅黑" panose="020B0503020204020204" pitchFamily="34" charset="-122"/>
+                  </a:rPr>
+                  <a:t>3</a:t>
+                </a:r>
+                <a:r>
+                  <a:rPr lang="en-US" altLang="zh-CN" sz="1600" kern="1200" baseline="0" dirty="0" smtClean="0">
+                    <a:latin typeface="微软雅黑" panose="020B0503020204020204" pitchFamily="34" charset="-122"/>
+                    <a:ea typeface="微软雅黑" panose="020B0503020204020204" pitchFamily="34" charset="-122"/>
+                  </a:rPr>
+                  <a:t> bit</a:t>
+                </a:r>
+              </a:p>
+              <a:p>
+                <a:pPr marL="0" marR="0" lvl="2" indent="0" algn="l" defTabSz="914400" rtl="0" eaLnBrk="1" fontAlgn="auto" latinLnBrk="0" hangingPunct="1">
+                  <a:lnSpc>
+                    <a:spcPct val="100000"/>
+                  </a:lnSpc>
+                  <a:spcBef>
+                    <a:spcPts val="0"/>
+                  </a:spcBef>
+                  <a:spcAft>
+                    <a:spcPts val="0"/>
+                  </a:spcAft>
+                  <a:buClrTx/>
+                  <a:buSzTx/>
+                  <a:buFontTx/>
+                  <a:buNone/>
+                  <a:tabLst/>
+                  <a:defRPr/>
+                </a:pPr>
+                <a:r>
+                  <a:rPr lang="zh-CN" altLang="en-US" sz="1600" kern="1200" baseline="0" dirty="0" smtClean="0">
+                    <a:latin typeface="微软雅黑" panose="020B0503020204020204" pitchFamily="34" charset="-122"/>
+                    <a:ea typeface="微软雅黑" panose="020B0503020204020204" pitchFamily="34" charset="-122"/>
+                  </a:rPr>
+                  <a:t>同时还需要将相位分配为对称索引、查找表索引和旋转索引三部分输出给</a:t>
+                </a:r>
+                <a:r>
+                  <a:rPr lang="en-US" altLang="zh-CN" sz="1600" kern="1200" baseline="0" dirty="0" smtClean="0">
+                    <a:latin typeface="微软雅黑" panose="020B0503020204020204" pitchFamily="34" charset="-122"/>
+                    <a:ea typeface="微软雅黑" panose="020B0503020204020204" pitchFamily="34" charset="-122"/>
+                  </a:rPr>
+                  <a:t>PAC</a:t>
+                </a:r>
+                <a:r>
+                  <a:rPr lang="zh-CN" altLang="en-US" sz="1600" kern="1200" baseline="0" dirty="0" smtClean="0">
+                    <a:latin typeface="微软雅黑" panose="020B0503020204020204" pitchFamily="34" charset="-122"/>
+                    <a:ea typeface="微软雅黑" panose="020B0503020204020204" pitchFamily="34" charset="-122"/>
+                  </a:rPr>
+                  <a:t>。多少</a:t>
+                </a:r>
+                <a:r>
+                  <a:rPr lang="en-US" altLang="zh-CN" sz="1600" kern="1200" baseline="0" dirty="0" smtClean="0">
+                    <a:latin typeface="微软雅黑" panose="020B0503020204020204" pitchFamily="34" charset="-122"/>
+                    <a:ea typeface="微软雅黑" panose="020B0503020204020204" pitchFamily="34" charset="-122"/>
+                  </a:rPr>
+                  <a:t>bit</a:t>
+                </a:r>
+                <a:r>
+                  <a:rPr lang="zh-CN" altLang="en-US" sz="1600" kern="1200" baseline="0" dirty="0" smtClean="0">
+                    <a:latin typeface="微软雅黑" panose="020B0503020204020204" pitchFamily="34" charset="-122"/>
+                    <a:ea typeface="微软雅黑" panose="020B0503020204020204" pitchFamily="34" charset="-122"/>
+                  </a:rPr>
+                  <a:t>用查表实现，剩下多少</a:t>
+                </a:r>
+                <a:r>
+                  <a:rPr lang="en-US" altLang="zh-CN" sz="1600" kern="1200" baseline="0" dirty="0" smtClean="0">
+                    <a:latin typeface="微软雅黑" panose="020B0503020204020204" pitchFamily="34" charset="-122"/>
+                    <a:ea typeface="微软雅黑" panose="020B0503020204020204" pitchFamily="34" charset="-122"/>
+                  </a:rPr>
+                  <a:t>bit</a:t>
+                </a:r>
+                <a:r>
+                  <a:rPr lang="zh-CN" altLang="en-US" sz="1600" kern="1200" baseline="0" dirty="0" smtClean="0">
+                    <a:latin typeface="微软雅黑" panose="020B0503020204020204" pitchFamily="34" charset="-122"/>
+                    <a:ea typeface="微软雅黑" panose="020B0503020204020204" pitchFamily="34" charset="-122"/>
+                  </a:rPr>
+                  <a:t>用旋转实现，将在下一页讨论。</a:t>
+                </a:r>
+                <a:endParaRPr lang="en-US" altLang="zh-CN" sz="1600" kern="1200" baseline="0" dirty="0" smtClean="0">
+                  <a:latin typeface="微软雅黑" panose="020B0503020204020204" pitchFamily="34" charset="-122"/>
+                  <a:ea typeface="微软雅黑" panose="020B0503020204020204" pitchFamily="34" charset="-122"/>
+                </a:endParaRPr>
+              </a:p>
+              <a:p>
+                <a:pPr marL="0" marR="0" lvl="2" indent="0" algn="l" defTabSz="914400" rtl="0" eaLnBrk="1" fontAlgn="auto" latinLnBrk="0" hangingPunct="1">
+                  <a:lnSpc>
+                    <a:spcPct val="100000"/>
+                  </a:lnSpc>
+                  <a:spcBef>
+                    <a:spcPts val="0"/>
+                  </a:spcBef>
+                  <a:spcAft>
+                    <a:spcPts val="0"/>
+                  </a:spcAft>
+                  <a:buClrTx/>
+                  <a:buSzTx/>
+                  <a:buFontTx/>
+                  <a:buNone/>
+                  <a:tabLst/>
+                  <a:defRPr/>
+                </a:pPr>
+                <a:endParaRPr lang="en-US" altLang="zh-CN" sz="1600" kern="1200" baseline="0" dirty="0" smtClean="0">
+                  <a:latin typeface="微软雅黑" panose="020B0503020204020204" pitchFamily="34" charset="-122"/>
+                  <a:ea typeface="微软雅黑" panose="020B0503020204020204" pitchFamily="34" charset="-122"/>
+                </a:endParaRPr>
+              </a:p>
+              <a:p>
+                <a:pPr marL="0" marR="0" lvl="2" indent="0" algn="l" defTabSz="914400" rtl="0" eaLnBrk="1" fontAlgn="auto" latinLnBrk="0" hangingPunct="1">
+                  <a:lnSpc>
+                    <a:spcPct val="100000"/>
+                  </a:lnSpc>
+                  <a:spcBef>
+                    <a:spcPts val="0"/>
+                  </a:spcBef>
+                  <a:spcAft>
+                    <a:spcPts val="0"/>
+                  </a:spcAft>
+                  <a:buClrTx/>
+                  <a:buSzTx/>
+                  <a:buFontTx/>
+                  <a:buNone/>
+                  <a:tabLst/>
+                  <a:defRPr/>
+                </a:pPr>
+                <a:r>
+                  <a:rPr lang="en-US" altLang="zh-CN" sz="1600" kern="1200" baseline="0" dirty="0" smtClean="0">
+                    <a:latin typeface="微软雅黑" panose="020B0503020204020204" pitchFamily="34" charset="-122"/>
+                    <a:ea typeface="微软雅黑" panose="020B0503020204020204" pitchFamily="34" charset="-122"/>
+                  </a:rPr>
+                  <a:t>PAC</a:t>
+                </a:r>
+                <a:r>
+                  <a:rPr lang="zh-CN" altLang="en-US" sz="1600" kern="1200" baseline="0" dirty="0" smtClean="0">
+                    <a:latin typeface="微软雅黑" panose="020B0503020204020204" pitchFamily="34" charset="-122"/>
+                    <a:ea typeface="微软雅黑" panose="020B0503020204020204" pitchFamily="34" charset="-122"/>
+                  </a:rPr>
+                  <a:t>分为三块，地找查找、角度旋转、对称输出。参照右下角图片：</a:t>
+                </a:r>
+                <a:endParaRPr lang="en-US" altLang="zh-CN" sz="1600" kern="1200" baseline="0" dirty="0" smtClean="0">
+                  <a:latin typeface="微软雅黑" panose="020B0503020204020204" pitchFamily="34" charset="-122"/>
+                  <a:ea typeface="微软雅黑" panose="020B0503020204020204" pitchFamily="34" charset="-122"/>
+                </a:endParaRPr>
+              </a:p>
+              <a:p>
+                <a:pPr marL="0" marR="0" lvl="2" indent="0" algn="l" defTabSz="914400" rtl="0" eaLnBrk="1" fontAlgn="auto" latinLnBrk="0" hangingPunct="1">
+                  <a:lnSpc>
+                    <a:spcPct val="100000"/>
+                  </a:lnSpc>
+                  <a:spcBef>
+                    <a:spcPts val="0"/>
+                  </a:spcBef>
+                  <a:spcAft>
+                    <a:spcPts val="0"/>
+                  </a:spcAft>
+                  <a:buClrTx/>
+                  <a:buSzTx/>
+                  <a:buFontTx/>
+                  <a:buNone/>
+                  <a:tabLst/>
+                  <a:defRPr/>
+                </a:pPr>
+                <a:r>
+                  <a:rPr lang="zh-CN" altLang="en-US" sz="1600" kern="1200" baseline="0" dirty="0" smtClean="0">
+                    <a:latin typeface="微软雅黑" panose="020B0503020204020204" pitchFamily="34" charset="-122"/>
+                    <a:ea typeface="微软雅黑" panose="020B0503020204020204" pitchFamily="34" charset="-122"/>
+                  </a:rPr>
+                  <a:t>首先通过查表得到绿色的查表信号</a:t>
+                </a:r>
+                <a:endParaRPr lang="en-US" altLang="zh-CN" sz="1600" kern="1200" baseline="0" dirty="0" smtClean="0">
+                  <a:latin typeface="微软雅黑" panose="020B0503020204020204" pitchFamily="34" charset="-122"/>
+                  <a:ea typeface="微软雅黑" panose="020B0503020204020204" pitchFamily="34" charset="-122"/>
+                </a:endParaRPr>
+              </a:p>
+              <a:p>
+                <a:pPr marL="0" marR="0" lvl="2" indent="0" algn="l" defTabSz="914400" rtl="0" eaLnBrk="1" fontAlgn="auto" latinLnBrk="0" hangingPunct="1">
+                  <a:lnSpc>
+                    <a:spcPct val="100000"/>
+                  </a:lnSpc>
+                  <a:spcBef>
+                    <a:spcPts val="0"/>
+                  </a:spcBef>
+                  <a:spcAft>
+                    <a:spcPts val="0"/>
+                  </a:spcAft>
+                  <a:buClrTx/>
+                  <a:buSzTx/>
+                  <a:buFontTx/>
+                  <a:buNone/>
+                  <a:tabLst/>
+                  <a:defRPr/>
+                </a:pPr>
+                <a:r>
+                  <a:rPr lang="en-US" altLang="zh-CN" sz="1600" kern="1200" baseline="0" dirty="0" smtClean="0">
+                    <a:latin typeface="微软雅黑" panose="020B0503020204020204" pitchFamily="34" charset="-122"/>
+                    <a:ea typeface="微软雅黑" panose="020B0503020204020204" pitchFamily="34" charset="-122"/>
+                  </a:rPr>
+                  <a:t>CORDIC</a:t>
+                </a:r>
+                <a:r>
+                  <a:rPr lang="zh-CN" altLang="en-US" sz="1600" kern="1200" baseline="0" dirty="0" smtClean="0">
+                    <a:latin typeface="微软雅黑" panose="020B0503020204020204" pitchFamily="34" charset="-122"/>
+                    <a:ea typeface="微软雅黑" panose="020B0503020204020204" pitchFamily="34" charset="-122"/>
+                  </a:rPr>
+                  <a:t>旋转模块根据旋转索引进行左旋、右旋修正得到旋转信号</a:t>
+                </a:r>
+                <a:endParaRPr lang="en-US" altLang="zh-CN" sz="1600" kern="1200" baseline="0" dirty="0" smtClean="0">
+                  <a:latin typeface="微软雅黑" panose="020B0503020204020204" pitchFamily="34" charset="-122"/>
+                  <a:ea typeface="微软雅黑" panose="020B0503020204020204" pitchFamily="34" charset="-122"/>
+                </a:endParaRPr>
+              </a:p>
+              <a:p>
+                <a:pPr marL="0" marR="0" lvl="2" indent="0" algn="l" defTabSz="914400" rtl="0" eaLnBrk="1" fontAlgn="auto" latinLnBrk="0" hangingPunct="1">
+                  <a:lnSpc>
+                    <a:spcPct val="100000"/>
+                  </a:lnSpc>
+                  <a:spcBef>
+                    <a:spcPts val="0"/>
+                  </a:spcBef>
+                  <a:spcAft>
+                    <a:spcPts val="0"/>
+                  </a:spcAft>
+                  <a:buClrTx/>
+                  <a:buSzTx/>
+                  <a:buFontTx/>
+                  <a:buNone/>
+                  <a:tabLst/>
+                  <a:defRPr/>
+                </a:pPr>
+                <a:r>
+                  <a:rPr lang="zh-CN" altLang="en-US" sz="1600" kern="1200" baseline="0" dirty="0" smtClean="0">
+                    <a:latin typeface="微软雅黑" panose="020B0503020204020204" pitchFamily="34" charset="-122"/>
+                    <a:ea typeface="微软雅黑" panose="020B0503020204020204" pitchFamily="34" charset="-122"/>
+                  </a:rPr>
+                  <a:t>最终根据区间信息，对称得到正确的输出信号</a:t>
+                </a:r>
+                <a:endParaRPr lang="en-US" altLang="zh-CN" sz="1600" kern="1200" dirty="0">
+                  <a:latin typeface="微软雅黑" panose="020B0503020204020204" pitchFamily="34" charset="-122"/>
+                  <a:ea typeface="微软雅黑" panose="020B0503020204020204" pitchFamily="34" charset="-122"/>
+                </a:endParaRPr>
+              </a:p>
+            </p:txBody>
+          </p:sp>
+        </mc:Fallback>
+      </mc:AlternateContent>
       <p:sp>
         <p:nvSpPr>
           <p:cNvPr id="4" name="灯片编号占位符 3"/>
@@ -14213,15 +15868,24 @@
           <a:lstStyle/>
           <a:p>
             <a:r>
-              <a:rPr lang="zh-CN" altLang="en-US" sz="3600" dirty="0"/>
+              <a:rPr lang="zh-CN" altLang="en-US" sz="3600" dirty="0">
+                <a:latin typeface="黑体" panose="02010609060101010101" pitchFamily="49" charset="-122"/>
+                <a:ea typeface="黑体" panose="02010609060101010101" pitchFamily="49" charset="-122"/>
+              </a:rPr>
               <a:t>实施方案</a:t>
             </a:r>
             <a:r>
-              <a:rPr lang="en-US" altLang="zh-CN" sz="3600" dirty="0"/>
+              <a:rPr lang="en-US" altLang="zh-CN" sz="3600" dirty="0">
+                <a:latin typeface="黑体" panose="02010609060101010101" pitchFamily="49" charset="-122"/>
+                <a:ea typeface="黑体" panose="02010609060101010101" pitchFamily="49" charset="-122"/>
+              </a:rPr>
               <a:t>——</a:t>
             </a:r>
             <a:r>
-              <a:rPr lang="zh-CN" altLang="en-US" sz="3600" dirty="0"/>
+              <a:rPr lang="zh-CN" altLang="en-US" sz="3600" dirty="0">
+                <a:latin typeface="黑体" panose="02010609060101010101" pitchFamily="49" charset="-122"/>
+                <a:ea typeface="黑体" panose="02010609060101010101" pitchFamily="49" charset="-122"/>
+              </a:rPr>
               <a:t>噪声平衡</a:t>
             </a:r>
           </a:p>
@@ -14304,7 +15968,14 @@
                 <a:latin typeface="微软雅黑" panose="020B0503020204020204" pitchFamily="34" charset="-122"/>
                 <a:ea typeface="微软雅黑" panose="020B0503020204020204" pitchFamily="34" charset="-122"/>
               </a:rPr>
-              <a:t>索引截断产生</a:t>
+              <a:t>相位压缩</a:t>
+            </a:r>
+            <a:r>
+              <a:rPr lang="zh-CN" altLang="en-US" sz="1600" dirty="0" smtClean="0">
+                <a:latin typeface="微软雅黑" panose="020B0503020204020204" pitchFamily="34" charset="-122"/>
+                <a:ea typeface="微软雅黑" panose="020B0503020204020204" pitchFamily="34" charset="-122"/>
+              </a:rPr>
+              <a:t>产生</a:t>
             </a:r>
             <a:r>
               <a:rPr lang="zh-CN" altLang="en-US" sz="1600" b="1" dirty="0">
@@ -14339,7 +16010,14 @@
                 <a:latin typeface="微软雅黑" panose="020B0503020204020204" pitchFamily="34" charset="-122"/>
                 <a:ea typeface="微软雅黑" panose="020B0503020204020204" pitchFamily="34" charset="-122"/>
               </a:rPr>
-              <a:t>量化截断产生</a:t>
+              <a:t>输出量化</a:t>
+            </a:r>
+            <a:r>
+              <a:rPr lang="zh-CN" altLang="en-US" sz="1600" dirty="0" smtClean="0">
+                <a:latin typeface="微软雅黑" panose="020B0503020204020204" pitchFamily="34" charset="-122"/>
+                <a:ea typeface="微软雅黑" panose="020B0503020204020204" pitchFamily="34" charset="-122"/>
+              </a:rPr>
+              <a:t>产生</a:t>
             </a:r>
             <a:r>
               <a:rPr lang="zh-CN" altLang="en-US" sz="1600" b="1" dirty="0">
@@ -14353,7 +16031,14 @@
                 <a:latin typeface="微软雅黑" panose="020B0503020204020204" pitchFamily="34" charset="-122"/>
                 <a:ea typeface="微软雅黑" panose="020B0503020204020204" pitchFamily="34" charset="-122"/>
               </a:rPr>
-              <a:t>噪声，影响底噪</a:t>
+              <a:t>噪声，影响底</a:t>
+            </a:r>
+            <a:r>
+              <a:rPr lang="zh-CN" altLang="en-US" sz="1600" dirty="0" smtClean="0">
+                <a:latin typeface="微软雅黑" panose="020B0503020204020204" pitchFamily="34" charset="-122"/>
+                <a:ea typeface="微软雅黑" panose="020B0503020204020204" pitchFamily="34" charset="-122"/>
+              </a:rPr>
+              <a:t>噪</a:t>
             </a:r>
           </a:p>
           <a:p>
@@ -14366,7 +16051,7 @@
               </a:spcAft>
             </a:pPr>
             <a:r>
-              <a:rPr lang="zh-CN" altLang="en-US" sz="1600" dirty="0">
+              <a:rPr lang="zh-CN" altLang="en-US" sz="1600" dirty="0" smtClean="0">
                 <a:latin typeface="微软雅黑" panose="020B0503020204020204" pitchFamily="34" charset="-122"/>
                 <a:ea typeface="微软雅黑" panose="020B0503020204020204" pitchFamily="34" charset="-122"/>
               </a:rPr>
@@ -14419,7 +16104,7 @@
           <p:cNvPr id="10" name="组合 9">
             <a:extLst>
               <a:ext uri="{FF2B5EF4-FFF2-40B4-BE49-F238E27FC236}">
-                <a16:creationId xmlns:a16="http://schemas.microsoft.com/office/drawing/2014/main" id="{4DD9D7DF-D2A9-48F0-8613-66CCA440EF90}"/>
+                <a16:creationId xmlns:a16="http://schemas.microsoft.com/office/drawing/2014/main" xmlns="" id="{4DD9D7DF-D2A9-48F0-8613-66CCA440EF90}"/>
               </a:ext>
             </a:extLst>
           </p:cNvPr>
@@ -14835,7 +16520,7 @@
                         <a:latin typeface="微软雅黑" panose="020B0503020204020204" pitchFamily="34" charset="-122"/>
                         <a:ea typeface="微软雅黑" panose="020B0503020204020204" pitchFamily="34" charset="-122"/>
                       </a:rPr>
-                      <a:t>索引</a:t>
+                      <a:t>相位</a:t>
                     </a:r>
                     <a:endParaRPr lang="en-US" altLang="zh-CN" sz="1600" dirty="0">
                       <a:latin typeface="微软雅黑" panose="020B0503020204020204" pitchFamily="34" charset="-122"/>
@@ -15058,7 +16743,7 @@
           <p:cNvPr id="46" name="内容占位符 2">
             <a:extLst>
               <a:ext uri="{FF2B5EF4-FFF2-40B4-BE49-F238E27FC236}">
-                <a16:creationId xmlns:a16="http://schemas.microsoft.com/office/drawing/2014/main" id="{046C888F-2A1E-465C-80A4-AACC140F0EAF}"/>
+                <a16:creationId xmlns:a16="http://schemas.microsoft.com/office/drawing/2014/main" xmlns="" id="{046C888F-2A1E-465C-80A4-AACC140F0EAF}"/>
               </a:ext>
             </a:extLst>
           </p:cNvPr>
@@ -15069,7 +16754,7 @@
         </p:nvSpPr>
         <p:spPr bwMode="auto">
           <a:xfrm>
-            <a:off x="327111" y="4330706"/>
+            <a:off x="327111" y="4765620"/>
             <a:ext cx="8702589" cy="2196517"/>
           </a:xfrm>
           <a:prstGeom prst="rect">
@@ -15274,11 +16959,18 @@
               </a:spcAft>
             </a:pPr>
             <a:r>
+              <a:rPr lang="zh-CN" altLang="en-US" sz="1600" kern="0" dirty="0" smtClean="0">
+                <a:latin typeface="微软雅黑" panose="020B0503020204020204" pitchFamily="34" charset="-122"/>
+                <a:ea typeface="微软雅黑" panose="020B0503020204020204" pitchFamily="34" charset="-122"/>
+              </a:rPr>
+              <a:t>增加查找表索引</a:t>
+            </a:r>
+            <a:r>
               <a:rPr lang="zh-CN" altLang="en-US" sz="1600" kern="0" dirty="0">
                 <a:latin typeface="微软雅黑" panose="020B0503020204020204" pitchFamily="34" charset="-122"/>
                 <a:ea typeface="微软雅黑" panose="020B0503020204020204" pitchFamily="34" charset="-122"/>
               </a:rPr>
-              <a:t>减少旋转索引占比，降低噪声</a:t>
+              <a:t>占比，降低噪声</a:t>
             </a:r>
             <a:r>
               <a:rPr lang="en-US" altLang="zh-CN" sz="1600" kern="0" dirty="0">
@@ -15298,41 +16990,90 @@
               </a:spcAft>
             </a:pPr>
             <a:r>
+              <a:rPr lang="zh-CN" altLang="en-US" sz="1300" dirty="0" smtClean="0">
+                <a:latin typeface="微软雅黑" panose="020B0503020204020204" pitchFamily="34" charset="-122"/>
+                <a:ea typeface="微软雅黑" panose="020B0503020204020204" pitchFamily="34" charset="-122"/>
+              </a:rPr>
+              <a:t>影响：</a:t>
+            </a:r>
+            <a:r>
+              <a:rPr lang="zh-CN" altLang="en-US" sz="1300" dirty="0" smtClean="0">
+                <a:latin typeface="微软雅黑" panose="020B0503020204020204" pitchFamily="34" charset="-122"/>
+                <a:ea typeface="微软雅黑" panose="020B0503020204020204" pitchFamily="34" charset="-122"/>
+              </a:rPr>
+              <a:t>查找</a:t>
+            </a:r>
+            <a:r>
               <a:rPr lang="zh-CN" altLang="en-US" sz="1300" dirty="0">
                 <a:latin typeface="微软雅黑" panose="020B0503020204020204" pitchFamily="34" charset="-122"/>
                 <a:ea typeface="微软雅黑" panose="020B0503020204020204" pitchFamily="34" charset="-122"/>
               </a:rPr>
-              <a:t>噪声</a:t>
-            </a:r>
-            <a:r>
-              <a:rPr lang="en-US" altLang="zh-CN" sz="1300" dirty="0">
+              <a:t>表面积持续增大，存储器访存速度减慢</a:t>
+            </a:r>
+            <a:endParaRPr lang="en-US" altLang="zh-CN" sz="1300" dirty="0">
+              <a:latin typeface="微软雅黑" panose="020B0503020204020204" pitchFamily="34" charset="-122"/>
+              <a:ea typeface="微软雅黑" panose="020B0503020204020204" pitchFamily="34" charset="-122"/>
+            </a:endParaRPr>
+          </a:p>
+          <a:p>
+            <a:pPr lvl="2">
+              <a:spcBef>
+                <a:spcPts val="300"/>
+              </a:spcBef>
+              <a:spcAft>
+                <a:spcPts val="300"/>
+              </a:spcAft>
+            </a:pPr>
+            <a:r>
+              <a:rPr lang="zh-CN" altLang="en-US" sz="1600" kern="0" dirty="0">
                 <a:latin typeface="微软雅黑" panose="020B0503020204020204" pitchFamily="34" charset="-122"/>
                 <a:ea typeface="微软雅黑" panose="020B0503020204020204" pitchFamily="34" charset="-122"/>
               </a:rPr>
-              <a:t>II</a:t>
-            </a:r>
-            <a:r>
-              <a:rPr lang="zh-CN" altLang="en-US" sz="1300" dirty="0">
+              <a:t>约束条件：</a:t>
+            </a:r>
+            <a:r>
+              <a:rPr lang="zh-CN" altLang="en-US" sz="1600" b="1" kern="0" dirty="0">
                 <a:latin typeface="微软雅黑" panose="020B0503020204020204" pitchFamily="34" charset="-122"/>
                 <a:ea typeface="微软雅黑" panose="020B0503020204020204" pitchFamily="34" charset="-122"/>
               </a:rPr>
-              <a:t>较大时，随噪声</a:t>
-            </a:r>
-            <a:r>
-              <a:rPr lang="en-US" altLang="zh-CN" sz="1300" dirty="0">
+              <a:t>查找表索引</a:t>
+            </a:r>
+            <a:r>
+              <a:rPr lang="en-US" altLang="zh-CN" sz="1600" b="1" kern="0" dirty="0">
                 <a:latin typeface="微软雅黑" panose="020B0503020204020204" pitchFamily="34" charset="-122"/>
                 <a:ea typeface="微软雅黑" panose="020B0503020204020204" pitchFamily="34" charset="-122"/>
               </a:rPr>
-              <a:t>II</a:t>
-            </a:r>
-            <a:r>
-              <a:rPr lang="zh-CN" altLang="en-US" sz="1300" dirty="0">
+              <a:t>+1 ≤ </a:t>
+            </a:r>
+            <a:r>
+              <a:rPr lang="zh-CN" altLang="en-US" sz="1600" b="1" kern="0" dirty="0">
                 <a:latin typeface="微软雅黑" panose="020B0503020204020204" pitchFamily="34" charset="-122"/>
                 <a:ea typeface="微软雅黑" panose="020B0503020204020204" pitchFamily="34" charset="-122"/>
               </a:rPr>
-              <a:t>降低，输出杂散变小</a:t>
-            </a:r>
-            <a:endParaRPr lang="en-US" altLang="zh-CN" sz="1300" dirty="0">
+              <a:t>旋转索引</a:t>
+            </a:r>
+            <a:r>
+              <a:rPr lang="zh-CN" altLang="en-US" sz="1600" kern="0" dirty="0">
+                <a:latin typeface="微软雅黑" panose="020B0503020204020204" pitchFamily="34" charset="-122"/>
+                <a:ea typeface="微软雅黑" panose="020B0503020204020204" pitchFamily="34" charset="-122"/>
+              </a:rPr>
+              <a:t>（实验</a:t>
+            </a:r>
+            <a:r>
+              <a:rPr lang="en-US" altLang="zh-CN" sz="1600" kern="0" dirty="0">
+                <a:latin typeface="微软雅黑" panose="020B0503020204020204" pitchFamily="34" charset="-122"/>
+                <a:ea typeface="微软雅黑" panose="020B0503020204020204" pitchFamily="34" charset="-122"/>
+              </a:rPr>
+              <a:t>&amp;</a:t>
+            </a:r>
+            <a:r>
+              <a:rPr lang="zh-CN" altLang="en-US" sz="1600" kern="0" dirty="0">
+                <a:latin typeface="微软雅黑" panose="020B0503020204020204" pitchFamily="34" charset="-122"/>
+                <a:ea typeface="微软雅黑" panose="020B0503020204020204" pitchFamily="34" charset="-122"/>
+              </a:rPr>
+              <a:t>计算得到）</a:t>
+            </a:r>
+            <a:endParaRPr lang="en-US" altLang="zh-CN" sz="1600" kern="0" dirty="0">
               <a:latin typeface="微软雅黑" panose="020B0503020204020204" pitchFamily="34" charset="-122"/>
               <a:ea typeface="微软雅黑" panose="020B0503020204020204" pitchFamily="34" charset="-122"/>
             </a:endParaRPr>
@@ -15351,7 +17092,7 @@
                 <a:latin typeface="微软雅黑" panose="020B0503020204020204" pitchFamily="34" charset="-122"/>
                 <a:ea typeface="微软雅黑" panose="020B0503020204020204" pitchFamily="34" charset="-122"/>
               </a:rPr>
-              <a:t>噪声</a:t>
+              <a:t>此约束外，噪声</a:t>
             </a:r>
             <a:r>
               <a:rPr lang="en-US" altLang="zh-CN" sz="1300" dirty="0">
@@ -15365,7 +17106,7 @@
                 <a:latin typeface="微软雅黑" panose="020B0503020204020204" pitchFamily="34" charset="-122"/>
                 <a:ea typeface="微软雅黑" panose="020B0503020204020204" pitchFamily="34" charset="-122"/>
               </a:rPr>
-              <a:t>过小时，被噪声</a:t>
+              <a:t>被噪声</a:t>
             </a:r>
             <a:r>
               <a:rPr lang="en-US" altLang="zh-CN" sz="1300" dirty="0">
@@ -15379,136 +17120,17 @@
                 <a:latin typeface="微软雅黑" panose="020B0503020204020204" pitchFamily="34" charset="-122"/>
                 <a:ea typeface="微软雅黑" panose="020B0503020204020204" pitchFamily="34" charset="-122"/>
               </a:rPr>
-              <a:t>掩盖，输出杂散不变</a:t>
+              <a:t>掩盖；约束条件内，通过增加噪声可换取速度提升</a:t>
             </a:r>
             <a:endParaRPr lang="en-US" altLang="zh-CN" sz="1300" dirty="0">
               <a:latin typeface="微软雅黑" panose="020B0503020204020204" pitchFamily="34" charset="-122"/>
               <a:ea typeface="微软雅黑" panose="020B0503020204020204" pitchFamily="34" charset="-122"/>
             </a:endParaRPr>
           </a:p>
-          <a:p>
-            <a:pPr lvl="3">
-              <a:spcBef>
-                <a:spcPts val="300"/>
-              </a:spcBef>
-              <a:spcAft>
-                <a:spcPts val="300"/>
-              </a:spcAft>
-            </a:pPr>
-            <a:r>
-              <a:rPr lang="zh-CN" altLang="en-US" sz="1300" dirty="0">
-                <a:latin typeface="微软雅黑" panose="020B0503020204020204" pitchFamily="34" charset="-122"/>
-                <a:ea typeface="微软雅黑" panose="020B0503020204020204" pitchFamily="34" charset="-122"/>
-              </a:rPr>
-              <a:t>查找表面积持续增大，存储器访存速度减慢</a:t>
-            </a:r>
-            <a:endParaRPr lang="en-US" altLang="zh-CN" sz="1300" dirty="0">
-              <a:latin typeface="微软雅黑" panose="020B0503020204020204" pitchFamily="34" charset="-122"/>
-              <a:ea typeface="微软雅黑" panose="020B0503020204020204" pitchFamily="34" charset="-122"/>
-            </a:endParaRPr>
-          </a:p>
-          <a:p>
-            <a:pPr lvl="2">
-              <a:spcBef>
-                <a:spcPts val="300"/>
-              </a:spcBef>
-              <a:spcAft>
-                <a:spcPts val="300"/>
-              </a:spcAft>
-            </a:pPr>
-            <a:r>
-              <a:rPr lang="zh-CN" altLang="en-US" sz="1600" kern="0" dirty="0">
-                <a:latin typeface="微软雅黑" panose="020B0503020204020204" pitchFamily="34" charset="-122"/>
-                <a:ea typeface="微软雅黑" panose="020B0503020204020204" pitchFamily="34" charset="-122"/>
-              </a:rPr>
-              <a:t>约束条件：查找表索引</a:t>
-            </a:r>
-            <a:r>
-              <a:rPr lang="en-US" altLang="zh-CN" sz="1600" kern="0" dirty="0">
-                <a:latin typeface="微软雅黑" panose="020B0503020204020204" pitchFamily="34" charset="-122"/>
-                <a:ea typeface="微软雅黑" panose="020B0503020204020204" pitchFamily="34" charset="-122"/>
-              </a:rPr>
-              <a:t>+1 ≤ </a:t>
-            </a:r>
-            <a:r>
-              <a:rPr lang="zh-CN" altLang="en-US" sz="1600" kern="0" dirty="0">
-                <a:latin typeface="微软雅黑" panose="020B0503020204020204" pitchFamily="34" charset="-122"/>
-                <a:ea typeface="微软雅黑" panose="020B0503020204020204" pitchFamily="34" charset="-122"/>
-              </a:rPr>
-              <a:t>旋转索引（实验</a:t>
-            </a:r>
-            <a:r>
-              <a:rPr lang="en-US" altLang="zh-CN" sz="1600" kern="0" dirty="0">
-                <a:latin typeface="微软雅黑" panose="020B0503020204020204" pitchFamily="34" charset="-122"/>
-                <a:ea typeface="微软雅黑" panose="020B0503020204020204" pitchFamily="34" charset="-122"/>
-              </a:rPr>
-              <a:t>&amp;</a:t>
-            </a:r>
-            <a:r>
-              <a:rPr lang="zh-CN" altLang="en-US" sz="1600" kern="0" dirty="0">
-                <a:latin typeface="微软雅黑" panose="020B0503020204020204" pitchFamily="34" charset="-122"/>
-                <a:ea typeface="微软雅黑" panose="020B0503020204020204" pitchFamily="34" charset="-122"/>
-              </a:rPr>
-              <a:t>计算得到）</a:t>
-            </a:r>
-            <a:endParaRPr lang="en-US" altLang="zh-CN" sz="1600" kern="0" dirty="0">
-              <a:latin typeface="微软雅黑" panose="020B0503020204020204" pitchFamily="34" charset="-122"/>
-              <a:ea typeface="微软雅黑" panose="020B0503020204020204" pitchFamily="34" charset="-122"/>
-            </a:endParaRPr>
-          </a:p>
-          <a:p>
-            <a:pPr lvl="3">
-              <a:spcBef>
-                <a:spcPts val="300"/>
-              </a:spcBef>
-              <a:spcAft>
-                <a:spcPts val="300"/>
-              </a:spcAft>
-            </a:pPr>
-            <a:r>
-              <a:rPr lang="zh-CN" altLang="en-US" sz="1200" kern="0" dirty="0">
-                <a:latin typeface="微软雅黑" panose="020B0503020204020204" pitchFamily="34" charset="-122"/>
-                <a:ea typeface="微软雅黑" panose="020B0503020204020204" pitchFamily="34" charset="-122"/>
-              </a:rPr>
-              <a:t>此约束外，噪声</a:t>
-            </a:r>
-            <a:r>
-              <a:rPr lang="en-US" altLang="zh-CN" sz="1200" kern="0" dirty="0">
-                <a:latin typeface="微软雅黑" panose="020B0503020204020204" pitchFamily="34" charset="-122"/>
-                <a:ea typeface="微软雅黑" panose="020B0503020204020204" pitchFamily="34" charset="-122"/>
-              </a:rPr>
-              <a:t>II</a:t>
-            </a:r>
-            <a:r>
-              <a:rPr lang="zh-CN" altLang="en-US" sz="1200" kern="0" dirty="0">
-                <a:latin typeface="微软雅黑" panose="020B0503020204020204" pitchFamily="34" charset="-122"/>
-                <a:ea typeface="微软雅黑" panose="020B0503020204020204" pitchFamily="34" charset="-122"/>
-              </a:rPr>
-              <a:t>被噪声</a:t>
-            </a:r>
-            <a:r>
-              <a:rPr lang="en-US" altLang="zh-CN" sz="1200" kern="0" dirty="0">
-                <a:latin typeface="微软雅黑" panose="020B0503020204020204" pitchFamily="34" charset="-122"/>
-                <a:ea typeface="微软雅黑" panose="020B0503020204020204" pitchFamily="34" charset="-122"/>
-              </a:rPr>
-              <a:t>I</a:t>
-            </a:r>
-            <a:r>
-              <a:rPr lang="zh-CN" altLang="en-US" sz="1200" kern="0" dirty="0">
-                <a:latin typeface="微软雅黑" panose="020B0503020204020204" pitchFamily="34" charset="-122"/>
-                <a:ea typeface="微软雅黑" panose="020B0503020204020204" pitchFamily="34" charset="-122"/>
-              </a:rPr>
-              <a:t>掩盖；约束条件内，通过增加噪声可换取速度提升</a:t>
-            </a:r>
-            <a:endParaRPr lang="en-US" altLang="zh-CN" sz="1300" kern="0" dirty="0">
-              <a:latin typeface="微软雅黑" panose="020B0503020204020204" pitchFamily="34" charset="-122"/>
-              <a:ea typeface="微软雅黑" panose="020B0503020204020204" pitchFamily="34" charset="-122"/>
-            </a:endParaRPr>
-          </a:p>
         </p:txBody>
       </p:sp>
-      <mc:AlternateContent xmlns:mc="http://schemas.openxmlformats.org/markup-compatibility/2006" xmlns:a14="http://schemas.microsoft.com/office/drawing/2010/main">
-        <mc:Choice Requires="a14">
+      <mc:AlternateContent xmlns:mc="http://schemas.openxmlformats.org/markup-compatibility/2006">
+        <mc:Choice xmlns:a14="http://schemas.microsoft.com/office/drawing/2010/main" Requires="a14">
           <p:sp>
             <p:nvSpPr>
               <p:cNvPr id="34" name="内容占位符 2"/>
@@ -15520,7 +17142,7 @@
             <p:spPr bwMode="auto">
               <a:xfrm>
                 <a:off x="327111" y="3426182"/>
-                <a:ext cx="8021060" cy="829553"/>
+                <a:ext cx="8021060" cy="1293749"/>
               </a:xfrm>
               <a:prstGeom prst="rect">
                 <a:avLst/>
@@ -15925,6 +17547,83 @@
                     </m:r>
                   </m:oMath>
                 </a14:m>
+                <a:endParaRPr lang="en-US" altLang="zh-CN" sz="1600" kern="0" dirty="0" smtClean="0">
+                  <a:latin typeface="微软雅黑" panose="020B0503020204020204" pitchFamily="34" charset="-122"/>
+                  <a:ea typeface="微软雅黑" panose="020B0503020204020204" pitchFamily="34" charset="-122"/>
+                </a:endParaRPr>
+              </a:p>
+              <a:p>
+                <a:pPr lvl="2">
+                  <a:spcBef>
+                    <a:spcPts val="300"/>
+                  </a:spcBef>
+                  <a:spcAft>
+                    <a:spcPts val="300"/>
+                  </a:spcAft>
+                </a:pPr>
+                <a:r>
+                  <a:rPr lang="zh-CN" altLang="en-US" sz="1600" kern="0" dirty="0" smtClean="0">
+                    <a:latin typeface="微软雅黑" panose="020B0503020204020204" pitchFamily="34" charset="-122"/>
+                    <a:ea typeface="微软雅黑" panose="020B0503020204020204" pitchFamily="34" charset="-122"/>
+                  </a:rPr>
+                  <a:t>旋转角度</a:t>
+                </a:r>
+                <a14:m>
+                  <m:oMath xmlns:m="http://schemas.openxmlformats.org/officeDocument/2006/math">
+                    <m:sSub>
+                      <m:sSubPr>
+                        <m:ctrlPr>
+                          <a:rPr lang="en-US" altLang="zh-CN" sz="1600" i="1">
+                            <a:latin typeface="Cambria Math" panose="02040503050406030204" pitchFamily="18" charset="0"/>
+                          </a:rPr>
+                        </m:ctrlPr>
+                      </m:sSubPr>
+                      <m:e>
+                        <m:r>
+                          <m:rPr>
+                            <m:sty m:val="p"/>
+                          </m:rPr>
+                          <a:rPr lang="zh-CN" altLang="en-US" sz="1600">
+                            <a:latin typeface="Cambria Math" panose="02040503050406030204" pitchFamily="18" charset="0"/>
+                          </a:rPr>
+                          <m:t>θ</m:t>
+                        </m:r>
+                      </m:e>
+                      <m:sub>
+                        <m:r>
+                          <m:rPr>
+                            <m:sty m:val="p"/>
+                          </m:rPr>
+                          <a:rPr lang="en-US" altLang="zh-CN" sz="1600">
+                            <a:latin typeface="Cambria Math" panose="02040503050406030204" pitchFamily="18" charset="0"/>
+                          </a:rPr>
+                          <m:t>R</m:t>
+                        </m:r>
+                      </m:sub>
+                    </m:sSub>
+                  </m:oMath>
+                </a14:m>
+                <a:r>
+                  <a:rPr lang="zh-CN" altLang="en-US" sz="1600" kern="0" dirty="0" smtClean="0">
+                    <a:latin typeface="微软雅黑" panose="020B0503020204020204" pitchFamily="34" charset="-122"/>
+                    <a:ea typeface="微软雅黑" panose="020B0503020204020204" pitchFamily="34" charset="-122"/>
+                  </a:rPr>
+                  <a:t>减小，噪声</a:t>
+                </a:r>
+                <a:r>
+                  <a:rPr lang="en-US" altLang="zh-CN" sz="1600" kern="0" dirty="0" smtClean="0">
+                    <a:latin typeface="微软雅黑" panose="020B0503020204020204" pitchFamily="34" charset="-122"/>
+                    <a:ea typeface="微软雅黑" panose="020B0503020204020204" pitchFamily="34" charset="-122"/>
+                  </a:rPr>
+                  <a:t>II</a:t>
+                </a:r>
+                <a:r>
+                  <a:rPr lang="zh-CN" altLang="en-US" sz="1600" kern="0" dirty="0" smtClean="0">
+                    <a:latin typeface="微软雅黑" panose="020B0503020204020204" pitchFamily="34" charset="-122"/>
+                    <a:ea typeface="微软雅黑" panose="020B0503020204020204" pitchFamily="34" charset="-122"/>
+                  </a:rPr>
+                  <a:t>相应减少</a:t>
+                </a:r>
                 <a:endParaRPr lang="en-US" altLang="zh-CN" sz="1600" kern="0" dirty="0">
                   <a:latin typeface="微软雅黑" panose="020B0503020204020204" pitchFamily="34" charset="-122"/>
                   <a:ea typeface="微软雅黑" panose="020B0503020204020204" pitchFamily="34" charset="-122"/>
@@ -15933,7 +17632,7 @@
             </p:txBody>
           </p:sp>
         </mc:Choice>
-        <mc:Fallback xmlns="">
+        <mc:Fallback>
           <p:sp>
             <p:nvSpPr>
               <p:cNvPr id="34" name="内容占位符 2"/>
@@ -15945,7 +17644,7 @@
             <p:spPr bwMode="auto">
               <a:xfrm>
                 <a:off x="327111" y="3426182"/>
-                <a:ext cx="8021060" cy="829553"/>
+                <a:ext cx="8021060" cy="1293749"/>
               </a:xfrm>
               <a:prstGeom prst="rect">
                 <a:avLst/>
@@ -15953,7 +17652,7 @@
               <a:blipFill rotWithShape="0">
                 <a:blip r:embed="rId5"/>
                 <a:stretch>
-                  <a:fillRect t="-9559" b="-13971"/>
+                  <a:fillRect t="-6132" b="-2358"/>
                 </a:stretch>
               </a:blipFill>
               <a:ln w="9525">
@@ -16231,13 +17930,13 @@
           <p:nvPr>
             <p:extLst>
               <p:ext uri="{D42A27DB-BD31-4B8C-83A1-F6EECF244321}">
-                <p14:modId xmlns:p14="http://schemas.microsoft.com/office/powerpoint/2010/main" val="3435580667"/>
+                <p14:modId xmlns:p14="http://schemas.microsoft.com/office/powerpoint/2010/main" val="2767323570"/>
               </p:ext>
             </p:extLst>
           </p:nvPr>
         </p:nvGraphicFramePr>
         <p:xfrm>
-          <a:off x="2156413" y="2686360"/>
+          <a:off x="2196165" y="2686360"/>
           <a:ext cx="5462576" cy="348304"/>
         </p:xfrm>
         <a:graphic>
@@ -16250,112 +17949,112 @@
                 <a:gridCol w="341411">
                   <a:extLst>
                     <a:ext uri="{9D8B030D-6E8A-4147-A177-3AD203B41FA5}">
-                      <a16:colId xmlns:a16="http://schemas.microsoft.com/office/drawing/2014/main" val="20000"/>
+                      <a16:colId xmlns:a16="http://schemas.microsoft.com/office/drawing/2014/main" xmlns="" val="20000"/>
                     </a:ext>
                   </a:extLst>
                 </a:gridCol>
                 <a:gridCol w="341411">
                   <a:extLst>
                     <a:ext uri="{9D8B030D-6E8A-4147-A177-3AD203B41FA5}">
-                      <a16:colId xmlns:a16="http://schemas.microsoft.com/office/drawing/2014/main" val="20001"/>
+                      <a16:colId xmlns:a16="http://schemas.microsoft.com/office/drawing/2014/main" xmlns="" val="20001"/>
                     </a:ext>
                   </a:extLst>
                 </a:gridCol>
                 <a:gridCol w="341411">
                   <a:extLst>
                     <a:ext uri="{9D8B030D-6E8A-4147-A177-3AD203B41FA5}">
-                      <a16:colId xmlns:a16="http://schemas.microsoft.com/office/drawing/2014/main" val="20002"/>
+                      <a16:colId xmlns:a16="http://schemas.microsoft.com/office/drawing/2014/main" xmlns="" val="20002"/>
                     </a:ext>
                   </a:extLst>
                 </a:gridCol>
                 <a:gridCol w="341411">
                   <a:extLst>
                     <a:ext uri="{9D8B030D-6E8A-4147-A177-3AD203B41FA5}">
-                      <a16:colId xmlns:a16="http://schemas.microsoft.com/office/drawing/2014/main" val="20003"/>
+                      <a16:colId xmlns:a16="http://schemas.microsoft.com/office/drawing/2014/main" xmlns="" val="20003"/>
                     </a:ext>
                   </a:extLst>
                 </a:gridCol>
                 <a:gridCol w="341411">
                   <a:extLst>
                     <a:ext uri="{9D8B030D-6E8A-4147-A177-3AD203B41FA5}">
-                      <a16:colId xmlns:a16="http://schemas.microsoft.com/office/drawing/2014/main" val="20004"/>
+                      <a16:colId xmlns:a16="http://schemas.microsoft.com/office/drawing/2014/main" xmlns="" val="20004"/>
                     </a:ext>
                   </a:extLst>
                 </a:gridCol>
                 <a:gridCol w="341411">
                   <a:extLst>
                     <a:ext uri="{9D8B030D-6E8A-4147-A177-3AD203B41FA5}">
-                      <a16:colId xmlns:a16="http://schemas.microsoft.com/office/drawing/2014/main" val="20005"/>
+                      <a16:colId xmlns:a16="http://schemas.microsoft.com/office/drawing/2014/main" xmlns="" val="20005"/>
                     </a:ext>
                   </a:extLst>
                 </a:gridCol>
                 <a:gridCol w="341411">
                   <a:extLst>
                     <a:ext uri="{9D8B030D-6E8A-4147-A177-3AD203B41FA5}">
-                      <a16:colId xmlns:a16="http://schemas.microsoft.com/office/drawing/2014/main" val="20006"/>
+                      <a16:colId xmlns:a16="http://schemas.microsoft.com/office/drawing/2014/main" xmlns="" val="20006"/>
                     </a:ext>
                   </a:extLst>
                 </a:gridCol>
                 <a:gridCol w="341411">
                   <a:extLst>
                     <a:ext uri="{9D8B030D-6E8A-4147-A177-3AD203B41FA5}">
-                      <a16:colId xmlns:a16="http://schemas.microsoft.com/office/drawing/2014/main" val="20007"/>
+                      <a16:colId xmlns:a16="http://schemas.microsoft.com/office/drawing/2014/main" xmlns="" val="20007"/>
                     </a:ext>
                   </a:extLst>
                 </a:gridCol>
                 <a:gridCol w="341411">
                   <a:extLst>
                     <a:ext uri="{9D8B030D-6E8A-4147-A177-3AD203B41FA5}">
-                      <a16:colId xmlns:a16="http://schemas.microsoft.com/office/drawing/2014/main" val="20008"/>
+                      <a16:colId xmlns:a16="http://schemas.microsoft.com/office/drawing/2014/main" xmlns="" val="20008"/>
                     </a:ext>
                   </a:extLst>
                 </a:gridCol>
                 <a:gridCol w="341411">
                   <a:extLst>
                     <a:ext uri="{9D8B030D-6E8A-4147-A177-3AD203B41FA5}">
-                      <a16:colId xmlns:a16="http://schemas.microsoft.com/office/drawing/2014/main" val="20009"/>
+                      <a16:colId xmlns:a16="http://schemas.microsoft.com/office/drawing/2014/main" xmlns="" val="20009"/>
                     </a:ext>
                   </a:extLst>
                 </a:gridCol>
                 <a:gridCol w="341411">
                   <a:extLst>
                     <a:ext uri="{9D8B030D-6E8A-4147-A177-3AD203B41FA5}">
-                      <a16:colId xmlns:a16="http://schemas.microsoft.com/office/drawing/2014/main" val="20010"/>
+                      <a16:colId xmlns:a16="http://schemas.microsoft.com/office/drawing/2014/main" xmlns="" val="20010"/>
                     </a:ext>
                   </a:extLst>
                 </a:gridCol>
                 <a:gridCol w="341411">
                   <a:extLst>
                     <a:ext uri="{9D8B030D-6E8A-4147-A177-3AD203B41FA5}">
-                      <a16:colId xmlns:a16="http://schemas.microsoft.com/office/drawing/2014/main" val="20011"/>
+                      <a16:colId xmlns:a16="http://schemas.microsoft.com/office/drawing/2014/main" xmlns="" val="20011"/>
                     </a:ext>
                   </a:extLst>
                 </a:gridCol>
                 <a:gridCol w="341411">
                   <a:extLst>
                     <a:ext uri="{9D8B030D-6E8A-4147-A177-3AD203B41FA5}">
-                      <a16:colId xmlns:a16="http://schemas.microsoft.com/office/drawing/2014/main" val="20012"/>
+                      <a16:colId xmlns:a16="http://schemas.microsoft.com/office/drawing/2014/main" xmlns="" val="20012"/>
                     </a:ext>
                   </a:extLst>
                 </a:gridCol>
                 <a:gridCol w="341411">
                   <a:extLst>
                     <a:ext uri="{9D8B030D-6E8A-4147-A177-3AD203B41FA5}">
-                      <a16:colId xmlns:a16="http://schemas.microsoft.com/office/drawing/2014/main" val="20013"/>
+                      <a16:colId xmlns:a16="http://schemas.microsoft.com/office/drawing/2014/main" xmlns="" val="20013"/>
                     </a:ext>
                   </a:extLst>
                 </a:gridCol>
                 <a:gridCol w="341411">
                   <a:extLst>
                     <a:ext uri="{9D8B030D-6E8A-4147-A177-3AD203B41FA5}">
-                      <a16:colId xmlns:a16="http://schemas.microsoft.com/office/drawing/2014/main" val="20014"/>
+                      <a16:colId xmlns:a16="http://schemas.microsoft.com/office/drawing/2014/main" xmlns="" val="20014"/>
                     </a:ext>
                   </a:extLst>
                 </a:gridCol>
                 <a:gridCol w="341411">
                   <a:extLst>
                     <a:ext uri="{9D8B030D-6E8A-4147-A177-3AD203B41FA5}">
-                      <a16:colId xmlns:a16="http://schemas.microsoft.com/office/drawing/2014/main" val="20015"/>
+                      <a16:colId xmlns:a16="http://schemas.microsoft.com/office/drawing/2014/main" xmlns="" val="20015"/>
                     </a:ext>
                   </a:extLst>
                 </a:gridCol>
@@ -17187,7 +18886,7 @@
                 </a:tc>
                 <a:extLst>
                   <a:ext uri="{0D108BD9-81ED-4DB2-BD59-A6C34878D82A}">
-                    <a16:rowId xmlns:a16="http://schemas.microsoft.com/office/drawing/2014/main" val="10000"/>
+                    <a16:rowId xmlns:a16="http://schemas.microsoft.com/office/drawing/2014/main" xmlns="" val="10000"/>
                   </a:ext>
                 </a:extLst>
               </a:tr>
@@ -17284,56 +18983,25 @@
           <a:lstStyle/>
           <a:p>
             <a:r>
-              <a:rPr lang="zh-CN" altLang="en-US" sz="3600" dirty="0"/>
+              <a:rPr lang="zh-CN" altLang="en-US" sz="3600" dirty="0">
+                <a:latin typeface="黑体" panose="02010609060101010101" pitchFamily="49" charset="-122"/>
+                <a:ea typeface="黑体" panose="02010609060101010101" pitchFamily="49" charset="-122"/>
+              </a:rPr>
               <a:t>实施方案</a:t>
             </a:r>
             <a:r>
-              <a:rPr lang="en-US" altLang="zh-CN" sz="3600" dirty="0"/>
+              <a:rPr lang="en-US" altLang="zh-CN" sz="3600" dirty="0">
+                <a:latin typeface="黑体" panose="02010609060101010101" pitchFamily="49" charset="-122"/>
+                <a:ea typeface="黑体" panose="02010609060101010101" pitchFamily="49" charset="-122"/>
+              </a:rPr>
               <a:t>——</a:t>
             </a:r>
             <a:r>
-              <a:rPr lang="zh-CN" altLang="en-US" sz="3600" dirty="0"/>
+              <a:rPr lang="zh-CN" altLang="en-US" sz="3600" dirty="0">
+                <a:latin typeface="黑体" panose="02010609060101010101" pitchFamily="49" charset="-122"/>
+                <a:ea typeface="黑体" panose="02010609060101010101" pitchFamily="49" charset="-122"/>
+              </a:rPr>
               <a:t>流水线结构</a:t>
-            </a:r>
-          </a:p>
-        </p:txBody>
-      </p:sp>
-      <p:sp>
-        <p:nvSpPr>
-          <p:cNvPr id="184" name="文本框 183"/>
-          <p:cNvSpPr txBox="1"/>
-          <p:nvPr/>
-        </p:nvSpPr>
-        <p:spPr>
-          <a:xfrm>
-            <a:off x="3364952" y="6304027"/>
-            <a:ext cx="5436047" cy="246221"/>
-          </a:xfrm>
-          <a:prstGeom prst="rect">
-            <a:avLst/>
-          </a:prstGeom>
-          <a:noFill/>
-        </p:spPr>
-        <p:txBody>
-          <a:bodyPr wrap="square" rtlCol="0">
-            <a:spAutoFit/>
-          </a:bodyPr>
-          <a:lstStyle/>
-          <a:p>
-            <a:pPr algn="ctr"/>
-            <a:r>
-              <a:rPr lang="en-US" altLang="zh-CN" sz="1000" kern="0" dirty="0">
-                <a:latin typeface="微软雅黑" panose="020B0503020204020204" pitchFamily="34" charset="-122"/>
-                <a:ea typeface="微软雅黑" panose="020B0503020204020204" pitchFamily="34" charset="-122"/>
-              </a:rPr>
-              <a:t>Fig6 </a:t>
-            </a:r>
-            <a:r>
-              <a:rPr lang="zh-CN" altLang="en-US" sz="1000" kern="0" dirty="0">
-                <a:latin typeface="微软雅黑" panose="020B0503020204020204" pitchFamily="34" charset="-122"/>
-                <a:ea typeface="微软雅黑" panose="020B0503020204020204" pitchFamily="34" charset="-122"/>
-              </a:rPr>
-              <a:t>流水线结构示意图</a:t>
             </a:r>
           </a:p>
         </p:txBody>
@@ -20078,7 +21746,7 @@
           <p:cNvPr id="142" name="图片 141" descr="D:\毕设\大四下\lunwen\图片\流水线.png">
             <a:extLst>
               <a:ext uri="{FF2B5EF4-FFF2-40B4-BE49-F238E27FC236}">
-                <a16:creationId xmlns:a16="http://schemas.microsoft.com/office/drawing/2014/main" id="{88C1B2C6-F47C-4F39-858E-CE78EBF99194}"/>
+                <a16:creationId xmlns:a16="http://schemas.microsoft.com/office/drawing/2014/main" xmlns="" id="{88C1B2C6-F47C-4F39-858E-CE78EBF99194}"/>
               </a:ext>
             </a:extLst>
           </p:cNvPr>
@@ -20166,15 +21834,24 @@
           <a:lstStyle/>
           <a:p>
             <a:r>
-              <a:rPr lang="zh-CN" altLang="en-US" sz="3600" dirty="0"/>
+              <a:rPr lang="zh-CN" altLang="en-US" sz="3600" dirty="0">
+                <a:latin typeface="黑体" panose="02010609060101010101" pitchFamily="49" charset="-122"/>
+                <a:ea typeface="黑体" panose="02010609060101010101" pitchFamily="49" charset="-122"/>
+              </a:rPr>
               <a:t>进展情况</a:t>
             </a:r>
             <a:r>
-              <a:rPr lang="en-US" altLang="zh-CN" sz="3600" dirty="0"/>
+              <a:rPr lang="en-US" altLang="zh-CN" sz="3600" dirty="0">
+                <a:latin typeface="黑体" panose="02010609060101010101" pitchFamily="49" charset="-122"/>
+                <a:ea typeface="黑体" panose="02010609060101010101" pitchFamily="49" charset="-122"/>
+              </a:rPr>
               <a:t>——</a:t>
             </a:r>
             <a:r>
-              <a:rPr lang="zh-CN" altLang="en-US" sz="3600" dirty="0"/>
+              <a:rPr lang="zh-CN" altLang="en-US" sz="3600" dirty="0">
+                <a:latin typeface="黑体" panose="02010609060101010101" pitchFamily="49" charset="-122"/>
+                <a:ea typeface="黑体" panose="02010609060101010101" pitchFamily="49" charset="-122"/>
+              </a:rPr>
               <a:t>功能性仿真</a:t>
             </a:r>
           </a:p>
@@ -20690,792 +22367,716 @@
       </p:grpSp>
       <p:grpSp>
         <p:nvGrpSpPr>
-          <p:cNvPr id="3" name="组合 2"/>
+          <p:cNvPr id="83" name="组合 82"/>
           <p:cNvGrpSpPr/>
           <p:nvPr/>
         </p:nvGrpSpPr>
         <p:grpSpPr>
           <a:xfrm>
             <a:off x="381000" y="978743"/>
-            <a:ext cx="8416897" cy="5755827"/>
-            <a:chOff x="381000" y="978743"/>
-            <a:chExt cx="8416897" cy="5755827"/>
+            <a:ext cx="8416897" cy="5512314"/>
+            <a:chOff x="260230" y="978743"/>
+            <a:chExt cx="8416897" cy="5512314"/>
           </a:xfrm>
         </p:grpSpPr>
         <p:grpSp>
           <p:nvGrpSpPr>
-            <p:cNvPr id="83" name="组合 82"/>
+            <p:cNvPr id="5" name="组合 4"/>
             <p:cNvGrpSpPr/>
             <p:nvPr/>
           </p:nvGrpSpPr>
           <p:grpSpPr>
             <a:xfrm>
-              <a:off x="381000" y="978743"/>
-              <a:ext cx="8416897" cy="5512314"/>
-              <a:chOff x="260230" y="978743"/>
-              <a:chExt cx="8416897" cy="5512314"/>
+              <a:off x="260230" y="978743"/>
+              <a:ext cx="7727830" cy="5512314"/>
+              <a:chOff x="418457" y="1161048"/>
+              <a:chExt cx="4547243" cy="5512314"/>
             </a:xfrm>
           </p:grpSpPr>
-          <p:grpSp>
-            <p:nvGrpSpPr>
-              <p:cNvPr id="5" name="组合 4"/>
-              <p:cNvGrpSpPr/>
-              <p:nvPr/>
-            </p:nvGrpSpPr>
-            <p:grpSpPr>
-              <a:xfrm>
-                <a:off x="260230" y="978743"/>
-                <a:ext cx="7727830" cy="5512314"/>
-                <a:chOff x="418457" y="1161048"/>
-                <a:chExt cx="4547243" cy="5512314"/>
-              </a:xfrm>
-            </p:grpSpPr>
-            <p:sp>
-              <p:nvSpPr>
-                <p:cNvPr id="14" name="内容占位符 2"/>
-                <p:cNvSpPr txBox="1">
-                  <a:spLocks/>
-                </p:cNvSpPr>
-                <p:nvPr/>
-              </p:nvSpPr>
-              <p:spPr bwMode="auto">
-                <a:xfrm>
-                  <a:off x="418457" y="1161048"/>
-                  <a:ext cx="4547243" cy="5512314"/>
-                </a:xfrm>
-                <a:prstGeom prst="rect">
-                  <a:avLst/>
-                </a:prstGeom>
-                <a:noFill/>
-                <a:ln w="9525">
-                  <a:noFill/>
-                  <a:miter lim="800000"/>
-                  <a:headEnd/>
-                  <a:tailEnd/>
-                </a:ln>
-                <a:effectLst/>
-              </p:spPr>
-              <p:txBody>
-                <a:bodyPr vert="horz" wrap="square" lIns="91440" tIns="45720" rIns="91440" bIns="45720" numCol="1" anchor="t" anchorCtr="0" compatLnSpc="1">
-                  <a:prstTxWarp prst="textNoShape">
-                    <a:avLst/>
-                  </a:prstTxWarp>
-                </a:bodyPr>
-                <a:lstStyle>
-                  <a:lvl1pPr marL="342900" indent="-342900" algn="l" rtl="0" fontAlgn="base">
-                    <a:spcBef>
-                      <a:spcPct val="20000"/>
-                    </a:spcBef>
-                    <a:spcAft>
-                      <a:spcPct val="0"/>
-                    </a:spcAft>
-                    <a:buChar char="•"/>
-                    <a:defRPr sz="3200">
-                      <a:solidFill>
-                        <a:schemeClr val="tx1"/>
-                      </a:solidFill>
-                      <a:latin typeface="Arial Unicode MS" pitchFamily="34" charset="-122"/>
-                      <a:ea typeface="Arial Unicode MS" pitchFamily="34" charset="-122"/>
-                      <a:cs typeface="Arial Unicode MS" pitchFamily="34" charset="-122"/>
-                    </a:defRPr>
-                  </a:lvl1pPr>
-                  <a:lvl2pPr marL="742950" indent="-285750" algn="l" rtl="0" fontAlgn="base">
-                    <a:spcBef>
-                      <a:spcPct val="20000"/>
-                    </a:spcBef>
-                    <a:spcAft>
-                      <a:spcPct val="0"/>
-                    </a:spcAft>
-                    <a:buChar char="–"/>
-                    <a:defRPr sz="2800">
-                      <a:solidFill>
-                        <a:schemeClr val="tx1"/>
-                      </a:solidFill>
-                      <a:latin typeface="Arial Unicode MS" pitchFamily="34" charset="-122"/>
-                      <a:ea typeface="Arial Unicode MS" pitchFamily="34" charset="-122"/>
-                      <a:cs typeface="Arial Unicode MS" pitchFamily="34" charset="-122"/>
-                    </a:defRPr>
-                  </a:lvl2pPr>
-                  <a:lvl3pPr marL="1143000" indent="-228600" algn="l" rtl="0" fontAlgn="base">
-                    <a:spcBef>
-                      <a:spcPct val="20000"/>
-                    </a:spcBef>
-                    <a:spcAft>
-                      <a:spcPct val="0"/>
-                    </a:spcAft>
-                    <a:buChar char="•"/>
-                    <a:defRPr sz="2400">
-                      <a:solidFill>
-                        <a:schemeClr val="tx1"/>
-                      </a:solidFill>
-                      <a:latin typeface="Arial Unicode MS" pitchFamily="34" charset="-122"/>
-                      <a:ea typeface="Arial Unicode MS" pitchFamily="34" charset="-122"/>
-                      <a:cs typeface="Arial Unicode MS" pitchFamily="34" charset="-122"/>
-                    </a:defRPr>
-                  </a:lvl3pPr>
-                  <a:lvl4pPr marL="1600200" indent="-228600" algn="l" rtl="0" fontAlgn="base">
-                    <a:spcBef>
-                      <a:spcPct val="20000"/>
-                    </a:spcBef>
-                    <a:spcAft>
-                      <a:spcPct val="0"/>
-                    </a:spcAft>
-                    <a:buChar char="–"/>
-                    <a:defRPr sz="2000">
-                      <a:solidFill>
-                        <a:schemeClr val="tx1"/>
-                      </a:solidFill>
-                      <a:latin typeface="Arial Unicode MS" pitchFamily="34" charset="-122"/>
-                      <a:ea typeface="Arial Unicode MS" pitchFamily="34" charset="-122"/>
-                      <a:cs typeface="Arial Unicode MS" pitchFamily="34" charset="-122"/>
-                    </a:defRPr>
-                  </a:lvl4pPr>
-                  <a:lvl5pPr marL="2057400" indent="-228600" algn="l" rtl="0" fontAlgn="base">
-                    <a:spcBef>
-                      <a:spcPct val="20000"/>
-                    </a:spcBef>
-                    <a:spcAft>
-                      <a:spcPct val="0"/>
-                    </a:spcAft>
-                    <a:buChar char="»"/>
-                    <a:defRPr sz="2000">
-                      <a:solidFill>
-                        <a:schemeClr val="tx1"/>
-                      </a:solidFill>
-                      <a:latin typeface="Arial Unicode MS" pitchFamily="34" charset="-122"/>
-                      <a:ea typeface="Arial Unicode MS" pitchFamily="34" charset="-122"/>
-                      <a:cs typeface="Arial Unicode MS" pitchFamily="34" charset="-122"/>
-                    </a:defRPr>
-                  </a:lvl5pPr>
-                  <a:lvl6pPr marL="2514600" indent="-228600" algn="l" rtl="0" fontAlgn="base">
-                    <a:spcBef>
-                      <a:spcPct val="20000"/>
-                    </a:spcBef>
-                    <a:spcAft>
-                      <a:spcPct val="0"/>
-                    </a:spcAft>
-                    <a:buChar char="»"/>
-                    <a:defRPr sz="2000">
-                      <a:solidFill>
-                        <a:schemeClr val="tx1"/>
-                      </a:solidFill>
-                      <a:latin typeface="+mn-lt"/>
-                      <a:ea typeface="+mn-ea"/>
-                    </a:defRPr>
-                  </a:lvl6pPr>
-                  <a:lvl7pPr marL="2971800" indent="-228600" algn="l" rtl="0" fontAlgn="base">
-                    <a:spcBef>
-                      <a:spcPct val="20000"/>
-                    </a:spcBef>
-                    <a:spcAft>
-                      <a:spcPct val="0"/>
-                    </a:spcAft>
-                    <a:buChar char="»"/>
-                    <a:defRPr sz="2000">
-                      <a:solidFill>
-                        <a:schemeClr val="tx1"/>
-                      </a:solidFill>
-                      <a:latin typeface="+mn-lt"/>
-                      <a:ea typeface="+mn-ea"/>
-                    </a:defRPr>
-                  </a:lvl7pPr>
-                  <a:lvl8pPr marL="3429000" indent="-228600" algn="l" rtl="0" fontAlgn="base">
-                    <a:spcBef>
-                      <a:spcPct val="20000"/>
-                    </a:spcBef>
-                    <a:spcAft>
-                      <a:spcPct val="0"/>
-                    </a:spcAft>
-                    <a:buChar char="»"/>
-                    <a:defRPr sz="2000">
-                      <a:solidFill>
-                        <a:schemeClr val="tx1"/>
-                      </a:solidFill>
-                      <a:latin typeface="+mn-lt"/>
-                      <a:ea typeface="+mn-ea"/>
-                    </a:defRPr>
-                  </a:lvl8pPr>
-                  <a:lvl9pPr marL="3886200" indent="-228600" algn="l" rtl="0" fontAlgn="base">
-                    <a:spcBef>
-                      <a:spcPct val="20000"/>
-                    </a:spcBef>
-                    <a:spcAft>
-                      <a:spcPct val="0"/>
-                    </a:spcAft>
-                    <a:buChar char="»"/>
-                    <a:defRPr sz="2000">
-                      <a:solidFill>
-                        <a:schemeClr val="tx1"/>
-                      </a:solidFill>
-                      <a:latin typeface="+mn-lt"/>
-                      <a:ea typeface="+mn-ea"/>
-                    </a:defRPr>
-                  </a:lvl9pPr>
-                </a:lstStyle>
-                <a:p>
-                  <a:pPr marL="257175" indent="-257175">
-                    <a:spcBef>
-                      <a:spcPts val="600"/>
-                    </a:spcBef>
-                    <a:spcAft>
-                      <a:spcPts val="600"/>
-                    </a:spcAft>
-                  </a:pPr>
-                  <a:r>
-                    <a:rPr lang="zh-CN" altLang="en-US" sz="2200" dirty="0">
-                      <a:latin typeface="微软雅黑" panose="020B0503020204020204" pitchFamily="34" charset="-122"/>
-                      <a:ea typeface="微软雅黑" panose="020B0503020204020204" pitchFamily="34" charset="-122"/>
-                    </a:rPr>
-                    <a:t>功能性仿真结果</a:t>
-                  </a:r>
-                  <a:endParaRPr lang="en-US" altLang="zh-CN" sz="2200" dirty="0">
-                    <a:latin typeface="微软雅黑" panose="020B0503020204020204" pitchFamily="34" charset="-122"/>
-                    <a:ea typeface="微软雅黑" panose="020B0503020204020204" pitchFamily="34" charset="-122"/>
-                  </a:endParaRPr>
-                </a:p>
-                <a:p>
-                  <a:pPr lvl="1">
-                    <a:spcBef>
-                      <a:spcPts val="600"/>
-                    </a:spcBef>
-                    <a:spcAft>
-                      <a:spcPts val="12600"/>
-                    </a:spcAft>
-                  </a:pPr>
-                  <a:r>
-                    <a:rPr lang="en-US" altLang="zh-CN" sz="1600" kern="0" dirty="0">
-                      <a:latin typeface="微软雅黑" panose="020B0503020204020204" pitchFamily="34" charset="-122"/>
-                      <a:ea typeface="微软雅黑" panose="020B0503020204020204" pitchFamily="34" charset="-122"/>
-                    </a:rPr>
-                    <a:t>RTL</a:t>
-                  </a:r>
-                  <a:r>
-                    <a:rPr lang="zh-CN" altLang="en-US" sz="1600" kern="0" dirty="0">
-                      <a:latin typeface="微软雅黑" panose="020B0503020204020204" pitchFamily="34" charset="-122"/>
-                      <a:ea typeface="微软雅黑" panose="020B0503020204020204" pitchFamily="34" charset="-122"/>
-                    </a:rPr>
-                    <a:t>仿真波形图</a:t>
-                  </a:r>
-                  <a:endParaRPr lang="en-US" altLang="zh-CN" sz="2000" kern="0" dirty="0">
-                    <a:latin typeface="微软雅黑" panose="020B0503020204020204" pitchFamily="34" charset="-122"/>
-                    <a:ea typeface="微软雅黑" panose="020B0503020204020204" pitchFamily="34" charset="-122"/>
-                  </a:endParaRPr>
-                </a:p>
-                <a:p>
-                  <a:pPr lvl="1">
-                    <a:spcBef>
-                      <a:spcPts val="1800"/>
-                    </a:spcBef>
-                    <a:spcAft>
-                      <a:spcPts val="600"/>
-                    </a:spcAft>
-                  </a:pPr>
-                  <a:r>
-                    <a:rPr lang="en-US" altLang="zh-CN" sz="1600" kern="0" dirty="0" err="1">
-                      <a:latin typeface="微软雅黑" panose="020B0503020204020204" pitchFamily="34" charset="-122"/>
-                      <a:ea typeface="微软雅黑" panose="020B0503020204020204" pitchFamily="34" charset="-122"/>
-                    </a:rPr>
-                    <a:t>Matlab</a:t>
-                  </a:r>
-                  <a:r>
-                    <a:rPr lang="en-US" altLang="zh-CN" sz="1600" kern="0" dirty="0">
-                      <a:latin typeface="微软雅黑" panose="020B0503020204020204" pitchFamily="34" charset="-122"/>
-                      <a:ea typeface="微软雅黑" panose="020B0503020204020204" pitchFamily="34" charset="-122"/>
-                    </a:rPr>
-                    <a:t> FFT </a:t>
-                  </a:r>
-                  <a:r>
-                    <a:rPr lang="zh-CN" altLang="en-US" sz="1600" kern="0" dirty="0">
-                      <a:latin typeface="微软雅黑" panose="020B0503020204020204" pitchFamily="34" charset="-122"/>
-                      <a:ea typeface="微软雅黑" panose="020B0503020204020204" pitchFamily="34" charset="-122"/>
-                    </a:rPr>
-                    <a:t>验证</a:t>
-                  </a:r>
-                  <a:endParaRPr lang="en-US" altLang="zh-CN" sz="1600" kern="0" dirty="0">
-                    <a:latin typeface="微软雅黑" panose="020B0503020204020204" pitchFamily="34" charset="-122"/>
-                    <a:ea typeface="微软雅黑" panose="020B0503020204020204" pitchFamily="34" charset="-122"/>
-                  </a:endParaRPr>
-                </a:p>
-                <a:p>
-                  <a:pPr lvl="1">
-                    <a:spcBef>
-                      <a:spcPts val="600"/>
-                    </a:spcBef>
-                    <a:spcAft>
-                      <a:spcPts val="600"/>
-                    </a:spcAft>
-                  </a:pPr>
-                  <a:endParaRPr lang="en-US" altLang="zh-CN" sz="1600" kern="0" dirty="0">
-                    <a:latin typeface="微软雅黑" panose="020B0503020204020204" pitchFamily="34" charset="-122"/>
-                    <a:ea typeface="微软雅黑" panose="020B0503020204020204" pitchFamily="34" charset="-122"/>
-                  </a:endParaRPr>
-                </a:p>
-              </p:txBody>
-            </p:sp>
-            <p:grpSp>
-              <p:nvGrpSpPr>
-                <p:cNvPr id="7" name="组合 6"/>
-                <p:cNvGrpSpPr/>
-                <p:nvPr/>
-              </p:nvGrpSpPr>
-              <p:grpSpPr>
-                <a:xfrm>
-                  <a:off x="669956" y="4102152"/>
-                  <a:ext cx="2727500" cy="2568502"/>
-                  <a:chOff x="737364" y="4102152"/>
-                  <a:chExt cx="2727500" cy="2568502"/>
-                </a:xfrm>
-              </p:grpSpPr>
-              <p:pic>
-                <p:nvPicPr>
-                  <p:cNvPr id="8" name="图片 7"/>
-                  <p:cNvPicPr>
-                    <a:picLocks noChangeAspect="1"/>
-                  </p:cNvPicPr>
-                  <p:nvPr/>
-                </p:nvPicPr>
-                <p:blipFill>
-                  <a:blip r:embed="rId6"/>
-                  <a:stretch>
-                    <a:fillRect/>
-                  </a:stretch>
-                </p:blipFill>
-                <p:spPr>
-                  <a:xfrm>
-                    <a:off x="737364" y="4102152"/>
-                    <a:ext cx="2727500" cy="2568502"/>
-                  </a:xfrm>
-                  <a:prstGeom prst="rect">
-                    <a:avLst/>
-                  </a:prstGeom>
-                </p:spPr>
-              </p:pic>
-              <p:cxnSp>
-                <p:nvCxnSpPr>
-                  <p:cNvPr id="9" name="直接箭头连接符 8"/>
-                  <p:cNvCxnSpPr>
-                    <a:cxnSpLocks/>
-                  </p:cNvCxnSpPr>
-                  <p:nvPr/>
-                </p:nvCxnSpPr>
-                <p:spPr>
-                  <a:xfrm flipV="1">
-                    <a:off x="1796457" y="4318130"/>
-                    <a:ext cx="0" cy="460372"/>
-                  </a:xfrm>
-                  <a:prstGeom prst="straightConnector1">
-                    <a:avLst/>
-                  </a:prstGeom>
-                  <a:ln w="12700">
-                    <a:solidFill>
-                      <a:srgbClr val="FF0000"/>
-                    </a:solidFill>
-                    <a:tailEnd type="triangle"/>
-                  </a:ln>
-                </p:spPr>
-                <p:style>
-                  <a:lnRef idx="1">
-                    <a:schemeClr val="accent1"/>
-                  </a:lnRef>
-                  <a:fillRef idx="0">
-                    <a:schemeClr val="accent1"/>
-                  </a:fillRef>
-                  <a:effectRef idx="0">
-                    <a:schemeClr val="accent1"/>
-                  </a:effectRef>
-                  <a:fontRef idx="minor">
-                    <a:schemeClr val="tx1"/>
-                  </a:fontRef>
-                </p:style>
-              </p:cxnSp>
-              <p:cxnSp>
-                <p:nvCxnSpPr>
-                  <p:cNvPr id="10" name="直接箭头连接符 9"/>
-                  <p:cNvCxnSpPr>
-                    <a:cxnSpLocks/>
-                  </p:cNvCxnSpPr>
-                  <p:nvPr/>
-                </p:nvCxnSpPr>
-                <p:spPr>
-                  <a:xfrm>
-                    <a:off x="1796457" y="5032458"/>
-                    <a:ext cx="0" cy="450056"/>
-                  </a:xfrm>
-                  <a:prstGeom prst="straightConnector1">
-                    <a:avLst/>
-                  </a:prstGeom>
-                  <a:ln w="12700">
-                    <a:solidFill>
-                      <a:srgbClr val="FF0000"/>
-                    </a:solidFill>
-                    <a:tailEnd type="triangle"/>
-                  </a:ln>
-                </p:spPr>
-                <p:style>
-                  <a:lnRef idx="1">
-                    <a:schemeClr val="accent1"/>
-                  </a:lnRef>
-                  <a:fillRef idx="0">
-                    <a:schemeClr val="accent1"/>
-                  </a:fillRef>
-                  <a:effectRef idx="0">
-                    <a:schemeClr val="accent1"/>
-                  </a:effectRef>
-                  <a:fontRef idx="minor">
-                    <a:schemeClr val="tx1"/>
-                  </a:fontRef>
-                </p:style>
-              </p:cxnSp>
-              <p:cxnSp>
-                <p:nvCxnSpPr>
-                  <p:cNvPr id="11" name="直接连接符 10"/>
-                  <p:cNvCxnSpPr>
-                    <a:cxnSpLocks/>
-                  </p:cNvCxnSpPr>
-                  <p:nvPr/>
-                </p:nvCxnSpPr>
-                <p:spPr>
-                  <a:xfrm>
-                    <a:off x="1236900" y="4311416"/>
-                    <a:ext cx="637542" cy="0"/>
-                  </a:xfrm>
-                  <a:prstGeom prst="line">
-                    <a:avLst/>
-                  </a:prstGeom>
-                  <a:ln w="12700">
-                    <a:solidFill>
-                      <a:srgbClr val="FF0000"/>
-                    </a:solidFill>
-                  </a:ln>
-                </p:spPr>
-                <p:style>
-                  <a:lnRef idx="1">
-                    <a:schemeClr val="accent1"/>
-                  </a:lnRef>
-                  <a:fillRef idx="0">
-                    <a:schemeClr val="accent1"/>
-                  </a:fillRef>
-                  <a:effectRef idx="0">
-                    <a:schemeClr val="accent1"/>
-                  </a:effectRef>
-                  <a:fontRef idx="minor">
-                    <a:schemeClr val="tx1"/>
-                  </a:fontRef>
-                </p:style>
-              </p:cxnSp>
-              <p:cxnSp>
-                <p:nvCxnSpPr>
-                  <p:cNvPr id="12" name="直接连接符 11"/>
-                  <p:cNvCxnSpPr>
-                    <a:cxnSpLocks/>
-                  </p:cNvCxnSpPr>
-                  <p:nvPr/>
-                </p:nvCxnSpPr>
-                <p:spPr>
-                  <a:xfrm>
-                    <a:off x="1710733" y="5482514"/>
-                    <a:ext cx="173831" cy="0"/>
-                  </a:xfrm>
-                  <a:prstGeom prst="line">
-                    <a:avLst/>
-                  </a:prstGeom>
-                  <a:ln w="12700">
-                    <a:solidFill>
-                      <a:srgbClr val="FF0000"/>
-                    </a:solidFill>
-                  </a:ln>
-                </p:spPr>
-                <p:style>
-                  <a:lnRef idx="1">
-                    <a:schemeClr val="accent1"/>
-                  </a:lnRef>
-                  <a:fillRef idx="0">
-                    <a:schemeClr val="accent1"/>
-                  </a:fillRef>
-                  <a:effectRef idx="0">
-                    <a:schemeClr val="accent1"/>
-                  </a:effectRef>
-                  <a:fontRef idx="minor">
-                    <a:schemeClr val="tx1"/>
-                  </a:fontRef>
-                </p:style>
-              </p:cxnSp>
-              <p:sp>
-                <p:nvSpPr>
-                  <p:cNvPr id="13" name="文本框 12"/>
-                  <p:cNvSpPr txBox="1"/>
-                  <p:nvPr/>
-                </p:nvSpPr>
-                <p:spPr>
-                  <a:xfrm>
-                    <a:off x="1474989" y="4743077"/>
-                    <a:ext cx="642937" cy="307777"/>
-                  </a:xfrm>
-                  <a:prstGeom prst="rect">
-                    <a:avLst/>
-                  </a:prstGeom>
-                  <a:noFill/>
-                </p:spPr>
-                <p:txBody>
-                  <a:bodyPr wrap="square" rtlCol="0">
-                    <a:spAutoFit/>
-                  </a:bodyPr>
-                  <a:lstStyle/>
-                  <a:p>
-                    <a:pPr algn="ctr"/>
-                    <a:r>
-                      <a:rPr lang="en-US" altLang="zh-CN" sz="1400" dirty="0"/>
-                      <a:t>100dBc</a:t>
-                    </a:r>
-                    <a:endParaRPr lang="zh-CN" altLang="en-US" sz="1400" dirty="0"/>
-                  </a:p>
-                </p:txBody>
-              </p:sp>
-            </p:grpSp>
-          </p:grpSp>
           <p:sp>
             <p:nvSpPr>
-              <p:cNvPr id="27" name="矩形 26"/>
-              <p:cNvSpPr/>
+              <p:cNvPr id="14" name="内容占位符 2"/>
+              <p:cNvSpPr txBox="1">
+                <a:spLocks/>
+              </p:cNvSpPr>
               <p:nvPr/>
             </p:nvSpPr>
-            <p:spPr>
+            <p:spPr bwMode="auto">
               <a:xfrm>
-                <a:off x="5197803" y="4099880"/>
-                <a:ext cx="3479324" cy="1200329"/>
+                <a:off x="418457" y="1161048"/>
+                <a:ext cx="4547243" cy="5512314"/>
               </a:xfrm>
               <a:prstGeom prst="rect">
                 <a:avLst/>
               </a:prstGeom>
+              <a:noFill/>
+              <a:ln w="9525">
+                <a:noFill/>
+                <a:miter lim="800000"/>
+                <a:headEnd/>
+                <a:tailEnd/>
+              </a:ln>
+              <a:effectLst/>
             </p:spPr>
             <p:txBody>
-              <a:bodyPr wrap="square">
-                <a:spAutoFit/>
+              <a:bodyPr vert="horz" wrap="square" lIns="91440" tIns="45720" rIns="91440" bIns="45720" numCol="1" anchor="t" anchorCtr="0" compatLnSpc="1">
+                <a:prstTxWarp prst="textNoShape">
+                  <a:avLst/>
+                </a:prstTxWarp>
               </a:bodyPr>
-              <a:lstStyle/>
+              <a:lstStyle>
+                <a:lvl1pPr marL="342900" indent="-342900" algn="l" rtl="0" fontAlgn="base">
+                  <a:spcBef>
+                    <a:spcPct val="20000"/>
+                  </a:spcBef>
+                  <a:spcAft>
+                    <a:spcPct val="0"/>
+                  </a:spcAft>
+                  <a:buChar char="•"/>
+                  <a:defRPr sz="3200">
+                    <a:solidFill>
+                      <a:schemeClr val="tx1"/>
+                    </a:solidFill>
+                    <a:latin typeface="Arial Unicode MS" pitchFamily="34" charset="-122"/>
+                    <a:ea typeface="Arial Unicode MS" pitchFamily="34" charset="-122"/>
+                    <a:cs typeface="Arial Unicode MS" pitchFamily="34" charset="-122"/>
+                  </a:defRPr>
+                </a:lvl1pPr>
+                <a:lvl2pPr marL="742950" indent="-285750" algn="l" rtl="0" fontAlgn="base">
+                  <a:spcBef>
+                    <a:spcPct val="20000"/>
+                  </a:spcBef>
+                  <a:spcAft>
+                    <a:spcPct val="0"/>
+                  </a:spcAft>
+                  <a:buChar char="–"/>
+                  <a:defRPr sz="2800">
+                    <a:solidFill>
+                      <a:schemeClr val="tx1"/>
+                    </a:solidFill>
+                    <a:latin typeface="Arial Unicode MS" pitchFamily="34" charset="-122"/>
+                    <a:ea typeface="Arial Unicode MS" pitchFamily="34" charset="-122"/>
+                    <a:cs typeface="Arial Unicode MS" pitchFamily="34" charset="-122"/>
+                  </a:defRPr>
+                </a:lvl2pPr>
+                <a:lvl3pPr marL="1143000" indent="-228600" algn="l" rtl="0" fontAlgn="base">
+                  <a:spcBef>
+                    <a:spcPct val="20000"/>
+                  </a:spcBef>
+                  <a:spcAft>
+                    <a:spcPct val="0"/>
+                  </a:spcAft>
+                  <a:buChar char="•"/>
+                  <a:defRPr sz="2400">
+                    <a:solidFill>
+                      <a:schemeClr val="tx1"/>
+                    </a:solidFill>
+                    <a:latin typeface="Arial Unicode MS" pitchFamily="34" charset="-122"/>
+                    <a:ea typeface="Arial Unicode MS" pitchFamily="34" charset="-122"/>
+                    <a:cs typeface="Arial Unicode MS" pitchFamily="34" charset="-122"/>
+                  </a:defRPr>
+                </a:lvl3pPr>
+                <a:lvl4pPr marL="1600200" indent="-228600" algn="l" rtl="0" fontAlgn="base">
+                  <a:spcBef>
+                    <a:spcPct val="20000"/>
+                  </a:spcBef>
+                  <a:spcAft>
+                    <a:spcPct val="0"/>
+                  </a:spcAft>
+                  <a:buChar char="–"/>
+                  <a:defRPr sz="2000">
+                    <a:solidFill>
+                      <a:schemeClr val="tx1"/>
+                    </a:solidFill>
+                    <a:latin typeface="Arial Unicode MS" pitchFamily="34" charset="-122"/>
+                    <a:ea typeface="Arial Unicode MS" pitchFamily="34" charset="-122"/>
+                    <a:cs typeface="Arial Unicode MS" pitchFamily="34" charset="-122"/>
+                  </a:defRPr>
+                </a:lvl4pPr>
+                <a:lvl5pPr marL="2057400" indent="-228600" algn="l" rtl="0" fontAlgn="base">
+                  <a:spcBef>
+                    <a:spcPct val="20000"/>
+                  </a:spcBef>
+                  <a:spcAft>
+                    <a:spcPct val="0"/>
+                  </a:spcAft>
+                  <a:buChar char="»"/>
+                  <a:defRPr sz="2000">
+                    <a:solidFill>
+                      <a:schemeClr val="tx1"/>
+                    </a:solidFill>
+                    <a:latin typeface="Arial Unicode MS" pitchFamily="34" charset="-122"/>
+                    <a:ea typeface="Arial Unicode MS" pitchFamily="34" charset="-122"/>
+                    <a:cs typeface="Arial Unicode MS" pitchFamily="34" charset="-122"/>
+                  </a:defRPr>
+                </a:lvl5pPr>
+                <a:lvl6pPr marL="2514600" indent="-228600" algn="l" rtl="0" fontAlgn="base">
+                  <a:spcBef>
+                    <a:spcPct val="20000"/>
+                  </a:spcBef>
+                  <a:spcAft>
+                    <a:spcPct val="0"/>
+                  </a:spcAft>
+                  <a:buChar char="»"/>
+                  <a:defRPr sz="2000">
+                    <a:solidFill>
+                      <a:schemeClr val="tx1"/>
+                    </a:solidFill>
+                    <a:latin typeface="+mn-lt"/>
+                    <a:ea typeface="+mn-ea"/>
+                  </a:defRPr>
+                </a:lvl6pPr>
+                <a:lvl7pPr marL="2971800" indent="-228600" algn="l" rtl="0" fontAlgn="base">
+                  <a:spcBef>
+                    <a:spcPct val="20000"/>
+                  </a:spcBef>
+                  <a:spcAft>
+                    <a:spcPct val="0"/>
+                  </a:spcAft>
+                  <a:buChar char="»"/>
+                  <a:defRPr sz="2000">
+                    <a:solidFill>
+                      <a:schemeClr val="tx1"/>
+                    </a:solidFill>
+                    <a:latin typeface="+mn-lt"/>
+                    <a:ea typeface="+mn-ea"/>
+                  </a:defRPr>
+                </a:lvl7pPr>
+                <a:lvl8pPr marL="3429000" indent="-228600" algn="l" rtl="0" fontAlgn="base">
+                  <a:spcBef>
+                    <a:spcPct val="20000"/>
+                  </a:spcBef>
+                  <a:spcAft>
+                    <a:spcPct val="0"/>
+                  </a:spcAft>
+                  <a:buChar char="»"/>
+                  <a:defRPr sz="2000">
+                    <a:solidFill>
+                      <a:schemeClr val="tx1"/>
+                    </a:solidFill>
+                    <a:latin typeface="+mn-lt"/>
+                    <a:ea typeface="+mn-ea"/>
+                  </a:defRPr>
+                </a:lvl8pPr>
+                <a:lvl9pPr marL="3886200" indent="-228600" algn="l" rtl="0" fontAlgn="base">
+                  <a:spcBef>
+                    <a:spcPct val="20000"/>
+                  </a:spcBef>
+                  <a:spcAft>
+                    <a:spcPct val="0"/>
+                  </a:spcAft>
+                  <a:buChar char="»"/>
+                  <a:defRPr sz="2000">
+                    <a:solidFill>
+                      <a:schemeClr val="tx1"/>
+                    </a:solidFill>
+                    <a:latin typeface="+mn-lt"/>
+                    <a:ea typeface="+mn-ea"/>
+                  </a:defRPr>
+                </a:lvl9pPr>
+              </a:lstStyle>
               <a:p>
-                <a:pPr marL="257175" lvl="2" indent="-257175" fontAlgn="base">
+                <a:pPr marL="257175" indent="-257175">
                   <a:spcBef>
                     <a:spcPts val="600"/>
                   </a:spcBef>
                   <a:spcAft>
-                    <a:spcPts val="1200"/>
+                    <a:spcPts val="600"/>
                   </a:spcAft>
-                  <a:buChar char="•"/>
                 </a:pPr>
                 <a:r>
-                  <a:rPr lang="en-US" altLang="zh-CN" sz="1400" dirty="0" err="1">
+                  <a:rPr lang="zh-CN" altLang="en-US" sz="2200" dirty="0">
+                    <a:latin typeface="微软雅黑" panose="020B0503020204020204" pitchFamily="34" charset="-122"/>
+                    <a:ea typeface="微软雅黑" panose="020B0503020204020204" pitchFamily="34" charset="-122"/>
+                  </a:rPr>
+                  <a:t>功能性仿真结果</a:t>
+                </a:r>
+                <a:endParaRPr lang="en-US" altLang="zh-CN" sz="2200" dirty="0">
+                  <a:latin typeface="微软雅黑" panose="020B0503020204020204" pitchFamily="34" charset="-122"/>
+                  <a:ea typeface="微软雅黑" panose="020B0503020204020204" pitchFamily="34" charset="-122"/>
+                </a:endParaRPr>
+              </a:p>
+              <a:p>
+                <a:pPr lvl="1">
+                  <a:spcBef>
+                    <a:spcPts val="600"/>
+                  </a:spcBef>
+                  <a:spcAft>
+                    <a:spcPts val="12600"/>
+                  </a:spcAft>
+                </a:pPr>
+                <a:r>
+                  <a:rPr lang="en-US" altLang="zh-CN" sz="1600" kern="0" dirty="0">
+                    <a:latin typeface="微软雅黑" panose="020B0503020204020204" pitchFamily="34" charset="-122"/>
+                    <a:ea typeface="微软雅黑" panose="020B0503020204020204" pitchFamily="34" charset="-122"/>
+                  </a:rPr>
+                  <a:t>RTL</a:t>
+                </a:r>
+                <a:r>
+                  <a:rPr lang="zh-CN" altLang="en-US" sz="1600" kern="0" dirty="0">
+                    <a:latin typeface="微软雅黑" panose="020B0503020204020204" pitchFamily="34" charset="-122"/>
+                    <a:ea typeface="微软雅黑" panose="020B0503020204020204" pitchFamily="34" charset="-122"/>
+                  </a:rPr>
+                  <a:t>仿真波形图</a:t>
+                </a:r>
+                <a:endParaRPr lang="en-US" altLang="zh-CN" sz="2000" kern="0" dirty="0">
+                  <a:latin typeface="微软雅黑" panose="020B0503020204020204" pitchFamily="34" charset="-122"/>
+                  <a:ea typeface="微软雅黑" panose="020B0503020204020204" pitchFamily="34" charset="-122"/>
+                </a:endParaRPr>
+              </a:p>
+              <a:p>
+                <a:pPr lvl="1">
+                  <a:spcBef>
+                    <a:spcPts val="1800"/>
+                  </a:spcBef>
+                  <a:spcAft>
+                    <a:spcPts val="600"/>
+                  </a:spcAft>
+                </a:pPr>
+                <a:r>
+                  <a:rPr lang="en-US" altLang="zh-CN" sz="1600" kern="0" dirty="0" err="1">
                     <a:latin typeface="微软雅黑" panose="020B0503020204020204" pitchFamily="34" charset="-122"/>
                     <a:ea typeface="微软雅黑" panose="020B0503020204020204" pitchFamily="34" charset="-122"/>
                   </a:rPr>
                   <a:t>Matlab</a:t>
                 </a:r>
                 <a:r>
-                  <a:rPr lang="en-US" altLang="zh-CN" sz="1400" dirty="0">
+                  <a:rPr lang="en-US" altLang="zh-CN" sz="1600" kern="0" dirty="0">
                     <a:latin typeface="微软雅黑" panose="020B0503020204020204" pitchFamily="34" charset="-122"/>
                     <a:ea typeface="微软雅黑" panose="020B0503020204020204" pitchFamily="34" charset="-122"/>
                   </a:rPr>
-                  <a:t> </a:t>
+                  <a:t> FFT </a:t>
                 </a:r>
                 <a:r>
-                  <a:rPr lang="zh-CN" altLang="en-US" sz="1400" dirty="0">
+                  <a:rPr lang="zh-CN" altLang="en-US" sz="1600" kern="0" dirty="0">
                     <a:latin typeface="微软雅黑" panose="020B0503020204020204" pitchFamily="34" charset="-122"/>
                     <a:ea typeface="微软雅黑" panose="020B0503020204020204" pitchFamily="34" charset="-122"/>
                   </a:rPr>
-                  <a:t>结果和</a:t>
+                  <a:t>验证</a:t>
                 </a:r>
-                <a:r>
-                  <a:rPr lang="en-US" altLang="zh-CN" sz="1400" dirty="0" err="1">
-                    <a:latin typeface="微软雅黑" panose="020B0503020204020204" pitchFamily="34" charset="-122"/>
-                    <a:ea typeface="微软雅黑" panose="020B0503020204020204" pitchFamily="34" charset="-122"/>
-                  </a:rPr>
-                  <a:t>Modelsim</a:t>
-                </a:r>
-                <a:r>
-                  <a:rPr lang="en-US" altLang="zh-CN" sz="1400" dirty="0">
-                    <a:latin typeface="微软雅黑" panose="020B0503020204020204" pitchFamily="34" charset="-122"/>
-                    <a:ea typeface="微软雅黑" panose="020B0503020204020204" pitchFamily="34" charset="-122"/>
-                  </a:rPr>
-                  <a:t> </a:t>
-                </a:r>
-                <a:r>
-                  <a:rPr lang="zh-CN" altLang="en-US" sz="1400" b="1" dirty="0">
-                    <a:latin typeface="微软雅黑" panose="020B0503020204020204" pitchFamily="34" charset="-122"/>
-                    <a:ea typeface="微软雅黑" panose="020B0503020204020204" pitchFamily="34" charset="-122"/>
-                  </a:rPr>
-                  <a:t>输出相同</a:t>
-                </a:r>
-                <a:r>
-                  <a:rPr lang="en-US" altLang="zh-CN" sz="1400" dirty="0">
-                    <a:latin typeface="微软雅黑" panose="020B0503020204020204" pitchFamily="34" charset="-122"/>
-                    <a:ea typeface="微软雅黑" panose="020B0503020204020204" pitchFamily="34" charset="-122"/>
-                  </a:rPr>
-                  <a:t> </a:t>
-                </a:r>
-              </a:p>
-              <a:p>
-                <a:pPr marL="257175" lvl="2" indent="-257175" fontAlgn="base">
-                  <a:spcBef>
-                    <a:spcPts val="600"/>
-                  </a:spcBef>
-                  <a:spcAft>
-                    <a:spcPts val="1200"/>
-                  </a:spcAft>
-                  <a:buChar char="•"/>
-                </a:pPr>
-                <a:r>
-                  <a:rPr lang="zh-CN" altLang="en-US" sz="1400" dirty="0">
-                    <a:latin typeface="微软雅黑" panose="020B0503020204020204" pitchFamily="34" charset="-122"/>
-                    <a:ea typeface="微软雅黑" panose="020B0503020204020204" pitchFamily="34" charset="-122"/>
-                  </a:rPr>
-                  <a:t>杂散性能：均达到理论值</a:t>
-                </a:r>
-                <a:endParaRPr lang="en-US" altLang="zh-CN" sz="1400" dirty="0">
+                <a:endParaRPr lang="en-US" altLang="zh-CN" sz="1600" kern="0" dirty="0">
                   <a:latin typeface="微软雅黑" panose="020B0503020204020204" pitchFamily="34" charset="-122"/>
                   <a:ea typeface="微软雅黑" panose="020B0503020204020204" pitchFamily="34" charset="-122"/>
                 </a:endParaRPr>
               </a:p>
               <a:p>
-                <a:pPr marL="714375" lvl="3" indent="-257175" fontAlgn="base">
+                <a:pPr lvl="1">
                   <a:spcBef>
                     <a:spcPts val="600"/>
                   </a:spcBef>
                   <a:spcAft>
-                    <a:spcPts val="1200"/>
+                    <a:spcPts val="600"/>
                   </a:spcAft>
-                  <a:buChar char="•"/>
                 </a:pPr>
-                <a:r>
-                  <a:rPr lang="en-US" altLang="zh-CN" sz="1400" dirty="0">
-                    <a:latin typeface="微软雅黑" panose="020B0503020204020204" pitchFamily="34" charset="-122"/>
-                    <a:ea typeface="微软雅黑" panose="020B0503020204020204" pitchFamily="34" charset="-122"/>
-                  </a:rPr>
-                  <a:t>16bit </a:t>
-                </a:r>
-                <a:r>
-                  <a:rPr lang="zh-CN" altLang="en-US" sz="1400" dirty="0">
-                    <a:latin typeface="微软雅黑" panose="020B0503020204020204" pitchFamily="34" charset="-122"/>
-                    <a:ea typeface="微软雅黑" panose="020B0503020204020204" pitchFamily="34" charset="-122"/>
-                  </a:rPr>
-                  <a:t>版本平均</a:t>
-                </a:r>
-                <a:r>
-                  <a:rPr lang="en-US" altLang="zh-CN" sz="1400" dirty="0">
-                    <a:latin typeface="微软雅黑" panose="020B0503020204020204" pitchFamily="34" charset="-122"/>
-                    <a:ea typeface="微软雅黑" panose="020B0503020204020204" pitchFamily="34" charset="-122"/>
-                  </a:rPr>
-                  <a:t>SFDR</a:t>
-                </a:r>
-                <a:r>
-                  <a:rPr lang="zh-CN" altLang="en-US" sz="1400" dirty="0">
-                    <a:latin typeface="微软雅黑" panose="020B0503020204020204" pitchFamily="34" charset="-122"/>
-                    <a:ea typeface="微软雅黑" panose="020B0503020204020204" pitchFamily="34" charset="-122"/>
-                  </a:rPr>
-                  <a:t>值</a:t>
-                </a:r>
-                <a:r>
-                  <a:rPr lang="en-US" altLang="zh-CN" sz="1400" dirty="0">
-                    <a:latin typeface="微软雅黑" panose="020B0503020204020204" pitchFamily="34" charset="-122"/>
-                    <a:ea typeface="微软雅黑" panose="020B0503020204020204" pitchFamily="34" charset="-122"/>
-                  </a:rPr>
-                  <a:t>100 </a:t>
-                </a:r>
-                <a:r>
-                  <a:rPr lang="en-US" altLang="zh-CN" sz="1400" dirty="0" err="1">
-                    <a:latin typeface="微软雅黑" panose="020B0503020204020204" pitchFamily="34" charset="-122"/>
-                    <a:ea typeface="微软雅黑" panose="020B0503020204020204" pitchFamily="34" charset="-122"/>
-                  </a:rPr>
-                  <a:t>dBc</a:t>
-                </a:r>
-                <a:endParaRPr lang="en-US" altLang="zh-CN" sz="1400" dirty="0">
+                <a:endParaRPr lang="en-US" altLang="zh-CN" sz="1600" kern="0" dirty="0">
                   <a:latin typeface="微软雅黑" panose="020B0503020204020204" pitchFamily="34" charset="-122"/>
                   <a:ea typeface="微软雅黑" panose="020B0503020204020204" pitchFamily="34" charset="-122"/>
                 </a:endParaRPr>
               </a:p>
             </p:txBody>
           </p:sp>
+          <p:grpSp>
+            <p:nvGrpSpPr>
+              <p:cNvPr id="7" name="组合 6"/>
+              <p:cNvGrpSpPr/>
+              <p:nvPr/>
+            </p:nvGrpSpPr>
+            <p:grpSpPr>
+              <a:xfrm>
+                <a:off x="669956" y="4102152"/>
+                <a:ext cx="2727500" cy="2568502"/>
+                <a:chOff x="737364" y="4102152"/>
+                <a:chExt cx="2727500" cy="2568502"/>
+              </a:xfrm>
+            </p:grpSpPr>
+            <p:pic>
+              <p:nvPicPr>
+                <p:cNvPr id="8" name="图片 7"/>
+                <p:cNvPicPr>
+                  <a:picLocks noChangeAspect="1"/>
+                </p:cNvPicPr>
+                <p:nvPr/>
+              </p:nvPicPr>
+              <p:blipFill>
+                <a:blip r:embed="rId6"/>
+                <a:stretch>
+                  <a:fillRect/>
+                </a:stretch>
+              </p:blipFill>
+              <p:spPr>
+                <a:xfrm>
+                  <a:off x="737364" y="4102152"/>
+                  <a:ext cx="2727500" cy="2568502"/>
+                </a:xfrm>
+                <a:prstGeom prst="rect">
+                  <a:avLst/>
+                </a:prstGeom>
+              </p:spPr>
+            </p:pic>
+            <p:cxnSp>
+              <p:nvCxnSpPr>
+                <p:cNvPr id="9" name="直接箭头连接符 8"/>
+                <p:cNvCxnSpPr>
+                  <a:cxnSpLocks/>
+                </p:cNvCxnSpPr>
+                <p:nvPr/>
+              </p:nvCxnSpPr>
+              <p:spPr>
+                <a:xfrm flipV="1">
+                  <a:off x="1796457" y="4318130"/>
+                  <a:ext cx="0" cy="460372"/>
+                </a:xfrm>
+                <a:prstGeom prst="straightConnector1">
+                  <a:avLst/>
+                </a:prstGeom>
+                <a:ln w="12700">
+                  <a:solidFill>
+                    <a:srgbClr val="FF0000"/>
+                  </a:solidFill>
+                  <a:tailEnd type="triangle"/>
+                </a:ln>
+              </p:spPr>
+              <p:style>
+                <a:lnRef idx="1">
+                  <a:schemeClr val="accent1"/>
+                </a:lnRef>
+                <a:fillRef idx="0">
+                  <a:schemeClr val="accent1"/>
+                </a:fillRef>
+                <a:effectRef idx="0">
+                  <a:schemeClr val="accent1"/>
+                </a:effectRef>
+                <a:fontRef idx="minor">
+                  <a:schemeClr val="tx1"/>
+                </a:fontRef>
+              </p:style>
+            </p:cxnSp>
+            <p:cxnSp>
+              <p:nvCxnSpPr>
+                <p:cNvPr id="10" name="直接箭头连接符 9"/>
+                <p:cNvCxnSpPr>
+                  <a:cxnSpLocks/>
+                </p:cNvCxnSpPr>
+                <p:nvPr/>
+              </p:nvCxnSpPr>
+              <p:spPr>
+                <a:xfrm>
+                  <a:off x="1796457" y="5032458"/>
+                  <a:ext cx="0" cy="450056"/>
+                </a:xfrm>
+                <a:prstGeom prst="straightConnector1">
+                  <a:avLst/>
+                </a:prstGeom>
+                <a:ln w="12700">
+                  <a:solidFill>
+                    <a:srgbClr val="FF0000"/>
+                  </a:solidFill>
+                  <a:tailEnd type="triangle"/>
+                </a:ln>
+              </p:spPr>
+              <p:style>
+                <a:lnRef idx="1">
+                  <a:schemeClr val="accent1"/>
+                </a:lnRef>
+                <a:fillRef idx="0">
+                  <a:schemeClr val="accent1"/>
+                </a:fillRef>
+                <a:effectRef idx="0">
+                  <a:schemeClr val="accent1"/>
+                </a:effectRef>
+                <a:fontRef idx="minor">
+                  <a:schemeClr val="tx1"/>
+                </a:fontRef>
+              </p:style>
+            </p:cxnSp>
+            <p:cxnSp>
+              <p:nvCxnSpPr>
+                <p:cNvPr id="11" name="直接连接符 10"/>
+                <p:cNvCxnSpPr>
+                  <a:cxnSpLocks/>
+                </p:cNvCxnSpPr>
+                <p:nvPr/>
+              </p:nvCxnSpPr>
+              <p:spPr>
+                <a:xfrm>
+                  <a:off x="1236900" y="4311416"/>
+                  <a:ext cx="637542" cy="0"/>
+                </a:xfrm>
+                <a:prstGeom prst="line">
+                  <a:avLst/>
+                </a:prstGeom>
+                <a:ln w="12700">
+                  <a:solidFill>
+                    <a:srgbClr val="FF0000"/>
+                  </a:solidFill>
+                </a:ln>
+              </p:spPr>
+              <p:style>
+                <a:lnRef idx="1">
+                  <a:schemeClr val="accent1"/>
+                </a:lnRef>
+                <a:fillRef idx="0">
+                  <a:schemeClr val="accent1"/>
+                </a:fillRef>
+                <a:effectRef idx="0">
+                  <a:schemeClr val="accent1"/>
+                </a:effectRef>
+                <a:fontRef idx="minor">
+                  <a:schemeClr val="tx1"/>
+                </a:fontRef>
+              </p:style>
+            </p:cxnSp>
+            <p:cxnSp>
+              <p:nvCxnSpPr>
+                <p:cNvPr id="12" name="直接连接符 11"/>
+                <p:cNvCxnSpPr>
+                  <a:cxnSpLocks/>
+                </p:cNvCxnSpPr>
+                <p:nvPr/>
+              </p:nvCxnSpPr>
+              <p:spPr>
+                <a:xfrm>
+                  <a:off x="1710733" y="5482514"/>
+                  <a:ext cx="173831" cy="0"/>
+                </a:xfrm>
+                <a:prstGeom prst="line">
+                  <a:avLst/>
+                </a:prstGeom>
+                <a:ln w="12700">
+                  <a:solidFill>
+                    <a:srgbClr val="FF0000"/>
+                  </a:solidFill>
+                </a:ln>
+              </p:spPr>
+              <p:style>
+                <a:lnRef idx="1">
+                  <a:schemeClr val="accent1"/>
+                </a:lnRef>
+                <a:fillRef idx="0">
+                  <a:schemeClr val="accent1"/>
+                </a:fillRef>
+                <a:effectRef idx="0">
+                  <a:schemeClr val="accent1"/>
+                </a:effectRef>
+                <a:fontRef idx="minor">
+                  <a:schemeClr val="tx1"/>
+                </a:fontRef>
+              </p:style>
+            </p:cxnSp>
+            <p:sp>
+              <p:nvSpPr>
+                <p:cNvPr id="13" name="文本框 12"/>
+                <p:cNvSpPr txBox="1"/>
+                <p:nvPr/>
+              </p:nvSpPr>
+              <p:spPr>
+                <a:xfrm>
+                  <a:off x="1474989" y="4743077"/>
+                  <a:ext cx="642937" cy="307777"/>
+                </a:xfrm>
+                <a:prstGeom prst="rect">
+                  <a:avLst/>
+                </a:prstGeom>
+                <a:noFill/>
+              </p:spPr>
+              <p:txBody>
+                <a:bodyPr wrap="square" rtlCol="0">
+                  <a:spAutoFit/>
+                </a:bodyPr>
+                <a:lstStyle/>
+                <a:p>
+                  <a:pPr algn="ctr"/>
+                  <a:r>
+                    <a:rPr lang="en-US" altLang="zh-CN" sz="1400" dirty="0"/>
+                    <a:t>100dBc</a:t>
+                  </a:r>
+                  <a:endParaRPr lang="zh-CN" altLang="en-US" sz="1400" dirty="0"/>
+                </a:p>
+              </p:txBody>
+            </p:sp>
+          </p:grpSp>
         </p:grpSp>
         <p:sp>
           <p:nvSpPr>
-            <p:cNvPr id="88" name="文本框 87"/>
-            <p:cNvSpPr txBox="1"/>
+            <p:cNvPr id="27" name="矩形 26"/>
+            <p:cNvSpPr/>
             <p:nvPr/>
           </p:nvSpPr>
           <p:spPr>
             <a:xfrm>
-              <a:off x="2358933" y="6488349"/>
-              <a:ext cx="1700064" cy="246221"/>
+              <a:off x="5197803" y="4099880"/>
+              <a:ext cx="3479324" cy="1646605"/>
             </a:xfrm>
             <a:prstGeom prst="rect">
               <a:avLst/>
             </a:prstGeom>
-            <a:noFill/>
           </p:spPr>
           <p:txBody>
-            <a:bodyPr wrap="square" rtlCol="0">
+            <a:bodyPr wrap="square">
               <a:spAutoFit/>
             </a:bodyPr>
             <a:lstStyle/>
             <a:p>
-              <a:pPr algn="ctr"/>
+              <a:pPr marL="257175" lvl="2" indent="-257175" fontAlgn="base">
+                <a:spcBef>
+                  <a:spcPts val="600"/>
+                </a:spcBef>
+                <a:spcAft>
+                  <a:spcPts val="1200"/>
+                </a:spcAft>
+                <a:buChar char="•"/>
+              </a:pPr>
               <a:r>
-                <a:rPr lang="en-US" altLang="zh-CN" sz="1000" kern="0" dirty="0">
+                <a:rPr lang="en-US" altLang="zh-CN" sz="1400" dirty="0" err="1">
                   <a:latin typeface="微软雅黑" panose="020B0503020204020204" pitchFamily="34" charset="-122"/>
                   <a:ea typeface="微软雅黑" panose="020B0503020204020204" pitchFamily="34" charset="-122"/>
                 </a:rPr>
-                <a:t>Fig9 FFT </a:t>
+                <a:t>Matlab</a:t>
               </a:r>
               <a:r>
-                <a:rPr lang="zh-CN" altLang="en-US" sz="1000" kern="0" dirty="0">
+                <a:rPr lang="en-US" altLang="zh-CN" sz="1400" dirty="0">
                   <a:latin typeface="微软雅黑" panose="020B0503020204020204" pitchFamily="34" charset="-122"/>
                   <a:ea typeface="微软雅黑" panose="020B0503020204020204" pitchFamily="34" charset="-122"/>
                 </a:rPr>
-                <a:t>验证结果</a:t>
+                <a:t> </a:t>
               </a:r>
+              <a:r>
+                <a:rPr lang="zh-CN" altLang="en-US" sz="1400" dirty="0">
+                  <a:latin typeface="微软雅黑" panose="020B0503020204020204" pitchFamily="34" charset="-122"/>
+                  <a:ea typeface="微软雅黑" panose="020B0503020204020204" pitchFamily="34" charset="-122"/>
+                </a:rPr>
+                <a:t>结果和</a:t>
+              </a:r>
+              <a:r>
+                <a:rPr lang="en-US" altLang="zh-CN" sz="1400" dirty="0" err="1">
+                  <a:latin typeface="微软雅黑" panose="020B0503020204020204" pitchFamily="34" charset="-122"/>
+                  <a:ea typeface="微软雅黑" panose="020B0503020204020204" pitchFamily="34" charset="-122"/>
+                </a:rPr>
+                <a:t>Modelsim</a:t>
+              </a:r>
+              <a:r>
+                <a:rPr lang="en-US" altLang="zh-CN" sz="1400" dirty="0">
+                  <a:latin typeface="微软雅黑" panose="020B0503020204020204" pitchFamily="34" charset="-122"/>
+                  <a:ea typeface="微软雅黑" panose="020B0503020204020204" pitchFamily="34" charset="-122"/>
+                </a:rPr>
+                <a:t> </a:t>
+              </a:r>
+              <a:r>
+                <a:rPr lang="zh-CN" altLang="en-US" sz="1400" b="1" dirty="0">
+                  <a:latin typeface="微软雅黑" panose="020B0503020204020204" pitchFamily="34" charset="-122"/>
+                  <a:ea typeface="微软雅黑" panose="020B0503020204020204" pitchFamily="34" charset="-122"/>
+                </a:rPr>
+                <a:t>输出相同</a:t>
+              </a:r>
+              <a:r>
+                <a:rPr lang="en-US" altLang="zh-CN" sz="1400" dirty="0">
+                  <a:latin typeface="微软雅黑" panose="020B0503020204020204" pitchFamily="34" charset="-122"/>
+                  <a:ea typeface="微软雅黑" panose="020B0503020204020204" pitchFamily="34" charset="-122"/>
+                </a:rPr>
+                <a:t> </a:t>
+              </a:r>
+            </a:p>
+            <a:p>
+              <a:pPr marL="257175" lvl="2" indent="-257175" fontAlgn="base">
+                <a:spcBef>
+                  <a:spcPts val="600"/>
+                </a:spcBef>
+                <a:spcAft>
+                  <a:spcPts val="1200"/>
+                </a:spcAft>
+                <a:buChar char="•"/>
+              </a:pPr>
+              <a:r>
+                <a:rPr lang="zh-CN" altLang="en-US" sz="1400" dirty="0">
+                  <a:latin typeface="微软雅黑" panose="020B0503020204020204" pitchFamily="34" charset="-122"/>
+                  <a:ea typeface="微软雅黑" panose="020B0503020204020204" pitchFamily="34" charset="-122"/>
+                </a:rPr>
+                <a:t>杂散性能：均达到理论值</a:t>
+              </a:r>
+              <a:endParaRPr lang="en-US" altLang="zh-CN" sz="1400" dirty="0">
+                <a:latin typeface="微软雅黑" panose="020B0503020204020204" pitchFamily="34" charset="-122"/>
+                <a:ea typeface="微软雅黑" panose="020B0503020204020204" pitchFamily="34" charset="-122"/>
+              </a:endParaRPr>
+            </a:p>
+            <a:p>
+              <a:pPr marL="714375" lvl="3" indent="-257175" fontAlgn="base">
+                <a:spcBef>
+                  <a:spcPts val="600"/>
+                </a:spcBef>
+                <a:spcAft>
+                  <a:spcPts val="1200"/>
+                </a:spcAft>
+                <a:buChar char="•"/>
+              </a:pPr>
+              <a:r>
+                <a:rPr lang="zh-CN" altLang="en-US" sz="1400" dirty="0" smtClean="0">
+                  <a:latin typeface="微软雅黑" panose="020B0503020204020204" pitchFamily="34" charset="-122"/>
+                  <a:ea typeface="微软雅黑" panose="020B0503020204020204" pitchFamily="34" charset="-122"/>
+                </a:rPr>
+                <a:t>理论值：</a:t>
+              </a:r>
+              <a:r>
+                <a:rPr lang="en-US" altLang="zh-CN" sz="1400" dirty="0" smtClean="0">
+                  <a:latin typeface="微软雅黑" panose="020B0503020204020204" pitchFamily="34" charset="-122"/>
+                  <a:ea typeface="微软雅黑" panose="020B0503020204020204" pitchFamily="34" charset="-122"/>
+                </a:rPr>
+                <a:t>SFDR = 6.02 N – 3.92</a:t>
+              </a:r>
+            </a:p>
+            <a:p>
+              <a:pPr marL="714375" lvl="3" indent="-257175" fontAlgn="base">
+                <a:spcBef>
+                  <a:spcPts val="600"/>
+                </a:spcBef>
+                <a:spcAft>
+                  <a:spcPts val="1200"/>
+                </a:spcAft>
+                <a:buFontTx/>
+                <a:buChar char="•"/>
+              </a:pPr>
+              <a:r>
+                <a:rPr lang="en-US" altLang="zh-CN" sz="1400" dirty="0" smtClean="0">
+                  <a:latin typeface="微软雅黑" panose="020B0503020204020204" pitchFamily="34" charset="-122"/>
+                  <a:ea typeface="微软雅黑" panose="020B0503020204020204" pitchFamily="34" charset="-122"/>
+                </a:rPr>
+                <a:t>N=16bit </a:t>
+              </a:r>
+              <a:r>
+                <a:rPr lang="zh-CN" altLang="en-US" sz="1400" dirty="0" smtClean="0">
+                  <a:latin typeface="微软雅黑" panose="020B0503020204020204" pitchFamily="34" charset="-122"/>
+                  <a:ea typeface="微软雅黑" panose="020B0503020204020204" pitchFamily="34" charset="-122"/>
+                </a:rPr>
+                <a:t>实测：</a:t>
+              </a:r>
+              <a:r>
+                <a:rPr lang="en-US" altLang="zh-CN" sz="1400" dirty="0" smtClean="0">
+                  <a:latin typeface="微软雅黑" panose="020B0503020204020204" pitchFamily="34" charset="-122"/>
+                  <a:ea typeface="微软雅黑" panose="020B0503020204020204" pitchFamily="34" charset="-122"/>
+                </a:rPr>
+                <a:t>SFDR=100 </a:t>
+              </a:r>
+              <a:r>
+                <a:rPr lang="en-US" altLang="zh-CN" sz="1400" dirty="0" err="1" smtClean="0">
+                  <a:latin typeface="微软雅黑" panose="020B0503020204020204" pitchFamily="34" charset="-122"/>
+                  <a:ea typeface="微软雅黑" panose="020B0503020204020204" pitchFamily="34" charset="-122"/>
+                </a:rPr>
+                <a:t>dBc</a:t>
+              </a:r>
+              <a:r>
+                <a:rPr lang="en-US" altLang="zh-CN" sz="1400" dirty="0" smtClean="0">
+                  <a:latin typeface="微软雅黑" panose="020B0503020204020204" pitchFamily="34" charset="-122"/>
+                  <a:ea typeface="微软雅黑" panose="020B0503020204020204" pitchFamily="34" charset="-122"/>
+                </a:rPr>
+                <a:t> </a:t>
+              </a:r>
+              <a:endParaRPr lang="en-US" altLang="zh-CN" sz="1400" dirty="0">
+                <a:latin typeface="微软雅黑" panose="020B0503020204020204" pitchFamily="34" charset="-122"/>
+                <a:ea typeface="微软雅黑" panose="020B0503020204020204" pitchFamily="34" charset="-122"/>
+              </a:endParaRPr>
             </a:p>
           </p:txBody>
         </p:sp>
       </p:grpSp>
-      <p:sp>
-        <p:nvSpPr>
-          <p:cNvPr id="89" name="文本框 88"/>
-          <p:cNvSpPr txBox="1"/>
-          <p:nvPr/>
-        </p:nvSpPr>
-        <p:spPr>
-          <a:xfrm>
-            <a:off x="1252755" y="3448083"/>
-            <a:ext cx="6706681" cy="246221"/>
-          </a:xfrm>
-          <a:prstGeom prst="rect">
-            <a:avLst/>
-          </a:prstGeom>
-          <a:noFill/>
-        </p:spPr>
-        <p:txBody>
-          <a:bodyPr wrap="square" rtlCol="0">
-            <a:spAutoFit/>
-          </a:bodyPr>
-          <a:lstStyle/>
-          <a:p>
-            <a:pPr algn="ctr"/>
-            <a:r>
-              <a:rPr lang="en-US" altLang="zh-CN" sz="1000" kern="0" dirty="0">
-                <a:latin typeface="微软雅黑" panose="020B0503020204020204" pitchFamily="34" charset="-122"/>
-                <a:ea typeface="微软雅黑" panose="020B0503020204020204" pitchFamily="34" charset="-122"/>
-              </a:rPr>
-              <a:t>Fig8 RTL</a:t>
-            </a:r>
-            <a:r>
-              <a:rPr lang="zh-CN" altLang="en-US" sz="1000" kern="0" dirty="0">
-                <a:latin typeface="微软雅黑" panose="020B0503020204020204" pitchFamily="34" charset="-122"/>
-                <a:ea typeface="微软雅黑" panose="020B0503020204020204" pitchFamily="34" charset="-122"/>
-              </a:rPr>
-              <a:t>仿真波形</a:t>
-            </a:r>
-          </a:p>
-        </p:txBody>
-      </p:sp>
       <p:sp>
         <p:nvSpPr>
           <p:cNvPr id="33" name="页脚占位符 4"/>
@@ -21574,15 +23175,24 @@
           <a:lstStyle/>
           <a:p>
             <a:r>
-              <a:rPr lang="zh-CN" altLang="en-US" sz="3600" dirty="0"/>
+              <a:rPr lang="zh-CN" altLang="en-US" sz="3600" dirty="0">
+                <a:latin typeface="黑体" panose="02010609060101010101" pitchFamily="49" charset="-122"/>
+                <a:ea typeface="黑体" panose="02010609060101010101" pitchFamily="49" charset="-122"/>
+              </a:rPr>
               <a:t>进展情况</a:t>
             </a:r>
             <a:r>
-              <a:rPr lang="en-US" altLang="zh-CN" sz="3600" dirty="0"/>
+              <a:rPr lang="en-US" altLang="zh-CN" sz="3600" dirty="0">
+                <a:latin typeface="黑体" panose="02010609060101010101" pitchFamily="49" charset="-122"/>
+                <a:ea typeface="黑体" panose="02010609060101010101" pitchFamily="49" charset="-122"/>
+              </a:rPr>
               <a:t>——</a:t>
             </a:r>
             <a:r>
-              <a:rPr lang="zh-CN" altLang="en-US" sz="3600" dirty="0"/>
+              <a:rPr lang="zh-CN" altLang="en-US" sz="3600" dirty="0">
+                <a:latin typeface="黑体" panose="02010609060101010101" pitchFamily="49" charset="-122"/>
+                <a:ea typeface="黑体" panose="02010609060101010101" pitchFamily="49" charset="-122"/>
+              </a:rPr>
               <a:t>前后端结果</a:t>
             </a:r>
           </a:p>
@@ -21682,12 +23292,28 @@
               <a:buChar char="–"/>
             </a:pPr>
             <a:r>
-              <a:rPr lang="zh-CN" altLang="en-US" sz="1500" dirty="0">
+              <a:rPr lang="zh-CN" altLang="en-US" sz="1500" dirty="0" smtClean="0">
                 <a:latin typeface="微软雅黑" panose="020B0503020204020204" pitchFamily="34" charset="-122"/>
                 <a:ea typeface="微软雅黑" panose="020B0503020204020204" pitchFamily="34" charset="-122"/>
                 <a:cs typeface="Arial Unicode MS" pitchFamily="34" charset="-122"/>
               </a:rPr>
-              <a:t>综合时钟频率 </a:t>
+              <a:t>时钟频率</a:t>
+            </a:r>
+            <a:r>
+              <a:rPr lang="en-US" altLang="zh-CN" sz="1500" dirty="0" smtClean="0">
+                <a:latin typeface="微软雅黑" panose="020B0503020204020204" pitchFamily="34" charset="-122"/>
+                <a:ea typeface="微软雅黑" panose="020B0503020204020204" pitchFamily="34" charset="-122"/>
+                <a:cs typeface="Arial Unicode MS" pitchFamily="34" charset="-122"/>
+              </a:rPr>
+              <a:t>1.3GHz -&gt;</a:t>
+            </a:r>
+            <a:r>
+              <a:rPr lang="zh-CN" altLang="en-US" sz="1500" dirty="0" smtClean="0">
+                <a:latin typeface="微软雅黑" panose="020B0503020204020204" pitchFamily="34" charset="-122"/>
+                <a:ea typeface="微软雅黑" panose="020B0503020204020204" pitchFamily="34" charset="-122"/>
+                <a:cs typeface="Arial Unicode MS" pitchFamily="34" charset="-122"/>
+              </a:rPr>
+              <a:t> </a:t>
             </a:r>
             <a:r>
               <a:rPr lang="en-US" altLang="zh-CN" sz="1500" dirty="0">
@@ -21811,7 +23437,7 @@
           <p:cNvPr id="15" name="图片 14" descr="C:\Users\win7\AppData\Local\Temp\1495293424(1).png">
             <a:extLst>
               <a:ext uri="{FF2B5EF4-FFF2-40B4-BE49-F238E27FC236}">
-                <a16:creationId xmlns:a16="http://schemas.microsoft.com/office/drawing/2014/main" id="{2D2BA207-2233-4ACA-82FE-835DED8C6361}"/>
+                <a16:creationId xmlns:a16="http://schemas.microsoft.com/office/drawing/2014/main" xmlns="" id="{2D2BA207-2233-4ACA-82FE-835DED8C6361}"/>
               </a:ext>
             </a:extLst>
           </p:cNvPr>
@@ -21850,7 +23476,7 @@
           <p:cNvPr id="29" name="文本框 28">
             <a:extLst>
               <a:ext uri="{FF2B5EF4-FFF2-40B4-BE49-F238E27FC236}">
-                <a16:creationId xmlns:a16="http://schemas.microsoft.com/office/drawing/2014/main" id="{21A92C2A-9F8A-44C9-8AF2-6E0A6BBDE87A}"/>
+                <a16:creationId xmlns:a16="http://schemas.microsoft.com/office/drawing/2014/main" xmlns="" id="{21A92C2A-9F8A-44C9-8AF2-6E0A6BBDE87A}"/>
               </a:ext>
             </a:extLst>
           </p:cNvPr>
@@ -22011,7 +23637,7 @@
           <p:cNvPr id="31" name="文本框 30">
             <a:extLst>
               <a:ext uri="{FF2B5EF4-FFF2-40B4-BE49-F238E27FC236}">
-                <a16:creationId xmlns:a16="http://schemas.microsoft.com/office/drawing/2014/main" id="{DD62E0AC-DF65-42C7-AC0B-2992FA46EE8A}"/>
+                <a16:creationId xmlns:a16="http://schemas.microsoft.com/office/drawing/2014/main" xmlns="" id="{DD62E0AC-DF65-42C7-AC0B-2992FA46EE8A}"/>
               </a:ext>
             </a:extLst>
           </p:cNvPr>
@@ -22050,7 +23676,7 @@
           <p:cNvPr id="32" name="图片 31">
             <a:extLst>
               <a:ext uri="{FF2B5EF4-FFF2-40B4-BE49-F238E27FC236}">
-                <a16:creationId xmlns:a16="http://schemas.microsoft.com/office/drawing/2014/main" id="{F9456A7B-D389-4434-B493-B98BC9629D0B}"/>
+                <a16:creationId xmlns:a16="http://schemas.microsoft.com/office/drawing/2014/main" xmlns="" id="{F9456A7B-D389-4434-B493-B98BC9629D0B}"/>
               </a:ext>
             </a:extLst>
           </p:cNvPr>
@@ -22093,6 +23719,13 @@
   <p:transition spd="med">
     <p:pull/>
   </p:transition>
+  <p:timing>
+    <p:tnLst>
+      <p:par>
+        <p:cTn id="1" dur="indefinite" restart="never" nodeType="tmRoot"/>
+      </p:par>
+    </p:tnLst>
+  </p:timing>
 </p:sld>
 </file>
 
@@ -22118,7 +23751,7 @@
           <p:cNvPr id="2" name="标题 1">
             <a:extLst>
               <a:ext uri="{FF2B5EF4-FFF2-40B4-BE49-F238E27FC236}">
-                <a16:creationId xmlns:a16="http://schemas.microsoft.com/office/drawing/2014/main" id="{79C72F44-5573-4C5C-9BDE-903DE9D4CED2}"/>
+                <a16:creationId xmlns:a16="http://schemas.microsoft.com/office/drawing/2014/main" xmlns="" id="{79C72F44-5573-4C5C-9BDE-903DE9D4CED2}"/>
               </a:ext>
             </a:extLst>
           </p:cNvPr>
@@ -22137,22 +23770,33 @@
             <a:pPr marL="342900" lvl="1"/>
             <a:r>
               <a:rPr lang="zh-CN" altLang="en-US" sz="3600" dirty="0">
-                <a:ea typeface="Arial Unicode MS" pitchFamily="34" charset="-122"/>
+                <a:latin typeface="黑体" panose="02010609060101010101" pitchFamily="49" charset="-122"/>
+                <a:ea typeface="黑体" panose="02010609060101010101" pitchFamily="49" charset="-122"/>
+                <a:cs typeface="Arial Unicode MS" pitchFamily="34" charset="-122"/>
               </a:rPr>
               <a:t>进展情况</a:t>
             </a:r>
             <a:r>
               <a:rPr lang="en-US" altLang="zh-CN" sz="3600" dirty="0">
-                <a:ea typeface="Arial Unicode MS" pitchFamily="34" charset="-122"/>
+                <a:latin typeface="黑体" panose="02010609060101010101" pitchFamily="49" charset="-122"/>
+                <a:ea typeface="黑体" panose="02010609060101010101" pitchFamily="49" charset="-122"/>
+                <a:cs typeface="Arial Unicode MS" pitchFamily="34" charset="-122"/>
               </a:rPr>
               <a:t>——</a:t>
             </a:r>
             <a:r>
-              <a:rPr lang="zh-CN" altLang="en-US" sz="3600" dirty="0">
-                <a:ea typeface="Arial Unicode MS" pitchFamily="34" charset="-122"/>
-              </a:rPr>
-              <a:t>结果比较</a:t>
-            </a:r>
+              <a:rPr lang="zh-CN" altLang="en-US" sz="3600" dirty="0" smtClean="0">
+                <a:latin typeface="黑体" panose="02010609060101010101" pitchFamily="49" charset="-122"/>
+                <a:ea typeface="黑体" panose="02010609060101010101" pitchFamily="49" charset="-122"/>
+                <a:cs typeface="Arial Unicode MS" pitchFamily="34" charset="-122"/>
+              </a:rPr>
+              <a:t>结果和总结</a:t>
+            </a:r>
+            <a:endParaRPr lang="zh-CN" altLang="en-US" sz="3600" dirty="0">
+              <a:latin typeface="黑体" panose="02010609060101010101" pitchFamily="49" charset="-122"/>
+              <a:ea typeface="黑体" panose="02010609060101010101" pitchFamily="49" charset="-122"/>
+              <a:cs typeface="Arial Unicode MS" pitchFamily="34" charset="-122"/>
+            </a:endParaRPr>
           </a:p>
         </p:txBody>
       </p:sp>
@@ -22161,7 +23805,7 @@
           <p:cNvPr id="5" name="文本框 4">
             <a:extLst>
               <a:ext uri="{FF2B5EF4-FFF2-40B4-BE49-F238E27FC236}">
-                <a16:creationId xmlns:a16="http://schemas.microsoft.com/office/drawing/2014/main" id="{4006F415-CC0A-4D2C-B1BF-6E04DAA3F10F}"/>
+                <a16:creationId xmlns:a16="http://schemas.microsoft.com/office/drawing/2014/main" xmlns="" id="{4006F415-CC0A-4D2C-B1BF-6E04DAA3F10F}"/>
               </a:ext>
             </a:extLst>
           </p:cNvPr>
@@ -22171,7 +23815,7 @@
         <p:spPr>
           <a:xfrm>
             <a:off x="190499" y="914400"/>
-            <a:ext cx="8705851" cy="3613297"/>
+            <a:ext cx="8705851" cy="1952842"/>
           </a:xfrm>
           <a:prstGeom prst="rect">
             <a:avLst/>
@@ -22415,7 +24059,39 @@
                 <a:ea typeface="微软雅黑" panose="020B0503020204020204" pitchFamily="34" charset="-122"/>
                 <a:cs typeface="Arial Unicode MS" pitchFamily="34" charset="-122"/>
               </a:rPr>
-              <a:t>，在过去几年相似方法中表现</a:t>
+              <a:t>，在过去</a:t>
+            </a:r>
+            <a:r>
+              <a:rPr lang="zh-CN" altLang="en-US" sz="1500" dirty="0" smtClean="0">
+                <a:latin typeface="微软雅黑" panose="020B0503020204020204" pitchFamily="34" charset="-122"/>
+                <a:ea typeface="微软雅黑" panose="020B0503020204020204" pitchFamily="34" charset="-122"/>
+                <a:cs typeface="Arial Unicode MS" pitchFamily="34" charset="-122"/>
+              </a:rPr>
+              <a:t>几年</a:t>
+            </a:r>
+            <a:r>
+              <a:rPr lang="zh-CN" altLang="en-US" sz="1500" dirty="0">
+                <a:latin typeface="微软雅黑" panose="020B0503020204020204" pitchFamily="34" charset="-122"/>
+                <a:ea typeface="微软雅黑" panose="020B0503020204020204" pitchFamily="34" charset="-122"/>
+                <a:cs typeface="Arial Unicode MS" pitchFamily="34" charset="-122"/>
+              </a:rPr>
+              <a:t>角度旋转</a:t>
+            </a:r>
+            <a:r>
+              <a:rPr lang="zh-CN" altLang="en-US" sz="1500" dirty="0" smtClean="0">
+                <a:latin typeface="微软雅黑" panose="020B0503020204020204" pitchFamily="34" charset="-122"/>
+                <a:ea typeface="微软雅黑" panose="020B0503020204020204" pitchFamily="34" charset="-122"/>
+                <a:cs typeface="Arial Unicode MS" pitchFamily="34" charset="-122"/>
+              </a:rPr>
+              <a:t>方法</a:t>
+            </a:r>
+            <a:r>
+              <a:rPr lang="zh-CN" altLang="en-US" sz="1500" dirty="0">
+                <a:latin typeface="微软雅黑" panose="020B0503020204020204" pitchFamily="34" charset="-122"/>
+                <a:ea typeface="微软雅黑" panose="020B0503020204020204" pitchFamily="34" charset="-122"/>
+                <a:cs typeface="Arial Unicode MS" pitchFamily="34" charset="-122"/>
+              </a:rPr>
+              <a:t>中表现</a:t>
             </a:r>
             <a:r>
               <a:rPr lang="zh-CN" altLang="en-US" sz="1500" dirty="0">
@@ -22519,7 +24195,7 @@
               <a:t>25%</a:t>
             </a:r>
             <a:r>
-              <a:rPr lang="zh-CN" altLang="en-US" sz="1500" dirty="0">
+              <a:rPr lang="zh-CN" altLang="en-US" sz="1500" dirty="0" smtClean="0">
                 <a:latin typeface="微软雅黑" panose="020B0503020204020204" pitchFamily="34" charset="-122"/>
                 <a:ea typeface="微软雅黑" panose="020B0503020204020204" pitchFamily="34" charset="-122"/>
                 <a:cs typeface="Arial Unicode MS" pitchFamily="34" charset="-122"/>
@@ -22531,125 +24207,6 @@
               <a:ea typeface="微软雅黑" panose="020B0503020204020204" pitchFamily="34" charset="-122"/>
               <a:cs typeface="Arial Unicode MS" pitchFamily="34" charset="-122"/>
             </a:endParaRPr>
-          </a:p>
-          <a:p>
-            <a:pPr marL="557213" lvl="1" indent="-214313" fontAlgn="base">
-              <a:lnSpc>
-                <a:spcPct val="120000"/>
-              </a:lnSpc>
-              <a:spcBef>
-                <a:spcPts val="600"/>
-              </a:spcBef>
-              <a:spcAft>
-                <a:spcPts val="600"/>
-              </a:spcAft>
-              <a:buChar char="–"/>
-            </a:pPr>
-            <a:r>
-              <a:rPr lang="zh-CN" altLang="en-US" sz="2200" dirty="0">
-                <a:latin typeface="微软雅黑" panose="020B0503020204020204" pitchFamily="34" charset="-122"/>
-                <a:ea typeface="微软雅黑" panose="020B0503020204020204" pitchFamily="34" charset="-122"/>
-                <a:cs typeface="Arial Unicode MS" pitchFamily="34" charset="-122"/>
-              </a:rPr>
-              <a:t>工作总结</a:t>
-            </a:r>
-            <a:endParaRPr lang="en-US" altLang="zh-CN" sz="2200" dirty="0">
-              <a:latin typeface="微软雅黑" panose="020B0503020204020204" pitchFamily="34" charset="-122"/>
-              <a:ea typeface="微软雅黑" panose="020B0503020204020204" pitchFamily="34" charset="-122"/>
-              <a:cs typeface="Arial Unicode MS" pitchFamily="34" charset="-122"/>
-            </a:endParaRPr>
-          </a:p>
-          <a:p>
-            <a:pPr marL="1014413" lvl="2" indent="-214313" fontAlgn="base">
-              <a:lnSpc>
-                <a:spcPct val="120000"/>
-              </a:lnSpc>
-              <a:spcBef>
-                <a:spcPts val="300"/>
-              </a:spcBef>
-              <a:spcAft>
-                <a:spcPts val="300"/>
-              </a:spcAft>
-              <a:buChar char="–"/>
-            </a:pPr>
-            <a:r>
-              <a:rPr lang="zh-CN" altLang="en-US" sz="1500" dirty="0">
-                <a:latin typeface="微软雅黑" panose="020B0503020204020204" pitchFamily="34" charset="-122"/>
-                <a:ea typeface="微软雅黑" panose="020B0503020204020204" pitchFamily="34" charset="-122"/>
-                <a:cs typeface="Arial Unicode MS" pitchFamily="34" charset="-122"/>
-              </a:rPr>
-              <a:t>使用级联的旋转单元进行流水线加速，替换参考文献</a:t>
-            </a:r>
-            <a:r>
-              <a:rPr lang="en-US" altLang="zh-CN" sz="1500" baseline="30000" dirty="0">
-                <a:latin typeface="微软雅黑" panose="020B0503020204020204" pitchFamily="34" charset="-122"/>
-                <a:ea typeface="微软雅黑" panose="020B0503020204020204" pitchFamily="34" charset="-122"/>
-                <a:cs typeface="Arial Unicode MS" pitchFamily="34" charset="-122"/>
-              </a:rPr>
-              <a:t>[5]</a:t>
-            </a:r>
-            <a:r>
-              <a:rPr lang="zh-CN" altLang="en-US" sz="1500" dirty="0">
-                <a:latin typeface="微软雅黑" panose="020B0503020204020204" pitchFamily="34" charset="-122"/>
-                <a:ea typeface="微软雅黑" panose="020B0503020204020204" pitchFamily="34" charset="-122"/>
-                <a:cs typeface="Arial Unicode MS" pitchFamily="34" charset="-122"/>
-              </a:rPr>
-              <a:t>中乘法器</a:t>
-            </a:r>
-            <a:endParaRPr lang="en-US" altLang="zh-CN" sz="1500" dirty="0">
-              <a:latin typeface="微软雅黑" panose="020B0503020204020204" pitchFamily="34" charset="-122"/>
-              <a:ea typeface="微软雅黑" panose="020B0503020204020204" pitchFamily="34" charset="-122"/>
-              <a:cs typeface="Arial Unicode MS" pitchFamily="34" charset="-122"/>
-            </a:endParaRPr>
-          </a:p>
-          <a:p>
-            <a:pPr marL="1014413" lvl="2" indent="-214313" fontAlgn="base">
-              <a:lnSpc>
-                <a:spcPct val="120000"/>
-              </a:lnSpc>
-              <a:spcBef>
-                <a:spcPts val="300"/>
-              </a:spcBef>
-              <a:spcAft>
-                <a:spcPts val="300"/>
-              </a:spcAft>
-              <a:buChar char="–"/>
-            </a:pPr>
-            <a:r>
-              <a:rPr lang="zh-CN" altLang="en-US" sz="1500" dirty="0">
-                <a:latin typeface="微软雅黑" panose="020B0503020204020204" pitchFamily="34" charset="-122"/>
-                <a:ea typeface="微软雅黑" panose="020B0503020204020204" pitchFamily="34" charset="-122"/>
-                <a:cs typeface="Arial Unicode MS" pitchFamily="34" charset="-122"/>
-              </a:rPr>
-              <a:t>分析相位截断和近似失真两类噪声，给出了约束条件和索引分配方案</a:t>
-            </a:r>
-            <a:endParaRPr lang="en-US" altLang="zh-CN" sz="1500" dirty="0">
-              <a:latin typeface="微软雅黑" panose="020B0503020204020204" pitchFamily="34" charset="-122"/>
-              <a:ea typeface="微软雅黑" panose="020B0503020204020204" pitchFamily="34" charset="-122"/>
-              <a:cs typeface="Arial Unicode MS" pitchFamily="34" charset="-122"/>
-            </a:endParaRPr>
-          </a:p>
-          <a:p>
-            <a:pPr marL="1014413" lvl="2" indent="-214313" fontAlgn="base">
-              <a:lnSpc>
-                <a:spcPct val="120000"/>
-              </a:lnSpc>
-              <a:spcBef>
-                <a:spcPts val="600"/>
-              </a:spcBef>
-              <a:spcAft>
-                <a:spcPts val="600"/>
-              </a:spcAft>
-              <a:buChar char="–"/>
-            </a:pPr>
-            <a:r>
-              <a:rPr lang="zh-CN" altLang="en-US" sz="1500" dirty="0">
-                <a:latin typeface="微软雅黑" panose="020B0503020204020204" pitchFamily="34" charset="-122"/>
-                <a:ea typeface="微软雅黑" panose="020B0503020204020204" pitchFamily="34" charset="-122"/>
-                <a:cs typeface="Arial Unicode MS" pitchFamily="34" charset="-122"/>
-              </a:rPr>
-              <a:t>规范电路布局、优化关键路径，最终在速度和功耗上取得突破</a:t>
-            </a:r>
           </a:p>
         </p:txBody>
       </p:sp>
@@ -22658,7 +24215,7 @@
           <p:cNvPr id="7" name="页脚占位符 4">
             <a:extLst>
               <a:ext uri="{FF2B5EF4-FFF2-40B4-BE49-F238E27FC236}">
-                <a16:creationId xmlns:a16="http://schemas.microsoft.com/office/drawing/2014/main" id="{698B0707-EE31-4310-A762-FD65345E21BF}"/>
+                <a16:creationId xmlns:a16="http://schemas.microsoft.com/office/drawing/2014/main" xmlns="" id="{698B0707-EE31-4310-A762-FD65345E21BF}"/>
               </a:ext>
             </a:extLst>
           </p:cNvPr>
@@ -22699,7 +24256,7 @@
           <p:cNvPr id="12" name="表格 11">
             <a:extLst>
               <a:ext uri="{FF2B5EF4-FFF2-40B4-BE49-F238E27FC236}">
-                <a16:creationId xmlns:a16="http://schemas.microsoft.com/office/drawing/2014/main" id="{B8C7FB25-E5EF-45FD-A921-2588A4047AB4}"/>
+                <a16:creationId xmlns:a16="http://schemas.microsoft.com/office/drawing/2014/main" xmlns="" id="{B8C7FB25-E5EF-45FD-A921-2588A4047AB4}"/>
               </a:ext>
             </a:extLst>
           </p:cNvPr>
@@ -22709,13 +24266,13 @@
           <p:nvPr>
             <p:extLst>
               <p:ext uri="{D42A27DB-BD31-4B8C-83A1-F6EECF244321}">
-                <p14:modId xmlns:p14="http://schemas.microsoft.com/office/powerpoint/2010/main" val="2627102611"/>
+                <p14:modId xmlns:p14="http://schemas.microsoft.com/office/powerpoint/2010/main" val="3834292113"/>
               </p:ext>
             </p:extLst>
           </p:nvPr>
         </p:nvGraphicFramePr>
         <p:xfrm>
-          <a:off x="683228" y="4605385"/>
+          <a:off x="683228" y="2867242"/>
           <a:ext cx="7927372" cy="1709646"/>
         </p:xfrm>
         <a:graphic>
@@ -22728,49 +24285,49 @@
                 <a:gridCol w="1505175">
                   <a:extLst>
                     <a:ext uri="{9D8B030D-6E8A-4147-A177-3AD203B41FA5}">
-                      <a16:colId xmlns:a16="http://schemas.microsoft.com/office/drawing/2014/main" val="2858620335"/>
+                      <a16:colId xmlns:a16="http://schemas.microsoft.com/office/drawing/2014/main" xmlns="" val="2858620335"/>
                     </a:ext>
                   </a:extLst>
                 </a:gridCol>
                 <a:gridCol w="2002597">
                   <a:extLst>
                     <a:ext uri="{9D8B030D-6E8A-4147-A177-3AD203B41FA5}">
-                      <a16:colId xmlns:a16="http://schemas.microsoft.com/office/drawing/2014/main" val="356612817"/>
+                      <a16:colId xmlns:a16="http://schemas.microsoft.com/office/drawing/2014/main" xmlns="" val="356612817"/>
                     </a:ext>
                   </a:extLst>
                 </a:gridCol>
                 <a:gridCol w="895350">
                   <a:extLst>
                     <a:ext uri="{9D8B030D-6E8A-4147-A177-3AD203B41FA5}">
-                      <a16:colId xmlns:a16="http://schemas.microsoft.com/office/drawing/2014/main" val="3443046802"/>
+                      <a16:colId xmlns:a16="http://schemas.microsoft.com/office/drawing/2014/main" xmlns="" val="3443046802"/>
                     </a:ext>
                   </a:extLst>
                 </a:gridCol>
                 <a:gridCol w="723900">
                   <a:extLst>
                     <a:ext uri="{9D8B030D-6E8A-4147-A177-3AD203B41FA5}">
-                      <a16:colId xmlns:a16="http://schemas.microsoft.com/office/drawing/2014/main" val="3383779701"/>
+                      <a16:colId xmlns:a16="http://schemas.microsoft.com/office/drawing/2014/main" xmlns="" val="3383779701"/>
                     </a:ext>
                   </a:extLst>
                 </a:gridCol>
                 <a:gridCol w="942975">
                   <a:extLst>
                     <a:ext uri="{9D8B030D-6E8A-4147-A177-3AD203B41FA5}">
-                      <a16:colId xmlns:a16="http://schemas.microsoft.com/office/drawing/2014/main" val="763895054"/>
+                      <a16:colId xmlns:a16="http://schemas.microsoft.com/office/drawing/2014/main" xmlns="" val="763895054"/>
                     </a:ext>
                   </a:extLst>
                 </a:gridCol>
                 <a:gridCol w="727709">
                   <a:extLst>
                     <a:ext uri="{9D8B030D-6E8A-4147-A177-3AD203B41FA5}">
-                      <a16:colId xmlns:a16="http://schemas.microsoft.com/office/drawing/2014/main" val="3722313938"/>
+                      <a16:colId xmlns:a16="http://schemas.microsoft.com/office/drawing/2014/main" xmlns="" val="3722313938"/>
                     </a:ext>
                   </a:extLst>
                 </a:gridCol>
                 <a:gridCol w="1129666">
                   <a:extLst>
                     <a:ext uri="{9D8B030D-6E8A-4147-A177-3AD203B41FA5}">
-                      <a16:colId xmlns:a16="http://schemas.microsoft.com/office/drawing/2014/main" val="3933127361"/>
+                      <a16:colId xmlns:a16="http://schemas.microsoft.com/office/drawing/2014/main" xmlns="" val="3933127361"/>
                     </a:ext>
                   </a:extLst>
                 </a:gridCol>
@@ -23119,7 +24676,7 @@
                 </a:tc>
                 <a:extLst>
                   <a:ext uri="{0D108BD9-81ED-4DB2-BD59-A6C34878D82A}">
-                    <a16:rowId xmlns:a16="http://schemas.microsoft.com/office/drawing/2014/main" val="205457031"/>
+                    <a16:rowId xmlns:a16="http://schemas.microsoft.com/office/drawing/2014/main" xmlns="" val="205457031"/>
                   </a:ext>
                 </a:extLst>
               </a:tr>
@@ -23138,18 +24695,18 @@
                         </a:spcAft>
                       </a:pPr>
                       <a:r>
-                        <a:rPr lang="en-US" sz="1200" kern="100" dirty="0">
+                        <a:rPr lang="en-US" sz="1400" kern="100" dirty="0">
                           <a:effectLst/>
                         </a:rPr>
                         <a:t>2007 JSSC</a:t>
                       </a:r>
                       <a:r>
-                        <a:rPr lang="en-US" sz="1200" kern="100" baseline="30000" dirty="0">
+                        <a:rPr lang="en-US" sz="1400" kern="100" baseline="30000" dirty="0">
                           <a:effectLst/>
                         </a:rPr>
                         <a:t>[6]</a:t>
                       </a:r>
-                      <a:endParaRPr lang="zh-CN" sz="1300" kern="100" baseline="30000" dirty="0">
+                      <a:endParaRPr lang="zh-CN" sz="1400" kern="100" baseline="30000" dirty="0">
                         <a:effectLst/>
                         <a:latin typeface="Times New Roman" panose="02020603050405020304" pitchFamily="18" charset="0"/>
                         <a:ea typeface="宋体" panose="02010600030101010101" pitchFamily="2" charset="-122"/>
@@ -23173,12 +24730,12 @@
                         </a:spcAft>
                       </a:pPr>
                       <a:r>
-                        <a:rPr lang="en-US" sz="1200" kern="100" dirty="0">
+                        <a:rPr lang="en-US" sz="1400" kern="100" dirty="0">
                           <a:effectLst/>
                         </a:rPr>
                         <a:t>Hybrid-CORDIC</a:t>
                       </a:r>
-                      <a:endParaRPr lang="zh-CN" sz="1300" kern="100" dirty="0">
+                      <a:endParaRPr lang="zh-CN" sz="1400" kern="100" dirty="0">
                         <a:effectLst/>
                         <a:latin typeface="Times New Roman" panose="02020603050405020304" pitchFamily="18" charset="0"/>
                         <a:ea typeface="宋体" panose="02010600030101010101" pitchFamily="2" charset="-122"/>
@@ -23202,12 +24759,12 @@
                         </a:spcAft>
                       </a:pPr>
                       <a:r>
-                        <a:rPr lang="en-US" sz="1200" kern="100">
+                        <a:rPr lang="en-US" sz="1400" kern="100" dirty="0">
                           <a:effectLst/>
                         </a:rPr>
                         <a:t>0.25um</a:t>
                       </a:r>
-                      <a:endParaRPr lang="zh-CN" sz="1300" kern="100">
+                      <a:endParaRPr lang="zh-CN" sz="1400" kern="100" dirty="0">
                         <a:effectLst/>
                         <a:latin typeface="Times New Roman" panose="02020603050405020304" pitchFamily="18" charset="0"/>
                         <a:ea typeface="宋体" panose="02010600030101010101" pitchFamily="2" charset="-122"/>
@@ -23231,7 +24788,7 @@
                         </a:spcAft>
                       </a:pPr>
                       <a:r>
-                        <a:rPr lang="en-US" altLang="zh-CN" sz="1200" kern="100" dirty="0">
+                        <a:rPr lang="en-US" altLang="zh-CN" sz="1400" kern="100" dirty="0">
                           <a:solidFill>
                             <a:schemeClr val="dk1"/>
                           </a:solidFill>
@@ -23242,7 +24799,7 @@
                         </a:rPr>
                         <a:t>380</a:t>
                       </a:r>
-                      <a:endParaRPr lang="zh-CN" altLang="en-US" sz="1200" kern="100" dirty="0">
+                      <a:endParaRPr lang="zh-CN" altLang="en-US" sz="1400" kern="100" dirty="0">
                         <a:solidFill>
                           <a:schemeClr val="dk1"/>
                         </a:solidFill>
@@ -23269,7 +24826,7 @@
                         </a:spcAft>
                       </a:pPr>
                       <a:r>
-                        <a:rPr lang="en-US" sz="1200" kern="100" dirty="0">
+                        <a:rPr lang="en-US" sz="1400" kern="100" dirty="0">
                           <a:solidFill>
                             <a:schemeClr val="dk1"/>
                           </a:solidFill>
@@ -23280,7 +24837,7 @@
                         </a:rPr>
                         <a:t>16</a:t>
                       </a:r>
-                      <a:endParaRPr lang="zh-CN" altLang="en-US" sz="1200" kern="100" dirty="0">
+                      <a:endParaRPr lang="zh-CN" altLang="en-US" sz="1400" kern="100" dirty="0">
                         <a:solidFill>
                           <a:schemeClr val="dk1"/>
                         </a:solidFill>
@@ -23307,7 +24864,7 @@
                         </a:spcAft>
                       </a:pPr>
                       <a:r>
-                        <a:rPr lang="en-US" sz="1200" kern="100" dirty="0">
+                        <a:rPr lang="en-US" sz="1400" kern="100" dirty="0">
                           <a:solidFill>
                             <a:schemeClr val="dk1"/>
                           </a:solidFill>
@@ -23318,7 +24875,7 @@
                         </a:rPr>
                         <a:t>90</a:t>
                       </a:r>
-                      <a:endParaRPr lang="zh-CN" altLang="en-US" sz="1200" kern="100" dirty="0">
+                      <a:endParaRPr lang="zh-CN" altLang="en-US" sz="1400" kern="100" dirty="0">
                         <a:solidFill>
                           <a:schemeClr val="dk1"/>
                         </a:solidFill>
@@ -23345,7 +24902,7 @@
                         </a:spcAft>
                       </a:pPr>
                       <a:r>
-                        <a:rPr lang="en-US" altLang="zh-CN" sz="1200" kern="100" dirty="0">
+                        <a:rPr lang="en-US" altLang="zh-CN" sz="1400" kern="100" dirty="0">
                           <a:solidFill>
                             <a:schemeClr val="dk1"/>
                           </a:solidFill>
@@ -23356,7 +24913,7 @@
                         </a:rPr>
                         <a:t>405</a:t>
                       </a:r>
-                      <a:endParaRPr lang="zh-CN" altLang="en-US" sz="1200" kern="100" dirty="0">
+                      <a:endParaRPr lang="zh-CN" altLang="en-US" sz="1400" kern="100" dirty="0">
                         <a:solidFill>
                           <a:schemeClr val="dk1"/>
                         </a:solidFill>
@@ -23371,7 +24928,7 @@
                 </a:tc>
                 <a:extLst>
                   <a:ext uri="{0D108BD9-81ED-4DB2-BD59-A6C34878D82A}">
-                    <a16:rowId xmlns:a16="http://schemas.microsoft.com/office/drawing/2014/main" val="129675508"/>
+                    <a16:rowId xmlns:a16="http://schemas.microsoft.com/office/drawing/2014/main" xmlns="" val="129675508"/>
                   </a:ext>
                 </a:extLst>
               </a:tr>
@@ -23390,18 +24947,18 @@
                         </a:spcAft>
                       </a:pPr>
                       <a:r>
-                        <a:rPr lang="en-US" sz="1200" kern="100" dirty="0">
+                        <a:rPr lang="en-US" sz="1400" kern="100" dirty="0">
                           <a:effectLst/>
                         </a:rPr>
                         <a:t>2011 JSSC</a:t>
                       </a:r>
                       <a:r>
-                        <a:rPr lang="en-US" sz="1200" kern="100" baseline="30000" dirty="0">
+                        <a:rPr lang="en-US" sz="1400" kern="100" baseline="30000" dirty="0">
                           <a:effectLst/>
                         </a:rPr>
                         <a:t>[3]</a:t>
                       </a:r>
-                      <a:endParaRPr lang="zh-CN" sz="1300" kern="100" baseline="30000" dirty="0">
+                      <a:endParaRPr lang="zh-CN" sz="1400" kern="100" baseline="30000" dirty="0">
                         <a:effectLst/>
                         <a:latin typeface="Times New Roman" panose="02020603050405020304" pitchFamily="18" charset="0"/>
                         <a:ea typeface="宋体" panose="02010600030101010101" pitchFamily="2" charset="-122"/>
@@ -23425,12 +24982,12 @@
                         </a:spcAft>
                       </a:pPr>
                       <a:r>
-                        <a:rPr lang="en-US" sz="1200" kern="100" dirty="0">
+                        <a:rPr lang="en-US" sz="1400" kern="100" dirty="0">
                           <a:effectLst/>
                         </a:rPr>
                         <a:t>Excess-four CORDIC</a:t>
                       </a:r>
-                      <a:endParaRPr lang="zh-CN" sz="1300" kern="100" dirty="0">
+                      <a:endParaRPr lang="zh-CN" sz="1400" kern="100" dirty="0">
                         <a:effectLst/>
                         <a:latin typeface="Times New Roman" panose="02020603050405020304" pitchFamily="18" charset="0"/>
                         <a:ea typeface="宋体" panose="02010600030101010101" pitchFamily="2" charset="-122"/>
@@ -23454,12 +25011,12 @@
                         </a:spcAft>
                       </a:pPr>
                       <a:r>
-                        <a:rPr lang="en-US" sz="1200" kern="100">
+                        <a:rPr lang="en-US" sz="1400" kern="100" dirty="0">
                           <a:effectLst/>
                         </a:rPr>
                         <a:t>0.18um</a:t>
                       </a:r>
-                      <a:endParaRPr lang="zh-CN" sz="1300" kern="100">
+                      <a:endParaRPr lang="zh-CN" sz="1400" kern="100" dirty="0">
                         <a:effectLst/>
                         <a:latin typeface="Times New Roman" panose="02020603050405020304" pitchFamily="18" charset="0"/>
                         <a:ea typeface="宋体" panose="02010600030101010101" pitchFamily="2" charset="-122"/>
@@ -23483,12 +25040,12 @@
                         </a:spcAft>
                       </a:pPr>
                       <a:r>
-                        <a:rPr lang="en-US" sz="1200" kern="100" dirty="0">
+                        <a:rPr lang="en-US" sz="1400" kern="100" dirty="0">
                           <a:effectLst/>
                         </a:rPr>
                         <a:t>260</a:t>
                       </a:r>
-                      <a:endParaRPr lang="zh-CN" sz="1300" kern="100" dirty="0">
+                      <a:endParaRPr lang="zh-CN" sz="1400" kern="100" dirty="0">
                         <a:effectLst/>
                         <a:latin typeface="Times New Roman" panose="02020603050405020304" pitchFamily="18" charset="0"/>
                         <a:ea typeface="宋体" panose="02010600030101010101" pitchFamily="2" charset="-122"/>
@@ -23512,12 +25069,12 @@
                         </a:spcAft>
                       </a:pPr>
                       <a:r>
-                        <a:rPr lang="en-US" sz="1200" kern="100">
+                        <a:rPr lang="en-US" sz="1400" kern="100" dirty="0">
                           <a:effectLst/>
                         </a:rPr>
                         <a:t>20</a:t>
                       </a:r>
-                      <a:endParaRPr lang="zh-CN" sz="1300" kern="100">
+                      <a:endParaRPr lang="zh-CN" sz="1400" kern="100" dirty="0">
                         <a:effectLst/>
                         <a:latin typeface="Times New Roman" panose="02020603050405020304" pitchFamily="18" charset="0"/>
                         <a:ea typeface="宋体" panose="02010600030101010101" pitchFamily="2" charset="-122"/>
@@ -23541,12 +25098,12 @@
                         </a:spcAft>
                       </a:pPr>
                       <a:r>
-                        <a:rPr lang="en-US" sz="1200" kern="100">
+                        <a:rPr lang="en-US" sz="1400" kern="100" dirty="0">
                           <a:effectLst/>
                         </a:rPr>
                         <a:t>113</a:t>
                       </a:r>
-                      <a:endParaRPr lang="zh-CN" sz="1300" kern="100">
+                      <a:endParaRPr lang="zh-CN" sz="1400" kern="100" dirty="0">
                         <a:effectLst/>
                         <a:latin typeface="Times New Roman" panose="02020603050405020304" pitchFamily="18" charset="0"/>
                         <a:ea typeface="宋体" panose="02010600030101010101" pitchFamily="2" charset="-122"/>
@@ -23570,12 +25127,12 @@
                         </a:spcAft>
                       </a:pPr>
                       <a:r>
-                        <a:rPr lang="en-US" sz="1200" kern="100" dirty="0">
+                        <a:rPr lang="en-US" sz="1400" kern="100" dirty="0">
                           <a:effectLst/>
                         </a:rPr>
                         <a:t>63.5</a:t>
                       </a:r>
-                      <a:endParaRPr lang="zh-CN" sz="1300" kern="100" dirty="0">
+                      <a:endParaRPr lang="zh-CN" sz="1400" kern="100" dirty="0">
                         <a:effectLst/>
                         <a:latin typeface="Times New Roman" panose="02020603050405020304" pitchFamily="18" charset="0"/>
                         <a:ea typeface="宋体" panose="02010600030101010101" pitchFamily="2" charset="-122"/>
@@ -23587,7 +25144,7 @@
                 </a:tc>
                 <a:extLst>
                   <a:ext uri="{0D108BD9-81ED-4DB2-BD59-A6C34878D82A}">
-                    <a16:rowId xmlns:a16="http://schemas.microsoft.com/office/drawing/2014/main" val="1933070713"/>
+                    <a16:rowId xmlns:a16="http://schemas.microsoft.com/office/drawing/2014/main" xmlns="" val="1933070713"/>
                   </a:ext>
                 </a:extLst>
               </a:tr>
@@ -23606,18 +25163,18 @@
                         </a:spcAft>
                       </a:pPr>
                       <a:r>
-                        <a:rPr lang="en-US" sz="1200" kern="100" dirty="0">
+                        <a:rPr lang="en-US" sz="1400" kern="100" dirty="0">
                           <a:effectLst/>
                         </a:rPr>
                         <a:t>2014 ISCAS</a:t>
                       </a:r>
                       <a:r>
-                        <a:rPr lang="en-US" sz="1200" kern="100" baseline="30000" dirty="0">
+                        <a:rPr lang="en-US" sz="1400" kern="100" baseline="30000" dirty="0">
                           <a:effectLst/>
                         </a:rPr>
                         <a:t>[5]</a:t>
                       </a:r>
-                      <a:endParaRPr lang="zh-CN" sz="1300" kern="100" baseline="30000" dirty="0">
+                      <a:endParaRPr lang="zh-CN" sz="1400" kern="100" baseline="30000" dirty="0">
                         <a:effectLst/>
                         <a:latin typeface="Times New Roman" panose="02020603050405020304" pitchFamily="18" charset="0"/>
                         <a:ea typeface="宋体" panose="02010600030101010101" pitchFamily="2" charset="-122"/>
@@ -23641,12 +25198,12 @@
                         </a:spcAft>
                       </a:pPr>
                       <a:r>
-                        <a:rPr lang="en-US" sz="1200" kern="100" dirty="0">
+                        <a:rPr lang="en-US" sz="1400" kern="100" dirty="0">
                           <a:effectLst/>
                         </a:rPr>
                         <a:t>ROM-Multiplier</a:t>
                       </a:r>
-                      <a:endParaRPr lang="zh-CN" sz="1300" kern="100" dirty="0">
+                      <a:endParaRPr lang="zh-CN" sz="1400" kern="100" dirty="0">
                         <a:effectLst/>
                         <a:latin typeface="Times New Roman" panose="02020603050405020304" pitchFamily="18" charset="0"/>
                         <a:ea typeface="宋体" panose="02010600030101010101" pitchFamily="2" charset="-122"/>
@@ -23670,12 +25227,12 @@
                         </a:spcAft>
                       </a:pPr>
                       <a:r>
-                        <a:rPr lang="en-US" sz="1200" kern="100" dirty="0">
+                        <a:rPr lang="en-US" sz="1400" kern="100" dirty="0">
                           <a:effectLst/>
                         </a:rPr>
                         <a:t>FPGA</a:t>
                       </a:r>
-                      <a:endParaRPr lang="zh-CN" sz="1300" kern="100" dirty="0">
+                      <a:endParaRPr lang="zh-CN" sz="1400" kern="100" dirty="0">
                         <a:effectLst/>
                         <a:latin typeface="Times New Roman" panose="02020603050405020304" pitchFamily="18" charset="0"/>
                         <a:ea typeface="宋体" panose="02010600030101010101" pitchFamily="2" charset="-122"/>
@@ -23699,12 +25256,12 @@
                         </a:spcAft>
                       </a:pPr>
                       <a:r>
-                        <a:rPr lang="en-US" sz="1200" kern="100" dirty="0">
+                        <a:rPr lang="en-US" sz="1400" kern="100" dirty="0">
                           <a:effectLst/>
                         </a:rPr>
                         <a:t>1000</a:t>
                       </a:r>
-                      <a:endParaRPr lang="zh-CN" sz="1300" kern="100" dirty="0">
+                      <a:endParaRPr lang="zh-CN" sz="1400" kern="100" dirty="0">
                         <a:effectLst/>
                         <a:latin typeface="Times New Roman" panose="02020603050405020304" pitchFamily="18" charset="0"/>
                         <a:ea typeface="宋体" panose="02010600030101010101" pitchFamily="2" charset="-122"/>
@@ -23728,12 +25285,12 @@
                         </a:spcAft>
                       </a:pPr>
                       <a:r>
-                        <a:rPr lang="en-US" sz="1200" kern="100">
+                        <a:rPr lang="en-US" sz="1400" kern="100" dirty="0">
                           <a:effectLst/>
                         </a:rPr>
                         <a:t>20</a:t>
                       </a:r>
-                      <a:endParaRPr lang="zh-CN" sz="1300" kern="100">
+                      <a:endParaRPr lang="zh-CN" sz="1400" kern="100" dirty="0">
                         <a:effectLst/>
                         <a:latin typeface="Times New Roman" panose="02020603050405020304" pitchFamily="18" charset="0"/>
                         <a:ea typeface="宋体" panose="02010600030101010101" pitchFamily="2" charset="-122"/>
@@ -23757,7 +25314,7 @@
                         </a:spcAft>
                       </a:pPr>
                       <a:r>
-                        <a:rPr lang="en-US" sz="1200" kern="100" dirty="0">
+                        <a:rPr lang="en-US" sz="1400" kern="100" dirty="0">
                           <a:solidFill>
                             <a:schemeClr val="tx1"/>
                           </a:solidFill>
@@ -23765,7 +25322,7 @@
                         </a:rPr>
                         <a:t>120</a:t>
                       </a:r>
-                      <a:endParaRPr lang="zh-CN" sz="1300" kern="100" dirty="0">
+                      <a:endParaRPr lang="zh-CN" sz="1400" kern="100" dirty="0">
                         <a:solidFill>
                           <a:schemeClr val="tx1"/>
                         </a:solidFill>
@@ -23792,12 +25349,12 @@
                         </a:spcAft>
                       </a:pPr>
                       <a:r>
-                        <a:rPr lang="en-US" sz="1200" kern="100" dirty="0">
+                        <a:rPr lang="en-US" sz="1400" kern="100" dirty="0">
                           <a:effectLst/>
                         </a:rPr>
                         <a:t>54.9</a:t>
                       </a:r>
-                      <a:endParaRPr lang="zh-CN" sz="1300" kern="100" dirty="0">
+                      <a:endParaRPr lang="zh-CN" sz="1400" kern="100" dirty="0">
                         <a:effectLst/>
                         <a:latin typeface="Times New Roman" panose="02020603050405020304" pitchFamily="18" charset="0"/>
                         <a:ea typeface="宋体" panose="02010600030101010101" pitchFamily="2" charset="-122"/>
@@ -23809,7 +25366,7 @@
                 </a:tc>
                 <a:extLst>
                   <a:ext uri="{0D108BD9-81ED-4DB2-BD59-A6C34878D82A}">
-                    <a16:rowId xmlns:a16="http://schemas.microsoft.com/office/drawing/2014/main" val="1368412510"/>
+                    <a16:rowId xmlns:a16="http://schemas.microsoft.com/office/drawing/2014/main" xmlns="" val="1368412510"/>
                   </a:ext>
                 </a:extLst>
               </a:tr>
@@ -23828,30 +25385,30 @@
                         </a:spcAft>
                       </a:pPr>
                       <a:r>
-                        <a:rPr lang="zh-CN" sz="1200" kern="100" dirty="0">
+                        <a:rPr lang="zh-CN" sz="1400" kern="100" dirty="0">
                           <a:effectLst/>
                         </a:rPr>
                         <a:t>本设计</a:t>
                       </a:r>
                       <a:r>
-                        <a:rPr lang="en-US" altLang="zh-CN" sz="1200" kern="100" dirty="0">
+                        <a:rPr lang="en-US" altLang="zh-CN" sz="1400" kern="100" dirty="0">
                           <a:effectLst/>
                         </a:rPr>
                         <a:t>(</a:t>
                       </a:r>
                       <a:r>
-                        <a:rPr lang="zh-CN" altLang="en-US" sz="1200" kern="100" dirty="0">
+                        <a:rPr lang="zh-CN" altLang="en-US" sz="1400" kern="100" dirty="0">
                           <a:effectLst/>
                         </a:rPr>
                         <a:t>后仿</a:t>
                       </a:r>
                       <a:r>
-                        <a:rPr lang="en-US" altLang="zh-CN" sz="1200" kern="100" dirty="0">
+                        <a:rPr lang="en-US" altLang="zh-CN" sz="1400" kern="100" dirty="0">
                           <a:effectLst/>
                         </a:rPr>
                         <a:t>)</a:t>
                       </a:r>
-                      <a:endParaRPr lang="zh-CN" sz="1300" b="0" kern="100" dirty="0">
+                      <a:endParaRPr lang="zh-CN" sz="1400" b="0" kern="100" dirty="0">
                         <a:effectLst/>
                         <a:latin typeface="Times New Roman" panose="02020603050405020304" pitchFamily="18" charset="0"/>
                         <a:ea typeface="宋体" panose="02010600030101010101" pitchFamily="2" charset="-122"/>
@@ -23875,12 +25432,12 @@
                         </a:spcAft>
                       </a:pPr>
                       <a:r>
-                        <a:rPr lang="en-US" sz="1200" kern="100" dirty="0">
+                        <a:rPr lang="en-US" sz="1400" kern="100" dirty="0">
                           <a:effectLst/>
                         </a:rPr>
                         <a:t>ROM-CORDIC</a:t>
                       </a:r>
-                      <a:endParaRPr lang="zh-CN" sz="1300" kern="100" dirty="0">
+                      <a:endParaRPr lang="zh-CN" sz="1400" kern="100" dirty="0">
                         <a:effectLst/>
                         <a:latin typeface="Times New Roman" panose="02020603050405020304" pitchFamily="18" charset="0"/>
                         <a:ea typeface="宋体" panose="02010600030101010101" pitchFamily="2" charset="-122"/>
@@ -23904,12 +25461,12 @@
                         </a:spcAft>
                       </a:pPr>
                       <a:r>
-                        <a:rPr lang="en-US" sz="1200" kern="100" dirty="0">
+                        <a:rPr lang="en-US" sz="1400" kern="100" dirty="0">
                           <a:effectLst/>
                         </a:rPr>
                         <a:t>65 nm</a:t>
                       </a:r>
-                      <a:endParaRPr lang="zh-CN" sz="1300" kern="100" dirty="0">
+                      <a:endParaRPr lang="zh-CN" sz="1400" kern="100" dirty="0">
                         <a:effectLst/>
                         <a:latin typeface="Times New Roman" panose="02020603050405020304" pitchFamily="18" charset="0"/>
                         <a:ea typeface="宋体" panose="02010600030101010101" pitchFamily="2" charset="-122"/>
@@ -23933,7 +25490,7 @@
                         </a:spcAft>
                       </a:pPr>
                       <a:r>
-                        <a:rPr lang="en-US" sz="1200" b="1" kern="100" dirty="0">
+                        <a:rPr lang="en-US" sz="1400" b="1" kern="100" dirty="0">
                           <a:solidFill>
                             <a:srgbClr val="FF0000"/>
                           </a:solidFill>
@@ -23941,7 +25498,7 @@
                         </a:rPr>
                         <a:t>1700</a:t>
                       </a:r>
-                      <a:endParaRPr lang="zh-CN" sz="1300" b="1" kern="100" dirty="0">
+                      <a:endParaRPr lang="zh-CN" sz="1400" b="1" kern="100" dirty="0">
                         <a:solidFill>
                           <a:srgbClr val="FF0000"/>
                         </a:solidFill>
@@ -23968,12 +25525,12 @@
                         </a:spcAft>
                       </a:pPr>
                       <a:r>
-                        <a:rPr lang="en-US" sz="1200" kern="100" dirty="0">
+                        <a:rPr lang="en-US" sz="1400" kern="100" dirty="0">
                           <a:effectLst/>
                         </a:rPr>
                         <a:t>16</a:t>
                       </a:r>
-                      <a:endParaRPr lang="zh-CN" sz="1300" kern="100" dirty="0">
+                      <a:endParaRPr lang="zh-CN" sz="1400" kern="100" dirty="0">
                         <a:effectLst/>
                         <a:latin typeface="Times New Roman" panose="02020603050405020304" pitchFamily="18" charset="0"/>
                         <a:ea typeface="宋体" panose="02010600030101010101" pitchFamily="2" charset="-122"/>
@@ -23997,12 +25554,12 @@
                         </a:spcAft>
                       </a:pPr>
                       <a:r>
-                        <a:rPr lang="en-US" sz="1200" kern="100" dirty="0">
+                        <a:rPr lang="en-US" sz="1400" kern="100" dirty="0">
                           <a:effectLst/>
                         </a:rPr>
                         <a:t>100</a:t>
                       </a:r>
-                      <a:endParaRPr lang="zh-CN" sz="1300" kern="100" dirty="0">
+                      <a:endParaRPr lang="zh-CN" sz="1400" kern="100" dirty="0">
                         <a:effectLst/>
                         <a:latin typeface="Times New Roman" panose="02020603050405020304" pitchFamily="18" charset="0"/>
                         <a:ea typeface="宋体" panose="02010600030101010101" pitchFamily="2" charset="-122"/>
@@ -24026,7 +25583,7 @@
                         </a:spcAft>
                       </a:pPr>
                       <a:r>
-                        <a:rPr lang="en-US" sz="1200" b="1" kern="100" dirty="0">
+                        <a:rPr lang="en-US" sz="1400" b="1" kern="100" dirty="0">
                           <a:solidFill>
                             <a:srgbClr val="FF0000"/>
                           </a:solidFill>
@@ -24034,7 +25591,7 @@
                         </a:rPr>
                         <a:t>13.8</a:t>
                       </a:r>
-                      <a:endParaRPr lang="zh-CN" sz="1300" b="1" kern="100" dirty="0">
+                      <a:endParaRPr lang="zh-CN" sz="1400" b="1" kern="100" dirty="0">
                         <a:solidFill>
                           <a:srgbClr val="FF0000"/>
                         </a:solidFill>
@@ -24049,7 +25606,7 @@
                 </a:tc>
                 <a:extLst>
                   <a:ext uri="{0D108BD9-81ED-4DB2-BD59-A6C34878D82A}">
-                    <a16:rowId xmlns:a16="http://schemas.microsoft.com/office/drawing/2014/main" val="3083826517"/>
+                    <a16:rowId xmlns:a16="http://schemas.microsoft.com/office/drawing/2014/main" xmlns="" val="3083826517"/>
                   </a:ext>
                 </a:extLst>
               </a:tr>
@@ -24057,6 +25614,189 @@
           </a:graphicData>
         </a:graphic>
       </p:graphicFrame>
+      <p:sp>
+        <p:nvSpPr>
+          <p:cNvPr id="6" name="文本框 5">
+            <a:extLst>
+              <a:ext uri="{FF2B5EF4-FFF2-40B4-BE49-F238E27FC236}">
+                <a16:creationId xmlns:a16="http://schemas.microsoft.com/office/drawing/2014/main" xmlns="" id="{4006F415-CC0A-4D2C-B1BF-6E04DAA3F10F}"/>
+              </a:ext>
+            </a:extLst>
+          </p:cNvPr>
+          <p:cNvSpPr txBox="1"/>
+          <p:nvPr/>
+        </p:nvSpPr>
+        <p:spPr>
+          <a:xfrm>
+            <a:off x="190499" y="4650608"/>
+            <a:ext cx="8705851" cy="1967846"/>
+          </a:xfrm>
+          <a:prstGeom prst="rect">
+            <a:avLst/>
+          </a:prstGeom>
+          <a:noFill/>
+        </p:spPr>
+        <p:txBody>
+          <a:bodyPr wrap="square" rtlCol="0">
+            <a:spAutoFit/>
+          </a:bodyPr>
+          <a:lstStyle/>
+          <a:p>
+            <a:pPr marL="557213" lvl="1" indent="-214313" fontAlgn="base">
+              <a:lnSpc>
+                <a:spcPct val="120000"/>
+              </a:lnSpc>
+              <a:spcBef>
+                <a:spcPts val="600"/>
+              </a:spcBef>
+              <a:spcAft>
+                <a:spcPts val="600"/>
+              </a:spcAft>
+              <a:buChar char="–"/>
+            </a:pPr>
+            <a:r>
+              <a:rPr lang="zh-CN" altLang="en-US" sz="2200" dirty="0" smtClean="0">
+                <a:latin typeface="微软雅黑" panose="020B0503020204020204" pitchFamily="34" charset="-122"/>
+                <a:ea typeface="微软雅黑" panose="020B0503020204020204" pitchFamily="34" charset="-122"/>
+                <a:cs typeface="Arial Unicode MS" pitchFamily="34" charset="-122"/>
+              </a:rPr>
+              <a:t>工作总结</a:t>
+            </a:r>
+            <a:endParaRPr lang="en-US" altLang="zh-CN" sz="2200" dirty="0">
+              <a:latin typeface="微软雅黑" panose="020B0503020204020204" pitchFamily="34" charset="-122"/>
+              <a:ea typeface="微软雅黑" panose="020B0503020204020204" pitchFamily="34" charset="-122"/>
+              <a:cs typeface="Arial Unicode MS" pitchFamily="34" charset="-122"/>
+            </a:endParaRPr>
+          </a:p>
+          <a:p>
+            <a:pPr marL="1014413" lvl="2" indent="-214313" fontAlgn="base">
+              <a:lnSpc>
+                <a:spcPct val="120000"/>
+              </a:lnSpc>
+              <a:spcBef>
+                <a:spcPts val="300"/>
+              </a:spcBef>
+              <a:spcAft>
+                <a:spcPts val="300"/>
+              </a:spcAft>
+              <a:buChar char="–"/>
+            </a:pPr>
+            <a:r>
+              <a:rPr lang="zh-CN" altLang="en-US" sz="1500" dirty="0" smtClean="0">
+                <a:latin typeface="微软雅黑" panose="020B0503020204020204" pitchFamily="34" charset="-122"/>
+                <a:ea typeface="微软雅黑" panose="020B0503020204020204" pitchFamily="34" charset="-122"/>
+                <a:cs typeface="Arial Unicode MS" pitchFamily="34" charset="-122"/>
+              </a:rPr>
+              <a:t>使用查找表乘法器和角度旋转方法，实现了超高速、高精度数控振荡器</a:t>
+            </a:r>
+            <a:endParaRPr lang="en-US" altLang="zh-CN" sz="1500" dirty="0" smtClean="0">
+              <a:latin typeface="微软雅黑" panose="020B0503020204020204" pitchFamily="34" charset="-122"/>
+              <a:ea typeface="微软雅黑" panose="020B0503020204020204" pitchFamily="34" charset="-122"/>
+              <a:cs typeface="Arial Unicode MS" pitchFamily="34" charset="-122"/>
+            </a:endParaRPr>
+          </a:p>
+          <a:p>
+            <a:pPr marL="1014413" lvl="2" indent="-214313" fontAlgn="base">
+              <a:lnSpc>
+                <a:spcPct val="120000"/>
+              </a:lnSpc>
+              <a:spcBef>
+                <a:spcPts val="300"/>
+              </a:spcBef>
+              <a:spcAft>
+                <a:spcPts val="300"/>
+              </a:spcAft>
+              <a:buChar char="–"/>
+            </a:pPr>
+            <a:r>
+              <a:rPr lang="zh-CN" altLang="en-US" sz="1500" dirty="0" smtClean="0">
+                <a:latin typeface="微软雅黑" panose="020B0503020204020204" pitchFamily="34" charset="-122"/>
+                <a:ea typeface="微软雅黑" panose="020B0503020204020204" pitchFamily="34" charset="-122"/>
+                <a:cs typeface="Arial Unicode MS" pitchFamily="34" charset="-122"/>
+              </a:rPr>
+              <a:t>使用</a:t>
+            </a:r>
+            <a:r>
+              <a:rPr lang="zh-CN" altLang="en-US" sz="1500" dirty="0">
+                <a:latin typeface="微软雅黑" panose="020B0503020204020204" pitchFamily="34" charset="-122"/>
+                <a:ea typeface="微软雅黑" panose="020B0503020204020204" pitchFamily="34" charset="-122"/>
+                <a:cs typeface="Arial Unicode MS" pitchFamily="34" charset="-122"/>
+              </a:rPr>
+              <a:t>级联的旋转单元进行流水线加速，替换参考文献</a:t>
+            </a:r>
+            <a:r>
+              <a:rPr lang="en-US" altLang="zh-CN" sz="1500" baseline="30000" dirty="0">
+                <a:latin typeface="微软雅黑" panose="020B0503020204020204" pitchFamily="34" charset="-122"/>
+                <a:ea typeface="微软雅黑" panose="020B0503020204020204" pitchFamily="34" charset="-122"/>
+                <a:cs typeface="Arial Unicode MS" pitchFamily="34" charset="-122"/>
+              </a:rPr>
+              <a:t>[5]</a:t>
+            </a:r>
+            <a:r>
+              <a:rPr lang="zh-CN" altLang="en-US" sz="1500" dirty="0">
+                <a:latin typeface="微软雅黑" panose="020B0503020204020204" pitchFamily="34" charset="-122"/>
+                <a:ea typeface="微软雅黑" panose="020B0503020204020204" pitchFamily="34" charset="-122"/>
+                <a:cs typeface="Arial Unicode MS" pitchFamily="34" charset="-122"/>
+              </a:rPr>
+              <a:t>中乘法器</a:t>
+            </a:r>
+            <a:endParaRPr lang="en-US" altLang="zh-CN" sz="1500" dirty="0">
+              <a:latin typeface="微软雅黑" panose="020B0503020204020204" pitchFamily="34" charset="-122"/>
+              <a:ea typeface="微软雅黑" panose="020B0503020204020204" pitchFamily="34" charset="-122"/>
+              <a:cs typeface="Arial Unicode MS" pitchFamily="34" charset="-122"/>
+            </a:endParaRPr>
+          </a:p>
+          <a:p>
+            <a:pPr marL="1014413" lvl="2" indent="-214313" fontAlgn="base">
+              <a:lnSpc>
+                <a:spcPct val="120000"/>
+              </a:lnSpc>
+              <a:spcBef>
+                <a:spcPts val="300"/>
+              </a:spcBef>
+              <a:spcAft>
+                <a:spcPts val="300"/>
+              </a:spcAft>
+              <a:buChar char="–"/>
+            </a:pPr>
+            <a:r>
+              <a:rPr lang="zh-CN" altLang="en-US" sz="1500" dirty="0">
+                <a:latin typeface="微软雅黑" panose="020B0503020204020204" pitchFamily="34" charset="-122"/>
+                <a:ea typeface="微软雅黑" panose="020B0503020204020204" pitchFamily="34" charset="-122"/>
+                <a:cs typeface="Arial Unicode MS" pitchFamily="34" charset="-122"/>
+              </a:rPr>
+              <a:t>分析相位截断和近似失真两类噪声，给出了约束条件和索引分配方案</a:t>
+            </a:r>
+            <a:endParaRPr lang="en-US" altLang="zh-CN" sz="1500" dirty="0">
+              <a:latin typeface="微软雅黑" panose="020B0503020204020204" pitchFamily="34" charset="-122"/>
+              <a:ea typeface="微软雅黑" panose="020B0503020204020204" pitchFamily="34" charset="-122"/>
+              <a:cs typeface="Arial Unicode MS" pitchFamily="34" charset="-122"/>
+            </a:endParaRPr>
+          </a:p>
+          <a:p>
+            <a:pPr marL="1014413" lvl="2" indent="-214313" fontAlgn="base">
+              <a:lnSpc>
+                <a:spcPct val="120000"/>
+              </a:lnSpc>
+              <a:spcBef>
+                <a:spcPts val="600"/>
+              </a:spcBef>
+              <a:spcAft>
+                <a:spcPts val="600"/>
+              </a:spcAft>
+              <a:buChar char="–"/>
+            </a:pPr>
+            <a:r>
+              <a:rPr lang="zh-CN" altLang="en-US" sz="1500" dirty="0">
+                <a:latin typeface="微软雅黑" panose="020B0503020204020204" pitchFamily="34" charset="-122"/>
+                <a:ea typeface="微软雅黑" panose="020B0503020204020204" pitchFamily="34" charset="-122"/>
+                <a:cs typeface="Arial Unicode MS" pitchFamily="34" charset="-122"/>
+              </a:rPr>
+              <a:t>规范电路布局、优化关键路径，最终在速度和功耗上取得突破</a:t>
+            </a:r>
+          </a:p>
+        </p:txBody>
+      </p:sp>
     </p:spTree>
     <p:extLst>
       <p:ext uri="{BB962C8B-B14F-4D97-AF65-F5344CB8AC3E}">
@@ -24067,6 +25807,13 @@
   <p:clrMapOvr>
     <a:masterClrMapping/>
   </p:clrMapOvr>
+  <p:timing>
+    <p:tnLst>
+      <p:par>
+        <p:cTn id="1" dur="indefinite" restart="never" nodeType="tmRoot"/>
+      </p:par>
+    </p:tnLst>
+  </p:timing>
 </p:sld>
 </file>
 
@@ -24092,7 +25839,7 @@
           <p:cNvPr id="2" name="标题 1">
             <a:extLst>
               <a:ext uri="{FF2B5EF4-FFF2-40B4-BE49-F238E27FC236}">
-                <a16:creationId xmlns:a16="http://schemas.microsoft.com/office/drawing/2014/main" id="{79C72F44-5573-4C5C-9BDE-903DE9D4CED2}"/>
+                <a16:creationId xmlns:a16="http://schemas.microsoft.com/office/drawing/2014/main" xmlns="" id="{79C72F44-5573-4C5C-9BDE-903DE9D4CED2}"/>
               </a:ext>
             </a:extLst>
           </p:cNvPr>
@@ -24103,7 +25850,12 @@
             <p:ph type="title"/>
           </p:nvPr>
         </p:nvSpPr>
-        <p:spPr/>
+        <p:spPr>
+          <a:xfrm>
+            <a:off x="381000" y="0"/>
+            <a:ext cx="8229600" cy="762000"/>
+          </a:xfrm>
+        </p:spPr>
         <p:txBody>
           <a:bodyPr/>
           <a:lstStyle/>
@@ -24111,7 +25863,9 @@
             <a:pPr marL="342900" lvl="1"/>
             <a:r>
               <a:rPr lang="zh-CN" altLang="en-US" sz="3600" dirty="0">
-                <a:ea typeface="Arial Unicode MS" pitchFamily="34" charset="-122"/>
+                <a:latin typeface="黑体" panose="02010609060101010101" pitchFamily="49" charset="-122"/>
+                <a:ea typeface="黑体" panose="02010609060101010101" pitchFamily="49" charset="-122"/>
+                <a:cs typeface="Arial Unicode MS" pitchFamily="34" charset="-122"/>
               </a:rPr>
               <a:t>参考文献</a:t>
             </a:r>
@@ -24123,7 +25877,7 @@
           <p:cNvPr id="5" name="文本框 4">
             <a:extLst>
               <a:ext uri="{FF2B5EF4-FFF2-40B4-BE49-F238E27FC236}">
-                <a16:creationId xmlns:a16="http://schemas.microsoft.com/office/drawing/2014/main" id="{4006F415-CC0A-4D2C-B1BF-6E04DAA3F10F}"/>
+                <a16:creationId xmlns:a16="http://schemas.microsoft.com/office/drawing/2014/main" xmlns="" id="{4006F415-CC0A-4D2C-B1BF-6E04DAA3F10F}"/>
               </a:ext>
             </a:extLst>
           </p:cNvPr>
@@ -24478,7 +26232,7 @@
           <p:cNvPr id="7" name="页脚占位符 4">
             <a:extLst>
               <a:ext uri="{FF2B5EF4-FFF2-40B4-BE49-F238E27FC236}">
-                <a16:creationId xmlns:a16="http://schemas.microsoft.com/office/drawing/2014/main" id="{698B0707-EE31-4310-A762-FD65345E21BF}"/>
+                <a16:creationId xmlns:a16="http://schemas.microsoft.com/office/drawing/2014/main" xmlns="" id="{698B0707-EE31-4310-A762-FD65345E21BF}"/>
               </a:ext>
             </a:extLst>
           </p:cNvPr>
@@ -24524,6 +26278,13 @@
   <p:clrMapOvr>
     <a:masterClrMapping/>
   </p:clrMapOvr>
+  <p:timing>
+    <p:tnLst>
+      <p:par>
+        <p:cTn id="1" dur="indefinite" restart="never" nodeType="tmRoot"/>
+      </p:par>
+    </p:tnLst>
+  </p:timing>
 </p:sld>
 </file>
 
@@ -24554,21 +26315,35 @@
             <p:ph type="title"/>
           </p:nvPr>
         </p:nvSpPr>
-        <p:spPr/>
+        <p:spPr>
+          <a:xfrm>
+            <a:off x="381000" y="0"/>
+            <a:ext cx="8229600" cy="733933"/>
+          </a:xfrm>
+        </p:spPr>
         <p:txBody>
           <a:bodyPr/>
           <a:lstStyle/>
           <a:p>
             <a:r>
-              <a:rPr lang="zh-CN" altLang="en-US" sz="3600" dirty="0"/>
+              <a:rPr lang="zh-CN" altLang="en-US" sz="3600" dirty="0">
+                <a:latin typeface="黑体" panose="02010609060101010101" pitchFamily="49" charset="-122"/>
+                <a:ea typeface="黑体" panose="02010609060101010101" pitchFamily="49" charset="-122"/>
+              </a:rPr>
               <a:t>附录</a:t>
             </a:r>
             <a:r>
-              <a:rPr lang="en-US" altLang="zh-CN" sz="3600" dirty="0"/>
+              <a:rPr lang="en-US" altLang="zh-CN" sz="3600" dirty="0">
+                <a:latin typeface="黑体" panose="02010609060101010101" pitchFamily="49" charset="-122"/>
+                <a:ea typeface="黑体" panose="02010609060101010101" pitchFamily="49" charset="-122"/>
+              </a:rPr>
               <a:t>——</a:t>
             </a:r>
             <a:r>
-              <a:rPr lang="zh-CN" altLang="en-US" sz="3600" dirty="0"/>
+              <a:rPr lang="zh-CN" altLang="en-US" sz="3600" dirty="0">
+                <a:latin typeface="黑体" panose="02010609060101010101" pitchFamily="49" charset="-122"/>
+                <a:ea typeface="黑体" panose="02010609060101010101" pitchFamily="49" charset="-122"/>
+              </a:rPr>
               <a:t>改进算法推导</a:t>
             </a:r>
           </a:p>
@@ -31407,7 +33182,7 @@
           <p:cNvPr id="11" name="内容占位符 2">
             <a:extLst>
               <a:ext uri="{FF2B5EF4-FFF2-40B4-BE49-F238E27FC236}">
-                <a16:creationId xmlns:a16="http://schemas.microsoft.com/office/drawing/2014/main" id="{173EE2C7-4115-41F7-9A14-07F65F3BB05E}"/>
+                <a16:creationId xmlns:a16="http://schemas.microsoft.com/office/drawing/2014/main" xmlns="" id="{173EE2C7-4115-41F7-9A14-07F65F3BB05E}"/>
               </a:ext>
             </a:extLst>
           </p:cNvPr>
@@ -31632,7 +33407,7 @@
           <p:cNvPr id="12" name="图片 11" descr="D:\毕设\大四下\lunwen\图片\DDS传统架构.png">
             <a:extLst>
               <a:ext uri="{FF2B5EF4-FFF2-40B4-BE49-F238E27FC236}">
-                <a16:creationId xmlns:a16="http://schemas.microsoft.com/office/drawing/2014/main" id="{2C5E50B7-3E70-460B-A338-BD70B411DA19}"/>
+                <a16:creationId xmlns:a16="http://schemas.microsoft.com/office/drawing/2014/main" xmlns="" id="{2C5E50B7-3E70-460B-A338-BD70B411DA19}"/>
               </a:ext>
             </a:extLst>
           </p:cNvPr>
@@ -32073,7 +33848,7 @@
           <p:cNvPr id="16" name="内容占位符 2">
             <a:extLst>
               <a:ext uri="{FF2B5EF4-FFF2-40B4-BE49-F238E27FC236}">
-                <a16:creationId xmlns:a16="http://schemas.microsoft.com/office/drawing/2014/main" id="{772844F7-7D52-4ACF-908A-2B07AD3E014E}"/>
+                <a16:creationId xmlns:a16="http://schemas.microsoft.com/office/drawing/2014/main" xmlns="" id="{772844F7-7D52-4ACF-908A-2B07AD3E014E}"/>
               </a:ext>
             </a:extLst>
           </p:cNvPr>
@@ -32382,7 +34157,7 @@
           <p:cNvPr id="17" name="内容占位符 2">
             <a:extLst>
               <a:ext uri="{FF2B5EF4-FFF2-40B4-BE49-F238E27FC236}">
-                <a16:creationId xmlns:a16="http://schemas.microsoft.com/office/drawing/2014/main" id="{772844F7-7D52-4ACF-908A-2B07AD3E014E}"/>
+                <a16:creationId xmlns:a16="http://schemas.microsoft.com/office/drawing/2014/main" xmlns="" id="{772844F7-7D52-4ACF-908A-2B07AD3E014E}"/>
               </a:ext>
             </a:extLst>
           </p:cNvPr>
@@ -33699,7 +35474,7 @@
           <p:cNvPr id="14" name="内容占位符 2">
             <a:extLst>
               <a:ext uri="{FF2B5EF4-FFF2-40B4-BE49-F238E27FC236}">
-                <a16:creationId xmlns:a16="http://schemas.microsoft.com/office/drawing/2014/main" id="{772844F7-7D52-4ACF-908A-2B07AD3E014E}"/>
+                <a16:creationId xmlns:a16="http://schemas.microsoft.com/office/drawing/2014/main" xmlns="" id="{772844F7-7D52-4ACF-908A-2B07AD3E014E}"/>
               </a:ext>
             </a:extLst>
           </p:cNvPr>
@@ -34348,15 +36123,24 @@
           <a:lstStyle/>
           <a:p>
             <a:r>
-              <a:rPr lang="zh-CN" altLang="en-US" sz="3600" dirty="0"/>
+              <a:rPr lang="zh-CN" altLang="en-US" sz="3600" dirty="0">
+                <a:latin typeface="黑体" panose="02010609060101010101" pitchFamily="49" charset="-122"/>
+                <a:ea typeface="黑体" panose="02010609060101010101" pitchFamily="49" charset="-122"/>
+              </a:rPr>
               <a:t>课题背景</a:t>
             </a:r>
             <a:r>
-              <a:rPr lang="en-US" altLang="zh-CN" sz="3600" dirty="0"/>
+              <a:rPr lang="en-US" altLang="zh-CN" sz="3600" dirty="0">
+                <a:latin typeface="黑体" panose="02010609060101010101" pitchFamily="49" charset="-122"/>
+                <a:ea typeface="黑体" panose="02010609060101010101" pitchFamily="49" charset="-122"/>
+              </a:rPr>
               <a:t>——</a:t>
             </a:r>
             <a:r>
-              <a:rPr lang="zh-CN" altLang="en-US" sz="3600" dirty="0"/>
+              <a:rPr lang="zh-CN" altLang="en-US" sz="3600" dirty="0">
+                <a:latin typeface="黑体" panose="02010609060101010101" pitchFamily="49" charset="-122"/>
+                <a:ea typeface="黑体" panose="02010609060101010101" pitchFamily="49" charset="-122"/>
+              </a:rPr>
               <a:t>以往工作</a:t>
             </a:r>
           </a:p>
@@ -34425,42 +36209,42 @@
                 <a:gridCol w="1210880">
                   <a:extLst>
                     <a:ext uri="{9D8B030D-6E8A-4147-A177-3AD203B41FA5}">
-                      <a16:colId xmlns:a16="http://schemas.microsoft.com/office/drawing/2014/main" val="20000"/>
+                      <a16:colId xmlns:a16="http://schemas.microsoft.com/office/drawing/2014/main" xmlns="" val="20000"/>
                     </a:ext>
                   </a:extLst>
                 </a:gridCol>
                 <a:gridCol w="536202">
                   <a:extLst>
                     <a:ext uri="{9D8B030D-6E8A-4147-A177-3AD203B41FA5}">
-                      <a16:colId xmlns:a16="http://schemas.microsoft.com/office/drawing/2014/main" val="20001"/>
+                      <a16:colId xmlns:a16="http://schemas.microsoft.com/office/drawing/2014/main" xmlns="" val="20001"/>
                     </a:ext>
                   </a:extLst>
                 </a:gridCol>
                 <a:gridCol w="573741">
                   <a:extLst>
                     <a:ext uri="{9D8B030D-6E8A-4147-A177-3AD203B41FA5}">
-                      <a16:colId xmlns:a16="http://schemas.microsoft.com/office/drawing/2014/main" val="20002"/>
+                      <a16:colId xmlns:a16="http://schemas.microsoft.com/office/drawing/2014/main" xmlns="" val="20002"/>
                     </a:ext>
                   </a:extLst>
                 </a:gridCol>
                 <a:gridCol w="797859">
                   <a:extLst>
                     <a:ext uri="{9D8B030D-6E8A-4147-A177-3AD203B41FA5}">
-                      <a16:colId xmlns:a16="http://schemas.microsoft.com/office/drawing/2014/main" val="20003"/>
+                      <a16:colId xmlns:a16="http://schemas.microsoft.com/office/drawing/2014/main" xmlns="" val="20003"/>
                     </a:ext>
                   </a:extLst>
                 </a:gridCol>
                 <a:gridCol w="600635">
                   <a:extLst>
                     <a:ext uri="{9D8B030D-6E8A-4147-A177-3AD203B41FA5}">
-                      <a16:colId xmlns:a16="http://schemas.microsoft.com/office/drawing/2014/main" val="20004"/>
+                      <a16:colId xmlns:a16="http://schemas.microsoft.com/office/drawing/2014/main" xmlns="" val="20004"/>
                     </a:ext>
                   </a:extLst>
                 </a:gridCol>
                 <a:gridCol w="510988">
                   <a:extLst>
                     <a:ext uri="{9D8B030D-6E8A-4147-A177-3AD203B41FA5}">
-                      <a16:colId xmlns:a16="http://schemas.microsoft.com/office/drawing/2014/main" val="20005"/>
+                      <a16:colId xmlns:a16="http://schemas.microsoft.com/office/drawing/2014/main" xmlns="" val="20005"/>
                     </a:ext>
                   </a:extLst>
                 </a:gridCol>
@@ -34769,7 +36553,7 @@
                 </a:tc>
                 <a:extLst>
                   <a:ext uri="{0D108BD9-81ED-4DB2-BD59-A6C34878D82A}">
-                    <a16:rowId xmlns:a16="http://schemas.microsoft.com/office/drawing/2014/main" val="10000"/>
+                    <a16:rowId xmlns:a16="http://schemas.microsoft.com/office/drawing/2014/main" xmlns="" val="10000"/>
                   </a:ext>
                 </a:extLst>
               </a:tr>
@@ -34968,7 +36752,7 @@
                 </a:tc>
                 <a:extLst>
                   <a:ext uri="{0D108BD9-81ED-4DB2-BD59-A6C34878D82A}">
-                    <a16:rowId xmlns:a16="http://schemas.microsoft.com/office/drawing/2014/main" val="10001"/>
+                    <a16:rowId xmlns:a16="http://schemas.microsoft.com/office/drawing/2014/main" xmlns="" val="10001"/>
                   </a:ext>
                 </a:extLst>
               </a:tr>
@@ -35167,7 +36951,7 @@
                 </a:tc>
                 <a:extLst>
                   <a:ext uri="{0D108BD9-81ED-4DB2-BD59-A6C34878D82A}">
-                    <a16:rowId xmlns:a16="http://schemas.microsoft.com/office/drawing/2014/main" val="10002"/>
+                    <a16:rowId xmlns:a16="http://schemas.microsoft.com/office/drawing/2014/main" xmlns="" val="10002"/>
                   </a:ext>
                 </a:extLst>
               </a:tr>
@@ -35354,7 +37138,7 @@
                 </a:tc>
                 <a:extLst>
                   <a:ext uri="{0D108BD9-81ED-4DB2-BD59-A6C34878D82A}">
-                    <a16:rowId xmlns:a16="http://schemas.microsoft.com/office/drawing/2014/main" val="10003"/>
+                    <a16:rowId xmlns:a16="http://schemas.microsoft.com/office/drawing/2014/main" xmlns="" val="10003"/>
                   </a:ext>
                 </a:extLst>
               </a:tr>
@@ -35550,7 +37334,7 @@
                 </a:tc>
                 <a:extLst>
                   <a:ext uri="{0D108BD9-81ED-4DB2-BD59-A6C34878D82A}">
-                    <a16:rowId xmlns:a16="http://schemas.microsoft.com/office/drawing/2014/main" val="10004"/>
+                    <a16:rowId xmlns:a16="http://schemas.microsoft.com/office/drawing/2014/main" xmlns="" val="10004"/>
                   </a:ext>
                 </a:extLst>
               </a:tr>
@@ -35621,15 +37405,24 @@
           <a:lstStyle/>
           <a:p>
             <a:r>
-              <a:rPr lang="zh-CN" altLang="en-US" sz="3600" dirty="0"/>
+              <a:rPr lang="zh-CN" altLang="en-US" sz="3600" dirty="0">
+                <a:latin typeface="黑体" panose="02010609060101010101" pitchFamily="49" charset="-122"/>
+                <a:ea typeface="黑体" panose="02010609060101010101" pitchFamily="49" charset="-122"/>
+              </a:rPr>
               <a:t>实施方案</a:t>
             </a:r>
             <a:r>
-              <a:rPr lang="en-US" altLang="zh-CN" sz="3600" dirty="0"/>
+              <a:rPr lang="en-US" altLang="zh-CN" sz="3600" dirty="0">
+                <a:latin typeface="黑体" panose="02010609060101010101" pitchFamily="49" charset="-122"/>
+                <a:ea typeface="黑体" panose="02010609060101010101" pitchFamily="49" charset="-122"/>
+              </a:rPr>
               <a:t>——</a:t>
             </a:r>
             <a:r>
-              <a:rPr lang="zh-CN" altLang="en-US" sz="3600" dirty="0"/>
+              <a:rPr lang="zh-CN" altLang="en-US" sz="3600" dirty="0">
+                <a:latin typeface="黑体" panose="02010609060101010101" pitchFamily="49" charset="-122"/>
+                <a:ea typeface="黑体" panose="02010609060101010101" pitchFamily="49" charset="-122"/>
+              </a:rPr>
               <a:t>改进点</a:t>
             </a:r>
           </a:p>
@@ -35962,7 +37755,7 @@
           <p:cNvPr id="8" name="图片 7">
             <a:extLst>
               <a:ext uri="{FF2B5EF4-FFF2-40B4-BE49-F238E27FC236}">
-                <a16:creationId xmlns:a16="http://schemas.microsoft.com/office/drawing/2014/main" id="{D66A4827-A107-4E76-9AFA-A332527FB4CB}"/>
+                <a16:creationId xmlns:a16="http://schemas.microsoft.com/office/drawing/2014/main" xmlns="" id="{D66A4827-A107-4E76-9AFA-A332527FB4CB}"/>
               </a:ext>
             </a:extLst>
           </p:cNvPr>
@@ -35990,7 +37783,7 @@
           <p:cNvPr id="9" name="内容占位符 2">
             <a:extLst>
               <a:ext uri="{FF2B5EF4-FFF2-40B4-BE49-F238E27FC236}">
-                <a16:creationId xmlns:a16="http://schemas.microsoft.com/office/drawing/2014/main" id="{D7EAE30E-6355-4F16-A9DF-D3AB86615C57}"/>
+                <a16:creationId xmlns:a16="http://schemas.microsoft.com/office/drawing/2014/main" xmlns="" id="{D7EAE30E-6355-4F16-A9DF-D3AB86615C57}"/>
               </a:ext>
             </a:extLst>
           </p:cNvPr>
@@ -36204,11 +37997,35 @@
               </a:spcAft>
             </a:pPr>
             <a:r>
-              <a:rPr lang="zh-CN" altLang="en-US" sz="1500" kern="0" dirty="0">
+              <a:rPr lang="zh-CN" altLang="en-US" sz="1500" kern="0" dirty="0" smtClean="0">
                 <a:latin typeface="微软雅黑" panose="020B0503020204020204" pitchFamily="34" charset="-122"/>
                 <a:ea typeface="微软雅黑" panose="020B0503020204020204" pitchFamily="34" charset="-122"/>
               </a:rPr>
-              <a:t>使用</a:t>
+              <a:t>用</a:t>
+            </a:r>
+            <a:r>
+              <a:rPr lang="en-US" altLang="zh-CN" sz="1500" kern="0" dirty="0" smtClean="0">
+                <a:latin typeface="微软雅黑" panose="020B0503020204020204" pitchFamily="34" charset="-122"/>
+                <a:ea typeface="微软雅黑" panose="020B0503020204020204" pitchFamily="34" charset="-122"/>
+              </a:rPr>
+              <a:t>CORDIC</a:t>
+            </a:r>
+            <a:r>
+              <a:rPr lang="zh-CN" altLang="en-US" sz="1500" kern="0" dirty="0" smtClean="0">
+                <a:latin typeface="微软雅黑" panose="020B0503020204020204" pitchFamily="34" charset="-122"/>
+                <a:ea typeface="微软雅黑" panose="020B0503020204020204" pitchFamily="34" charset="-122"/>
+              </a:rPr>
+              <a:t>算法中的</a:t>
+            </a:r>
+            <a:r>
+              <a:rPr lang="zh-CN" altLang="en-US" sz="1500" kern="0" dirty="0" smtClean="0">
+                <a:solidFill>
+                  <a:srgbClr val="FF0000"/>
+                </a:solidFill>
+                <a:latin typeface="微软雅黑" panose="020B0503020204020204" pitchFamily="34" charset="-122"/>
+                <a:ea typeface="微软雅黑" panose="020B0503020204020204" pitchFamily="34" charset="-122"/>
+              </a:rPr>
+              <a:t>旋转</a:t>
             </a:r>
             <a:r>
               <a:rPr lang="zh-CN" altLang="en-US" sz="1500" kern="0" dirty="0">
@@ -36218,7 +38035,7 @@
                 <a:latin typeface="微软雅黑" panose="020B0503020204020204" pitchFamily="34" charset="-122"/>
                 <a:ea typeface="微软雅黑" panose="020B0503020204020204" pitchFamily="34" charset="-122"/>
               </a:rPr>
-              <a:t>级联的旋转单元</a:t>
+              <a:t>单元</a:t>
             </a:r>
             <a:r>
               <a:rPr lang="zh-CN" altLang="en-US" sz="1500" kern="0" dirty="0">
@@ -36242,11 +38059,18 @@
               </a:spcAft>
             </a:pPr>
             <a:r>
+              <a:rPr lang="zh-CN" altLang="en-US" sz="1500" kern="0" dirty="0" smtClean="0">
+                <a:latin typeface="微软雅黑" panose="020B0503020204020204" pitchFamily="34" charset="-122"/>
+                <a:ea typeface="微软雅黑" panose="020B0503020204020204" pitchFamily="34" charset="-122"/>
+              </a:rPr>
+              <a:t>算法推导，分析近似</a:t>
+            </a:r>
+            <a:r>
               <a:rPr lang="zh-CN" altLang="en-US" sz="1500" kern="0" dirty="0">
                 <a:latin typeface="微软雅黑" panose="020B0503020204020204" pitchFamily="34" charset="-122"/>
                 <a:ea typeface="微软雅黑" panose="020B0503020204020204" pitchFamily="34" charset="-122"/>
               </a:rPr>
-              <a:t>讨论改进算法中近似噪声的引入，给出抑制噪声的</a:t>
+              <a:t>噪声的引入，给出抑制噪声的</a:t>
             </a:r>
             <a:r>
               <a:rPr lang="zh-CN" altLang="en-US" sz="1500" kern="0" dirty="0">
@@ -36345,22 +38169,31 @@
           <a:lstStyle/>
           <a:p>
             <a:r>
-              <a:rPr lang="zh-CN" altLang="en-US" sz="3600" dirty="0"/>
+              <a:rPr lang="zh-CN" altLang="en-US" sz="3600" dirty="0">
+                <a:latin typeface="黑体" panose="02010609060101010101" pitchFamily="49" charset="-122"/>
+                <a:ea typeface="黑体" panose="02010609060101010101" pitchFamily="49" charset="-122"/>
+              </a:rPr>
               <a:t>实施方案</a:t>
             </a:r>
             <a:r>
-              <a:rPr lang="en-US" altLang="zh-CN" sz="3600" dirty="0"/>
+              <a:rPr lang="en-US" altLang="zh-CN" sz="3600" dirty="0">
+                <a:latin typeface="黑体" panose="02010609060101010101" pitchFamily="49" charset="-122"/>
+                <a:ea typeface="黑体" panose="02010609060101010101" pitchFamily="49" charset="-122"/>
+              </a:rPr>
               <a:t>——</a:t>
             </a:r>
             <a:r>
-              <a:rPr lang="zh-CN" altLang="en-US" sz="3600" dirty="0"/>
+              <a:rPr lang="zh-CN" altLang="en-US" sz="3600" dirty="0">
+                <a:latin typeface="黑体" panose="02010609060101010101" pitchFamily="49" charset="-122"/>
+                <a:ea typeface="黑体" panose="02010609060101010101" pitchFamily="49" charset="-122"/>
+              </a:rPr>
               <a:t>系统构架</a:t>
             </a:r>
           </a:p>
         </p:txBody>
       </p:sp>
-      <mc:AlternateContent xmlns:mc="http://schemas.openxmlformats.org/markup-compatibility/2006" xmlns:a14="http://schemas.microsoft.com/office/drawing/2010/main">
-        <mc:Choice Requires="a14">
+      <mc:AlternateContent xmlns:mc="http://schemas.openxmlformats.org/markup-compatibility/2006">
+        <mc:Choice xmlns:a14="http://schemas.microsoft.com/office/drawing/2010/main" Requires="a14">
           <p:sp>
             <p:nvSpPr>
               <p:cNvPr id="5" name="内容占位符 2"/>
@@ -36466,7 +38299,7 @@
                   </a:spcAft>
                 </a:pPr>
                 <a:r>
-                  <a:rPr lang="en-US" altLang="zh-CN" sz="1600" kern="1200" dirty="0">
+                  <a:rPr lang="en-US" altLang="zh-CN" sz="1600" kern="1200" dirty="0" smtClean="0">
                     <a:latin typeface="微软雅黑" panose="020B0503020204020204" pitchFamily="34" charset="-122"/>
                     <a:ea typeface="微软雅黑" panose="020B0503020204020204" pitchFamily="34" charset="-122"/>
                   </a:rPr>
@@ -36519,12 +38352,16 @@
                   </m:oMath>
                 </a14:m>
                 <a:r>
-                  <a:rPr lang="en-US" altLang="zh-CN" sz="1600" kern="1200" dirty="0">
+                  <a:rPr lang="en-US" altLang="zh-CN" sz="1600" kern="1200" dirty="0" smtClean="0">
                     <a:latin typeface="微软雅黑" panose="020B0503020204020204" pitchFamily="34" charset="-122"/>
                     <a:ea typeface="微软雅黑" panose="020B0503020204020204" pitchFamily="34" charset="-122"/>
                   </a:rPr>
                   <a:t>”</a:t>
                 </a:r>
+                <a:endParaRPr lang="en-US" altLang="zh-CN" sz="1600" kern="1200" dirty="0">
+                  <a:latin typeface="微软雅黑" panose="020B0503020204020204" pitchFamily="34" charset="-122"/>
+                  <a:ea typeface="微软雅黑" panose="020B0503020204020204" pitchFamily="34" charset="-122"/>
+                </a:endParaRPr>
               </a:p>
               <a:p>
                 <a:pPr lvl="1">
@@ -36588,9 +38425,16 @@
                     <a:latin typeface="微软雅黑" panose="020B0503020204020204" pitchFamily="34" charset="-122"/>
                     <a:ea typeface="微软雅黑" panose="020B0503020204020204" pitchFamily="34" charset="-122"/>
                   </a:rPr>
-                  <a:t>引入了缩放因子，对引入噪声进行平衡，杂散性能更好</a:t>
+                  <a:t>引入了缩放因子</a:t>
                 </a:r>
-                <a:endParaRPr lang="en-US" altLang="zh-CN" sz="1600" kern="1200" dirty="0">
+                <a:r>
+                  <a:rPr lang="zh-CN" altLang="en-US" sz="1600" kern="1200" dirty="0" smtClean="0">
+                    <a:latin typeface="微软雅黑" panose="020B0503020204020204" pitchFamily="34" charset="-122"/>
+                    <a:ea typeface="微软雅黑" panose="020B0503020204020204" pitchFamily="34" charset="-122"/>
+                  </a:rPr>
+                  <a:t>，避免溢出出现</a:t>
+                </a:r>
+                <a:endParaRPr lang="en-US" altLang="zh-CN" sz="1600" kern="1200" dirty="0" smtClean="0">
                   <a:latin typeface="微软雅黑" panose="020B0503020204020204" pitchFamily="34" charset="-122"/>
                   <a:ea typeface="微软雅黑" panose="020B0503020204020204" pitchFamily="34" charset="-122"/>
                 </a:endParaRPr>
@@ -36605,6 +38449,16 @@
                   </a:spcAft>
                 </a:pPr>
                 <a:r>
+                  <a:rPr lang="zh-CN" altLang="en-US" sz="1600" kern="1200" dirty="0" smtClean="0">
+                    <a:solidFill>
+                      <a:srgbClr val="FF0000"/>
+                    </a:solidFill>
+                    <a:latin typeface="微软雅黑" panose="020B0503020204020204" pitchFamily="34" charset="-122"/>
+                    <a:ea typeface="微软雅黑" panose="020B0503020204020204" pitchFamily="34" charset="-122"/>
+                  </a:rPr>
+                  <a:t>矩阵</a:t>
+                </a:r>
+                <a:r>
                   <a:rPr lang="zh-CN" altLang="en-US" sz="1600" kern="1200" dirty="0">
                     <a:solidFill>
                       <a:srgbClr val="FF0000"/>
@@ -36612,7 +38466,7 @@
                     <a:latin typeface="微软雅黑" panose="020B0503020204020204" pitchFamily="34" charset="-122"/>
                     <a:ea typeface="微软雅黑" panose="020B0503020204020204" pitchFamily="34" charset="-122"/>
                   </a:rPr>
-                  <a:t>矩阵旋转：</a:t>
+                  <a:t>旋转：</a:t>
                 </a:r>
                 <a:r>
                   <a:rPr lang="zh-CN" altLang="en-US" sz="1600" kern="1200" dirty="0">
@@ -36667,7 +38521,7 @@
             </p:txBody>
           </p:sp>
         </mc:Choice>
-        <mc:Fallback xmlns="">
+        <mc:Fallback>
           <p:sp>
             <p:nvSpPr>
               <p:cNvPr id="5" name="内容占位符 2"/>
@@ -36748,7 +38602,7 @@
         </p:nvGrpSpPr>
         <p:grpSpPr>
           <a:xfrm>
-            <a:off x="3967058" y="787585"/>
+            <a:off x="4198569" y="787585"/>
             <a:ext cx="4605442" cy="3390900"/>
             <a:chOff x="4041079" y="860257"/>
             <a:chExt cx="4943797" cy="3640025"/>
@@ -36759,7 +38613,7 @@
             <p:cNvPr id="117" name="图片 116" descr="D:\毕设\大四下\lunwen\图片\DDS改进架构.png">
               <a:extLst>
                 <a:ext uri="{FF2B5EF4-FFF2-40B4-BE49-F238E27FC236}">
-                  <a16:creationId xmlns:a16="http://schemas.microsoft.com/office/drawing/2014/main" id="{3EDD7146-5C7E-429D-8FC3-A0A66DD752D7}"/>
+                  <a16:creationId xmlns:a16="http://schemas.microsoft.com/office/drawing/2014/main" xmlns="" id="{3EDD7146-5C7E-429D-8FC3-A0A66DD752D7}"/>
                 </a:ext>
               </a:extLst>
             </p:cNvPr>
@@ -36949,30 +38803,45 @@
           <a:lstStyle/>
           <a:p>
             <a:r>
-              <a:rPr lang="zh-CN" altLang="en-US" sz="3600" dirty="0"/>
+              <a:rPr lang="zh-CN" altLang="en-US" sz="3600" dirty="0">
+                <a:latin typeface="黑体" panose="02010609060101010101" pitchFamily="49" charset="-122"/>
+                <a:ea typeface="黑体" panose="02010609060101010101" pitchFamily="49" charset="-122"/>
+              </a:rPr>
               <a:t>实施方案</a:t>
             </a:r>
             <a:r>
-              <a:rPr lang="en-US" altLang="zh-CN" sz="3600" dirty="0"/>
+              <a:rPr lang="en-US" altLang="zh-CN" sz="3600" dirty="0">
+                <a:latin typeface="黑体" panose="02010609060101010101" pitchFamily="49" charset="-122"/>
+                <a:ea typeface="黑体" panose="02010609060101010101" pitchFamily="49" charset="-122"/>
+              </a:rPr>
               <a:t>—</a:t>
             </a:r>
             <a:r>
-              <a:rPr lang="zh-CN" altLang="en-US" sz="3600" dirty="0"/>
+              <a:rPr lang="zh-CN" altLang="en-US" sz="3600" dirty="0">
+                <a:latin typeface="黑体" panose="02010609060101010101" pitchFamily="49" charset="-122"/>
+                <a:ea typeface="黑体" panose="02010609060101010101" pitchFamily="49" charset="-122"/>
+              </a:rPr>
               <a:t>查找表压缩 </a:t>
             </a:r>
             <a:r>
-              <a:rPr lang="en-US" altLang="zh-CN" sz="3600" dirty="0"/>
+              <a:rPr lang="en-US" altLang="zh-CN" sz="3600" dirty="0">
+                <a:latin typeface="黑体" panose="02010609060101010101" pitchFamily="49" charset="-122"/>
+                <a:ea typeface="黑体" panose="02010609060101010101" pitchFamily="49" charset="-122"/>
+              </a:rPr>
               <a:t>&amp; </a:t>
             </a:r>
             <a:r>
-              <a:rPr lang="zh-CN" altLang="en-US" sz="3600" dirty="0"/>
+              <a:rPr lang="zh-CN" altLang="en-US" sz="3600" dirty="0">
+                <a:latin typeface="黑体" panose="02010609060101010101" pitchFamily="49" charset="-122"/>
+                <a:ea typeface="黑体" panose="02010609060101010101" pitchFamily="49" charset="-122"/>
+              </a:rPr>
               <a:t>角度旋转</a:t>
             </a:r>
           </a:p>
         </p:txBody>
       </p:sp>
-      <mc:AlternateContent xmlns:mc="http://schemas.openxmlformats.org/markup-compatibility/2006" xmlns:a14="http://schemas.microsoft.com/office/drawing/2010/main">
-        <mc:Choice Requires="a14">
+      <mc:AlternateContent xmlns:mc="http://schemas.openxmlformats.org/markup-compatibility/2006">
+        <mc:Choice xmlns:a14="http://schemas.microsoft.com/office/drawing/2010/main" Requires="a14">
           <p:sp>
             <p:nvSpPr>
               <p:cNvPr id="5" name="内容占位符 2"/>
@@ -37174,124 +39043,20 @@
                   </a:spcAft>
                 </a:pPr>
                 <a:r>
-                  <a:rPr lang="zh-CN" altLang="en-US" sz="1300" kern="1200" dirty="0">
+                  <a:rPr lang="zh-CN" altLang="en-US" sz="1300" kern="1200" dirty="0" smtClean="0">
                     <a:latin typeface="微软雅黑" panose="020B0503020204020204" pitchFamily="34" charset="-122"/>
                     <a:ea typeface="微软雅黑" panose="020B0503020204020204" pitchFamily="34" charset="-122"/>
                   </a:rPr>
-                  <a:t>区间用于输出进行对称操作</a:t>
+                  <a:t>存储器地址节省</a:t>
                 </a:r>
-                <a:endParaRPr lang="en-US" altLang="zh-CN" sz="1300" kern="1200" dirty="0">
-                  <a:latin typeface="微软雅黑" panose="020B0503020204020204" pitchFamily="34" charset="-122"/>
-                  <a:ea typeface="微软雅黑" panose="020B0503020204020204" pitchFamily="34" charset="-122"/>
-                </a:endParaRPr>
-              </a:p>
-              <a:p>
-                <a:pPr lvl="3">
-                  <a:spcBef>
-                    <a:spcPts val="300"/>
-                  </a:spcBef>
-                  <a:spcAft>
-                    <a:spcPts val="300"/>
-                  </a:spcAft>
-                </a:pPr>
                 <a:r>
-                  <a:rPr lang="zh-CN" altLang="en-US" sz="1400" dirty="0"/>
-                  <a:t>粗相位</a:t>
-                </a:r>
-                <a14:m>
-                  <m:oMath xmlns:m="http://schemas.openxmlformats.org/officeDocument/2006/math">
-                    <m:sSub>
-                      <m:sSubPr>
-                        <m:ctrlPr>
-                          <a:rPr lang="en-US" altLang="zh-CN" sz="1400" i="1">
-                            <a:latin typeface="Cambria Math" panose="02040503050406030204" pitchFamily="18" charset="0"/>
-                          </a:rPr>
-                        </m:ctrlPr>
-                      </m:sSubPr>
-                      <m:e>
-                        <m:r>
-                          <a:rPr lang="zh-CN" altLang="en-US" sz="1400" i="1">
-                            <a:latin typeface="Cambria Math" panose="02040503050406030204" pitchFamily="18" charset="0"/>
-                          </a:rPr>
-                          <m:t>𝜃</m:t>
-                        </m:r>
-                      </m:e>
-                      <m:sub>
-                        <m:r>
-                          <a:rPr lang="en-US" altLang="zh-CN" sz="1400" i="1">
-                            <a:latin typeface="Cambria Math" panose="02040503050406030204" pitchFamily="18" charset="0"/>
-                          </a:rPr>
-                          <m:t>𝑀</m:t>
-                        </m:r>
-                      </m:sub>
-                    </m:sSub>
-                  </m:oMath>
-                </a14:m>
-                <a:r>
-                  <a:rPr lang="zh-CN" altLang="en-US" sz="1300" kern="1200" dirty="0">
+                  <a:rPr lang="en-US" altLang="zh-CN" sz="1300" kern="1200" dirty="0" smtClean="0">
                     <a:latin typeface="微软雅黑" panose="020B0503020204020204" pitchFamily="34" charset="-122"/>
                     <a:ea typeface="微软雅黑" panose="020B0503020204020204" pitchFamily="34" charset="-122"/>
                   </a:rPr>
-                  <a:t>用于查表</a:t>
+                  <a:t>3bits</a:t>
                 </a:r>
                 <a:endParaRPr lang="en-US" altLang="zh-CN" sz="1300" kern="1200" dirty="0">
-                  <a:latin typeface="微软雅黑" panose="020B0503020204020204" pitchFamily="34" charset="-122"/>
-                  <a:ea typeface="微软雅黑" panose="020B0503020204020204" pitchFamily="34" charset="-122"/>
-                </a:endParaRPr>
-              </a:p>
-              <a:p>
-                <a:pPr lvl="3">
-                  <a:spcBef>
-                    <a:spcPts val="300"/>
-                  </a:spcBef>
-                  <a:spcAft>
-                    <a:spcPts val="300"/>
-                  </a:spcAft>
-                </a:pPr>
-                <a:r>
-                  <a:rPr lang="zh-CN" altLang="en-US" sz="1300" kern="1200" dirty="0">
-                    <a:latin typeface="微软雅黑" panose="020B0503020204020204" pitchFamily="34" charset="-122"/>
-                    <a:ea typeface="微软雅黑" panose="020B0503020204020204" pitchFamily="34" charset="-122"/>
-                  </a:rPr>
-                  <a:t>细相位</a:t>
-                </a:r>
-                <a14:m>
-                  <m:oMath xmlns:m="http://schemas.openxmlformats.org/officeDocument/2006/math">
-                    <m:sSub>
-                      <m:sSubPr>
-                        <m:ctrlPr>
-                          <a:rPr lang="en-US" altLang="zh-CN" sz="1400" i="1">
-                            <a:latin typeface="Cambria Math" panose="02040503050406030204" pitchFamily="18" charset="0"/>
-                          </a:rPr>
-                        </m:ctrlPr>
-                      </m:sSubPr>
-                      <m:e>
-                        <m:r>
-                          <a:rPr lang="zh-CN" altLang="en-US" sz="1400" i="1">
-                            <a:latin typeface="Cambria Math" panose="02040503050406030204" pitchFamily="18" charset="0"/>
-                          </a:rPr>
-                          <m:t>𝜃</m:t>
-                        </m:r>
-                      </m:e>
-                      <m:sub>
-                        <m:r>
-                          <a:rPr lang="en-US" altLang="zh-CN" sz="1400" i="1">
-                            <a:latin typeface="Cambria Math" panose="02040503050406030204" pitchFamily="18" charset="0"/>
-                          </a:rPr>
-                          <m:t>𝑅</m:t>
-                        </m:r>
-                      </m:sub>
-                    </m:sSub>
-                  </m:oMath>
-                </a14:m>
-                <a:r>
-                  <a:rPr lang="zh-CN" altLang="en-US" sz="1300" kern="1200" dirty="0">
-                    <a:latin typeface="微软雅黑" panose="020B0503020204020204" pitchFamily="34" charset="-122"/>
-                    <a:ea typeface="微软雅黑" panose="020B0503020204020204" pitchFamily="34" charset="-122"/>
-                  </a:rPr>
-                  <a:t>用于旋转</a:t>
-                </a:r>
-                <a:endParaRPr lang="en-US" altLang="zh-CN" sz="1600" kern="1200" dirty="0">
                   <a:latin typeface="微软雅黑" panose="020B0503020204020204" pitchFamily="34" charset="-122"/>
                   <a:ea typeface="微软雅黑" panose="020B0503020204020204" pitchFamily="34" charset="-122"/>
                 </a:endParaRPr>
@@ -37306,24 +39071,24 @@
                   </a:spcAft>
                 </a:pPr>
                 <a:r>
-                  <a:rPr lang="zh-CN" altLang="en-US" sz="1600" kern="1200" dirty="0">
+                  <a:rPr lang="en-US" altLang="zh-CN" sz="1600" kern="1200" dirty="0" smtClean="0">
                     <a:latin typeface="微软雅黑" panose="020B0503020204020204" pitchFamily="34" charset="-122"/>
                     <a:ea typeface="微软雅黑" panose="020B0503020204020204" pitchFamily="34" charset="-122"/>
                   </a:rPr>
-                  <a:t>查找表索引长度减少</a:t>
+                  <a:t>PC</a:t>
                 </a:r>
                 <a:r>
-                  <a:rPr lang="en-US" altLang="zh-CN" sz="1600" kern="1200" dirty="0">
+                  <a:rPr lang="zh-CN" altLang="en-US" sz="1600" kern="1200" dirty="0" smtClean="0">
                     <a:latin typeface="微软雅黑" panose="020B0503020204020204" pitchFamily="34" charset="-122"/>
                     <a:ea typeface="微软雅黑" panose="020B0503020204020204" pitchFamily="34" charset="-122"/>
                   </a:rPr>
-                  <a:t>3 bits</a:t>
+                  <a:t>索引的分配</a:t>
                 </a:r>
               </a:p>
             </p:txBody>
           </p:sp>
         </mc:Choice>
-        <mc:Fallback xmlns="">
+        <mc:Fallback>
           <p:sp>
             <p:nvSpPr>
               <p:cNvPr id="5" name="内容占位符 2"/>
@@ -37342,7 +39107,7 @@
               <a:blipFill rotWithShape="0">
                 <a:blip r:embed="rId3"/>
                 <a:stretch>
-                  <a:fillRect t="-824" b="-5220"/>
+                  <a:fillRect t="-824"/>
                 </a:stretch>
               </a:blipFill>
             </p:spPr>
@@ -37389,70 +39154,70 @@
                 <a:gridCol w="369345">
                   <a:extLst>
                     <a:ext uri="{9D8B030D-6E8A-4147-A177-3AD203B41FA5}">
-                      <a16:colId xmlns:a16="http://schemas.microsoft.com/office/drawing/2014/main" val="20000"/>
+                      <a16:colId xmlns:a16="http://schemas.microsoft.com/office/drawing/2014/main" xmlns="" val="20000"/>
                     </a:ext>
                   </a:extLst>
                 </a:gridCol>
                 <a:gridCol w="369345">
                   <a:extLst>
                     <a:ext uri="{9D8B030D-6E8A-4147-A177-3AD203B41FA5}">
-                      <a16:colId xmlns:a16="http://schemas.microsoft.com/office/drawing/2014/main" val="20001"/>
+                      <a16:colId xmlns:a16="http://schemas.microsoft.com/office/drawing/2014/main" xmlns="" val="20001"/>
                     </a:ext>
                   </a:extLst>
                 </a:gridCol>
                 <a:gridCol w="369345">
                   <a:extLst>
                     <a:ext uri="{9D8B030D-6E8A-4147-A177-3AD203B41FA5}">
-                      <a16:colId xmlns:a16="http://schemas.microsoft.com/office/drawing/2014/main" val="20002"/>
+                      <a16:colId xmlns:a16="http://schemas.microsoft.com/office/drawing/2014/main" xmlns="" val="20002"/>
                     </a:ext>
                   </a:extLst>
                 </a:gridCol>
                 <a:gridCol w="369345">
                   <a:extLst>
                     <a:ext uri="{9D8B030D-6E8A-4147-A177-3AD203B41FA5}">
-                      <a16:colId xmlns:a16="http://schemas.microsoft.com/office/drawing/2014/main" val="20003"/>
+                      <a16:colId xmlns:a16="http://schemas.microsoft.com/office/drawing/2014/main" xmlns="" val="20003"/>
                     </a:ext>
                   </a:extLst>
                 </a:gridCol>
                 <a:gridCol w="369345">
                   <a:extLst>
                     <a:ext uri="{9D8B030D-6E8A-4147-A177-3AD203B41FA5}">
-                      <a16:colId xmlns:a16="http://schemas.microsoft.com/office/drawing/2014/main" val="20004"/>
+                      <a16:colId xmlns:a16="http://schemas.microsoft.com/office/drawing/2014/main" xmlns="" val="20004"/>
                     </a:ext>
                   </a:extLst>
                 </a:gridCol>
                 <a:gridCol w="369345">
                   <a:extLst>
                     <a:ext uri="{9D8B030D-6E8A-4147-A177-3AD203B41FA5}">
-                      <a16:colId xmlns:a16="http://schemas.microsoft.com/office/drawing/2014/main" val="20005"/>
+                      <a16:colId xmlns:a16="http://schemas.microsoft.com/office/drawing/2014/main" xmlns="" val="20005"/>
                     </a:ext>
                   </a:extLst>
                 </a:gridCol>
                 <a:gridCol w="369345">
                   <a:extLst>
                     <a:ext uri="{9D8B030D-6E8A-4147-A177-3AD203B41FA5}">
-                      <a16:colId xmlns:a16="http://schemas.microsoft.com/office/drawing/2014/main" val="20006"/>
+                      <a16:colId xmlns:a16="http://schemas.microsoft.com/office/drawing/2014/main" xmlns="" val="20006"/>
                     </a:ext>
                   </a:extLst>
                 </a:gridCol>
                 <a:gridCol w="369345">
                   <a:extLst>
                     <a:ext uri="{9D8B030D-6E8A-4147-A177-3AD203B41FA5}">
-                      <a16:colId xmlns:a16="http://schemas.microsoft.com/office/drawing/2014/main" val="20007"/>
+                      <a16:colId xmlns:a16="http://schemas.microsoft.com/office/drawing/2014/main" xmlns="" val="20007"/>
                     </a:ext>
                   </a:extLst>
                 </a:gridCol>
                 <a:gridCol w="355483">
                   <a:extLst>
                     <a:ext uri="{9D8B030D-6E8A-4147-A177-3AD203B41FA5}">
-                      <a16:colId xmlns:a16="http://schemas.microsoft.com/office/drawing/2014/main" val="20008"/>
+                      <a16:colId xmlns:a16="http://schemas.microsoft.com/office/drawing/2014/main" xmlns="" val="20008"/>
                     </a:ext>
                   </a:extLst>
                 </a:gridCol>
                 <a:gridCol w="384062">
                   <a:extLst>
                     <a:ext uri="{9D8B030D-6E8A-4147-A177-3AD203B41FA5}">
-                      <a16:colId xmlns:a16="http://schemas.microsoft.com/office/drawing/2014/main" val="20009"/>
+                      <a16:colId xmlns:a16="http://schemas.microsoft.com/office/drawing/2014/main" xmlns="" val="20009"/>
                     </a:ext>
                   </a:extLst>
                 </a:gridCol>
@@ -37976,7 +39741,7 @@
                 </a:tc>
                 <a:extLst>
                   <a:ext uri="{0D108BD9-81ED-4DB2-BD59-A6C34878D82A}">
-                    <a16:rowId xmlns:a16="http://schemas.microsoft.com/office/drawing/2014/main" val="10000"/>
+                    <a16:rowId xmlns:a16="http://schemas.microsoft.com/office/drawing/2014/main" xmlns="" val="10000"/>
                   </a:ext>
                 </a:extLst>
               </a:tr>
@@ -38347,70 +40112,70 @@
                 <a:gridCol w="369345">
                   <a:extLst>
                     <a:ext uri="{9D8B030D-6E8A-4147-A177-3AD203B41FA5}">
-                      <a16:colId xmlns:a16="http://schemas.microsoft.com/office/drawing/2014/main" val="20000"/>
+                      <a16:colId xmlns:a16="http://schemas.microsoft.com/office/drawing/2014/main" xmlns="" val="20000"/>
                     </a:ext>
                   </a:extLst>
                 </a:gridCol>
                 <a:gridCol w="369345">
                   <a:extLst>
                     <a:ext uri="{9D8B030D-6E8A-4147-A177-3AD203B41FA5}">
-                      <a16:colId xmlns:a16="http://schemas.microsoft.com/office/drawing/2014/main" val="20001"/>
+                      <a16:colId xmlns:a16="http://schemas.microsoft.com/office/drawing/2014/main" xmlns="" val="20001"/>
                     </a:ext>
                   </a:extLst>
                 </a:gridCol>
                 <a:gridCol w="369345">
                   <a:extLst>
                     <a:ext uri="{9D8B030D-6E8A-4147-A177-3AD203B41FA5}">
-                      <a16:colId xmlns:a16="http://schemas.microsoft.com/office/drawing/2014/main" val="20002"/>
+                      <a16:colId xmlns:a16="http://schemas.microsoft.com/office/drawing/2014/main" xmlns="" val="20002"/>
                     </a:ext>
                   </a:extLst>
                 </a:gridCol>
                 <a:gridCol w="369345">
                   <a:extLst>
                     <a:ext uri="{9D8B030D-6E8A-4147-A177-3AD203B41FA5}">
-                      <a16:colId xmlns:a16="http://schemas.microsoft.com/office/drawing/2014/main" val="20003"/>
+                      <a16:colId xmlns:a16="http://schemas.microsoft.com/office/drawing/2014/main" xmlns="" val="20003"/>
                     </a:ext>
                   </a:extLst>
                 </a:gridCol>
                 <a:gridCol w="369345">
                   <a:extLst>
                     <a:ext uri="{9D8B030D-6E8A-4147-A177-3AD203B41FA5}">
-                      <a16:colId xmlns:a16="http://schemas.microsoft.com/office/drawing/2014/main" val="20004"/>
+                      <a16:colId xmlns:a16="http://schemas.microsoft.com/office/drawing/2014/main" xmlns="" val="20004"/>
                     </a:ext>
                   </a:extLst>
                 </a:gridCol>
                 <a:gridCol w="369345">
                   <a:extLst>
                     <a:ext uri="{9D8B030D-6E8A-4147-A177-3AD203B41FA5}">
-                      <a16:colId xmlns:a16="http://schemas.microsoft.com/office/drawing/2014/main" val="20005"/>
+                      <a16:colId xmlns:a16="http://schemas.microsoft.com/office/drawing/2014/main" xmlns="" val="20005"/>
                     </a:ext>
                   </a:extLst>
                 </a:gridCol>
                 <a:gridCol w="369345">
                   <a:extLst>
                     <a:ext uri="{9D8B030D-6E8A-4147-A177-3AD203B41FA5}">
-                      <a16:colId xmlns:a16="http://schemas.microsoft.com/office/drawing/2014/main" val="20006"/>
+                      <a16:colId xmlns:a16="http://schemas.microsoft.com/office/drawing/2014/main" xmlns="" val="20006"/>
                     </a:ext>
                   </a:extLst>
                 </a:gridCol>
                 <a:gridCol w="369345">
                   <a:extLst>
                     <a:ext uri="{9D8B030D-6E8A-4147-A177-3AD203B41FA5}">
-                      <a16:colId xmlns:a16="http://schemas.microsoft.com/office/drawing/2014/main" val="20007"/>
+                      <a16:colId xmlns:a16="http://schemas.microsoft.com/office/drawing/2014/main" xmlns="" val="20007"/>
                     </a:ext>
                   </a:extLst>
                 </a:gridCol>
                 <a:gridCol w="355483">
                   <a:extLst>
                     <a:ext uri="{9D8B030D-6E8A-4147-A177-3AD203B41FA5}">
-                      <a16:colId xmlns:a16="http://schemas.microsoft.com/office/drawing/2014/main" val="20008"/>
+                      <a16:colId xmlns:a16="http://schemas.microsoft.com/office/drawing/2014/main" xmlns="" val="20008"/>
                     </a:ext>
                   </a:extLst>
                 </a:gridCol>
                 <a:gridCol w="384062">
                   <a:extLst>
                     <a:ext uri="{9D8B030D-6E8A-4147-A177-3AD203B41FA5}">
-                      <a16:colId xmlns:a16="http://schemas.microsoft.com/office/drawing/2014/main" val="20009"/>
+                      <a16:colId xmlns:a16="http://schemas.microsoft.com/office/drawing/2014/main" xmlns="" val="20009"/>
                     </a:ext>
                   </a:extLst>
                 </a:gridCol>
@@ -38988,7 +40753,7 @@
                 </a:tc>
                 <a:extLst>
                   <a:ext uri="{0D108BD9-81ED-4DB2-BD59-A6C34878D82A}">
-                    <a16:rowId xmlns:a16="http://schemas.microsoft.com/office/drawing/2014/main" val="10000"/>
+                    <a16:rowId xmlns:a16="http://schemas.microsoft.com/office/drawing/2014/main" xmlns="" val="10000"/>
                   </a:ext>
                 </a:extLst>
               </a:tr>
@@ -39552,7 +41317,7 @@
         </p:nvSpPr>
         <p:spPr bwMode="auto">
           <a:xfrm>
-            <a:off x="355999" y="3447629"/>
+            <a:off x="355999" y="3370209"/>
             <a:ext cx="3963807" cy="2715066"/>
           </a:xfrm>
           <a:prstGeom prst="rect">
@@ -39818,7 +41583,14 @@
                 <a:latin typeface="微软雅黑" panose="020B0503020204020204" pitchFamily="34" charset="-122"/>
                 <a:ea typeface="微软雅黑" panose="020B0503020204020204" pitchFamily="34" charset="-122"/>
               </a:rPr>
-              <a:t>矩阵旋转</a:t>
+              <a:t>角度</a:t>
+            </a:r>
+            <a:r>
+              <a:rPr lang="zh-CN" altLang="en-US" kern="0" dirty="0" smtClean="0">
+                <a:latin typeface="微软雅黑" panose="020B0503020204020204" pitchFamily="34" charset="-122"/>
+                <a:ea typeface="微软雅黑" panose="020B0503020204020204" pitchFamily="34" charset="-122"/>
+              </a:rPr>
+              <a:t>旋转</a:t>
             </a:r>
             <a:endParaRPr lang="en-US" altLang="zh-CN" kern="0" dirty="0">
               <a:latin typeface="微软雅黑" panose="020B0503020204020204" pitchFamily="34" charset="-122"/>
